--- a/images/Abbildungen-01.pptx
+++ b/images/Abbildungen-01.pptx
@@ -5,7 +5,7 @@
     <p:sldMasterId id="2147483648" r:id="rId1"/>
   </p:sldMasterIdLst>
   <p:notesMasterIdLst>
-    <p:notesMasterId r:id="rId14"/>
+    <p:notesMasterId r:id="rId15"/>
   </p:notesMasterIdLst>
   <p:sldIdLst>
     <p:sldId id="575" r:id="rId2"/>
@@ -20,6 +20,7 @@
     <p:sldId id="594" r:id="rId11"/>
     <p:sldId id="596" r:id="rId12"/>
     <p:sldId id="597" r:id="rId13"/>
+    <p:sldId id="598" r:id="rId14"/>
   </p:sldIdLst>
   <p:sldSz cx="12192000" cy="6858000"/>
   <p:notesSz cx="6858000" cy="9144000"/>
@@ -126,6 +127,4584 @@
 </p:presentation>
 </file>
 
+<file path=ppt/diagrams/colors1.xml><?xml version="1.0" encoding="utf-8"?>
+<dgm:colorsDef xmlns:dgm="http://schemas.openxmlformats.org/drawingml/2006/diagram" xmlns:a="http://schemas.openxmlformats.org/drawingml/2006/main" uniqueId="urn:microsoft.com/office/officeart/2005/8/colors/colorful1">
+  <dgm:title val=""/>
+  <dgm:desc val=""/>
+  <dgm:catLst>
+    <dgm:cat type="colorful" pri="10100"/>
+  </dgm:catLst>
+  <dgm:styleLbl name="node0">
+    <dgm:fillClrLst meth="repeat">
+      <a:schemeClr val="accent1"/>
+    </dgm:fillClrLst>
+    <dgm:linClrLst meth="repeat">
+      <a:schemeClr val="lt1"/>
+    </dgm:linClrLst>
+    <dgm:effectClrLst/>
+    <dgm:txLinClrLst/>
+    <dgm:txFillClrLst/>
+    <dgm:txEffectClrLst/>
+  </dgm:styleLbl>
+  <dgm:styleLbl name="node1">
+    <dgm:fillClrLst meth="repeat">
+      <a:schemeClr val="accent2"/>
+      <a:schemeClr val="accent3"/>
+      <a:schemeClr val="accent4"/>
+      <a:schemeClr val="accent5"/>
+      <a:schemeClr val="accent6"/>
+    </dgm:fillClrLst>
+    <dgm:linClrLst meth="repeat">
+      <a:schemeClr val="lt1"/>
+    </dgm:linClrLst>
+    <dgm:effectClrLst/>
+    <dgm:txLinClrLst/>
+    <dgm:txFillClrLst/>
+    <dgm:txEffectClrLst/>
+  </dgm:styleLbl>
+  <dgm:styleLbl name="alignNode1">
+    <dgm:fillClrLst meth="repeat">
+      <a:schemeClr val="accent2"/>
+      <a:schemeClr val="accent3"/>
+      <a:schemeClr val="accent4"/>
+      <a:schemeClr val="accent5"/>
+      <a:schemeClr val="accent6"/>
+    </dgm:fillClrLst>
+    <dgm:linClrLst meth="repeat">
+      <a:schemeClr val="accent2"/>
+      <a:schemeClr val="accent3"/>
+      <a:schemeClr val="accent4"/>
+      <a:schemeClr val="accent5"/>
+      <a:schemeClr val="accent6"/>
+    </dgm:linClrLst>
+    <dgm:effectClrLst/>
+    <dgm:txLinClrLst/>
+    <dgm:txFillClrLst/>
+    <dgm:txEffectClrLst/>
+  </dgm:styleLbl>
+  <dgm:styleLbl name="lnNode1">
+    <dgm:fillClrLst meth="repeat">
+      <a:schemeClr val="accent2"/>
+      <a:schemeClr val="accent3"/>
+      <a:schemeClr val="accent4"/>
+      <a:schemeClr val="accent5"/>
+      <a:schemeClr val="accent6"/>
+    </dgm:fillClrLst>
+    <dgm:linClrLst meth="repeat">
+      <a:schemeClr val="lt1"/>
+    </dgm:linClrLst>
+    <dgm:effectClrLst/>
+    <dgm:txLinClrLst/>
+    <dgm:txFillClrLst/>
+    <dgm:txEffectClrLst/>
+  </dgm:styleLbl>
+  <dgm:styleLbl name="vennNode1">
+    <dgm:fillClrLst meth="repeat">
+      <a:schemeClr val="accent2">
+        <a:alpha val="50000"/>
+      </a:schemeClr>
+      <a:schemeClr val="accent3">
+        <a:alpha val="50000"/>
+      </a:schemeClr>
+      <a:schemeClr val="accent4">
+        <a:alpha val="50000"/>
+      </a:schemeClr>
+      <a:schemeClr val="accent5">
+        <a:alpha val="50000"/>
+      </a:schemeClr>
+      <a:schemeClr val="accent6">
+        <a:alpha val="50000"/>
+      </a:schemeClr>
+    </dgm:fillClrLst>
+    <dgm:linClrLst meth="repeat">
+      <a:schemeClr val="lt1"/>
+    </dgm:linClrLst>
+    <dgm:effectClrLst/>
+    <dgm:txLinClrLst/>
+    <dgm:txFillClrLst/>
+    <dgm:txEffectClrLst/>
+  </dgm:styleLbl>
+  <dgm:styleLbl name="node2">
+    <dgm:fillClrLst>
+      <a:schemeClr val="accent2"/>
+    </dgm:fillClrLst>
+    <dgm:linClrLst meth="repeat">
+      <a:schemeClr val="lt1"/>
+    </dgm:linClrLst>
+    <dgm:effectClrLst/>
+    <dgm:txLinClrLst/>
+    <dgm:txFillClrLst/>
+    <dgm:txEffectClrLst/>
+  </dgm:styleLbl>
+  <dgm:styleLbl name="node3">
+    <dgm:fillClrLst>
+      <a:schemeClr val="accent3"/>
+    </dgm:fillClrLst>
+    <dgm:linClrLst meth="repeat">
+      <a:schemeClr val="lt1"/>
+    </dgm:linClrLst>
+    <dgm:effectClrLst/>
+    <dgm:txLinClrLst/>
+    <dgm:txFillClrLst/>
+    <dgm:txEffectClrLst/>
+  </dgm:styleLbl>
+  <dgm:styleLbl name="node4">
+    <dgm:fillClrLst>
+      <a:schemeClr val="accent4"/>
+    </dgm:fillClrLst>
+    <dgm:linClrLst meth="repeat">
+      <a:schemeClr val="lt1"/>
+    </dgm:linClrLst>
+    <dgm:effectClrLst/>
+    <dgm:txLinClrLst/>
+    <dgm:txFillClrLst/>
+    <dgm:txEffectClrLst/>
+  </dgm:styleLbl>
+  <dgm:styleLbl name="fgImgPlace1">
+    <dgm:fillClrLst meth="repeat">
+      <a:schemeClr val="accent2">
+        <a:tint val="50000"/>
+      </a:schemeClr>
+      <a:schemeClr val="accent3">
+        <a:tint val="50000"/>
+      </a:schemeClr>
+      <a:schemeClr val="accent4">
+        <a:tint val="50000"/>
+      </a:schemeClr>
+      <a:schemeClr val="accent5">
+        <a:tint val="50000"/>
+      </a:schemeClr>
+      <a:schemeClr val="accent6">
+        <a:tint val="50000"/>
+      </a:schemeClr>
+    </dgm:fillClrLst>
+    <dgm:linClrLst meth="repeat">
+      <a:schemeClr val="lt1"/>
+    </dgm:linClrLst>
+    <dgm:effectClrLst/>
+    <dgm:txLinClrLst/>
+    <dgm:txFillClrLst meth="repeat">
+      <a:schemeClr val="lt1"/>
+    </dgm:txFillClrLst>
+    <dgm:txEffectClrLst/>
+  </dgm:styleLbl>
+  <dgm:styleLbl name="alignImgPlace1">
+    <dgm:fillClrLst>
+      <a:schemeClr val="accent1">
+        <a:tint val="50000"/>
+      </a:schemeClr>
+      <a:schemeClr val="accent2">
+        <a:tint val="20000"/>
+      </a:schemeClr>
+    </dgm:fillClrLst>
+    <dgm:linClrLst meth="repeat">
+      <a:schemeClr val="lt1"/>
+    </dgm:linClrLst>
+    <dgm:effectClrLst/>
+    <dgm:txLinClrLst/>
+    <dgm:txFillClrLst meth="repeat">
+      <a:schemeClr val="lt1"/>
+    </dgm:txFillClrLst>
+    <dgm:txEffectClrLst/>
+  </dgm:styleLbl>
+  <dgm:styleLbl name="bgImgPlace1">
+    <dgm:fillClrLst>
+      <a:schemeClr val="accent1">
+        <a:tint val="50000"/>
+      </a:schemeClr>
+      <a:schemeClr val="accent2">
+        <a:tint val="20000"/>
+      </a:schemeClr>
+    </dgm:fillClrLst>
+    <dgm:linClrLst meth="repeat">
+      <a:schemeClr val="lt1"/>
+    </dgm:linClrLst>
+    <dgm:effectClrLst/>
+    <dgm:txLinClrLst/>
+    <dgm:txFillClrLst meth="repeat">
+      <a:schemeClr val="lt1"/>
+    </dgm:txFillClrLst>
+    <dgm:txEffectClrLst/>
+  </dgm:styleLbl>
+  <dgm:styleLbl name="sibTrans2D1">
+    <dgm:fillClrLst meth="repeat">
+      <a:schemeClr val="accent2"/>
+      <a:schemeClr val="accent3"/>
+      <a:schemeClr val="accent4"/>
+      <a:schemeClr val="accent5"/>
+      <a:schemeClr val="accent6"/>
+    </dgm:fillClrLst>
+    <dgm:linClrLst meth="cycle">
+      <a:schemeClr val="lt1"/>
+    </dgm:linClrLst>
+    <dgm:effectClrLst/>
+    <dgm:txLinClrLst/>
+    <dgm:txFillClrLst/>
+    <dgm:txEffectClrLst/>
+  </dgm:styleLbl>
+  <dgm:styleLbl name="fgSibTrans2D1">
+    <dgm:fillClrLst meth="repeat">
+      <a:schemeClr val="accent2"/>
+      <a:schemeClr val="accent3"/>
+      <a:schemeClr val="accent4"/>
+      <a:schemeClr val="accent5"/>
+      <a:schemeClr val="accent6"/>
+    </dgm:fillClrLst>
+    <dgm:linClrLst meth="cycle">
+      <a:schemeClr val="lt1"/>
+    </dgm:linClrLst>
+    <dgm:effectClrLst/>
+    <dgm:txLinClrLst/>
+    <dgm:txFillClrLst meth="repeat">
+      <a:schemeClr val="lt1"/>
+    </dgm:txFillClrLst>
+    <dgm:txEffectClrLst/>
+  </dgm:styleLbl>
+  <dgm:styleLbl name="bgSibTrans2D1">
+    <dgm:fillClrLst meth="repeat">
+      <a:schemeClr val="accent2"/>
+      <a:schemeClr val="accent3"/>
+      <a:schemeClr val="accent4"/>
+      <a:schemeClr val="accent5"/>
+      <a:schemeClr val="accent6"/>
+    </dgm:fillClrLst>
+    <dgm:linClrLst meth="cycle">
+      <a:schemeClr val="lt1"/>
+    </dgm:linClrLst>
+    <dgm:effectClrLst/>
+    <dgm:txLinClrLst/>
+    <dgm:txFillClrLst meth="repeat">
+      <a:schemeClr val="lt1"/>
+    </dgm:txFillClrLst>
+    <dgm:txEffectClrLst/>
+  </dgm:styleLbl>
+  <dgm:styleLbl name="sibTrans1D1">
+    <dgm:fillClrLst meth="repeat">
+      <a:schemeClr val="accent2"/>
+      <a:schemeClr val="accent3"/>
+      <a:schemeClr val="accent4"/>
+      <a:schemeClr val="accent5"/>
+      <a:schemeClr val="accent6"/>
+    </dgm:fillClrLst>
+    <dgm:linClrLst meth="repeat">
+      <a:schemeClr val="accent2"/>
+      <a:schemeClr val="accent3"/>
+      <a:schemeClr val="accent4"/>
+      <a:schemeClr val="accent5"/>
+      <a:schemeClr val="accent6"/>
+    </dgm:linClrLst>
+    <dgm:effectClrLst/>
+    <dgm:txLinClrLst/>
+    <dgm:txFillClrLst meth="repeat">
+      <a:schemeClr val="tx1"/>
+    </dgm:txFillClrLst>
+    <dgm:txEffectClrLst/>
+  </dgm:styleLbl>
+  <dgm:styleLbl name="callout">
+    <dgm:fillClrLst meth="repeat">
+      <a:schemeClr val="accent2"/>
+    </dgm:fillClrLst>
+    <dgm:linClrLst meth="repeat">
+      <a:schemeClr val="accent2">
+        <a:tint val="50000"/>
+      </a:schemeClr>
+    </dgm:linClrLst>
+    <dgm:effectClrLst/>
+    <dgm:txLinClrLst/>
+    <dgm:txFillClrLst meth="repeat">
+      <a:schemeClr val="tx1"/>
+    </dgm:txFillClrLst>
+    <dgm:txEffectClrLst/>
+  </dgm:styleLbl>
+  <dgm:styleLbl name="asst0">
+    <dgm:fillClrLst meth="repeat">
+      <a:schemeClr val="accent1"/>
+    </dgm:fillClrLst>
+    <dgm:linClrLst meth="repeat">
+      <a:schemeClr val="lt1"/>
+    </dgm:linClrLst>
+    <dgm:effectClrLst/>
+    <dgm:txLinClrLst/>
+    <dgm:txFillClrLst/>
+    <dgm:txEffectClrLst/>
+  </dgm:styleLbl>
+  <dgm:styleLbl name="asst1">
+    <dgm:fillClrLst meth="repeat">
+      <a:schemeClr val="accent2"/>
+    </dgm:fillClrLst>
+    <dgm:linClrLst meth="repeat">
+      <a:schemeClr val="lt1"/>
+    </dgm:linClrLst>
+    <dgm:effectClrLst/>
+    <dgm:txLinClrLst/>
+    <dgm:txFillClrLst/>
+    <dgm:txEffectClrLst/>
+  </dgm:styleLbl>
+  <dgm:styleLbl name="asst2">
+    <dgm:fillClrLst>
+      <a:schemeClr val="accent3"/>
+    </dgm:fillClrLst>
+    <dgm:linClrLst meth="repeat">
+      <a:schemeClr val="lt1"/>
+    </dgm:linClrLst>
+    <dgm:effectClrLst/>
+    <dgm:txLinClrLst/>
+    <dgm:txFillClrLst/>
+    <dgm:txEffectClrLst/>
+  </dgm:styleLbl>
+  <dgm:styleLbl name="asst3">
+    <dgm:fillClrLst>
+      <a:schemeClr val="accent4"/>
+    </dgm:fillClrLst>
+    <dgm:linClrLst meth="repeat">
+      <a:schemeClr val="lt1"/>
+    </dgm:linClrLst>
+    <dgm:effectClrLst/>
+    <dgm:txLinClrLst/>
+    <dgm:txFillClrLst/>
+    <dgm:txEffectClrLst/>
+  </dgm:styleLbl>
+  <dgm:styleLbl name="asst4">
+    <dgm:fillClrLst>
+      <a:schemeClr val="accent5"/>
+    </dgm:fillClrLst>
+    <dgm:linClrLst meth="repeat">
+      <a:schemeClr val="lt1"/>
+    </dgm:linClrLst>
+    <dgm:effectClrLst/>
+    <dgm:txLinClrLst/>
+    <dgm:txFillClrLst/>
+    <dgm:txEffectClrLst/>
+  </dgm:styleLbl>
+  <dgm:styleLbl name="parChTrans2D1">
+    <dgm:fillClrLst meth="repeat">
+      <a:schemeClr val="accent2"/>
+    </dgm:fillClrLst>
+    <dgm:linClrLst meth="repeat">
+      <a:schemeClr val="lt1"/>
+    </dgm:linClrLst>
+    <dgm:effectClrLst/>
+    <dgm:txLinClrLst/>
+    <dgm:txFillClrLst meth="repeat">
+      <a:schemeClr val="lt1"/>
+    </dgm:txFillClrLst>
+    <dgm:txEffectClrLst/>
+  </dgm:styleLbl>
+  <dgm:styleLbl name="parChTrans2D2">
+    <dgm:fillClrLst meth="repeat">
+      <a:schemeClr val="accent3"/>
+    </dgm:fillClrLst>
+    <dgm:linClrLst meth="repeat">
+      <a:schemeClr val="lt1"/>
+    </dgm:linClrLst>
+    <dgm:effectClrLst/>
+    <dgm:txLinClrLst/>
+    <dgm:txFillClrLst/>
+    <dgm:txEffectClrLst/>
+  </dgm:styleLbl>
+  <dgm:styleLbl name="parChTrans2D3">
+    <dgm:fillClrLst meth="repeat">
+      <a:schemeClr val="accent4"/>
+    </dgm:fillClrLst>
+    <dgm:linClrLst meth="repeat">
+      <a:schemeClr val="lt1"/>
+    </dgm:linClrLst>
+    <dgm:effectClrLst/>
+    <dgm:txLinClrLst/>
+    <dgm:txFillClrLst/>
+    <dgm:txEffectClrLst/>
+  </dgm:styleLbl>
+  <dgm:styleLbl name="parChTrans2D4">
+    <dgm:fillClrLst meth="repeat">
+      <a:schemeClr val="accent5"/>
+    </dgm:fillClrLst>
+    <dgm:linClrLst meth="repeat">
+      <a:schemeClr val="lt1"/>
+    </dgm:linClrLst>
+    <dgm:effectClrLst/>
+    <dgm:txLinClrLst/>
+    <dgm:txFillClrLst meth="repeat">
+      <a:schemeClr val="lt1"/>
+    </dgm:txFillClrLst>
+    <dgm:txEffectClrLst/>
+  </dgm:styleLbl>
+  <dgm:styleLbl name="parChTrans1D1">
+    <dgm:fillClrLst meth="repeat">
+      <a:schemeClr val="accent2"/>
+    </dgm:fillClrLst>
+    <dgm:linClrLst meth="repeat">
+      <a:schemeClr val="accent1"/>
+    </dgm:linClrLst>
+    <dgm:effectClrLst/>
+    <dgm:txLinClrLst/>
+    <dgm:txFillClrLst meth="repeat">
+      <a:schemeClr val="tx1"/>
+    </dgm:txFillClrLst>
+    <dgm:txEffectClrLst/>
+  </dgm:styleLbl>
+  <dgm:styleLbl name="parChTrans1D2">
+    <dgm:fillClrLst meth="repeat">
+      <a:schemeClr val="accent3">
+        <a:tint val="90000"/>
+      </a:schemeClr>
+    </dgm:fillClrLst>
+    <dgm:linClrLst meth="repeat">
+      <a:schemeClr val="accent2"/>
+    </dgm:linClrLst>
+    <dgm:effectClrLst/>
+    <dgm:txLinClrLst/>
+    <dgm:txFillClrLst meth="repeat">
+      <a:schemeClr val="tx1"/>
+    </dgm:txFillClrLst>
+    <dgm:txEffectClrLst/>
+  </dgm:styleLbl>
+  <dgm:styleLbl name="parChTrans1D3">
+    <dgm:fillClrLst meth="repeat">
+      <a:schemeClr val="accent4">
+        <a:tint val="70000"/>
+      </a:schemeClr>
+    </dgm:fillClrLst>
+    <dgm:linClrLst meth="repeat">
+      <a:schemeClr val="accent3"/>
+    </dgm:linClrLst>
+    <dgm:effectClrLst/>
+    <dgm:txLinClrLst/>
+    <dgm:txFillClrLst meth="repeat">
+      <a:schemeClr val="tx1"/>
+    </dgm:txFillClrLst>
+    <dgm:txEffectClrLst/>
+  </dgm:styleLbl>
+  <dgm:styleLbl name="parChTrans1D4">
+    <dgm:fillClrLst meth="repeat">
+      <a:schemeClr val="accent5">
+        <a:tint val="50000"/>
+      </a:schemeClr>
+    </dgm:fillClrLst>
+    <dgm:linClrLst meth="repeat">
+      <a:schemeClr val="accent4"/>
+    </dgm:linClrLst>
+    <dgm:effectClrLst/>
+    <dgm:txLinClrLst/>
+    <dgm:txFillClrLst meth="repeat">
+      <a:schemeClr val="tx1"/>
+    </dgm:txFillClrLst>
+    <dgm:txEffectClrLst/>
+  </dgm:styleLbl>
+  <dgm:styleLbl name="fgAcc1">
+    <dgm:fillClrLst meth="repeat">
+      <a:schemeClr val="lt1">
+        <a:alpha val="90000"/>
+      </a:schemeClr>
+    </dgm:fillClrLst>
+    <dgm:linClrLst meth="repeat">
+      <a:schemeClr val="accent2"/>
+      <a:schemeClr val="accent3"/>
+      <a:schemeClr val="accent4"/>
+      <a:schemeClr val="accent5"/>
+      <a:schemeClr val="accent6"/>
+    </dgm:linClrLst>
+    <dgm:effectClrLst/>
+    <dgm:txLinClrLst/>
+    <dgm:txFillClrLst meth="repeat">
+      <a:schemeClr val="dk1"/>
+    </dgm:txFillClrLst>
+    <dgm:txEffectClrLst/>
+  </dgm:styleLbl>
+  <dgm:styleLbl name="conFgAcc1">
+    <dgm:fillClrLst meth="repeat">
+      <a:schemeClr val="lt1">
+        <a:alpha val="90000"/>
+      </a:schemeClr>
+    </dgm:fillClrLst>
+    <dgm:linClrLst meth="repeat">
+      <a:schemeClr val="accent2"/>
+      <a:schemeClr val="accent3"/>
+      <a:schemeClr val="accent4"/>
+      <a:schemeClr val="accent5"/>
+      <a:schemeClr val="accent6"/>
+    </dgm:linClrLst>
+    <dgm:effectClrLst/>
+    <dgm:txLinClrLst/>
+    <dgm:txFillClrLst meth="repeat">
+      <a:schemeClr val="dk1"/>
+    </dgm:txFillClrLst>
+    <dgm:txEffectClrLst/>
+  </dgm:styleLbl>
+  <dgm:styleLbl name="alignAcc1">
+    <dgm:fillClrLst meth="repeat">
+      <a:schemeClr val="lt1">
+        <a:alpha val="90000"/>
+      </a:schemeClr>
+    </dgm:fillClrLst>
+    <dgm:linClrLst meth="repeat">
+      <a:schemeClr val="accent2"/>
+      <a:schemeClr val="accent3"/>
+      <a:schemeClr val="accent4"/>
+      <a:schemeClr val="accent5"/>
+      <a:schemeClr val="accent6"/>
+    </dgm:linClrLst>
+    <dgm:effectClrLst/>
+    <dgm:txLinClrLst/>
+    <dgm:txFillClrLst meth="repeat">
+      <a:schemeClr val="dk1"/>
+    </dgm:txFillClrLst>
+    <dgm:txEffectClrLst/>
+  </dgm:styleLbl>
+  <dgm:styleLbl name="trAlignAcc1">
+    <dgm:fillClrLst meth="repeat">
+      <a:schemeClr val="lt1">
+        <a:alpha val="40000"/>
+      </a:schemeClr>
+    </dgm:fillClrLst>
+    <dgm:linClrLst meth="repeat">
+      <a:schemeClr val="accent1"/>
+    </dgm:linClrLst>
+    <dgm:effectClrLst/>
+    <dgm:txLinClrLst/>
+    <dgm:txFillClrLst meth="repeat">
+      <a:schemeClr val="dk1"/>
+    </dgm:txFillClrLst>
+    <dgm:txEffectClrLst/>
+  </dgm:styleLbl>
+  <dgm:styleLbl name="bgAcc1">
+    <dgm:fillClrLst meth="repeat">
+      <a:schemeClr val="lt1">
+        <a:alpha val="90000"/>
+      </a:schemeClr>
+    </dgm:fillClrLst>
+    <dgm:linClrLst meth="repeat">
+      <a:schemeClr val="accent2"/>
+      <a:schemeClr val="accent3"/>
+      <a:schemeClr val="accent4"/>
+      <a:schemeClr val="accent5"/>
+      <a:schemeClr val="accent6"/>
+    </dgm:linClrLst>
+    <dgm:effectClrLst/>
+    <dgm:txLinClrLst/>
+    <dgm:txFillClrLst meth="repeat">
+      <a:schemeClr val="dk1"/>
+    </dgm:txFillClrLst>
+    <dgm:txEffectClrLst/>
+  </dgm:styleLbl>
+  <dgm:styleLbl name="solidFgAcc1">
+    <dgm:fillClrLst meth="repeat">
+      <a:schemeClr val="lt1"/>
+    </dgm:fillClrLst>
+    <dgm:linClrLst meth="repeat">
+      <a:schemeClr val="accent2"/>
+      <a:schemeClr val="accent3"/>
+      <a:schemeClr val="accent4"/>
+      <a:schemeClr val="accent5"/>
+      <a:schemeClr val="accent6"/>
+    </dgm:linClrLst>
+    <dgm:effectClrLst/>
+    <dgm:txLinClrLst/>
+    <dgm:txFillClrLst meth="repeat">
+      <a:schemeClr val="dk1"/>
+    </dgm:txFillClrLst>
+    <dgm:txEffectClrLst/>
+  </dgm:styleLbl>
+  <dgm:styleLbl name="solidAlignAcc1">
+    <dgm:fillClrLst meth="repeat">
+      <a:schemeClr val="lt1"/>
+    </dgm:fillClrLst>
+    <dgm:linClrLst meth="repeat">
+      <a:schemeClr val="accent2"/>
+      <a:schemeClr val="accent3"/>
+      <a:schemeClr val="accent4"/>
+      <a:schemeClr val="accent5"/>
+      <a:schemeClr val="accent6"/>
+    </dgm:linClrLst>
+    <dgm:effectClrLst/>
+    <dgm:txLinClrLst/>
+    <dgm:txFillClrLst meth="repeat">
+      <a:schemeClr val="dk1"/>
+    </dgm:txFillClrLst>
+    <dgm:txEffectClrLst/>
+  </dgm:styleLbl>
+  <dgm:styleLbl name="solidBgAcc1">
+    <dgm:fillClrLst meth="repeat">
+      <a:schemeClr val="lt1"/>
+    </dgm:fillClrLst>
+    <dgm:linClrLst meth="repeat">
+      <a:schemeClr val="accent2"/>
+      <a:schemeClr val="accent3"/>
+      <a:schemeClr val="accent4"/>
+      <a:schemeClr val="accent5"/>
+      <a:schemeClr val="accent6"/>
+    </dgm:linClrLst>
+    <dgm:effectClrLst/>
+    <dgm:txLinClrLst/>
+    <dgm:txFillClrLst meth="repeat">
+      <a:schemeClr val="dk1"/>
+    </dgm:txFillClrLst>
+    <dgm:txEffectClrLst/>
+  </dgm:styleLbl>
+  <dgm:styleLbl name="fgAccFollowNode1">
+    <dgm:fillClrLst meth="repeat">
+      <a:schemeClr val="accent2">
+        <a:tint val="40000"/>
+        <a:alpha val="90000"/>
+      </a:schemeClr>
+      <a:schemeClr val="accent3">
+        <a:tint val="40000"/>
+        <a:alpha val="90000"/>
+      </a:schemeClr>
+      <a:schemeClr val="accent4">
+        <a:tint val="40000"/>
+        <a:alpha val="90000"/>
+      </a:schemeClr>
+      <a:schemeClr val="accent5">
+        <a:tint val="40000"/>
+        <a:alpha val="90000"/>
+      </a:schemeClr>
+      <a:schemeClr val="accent6">
+        <a:tint val="40000"/>
+        <a:alpha val="90000"/>
+      </a:schemeClr>
+    </dgm:fillClrLst>
+    <dgm:linClrLst meth="repeat">
+      <a:schemeClr val="accent2">
+        <a:tint val="40000"/>
+        <a:alpha val="90000"/>
+      </a:schemeClr>
+      <a:schemeClr val="accent3">
+        <a:tint val="40000"/>
+        <a:alpha val="90000"/>
+      </a:schemeClr>
+      <a:schemeClr val="accent4">
+        <a:tint val="40000"/>
+        <a:alpha val="90000"/>
+      </a:schemeClr>
+      <a:schemeClr val="accent5">
+        <a:tint val="40000"/>
+        <a:alpha val="90000"/>
+      </a:schemeClr>
+      <a:schemeClr val="accent6">
+        <a:tint val="40000"/>
+        <a:alpha val="90000"/>
+      </a:schemeClr>
+    </dgm:linClrLst>
+    <dgm:effectClrLst/>
+    <dgm:txLinClrLst/>
+    <dgm:txFillClrLst meth="repeat">
+      <a:schemeClr val="dk1"/>
+    </dgm:txFillClrLst>
+    <dgm:txEffectClrLst/>
+  </dgm:styleLbl>
+  <dgm:styleLbl name="alignAccFollowNode1">
+    <dgm:fillClrLst meth="repeat">
+      <a:schemeClr val="accent2">
+        <a:tint val="40000"/>
+        <a:alpha val="90000"/>
+      </a:schemeClr>
+      <a:schemeClr val="accent3">
+        <a:tint val="40000"/>
+        <a:alpha val="90000"/>
+      </a:schemeClr>
+      <a:schemeClr val="accent4">
+        <a:tint val="40000"/>
+        <a:alpha val="90000"/>
+      </a:schemeClr>
+      <a:schemeClr val="accent5">
+        <a:tint val="40000"/>
+        <a:alpha val="90000"/>
+      </a:schemeClr>
+      <a:schemeClr val="accent6">
+        <a:tint val="40000"/>
+        <a:alpha val="90000"/>
+      </a:schemeClr>
+    </dgm:fillClrLst>
+    <dgm:linClrLst meth="repeat">
+      <a:schemeClr val="accent2">
+        <a:tint val="40000"/>
+        <a:alpha val="90000"/>
+      </a:schemeClr>
+      <a:schemeClr val="accent3">
+        <a:tint val="40000"/>
+        <a:alpha val="90000"/>
+      </a:schemeClr>
+      <a:schemeClr val="accent4">
+        <a:tint val="40000"/>
+        <a:alpha val="90000"/>
+      </a:schemeClr>
+      <a:schemeClr val="accent5">
+        <a:tint val="40000"/>
+        <a:alpha val="90000"/>
+      </a:schemeClr>
+      <a:schemeClr val="accent6">
+        <a:tint val="40000"/>
+        <a:alpha val="90000"/>
+      </a:schemeClr>
+    </dgm:linClrLst>
+    <dgm:effectClrLst/>
+    <dgm:txLinClrLst/>
+    <dgm:txFillClrLst meth="repeat">
+      <a:schemeClr val="dk1"/>
+    </dgm:txFillClrLst>
+    <dgm:txEffectClrLst/>
+  </dgm:styleLbl>
+  <dgm:styleLbl name="bgAccFollowNode1">
+    <dgm:fillClrLst meth="repeat">
+      <a:schemeClr val="accent2">
+        <a:tint val="40000"/>
+        <a:alpha val="90000"/>
+      </a:schemeClr>
+      <a:schemeClr val="accent3">
+        <a:tint val="40000"/>
+        <a:alpha val="90000"/>
+      </a:schemeClr>
+      <a:schemeClr val="accent4">
+        <a:tint val="40000"/>
+        <a:alpha val="90000"/>
+      </a:schemeClr>
+      <a:schemeClr val="accent5">
+        <a:tint val="40000"/>
+        <a:alpha val="90000"/>
+      </a:schemeClr>
+      <a:schemeClr val="accent6">
+        <a:tint val="40000"/>
+        <a:alpha val="90000"/>
+      </a:schemeClr>
+    </dgm:fillClrLst>
+    <dgm:linClrLst meth="repeat">
+      <a:schemeClr val="accent2">
+        <a:tint val="40000"/>
+        <a:alpha val="90000"/>
+      </a:schemeClr>
+      <a:schemeClr val="accent3">
+        <a:tint val="40000"/>
+        <a:alpha val="90000"/>
+      </a:schemeClr>
+      <a:schemeClr val="accent4">
+        <a:tint val="40000"/>
+        <a:alpha val="90000"/>
+      </a:schemeClr>
+      <a:schemeClr val="accent5">
+        <a:tint val="40000"/>
+        <a:alpha val="90000"/>
+      </a:schemeClr>
+      <a:schemeClr val="accent6">
+        <a:tint val="40000"/>
+        <a:alpha val="90000"/>
+      </a:schemeClr>
+    </dgm:linClrLst>
+    <dgm:effectClrLst/>
+    <dgm:txLinClrLst/>
+    <dgm:txFillClrLst meth="repeat">
+      <a:schemeClr val="dk1"/>
+    </dgm:txFillClrLst>
+    <dgm:txEffectClrLst/>
+  </dgm:styleLbl>
+  <dgm:styleLbl name="fgAcc0">
+    <dgm:fillClrLst meth="repeat">
+      <a:schemeClr val="lt1">
+        <a:alpha val="90000"/>
+      </a:schemeClr>
+    </dgm:fillClrLst>
+    <dgm:linClrLst>
+      <a:schemeClr val="accent1"/>
+    </dgm:linClrLst>
+    <dgm:effectClrLst/>
+    <dgm:txLinClrLst/>
+    <dgm:txFillClrLst meth="repeat">
+      <a:schemeClr val="dk1"/>
+    </dgm:txFillClrLst>
+    <dgm:txEffectClrLst/>
+  </dgm:styleLbl>
+  <dgm:styleLbl name="fgAcc2">
+    <dgm:fillClrLst meth="repeat">
+      <a:schemeClr val="lt1">
+        <a:alpha val="90000"/>
+      </a:schemeClr>
+    </dgm:fillClrLst>
+    <dgm:linClrLst>
+      <a:schemeClr val="accent2"/>
+    </dgm:linClrLst>
+    <dgm:effectClrLst/>
+    <dgm:txLinClrLst/>
+    <dgm:txFillClrLst meth="repeat">
+      <a:schemeClr val="dk1"/>
+    </dgm:txFillClrLst>
+    <dgm:txEffectClrLst/>
+  </dgm:styleLbl>
+  <dgm:styleLbl name="fgAcc3">
+    <dgm:fillClrLst meth="repeat">
+      <a:schemeClr val="lt1">
+        <a:alpha val="90000"/>
+      </a:schemeClr>
+    </dgm:fillClrLst>
+    <dgm:linClrLst>
+      <a:schemeClr val="accent3"/>
+    </dgm:linClrLst>
+    <dgm:effectClrLst/>
+    <dgm:txLinClrLst/>
+    <dgm:txFillClrLst meth="repeat">
+      <a:schemeClr val="dk1"/>
+    </dgm:txFillClrLst>
+    <dgm:txEffectClrLst/>
+  </dgm:styleLbl>
+  <dgm:styleLbl name="fgAcc4">
+    <dgm:fillClrLst meth="repeat">
+      <a:schemeClr val="lt1">
+        <a:alpha val="90000"/>
+      </a:schemeClr>
+    </dgm:fillClrLst>
+    <dgm:linClrLst>
+      <a:schemeClr val="accent4"/>
+    </dgm:linClrLst>
+    <dgm:effectClrLst/>
+    <dgm:txLinClrLst/>
+    <dgm:txFillClrLst meth="repeat">
+      <a:schemeClr val="dk1"/>
+    </dgm:txFillClrLst>
+    <dgm:txEffectClrLst/>
+  </dgm:styleLbl>
+  <dgm:styleLbl name="bgShp">
+    <dgm:fillClrLst meth="repeat">
+      <a:schemeClr val="accent2">
+        <a:tint val="40000"/>
+      </a:schemeClr>
+    </dgm:fillClrLst>
+    <dgm:linClrLst meth="repeat">
+      <a:schemeClr val="dk1"/>
+    </dgm:linClrLst>
+    <dgm:effectClrLst/>
+    <dgm:txLinClrLst/>
+    <dgm:txFillClrLst meth="repeat">
+      <a:schemeClr val="dk1"/>
+    </dgm:txFillClrLst>
+    <dgm:txEffectClrLst/>
+  </dgm:styleLbl>
+  <dgm:styleLbl name="dkBgShp">
+    <dgm:fillClrLst meth="repeat">
+      <a:schemeClr val="accent2">
+        <a:shade val="90000"/>
+      </a:schemeClr>
+    </dgm:fillClrLst>
+    <dgm:linClrLst meth="repeat">
+      <a:schemeClr val="dk1"/>
+    </dgm:linClrLst>
+    <dgm:effectClrLst/>
+    <dgm:txLinClrLst/>
+    <dgm:txFillClrLst meth="repeat">
+      <a:schemeClr val="lt1"/>
+    </dgm:txFillClrLst>
+    <dgm:txEffectClrLst/>
+  </dgm:styleLbl>
+  <dgm:styleLbl name="trBgShp">
+    <dgm:fillClrLst meth="repeat">
+      <a:schemeClr val="accent1">
+        <a:tint val="50000"/>
+        <a:alpha val="40000"/>
+      </a:schemeClr>
+    </dgm:fillClrLst>
+    <dgm:linClrLst meth="repeat">
+      <a:schemeClr val="accent2"/>
+    </dgm:linClrLst>
+    <dgm:effectClrLst/>
+    <dgm:txLinClrLst/>
+    <dgm:txFillClrLst meth="repeat">
+      <a:schemeClr val="lt1"/>
+    </dgm:txFillClrLst>
+    <dgm:txEffectClrLst/>
+  </dgm:styleLbl>
+  <dgm:styleLbl name="fgShp">
+    <dgm:fillClrLst meth="repeat">
+      <a:schemeClr val="accent2">
+        <a:tint val="40000"/>
+      </a:schemeClr>
+    </dgm:fillClrLst>
+    <dgm:linClrLst meth="repeat">
+      <a:schemeClr val="lt1"/>
+    </dgm:linClrLst>
+    <dgm:effectClrLst/>
+    <dgm:txLinClrLst/>
+    <dgm:txFillClrLst meth="repeat">
+      <a:schemeClr val="dk1"/>
+    </dgm:txFillClrLst>
+    <dgm:txEffectClrLst/>
+  </dgm:styleLbl>
+  <dgm:styleLbl name="revTx">
+    <dgm:fillClrLst meth="repeat">
+      <a:schemeClr val="lt1">
+        <a:alpha val="0"/>
+      </a:schemeClr>
+    </dgm:fillClrLst>
+    <dgm:linClrLst meth="repeat">
+      <a:schemeClr val="dk1">
+        <a:alpha val="0"/>
+      </a:schemeClr>
+    </dgm:linClrLst>
+    <dgm:effectClrLst/>
+    <dgm:txLinClrLst/>
+    <dgm:txFillClrLst meth="repeat">
+      <a:schemeClr val="tx1"/>
+    </dgm:txFillClrLst>
+    <dgm:txEffectClrLst/>
+  </dgm:styleLbl>
+</dgm:colorsDef>
+</file>
+
+<file path=ppt/diagrams/data1.xml><?xml version="1.0" encoding="utf-8"?>
+<dgm:dataModel xmlns:dgm="http://schemas.openxmlformats.org/drawingml/2006/diagram" xmlns:a="http://schemas.openxmlformats.org/drawingml/2006/main">
+  <dgm:ptLst>
+    <dgm:pt modelId="{2453CC0A-1441-4F72-AE68-082965212212}" type="doc">
+      <dgm:prSet loTypeId="urn:microsoft.com/office/officeart/2008/layout/PictureStrips" loCatId="list" qsTypeId="urn:microsoft.com/office/officeart/2005/8/quickstyle/simple1" qsCatId="simple" csTypeId="urn:microsoft.com/office/officeart/2005/8/colors/colorful1" csCatId="colorful" phldr="1"/>
+      <dgm:spPr/>
+      <dgm:t>
+        <a:bodyPr/>
+        <a:lstStyle/>
+        <a:p>
+          <a:endParaRPr lang="en-US"/>
+        </a:p>
+      </dgm:t>
+    </dgm:pt>
+    <dgm:pt modelId="{9B65AE8F-A421-494C-8C5A-F27811B11B76}">
+      <dgm:prSet phldrT="[Text]" custT="1"/>
+      <dgm:spPr/>
+      <dgm:t>
+        <a:bodyPr/>
+        <a:lstStyle/>
+        <a:p>
+          <a:r>
+            <a:rPr lang="en-US" sz="1600" dirty="0"/>
+            <a:t>Open Access</a:t>
+          </a:r>
+        </a:p>
+      </dgm:t>
+    </dgm:pt>
+    <dgm:pt modelId="{F4E03D4B-F241-4E0B-8343-59368CBB85DF}" type="parTrans" cxnId="{C43BA5C8-334E-4B94-A487-64702B3F2E87}">
+      <dgm:prSet/>
+      <dgm:spPr/>
+      <dgm:t>
+        <a:bodyPr/>
+        <a:lstStyle/>
+        <a:p>
+          <a:endParaRPr lang="en-US" sz="1800"/>
+        </a:p>
+      </dgm:t>
+    </dgm:pt>
+    <dgm:pt modelId="{E6C59E02-A9A9-4A6A-B9C2-C963F9622F1E}" type="sibTrans" cxnId="{C43BA5C8-334E-4B94-A487-64702B3F2E87}">
+      <dgm:prSet/>
+      <dgm:spPr/>
+      <dgm:t>
+        <a:bodyPr/>
+        <a:lstStyle/>
+        <a:p>
+          <a:endParaRPr lang="en-US" sz="1800"/>
+        </a:p>
+      </dgm:t>
+    </dgm:pt>
+    <dgm:pt modelId="{3083B140-C1D4-4AE4-9094-C882B004A293}">
+      <dgm:prSet phldrT="[Text]" custT="1"/>
+      <dgm:spPr/>
+      <dgm:t>
+        <a:bodyPr/>
+        <a:lstStyle/>
+        <a:p>
+          <a:r>
+            <a:rPr lang="en-US" sz="1600" dirty="0"/>
+            <a:t>Open Materials</a:t>
+          </a:r>
+        </a:p>
+      </dgm:t>
+    </dgm:pt>
+    <dgm:pt modelId="{3DFC7CAD-A28D-4E4D-B32E-8FDCB703E727}" type="parTrans" cxnId="{20241993-755D-46A7-9EC6-F01DA6551131}">
+      <dgm:prSet/>
+      <dgm:spPr/>
+      <dgm:t>
+        <a:bodyPr/>
+        <a:lstStyle/>
+        <a:p>
+          <a:endParaRPr lang="en-US" sz="1800"/>
+        </a:p>
+      </dgm:t>
+    </dgm:pt>
+    <dgm:pt modelId="{8890738D-A9FF-4B91-B070-3F7CEB7ABA3D}" type="sibTrans" cxnId="{20241993-755D-46A7-9EC6-F01DA6551131}">
+      <dgm:prSet/>
+      <dgm:spPr/>
+      <dgm:t>
+        <a:bodyPr/>
+        <a:lstStyle/>
+        <a:p>
+          <a:endParaRPr lang="en-US" sz="1800"/>
+        </a:p>
+      </dgm:t>
+    </dgm:pt>
+    <dgm:pt modelId="{15037E42-BE39-4FDB-9001-D76D79110981}">
+      <dgm:prSet phldrT="[Text]" custT="1"/>
+      <dgm:spPr/>
+      <dgm:t>
+        <a:bodyPr/>
+        <a:lstStyle/>
+        <a:p>
+          <a:r>
+            <a:rPr lang="en-US" sz="1600" dirty="0"/>
+            <a:t>Open Data</a:t>
+          </a:r>
+        </a:p>
+      </dgm:t>
+    </dgm:pt>
+    <dgm:pt modelId="{56B1181A-358D-4248-8DBC-230B1A6146EE}" type="parTrans" cxnId="{2E66C2D6-D2BC-461C-AE67-62ADCEDF1CAE}">
+      <dgm:prSet/>
+      <dgm:spPr/>
+      <dgm:t>
+        <a:bodyPr/>
+        <a:lstStyle/>
+        <a:p>
+          <a:endParaRPr lang="en-US" sz="1800"/>
+        </a:p>
+      </dgm:t>
+    </dgm:pt>
+    <dgm:pt modelId="{BB8CA0A4-F0F0-46F5-9557-7FA08DC0DF78}" type="sibTrans" cxnId="{2E66C2D6-D2BC-461C-AE67-62ADCEDF1CAE}">
+      <dgm:prSet/>
+      <dgm:spPr/>
+      <dgm:t>
+        <a:bodyPr/>
+        <a:lstStyle/>
+        <a:p>
+          <a:endParaRPr lang="en-US" sz="1800"/>
+        </a:p>
+      </dgm:t>
+    </dgm:pt>
+    <dgm:pt modelId="{318C8979-D10A-49BF-82A0-2F450FADCD61}">
+      <dgm:prSet phldrT="[Text]" custT="1"/>
+      <dgm:spPr/>
+      <dgm:t>
+        <a:bodyPr/>
+        <a:lstStyle/>
+        <a:p>
+          <a:r>
+            <a:rPr lang="en-US" sz="1600" dirty="0"/>
+            <a:t>Open Source</a:t>
+          </a:r>
+        </a:p>
+      </dgm:t>
+    </dgm:pt>
+    <dgm:pt modelId="{21EE0904-3B4A-4E8A-8C29-2AC148923792}" type="parTrans" cxnId="{4C0EFB02-0809-4B74-B9F4-3A6FAE19874B}">
+      <dgm:prSet/>
+      <dgm:spPr/>
+      <dgm:t>
+        <a:bodyPr/>
+        <a:lstStyle/>
+        <a:p>
+          <a:endParaRPr lang="en-US" sz="1800"/>
+        </a:p>
+      </dgm:t>
+    </dgm:pt>
+    <dgm:pt modelId="{61C075C4-20B0-4FA7-8160-3FAF8E2BB062}" type="sibTrans" cxnId="{4C0EFB02-0809-4B74-B9F4-3A6FAE19874B}">
+      <dgm:prSet/>
+      <dgm:spPr/>
+      <dgm:t>
+        <a:bodyPr/>
+        <a:lstStyle/>
+        <a:p>
+          <a:endParaRPr lang="en-US" sz="1800"/>
+        </a:p>
+      </dgm:t>
+    </dgm:pt>
+    <dgm:pt modelId="{3EE17455-0168-47C0-A657-B6971304EAC0}">
+      <dgm:prSet phldrT="[Text]" custT="1"/>
+      <dgm:spPr/>
+      <dgm:t>
+        <a:bodyPr/>
+        <a:lstStyle/>
+        <a:p>
+          <a:r>
+            <a:rPr lang="en-US" sz="1600" dirty="0"/>
+            <a:t>Open Educational Resources</a:t>
+          </a:r>
+        </a:p>
+      </dgm:t>
+    </dgm:pt>
+    <dgm:pt modelId="{8D19378A-D276-4B44-ACB6-8A1D71EE4234}" type="parTrans" cxnId="{7CD0834E-EC13-4073-8D6B-41D79C977751}">
+      <dgm:prSet/>
+      <dgm:spPr/>
+      <dgm:t>
+        <a:bodyPr/>
+        <a:lstStyle/>
+        <a:p>
+          <a:endParaRPr lang="en-US" sz="1800"/>
+        </a:p>
+      </dgm:t>
+    </dgm:pt>
+    <dgm:pt modelId="{1CEFAE5A-D7CC-402D-827B-D91F1810AC07}" type="sibTrans" cxnId="{7CD0834E-EC13-4073-8D6B-41D79C977751}">
+      <dgm:prSet/>
+      <dgm:spPr/>
+      <dgm:t>
+        <a:bodyPr/>
+        <a:lstStyle/>
+        <a:p>
+          <a:endParaRPr lang="en-US" sz="1800"/>
+        </a:p>
+      </dgm:t>
+    </dgm:pt>
+    <dgm:pt modelId="{FFD776F4-25ED-4CBB-8824-3FFB5F684DD7}">
+      <dgm:prSet phldrT="[Text]" custT="1"/>
+      <dgm:spPr/>
+      <dgm:t>
+        <a:bodyPr/>
+        <a:lstStyle/>
+        <a:p>
+          <a:r>
+            <a:rPr lang="en-US" sz="1600" dirty="0"/>
+            <a:t>Citizen Science</a:t>
+          </a:r>
+        </a:p>
+      </dgm:t>
+    </dgm:pt>
+    <dgm:pt modelId="{19CE044C-F818-4911-A5F8-B90D130E33C6}" type="parTrans" cxnId="{5E8ED174-2E43-4AAE-8800-9E348DB92F03}">
+      <dgm:prSet/>
+      <dgm:spPr/>
+      <dgm:t>
+        <a:bodyPr/>
+        <a:lstStyle/>
+        <a:p>
+          <a:endParaRPr lang="en-US" sz="1800"/>
+        </a:p>
+      </dgm:t>
+    </dgm:pt>
+    <dgm:pt modelId="{F3621623-A3E7-499E-ADD0-78BF0FD4FC39}" type="sibTrans" cxnId="{5E8ED174-2E43-4AAE-8800-9E348DB92F03}">
+      <dgm:prSet/>
+      <dgm:spPr/>
+      <dgm:t>
+        <a:bodyPr/>
+        <a:lstStyle/>
+        <a:p>
+          <a:endParaRPr lang="en-US" sz="1800"/>
+        </a:p>
+      </dgm:t>
+    </dgm:pt>
+    <dgm:pt modelId="{78899F89-62BD-4F71-B5D9-BCBD2E14E17C}">
+      <dgm:prSet phldrT="[Text]" custT="1"/>
+      <dgm:spPr/>
+      <dgm:t>
+        <a:bodyPr/>
+        <a:lstStyle/>
+        <a:p>
+          <a:r>
+            <a:rPr lang="en-US" sz="1600" dirty="0"/>
+            <a:t>Big Team Science</a:t>
+          </a:r>
+        </a:p>
+      </dgm:t>
+    </dgm:pt>
+    <dgm:pt modelId="{C3885715-360C-4E3D-A85F-0BADC68CCB70}" type="parTrans" cxnId="{CEA9CB4F-B059-4B6F-94C1-61A3075F9701}">
+      <dgm:prSet/>
+      <dgm:spPr/>
+      <dgm:t>
+        <a:bodyPr/>
+        <a:lstStyle/>
+        <a:p>
+          <a:endParaRPr lang="en-US" sz="1800"/>
+        </a:p>
+      </dgm:t>
+    </dgm:pt>
+    <dgm:pt modelId="{6EF0D5B9-F060-4BF0-929C-610C93B975EA}" type="sibTrans" cxnId="{CEA9CB4F-B059-4B6F-94C1-61A3075F9701}">
+      <dgm:prSet/>
+      <dgm:spPr/>
+      <dgm:t>
+        <a:bodyPr/>
+        <a:lstStyle/>
+        <a:p>
+          <a:endParaRPr lang="en-US" sz="1800"/>
+        </a:p>
+      </dgm:t>
+    </dgm:pt>
+    <dgm:pt modelId="{88C7C22E-3654-4358-9990-5A59E0E58EC3}">
+      <dgm:prSet phldrT="[Text]" custT="1"/>
+      <dgm:spPr/>
+      <dgm:t>
+        <a:bodyPr/>
+        <a:lstStyle/>
+        <a:p>
+          <a:r>
+            <a:rPr lang="en-US" sz="1600" dirty="0"/>
+            <a:t>Open Peer Review</a:t>
+          </a:r>
+        </a:p>
+      </dgm:t>
+    </dgm:pt>
+    <dgm:pt modelId="{3FDC9522-2343-4AD3-9190-E2BE61E85403}" type="parTrans" cxnId="{D4235A4C-A005-4D17-B2F4-FD33CD0D3C1B}">
+      <dgm:prSet/>
+      <dgm:spPr/>
+      <dgm:t>
+        <a:bodyPr/>
+        <a:lstStyle/>
+        <a:p>
+          <a:endParaRPr lang="en-US" sz="1800"/>
+        </a:p>
+      </dgm:t>
+    </dgm:pt>
+    <dgm:pt modelId="{D2DE9758-ED9F-4CD9-9CB1-64CA0E61FB05}" type="sibTrans" cxnId="{D4235A4C-A005-4D17-B2F4-FD33CD0D3C1B}">
+      <dgm:prSet/>
+      <dgm:spPr/>
+      <dgm:t>
+        <a:bodyPr/>
+        <a:lstStyle/>
+        <a:p>
+          <a:endParaRPr lang="en-US" sz="1800"/>
+        </a:p>
+      </dgm:t>
+    </dgm:pt>
+    <dgm:pt modelId="{681167FC-F769-483D-9391-949768AE4092}">
+      <dgm:prSet phldrT="[Text]" custT="1"/>
+      <dgm:spPr/>
+      <dgm:t>
+        <a:bodyPr/>
+        <a:lstStyle/>
+        <a:p>
+          <a:r>
+            <a:rPr lang="en-US" sz="1200" dirty="0" err="1"/>
+            <a:t>Uneingeschränkter</a:t>
+          </a:r>
+          <a:r>
+            <a:rPr lang="en-US" sz="1200" dirty="0"/>
+            <a:t> und </a:t>
+          </a:r>
+          <a:r>
+            <a:rPr lang="en-US" sz="1200" dirty="0" err="1"/>
+            <a:t>kostenloser</a:t>
+          </a:r>
+          <a:r>
+            <a:rPr lang="en-US" sz="1200" dirty="0"/>
+            <a:t> </a:t>
+          </a:r>
+          <a:r>
+            <a:rPr lang="en-US" sz="1200" dirty="0" err="1"/>
+            <a:t>Zugang</a:t>
+          </a:r>
+          <a:r>
+            <a:rPr lang="en-US" sz="1200" dirty="0"/>
+            <a:t> (</a:t>
+          </a:r>
+          <a:r>
+            <a:rPr lang="en-US" sz="1200" dirty="0" err="1"/>
+            <a:t>z.B</a:t>
+          </a:r>
+          <a:r>
+            <a:rPr lang="en-US" sz="1200" dirty="0"/>
+            <a:t>. </a:t>
+          </a:r>
+          <a:r>
+            <a:rPr lang="en-US" sz="1200" dirty="0" err="1"/>
+            <a:t>für</a:t>
+          </a:r>
+          <a:r>
+            <a:rPr lang="en-US" sz="1200" dirty="0"/>
+            <a:t> </a:t>
+          </a:r>
+          <a:r>
+            <a:rPr lang="en-US" sz="1200" dirty="0" err="1"/>
+            <a:t>Forschungsergebnisse</a:t>
+          </a:r>
+          <a:r>
+            <a:rPr lang="en-US" sz="1200" dirty="0"/>
+            <a:t>)</a:t>
+          </a:r>
+        </a:p>
+      </dgm:t>
+    </dgm:pt>
+    <dgm:pt modelId="{496B4C56-DF8D-4A46-B560-C6C03256979D}" type="parTrans" cxnId="{71FD9B8F-AD1B-47F0-A455-6D26FEC2DB8B}">
+      <dgm:prSet/>
+      <dgm:spPr/>
+      <dgm:t>
+        <a:bodyPr/>
+        <a:lstStyle/>
+        <a:p>
+          <a:endParaRPr lang="en-US" sz="1800"/>
+        </a:p>
+      </dgm:t>
+    </dgm:pt>
+    <dgm:pt modelId="{9F6F2010-E62D-4380-81F7-EDCB183121F3}" type="sibTrans" cxnId="{71FD9B8F-AD1B-47F0-A455-6D26FEC2DB8B}">
+      <dgm:prSet/>
+      <dgm:spPr/>
+      <dgm:t>
+        <a:bodyPr/>
+        <a:lstStyle/>
+        <a:p>
+          <a:endParaRPr lang="en-US" sz="1800"/>
+        </a:p>
+      </dgm:t>
+    </dgm:pt>
+    <dgm:pt modelId="{563FAC6C-54AD-4DE6-94A8-CBF5A5A4E487}">
+      <dgm:prSet phldrT="[Text]" custT="1"/>
+      <dgm:spPr/>
+      <dgm:t>
+        <a:bodyPr/>
+        <a:lstStyle/>
+        <a:p>
+          <a:r>
+            <a:rPr lang="en-US" sz="1200" dirty="0" err="1"/>
+            <a:t>Veröffentlichung</a:t>
+          </a:r>
+          <a:r>
+            <a:rPr lang="en-US" sz="1200" dirty="0"/>
+            <a:t> von </a:t>
+          </a:r>
+          <a:r>
+            <a:rPr lang="en-US" sz="1200" dirty="0" err="1"/>
+            <a:t>Forschungsmaterialien</a:t>
+          </a:r>
+          <a:endParaRPr lang="en-US" sz="1200" dirty="0"/>
+        </a:p>
+      </dgm:t>
+    </dgm:pt>
+    <dgm:pt modelId="{CDA5AAA4-B310-40D7-932C-F082BC0EB92A}" type="parTrans" cxnId="{7FF677DD-744A-4DDE-90C2-9741C1600550}">
+      <dgm:prSet/>
+      <dgm:spPr/>
+      <dgm:t>
+        <a:bodyPr/>
+        <a:lstStyle/>
+        <a:p>
+          <a:endParaRPr lang="en-US" sz="1800"/>
+        </a:p>
+      </dgm:t>
+    </dgm:pt>
+    <dgm:pt modelId="{E51E538D-FCB8-456F-9C19-CD5EB0762D54}" type="sibTrans" cxnId="{7FF677DD-744A-4DDE-90C2-9741C1600550}">
+      <dgm:prSet/>
+      <dgm:spPr/>
+      <dgm:t>
+        <a:bodyPr/>
+        <a:lstStyle/>
+        <a:p>
+          <a:endParaRPr lang="en-US" sz="1800"/>
+        </a:p>
+      </dgm:t>
+    </dgm:pt>
+    <dgm:pt modelId="{600F4CB9-D82A-4D30-9176-1E2167717CCB}">
+      <dgm:prSet phldrT="[Text]" custT="1"/>
+      <dgm:spPr/>
+      <dgm:t>
+        <a:bodyPr/>
+        <a:lstStyle/>
+        <a:p>
+          <a:r>
+            <a:rPr lang="en-US" sz="1200" dirty="0" err="1"/>
+            <a:t>Aufbereitung</a:t>
+          </a:r>
+          <a:r>
+            <a:rPr lang="en-US" sz="1200" dirty="0"/>
+            <a:t> und </a:t>
+          </a:r>
+          <a:r>
+            <a:rPr lang="en-US" sz="1200" dirty="0" err="1"/>
+            <a:t>Teilen</a:t>
+          </a:r>
+          <a:r>
+            <a:rPr lang="en-US" sz="1200" dirty="0"/>
+            <a:t> von </a:t>
+          </a:r>
+          <a:r>
+            <a:rPr lang="en-US" sz="1200" dirty="0" err="1"/>
+            <a:t>Forschungsdaten</a:t>
+          </a:r>
+          <a:endParaRPr lang="en-US" sz="1200" dirty="0"/>
+        </a:p>
+      </dgm:t>
+    </dgm:pt>
+    <dgm:pt modelId="{C22D994C-F451-453F-A585-7D9904B6D308}" type="parTrans" cxnId="{8A76A699-9D6B-4CC8-8E05-3950E96FCA7B}">
+      <dgm:prSet/>
+      <dgm:spPr/>
+      <dgm:t>
+        <a:bodyPr/>
+        <a:lstStyle/>
+        <a:p>
+          <a:endParaRPr lang="en-US" sz="1800"/>
+        </a:p>
+      </dgm:t>
+    </dgm:pt>
+    <dgm:pt modelId="{595EB462-2B36-4148-9804-A06FBFB5740D}" type="sibTrans" cxnId="{8A76A699-9D6B-4CC8-8E05-3950E96FCA7B}">
+      <dgm:prSet/>
+      <dgm:spPr/>
+      <dgm:t>
+        <a:bodyPr/>
+        <a:lstStyle/>
+        <a:p>
+          <a:endParaRPr lang="en-US" sz="1800"/>
+        </a:p>
+      </dgm:t>
+    </dgm:pt>
+    <dgm:pt modelId="{F2425FC5-5EEC-4356-A16F-C163F73B5E30}">
+      <dgm:prSet phldrT="[Text]" custT="1"/>
+      <dgm:spPr/>
+      <dgm:t>
+        <a:bodyPr/>
+        <a:lstStyle/>
+        <a:p>
+          <a:r>
+            <a:rPr lang="en-US" sz="1200" dirty="0" err="1"/>
+            <a:t>Offenlegung</a:t>
+          </a:r>
+          <a:r>
+            <a:rPr lang="en-US" sz="1200" dirty="0"/>
+            <a:t> von </a:t>
+          </a:r>
+          <a:r>
+            <a:rPr lang="en-US" sz="1200" dirty="0" err="1"/>
+            <a:t>Programmcode</a:t>
+          </a:r>
+          <a:endParaRPr lang="en-US" sz="1200" dirty="0"/>
+        </a:p>
+      </dgm:t>
+    </dgm:pt>
+    <dgm:pt modelId="{210B5756-56D5-4938-95C5-C04E22B13A2D}" type="parTrans" cxnId="{BB8A9571-6A0B-47D5-9BD7-A68F6E66FB44}">
+      <dgm:prSet/>
+      <dgm:spPr/>
+      <dgm:t>
+        <a:bodyPr/>
+        <a:lstStyle/>
+        <a:p>
+          <a:endParaRPr lang="en-US" sz="1800"/>
+        </a:p>
+      </dgm:t>
+    </dgm:pt>
+    <dgm:pt modelId="{C4E87FBA-2850-4C57-9892-EABD35487B09}" type="sibTrans" cxnId="{BB8A9571-6A0B-47D5-9BD7-A68F6E66FB44}">
+      <dgm:prSet/>
+      <dgm:spPr/>
+      <dgm:t>
+        <a:bodyPr/>
+        <a:lstStyle/>
+        <a:p>
+          <a:endParaRPr lang="en-US" sz="1800"/>
+        </a:p>
+      </dgm:t>
+    </dgm:pt>
+    <dgm:pt modelId="{71755954-522A-4207-A60E-9F9D79D25FE7}">
+      <dgm:prSet phldrT="[Text]" custT="1"/>
+      <dgm:spPr/>
+      <dgm:t>
+        <a:bodyPr/>
+        <a:lstStyle/>
+        <a:p>
+          <a:r>
+            <a:rPr lang="en-US" sz="1200" dirty="0" err="1"/>
+            <a:t>Teilen</a:t>
+          </a:r>
+          <a:r>
+            <a:rPr lang="en-US" sz="1200" dirty="0"/>
+            <a:t> von </a:t>
+          </a:r>
+          <a:r>
+            <a:rPr lang="en-US" sz="1200" dirty="0" err="1"/>
+            <a:t>Lehrmaterialien</a:t>
+          </a:r>
+          <a:endParaRPr lang="en-US" sz="1200" dirty="0"/>
+        </a:p>
+      </dgm:t>
+    </dgm:pt>
+    <dgm:pt modelId="{AA66DA06-1F29-441E-92AE-031E9F28C148}" type="parTrans" cxnId="{0A19E5BD-166C-40A5-9139-7A05A243C6FA}">
+      <dgm:prSet/>
+      <dgm:spPr/>
+      <dgm:t>
+        <a:bodyPr/>
+        <a:lstStyle/>
+        <a:p>
+          <a:endParaRPr lang="en-US" sz="1800"/>
+        </a:p>
+      </dgm:t>
+    </dgm:pt>
+    <dgm:pt modelId="{DEA0D6FC-1773-4580-AE7F-929402123877}" type="sibTrans" cxnId="{0A19E5BD-166C-40A5-9139-7A05A243C6FA}">
+      <dgm:prSet/>
+      <dgm:spPr/>
+      <dgm:t>
+        <a:bodyPr/>
+        <a:lstStyle/>
+        <a:p>
+          <a:endParaRPr lang="en-US" sz="1800"/>
+        </a:p>
+      </dgm:t>
+    </dgm:pt>
+    <dgm:pt modelId="{4AE0A1E5-68AE-4CD8-AA6E-A66227553B99}">
+      <dgm:prSet phldrT="[Text]" custT="1"/>
+      <dgm:spPr/>
+      <dgm:t>
+        <a:bodyPr/>
+        <a:lstStyle/>
+        <a:p>
+          <a:r>
+            <a:rPr lang="en-US" sz="1200" dirty="0" err="1"/>
+            <a:t>Beteiligung</a:t>
+          </a:r>
+          <a:r>
+            <a:rPr lang="en-US" sz="1200" dirty="0"/>
+            <a:t> von </a:t>
+          </a:r>
+          <a:r>
+            <a:rPr lang="en-US" sz="1200" dirty="0" err="1"/>
+            <a:t>Nichtwissenschaftler</a:t>
+          </a:r>
+          <a:r>
+            <a:rPr lang="en-US" sz="1200" dirty="0"/>
+            <a:t>*</a:t>
+          </a:r>
+          <a:r>
+            <a:rPr lang="en-US" sz="1200" dirty="0" err="1"/>
+            <a:t>innen</a:t>
+          </a:r>
+          <a:r>
+            <a:rPr lang="en-US" sz="1200" dirty="0"/>
+            <a:t> </a:t>
+          </a:r>
+          <a:r>
+            <a:rPr lang="en-US" sz="1200" dirty="0" err="1"/>
+            <a:t>beim</a:t>
+          </a:r>
+          <a:r>
+            <a:rPr lang="en-US" sz="1200" dirty="0"/>
+            <a:t> </a:t>
+          </a:r>
+          <a:r>
+            <a:rPr lang="en-US" sz="1200" dirty="0" err="1"/>
+            <a:t>Forschungsprozess</a:t>
+          </a:r>
+          <a:r>
+            <a:rPr lang="en-US" sz="1200" dirty="0"/>
+            <a:t> (</a:t>
+          </a:r>
+          <a:r>
+            <a:rPr lang="en-US" sz="1200" dirty="0" err="1"/>
+            <a:t>z.B</a:t>
+          </a:r>
+          <a:r>
+            <a:rPr lang="en-US" sz="1200" dirty="0"/>
+            <a:t>. </a:t>
+          </a:r>
+          <a:r>
+            <a:rPr lang="en-US" sz="1200" dirty="0" err="1"/>
+            <a:t>Datenerhebung</a:t>
+          </a:r>
+          <a:r>
+            <a:rPr lang="en-US" sz="1200" dirty="0"/>
+            <a:t> </a:t>
+          </a:r>
+          <a:r>
+            <a:rPr lang="en-US" sz="1200" dirty="0" err="1"/>
+            <a:t>oder</a:t>
+          </a:r>
+          <a:r>
+            <a:rPr lang="en-US" sz="1200" dirty="0"/>
+            <a:t> </a:t>
+          </a:r>
+          <a:r>
+            <a:rPr lang="en-US" sz="1200" dirty="0" err="1"/>
+            <a:t>Datenverarbeitung</a:t>
+          </a:r>
+          <a:r>
+            <a:rPr lang="en-US" sz="1200" dirty="0"/>
+            <a:t>)</a:t>
+          </a:r>
+        </a:p>
+      </dgm:t>
+    </dgm:pt>
+    <dgm:pt modelId="{FA82B4E2-7D70-4B2B-A1C9-9DA17C789963}" type="parTrans" cxnId="{74023D4E-F7AE-446B-97FF-592BC7D0344B}">
+      <dgm:prSet/>
+      <dgm:spPr/>
+      <dgm:t>
+        <a:bodyPr/>
+        <a:lstStyle/>
+        <a:p>
+          <a:endParaRPr lang="en-US" sz="1800"/>
+        </a:p>
+      </dgm:t>
+    </dgm:pt>
+    <dgm:pt modelId="{5B2396E7-C69D-4440-836E-D4B26D1CDF5E}" type="sibTrans" cxnId="{74023D4E-F7AE-446B-97FF-592BC7D0344B}">
+      <dgm:prSet/>
+      <dgm:spPr/>
+      <dgm:t>
+        <a:bodyPr/>
+        <a:lstStyle/>
+        <a:p>
+          <a:endParaRPr lang="en-US" sz="1800"/>
+        </a:p>
+      </dgm:t>
+    </dgm:pt>
+    <dgm:pt modelId="{0F1227CD-53E5-4ED5-B548-E55AEC2989F4}">
+      <dgm:prSet phldrT="[Text]" custT="1"/>
+      <dgm:spPr/>
+      <dgm:t>
+        <a:bodyPr/>
+        <a:lstStyle/>
+        <a:p>
+          <a:r>
+            <a:rPr lang="en-US" sz="1200" dirty="0" err="1"/>
+            <a:t>Zusammenschluss</a:t>
+          </a:r>
+          <a:r>
+            <a:rPr lang="en-US" sz="1200" dirty="0"/>
+            <a:t> </a:t>
+          </a:r>
+          <a:r>
+            <a:rPr lang="en-US" sz="1200" dirty="0" err="1"/>
+            <a:t>großer</a:t>
+          </a:r>
+          <a:r>
+            <a:rPr lang="en-US" sz="1200" dirty="0"/>
+            <a:t> </a:t>
+          </a:r>
+          <a:r>
+            <a:rPr lang="en-US" sz="1200" dirty="0" err="1"/>
+            <a:t>wissenschaftlicher</a:t>
+          </a:r>
+          <a:r>
+            <a:rPr lang="en-US" sz="1200" dirty="0"/>
+            <a:t> Communities</a:t>
+          </a:r>
+        </a:p>
+      </dgm:t>
+    </dgm:pt>
+    <dgm:pt modelId="{05D2FB76-1DD5-4847-A3BA-EAC471732EE0}" type="parTrans" cxnId="{666A9052-82D9-42D3-B4AD-963451FA7572}">
+      <dgm:prSet/>
+      <dgm:spPr/>
+      <dgm:t>
+        <a:bodyPr/>
+        <a:lstStyle/>
+        <a:p>
+          <a:endParaRPr lang="en-US" sz="1800"/>
+        </a:p>
+      </dgm:t>
+    </dgm:pt>
+    <dgm:pt modelId="{38AF780E-A7E1-4E55-B90D-042F61A591E5}" type="sibTrans" cxnId="{666A9052-82D9-42D3-B4AD-963451FA7572}">
+      <dgm:prSet/>
+      <dgm:spPr/>
+      <dgm:t>
+        <a:bodyPr/>
+        <a:lstStyle/>
+        <a:p>
+          <a:endParaRPr lang="en-US" sz="1800"/>
+        </a:p>
+      </dgm:t>
+    </dgm:pt>
+    <dgm:pt modelId="{73BF7BDB-9607-43C6-AA5D-24B174901C0A}">
+      <dgm:prSet phldrT="[Text]" custT="1"/>
+      <dgm:spPr/>
+      <dgm:t>
+        <a:bodyPr/>
+        <a:lstStyle/>
+        <a:p>
+          <a:r>
+            <a:rPr lang="en-US" sz="1200" dirty="0" err="1"/>
+            <a:t>Nachverfolgbarer</a:t>
+          </a:r>
+          <a:r>
+            <a:rPr lang="en-US" sz="1200" dirty="0"/>
+            <a:t> </a:t>
+          </a:r>
+          <a:r>
+            <a:rPr lang="en-US" sz="1200" dirty="0" err="1"/>
+            <a:t>Wissenschaftlicher</a:t>
+          </a:r>
+          <a:r>
+            <a:rPr lang="en-US" sz="1200" dirty="0"/>
+            <a:t> </a:t>
+          </a:r>
+          <a:r>
+            <a:rPr lang="en-US" sz="1200" dirty="0" err="1"/>
+            <a:t>Diskurs</a:t>
+          </a:r>
+          <a:r>
+            <a:rPr lang="en-US" sz="1200" dirty="0"/>
+            <a:t> und </a:t>
+          </a:r>
+          <a:r>
+            <a:rPr lang="en-US" sz="1200" dirty="0" err="1"/>
+            <a:t>Qualitätssicherung</a:t>
+          </a:r>
+          <a:r>
+            <a:rPr lang="en-US" sz="1200" dirty="0"/>
+            <a:t> in der </a:t>
+          </a:r>
+          <a:r>
+            <a:rPr lang="en-US" sz="1200" dirty="0" err="1"/>
+            <a:t>öffentlichen</a:t>
+          </a:r>
+          <a:r>
+            <a:rPr lang="en-US" sz="1200" dirty="0"/>
+            <a:t> </a:t>
+          </a:r>
+          <a:r>
+            <a:rPr lang="en-US" sz="1200" dirty="0" err="1"/>
+            <a:t>Sphäre</a:t>
+          </a:r>
+          <a:endParaRPr lang="en-US" sz="1200" dirty="0"/>
+        </a:p>
+      </dgm:t>
+    </dgm:pt>
+    <dgm:pt modelId="{F99BF9AC-CBAB-4FAE-9F9E-EE75DB23FFCD}" type="parTrans" cxnId="{8DC484C3-34CB-4455-BF5E-E55E6C8845DB}">
+      <dgm:prSet/>
+      <dgm:spPr/>
+      <dgm:t>
+        <a:bodyPr/>
+        <a:lstStyle/>
+        <a:p>
+          <a:endParaRPr lang="en-US" sz="1800"/>
+        </a:p>
+      </dgm:t>
+    </dgm:pt>
+    <dgm:pt modelId="{87339D85-F659-400D-BFEB-4CEA1CBD71DF}" type="sibTrans" cxnId="{8DC484C3-34CB-4455-BF5E-E55E6C8845DB}">
+      <dgm:prSet/>
+      <dgm:spPr/>
+      <dgm:t>
+        <a:bodyPr/>
+        <a:lstStyle/>
+        <a:p>
+          <a:endParaRPr lang="en-US" sz="1800"/>
+        </a:p>
+      </dgm:t>
+    </dgm:pt>
+    <dgm:pt modelId="{85512E46-F3DB-4C19-863D-4893CE31220F}" type="pres">
+      <dgm:prSet presAssocID="{2453CC0A-1441-4F72-AE68-082965212212}" presName="Name0" presStyleCnt="0">
+        <dgm:presLayoutVars>
+          <dgm:dir/>
+          <dgm:resizeHandles val="exact"/>
+        </dgm:presLayoutVars>
+      </dgm:prSet>
+      <dgm:spPr/>
+    </dgm:pt>
+    <dgm:pt modelId="{F540D781-6830-4B74-A275-687FB6AACC6F}" type="pres">
+      <dgm:prSet presAssocID="{9B65AE8F-A421-494C-8C5A-F27811B11B76}" presName="composite" presStyleCnt="0"/>
+      <dgm:spPr/>
+    </dgm:pt>
+    <dgm:pt modelId="{DF72D210-16A7-4F95-84C6-DDE31A9A78EB}" type="pres">
+      <dgm:prSet presAssocID="{9B65AE8F-A421-494C-8C5A-F27811B11B76}" presName="rect1" presStyleLbl="trAlignAcc1" presStyleIdx="0" presStyleCnt="8">
+        <dgm:presLayoutVars>
+          <dgm:bulletEnabled val="1"/>
+        </dgm:presLayoutVars>
+      </dgm:prSet>
+      <dgm:spPr/>
+    </dgm:pt>
+    <dgm:pt modelId="{2DF3B7CD-0191-4103-BD12-FCF919CE4DA5}" type="pres">
+      <dgm:prSet presAssocID="{9B65AE8F-A421-494C-8C5A-F27811B11B76}" presName="rect2" presStyleLbl="fgImgPlace1" presStyleIdx="0" presStyleCnt="8"/>
+      <dgm:spPr/>
+    </dgm:pt>
+    <dgm:pt modelId="{A36A2832-FAAC-4D8D-81F3-048456E425E3}" type="pres">
+      <dgm:prSet presAssocID="{E6C59E02-A9A9-4A6A-B9C2-C963F9622F1E}" presName="sibTrans" presStyleCnt="0"/>
+      <dgm:spPr/>
+    </dgm:pt>
+    <dgm:pt modelId="{358C2400-9674-479F-8532-7E91F84CBFCC}" type="pres">
+      <dgm:prSet presAssocID="{3083B140-C1D4-4AE4-9094-C882B004A293}" presName="composite" presStyleCnt="0"/>
+      <dgm:spPr/>
+    </dgm:pt>
+    <dgm:pt modelId="{B0F8CCE0-559B-4DF2-B4AE-17602425B3C9}" type="pres">
+      <dgm:prSet presAssocID="{3083B140-C1D4-4AE4-9094-C882B004A293}" presName="rect1" presStyleLbl="trAlignAcc1" presStyleIdx="1" presStyleCnt="8">
+        <dgm:presLayoutVars>
+          <dgm:bulletEnabled val="1"/>
+        </dgm:presLayoutVars>
+      </dgm:prSet>
+      <dgm:spPr/>
+    </dgm:pt>
+    <dgm:pt modelId="{24CEF428-F3F7-422B-B6CE-F559546322D2}" type="pres">
+      <dgm:prSet presAssocID="{3083B140-C1D4-4AE4-9094-C882B004A293}" presName="rect2" presStyleLbl="fgImgPlace1" presStyleIdx="1" presStyleCnt="8"/>
+      <dgm:spPr/>
+    </dgm:pt>
+    <dgm:pt modelId="{AFBCCF54-C279-42F1-85FE-306581C4582F}" type="pres">
+      <dgm:prSet presAssocID="{8890738D-A9FF-4B91-B070-3F7CEB7ABA3D}" presName="sibTrans" presStyleCnt="0"/>
+      <dgm:spPr/>
+    </dgm:pt>
+    <dgm:pt modelId="{80D5E9BC-B202-444E-89B2-6A78D984FCD2}" type="pres">
+      <dgm:prSet presAssocID="{15037E42-BE39-4FDB-9001-D76D79110981}" presName="composite" presStyleCnt="0"/>
+      <dgm:spPr/>
+    </dgm:pt>
+    <dgm:pt modelId="{0C12BD03-181C-4263-969F-AAE2546C4D02}" type="pres">
+      <dgm:prSet presAssocID="{15037E42-BE39-4FDB-9001-D76D79110981}" presName="rect1" presStyleLbl="trAlignAcc1" presStyleIdx="2" presStyleCnt="8">
+        <dgm:presLayoutVars>
+          <dgm:bulletEnabled val="1"/>
+        </dgm:presLayoutVars>
+      </dgm:prSet>
+      <dgm:spPr/>
+    </dgm:pt>
+    <dgm:pt modelId="{ED5424D3-85AF-49A0-9FF5-A53D1FAE11F7}" type="pres">
+      <dgm:prSet presAssocID="{15037E42-BE39-4FDB-9001-D76D79110981}" presName="rect2" presStyleLbl="fgImgPlace1" presStyleIdx="2" presStyleCnt="8"/>
+      <dgm:spPr/>
+    </dgm:pt>
+    <dgm:pt modelId="{6053924C-67B8-4638-A17B-EAB1864EF47D}" type="pres">
+      <dgm:prSet presAssocID="{BB8CA0A4-F0F0-46F5-9557-7FA08DC0DF78}" presName="sibTrans" presStyleCnt="0"/>
+      <dgm:spPr/>
+    </dgm:pt>
+    <dgm:pt modelId="{AD517EDF-D83F-4F9E-B7F0-3D908DFC1258}" type="pres">
+      <dgm:prSet presAssocID="{318C8979-D10A-49BF-82A0-2F450FADCD61}" presName="composite" presStyleCnt="0"/>
+      <dgm:spPr/>
+    </dgm:pt>
+    <dgm:pt modelId="{20174927-3640-4DAA-A990-E83CED575228}" type="pres">
+      <dgm:prSet presAssocID="{318C8979-D10A-49BF-82A0-2F450FADCD61}" presName="rect1" presStyleLbl="trAlignAcc1" presStyleIdx="3" presStyleCnt="8">
+        <dgm:presLayoutVars>
+          <dgm:bulletEnabled val="1"/>
+        </dgm:presLayoutVars>
+      </dgm:prSet>
+      <dgm:spPr/>
+    </dgm:pt>
+    <dgm:pt modelId="{788CB696-3EC6-4068-9ACB-4878CD2BB3B4}" type="pres">
+      <dgm:prSet presAssocID="{318C8979-D10A-49BF-82A0-2F450FADCD61}" presName="rect2" presStyleLbl="fgImgPlace1" presStyleIdx="3" presStyleCnt="8"/>
+      <dgm:spPr/>
+    </dgm:pt>
+    <dgm:pt modelId="{6F94C6E7-EC98-4201-A97C-242A4BE6D05C}" type="pres">
+      <dgm:prSet presAssocID="{61C075C4-20B0-4FA7-8160-3FAF8E2BB062}" presName="sibTrans" presStyleCnt="0"/>
+      <dgm:spPr/>
+    </dgm:pt>
+    <dgm:pt modelId="{DF2787E9-DECF-474C-89F4-8246C8C656CE}" type="pres">
+      <dgm:prSet presAssocID="{3EE17455-0168-47C0-A657-B6971304EAC0}" presName="composite" presStyleCnt="0"/>
+      <dgm:spPr/>
+    </dgm:pt>
+    <dgm:pt modelId="{59A86A9C-E9D4-4578-9053-4AB2EBD96DC8}" type="pres">
+      <dgm:prSet presAssocID="{3EE17455-0168-47C0-A657-B6971304EAC0}" presName="rect1" presStyleLbl="trAlignAcc1" presStyleIdx="4" presStyleCnt="8">
+        <dgm:presLayoutVars>
+          <dgm:bulletEnabled val="1"/>
+        </dgm:presLayoutVars>
+      </dgm:prSet>
+      <dgm:spPr/>
+    </dgm:pt>
+    <dgm:pt modelId="{66F27817-EC29-4332-97DE-635B75EDB46D}" type="pres">
+      <dgm:prSet presAssocID="{3EE17455-0168-47C0-A657-B6971304EAC0}" presName="rect2" presStyleLbl="fgImgPlace1" presStyleIdx="4" presStyleCnt="8"/>
+      <dgm:spPr/>
+    </dgm:pt>
+    <dgm:pt modelId="{48F69559-8285-4E10-8525-46E2D443C043}" type="pres">
+      <dgm:prSet presAssocID="{1CEFAE5A-D7CC-402D-827B-D91F1810AC07}" presName="sibTrans" presStyleCnt="0"/>
+      <dgm:spPr/>
+    </dgm:pt>
+    <dgm:pt modelId="{6FF0BBC6-2042-4A6B-99A2-B03C57537FD7}" type="pres">
+      <dgm:prSet presAssocID="{FFD776F4-25ED-4CBB-8824-3FFB5F684DD7}" presName="composite" presStyleCnt="0"/>
+      <dgm:spPr/>
+    </dgm:pt>
+    <dgm:pt modelId="{15BF9CE3-737B-4CC2-B893-F21F6FFA5AAC}" type="pres">
+      <dgm:prSet presAssocID="{FFD776F4-25ED-4CBB-8824-3FFB5F684DD7}" presName="rect1" presStyleLbl="trAlignAcc1" presStyleIdx="5" presStyleCnt="8">
+        <dgm:presLayoutVars>
+          <dgm:bulletEnabled val="1"/>
+        </dgm:presLayoutVars>
+      </dgm:prSet>
+      <dgm:spPr/>
+    </dgm:pt>
+    <dgm:pt modelId="{4ABA37DE-C3F9-4DCB-A47F-DED921C560A9}" type="pres">
+      <dgm:prSet presAssocID="{FFD776F4-25ED-4CBB-8824-3FFB5F684DD7}" presName="rect2" presStyleLbl="fgImgPlace1" presStyleIdx="5" presStyleCnt="8"/>
+      <dgm:spPr/>
+    </dgm:pt>
+    <dgm:pt modelId="{605DCDC6-C39D-49ED-9DC6-D76906CF347D}" type="pres">
+      <dgm:prSet presAssocID="{F3621623-A3E7-499E-ADD0-78BF0FD4FC39}" presName="sibTrans" presStyleCnt="0"/>
+      <dgm:spPr/>
+    </dgm:pt>
+    <dgm:pt modelId="{9380CA88-BF97-453C-BC67-CC08ADD4E7E5}" type="pres">
+      <dgm:prSet presAssocID="{78899F89-62BD-4F71-B5D9-BCBD2E14E17C}" presName="composite" presStyleCnt="0"/>
+      <dgm:spPr/>
+    </dgm:pt>
+    <dgm:pt modelId="{0A02814B-D27F-4791-95C3-AA1082F0DB29}" type="pres">
+      <dgm:prSet presAssocID="{78899F89-62BD-4F71-B5D9-BCBD2E14E17C}" presName="rect1" presStyleLbl="trAlignAcc1" presStyleIdx="6" presStyleCnt="8">
+        <dgm:presLayoutVars>
+          <dgm:bulletEnabled val="1"/>
+        </dgm:presLayoutVars>
+      </dgm:prSet>
+      <dgm:spPr/>
+    </dgm:pt>
+    <dgm:pt modelId="{24FBF5A0-2A70-4385-AC7F-B63324703A0A}" type="pres">
+      <dgm:prSet presAssocID="{78899F89-62BD-4F71-B5D9-BCBD2E14E17C}" presName="rect2" presStyleLbl="fgImgPlace1" presStyleIdx="6" presStyleCnt="8"/>
+      <dgm:spPr/>
+    </dgm:pt>
+    <dgm:pt modelId="{211816E7-903C-4E8B-BF80-1DDD914D7B7B}" type="pres">
+      <dgm:prSet presAssocID="{6EF0D5B9-F060-4BF0-929C-610C93B975EA}" presName="sibTrans" presStyleCnt="0"/>
+      <dgm:spPr/>
+    </dgm:pt>
+    <dgm:pt modelId="{7061925C-DDED-43CE-B798-E2D50C387DBC}" type="pres">
+      <dgm:prSet presAssocID="{88C7C22E-3654-4358-9990-5A59E0E58EC3}" presName="composite" presStyleCnt="0"/>
+      <dgm:spPr/>
+    </dgm:pt>
+    <dgm:pt modelId="{88A44DD6-3C3F-4EA4-BB3A-6AB8BA3C0A2C}" type="pres">
+      <dgm:prSet presAssocID="{88C7C22E-3654-4358-9990-5A59E0E58EC3}" presName="rect1" presStyleLbl="trAlignAcc1" presStyleIdx="7" presStyleCnt="8">
+        <dgm:presLayoutVars>
+          <dgm:bulletEnabled val="1"/>
+        </dgm:presLayoutVars>
+      </dgm:prSet>
+      <dgm:spPr/>
+    </dgm:pt>
+    <dgm:pt modelId="{5A014310-7DF4-478F-92E0-A03F0DEB7E39}" type="pres">
+      <dgm:prSet presAssocID="{88C7C22E-3654-4358-9990-5A59E0E58EC3}" presName="rect2" presStyleLbl="fgImgPlace1" presStyleIdx="7" presStyleCnt="8"/>
+      <dgm:spPr/>
+    </dgm:pt>
+  </dgm:ptLst>
+  <dgm:cxnLst>
+    <dgm:cxn modelId="{4C0EFB02-0809-4B74-B9F4-3A6FAE19874B}" srcId="{2453CC0A-1441-4F72-AE68-082965212212}" destId="{318C8979-D10A-49BF-82A0-2F450FADCD61}" srcOrd="3" destOrd="0" parTransId="{21EE0904-3B4A-4E8A-8C29-2AC148923792}" sibTransId="{61C075C4-20B0-4FA7-8160-3FAF8E2BB062}"/>
+    <dgm:cxn modelId="{4221520F-4BAB-4454-9B90-AC67A43480ED}" type="presOf" srcId="{71755954-522A-4207-A60E-9F9D79D25FE7}" destId="{59A86A9C-E9D4-4578-9053-4AB2EBD96DC8}" srcOrd="0" destOrd="1" presId="urn:microsoft.com/office/officeart/2008/layout/PictureStrips"/>
+    <dgm:cxn modelId="{E4328E18-3F6D-4F5A-A494-BB6DDBE82B5F}" type="presOf" srcId="{FFD776F4-25ED-4CBB-8824-3FFB5F684DD7}" destId="{15BF9CE3-737B-4CC2-B893-F21F6FFA5AAC}" srcOrd="0" destOrd="0" presId="urn:microsoft.com/office/officeart/2008/layout/PictureStrips"/>
+    <dgm:cxn modelId="{BF91DC25-7B48-417A-B634-8E912EA09951}" type="presOf" srcId="{563FAC6C-54AD-4DE6-94A8-CBF5A5A4E487}" destId="{B0F8CCE0-559B-4DF2-B4AE-17602425B3C9}" srcOrd="0" destOrd="1" presId="urn:microsoft.com/office/officeart/2008/layout/PictureStrips"/>
+    <dgm:cxn modelId="{FB9A663E-4200-4676-A5E4-8D22F3185CC9}" type="presOf" srcId="{600F4CB9-D82A-4D30-9176-1E2167717CCB}" destId="{0C12BD03-181C-4263-969F-AAE2546C4D02}" srcOrd="0" destOrd="1" presId="urn:microsoft.com/office/officeart/2008/layout/PictureStrips"/>
+    <dgm:cxn modelId="{E0388044-BD92-454D-A045-578E646FD4CA}" type="presOf" srcId="{F2425FC5-5EEC-4356-A16F-C163F73B5E30}" destId="{20174927-3640-4DAA-A990-E83CED575228}" srcOrd="0" destOrd="1" presId="urn:microsoft.com/office/officeart/2008/layout/PictureStrips"/>
+    <dgm:cxn modelId="{A5ED034C-1280-4F63-BB13-69A53D59488F}" type="presOf" srcId="{681167FC-F769-483D-9391-949768AE4092}" destId="{DF72D210-16A7-4F95-84C6-DDE31A9A78EB}" srcOrd="0" destOrd="1" presId="urn:microsoft.com/office/officeart/2008/layout/PictureStrips"/>
+    <dgm:cxn modelId="{D4235A4C-A005-4D17-B2F4-FD33CD0D3C1B}" srcId="{2453CC0A-1441-4F72-AE68-082965212212}" destId="{88C7C22E-3654-4358-9990-5A59E0E58EC3}" srcOrd="7" destOrd="0" parTransId="{3FDC9522-2343-4AD3-9190-E2BE61E85403}" sibTransId="{D2DE9758-ED9F-4CD9-9CB1-64CA0E61FB05}"/>
+    <dgm:cxn modelId="{74023D4E-F7AE-446B-97FF-592BC7D0344B}" srcId="{FFD776F4-25ED-4CBB-8824-3FFB5F684DD7}" destId="{4AE0A1E5-68AE-4CD8-AA6E-A66227553B99}" srcOrd="0" destOrd="0" parTransId="{FA82B4E2-7D70-4B2B-A1C9-9DA17C789963}" sibTransId="{5B2396E7-C69D-4440-836E-D4B26D1CDF5E}"/>
+    <dgm:cxn modelId="{7CD0834E-EC13-4073-8D6B-41D79C977751}" srcId="{2453CC0A-1441-4F72-AE68-082965212212}" destId="{3EE17455-0168-47C0-A657-B6971304EAC0}" srcOrd="4" destOrd="0" parTransId="{8D19378A-D276-4B44-ACB6-8A1D71EE4234}" sibTransId="{1CEFAE5A-D7CC-402D-827B-D91F1810AC07}"/>
+    <dgm:cxn modelId="{CEA9CB4F-B059-4B6F-94C1-61A3075F9701}" srcId="{2453CC0A-1441-4F72-AE68-082965212212}" destId="{78899F89-62BD-4F71-B5D9-BCBD2E14E17C}" srcOrd="6" destOrd="0" parTransId="{C3885715-360C-4E3D-A85F-0BADC68CCB70}" sibTransId="{6EF0D5B9-F060-4BF0-929C-610C93B975EA}"/>
+    <dgm:cxn modelId="{BB8A9571-6A0B-47D5-9BD7-A68F6E66FB44}" srcId="{318C8979-D10A-49BF-82A0-2F450FADCD61}" destId="{F2425FC5-5EEC-4356-A16F-C163F73B5E30}" srcOrd="0" destOrd="0" parTransId="{210B5756-56D5-4938-95C5-C04E22B13A2D}" sibTransId="{C4E87FBA-2850-4C57-9892-EABD35487B09}"/>
+    <dgm:cxn modelId="{666A9052-82D9-42D3-B4AD-963451FA7572}" srcId="{78899F89-62BD-4F71-B5D9-BCBD2E14E17C}" destId="{0F1227CD-53E5-4ED5-B548-E55AEC2989F4}" srcOrd="0" destOrd="0" parTransId="{05D2FB76-1DD5-4847-A3BA-EAC471732EE0}" sibTransId="{38AF780E-A7E1-4E55-B90D-042F61A591E5}"/>
+    <dgm:cxn modelId="{18709B52-6FB2-45DE-864A-9AB6B0347081}" type="presOf" srcId="{4AE0A1E5-68AE-4CD8-AA6E-A66227553B99}" destId="{15BF9CE3-737B-4CC2-B893-F21F6FFA5AAC}" srcOrd="0" destOrd="1" presId="urn:microsoft.com/office/officeart/2008/layout/PictureStrips"/>
+    <dgm:cxn modelId="{5E8ED174-2E43-4AAE-8800-9E348DB92F03}" srcId="{2453CC0A-1441-4F72-AE68-082965212212}" destId="{FFD776F4-25ED-4CBB-8824-3FFB5F684DD7}" srcOrd="5" destOrd="0" parTransId="{19CE044C-F818-4911-A5F8-B90D130E33C6}" sibTransId="{F3621623-A3E7-499E-ADD0-78BF0FD4FC39}"/>
+    <dgm:cxn modelId="{1FF8C485-3560-4C8D-8DE0-83A66EFD28ED}" type="presOf" srcId="{2453CC0A-1441-4F72-AE68-082965212212}" destId="{85512E46-F3DB-4C19-863D-4893CE31220F}" srcOrd="0" destOrd="0" presId="urn:microsoft.com/office/officeart/2008/layout/PictureStrips"/>
+    <dgm:cxn modelId="{71FD9B8F-AD1B-47F0-A455-6D26FEC2DB8B}" srcId="{9B65AE8F-A421-494C-8C5A-F27811B11B76}" destId="{681167FC-F769-483D-9391-949768AE4092}" srcOrd="0" destOrd="0" parTransId="{496B4C56-DF8D-4A46-B560-C6C03256979D}" sibTransId="{9F6F2010-E62D-4380-81F7-EDCB183121F3}"/>
+    <dgm:cxn modelId="{FAA2C38F-CC9E-4F0D-AEBC-F46AFA8C50ED}" type="presOf" srcId="{9B65AE8F-A421-494C-8C5A-F27811B11B76}" destId="{DF72D210-16A7-4F95-84C6-DDE31A9A78EB}" srcOrd="0" destOrd="0" presId="urn:microsoft.com/office/officeart/2008/layout/PictureStrips"/>
+    <dgm:cxn modelId="{20241993-755D-46A7-9EC6-F01DA6551131}" srcId="{2453CC0A-1441-4F72-AE68-082965212212}" destId="{3083B140-C1D4-4AE4-9094-C882B004A293}" srcOrd="1" destOrd="0" parTransId="{3DFC7CAD-A28D-4E4D-B32E-8FDCB703E727}" sibTransId="{8890738D-A9FF-4B91-B070-3F7CEB7ABA3D}"/>
+    <dgm:cxn modelId="{8A76A699-9D6B-4CC8-8E05-3950E96FCA7B}" srcId="{15037E42-BE39-4FDB-9001-D76D79110981}" destId="{600F4CB9-D82A-4D30-9176-1E2167717CCB}" srcOrd="0" destOrd="0" parTransId="{C22D994C-F451-453F-A585-7D9904B6D308}" sibTransId="{595EB462-2B36-4148-9804-A06FBFB5740D}"/>
+    <dgm:cxn modelId="{C817BB9B-A113-4DB0-A53B-7F976D2F433E}" type="presOf" srcId="{318C8979-D10A-49BF-82A0-2F450FADCD61}" destId="{20174927-3640-4DAA-A990-E83CED575228}" srcOrd="0" destOrd="0" presId="urn:microsoft.com/office/officeart/2008/layout/PictureStrips"/>
+    <dgm:cxn modelId="{4AF3F8A6-5194-4470-8DCD-3E0E38E3B962}" type="presOf" srcId="{0F1227CD-53E5-4ED5-B548-E55AEC2989F4}" destId="{0A02814B-D27F-4791-95C3-AA1082F0DB29}" srcOrd="0" destOrd="1" presId="urn:microsoft.com/office/officeart/2008/layout/PictureStrips"/>
+    <dgm:cxn modelId="{DEDBAAB0-2292-416A-A21F-870A1ABE958E}" type="presOf" srcId="{73BF7BDB-9607-43C6-AA5D-24B174901C0A}" destId="{88A44DD6-3C3F-4EA4-BB3A-6AB8BA3C0A2C}" srcOrd="0" destOrd="1" presId="urn:microsoft.com/office/officeart/2008/layout/PictureStrips"/>
+    <dgm:cxn modelId="{5A36C4B6-A6CB-44FE-B01A-10C801DE188F}" type="presOf" srcId="{3083B140-C1D4-4AE4-9094-C882B004A293}" destId="{B0F8CCE0-559B-4DF2-B4AE-17602425B3C9}" srcOrd="0" destOrd="0" presId="urn:microsoft.com/office/officeart/2008/layout/PictureStrips"/>
+    <dgm:cxn modelId="{D15331B7-8C18-40EF-B33B-C13C1ABFF723}" type="presOf" srcId="{78899F89-62BD-4F71-B5D9-BCBD2E14E17C}" destId="{0A02814B-D27F-4791-95C3-AA1082F0DB29}" srcOrd="0" destOrd="0" presId="urn:microsoft.com/office/officeart/2008/layout/PictureStrips"/>
+    <dgm:cxn modelId="{0A19E5BD-166C-40A5-9139-7A05A243C6FA}" srcId="{3EE17455-0168-47C0-A657-B6971304EAC0}" destId="{71755954-522A-4207-A60E-9F9D79D25FE7}" srcOrd="0" destOrd="0" parTransId="{AA66DA06-1F29-441E-92AE-031E9F28C148}" sibTransId="{DEA0D6FC-1773-4580-AE7F-929402123877}"/>
+    <dgm:cxn modelId="{6AE23CC3-4FC3-4F75-8EFA-9A405F6B2141}" type="presOf" srcId="{88C7C22E-3654-4358-9990-5A59E0E58EC3}" destId="{88A44DD6-3C3F-4EA4-BB3A-6AB8BA3C0A2C}" srcOrd="0" destOrd="0" presId="urn:microsoft.com/office/officeart/2008/layout/PictureStrips"/>
+    <dgm:cxn modelId="{8DC484C3-34CB-4455-BF5E-E55E6C8845DB}" srcId="{88C7C22E-3654-4358-9990-5A59E0E58EC3}" destId="{73BF7BDB-9607-43C6-AA5D-24B174901C0A}" srcOrd="0" destOrd="0" parTransId="{F99BF9AC-CBAB-4FAE-9F9E-EE75DB23FFCD}" sibTransId="{87339D85-F659-400D-BFEB-4CEA1CBD71DF}"/>
+    <dgm:cxn modelId="{C43BA5C8-334E-4B94-A487-64702B3F2E87}" srcId="{2453CC0A-1441-4F72-AE68-082965212212}" destId="{9B65AE8F-A421-494C-8C5A-F27811B11B76}" srcOrd="0" destOrd="0" parTransId="{F4E03D4B-F241-4E0B-8343-59368CBB85DF}" sibTransId="{E6C59E02-A9A9-4A6A-B9C2-C963F9622F1E}"/>
+    <dgm:cxn modelId="{2E66C2D6-D2BC-461C-AE67-62ADCEDF1CAE}" srcId="{2453CC0A-1441-4F72-AE68-082965212212}" destId="{15037E42-BE39-4FDB-9001-D76D79110981}" srcOrd="2" destOrd="0" parTransId="{56B1181A-358D-4248-8DBC-230B1A6146EE}" sibTransId="{BB8CA0A4-F0F0-46F5-9557-7FA08DC0DF78}"/>
+    <dgm:cxn modelId="{7FF677DD-744A-4DDE-90C2-9741C1600550}" srcId="{3083B140-C1D4-4AE4-9094-C882B004A293}" destId="{563FAC6C-54AD-4DE6-94A8-CBF5A5A4E487}" srcOrd="0" destOrd="0" parTransId="{CDA5AAA4-B310-40D7-932C-F082BC0EB92A}" sibTransId="{E51E538D-FCB8-456F-9C19-CD5EB0762D54}"/>
+    <dgm:cxn modelId="{0864FCDE-1BFB-4A32-8AC2-0FBCB4FC0459}" type="presOf" srcId="{15037E42-BE39-4FDB-9001-D76D79110981}" destId="{0C12BD03-181C-4263-969F-AAE2546C4D02}" srcOrd="0" destOrd="0" presId="urn:microsoft.com/office/officeart/2008/layout/PictureStrips"/>
+    <dgm:cxn modelId="{400011ED-B137-402A-9D4C-7EFA84278229}" type="presOf" srcId="{3EE17455-0168-47C0-A657-B6971304EAC0}" destId="{59A86A9C-E9D4-4578-9053-4AB2EBD96DC8}" srcOrd="0" destOrd="0" presId="urn:microsoft.com/office/officeart/2008/layout/PictureStrips"/>
+    <dgm:cxn modelId="{A4F1C3A7-AA30-46C6-A917-57620895E3BB}" type="presParOf" srcId="{85512E46-F3DB-4C19-863D-4893CE31220F}" destId="{F540D781-6830-4B74-A275-687FB6AACC6F}" srcOrd="0" destOrd="0" presId="urn:microsoft.com/office/officeart/2008/layout/PictureStrips"/>
+    <dgm:cxn modelId="{1068667B-7D5B-4418-A105-432DC4641F0D}" type="presParOf" srcId="{F540D781-6830-4B74-A275-687FB6AACC6F}" destId="{DF72D210-16A7-4F95-84C6-DDE31A9A78EB}" srcOrd="0" destOrd="0" presId="urn:microsoft.com/office/officeart/2008/layout/PictureStrips"/>
+    <dgm:cxn modelId="{BA2C0629-59F2-4C2F-AA52-7ADDF751F8CE}" type="presParOf" srcId="{F540D781-6830-4B74-A275-687FB6AACC6F}" destId="{2DF3B7CD-0191-4103-BD12-FCF919CE4DA5}" srcOrd="1" destOrd="0" presId="urn:microsoft.com/office/officeart/2008/layout/PictureStrips"/>
+    <dgm:cxn modelId="{E03B3354-921B-4F18-A8AB-15839B021A9F}" type="presParOf" srcId="{85512E46-F3DB-4C19-863D-4893CE31220F}" destId="{A36A2832-FAAC-4D8D-81F3-048456E425E3}" srcOrd="1" destOrd="0" presId="urn:microsoft.com/office/officeart/2008/layout/PictureStrips"/>
+    <dgm:cxn modelId="{8BEB28A0-7153-4025-B1BE-CBF3D84908A3}" type="presParOf" srcId="{85512E46-F3DB-4C19-863D-4893CE31220F}" destId="{358C2400-9674-479F-8532-7E91F84CBFCC}" srcOrd="2" destOrd="0" presId="urn:microsoft.com/office/officeart/2008/layout/PictureStrips"/>
+    <dgm:cxn modelId="{8784BD24-6C90-418E-8566-F315541DD21E}" type="presParOf" srcId="{358C2400-9674-479F-8532-7E91F84CBFCC}" destId="{B0F8CCE0-559B-4DF2-B4AE-17602425B3C9}" srcOrd="0" destOrd="0" presId="urn:microsoft.com/office/officeart/2008/layout/PictureStrips"/>
+    <dgm:cxn modelId="{095AB664-7FB0-4F8D-A1D6-7AF3B1F94D6B}" type="presParOf" srcId="{358C2400-9674-479F-8532-7E91F84CBFCC}" destId="{24CEF428-F3F7-422B-B6CE-F559546322D2}" srcOrd="1" destOrd="0" presId="urn:microsoft.com/office/officeart/2008/layout/PictureStrips"/>
+    <dgm:cxn modelId="{1D21A9ED-9492-48AB-B1AA-C626FEF4FD90}" type="presParOf" srcId="{85512E46-F3DB-4C19-863D-4893CE31220F}" destId="{AFBCCF54-C279-42F1-85FE-306581C4582F}" srcOrd="3" destOrd="0" presId="urn:microsoft.com/office/officeart/2008/layout/PictureStrips"/>
+    <dgm:cxn modelId="{43E49DB5-5CCA-45E6-9751-71FAC60F355A}" type="presParOf" srcId="{85512E46-F3DB-4C19-863D-4893CE31220F}" destId="{80D5E9BC-B202-444E-89B2-6A78D984FCD2}" srcOrd="4" destOrd="0" presId="urn:microsoft.com/office/officeart/2008/layout/PictureStrips"/>
+    <dgm:cxn modelId="{3291BB12-9791-4B45-B991-C827158CBE56}" type="presParOf" srcId="{80D5E9BC-B202-444E-89B2-6A78D984FCD2}" destId="{0C12BD03-181C-4263-969F-AAE2546C4D02}" srcOrd="0" destOrd="0" presId="urn:microsoft.com/office/officeart/2008/layout/PictureStrips"/>
+    <dgm:cxn modelId="{20B1BD3C-F992-4593-9ED7-6DCC92B23175}" type="presParOf" srcId="{80D5E9BC-B202-444E-89B2-6A78D984FCD2}" destId="{ED5424D3-85AF-49A0-9FF5-A53D1FAE11F7}" srcOrd="1" destOrd="0" presId="urn:microsoft.com/office/officeart/2008/layout/PictureStrips"/>
+    <dgm:cxn modelId="{A419A967-F120-4482-A873-A09CE0F714A5}" type="presParOf" srcId="{85512E46-F3DB-4C19-863D-4893CE31220F}" destId="{6053924C-67B8-4638-A17B-EAB1864EF47D}" srcOrd="5" destOrd="0" presId="urn:microsoft.com/office/officeart/2008/layout/PictureStrips"/>
+    <dgm:cxn modelId="{E3706F31-3C6C-44AD-B576-D5F91853C39D}" type="presParOf" srcId="{85512E46-F3DB-4C19-863D-4893CE31220F}" destId="{AD517EDF-D83F-4F9E-B7F0-3D908DFC1258}" srcOrd="6" destOrd="0" presId="urn:microsoft.com/office/officeart/2008/layout/PictureStrips"/>
+    <dgm:cxn modelId="{A20F88DA-EF4E-441E-BEE5-7865640BF6AD}" type="presParOf" srcId="{AD517EDF-D83F-4F9E-B7F0-3D908DFC1258}" destId="{20174927-3640-4DAA-A990-E83CED575228}" srcOrd="0" destOrd="0" presId="urn:microsoft.com/office/officeart/2008/layout/PictureStrips"/>
+    <dgm:cxn modelId="{D836AF91-A9E3-4AFD-AFA2-BC1D8E8EAE1A}" type="presParOf" srcId="{AD517EDF-D83F-4F9E-B7F0-3D908DFC1258}" destId="{788CB696-3EC6-4068-9ACB-4878CD2BB3B4}" srcOrd="1" destOrd="0" presId="urn:microsoft.com/office/officeart/2008/layout/PictureStrips"/>
+    <dgm:cxn modelId="{12E12F39-44C8-4D14-A441-8B71075A6275}" type="presParOf" srcId="{85512E46-F3DB-4C19-863D-4893CE31220F}" destId="{6F94C6E7-EC98-4201-A97C-242A4BE6D05C}" srcOrd="7" destOrd="0" presId="urn:microsoft.com/office/officeart/2008/layout/PictureStrips"/>
+    <dgm:cxn modelId="{73A2DD87-9455-4AA0-9D79-80EF4D11844B}" type="presParOf" srcId="{85512E46-F3DB-4C19-863D-4893CE31220F}" destId="{DF2787E9-DECF-474C-89F4-8246C8C656CE}" srcOrd="8" destOrd="0" presId="urn:microsoft.com/office/officeart/2008/layout/PictureStrips"/>
+    <dgm:cxn modelId="{E990CCEB-5DFA-483F-9C4E-DBE294A6BCFC}" type="presParOf" srcId="{DF2787E9-DECF-474C-89F4-8246C8C656CE}" destId="{59A86A9C-E9D4-4578-9053-4AB2EBD96DC8}" srcOrd="0" destOrd="0" presId="urn:microsoft.com/office/officeart/2008/layout/PictureStrips"/>
+    <dgm:cxn modelId="{AC2A8BFD-0944-4738-8653-22A88AC1AF2D}" type="presParOf" srcId="{DF2787E9-DECF-474C-89F4-8246C8C656CE}" destId="{66F27817-EC29-4332-97DE-635B75EDB46D}" srcOrd="1" destOrd="0" presId="urn:microsoft.com/office/officeart/2008/layout/PictureStrips"/>
+    <dgm:cxn modelId="{2BC09AA6-7FFD-46CC-ADFB-45440625D1A2}" type="presParOf" srcId="{85512E46-F3DB-4C19-863D-4893CE31220F}" destId="{48F69559-8285-4E10-8525-46E2D443C043}" srcOrd="9" destOrd="0" presId="urn:microsoft.com/office/officeart/2008/layout/PictureStrips"/>
+    <dgm:cxn modelId="{CCFA91C6-D5FA-4A03-A486-12BA0856C8AF}" type="presParOf" srcId="{85512E46-F3DB-4C19-863D-4893CE31220F}" destId="{6FF0BBC6-2042-4A6B-99A2-B03C57537FD7}" srcOrd="10" destOrd="0" presId="urn:microsoft.com/office/officeart/2008/layout/PictureStrips"/>
+    <dgm:cxn modelId="{D4AD1D44-358E-4EB9-B23A-2B212BE033CB}" type="presParOf" srcId="{6FF0BBC6-2042-4A6B-99A2-B03C57537FD7}" destId="{15BF9CE3-737B-4CC2-B893-F21F6FFA5AAC}" srcOrd="0" destOrd="0" presId="urn:microsoft.com/office/officeart/2008/layout/PictureStrips"/>
+    <dgm:cxn modelId="{73F45D50-6B04-463E-8B22-A3AC0A303BA1}" type="presParOf" srcId="{6FF0BBC6-2042-4A6B-99A2-B03C57537FD7}" destId="{4ABA37DE-C3F9-4DCB-A47F-DED921C560A9}" srcOrd="1" destOrd="0" presId="urn:microsoft.com/office/officeart/2008/layout/PictureStrips"/>
+    <dgm:cxn modelId="{2A908084-A2E4-4911-87E0-F6B514DFDD6E}" type="presParOf" srcId="{85512E46-F3DB-4C19-863D-4893CE31220F}" destId="{605DCDC6-C39D-49ED-9DC6-D76906CF347D}" srcOrd="11" destOrd="0" presId="urn:microsoft.com/office/officeart/2008/layout/PictureStrips"/>
+    <dgm:cxn modelId="{30479463-293C-4FA5-84F8-380CA3877935}" type="presParOf" srcId="{85512E46-F3DB-4C19-863D-4893CE31220F}" destId="{9380CA88-BF97-453C-BC67-CC08ADD4E7E5}" srcOrd="12" destOrd="0" presId="urn:microsoft.com/office/officeart/2008/layout/PictureStrips"/>
+    <dgm:cxn modelId="{6C75BF96-23DD-42CB-83AE-90A9008D17DC}" type="presParOf" srcId="{9380CA88-BF97-453C-BC67-CC08ADD4E7E5}" destId="{0A02814B-D27F-4791-95C3-AA1082F0DB29}" srcOrd="0" destOrd="0" presId="urn:microsoft.com/office/officeart/2008/layout/PictureStrips"/>
+    <dgm:cxn modelId="{75A829C4-2CBD-4EB5-A43D-C24A5EB42EF6}" type="presParOf" srcId="{9380CA88-BF97-453C-BC67-CC08ADD4E7E5}" destId="{24FBF5A0-2A70-4385-AC7F-B63324703A0A}" srcOrd="1" destOrd="0" presId="urn:microsoft.com/office/officeart/2008/layout/PictureStrips"/>
+    <dgm:cxn modelId="{E95CD0A6-E832-4A61-9AB4-09A536B17016}" type="presParOf" srcId="{85512E46-F3DB-4C19-863D-4893CE31220F}" destId="{211816E7-903C-4E8B-BF80-1DDD914D7B7B}" srcOrd="13" destOrd="0" presId="urn:microsoft.com/office/officeart/2008/layout/PictureStrips"/>
+    <dgm:cxn modelId="{84AECD81-2F65-4720-80E6-C6AE2B07507D}" type="presParOf" srcId="{85512E46-F3DB-4C19-863D-4893CE31220F}" destId="{7061925C-DDED-43CE-B798-E2D50C387DBC}" srcOrd="14" destOrd="0" presId="urn:microsoft.com/office/officeart/2008/layout/PictureStrips"/>
+    <dgm:cxn modelId="{832DEDA7-3FC4-4948-ABE9-90E3FA6A80C8}" type="presParOf" srcId="{7061925C-DDED-43CE-B798-E2D50C387DBC}" destId="{88A44DD6-3C3F-4EA4-BB3A-6AB8BA3C0A2C}" srcOrd="0" destOrd="0" presId="urn:microsoft.com/office/officeart/2008/layout/PictureStrips"/>
+    <dgm:cxn modelId="{F59F8347-9B47-4193-A77E-CC9CD8107F6A}" type="presParOf" srcId="{7061925C-DDED-43CE-B798-E2D50C387DBC}" destId="{5A014310-7DF4-478F-92E0-A03F0DEB7E39}" srcOrd="1" destOrd="0" presId="urn:microsoft.com/office/officeart/2008/layout/PictureStrips"/>
+  </dgm:cxnLst>
+  <dgm:bg/>
+  <dgm:whole/>
+  <dgm:extLst>
+    <a:ext uri="http://schemas.microsoft.com/office/drawing/2008/diagram">
+      <dsp:dataModelExt xmlns:dsp="http://schemas.microsoft.com/office/drawing/2008/diagram" relId="rId6" minVer="http://schemas.openxmlformats.org/drawingml/2006/diagram"/>
+    </a:ext>
+  </dgm:extLst>
+</dgm:dataModel>
+</file>
+
+<file path=ppt/diagrams/drawing1.xml><?xml version="1.0" encoding="utf-8"?>
+<dsp:drawing xmlns:dgm="http://schemas.openxmlformats.org/drawingml/2006/diagram" xmlns:dsp="http://schemas.microsoft.com/office/drawing/2008/diagram" xmlns:a="http://schemas.openxmlformats.org/drawingml/2006/main">
+  <dsp:spTree>
+    <dsp:nvGrpSpPr>
+      <dsp:cNvPr id="0" name=""/>
+      <dsp:cNvGrpSpPr/>
+    </dsp:nvGrpSpPr>
+    <dsp:grpSpPr/>
+    <dsp:sp modelId="{DF72D210-16A7-4F95-84C6-DDE31A9A78EB}">
+      <dsp:nvSpPr>
+        <dsp:cNvPr id="0" name=""/>
+        <dsp:cNvSpPr/>
+      </dsp:nvSpPr>
+      <dsp:spPr>
+        <a:xfrm>
+          <a:off x="150064" y="823852"/>
+          <a:ext cx="3599339" cy="1124793"/>
+        </a:xfrm>
+        <a:prstGeom prst="rect">
+          <a:avLst/>
+        </a:prstGeom>
+        <a:solidFill>
+          <a:schemeClr val="lt1">
+            <a:alpha val="40000"/>
+            <a:hueOff val="0"/>
+            <a:satOff val="0"/>
+            <a:lumOff val="0"/>
+            <a:alphaOff val="0"/>
+          </a:schemeClr>
+        </a:solidFill>
+        <a:ln w="6350" cap="flat" cmpd="sng" algn="ctr">
+          <a:solidFill>
+            <a:schemeClr val="accent1">
+              <a:hueOff val="0"/>
+              <a:satOff val="0"/>
+              <a:lumOff val="0"/>
+              <a:alphaOff val="0"/>
+            </a:schemeClr>
+          </a:solidFill>
+          <a:prstDash val="solid"/>
+          <a:miter lim="800000"/>
+        </a:ln>
+        <a:effectLst/>
+      </dsp:spPr>
+      <dsp:style>
+        <a:lnRef idx="1">
+          <a:scrgbClr r="0" g="0" b="0"/>
+        </a:lnRef>
+        <a:fillRef idx="1">
+          <a:scrgbClr r="0" g="0" b="0"/>
+        </a:fillRef>
+        <a:effectRef idx="0">
+          <a:scrgbClr r="0" g="0" b="0"/>
+        </a:effectRef>
+        <a:fontRef idx="minor"/>
+      </dsp:style>
+      <dsp:txBody>
+        <a:bodyPr spcFirstLastPara="0" vert="horz" wrap="square" lIns="761860" tIns="60960" rIns="60960" bIns="60960" numCol="1" spcCol="1270" anchor="t" anchorCtr="0">
+          <a:noAutofit/>
+        </a:bodyPr>
+        <a:lstStyle/>
+        <a:p>
+          <a:pPr marL="0" lvl="0" indent="0" algn="l" defTabSz="711200">
+            <a:lnSpc>
+              <a:spcPct val="90000"/>
+            </a:lnSpc>
+            <a:spcBef>
+              <a:spcPct val="0"/>
+            </a:spcBef>
+            <a:spcAft>
+              <a:spcPct val="35000"/>
+            </a:spcAft>
+            <a:buNone/>
+          </a:pPr>
+          <a:r>
+            <a:rPr lang="en-US" sz="1600" kern="1200" dirty="0"/>
+            <a:t>Open Access</a:t>
+          </a:r>
+        </a:p>
+        <a:p>
+          <a:pPr marL="114300" lvl="1" indent="-114300" algn="l" defTabSz="533400">
+            <a:lnSpc>
+              <a:spcPct val="90000"/>
+            </a:lnSpc>
+            <a:spcBef>
+              <a:spcPct val="0"/>
+            </a:spcBef>
+            <a:spcAft>
+              <a:spcPct val="15000"/>
+            </a:spcAft>
+            <a:buChar char="•"/>
+          </a:pPr>
+          <a:r>
+            <a:rPr lang="en-US" sz="1200" kern="1200" dirty="0" err="1"/>
+            <a:t>Uneingeschränkter</a:t>
+          </a:r>
+          <a:r>
+            <a:rPr lang="en-US" sz="1200" kern="1200" dirty="0"/>
+            <a:t> und </a:t>
+          </a:r>
+          <a:r>
+            <a:rPr lang="en-US" sz="1200" kern="1200" dirty="0" err="1"/>
+            <a:t>kostenloser</a:t>
+          </a:r>
+          <a:r>
+            <a:rPr lang="en-US" sz="1200" kern="1200" dirty="0"/>
+            <a:t> </a:t>
+          </a:r>
+          <a:r>
+            <a:rPr lang="en-US" sz="1200" kern="1200" dirty="0" err="1"/>
+            <a:t>Zugang</a:t>
+          </a:r>
+          <a:r>
+            <a:rPr lang="en-US" sz="1200" kern="1200" dirty="0"/>
+            <a:t> (</a:t>
+          </a:r>
+          <a:r>
+            <a:rPr lang="en-US" sz="1200" kern="1200" dirty="0" err="1"/>
+            <a:t>z.B</a:t>
+          </a:r>
+          <a:r>
+            <a:rPr lang="en-US" sz="1200" kern="1200" dirty="0"/>
+            <a:t>. </a:t>
+          </a:r>
+          <a:r>
+            <a:rPr lang="en-US" sz="1200" kern="1200" dirty="0" err="1"/>
+            <a:t>für</a:t>
+          </a:r>
+          <a:r>
+            <a:rPr lang="en-US" sz="1200" kern="1200" dirty="0"/>
+            <a:t> </a:t>
+          </a:r>
+          <a:r>
+            <a:rPr lang="en-US" sz="1200" kern="1200" dirty="0" err="1"/>
+            <a:t>Forschungsergebnisse</a:t>
+          </a:r>
+          <a:r>
+            <a:rPr lang="en-US" sz="1200" kern="1200" dirty="0"/>
+            <a:t>)</a:t>
+          </a:r>
+        </a:p>
+      </dsp:txBody>
+      <dsp:txXfrm>
+        <a:off x="150064" y="823852"/>
+        <a:ext cx="3599339" cy="1124793"/>
+      </dsp:txXfrm>
+    </dsp:sp>
+    <dsp:sp modelId="{2DF3B7CD-0191-4103-BD12-FCF919CE4DA5}">
+      <dsp:nvSpPr>
+        <dsp:cNvPr id="0" name=""/>
+        <dsp:cNvSpPr/>
+      </dsp:nvSpPr>
+      <dsp:spPr>
+        <a:xfrm>
+          <a:off x="92" y="661382"/>
+          <a:ext cx="787355" cy="1181033"/>
+        </a:xfrm>
+        <a:prstGeom prst="rect">
+          <a:avLst/>
+        </a:prstGeom>
+        <a:solidFill>
+          <a:schemeClr val="accent2">
+            <a:tint val="50000"/>
+            <a:hueOff val="0"/>
+            <a:satOff val="0"/>
+            <a:lumOff val="0"/>
+            <a:alphaOff val="0"/>
+          </a:schemeClr>
+        </a:solidFill>
+        <a:ln w="12700" cap="flat" cmpd="sng" algn="ctr">
+          <a:solidFill>
+            <a:schemeClr val="lt1">
+              <a:hueOff val="0"/>
+              <a:satOff val="0"/>
+              <a:lumOff val="0"/>
+              <a:alphaOff val="0"/>
+            </a:schemeClr>
+          </a:solidFill>
+          <a:prstDash val="solid"/>
+          <a:miter lim="800000"/>
+        </a:ln>
+        <a:effectLst/>
+      </dsp:spPr>
+      <dsp:style>
+        <a:lnRef idx="2">
+          <a:scrgbClr r="0" g="0" b="0"/>
+        </a:lnRef>
+        <a:fillRef idx="1">
+          <a:scrgbClr r="0" g="0" b="0"/>
+        </a:fillRef>
+        <a:effectRef idx="0">
+          <a:scrgbClr r="0" g="0" b="0"/>
+        </a:effectRef>
+        <a:fontRef idx="minor"/>
+      </dsp:style>
+    </dsp:sp>
+    <dsp:sp modelId="{B0F8CCE0-559B-4DF2-B4AE-17602425B3C9}">
+      <dsp:nvSpPr>
+        <dsp:cNvPr id="0" name=""/>
+        <dsp:cNvSpPr/>
+      </dsp:nvSpPr>
+      <dsp:spPr>
+        <a:xfrm>
+          <a:off x="4227877" y="823852"/>
+          <a:ext cx="3599339" cy="1124793"/>
+        </a:xfrm>
+        <a:prstGeom prst="rect">
+          <a:avLst/>
+        </a:prstGeom>
+        <a:solidFill>
+          <a:schemeClr val="lt1">
+            <a:alpha val="40000"/>
+            <a:hueOff val="0"/>
+            <a:satOff val="0"/>
+            <a:lumOff val="0"/>
+            <a:alphaOff val="0"/>
+          </a:schemeClr>
+        </a:solidFill>
+        <a:ln w="6350" cap="flat" cmpd="sng" algn="ctr">
+          <a:solidFill>
+            <a:schemeClr val="accent1">
+              <a:hueOff val="0"/>
+              <a:satOff val="0"/>
+              <a:lumOff val="0"/>
+              <a:alphaOff val="0"/>
+            </a:schemeClr>
+          </a:solidFill>
+          <a:prstDash val="solid"/>
+          <a:miter lim="800000"/>
+        </a:ln>
+        <a:effectLst/>
+      </dsp:spPr>
+      <dsp:style>
+        <a:lnRef idx="1">
+          <a:scrgbClr r="0" g="0" b="0"/>
+        </a:lnRef>
+        <a:fillRef idx="1">
+          <a:scrgbClr r="0" g="0" b="0"/>
+        </a:fillRef>
+        <a:effectRef idx="0">
+          <a:scrgbClr r="0" g="0" b="0"/>
+        </a:effectRef>
+        <a:fontRef idx="minor"/>
+      </dsp:style>
+      <dsp:txBody>
+        <a:bodyPr spcFirstLastPara="0" vert="horz" wrap="square" lIns="761860" tIns="60960" rIns="60960" bIns="60960" numCol="1" spcCol="1270" anchor="t" anchorCtr="0">
+          <a:noAutofit/>
+        </a:bodyPr>
+        <a:lstStyle/>
+        <a:p>
+          <a:pPr marL="0" lvl="0" indent="0" algn="l" defTabSz="711200">
+            <a:lnSpc>
+              <a:spcPct val="90000"/>
+            </a:lnSpc>
+            <a:spcBef>
+              <a:spcPct val="0"/>
+            </a:spcBef>
+            <a:spcAft>
+              <a:spcPct val="35000"/>
+            </a:spcAft>
+            <a:buNone/>
+          </a:pPr>
+          <a:r>
+            <a:rPr lang="en-US" sz="1600" kern="1200" dirty="0"/>
+            <a:t>Open Materials</a:t>
+          </a:r>
+        </a:p>
+        <a:p>
+          <a:pPr marL="114300" lvl="1" indent="-114300" algn="l" defTabSz="533400">
+            <a:lnSpc>
+              <a:spcPct val="90000"/>
+            </a:lnSpc>
+            <a:spcBef>
+              <a:spcPct val="0"/>
+            </a:spcBef>
+            <a:spcAft>
+              <a:spcPct val="15000"/>
+            </a:spcAft>
+            <a:buChar char="•"/>
+          </a:pPr>
+          <a:r>
+            <a:rPr lang="en-US" sz="1200" kern="1200" dirty="0" err="1"/>
+            <a:t>Veröffentlichung</a:t>
+          </a:r>
+          <a:r>
+            <a:rPr lang="en-US" sz="1200" kern="1200" dirty="0"/>
+            <a:t> von </a:t>
+          </a:r>
+          <a:r>
+            <a:rPr lang="en-US" sz="1200" kern="1200" dirty="0" err="1"/>
+            <a:t>Forschungsmaterialien</a:t>
+          </a:r>
+          <a:endParaRPr lang="en-US" sz="1200" kern="1200" dirty="0"/>
+        </a:p>
+      </dsp:txBody>
+      <dsp:txXfrm>
+        <a:off x="4227877" y="823852"/>
+        <a:ext cx="3599339" cy="1124793"/>
+      </dsp:txXfrm>
+    </dsp:sp>
+    <dsp:sp modelId="{24CEF428-F3F7-422B-B6CE-F559546322D2}">
+      <dsp:nvSpPr>
+        <dsp:cNvPr id="0" name=""/>
+        <dsp:cNvSpPr/>
+      </dsp:nvSpPr>
+      <dsp:spPr>
+        <a:xfrm>
+          <a:off x="4077904" y="661382"/>
+          <a:ext cx="787355" cy="1181033"/>
+        </a:xfrm>
+        <a:prstGeom prst="rect">
+          <a:avLst/>
+        </a:prstGeom>
+        <a:solidFill>
+          <a:schemeClr val="accent3">
+            <a:tint val="50000"/>
+            <a:hueOff val="0"/>
+            <a:satOff val="0"/>
+            <a:lumOff val="0"/>
+            <a:alphaOff val="0"/>
+          </a:schemeClr>
+        </a:solidFill>
+        <a:ln w="12700" cap="flat" cmpd="sng" algn="ctr">
+          <a:solidFill>
+            <a:schemeClr val="lt1">
+              <a:hueOff val="0"/>
+              <a:satOff val="0"/>
+              <a:lumOff val="0"/>
+              <a:alphaOff val="0"/>
+            </a:schemeClr>
+          </a:solidFill>
+          <a:prstDash val="solid"/>
+          <a:miter lim="800000"/>
+        </a:ln>
+        <a:effectLst/>
+      </dsp:spPr>
+      <dsp:style>
+        <a:lnRef idx="2">
+          <a:scrgbClr r="0" g="0" b="0"/>
+        </a:lnRef>
+        <a:fillRef idx="1">
+          <a:scrgbClr r="0" g="0" b="0"/>
+        </a:fillRef>
+        <a:effectRef idx="0">
+          <a:scrgbClr r="0" g="0" b="0"/>
+        </a:effectRef>
+        <a:fontRef idx="minor"/>
+      </dsp:style>
+    </dsp:sp>
+    <dsp:sp modelId="{0C12BD03-181C-4263-969F-AAE2546C4D02}">
+      <dsp:nvSpPr>
+        <dsp:cNvPr id="0" name=""/>
+        <dsp:cNvSpPr/>
+      </dsp:nvSpPr>
+      <dsp:spPr>
+        <a:xfrm>
+          <a:off x="150064" y="2239842"/>
+          <a:ext cx="3599339" cy="1124793"/>
+        </a:xfrm>
+        <a:prstGeom prst="rect">
+          <a:avLst/>
+        </a:prstGeom>
+        <a:solidFill>
+          <a:schemeClr val="lt1">
+            <a:alpha val="40000"/>
+            <a:hueOff val="0"/>
+            <a:satOff val="0"/>
+            <a:lumOff val="0"/>
+            <a:alphaOff val="0"/>
+          </a:schemeClr>
+        </a:solidFill>
+        <a:ln w="6350" cap="flat" cmpd="sng" algn="ctr">
+          <a:solidFill>
+            <a:schemeClr val="accent1">
+              <a:hueOff val="0"/>
+              <a:satOff val="0"/>
+              <a:lumOff val="0"/>
+              <a:alphaOff val="0"/>
+            </a:schemeClr>
+          </a:solidFill>
+          <a:prstDash val="solid"/>
+          <a:miter lim="800000"/>
+        </a:ln>
+        <a:effectLst/>
+      </dsp:spPr>
+      <dsp:style>
+        <a:lnRef idx="1">
+          <a:scrgbClr r="0" g="0" b="0"/>
+        </a:lnRef>
+        <a:fillRef idx="1">
+          <a:scrgbClr r="0" g="0" b="0"/>
+        </a:fillRef>
+        <a:effectRef idx="0">
+          <a:scrgbClr r="0" g="0" b="0"/>
+        </a:effectRef>
+        <a:fontRef idx="minor"/>
+      </dsp:style>
+      <dsp:txBody>
+        <a:bodyPr spcFirstLastPara="0" vert="horz" wrap="square" lIns="761860" tIns="60960" rIns="60960" bIns="60960" numCol="1" spcCol="1270" anchor="t" anchorCtr="0">
+          <a:noAutofit/>
+        </a:bodyPr>
+        <a:lstStyle/>
+        <a:p>
+          <a:pPr marL="0" lvl="0" indent="0" algn="l" defTabSz="711200">
+            <a:lnSpc>
+              <a:spcPct val="90000"/>
+            </a:lnSpc>
+            <a:spcBef>
+              <a:spcPct val="0"/>
+            </a:spcBef>
+            <a:spcAft>
+              <a:spcPct val="35000"/>
+            </a:spcAft>
+            <a:buNone/>
+          </a:pPr>
+          <a:r>
+            <a:rPr lang="en-US" sz="1600" kern="1200" dirty="0"/>
+            <a:t>Open Data</a:t>
+          </a:r>
+        </a:p>
+        <a:p>
+          <a:pPr marL="114300" lvl="1" indent="-114300" algn="l" defTabSz="533400">
+            <a:lnSpc>
+              <a:spcPct val="90000"/>
+            </a:lnSpc>
+            <a:spcBef>
+              <a:spcPct val="0"/>
+            </a:spcBef>
+            <a:spcAft>
+              <a:spcPct val="15000"/>
+            </a:spcAft>
+            <a:buChar char="•"/>
+          </a:pPr>
+          <a:r>
+            <a:rPr lang="en-US" sz="1200" kern="1200" dirty="0" err="1"/>
+            <a:t>Aufbereitung</a:t>
+          </a:r>
+          <a:r>
+            <a:rPr lang="en-US" sz="1200" kern="1200" dirty="0"/>
+            <a:t> und </a:t>
+          </a:r>
+          <a:r>
+            <a:rPr lang="en-US" sz="1200" kern="1200" dirty="0" err="1"/>
+            <a:t>Teilen</a:t>
+          </a:r>
+          <a:r>
+            <a:rPr lang="en-US" sz="1200" kern="1200" dirty="0"/>
+            <a:t> von </a:t>
+          </a:r>
+          <a:r>
+            <a:rPr lang="en-US" sz="1200" kern="1200" dirty="0" err="1"/>
+            <a:t>Forschungsdaten</a:t>
+          </a:r>
+          <a:endParaRPr lang="en-US" sz="1200" kern="1200" dirty="0"/>
+        </a:p>
+      </dsp:txBody>
+      <dsp:txXfrm>
+        <a:off x="150064" y="2239842"/>
+        <a:ext cx="3599339" cy="1124793"/>
+      </dsp:txXfrm>
+    </dsp:sp>
+    <dsp:sp modelId="{ED5424D3-85AF-49A0-9FF5-A53D1FAE11F7}">
+      <dsp:nvSpPr>
+        <dsp:cNvPr id="0" name=""/>
+        <dsp:cNvSpPr/>
+      </dsp:nvSpPr>
+      <dsp:spPr>
+        <a:xfrm>
+          <a:off x="92" y="2077372"/>
+          <a:ext cx="787355" cy="1181033"/>
+        </a:xfrm>
+        <a:prstGeom prst="rect">
+          <a:avLst/>
+        </a:prstGeom>
+        <a:solidFill>
+          <a:schemeClr val="accent4">
+            <a:tint val="50000"/>
+            <a:hueOff val="0"/>
+            <a:satOff val="0"/>
+            <a:lumOff val="0"/>
+            <a:alphaOff val="0"/>
+          </a:schemeClr>
+        </a:solidFill>
+        <a:ln w="12700" cap="flat" cmpd="sng" algn="ctr">
+          <a:solidFill>
+            <a:schemeClr val="lt1">
+              <a:hueOff val="0"/>
+              <a:satOff val="0"/>
+              <a:lumOff val="0"/>
+              <a:alphaOff val="0"/>
+            </a:schemeClr>
+          </a:solidFill>
+          <a:prstDash val="solid"/>
+          <a:miter lim="800000"/>
+        </a:ln>
+        <a:effectLst/>
+      </dsp:spPr>
+      <dsp:style>
+        <a:lnRef idx="2">
+          <a:scrgbClr r="0" g="0" b="0"/>
+        </a:lnRef>
+        <a:fillRef idx="1">
+          <a:scrgbClr r="0" g="0" b="0"/>
+        </a:fillRef>
+        <a:effectRef idx="0">
+          <a:scrgbClr r="0" g="0" b="0"/>
+        </a:effectRef>
+        <a:fontRef idx="minor"/>
+      </dsp:style>
+    </dsp:sp>
+    <dsp:sp modelId="{20174927-3640-4DAA-A990-E83CED575228}">
+      <dsp:nvSpPr>
+        <dsp:cNvPr id="0" name=""/>
+        <dsp:cNvSpPr/>
+      </dsp:nvSpPr>
+      <dsp:spPr>
+        <a:xfrm>
+          <a:off x="4227877" y="2239842"/>
+          <a:ext cx="3599339" cy="1124793"/>
+        </a:xfrm>
+        <a:prstGeom prst="rect">
+          <a:avLst/>
+        </a:prstGeom>
+        <a:solidFill>
+          <a:schemeClr val="lt1">
+            <a:alpha val="40000"/>
+            <a:hueOff val="0"/>
+            <a:satOff val="0"/>
+            <a:lumOff val="0"/>
+            <a:alphaOff val="0"/>
+          </a:schemeClr>
+        </a:solidFill>
+        <a:ln w="6350" cap="flat" cmpd="sng" algn="ctr">
+          <a:solidFill>
+            <a:schemeClr val="accent1">
+              <a:hueOff val="0"/>
+              <a:satOff val="0"/>
+              <a:lumOff val="0"/>
+              <a:alphaOff val="0"/>
+            </a:schemeClr>
+          </a:solidFill>
+          <a:prstDash val="solid"/>
+          <a:miter lim="800000"/>
+        </a:ln>
+        <a:effectLst/>
+      </dsp:spPr>
+      <dsp:style>
+        <a:lnRef idx="1">
+          <a:scrgbClr r="0" g="0" b="0"/>
+        </a:lnRef>
+        <a:fillRef idx="1">
+          <a:scrgbClr r="0" g="0" b="0"/>
+        </a:fillRef>
+        <a:effectRef idx="0">
+          <a:scrgbClr r="0" g="0" b="0"/>
+        </a:effectRef>
+        <a:fontRef idx="minor"/>
+      </dsp:style>
+      <dsp:txBody>
+        <a:bodyPr spcFirstLastPara="0" vert="horz" wrap="square" lIns="761860" tIns="60960" rIns="60960" bIns="60960" numCol="1" spcCol="1270" anchor="t" anchorCtr="0">
+          <a:noAutofit/>
+        </a:bodyPr>
+        <a:lstStyle/>
+        <a:p>
+          <a:pPr marL="0" lvl="0" indent="0" algn="l" defTabSz="711200">
+            <a:lnSpc>
+              <a:spcPct val="90000"/>
+            </a:lnSpc>
+            <a:spcBef>
+              <a:spcPct val="0"/>
+            </a:spcBef>
+            <a:spcAft>
+              <a:spcPct val="35000"/>
+            </a:spcAft>
+            <a:buNone/>
+          </a:pPr>
+          <a:r>
+            <a:rPr lang="en-US" sz="1600" kern="1200" dirty="0"/>
+            <a:t>Open Source</a:t>
+          </a:r>
+        </a:p>
+        <a:p>
+          <a:pPr marL="114300" lvl="1" indent="-114300" algn="l" defTabSz="533400">
+            <a:lnSpc>
+              <a:spcPct val="90000"/>
+            </a:lnSpc>
+            <a:spcBef>
+              <a:spcPct val="0"/>
+            </a:spcBef>
+            <a:spcAft>
+              <a:spcPct val="15000"/>
+            </a:spcAft>
+            <a:buChar char="•"/>
+          </a:pPr>
+          <a:r>
+            <a:rPr lang="en-US" sz="1200" kern="1200" dirty="0" err="1"/>
+            <a:t>Offenlegung</a:t>
+          </a:r>
+          <a:r>
+            <a:rPr lang="en-US" sz="1200" kern="1200" dirty="0"/>
+            <a:t> von </a:t>
+          </a:r>
+          <a:r>
+            <a:rPr lang="en-US" sz="1200" kern="1200" dirty="0" err="1"/>
+            <a:t>Programmcode</a:t>
+          </a:r>
+          <a:endParaRPr lang="en-US" sz="1200" kern="1200" dirty="0"/>
+        </a:p>
+      </dsp:txBody>
+      <dsp:txXfrm>
+        <a:off x="4227877" y="2239842"/>
+        <a:ext cx="3599339" cy="1124793"/>
+      </dsp:txXfrm>
+    </dsp:sp>
+    <dsp:sp modelId="{788CB696-3EC6-4068-9ACB-4878CD2BB3B4}">
+      <dsp:nvSpPr>
+        <dsp:cNvPr id="0" name=""/>
+        <dsp:cNvSpPr/>
+      </dsp:nvSpPr>
+      <dsp:spPr>
+        <a:xfrm>
+          <a:off x="4077904" y="2077372"/>
+          <a:ext cx="787355" cy="1181033"/>
+        </a:xfrm>
+        <a:prstGeom prst="rect">
+          <a:avLst/>
+        </a:prstGeom>
+        <a:solidFill>
+          <a:schemeClr val="accent5">
+            <a:tint val="50000"/>
+            <a:hueOff val="0"/>
+            <a:satOff val="0"/>
+            <a:lumOff val="0"/>
+            <a:alphaOff val="0"/>
+          </a:schemeClr>
+        </a:solidFill>
+        <a:ln w="12700" cap="flat" cmpd="sng" algn="ctr">
+          <a:solidFill>
+            <a:schemeClr val="lt1">
+              <a:hueOff val="0"/>
+              <a:satOff val="0"/>
+              <a:lumOff val="0"/>
+              <a:alphaOff val="0"/>
+            </a:schemeClr>
+          </a:solidFill>
+          <a:prstDash val="solid"/>
+          <a:miter lim="800000"/>
+        </a:ln>
+        <a:effectLst/>
+      </dsp:spPr>
+      <dsp:style>
+        <a:lnRef idx="2">
+          <a:scrgbClr r="0" g="0" b="0"/>
+        </a:lnRef>
+        <a:fillRef idx="1">
+          <a:scrgbClr r="0" g="0" b="0"/>
+        </a:fillRef>
+        <a:effectRef idx="0">
+          <a:scrgbClr r="0" g="0" b="0"/>
+        </a:effectRef>
+        <a:fontRef idx="minor"/>
+      </dsp:style>
+    </dsp:sp>
+    <dsp:sp modelId="{59A86A9C-E9D4-4578-9053-4AB2EBD96DC8}">
+      <dsp:nvSpPr>
+        <dsp:cNvPr id="0" name=""/>
+        <dsp:cNvSpPr/>
+      </dsp:nvSpPr>
+      <dsp:spPr>
+        <a:xfrm>
+          <a:off x="150064" y="3655832"/>
+          <a:ext cx="3599339" cy="1124793"/>
+        </a:xfrm>
+        <a:prstGeom prst="rect">
+          <a:avLst/>
+        </a:prstGeom>
+        <a:solidFill>
+          <a:schemeClr val="lt1">
+            <a:alpha val="40000"/>
+            <a:hueOff val="0"/>
+            <a:satOff val="0"/>
+            <a:lumOff val="0"/>
+            <a:alphaOff val="0"/>
+          </a:schemeClr>
+        </a:solidFill>
+        <a:ln w="6350" cap="flat" cmpd="sng" algn="ctr">
+          <a:solidFill>
+            <a:schemeClr val="accent1">
+              <a:hueOff val="0"/>
+              <a:satOff val="0"/>
+              <a:lumOff val="0"/>
+              <a:alphaOff val="0"/>
+            </a:schemeClr>
+          </a:solidFill>
+          <a:prstDash val="solid"/>
+          <a:miter lim="800000"/>
+        </a:ln>
+        <a:effectLst/>
+      </dsp:spPr>
+      <dsp:style>
+        <a:lnRef idx="1">
+          <a:scrgbClr r="0" g="0" b="0"/>
+        </a:lnRef>
+        <a:fillRef idx="1">
+          <a:scrgbClr r="0" g="0" b="0"/>
+        </a:fillRef>
+        <a:effectRef idx="0">
+          <a:scrgbClr r="0" g="0" b="0"/>
+        </a:effectRef>
+        <a:fontRef idx="minor"/>
+      </dsp:style>
+      <dsp:txBody>
+        <a:bodyPr spcFirstLastPara="0" vert="horz" wrap="square" lIns="761860" tIns="60960" rIns="60960" bIns="60960" numCol="1" spcCol="1270" anchor="t" anchorCtr="0">
+          <a:noAutofit/>
+        </a:bodyPr>
+        <a:lstStyle/>
+        <a:p>
+          <a:pPr marL="0" lvl="0" indent="0" algn="l" defTabSz="711200">
+            <a:lnSpc>
+              <a:spcPct val="90000"/>
+            </a:lnSpc>
+            <a:spcBef>
+              <a:spcPct val="0"/>
+            </a:spcBef>
+            <a:spcAft>
+              <a:spcPct val="35000"/>
+            </a:spcAft>
+            <a:buNone/>
+          </a:pPr>
+          <a:r>
+            <a:rPr lang="en-US" sz="1600" kern="1200" dirty="0"/>
+            <a:t>Open Educational Resources</a:t>
+          </a:r>
+        </a:p>
+        <a:p>
+          <a:pPr marL="114300" lvl="1" indent="-114300" algn="l" defTabSz="533400">
+            <a:lnSpc>
+              <a:spcPct val="90000"/>
+            </a:lnSpc>
+            <a:spcBef>
+              <a:spcPct val="0"/>
+            </a:spcBef>
+            <a:spcAft>
+              <a:spcPct val="15000"/>
+            </a:spcAft>
+            <a:buChar char="•"/>
+          </a:pPr>
+          <a:r>
+            <a:rPr lang="en-US" sz="1200" kern="1200" dirty="0" err="1"/>
+            <a:t>Teilen</a:t>
+          </a:r>
+          <a:r>
+            <a:rPr lang="en-US" sz="1200" kern="1200" dirty="0"/>
+            <a:t> von </a:t>
+          </a:r>
+          <a:r>
+            <a:rPr lang="en-US" sz="1200" kern="1200" dirty="0" err="1"/>
+            <a:t>Lehrmaterialien</a:t>
+          </a:r>
+          <a:endParaRPr lang="en-US" sz="1200" kern="1200" dirty="0"/>
+        </a:p>
+      </dsp:txBody>
+      <dsp:txXfrm>
+        <a:off x="150064" y="3655832"/>
+        <a:ext cx="3599339" cy="1124793"/>
+      </dsp:txXfrm>
+    </dsp:sp>
+    <dsp:sp modelId="{66F27817-EC29-4332-97DE-635B75EDB46D}">
+      <dsp:nvSpPr>
+        <dsp:cNvPr id="0" name=""/>
+        <dsp:cNvSpPr/>
+      </dsp:nvSpPr>
+      <dsp:spPr>
+        <a:xfrm>
+          <a:off x="92" y="3493362"/>
+          <a:ext cx="787355" cy="1181033"/>
+        </a:xfrm>
+        <a:prstGeom prst="rect">
+          <a:avLst/>
+        </a:prstGeom>
+        <a:solidFill>
+          <a:schemeClr val="accent6">
+            <a:tint val="50000"/>
+            <a:hueOff val="0"/>
+            <a:satOff val="0"/>
+            <a:lumOff val="0"/>
+            <a:alphaOff val="0"/>
+          </a:schemeClr>
+        </a:solidFill>
+        <a:ln w="12700" cap="flat" cmpd="sng" algn="ctr">
+          <a:solidFill>
+            <a:schemeClr val="lt1">
+              <a:hueOff val="0"/>
+              <a:satOff val="0"/>
+              <a:lumOff val="0"/>
+              <a:alphaOff val="0"/>
+            </a:schemeClr>
+          </a:solidFill>
+          <a:prstDash val="solid"/>
+          <a:miter lim="800000"/>
+        </a:ln>
+        <a:effectLst/>
+      </dsp:spPr>
+      <dsp:style>
+        <a:lnRef idx="2">
+          <a:scrgbClr r="0" g="0" b="0"/>
+        </a:lnRef>
+        <a:fillRef idx="1">
+          <a:scrgbClr r="0" g="0" b="0"/>
+        </a:fillRef>
+        <a:effectRef idx="0">
+          <a:scrgbClr r="0" g="0" b="0"/>
+        </a:effectRef>
+        <a:fontRef idx="minor"/>
+      </dsp:style>
+    </dsp:sp>
+    <dsp:sp modelId="{15BF9CE3-737B-4CC2-B893-F21F6FFA5AAC}">
+      <dsp:nvSpPr>
+        <dsp:cNvPr id="0" name=""/>
+        <dsp:cNvSpPr/>
+      </dsp:nvSpPr>
+      <dsp:spPr>
+        <a:xfrm>
+          <a:off x="4227877" y="3655832"/>
+          <a:ext cx="3599339" cy="1124793"/>
+        </a:xfrm>
+        <a:prstGeom prst="rect">
+          <a:avLst/>
+        </a:prstGeom>
+        <a:solidFill>
+          <a:schemeClr val="lt1">
+            <a:alpha val="40000"/>
+            <a:hueOff val="0"/>
+            <a:satOff val="0"/>
+            <a:lumOff val="0"/>
+            <a:alphaOff val="0"/>
+          </a:schemeClr>
+        </a:solidFill>
+        <a:ln w="6350" cap="flat" cmpd="sng" algn="ctr">
+          <a:solidFill>
+            <a:schemeClr val="accent1">
+              <a:hueOff val="0"/>
+              <a:satOff val="0"/>
+              <a:lumOff val="0"/>
+              <a:alphaOff val="0"/>
+            </a:schemeClr>
+          </a:solidFill>
+          <a:prstDash val="solid"/>
+          <a:miter lim="800000"/>
+        </a:ln>
+        <a:effectLst/>
+      </dsp:spPr>
+      <dsp:style>
+        <a:lnRef idx="1">
+          <a:scrgbClr r="0" g="0" b="0"/>
+        </a:lnRef>
+        <a:fillRef idx="1">
+          <a:scrgbClr r="0" g="0" b="0"/>
+        </a:fillRef>
+        <a:effectRef idx="0">
+          <a:scrgbClr r="0" g="0" b="0"/>
+        </a:effectRef>
+        <a:fontRef idx="minor"/>
+      </dsp:style>
+      <dsp:txBody>
+        <a:bodyPr spcFirstLastPara="0" vert="horz" wrap="square" lIns="761860" tIns="60960" rIns="60960" bIns="60960" numCol="1" spcCol="1270" anchor="t" anchorCtr="0">
+          <a:noAutofit/>
+        </a:bodyPr>
+        <a:lstStyle/>
+        <a:p>
+          <a:pPr marL="0" lvl="0" indent="0" algn="l" defTabSz="711200">
+            <a:lnSpc>
+              <a:spcPct val="90000"/>
+            </a:lnSpc>
+            <a:spcBef>
+              <a:spcPct val="0"/>
+            </a:spcBef>
+            <a:spcAft>
+              <a:spcPct val="35000"/>
+            </a:spcAft>
+            <a:buNone/>
+          </a:pPr>
+          <a:r>
+            <a:rPr lang="en-US" sz="1600" kern="1200" dirty="0"/>
+            <a:t>Citizen Science</a:t>
+          </a:r>
+        </a:p>
+        <a:p>
+          <a:pPr marL="114300" lvl="1" indent="-114300" algn="l" defTabSz="533400">
+            <a:lnSpc>
+              <a:spcPct val="90000"/>
+            </a:lnSpc>
+            <a:spcBef>
+              <a:spcPct val="0"/>
+            </a:spcBef>
+            <a:spcAft>
+              <a:spcPct val="15000"/>
+            </a:spcAft>
+            <a:buChar char="•"/>
+          </a:pPr>
+          <a:r>
+            <a:rPr lang="en-US" sz="1200" kern="1200" dirty="0" err="1"/>
+            <a:t>Beteiligung</a:t>
+          </a:r>
+          <a:r>
+            <a:rPr lang="en-US" sz="1200" kern="1200" dirty="0"/>
+            <a:t> von </a:t>
+          </a:r>
+          <a:r>
+            <a:rPr lang="en-US" sz="1200" kern="1200" dirty="0" err="1"/>
+            <a:t>Nichtwissenschaftler</a:t>
+          </a:r>
+          <a:r>
+            <a:rPr lang="en-US" sz="1200" kern="1200" dirty="0"/>
+            <a:t>*</a:t>
+          </a:r>
+          <a:r>
+            <a:rPr lang="en-US" sz="1200" kern="1200" dirty="0" err="1"/>
+            <a:t>innen</a:t>
+          </a:r>
+          <a:r>
+            <a:rPr lang="en-US" sz="1200" kern="1200" dirty="0"/>
+            <a:t> </a:t>
+          </a:r>
+          <a:r>
+            <a:rPr lang="en-US" sz="1200" kern="1200" dirty="0" err="1"/>
+            <a:t>beim</a:t>
+          </a:r>
+          <a:r>
+            <a:rPr lang="en-US" sz="1200" kern="1200" dirty="0"/>
+            <a:t> </a:t>
+          </a:r>
+          <a:r>
+            <a:rPr lang="en-US" sz="1200" kern="1200" dirty="0" err="1"/>
+            <a:t>Forschungsprozess</a:t>
+          </a:r>
+          <a:r>
+            <a:rPr lang="en-US" sz="1200" kern="1200" dirty="0"/>
+            <a:t> (</a:t>
+          </a:r>
+          <a:r>
+            <a:rPr lang="en-US" sz="1200" kern="1200" dirty="0" err="1"/>
+            <a:t>z.B</a:t>
+          </a:r>
+          <a:r>
+            <a:rPr lang="en-US" sz="1200" kern="1200" dirty="0"/>
+            <a:t>. </a:t>
+          </a:r>
+          <a:r>
+            <a:rPr lang="en-US" sz="1200" kern="1200" dirty="0" err="1"/>
+            <a:t>Datenerhebung</a:t>
+          </a:r>
+          <a:r>
+            <a:rPr lang="en-US" sz="1200" kern="1200" dirty="0"/>
+            <a:t> </a:t>
+          </a:r>
+          <a:r>
+            <a:rPr lang="en-US" sz="1200" kern="1200" dirty="0" err="1"/>
+            <a:t>oder</a:t>
+          </a:r>
+          <a:r>
+            <a:rPr lang="en-US" sz="1200" kern="1200" dirty="0"/>
+            <a:t> </a:t>
+          </a:r>
+          <a:r>
+            <a:rPr lang="en-US" sz="1200" kern="1200" dirty="0" err="1"/>
+            <a:t>Datenverarbeitung</a:t>
+          </a:r>
+          <a:r>
+            <a:rPr lang="en-US" sz="1200" kern="1200" dirty="0"/>
+            <a:t>)</a:t>
+          </a:r>
+        </a:p>
+      </dsp:txBody>
+      <dsp:txXfrm>
+        <a:off x="4227877" y="3655832"/>
+        <a:ext cx="3599339" cy="1124793"/>
+      </dsp:txXfrm>
+    </dsp:sp>
+    <dsp:sp modelId="{4ABA37DE-C3F9-4DCB-A47F-DED921C560A9}">
+      <dsp:nvSpPr>
+        <dsp:cNvPr id="0" name=""/>
+        <dsp:cNvSpPr/>
+      </dsp:nvSpPr>
+      <dsp:spPr>
+        <a:xfrm>
+          <a:off x="4077904" y="3493362"/>
+          <a:ext cx="787355" cy="1181033"/>
+        </a:xfrm>
+        <a:prstGeom prst="rect">
+          <a:avLst/>
+        </a:prstGeom>
+        <a:solidFill>
+          <a:schemeClr val="accent2">
+            <a:tint val="50000"/>
+            <a:hueOff val="0"/>
+            <a:satOff val="0"/>
+            <a:lumOff val="0"/>
+            <a:alphaOff val="0"/>
+          </a:schemeClr>
+        </a:solidFill>
+        <a:ln w="12700" cap="flat" cmpd="sng" algn="ctr">
+          <a:solidFill>
+            <a:schemeClr val="lt1">
+              <a:hueOff val="0"/>
+              <a:satOff val="0"/>
+              <a:lumOff val="0"/>
+              <a:alphaOff val="0"/>
+            </a:schemeClr>
+          </a:solidFill>
+          <a:prstDash val="solid"/>
+          <a:miter lim="800000"/>
+        </a:ln>
+        <a:effectLst/>
+      </dsp:spPr>
+      <dsp:style>
+        <a:lnRef idx="2">
+          <a:scrgbClr r="0" g="0" b="0"/>
+        </a:lnRef>
+        <a:fillRef idx="1">
+          <a:scrgbClr r="0" g="0" b="0"/>
+        </a:fillRef>
+        <a:effectRef idx="0">
+          <a:scrgbClr r="0" g="0" b="0"/>
+        </a:effectRef>
+        <a:fontRef idx="minor"/>
+      </dsp:style>
+    </dsp:sp>
+    <dsp:sp modelId="{0A02814B-D27F-4791-95C3-AA1082F0DB29}">
+      <dsp:nvSpPr>
+        <dsp:cNvPr id="0" name=""/>
+        <dsp:cNvSpPr/>
+      </dsp:nvSpPr>
+      <dsp:spPr>
+        <a:xfrm>
+          <a:off x="150064" y="5071822"/>
+          <a:ext cx="3599339" cy="1124793"/>
+        </a:xfrm>
+        <a:prstGeom prst="rect">
+          <a:avLst/>
+        </a:prstGeom>
+        <a:solidFill>
+          <a:schemeClr val="lt1">
+            <a:alpha val="40000"/>
+            <a:hueOff val="0"/>
+            <a:satOff val="0"/>
+            <a:lumOff val="0"/>
+            <a:alphaOff val="0"/>
+          </a:schemeClr>
+        </a:solidFill>
+        <a:ln w="6350" cap="flat" cmpd="sng" algn="ctr">
+          <a:solidFill>
+            <a:schemeClr val="accent1">
+              <a:hueOff val="0"/>
+              <a:satOff val="0"/>
+              <a:lumOff val="0"/>
+              <a:alphaOff val="0"/>
+            </a:schemeClr>
+          </a:solidFill>
+          <a:prstDash val="solid"/>
+          <a:miter lim="800000"/>
+        </a:ln>
+        <a:effectLst/>
+      </dsp:spPr>
+      <dsp:style>
+        <a:lnRef idx="1">
+          <a:scrgbClr r="0" g="0" b="0"/>
+        </a:lnRef>
+        <a:fillRef idx="1">
+          <a:scrgbClr r="0" g="0" b="0"/>
+        </a:fillRef>
+        <a:effectRef idx="0">
+          <a:scrgbClr r="0" g="0" b="0"/>
+        </a:effectRef>
+        <a:fontRef idx="minor"/>
+      </dsp:style>
+      <dsp:txBody>
+        <a:bodyPr spcFirstLastPara="0" vert="horz" wrap="square" lIns="761860" tIns="60960" rIns="60960" bIns="60960" numCol="1" spcCol="1270" anchor="t" anchorCtr="0">
+          <a:noAutofit/>
+        </a:bodyPr>
+        <a:lstStyle/>
+        <a:p>
+          <a:pPr marL="0" lvl="0" indent="0" algn="l" defTabSz="711200">
+            <a:lnSpc>
+              <a:spcPct val="90000"/>
+            </a:lnSpc>
+            <a:spcBef>
+              <a:spcPct val="0"/>
+            </a:spcBef>
+            <a:spcAft>
+              <a:spcPct val="35000"/>
+            </a:spcAft>
+            <a:buNone/>
+          </a:pPr>
+          <a:r>
+            <a:rPr lang="en-US" sz="1600" kern="1200" dirty="0"/>
+            <a:t>Big Team Science</a:t>
+          </a:r>
+        </a:p>
+        <a:p>
+          <a:pPr marL="114300" lvl="1" indent="-114300" algn="l" defTabSz="533400">
+            <a:lnSpc>
+              <a:spcPct val="90000"/>
+            </a:lnSpc>
+            <a:spcBef>
+              <a:spcPct val="0"/>
+            </a:spcBef>
+            <a:spcAft>
+              <a:spcPct val="15000"/>
+            </a:spcAft>
+            <a:buChar char="•"/>
+          </a:pPr>
+          <a:r>
+            <a:rPr lang="en-US" sz="1200" kern="1200" dirty="0" err="1"/>
+            <a:t>Zusammenschluss</a:t>
+          </a:r>
+          <a:r>
+            <a:rPr lang="en-US" sz="1200" kern="1200" dirty="0"/>
+            <a:t> </a:t>
+          </a:r>
+          <a:r>
+            <a:rPr lang="en-US" sz="1200" kern="1200" dirty="0" err="1"/>
+            <a:t>großer</a:t>
+          </a:r>
+          <a:r>
+            <a:rPr lang="en-US" sz="1200" kern="1200" dirty="0"/>
+            <a:t> </a:t>
+          </a:r>
+          <a:r>
+            <a:rPr lang="en-US" sz="1200" kern="1200" dirty="0" err="1"/>
+            <a:t>wissenschaftlicher</a:t>
+          </a:r>
+          <a:r>
+            <a:rPr lang="en-US" sz="1200" kern="1200" dirty="0"/>
+            <a:t> Communities</a:t>
+          </a:r>
+        </a:p>
+      </dsp:txBody>
+      <dsp:txXfrm>
+        <a:off x="150064" y="5071822"/>
+        <a:ext cx="3599339" cy="1124793"/>
+      </dsp:txXfrm>
+    </dsp:sp>
+    <dsp:sp modelId="{24FBF5A0-2A70-4385-AC7F-B63324703A0A}">
+      <dsp:nvSpPr>
+        <dsp:cNvPr id="0" name=""/>
+        <dsp:cNvSpPr/>
+      </dsp:nvSpPr>
+      <dsp:spPr>
+        <a:xfrm>
+          <a:off x="92" y="4909352"/>
+          <a:ext cx="787355" cy="1181033"/>
+        </a:xfrm>
+        <a:prstGeom prst="rect">
+          <a:avLst/>
+        </a:prstGeom>
+        <a:solidFill>
+          <a:schemeClr val="accent3">
+            <a:tint val="50000"/>
+            <a:hueOff val="0"/>
+            <a:satOff val="0"/>
+            <a:lumOff val="0"/>
+            <a:alphaOff val="0"/>
+          </a:schemeClr>
+        </a:solidFill>
+        <a:ln w="12700" cap="flat" cmpd="sng" algn="ctr">
+          <a:solidFill>
+            <a:schemeClr val="lt1">
+              <a:hueOff val="0"/>
+              <a:satOff val="0"/>
+              <a:lumOff val="0"/>
+              <a:alphaOff val="0"/>
+            </a:schemeClr>
+          </a:solidFill>
+          <a:prstDash val="solid"/>
+          <a:miter lim="800000"/>
+        </a:ln>
+        <a:effectLst/>
+      </dsp:spPr>
+      <dsp:style>
+        <a:lnRef idx="2">
+          <a:scrgbClr r="0" g="0" b="0"/>
+        </a:lnRef>
+        <a:fillRef idx="1">
+          <a:scrgbClr r="0" g="0" b="0"/>
+        </a:fillRef>
+        <a:effectRef idx="0">
+          <a:scrgbClr r="0" g="0" b="0"/>
+        </a:effectRef>
+        <a:fontRef idx="minor"/>
+      </dsp:style>
+    </dsp:sp>
+    <dsp:sp modelId="{88A44DD6-3C3F-4EA4-BB3A-6AB8BA3C0A2C}">
+      <dsp:nvSpPr>
+        <dsp:cNvPr id="0" name=""/>
+        <dsp:cNvSpPr/>
+      </dsp:nvSpPr>
+      <dsp:spPr>
+        <a:xfrm>
+          <a:off x="4227877" y="5071822"/>
+          <a:ext cx="3599339" cy="1124793"/>
+        </a:xfrm>
+        <a:prstGeom prst="rect">
+          <a:avLst/>
+        </a:prstGeom>
+        <a:solidFill>
+          <a:schemeClr val="lt1">
+            <a:alpha val="40000"/>
+            <a:hueOff val="0"/>
+            <a:satOff val="0"/>
+            <a:lumOff val="0"/>
+            <a:alphaOff val="0"/>
+          </a:schemeClr>
+        </a:solidFill>
+        <a:ln w="6350" cap="flat" cmpd="sng" algn="ctr">
+          <a:solidFill>
+            <a:schemeClr val="accent1">
+              <a:hueOff val="0"/>
+              <a:satOff val="0"/>
+              <a:lumOff val="0"/>
+              <a:alphaOff val="0"/>
+            </a:schemeClr>
+          </a:solidFill>
+          <a:prstDash val="solid"/>
+          <a:miter lim="800000"/>
+        </a:ln>
+        <a:effectLst/>
+      </dsp:spPr>
+      <dsp:style>
+        <a:lnRef idx="1">
+          <a:scrgbClr r="0" g="0" b="0"/>
+        </a:lnRef>
+        <a:fillRef idx="1">
+          <a:scrgbClr r="0" g="0" b="0"/>
+        </a:fillRef>
+        <a:effectRef idx="0">
+          <a:scrgbClr r="0" g="0" b="0"/>
+        </a:effectRef>
+        <a:fontRef idx="minor"/>
+      </dsp:style>
+      <dsp:txBody>
+        <a:bodyPr spcFirstLastPara="0" vert="horz" wrap="square" lIns="761860" tIns="60960" rIns="60960" bIns="60960" numCol="1" spcCol="1270" anchor="t" anchorCtr="0">
+          <a:noAutofit/>
+        </a:bodyPr>
+        <a:lstStyle/>
+        <a:p>
+          <a:pPr marL="0" lvl="0" indent="0" algn="l" defTabSz="711200">
+            <a:lnSpc>
+              <a:spcPct val="90000"/>
+            </a:lnSpc>
+            <a:spcBef>
+              <a:spcPct val="0"/>
+            </a:spcBef>
+            <a:spcAft>
+              <a:spcPct val="35000"/>
+            </a:spcAft>
+            <a:buNone/>
+          </a:pPr>
+          <a:r>
+            <a:rPr lang="en-US" sz="1600" kern="1200" dirty="0"/>
+            <a:t>Open Peer Review</a:t>
+          </a:r>
+        </a:p>
+        <a:p>
+          <a:pPr marL="114300" lvl="1" indent="-114300" algn="l" defTabSz="533400">
+            <a:lnSpc>
+              <a:spcPct val="90000"/>
+            </a:lnSpc>
+            <a:spcBef>
+              <a:spcPct val="0"/>
+            </a:spcBef>
+            <a:spcAft>
+              <a:spcPct val="15000"/>
+            </a:spcAft>
+            <a:buChar char="•"/>
+          </a:pPr>
+          <a:r>
+            <a:rPr lang="en-US" sz="1200" kern="1200" dirty="0" err="1"/>
+            <a:t>Nachverfolgbarer</a:t>
+          </a:r>
+          <a:r>
+            <a:rPr lang="en-US" sz="1200" kern="1200" dirty="0"/>
+            <a:t> </a:t>
+          </a:r>
+          <a:r>
+            <a:rPr lang="en-US" sz="1200" kern="1200" dirty="0" err="1"/>
+            <a:t>Wissenschaftlicher</a:t>
+          </a:r>
+          <a:r>
+            <a:rPr lang="en-US" sz="1200" kern="1200" dirty="0"/>
+            <a:t> </a:t>
+          </a:r>
+          <a:r>
+            <a:rPr lang="en-US" sz="1200" kern="1200" dirty="0" err="1"/>
+            <a:t>Diskurs</a:t>
+          </a:r>
+          <a:r>
+            <a:rPr lang="en-US" sz="1200" kern="1200" dirty="0"/>
+            <a:t> und </a:t>
+          </a:r>
+          <a:r>
+            <a:rPr lang="en-US" sz="1200" kern="1200" dirty="0" err="1"/>
+            <a:t>Qualitätssicherung</a:t>
+          </a:r>
+          <a:r>
+            <a:rPr lang="en-US" sz="1200" kern="1200" dirty="0"/>
+            <a:t> in der </a:t>
+          </a:r>
+          <a:r>
+            <a:rPr lang="en-US" sz="1200" kern="1200" dirty="0" err="1"/>
+            <a:t>öffentlichen</a:t>
+          </a:r>
+          <a:r>
+            <a:rPr lang="en-US" sz="1200" kern="1200" dirty="0"/>
+            <a:t> </a:t>
+          </a:r>
+          <a:r>
+            <a:rPr lang="en-US" sz="1200" kern="1200" dirty="0" err="1"/>
+            <a:t>Sphäre</a:t>
+          </a:r>
+          <a:endParaRPr lang="en-US" sz="1200" kern="1200" dirty="0"/>
+        </a:p>
+      </dsp:txBody>
+      <dsp:txXfrm>
+        <a:off x="4227877" y="5071822"/>
+        <a:ext cx="3599339" cy="1124793"/>
+      </dsp:txXfrm>
+    </dsp:sp>
+    <dsp:sp modelId="{5A014310-7DF4-478F-92E0-A03F0DEB7E39}">
+      <dsp:nvSpPr>
+        <dsp:cNvPr id="0" name=""/>
+        <dsp:cNvSpPr/>
+      </dsp:nvSpPr>
+      <dsp:spPr>
+        <a:xfrm>
+          <a:off x="4077904" y="4909352"/>
+          <a:ext cx="787355" cy="1181033"/>
+        </a:xfrm>
+        <a:prstGeom prst="rect">
+          <a:avLst/>
+        </a:prstGeom>
+        <a:solidFill>
+          <a:schemeClr val="accent4">
+            <a:tint val="50000"/>
+            <a:hueOff val="0"/>
+            <a:satOff val="0"/>
+            <a:lumOff val="0"/>
+            <a:alphaOff val="0"/>
+          </a:schemeClr>
+        </a:solidFill>
+        <a:ln w="12700" cap="flat" cmpd="sng" algn="ctr">
+          <a:solidFill>
+            <a:schemeClr val="lt1">
+              <a:hueOff val="0"/>
+              <a:satOff val="0"/>
+              <a:lumOff val="0"/>
+              <a:alphaOff val="0"/>
+            </a:schemeClr>
+          </a:solidFill>
+          <a:prstDash val="solid"/>
+          <a:miter lim="800000"/>
+        </a:ln>
+        <a:effectLst/>
+      </dsp:spPr>
+      <dsp:style>
+        <a:lnRef idx="2">
+          <a:scrgbClr r="0" g="0" b="0"/>
+        </a:lnRef>
+        <a:fillRef idx="1">
+          <a:scrgbClr r="0" g="0" b="0"/>
+        </a:fillRef>
+        <a:effectRef idx="0">
+          <a:scrgbClr r="0" g="0" b="0"/>
+        </a:effectRef>
+        <a:fontRef idx="minor"/>
+      </dsp:style>
+    </dsp:sp>
+  </dsp:spTree>
+</dsp:drawing>
+</file>
+
+<file path=ppt/diagrams/layout1.xml><?xml version="1.0" encoding="utf-8"?>
+<dgm:layoutDef xmlns:dgm="http://schemas.openxmlformats.org/drawingml/2006/diagram" xmlns:a="http://schemas.openxmlformats.org/drawingml/2006/main" uniqueId="urn:microsoft.com/office/officeart/2008/layout/PictureStrips">
+  <dgm:title val=""/>
+  <dgm:desc val=""/>
+  <dgm:catLst>
+    <dgm:cat type="list" pri="12500"/>
+    <dgm:cat type="picture" pri="13000"/>
+    <dgm:cat type="pictureconvert" pri="13000"/>
+  </dgm:catLst>
+  <dgm:sampData>
+    <dgm:dataModel>
+      <dgm:ptLst>
+        <dgm:pt modelId="0" type="doc"/>
+        <dgm:pt modelId="10">
+          <dgm:prSet phldr="1"/>
+        </dgm:pt>
+        <dgm:pt modelId="20">
+          <dgm:prSet phldr="1"/>
+        </dgm:pt>
+        <dgm:pt modelId="30">
+          <dgm:prSet phldr="1"/>
+        </dgm:pt>
+      </dgm:ptLst>
+      <dgm:cxnLst>
+        <dgm:cxn modelId="40" srcId="0" destId="10" srcOrd="0" destOrd="0"/>
+        <dgm:cxn modelId="50" srcId="0" destId="20" srcOrd="1" destOrd="0"/>
+        <dgm:cxn modelId="60" srcId="0" destId="30" srcOrd="2" destOrd="0"/>
+      </dgm:cxnLst>
+      <dgm:bg/>
+      <dgm:whole/>
+    </dgm:dataModel>
+  </dgm:sampData>
+  <dgm:styleData>
+    <dgm:dataModel>
+      <dgm:ptLst>
+        <dgm:pt modelId="0" type="doc"/>
+        <dgm:pt modelId="10">
+          <dgm:prSet phldr="1"/>
+        </dgm:pt>
+        <dgm:pt modelId="20">
+          <dgm:prSet phldr="1"/>
+        </dgm:pt>
+      </dgm:ptLst>
+      <dgm:cxnLst>
+        <dgm:cxn modelId="40" srcId="0" destId="10" srcOrd="0" destOrd="0"/>
+        <dgm:cxn modelId="50" srcId="0" destId="20" srcOrd="1" destOrd="0"/>
+      </dgm:cxnLst>
+      <dgm:bg/>
+      <dgm:whole/>
+    </dgm:dataModel>
+  </dgm:styleData>
+  <dgm:clrData>
+    <dgm:dataModel>
+      <dgm:ptLst>
+        <dgm:pt modelId="0" type="doc"/>
+        <dgm:pt modelId="10">
+          <dgm:prSet phldr="1"/>
+        </dgm:pt>
+        <dgm:pt modelId="20">
+          <dgm:prSet phldr="1"/>
+        </dgm:pt>
+        <dgm:pt modelId="30">
+          <dgm:prSet phldr="1"/>
+        </dgm:pt>
+        <dgm:pt modelId="40">
+          <dgm:prSet phldr="1"/>
+        </dgm:pt>
+      </dgm:ptLst>
+      <dgm:cxnLst>
+        <dgm:cxn modelId="40" srcId="0" destId="10" srcOrd="0" destOrd="0"/>
+        <dgm:cxn modelId="50" srcId="0" destId="20" srcOrd="1" destOrd="0"/>
+        <dgm:cxn modelId="60" srcId="0" destId="30" srcOrd="2" destOrd="0"/>
+        <dgm:cxn modelId="70" srcId="0" destId="40" srcOrd="2" destOrd="0"/>
+      </dgm:cxnLst>
+      <dgm:bg/>
+      <dgm:whole/>
+    </dgm:dataModel>
+  </dgm:clrData>
+  <dgm:layoutNode name="Name0">
+    <dgm:varLst>
+      <dgm:dir/>
+      <dgm:resizeHandles val="exact"/>
+    </dgm:varLst>
+    <dgm:choose name="Name1">
+      <dgm:if name="Name2" func="var" arg="dir" op="equ" val="norm">
+        <dgm:alg type="snake">
+          <dgm:param type="off" val="ctr"/>
+        </dgm:alg>
+      </dgm:if>
+      <dgm:else name="Name3">
+        <dgm:alg type="snake">
+          <dgm:param type="off" val="ctr"/>
+          <dgm:param type="grDir" val="tR"/>
+        </dgm:alg>
+      </dgm:else>
+    </dgm:choose>
+    <dgm:shape xmlns:r="http://schemas.openxmlformats.org/officeDocument/2006/relationships" r:blip="">
+      <dgm:adjLst/>
+    </dgm:shape>
+    <dgm:constrLst>
+      <dgm:constr type="primFontSz" for="des" ptType="node" op="equ" val="65"/>
+      <dgm:constr type="w" for="ch" forName="composite" refType="w"/>
+      <dgm:constr type="h" for="ch" forName="composite" refType="h"/>
+      <dgm:constr type="sp" refType="h" refFor="ch" refForName="composite" op="equ" fact="0.1"/>
+      <dgm:constr type="h" for="ch" forName="sibTrans" refType="h" refFor="ch" refForName="composite" op="equ" fact="0.1"/>
+      <dgm:constr type="w" for="ch" forName="sibTrans" refType="h" refFor="ch" refForName="sibTrans" op="equ"/>
+    </dgm:constrLst>
+    <dgm:forEach name="nodesForEach" axis="ch" ptType="node">
+      <dgm:layoutNode name="composite">
+        <dgm:alg type="composite">
+          <dgm:param type="ar" val="3"/>
+        </dgm:alg>
+        <dgm:shape xmlns:r="http://schemas.openxmlformats.org/officeDocument/2006/relationships" r:blip="">
+          <dgm:adjLst/>
+        </dgm:shape>
+        <dgm:choose name="Name4">
+          <dgm:if name="Name5" func="var" arg="dir" op="equ" val="norm">
+            <dgm:constrLst>
+              <dgm:constr type="l" for="ch" forName="rect1" refType="w" fact="0.04"/>
+              <dgm:constr type="t" for="ch" forName="rect1" refType="h" fact="0.13"/>
+              <dgm:constr type="w" for="ch" forName="rect1" refType="w" fact="0.96"/>
+              <dgm:constr type="h" for="ch" forName="rect1" refType="h" fact="0.9"/>
+              <dgm:constr type="l" for="ch" forName="rect2" refType="w" fact="0"/>
+              <dgm:constr type="t" for="ch" forName="rect2" refType="h" fact="0"/>
+              <dgm:constr type="w" for="ch" forName="rect2" refType="w" fact="0.21"/>
+              <dgm:constr type="h" for="ch" forName="rect2" refType="w" fact="0.315"/>
+            </dgm:constrLst>
+          </dgm:if>
+          <dgm:else name="Name6">
+            <dgm:constrLst>
+              <dgm:constr type="l" for="ch" forName="rect1" refType="w" fact="0"/>
+              <dgm:constr type="t" for="ch" forName="rect1" refType="h" fact="0.13"/>
+              <dgm:constr type="w" for="ch" forName="rect1" refType="w" fact="0.96"/>
+              <dgm:constr type="h" for="ch" forName="rect1" refType="h" fact="0.9"/>
+              <dgm:constr type="l" for="ch" forName="rect2" refType="w" fact="0.79"/>
+              <dgm:constr type="t" for="ch" forName="rect2" refType="h" fact="0"/>
+              <dgm:constr type="w" for="ch" forName="rect2" refType="w" fact="0.21"/>
+              <dgm:constr type="h" for="ch" forName="rect2" refType="w" fact="0.315"/>
+            </dgm:constrLst>
+          </dgm:else>
+        </dgm:choose>
+        <dgm:layoutNode name="rect1" styleLbl="trAlignAcc1">
+          <dgm:varLst>
+            <dgm:bulletEnabled val="1"/>
+          </dgm:varLst>
+          <dgm:alg type="tx">
+            <dgm:param type="parTxLTRAlign" val="l"/>
+          </dgm:alg>
+          <dgm:shape xmlns:r="http://schemas.openxmlformats.org/officeDocument/2006/relationships" type="rect" r:blip="">
+            <dgm:adjLst/>
+          </dgm:shape>
+          <dgm:presOf axis="desOrSelf" ptType="node"/>
+          <dgm:choose name="Name7">
+            <dgm:if name="Name8" func="var" arg="dir" op="equ" val="norm">
+              <dgm:constrLst>
+                <dgm:constr type="lMarg" refType="w" fact="0.6"/>
+                <dgm:constr type="rMarg" refType="primFontSz" fact="0.3"/>
+                <dgm:constr type="tMarg" refType="primFontSz" fact="0.3"/>
+                <dgm:constr type="bMarg" refType="primFontSz" fact="0.3"/>
+              </dgm:constrLst>
+            </dgm:if>
+            <dgm:else name="Name9">
+              <dgm:constrLst>
+                <dgm:constr type="lMarg" refType="primFontSz" fact="0.3"/>
+                <dgm:constr type="rMarg" refType="w" fact="0.6"/>
+                <dgm:constr type="tMarg" refType="primFontSz" fact="0.3"/>
+                <dgm:constr type="bMarg" refType="primFontSz" fact="0.3"/>
+              </dgm:constrLst>
+            </dgm:else>
+          </dgm:choose>
+          <dgm:ruleLst>
+            <dgm:rule type="primFontSz" val="5" fact="NaN" max="NaN"/>
+          </dgm:ruleLst>
+        </dgm:layoutNode>
+        <dgm:layoutNode name="rect2" styleLbl="fgImgPlace1">
+          <dgm:alg type="sp"/>
+          <dgm:shape xmlns:r="http://schemas.openxmlformats.org/officeDocument/2006/relationships" type="rect" r:blip="" blipPhldr="1">
+            <dgm:adjLst/>
+          </dgm:shape>
+          <dgm:presOf/>
+        </dgm:layoutNode>
+      </dgm:layoutNode>
+      <dgm:forEach name="sibTransForEach" axis="followSib" ptType="sibTrans" cnt="1">
+        <dgm:layoutNode name="sibTrans">
+          <dgm:alg type="sp"/>
+          <dgm:shape xmlns:r="http://schemas.openxmlformats.org/officeDocument/2006/relationships" r:blip="">
+            <dgm:adjLst/>
+          </dgm:shape>
+        </dgm:layoutNode>
+      </dgm:forEach>
+    </dgm:forEach>
+  </dgm:layoutNode>
+</dgm:layoutDef>
+</file>
+
+<file path=ppt/diagrams/quickStyle1.xml><?xml version="1.0" encoding="utf-8"?>
+<dgm:styleDef xmlns:dgm="http://schemas.openxmlformats.org/drawingml/2006/diagram" xmlns:a="http://schemas.openxmlformats.org/drawingml/2006/main" uniqueId="urn:microsoft.com/office/officeart/2005/8/quickstyle/simple1">
+  <dgm:title val=""/>
+  <dgm:desc val=""/>
+  <dgm:catLst>
+    <dgm:cat type="simple" pri="10100"/>
+  </dgm:catLst>
+  <dgm:scene3d>
+    <a:camera prst="orthographicFront"/>
+    <a:lightRig rig="threePt" dir="t"/>
+  </dgm:scene3d>
+  <dgm:styleLbl name="node0">
+    <dgm:scene3d>
+      <a:camera prst="orthographicFront"/>
+      <a:lightRig rig="threePt" dir="t"/>
+    </dgm:scene3d>
+    <dgm:sp3d/>
+    <dgm:txPr/>
+    <dgm:style>
+      <a:lnRef idx="2">
+        <a:scrgbClr r="0" g="0" b="0"/>
+      </a:lnRef>
+      <a:fillRef idx="1">
+        <a:scrgbClr r="0" g="0" b="0"/>
+      </a:fillRef>
+      <a:effectRef idx="0">
+        <a:scrgbClr r="0" g="0" b="0"/>
+      </a:effectRef>
+      <a:fontRef idx="minor">
+        <a:schemeClr val="lt1"/>
+      </a:fontRef>
+    </dgm:style>
+  </dgm:styleLbl>
+  <dgm:styleLbl name="lnNode1">
+    <dgm:scene3d>
+      <a:camera prst="orthographicFront"/>
+      <a:lightRig rig="threePt" dir="t"/>
+    </dgm:scene3d>
+    <dgm:sp3d/>
+    <dgm:txPr/>
+    <dgm:style>
+      <a:lnRef idx="2">
+        <a:scrgbClr r="0" g="0" b="0"/>
+      </a:lnRef>
+      <a:fillRef idx="1">
+        <a:scrgbClr r="0" g="0" b="0"/>
+      </a:fillRef>
+      <a:effectRef idx="0">
+        <a:scrgbClr r="0" g="0" b="0"/>
+      </a:effectRef>
+      <a:fontRef idx="minor">
+        <a:schemeClr val="lt1"/>
+      </a:fontRef>
+    </dgm:style>
+  </dgm:styleLbl>
+  <dgm:styleLbl name="vennNode1">
+    <dgm:scene3d>
+      <a:camera prst="orthographicFront"/>
+      <a:lightRig rig="threePt" dir="t"/>
+    </dgm:scene3d>
+    <dgm:sp3d/>
+    <dgm:txPr/>
+    <dgm:style>
+      <a:lnRef idx="2">
+        <a:scrgbClr r="0" g="0" b="0"/>
+      </a:lnRef>
+      <a:fillRef idx="1">
+        <a:scrgbClr r="0" g="0" b="0"/>
+      </a:fillRef>
+      <a:effectRef idx="0">
+        <a:scrgbClr r="0" g="0" b="0"/>
+      </a:effectRef>
+      <a:fontRef idx="minor">
+        <a:schemeClr val="tx1"/>
+      </a:fontRef>
+    </dgm:style>
+  </dgm:styleLbl>
+  <dgm:styleLbl name="alignNode1">
+    <dgm:scene3d>
+      <a:camera prst="orthographicFront"/>
+      <a:lightRig rig="threePt" dir="t"/>
+    </dgm:scene3d>
+    <dgm:sp3d/>
+    <dgm:txPr/>
+    <dgm:style>
+      <a:lnRef idx="2">
+        <a:scrgbClr r="0" g="0" b="0"/>
+      </a:lnRef>
+      <a:fillRef idx="1">
+        <a:scrgbClr r="0" g="0" b="0"/>
+      </a:fillRef>
+      <a:effectRef idx="0">
+        <a:scrgbClr r="0" g="0" b="0"/>
+      </a:effectRef>
+      <a:fontRef idx="minor">
+        <a:schemeClr val="lt1"/>
+      </a:fontRef>
+    </dgm:style>
+  </dgm:styleLbl>
+  <dgm:styleLbl name="node1">
+    <dgm:scene3d>
+      <a:camera prst="orthographicFront"/>
+      <a:lightRig rig="threePt" dir="t"/>
+    </dgm:scene3d>
+    <dgm:sp3d/>
+    <dgm:txPr/>
+    <dgm:style>
+      <a:lnRef idx="2">
+        <a:scrgbClr r="0" g="0" b="0"/>
+      </a:lnRef>
+      <a:fillRef idx="1">
+        <a:scrgbClr r="0" g="0" b="0"/>
+      </a:fillRef>
+      <a:effectRef idx="0">
+        <a:scrgbClr r="0" g="0" b="0"/>
+      </a:effectRef>
+      <a:fontRef idx="minor">
+        <a:schemeClr val="lt1"/>
+      </a:fontRef>
+    </dgm:style>
+  </dgm:styleLbl>
+  <dgm:styleLbl name="node2">
+    <dgm:scene3d>
+      <a:camera prst="orthographicFront"/>
+      <a:lightRig rig="threePt" dir="t"/>
+    </dgm:scene3d>
+    <dgm:sp3d/>
+    <dgm:txPr/>
+    <dgm:style>
+      <a:lnRef idx="2">
+        <a:scrgbClr r="0" g="0" b="0"/>
+      </a:lnRef>
+      <a:fillRef idx="1">
+        <a:scrgbClr r="0" g="0" b="0"/>
+      </a:fillRef>
+      <a:effectRef idx="0">
+        <a:scrgbClr r="0" g="0" b="0"/>
+      </a:effectRef>
+      <a:fontRef idx="minor">
+        <a:schemeClr val="lt1"/>
+      </a:fontRef>
+    </dgm:style>
+  </dgm:styleLbl>
+  <dgm:styleLbl name="node3">
+    <dgm:scene3d>
+      <a:camera prst="orthographicFront"/>
+      <a:lightRig rig="threePt" dir="t"/>
+    </dgm:scene3d>
+    <dgm:sp3d/>
+    <dgm:txPr/>
+    <dgm:style>
+      <a:lnRef idx="2">
+        <a:scrgbClr r="0" g="0" b="0"/>
+      </a:lnRef>
+      <a:fillRef idx="1">
+        <a:scrgbClr r="0" g="0" b="0"/>
+      </a:fillRef>
+      <a:effectRef idx="0">
+        <a:scrgbClr r="0" g="0" b="0"/>
+      </a:effectRef>
+      <a:fontRef idx="minor">
+        <a:schemeClr val="lt1"/>
+      </a:fontRef>
+    </dgm:style>
+  </dgm:styleLbl>
+  <dgm:styleLbl name="node4">
+    <dgm:scene3d>
+      <a:camera prst="orthographicFront"/>
+      <a:lightRig rig="threePt" dir="t"/>
+    </dgm:scene3d>
+    <dgm:sp3d/>
+    <dgm:txPr/>
+    <dgm:style>
+      <a:lnRef idx="2">
+        <a:scrgbClr r="0" g="0" b="0"/>
+      </a:lnRef>
+      <a:fillRef idx="1">
+        <a:scrgbClr r="0" g="0" b="0"/>
+      </a:fillRef>
+      <a:effectRef idx="0">
+        <a:scrgbClr r="0" g="0" b="0"/>
+      </a:effectRef>
+      <a:fontRef idx="minor">
+        <a:schemeClr val="lt1"/>
+      </a:fontRef>
+    </dgm:style>
+  </dgm:styleLbl>
+  <dgm:styleLbl name="fgImgPlace1">
+    <dgm:scene3d>
+      <a:camera prst="orthographicFront"/>
+      <a:lightRig rig="threePt" dir="t"/>
+    </dgm:scene3d>
+    <dgm:sp3d/>
+    <dgm:txPr/>
+    <dgm:style>
+      <a:lnRef idx="2">
+        <a:scrgbClr r="0" g="0" b="0"/>
+      </a:lnRef>
+      <a:fillRef idx="1">
+        <a:scrgbClr r="0" g="0" b="0"/>
+      </a:fillRef>
+      <a:effectRef idx="0">
+        <a:scrgbClr r="0" g="0" b="0"/>
+      </a:effectRef>
+      <a:fontRef idx="minor"/>
+    </dgm:style>
+  </dgm:styleLbl>
+  <dgm:styleLbl name="alignImgPlace1">
+    <dgm:scene3d>
+      <a:camera prst="orthographicFront"/>
+      <a:lightRig rig="threePt" dir="t"/>
+    </dgm:scene3d>
+    <dgm:sp3d/>
+    <dgm:txPr/>
+    <dgm:style>
+      <a:lnRef idx="2">
+        <a:scrgbClr r="0" g="0" b="0"/>
+      </a:lnRef>
+      <a:fillRef idx="1">
+        <a:scrgbClr r="0" g="0" b="0"/>
+      </a:fillRef>
+      <a:effectRef idx="0">
+        <a:scrgbClr r="0" g="0" b="0"/>
+      </a:effectRef>
+      <a:fontRef idx="minor"/>
+    </dgm:style>
+  </dgm:styleLbl>
+  <dgm:styleLbl name="bgImgPlace1">
+    <dgm:scene3d>
+      <a:camera prst="orthographicFront"/>
+      <a:lightRig rig="threePt" dir="t"/>
+    </dgm:scene3d>
+    <dgm:sp3d/>
+    <dgm:txPr/>
+    <dgm:style>
+      <a:lnRef idx="2">
+        <a:scrgbClr r="0" g="0" b="0"/>
+      </a:lnRef>
+      <a:fillRef idx="1">
+        <a:scrgbClr r="0" g="0" b="0"/>
+      </a:fillRef>
+      <a:effectRef idx="0">
+        <a:scrgbClr r="0" g="0" b="0"/>
+      </a:effectRef>
+      <a:fontRef idx="minor"/>
+    </dgm:style>
+  </dgm:styleLbl>
+  <dgm:styleLbl name="sibTrans2D1">
+    <dgm:scene3d>
+      <a:camera prst="orthographicFront"/>
+      <a:lightRig rig="threePt" dir="t"/>
+    </dgm:scene3d>
+    <dgm:sp3d/>
+    <dgm:txPr/>
+    <dgm:style>
+      <a:lnRef idx="0">
+        <a:scrgbClr r="0" g="0" b="0"/>
+      </a:lnRef>
+      <a:fillRef idx="1">
+        <a:scrgbClr r="0" g="0" b="0"/>
+      </a:fillRef>
+      <a:effectRef idx="0">
+        <a:scrgbClr r="0" g="0" b="0"/>
+      </a:effectRef>
+      <a:fontRef idx="minor">
+        <a:schemeClr val="lt1"/>
+      </a:fontRef>
+    </dgm:style>
+  </dgm:styleLbl>
+  <dgm:styleLbl name="fgSibTrans2D1">
+    <dgm:scene3d>
+      <a:camera prst="orthographicFront"/>
+      <a:lightRig rig="threePt" dir="t"/>
+    </dgm:scene3d>
+    <dgm:sp3d/>
+    <dgm:txPr/>
+    <dgm:style>
+      <a:lnRef idx="0">
+        <a:scrgbClr r="0" g="0" b="0"/>
+      </a:lnRef>
+      <a:fillRef idx="1">
+        <a:scrgbClr r="0" g="0" b="0"/>
+      </a:fillRef>
+      <a:effectRef idx="0">
+        <a:scrgbClr r="0" g="0" b="0"/>
+      </a:effectRef>
+      <a:fontRef idx="minor">
+        <a:schemeClr val="lt1"/>
+      </a:fontRef>
+    </dgm:style>
+  </dgm:styleLbl>
+  <dgm:styleLbl name="bgSibTrans2D1">
+    <dgm:scene3d>
+      <a:camera prst="orthographicFront"/>
+      <a:lightRig rig="threePt" dir="t"/>
+    </dgm:scene3d>
+    <dgm:sp3d/>
+    <dgm:txPr/>
+    <dgm:style>
+      <a:lnRef idx="0">
+        <a:scrgbClr r="0" g="0" b="0"/>
+      </a:lnRef>
+      <a:fillRef idx="1">
+        <a:scrgbClr r="0" g="0" b="0"/>
+      </a:fillRef>
+      <a:effectRef idx="0">
+        <a:scrgbClr r="0" g="0" b="0"/>
+      </a:effectRef>
+      <a:fontRef idx="minor">
+        <a:schemeClr val="lt1"/>
+      </a:fontRef>
+    </dgm:style>
+  </dgm:styleLbl>
+  <dgm:styleLbl name="sibTrans1D1">
+    <dgm:scene3d>
+      <a:camera prst="orthographicFront"/>
+      <a:lightRig rig="threePt" dir="t"/>
+    </dgm:scene3d>
+    <dgm:sp3d/>
+    <dgm:txPr/>
+    <dgm:style>
+      <a:lnRef idx="1">
+        <a:scrgbClr r="0" g="0" b="0"/>
+      </a:lnRef>
+      <a:fillRef idx="0">
+        <a:scrgbClr r="0" g="0" b="0"/>
+      </a:fillRef>
+      <a:effectRef idx="0">
+        <a:scrgbClr r="0" g="0" b="0"/>
+      </a:effectRef>
+      <a:fontRef idx="minor"/>
+    </dgm:style>
+  </dgm:styleLbl>
+  <dgm:styleLbl name="callout">
+    <dgm:scene3d>
+      <a:camera prst="orthographicFront"/>
+      <a:lightRig rig="threePt" dir="t"/>
+    </dgm:scene3d>
+    <dgm:sp3d/>
+    <dgm:txPr/>
+    <dgm:style>
+      <a:lnRef idx="2">
+        <a:scrgbClr r="0" g="0" b="0"/>
+      </a:lnRef>
+      <a:fillRef idx="1">
+        <a:scrgbClr r="0" g="0" b="0"/>
+      </a:fillRef>
+      <a:effectRef idx="0">
+        <a:scrgbClr r="0" g="0" b="0"/>
+      </a:effectRef>
+      <a:fontRef idx="minor"/>
+    </dgm:style>
+  </dgm:styleLbl>
+  <dgm:styleLbl name="asst0">
+    <dgm:scene3d>
+      <a:camera prst="orthographicFront"/>
+      <a:lightRig rig="threePt" dir="t"/>
+    </dgm:scene3d>
+    <dgm:sp3d/>
+    <dgm:txPr/>
+    <dgm:style>
+      <a:lnRef idx="2">
+        <a:scrgbClr r="0" g="0" b="0"/>
+      </a:lnRef>
+      <a:fillRef idx="1">
+        <a:scrgbClr r="0" g="0" b="0"/>
+      </a:fillRef>
+      <a:effectRef idx="0">
+        <a:scrgbClr r="0" g="0" b="0"/>
+      </a:effectRef>
+      <a:fontRef idx="minor">
+        <a:schemeClr val="lt1"/>
+      </a:fontRef>
+    </dgm:style>
+  </dgm:styleLbl>
+  <dgm:styleLbl name="asst1">
+    <dgm:scene3d>
+      <a:camera prst="orthographicFront"/>
+      <a:lightRig rig="threePt" dir="t"/>
+    </dgm:scene3d>
+    <dgm:sp3d/>
+    <dgm:txPr/>
+    <dgm:style>
+      <a:lnRef idx="2">
+        <a:scrgbClr r="0" g="0" b="0"/>
+      </a:lnRef>
+      <a:fillRef idx="1">
+        <a:scrgbClr r="0" g="0" b="0"/>
+      </a:fillRef>
+      <a:effectRef idx="0">
+        <a:scrgbClr r="0" g="0" b="0"/>
+      </a:effectRef>
+      <a:fontRef idx="minor">
+        <a:schemeClr val="lt1"/>
+      </a:fontRef>
+    </dgm:style>
+  </dgm:styleLbl>
+  <dgm:styleLbl name="asst2">
+    <dgm:scene3d>
+      <a:camera prst="orthographicFront"/>
+      <a:lightRig rig="threePt" dir="t"/>
+    </dgm:scene3d>
+    <dgm:sp3d/>
+    <dgm:txPr/>
+    <dgm:style>
+      <a:lnRef idx="2">
+        <a:scrgbClr r="0" g="0" b="0"/>
+      </a:lnRef>
+      <a:fillRef idx="1">
+        <a:scrgbClr r="0" g="0" b="0"/>
+      </a:fillRef>
+      <a:effectRef idx="0">
+        <a:scrgbClr r="0" g="0" b="0"/>
+      </a:effectRef>
+      <a:fontRef idx="minor">
+        <a:schemeClr val="lt1"/>
+      </a:fontRef>
+    </dgm:style>
+  </dgm:styleLbl>
+  <dgm:styleLbl name="asst3">
+    <dgm:scene3d>
+      <a:camera prst="orthographicFront"/>
+      <a:lightRig rig="threePt" dir="t"/>
+    </dgm:scene3d>
+    <dgm:sp3d/>
+    <dgm:txPr/>
+    <dgm:style>
+      <a:lnRef idx="2">
+        <a:scrgbClr r="0" g="0" b="0"/>
+      </a:lnRef>
+      <a:fillRef idx="1">
+        <a:scrgbClr r="0" g="0" b="0"/>
+      </a:fillRef>
+      <a:effectRef idx="0">
+        <a:scrgbClr r="0" g="0" b="0"/>
+      </a:effectRef>
+      <a:fontRef idx="minor">
+        <a:schemeClr val="lt1"/>
+      </a:fontRef>
+    </dgm:style>
+  </dgm:styleLbl>
+  <dgm:styleLbl name="asst4">
+    <dgm:scene3d>
+      <a:camera prst="orthographicFront"/>
+      <a:lightRig rig="threePt" dir="t"/>
+    </dgm:scene3d>
+    <dgm:sp3d/>
+    <dgm:txPr/>
+    <dgm:style>
+      <a:lnRef idx="2">
+        <a:scrgbClr r="0" g="0" b="0"/>
+      </a:lnRef>
+      <a:fillRef idx="1">
+        <a:scrgbClr r="0" g="0" b="0"/>
+      </a:fillRef>
+      <a:effectRef idx="0">
+        <a:scrgbClr r="0" g="0" b="0"/>
+      </a:effectRef>
+      <a:fontRef idx="minor">
+        <a:schemeClr val="lt1"/>
+      </a:fontRef>
+    </dgm:style>
+  </dgm:styleLbl>
+  <dgm:styleLbl name="parChTrans2D1">
+    <dgm:scene3d>
+      <a:camera prst="orthographicFront"/>
+      <a:lightRig rig="threePt" dir="t"/>
+    </dgm:scene3d>
+    <dgm:sp3d/>
+    <dgm:txPr/>
+    <dgm:style>
+      <a:lnRef idx="2">
+        <a:scrgbClr r="0" g="0" b="0"/>
+      </a:lnRef>
+      <a:fillRef idx="1">
+        <a:scrgbClr r="0" g="0" b="0"/>
+      </a:fillRef>
+      <a:effectRef idx="0">
+        <a:scrgbClr r="0" g="0" b="0"/>
+      </a:effectRef>
+      <a:fontRef idx="minor">
+        <a:schemeClr val="lt1"/>
+      </a:fontRef>
+    </dgm:style>
+  </dgm:styleLbl>
+  <dgm:styleLbl name="parChTrans2D2">
+    <dgm:scene3d>
+      <a:camera prst="orthographicFront"/>
+      <a:lightRig rig="threePt" dir="t"/>
+    </dgm:scene3d>
+    <dgm:sp3d/>
+    <dgm:txPr/>
+    <dgm:style>
+      <a:lnRef idx="2">
+        <a:scrgbClr r="0" g="0" b="0"/>
+      </a:lnRef>
+      <a:fillRef idx="1">
+        <a:scrgbClr r="0" g="0" b="0"/>
+      </a:fillRef>
+      <a:effectRef idx="0">
+        <a:scrgbClr r="0" g="0" b="0"/>
+      </a:effectRef>
+      <a:fontRef idx="minor">
+        <a:schemeClr val="lt1"/>
+      </a:fontRef>
+    </dgm:style>
+  </dgm:styleLbl>
+  <dgm:styleLbl name="parChTrans2D3">
+    <dgm:scene3d>
+      <a:camera prst="orthographicFront"/>
+      <a:lightRig rig="threePt" dir="t"/>
+    </dgm:scene3d>
+    <dgm:sp3d/>
+    <dgm:txPr/>
+    <dgm:style>
+      <a:lnRef idx="2">
+        <a:scrgbClr r="0" g="0" b="0"/>
+      </a:lnRef>
+      <a:fillRef idx="1">
+        <a:scrgbClr r="0" g="0" b="0"/>
+      </a:fillRef>
+      <a:effectRef idx="0">
+        <a:scrgbClr r="0" g="0" b="0"/>
+      </a:effectRef>
+      <a:fontRef idx="minor">
+        <a:schemeClr val="lt1"/>
+      </a:fontRef>
+    </dgm:style>
+  </dgm:styleLbl>
+  <dgm:styleLbl name="parChTrans2D4">
+    <dgm:scene3d>
+      <a:camera prst="orthographicFront"/>
+      <a:lightRig rig="threePt" dir="t"/>
+    </dgm:scene3d>
+    <dgm:sp3d/>
+    <dgm:txPr/>
+    <dgm:style>
+      <a:lnRef idx="2">
+        <a:scrgbClr r="0" g="0" b="0"/>
+      </a:lnRef>
+      <a:fillRef idx="1">
+        <a:scrgbClr r="0" g="0" b="0"/>
+      </a:fillRef>
+      <a:effectRef idx="0">
+        <a:scrgbClr r="0" g="0" b="0"/>
+      </a:effectRef>
+      <a:fontRef idx="minor">
+        <a:schemeClr val="lt1"/>
+      </a:fontRef>
+    </dgm:style>
+  </dgm:styleLbl>
+  <dgm:styleLbl name="parChTrans1D1">
+    <dgm:scene3d>
+      <a:camera prst="orthographicFront"/>
+      <a:lightRig rig="threePt" dir="t"/>
+    </dgm:scene3d>
+    <dgm:sp3d/>
+    <dgm:txPr/>
+    <dgm:style>
+      <a:lnRef idx="2">
+        <a:scrgbClr r="0" g="0" b="0"/>
+      </a:lnRef>
+      <a:fillRef idx="0">
+        <a:scrgbClr r="0" g="0" b="0"/>
+      </a:fillRef>
+      <a:effectRef idx="0">
+        <a:scrgbClr r="0" g="0" b="0"/>
+      </a:effectRef>
+      <a:fontRef idx="minor"/>
+    </dgm:style>
+  </dgm:styleLbl>
+  <dgm:styleLbl name="parChTrans1D2">
+    <dgm:scene3d>
+      <a:camera prst="orthographicFront"/>
+      <a:lightRig rig="threePt" dir="t"/>
+    </dgm:scene3d>
+    <dgm:sp3d/>
+    <dgm:txPr/>
+    <dgm:style>
+      <a:lnRef idx="2">
+        <a:scrgbClr r="0" g="0" b="0"/>
+      </a:lnRef>
+      <a:fillRef idx="0">
+        <a:scrgbClr r="0" g="0" b="0"/>
+      </a:fillRef>
+      <a:effectRef idx="0">
+        <a:scrgbClr r="0" g="0" b="0"/>
+      </a:effectRef>
+      <a:fontRef idx="minor"/>
+    </dgm:style>
+  </dgm:styleLbl>
+  <dgm:styleLbl name="parChTrans1D3">
+    <dgm:scene3d>
+      <a:camera prst="orthographicFront"/>
+      <a:lightRig rig="threePt" dir="t"/>
+    </dgm:scene3d>
+    <dgm:sp3d/>
+    <dgm:txPr/>
+    <dgm:style>
+      <a:lnRef idx="2">
+        <a:scrgbClr r="0" g="0" b="0"/>
+      </a:lnRef>
+      <a:fillRef idx="0">
+        <a:scrgbClr r="0" g="0" b="0"/>
+      </a:fillRef>
+      <a:effectRef idx="0">
+        <a:scrgbClr r="0" g="0" b="0"/>
+      </a:effectRef>
+      <a:fontRef idx="minor"/>
+    </dgm:style>
+  </dgm:styleLbl>
+  <dgm:styleLbl name="parChTrans1D4">
+    <dgm:scene3d>
+      <a:camera prst="orthographicFront"/>
+      <a:lightRig rig="threePt" dir="t"/>
+    </dgm:scene3d>
+    <dgm:sp3d/>
+    <dgm:txPr/>
+    <dgm:style>
+      <a:lnRef idx="2">
+        <a:scrgbClr r="0" g="0" b="0"/>
+      </a:lnRef>
+      <a:fillRef idx="0">
+        <a:scrgbClr r="0" g="0" b="0"/>
+      </a:fillRef>
+      <a:effectRef idx="0">
+        <a:scrgbClr r="0" g="0" b="0"/>
+      </a:effectRef>
+      <a:fontRef idx="minor"/>
+    </dgm:style>
+  </dgm:styleLbl>
+  <dgm:styleLbl name="fgAcc1">
+    <dgm:scene3d>
+      <a:camera prst="orthographicFront"/>
+      <a:lightRig rig="threePt" dir="t"/>
+    </dgm:scene3d>
+    <dgm:sp3d/>
+    <dgm:txPr/>
+    <dgm:style>
+      <a:lnRef idx="2">
+        <a:scrgbClr r="0" g="0" b="0"/>
+      </a:lnRef>
+      <a:fillRef idx="1">
+        <a:scrgbClr r="0" g="0" b="0"/>
+      </a:fillRef>
+      <a:effectRef idx="0">
+        <a:scrgbClr r="0" g="0" b="0"/>
+      </a:effectRef>
+      <a:fontRef idx="minor"/>
+    </dgm:style>
+  </dgm:styleLbl>
+  <dgm:styleLbl name="conFgAcc1">
+    <dgm:scene3d>
+      <a:camera prst="orthographicFront"/>
+      <a:lightRig rig="threePt" dir="t"/>
+    </dgm:scene3d>
+    <dgm:sp3d/>
+    <dgm:txPr/>
+    <dgm:style>
+      <a:lnRef idx="2">
+        <a:scrgbClr r="0" g="0" b="0"/>
+      </a:lnRef>
+      <a:fillRef idx="1">
+        <a:scrgbClr r="0" g="0" b="0"/>
+      </a:fillRef>
+      <a:effectRef idx="0">
+        <a:scrgbClr r="0" g="0" b="0"/>
+      </a:effectRef>
+      <a:fontRef idx="minor"/>
+    </dgm:style>
+  </dgm:styleLbl>
+  <dgm:styleLbl name="alignAcc1">
+    <dgm:scene3d>
+      <a:camera prst="orthographicFront"/>
+      <a:lightRig rig="threePt" dir="t"/>
+    </dgm:scene3d>
+    <dgm:sp3d/>
+    <dgm:txPr/>
+    <dgm:style>
+      <a:lnRef idx="2">
+        <a:scrgbClr r="0" g="0" b="0"/>
+      </a:lnRef>
+      <a:fillRef idx="1">
+        <a:scrgbClr r="0" g="0" b="0"/>
+      </a:fillRef>
+      <a:effectRef idx="0">
+        <a:scrgbClr r="0" g="0" b="0"/>
+      </a:effectRef>
+      <a:fontRef idx="minor"/>
+    </dgm:style>
+  </dgm:styleLbl>
+  <dgm:styleLbl name="trAlignAcc1">
+    <dgm:scene3d>
+      <a:camera prst="orthographicFront"/>
+      <a:lightRig rig="threePt" dir="t"/>
+    </dgm:scene3d>
+    <dgm:sp3d/>
+    <dgm:txPr/>
+    <dgm:style>
+      <a:lnRef idx="1">
+        <a:scrgbClr r="0" g="0" b="0"/>
+      </a:lnRef>
+      <a:fillRef idx="1">
+        <a:scrgbClr r="0" g="0" b="0"/>
+      </a:fillRef>
+      <a:effectRef idx="0">
+        <a:scrgbClr r="0" g="0" b="0"/>
+      </a:effectRef>
+      <a:fontRef idx="minor"/>
+    </dgm:style>
+  </dgm:styleLbl>
+  <dgm:styleLbl name="bgAcc1">
+    <dgm:scene3d>
+      <a:camera prst="orthographicFront"/>
+      <a:lightRig rig="threePt" dir="t"/>
+    </dgm:scene3d>
+    <dgm:sp3d/>
+    <dgm:txPr/>
+    <dgm:style>
+      <a:lnRef idx="2">
+        <a:scrgbClr r="0" g="0" b="0"/>
+      </a:lnRef>
+      <a:fillRef idx="1">
+        <a:scrgbClr r="0" g="0" b="0"/>
+      </a:fillRef>
+      <a:effectRef idx="0">
+        <a:scrgbClr r="0" g="0" b="0"/>
+      </a:effectRef>
+      <a:fontRef idx="minor"/>
+    </dgm:style>
+  </dgm:styleLbl>
+  <dgm:styleLbl name="solidFgAcc1">
+    <dgm:scene3d>
+      <a:camera prst="orthographicFront"/>
+      <a:lightRig rig="threePt" dir="t"/>
+    </dgm:scene3d>
+    <dgm:sp3d/>
+    <dgm:txPr/>
+    <dgm:style>
+      <a:lnRef idx="2">
+        <a:scrgbClr r="0" g="0" b="0"/>
+      </a:lnRef>
+      <a:fillRef idx="1">
+        <a:scrgbClr r="0" g="0" b="0"/>
+      </a:fillRef>
+      <a:effectRef idx="0">
+        <a:scrgbClr r="0" g="0" b="0"/>
+      </a:effectRef>
+      <a:fontRef idx="minor"/>
+    </dgm:style>
+  </dgm:styleLbl>
+  <dgm:styleLbl name="solidAlignAcc1">
+    <dgm:scene3d>
+      <a:camera prst="orthographicFront"/>
+      <a:lightRig rig="threePt" dir="t"/>
+    </dgm:scene3d>
+    <dgm:sp3d/>
+    <dgm:txPr/>
+    <dgm:style>
+      <a:lnRef idx="2">
+        <a:scrgbClr r="0" g="0" b="0"/>
+      </a:lnRef>
+      <a:fillRef idx="1">
+        <a:scrgbClr r="0" g="0" b="0"/>
+      </a:fillRef>
+      <a:effectRef idx="0">
+        <a:scrgbClr r="0" g="0" b="0"/>
+      </a:effectRef>
+      <a:fontRef idx="minor"/>
+    </dgm:style>
+  </dgm:styleLbl>
+  <dgm:styleLbl name="solidBgAcc1">
+    <dgm:scene3d>
+      <a:camera prst="orthographicFront"/>
+      <a:lightRig rig="threePt" dir="t"/>
+    </dgm:scene3d>
+    <dgm:sp3d/>
+    <dgm:txPr/>
+    <dgm:style>
+      <a:lnRef idx="2">
+        <a:scrgbClr r="0" g="0" b="0"/>
+      </a:lnRef>
+      <a:fillRef idx="1">
+        <a:scrgbClr r="0" g="0" b="0"/>
+      </a:fillRef>
+      <a:effectRef idx="0">
+        <a:scrgbClr r="0" g="0" b="0"/>
+      </a:effectRef>
+      <a:fontRef idx="minor"/>
+    </dgm:style>
+  </dgm:styleLbl>
+  <dgm:styleLbl name="fgAccFollowNode1">
+    <dgm:scene3d>
+      <a:camera prst="orthographicFront"/>
+      <a:lightRig rig="threePt" dir="t"/>
+    </dgm:scene3d>
+    <dgm:sp3d/>
+    <dgm:txPr/>
+    <dgm:style>
+      <a:lnRef idx="2">
+        <a:scrgbClr r="0" g="0" b="0"/>
+      </a:lnRef>
+      <a:fillRef idx="1">
+        <a:scrgbClr r="0" g="0" b="0"/>
+      </a:fillRef>
+      <a:effectRef idx="0">
+        <a:scrgbClr r="0" g="0" b="0"/>
+      </a:effectRef>
+      <a:fontRef idx="minor"/>
+    </dgm:style>
+  </dgm:styleLbl>
+  <dgm:styleLbl name="alignAccFollowNode1">
+    <dgm:scene3d>
+      <a:camera prst="orthographicFront"/>
+      <a:lightRig rig="threePt" dir="t"/>
+    </dgm:scene3d>
+    <dgm:sp3d/>
+    <dgm:txPr/>
+    <dgm:style>
+      <a:lnRef idx="2">
+        <a:scrgbClr r="0" g="0" b="0"/>
+      </a:lnRef>
+      <a:fillRef idx="1">
+        <a:scrgbClr r="0" g="0" b="0"/>
+      </a:fillRef>
+      <a:effectRef idx="0">
+        <a:scrgbClr r="0" g="0" b="0"/>
+      </a:effectRef>
+      <a:fontRef idx="minor"/>
+    </dgm:style>
+  </dgm:styleLbl>
+  <dgm:styleLbl name="bgAccFollowNode1">
+    <dgm:scene3d>
+      <a:camera prst="orthographicFront"/>
+      <a:lightRig rig="threePt" dir="t"/>
+    </dgm:scene3d>
+    <dgm:sp3d/>
+    <dgm:txPr/>
+    <dgm:style>
+      <a:lnRef idx="2">
+        <a:scrgbClr r="0" g="0" b="0"/>
+      </a:lnRef>
+      <a:fillRef idx="1">
+        <a:scrgbClr r="0" g="0" b="0"/>
+      </a:fillRef>
+      <a:effectRef idx="0">
+        <a:scrgbClr r="0" g="0" b="0"/>
+      </a:effectRef>
+      <a:fontRef idx="minor"/>
+    </dgm:style>
+  </dgm:styleLbl>
+  <dgm:styleLbl name="fgAcc0">
+    <dgm:scene3d>
+      <a:camera prst="orthographicFront"/>
+      <a:lightRig rig="threePt" dir="t"/>
+    </dgm:scene3d>
+    <dgm:sp3d/>
+    <dgm:txPr/>
+    <dgm:style>
+      <a:lnRef idx="2">
+        <a:scrgbClr r="0" g="0" b="0"/>
+      </a:lnRef>
+      <a:fillRef idx="1">
+        <a:scrgbClr r="0" g="0" b="0"/>
+      </a:fillRef>
+      <a:effectRef idx="0">
+        <a:scrgbClr r="0" g="0" b="0"/>
+      </a:effectRef>
+      <a:fontRef idx="minor"/>
+    </dgm:style>
+  </dgm:styleLbl>
+  <dgm:styleLbl name="fgAcc2">
+    <dgm:scene3d>
+      <a:camera prst="orthographicFront"/>
+      <a:lightRig rig="threePt" dir="t"/>
+    </dgm:scene3d>
+    <dgm:sp3d/>
+    <dgm:txPr/>
+    <dgm:style>
+      <a:lnRef idx="2">
+        <a:scrgbClr r="0" g="0" b="0"/>
+      </a:lnRef>
+      <a:fillRef idx="1">
+        <a:scrgbClr r="0" g="0" b="0"/>
+      </a:fillRef>
+      <a:effectRef idx="0">
+        <a:scrgbClr r="0" g="0" b="0"/>
+      </a:effectRef>
+      <a:fontRef idx="minor"/>
+    </dgm:style>
+  </dgm:styleLbl>
+  <dgm:styleLbl name="fgAcc3">
+    <dgm:scene3d>
+      <a:camera prst="orthographicFront"/>
+      <a:lightRig rig="threePt" dir="t"/>
+    </dgm:scene3d>
+    <dgm:sp3d/>
+    <dgm:txPr/>
+    <dgm:style>
+      <a:lnRef idx="2">
+        <a:scrgbClr r="0" g="0" b="0"/>
+      </a:lnRef>
+      <a:fillRef idx="1">
+        <a:scrgbClr r="0" g="0" b="0"/>
+      </a:fillRef>
+      <a:effectRef idx="0">
+        <a:scrgbClr r="0" g="0" b="0"/>
+      </a:effectRef>
+      <a:fontRef idx="minor"/>
+    </dgm:style>
+  </dgm:styleLbl>
+  <dgm:styleLbl name="fgAcc4">
+    <dgm:scene3d>
+      <a:camera prst="orthographicFront"/>
+      <a:lightRig rig="threePt" dir="t"/>
+    </dgm:scene3d>
+    <dgm:sp3d/>
+    <dgm:txPr/>
+    <dgm:style>
+      <a:lnRef idx="2">
+        <a:scrgbClr r="0" g="0" b="0"/>
+      </a:lnRef>
+      <a:fillRef idx="1">
+        <a:scrgbClr r="0" g="0" b="0"/>
+      </a:fillRef>
+      <a:effectRef idx="0">
+        <a:scrgbClr r="0" g="0" b="0"/>
+      </a:effectRef>
+      <a:fontRef idx="minor"/>
+    </dgm:style>
+  </dgm:styleLbl>
+  <dgm:styleLbl name="bgShp">
+    <dgm:scene3d>
+      <a:camera prst="orthographicFront"/>
+      <a:lightRig rig="threePt" dir="t"/>
+    </dgm:scene3d>
+    <dgm:sp3d/>
+    <dgm:txPr/>
+    <dgm:style>
+      <a:lnRef idx="0">
+        <a:scrgbClr r="0" g="0" b="0"/>
+      </a:lnRef>
+      <a:fillRef idx="1">
+        <a:scrgbClr r="0" g="0" b="0"/>
+      </a:fillRef>
+      <a:effectRef idx="0">
+        <a:scrgbClr r="0" g="0" b="0"/>
+      </a:effectRef>
+      <a:fontRef idx="minor"/>
+    </dgm:style>
+  </dgm:styleLbl>
+  <dgm:styleLbl name="dkBgShp">
+    <dgm:scene3d>
+      <a:camera prst="orthographicFront"/>
+      <a:lightRig rig="threePt" dir="t"/>
+    </dgm:scene3d>
+    <dgm:sp3d/>
+    <dgm:txPr/>
+    <dgm:style>
+      <a:lnRef idx="0">
+        <a:scrgbClr r="0" g="0" b="0"/>
+      </a:lnRef>
+      <a:fillRef idx="1">
+        <a:scrgbClr r="0" g="0" b="0"/>
+      </a:fillRef>
+      <a:effectRef idx="0">
+        <a:scrgbClr r="0" g="0" b="0"/>
+      </a:effectRef>
+      <a:fontRef idx="minor"/>
+    </dgm:style>
+  </dgm:styleLbl>
+  <dgm:styleLbl name="trBgShp">
+    <dgm:scene3d>
+      <a:camera prst="orthographicFront"/>
+      <a:lightRig rig="threePt" dir="t"/>
+    </dgm:scene3d>
+    <dgm:sp3d/>
+    <dgm:txPr/>
+    <dgm:style>
+      <a:lnRef idx="0">
+        <a:scrgbClr r="0" g="0" b="0"/>
+      </a:lnRef>
+      <a:fillRef idx="1">
+        <a:scrgbClr r="0" g="0" b="0"/>
+      </a:fillRef>
+      <a:effectRef idx="0">
+        <a:scrgbClr r="0" g="0" b="0"/>
+      </a:effectRef>
+      <a:fontRef idx="minor"/>
+    </dgm:style>
+  </dgm:styleLbl>
+  <dgm:styleLbl name="fgShp">
+    <dgm:scene3d>
+      <a:camera prst="orthographicFront"/>
+      <a:lightRig rig="threePt" dir="t"/>
+    </dgm:scene3d>
+    <dgm:sp3d/>
+    <dgm:txPr/>
+    <dgm:style>
+      <a:lnRef idx="2">
+        <a:scrgbClr r="0" g="0" b="0"/>
+      </a:lnRef>
+      <a:fillRef idx="1">
+        <a:scrgbClr r="0" g="0" b="0"/>
+      </a:fillRef>
+      <a:effectRef idx="0">
+        <a:scrgbClr r="0" g="0" b="0"/>
+      </a:effectRef>
+      <a:fontRef idx="minor"/>
+    </dgm:style>
+  </dgm:styleLbl>
+  <dgm:styleLbl name="revTx">
+    <dgm:scene3d>
+      <a:camera prst="orthographicFront"/>
+      <a:lightRig rig="threePt" dir="t"/>
+    </dgm:scene3d>
+    <dgm:sp3d/>
+    <dgm:txPr/>
+    <dgm:style>
+      <a:lnRef idx="0">
+        <a:scrgbClr r="0" g="0" b="0"/>
+      </a:lnRef>
+      <a:fillRef idx="0">
+        <a:scrgbClr r="0" g="0" b="0"/>
+      </a:fillRef>
+      <a:effectRef idx="0">
+        <a:scrgbClr r="0" g="0" b="0"/>
+      </a:effectRef>
+      <a:fontRef idx="minor"/>
+    </dgm:style>
+  </dgm:styleLbl>
+</dgm:styleDef>
+</file>
+
 <file path=ppt/notesMasters/notesMaster1.xml><?xml version="1.0" encoding="utf-8"?>
 <p:notesMaster xmlns:a="http://schemas.openxmlformats.org/drawingml/2006/main" xmlns:r="http://schemas.openxmlformats.org/officeDocument/2006/relationships" xmlns:p="http://schemas.openxmlformats.org/presentationml/2006/main">
   <p:cSld>
@@ -208,7 +4787,7 @@
           <a:p>
             <a:fld id="{6C221AE3-2EA3-414F-B0D4-EF9EF6F6D40F}" type="datetimeFigureOut">
               <a:rPr lang="en-US" smtClean="0"/>
-              <a:t>7/5/2024</a:t>
+              <a:t>7/8/2024</a:t>
             </a:fld>
             <a:endParaRPr lang="en-US"/>
           </a:p>
@@ -709,7 +5288,7 @@
           <a:p>
             <a:fld id="{54B74EF1-788F-47AB-9414-B0E30AA5E1A3}" type="datetimeFigureOut">
               <a:rPr lang="en-US" smtClean="0"/>
-              <a:t>7/5/2024</a:t>
+              <a:t>7/8/2024</a:t>
             </a:fld>
             <a:endParaRPr lang="en-US"/>
           </a:p>
@@ -909,7 +5488,7 @@
           <a:p>
             <a:fld id="{54B74EF1-788F-47AB-9414-B0E30AA5E1A3}" type="datetimeFigureOut">
               <a:rPr lang="en-US" smtClean="0"/>
-              <a:t>7/5/2024</a:t>
+              <a:t>7/8/2024</a:t>
             </a:fld>
             <a:endParaRPr lang="en-US"/>
           </a:p>
@@ -1119,7 +5698,7 @@
           <a:p>
             <a:fld id="{54B74EF1-788F-47AB-9414-B0E30AA5E1A3}" type="datetimeFigureOut">
               <a:rPr lang="en-US" smtClean="0"/>
-              <a:t>7/5/2024</a:t>
+              <a:t>7/8/2024</a:t>
             </a:fld>
             <a:endParaRPr lang="en-US"/>
           </a:p>
@@ -1319,7 +5898,7 @@
           <a:p>
             <a:fld id="{54B74EF1-788F-47AB-9414-B0E30AA5E1A3}" type="datetimeFigureOut">
               <a:rPr lang="en-US" smtClean="0"/>
-              <a:t>7/5/2024</a:t>
+              <a:t>7/8/2024</a:t>
             </a:fld>
             <a:endParaRPr lang="en-US"/>
           </a:p>
@@ -1595,7 +6174,7 @@
           <a:p>
             <a:fld id="{54B74EF1-788F-47AB-9414-B0E30AA5E1A3}" type="datetimeFigureOut">
               <a:rPr lang="en-US" smtClean="0"/>
-              <a:t>7/5/2024</a:t>
+              <a:t>7/8/2024</a:t>
             </a:fld>
             <a:endParaRPr lang="en-US"/>
           </a:p>
@@ -1863,7 +6442,7 @@
           <a:p>
             <a:fld id="{54B74EF1-788F-47AB-9414-B0E30AA5E1A3}" type="datetimeFigureOut">
               <a:rPr lang="en-US" smtClean="0"/>
-              <a:t>7/5/2024</a:t>
+              <a:t>7/8/2024</a:t>
             </a:fld>
             <a:endParaRPr lang="en-US"/>
           </a:p>
@@ -2278,7 +6857,7 @@
           <a:p>
             <a:fld id="{54B74EF1-788F-47AB-9414-B0E30AA5E1A3}" type="datetimeFigureOut">
               <a:rPr lang="en-US" smtClean="0"/>
-              <a:t>7/5/2024</a:t>
+              <a:t>7/8/2024</a:t>
             </a:fld>
             <a:endParaRPr lang="en-US"/>
           </a:p>
@@ -2420,7 +6999,7 @@
           <a:p>
             <a:fld id="{54B74EF1-788F-47AB-9414-B0E30AA5E1A3}" type="datetimeFigureOut">
               <a:rPr lang="en-US" smtClean="0"/>
-              <a:t>7/5/2024</a:t>
+              <a:t>7/8/2024</a:t>
             </a:fld>
             <a:endParaRPr lang="en-US"/>
           </a:p>
@@ -2533,7 +7112,7 @@
           <a:p>
             <a:fld id="{54B74EF1-788F-47AB-9414-B0E30AA5E1A3}" type="datetimeFigureOut">
               <a:rPr lang="en-US" smtClean="0"/>
-              <a:t>7/5/2024</a:t>
+              <a:t>7/8/2024</a:t>
             </a:fld>
             <a:endParaRPr lang="en-US"/>
           </a:p>
@@ -2846,7 +7425,7 @@
           <a:p>
             <a:fld id="{54B74EF1-788F-47AB-9414-B0E30AA5E1A3}" type="datetimeFigureOut">
               <a:rPr lang="en-US" smtClean="0"/>
-              <a:t>7/5/2024</a:t>
+              <a:t>7/8/2024</a:t>
             </a:fld>
             <a:endParaRPr lang="en-US"/>
           </a:p>
@@ -3135,7 +7714,7 @@
           <a:p>
             <a:fld id="{54B74EF1-788F-47AB-9414-B0E30AA5E1A3}" type="datetimeFigureOut">
               <a:rPr lang="en-US" smtClean="0"/>
-              <a:t>7/5/2024</a:t>
+              <a:t>7/8/2024</a:t>
             </a:fld>
             <a:endParaRPr lang="en-US"/>
           </a:p>
@@ -3378,7 +7957,7 @@
           <a:p>
             <a:fld id="{54B74EF1-788F-47AB-9414-B0E30AA5E1A3}" type="datetimeFigureOut">
               <a:rPr lang="en-US" smtClean="0"/>
-              <a:t>7/5/2024</a:t>
+              <a:t>7/8/2024</a:t>
             </a:fld>
             <a:endParaRPr lang="en-US"/>
           </a:p>
@@ -5978,11 +10557,16 @@
         <p:spPr>
           <a:xfrm>
             <a:off x="2187390" y="1559858"/>
-            <a:ext cx="2366682" cy="3424518"/>
+            <a:ext cx="2520000" cy="3600000"/>
           </a:xfrm>
           <a:prstGeom prst="rect">
             <a:avLst/>
           </a:prstGeom>
+          <a:ln>
+            <a:solidFill>
+              <a:schemeClr val="tx1"/>
+            </a:solidFill>
+          </a:ln>
         </p:spPr>
         <p:style>
           <a:lnRef idx="2">
@@ -6005,33 +10589,6 @@
           <a:lstStyle/>
           <a:p>
             <a:pPr algn="ctr"/>
-            <a:r>
-              <a:rPr lang="en-US" dirty="0" err="1"/>
-              <a:t>Offene</a:t>
-            </a:r>
-            <a:r>
-              <a:rPr lang="en-US" dirty="0"/>
-              <a:t> </a:t>
-            </a:r>
-            <a:r>
-              <a:rPr lang="en-US" dirty="0" err="1"/>
-              <a:t>Wissenschaft</a:t>
-            </a:r>
-            <a:br>
-              <a:rPr lang="en-US" dirty="0"/>
-            </a:br>
-            <a:r>
-              <a:rPr lang="en-US" dirty="0" err="1"/>
-              <a:t>für</a:t>
-            </a:r>
-            <a:r>
-              <a:rPr lang="en-US" dirty="0"/>
-              <a:t> </a:t>
-            </a:r>
-            <a:r>
-              <a:rPr lang="en-US" dirty="0" err="1"/>
-              <a:t>alle</a:t>
-            </a:r>
             <a:endParaRPr lang="en-US" dirty="0"/>
           </a:p>
         </p:txBody>
@@ -6100,6 +10657,344 @@
           </a:p>
         </p:txBody>
       </p:sp>
+      <p:pic>
+        <p:nvPicPr>
+          <p:cNvPr id="2" name="Grafik 1">
+            <a:extLst>
+              <a:ext uri="{FF2B5EF4-FFF2-40B4-BE49-F238E27FC236}">
+                <a16:creationId xmlns:a16="http://schemas.microsoft.com/office/drawing/2014/main" id="{9C5C78B1-0805-40C8-9336-885AE6273337}"/>
+              </a:ext>
+            </a:extLst>
+          </p:cNvPr>
+          <p:cNvPicPr>
+            <a:picLocks noChangeAspect="1"/>
+          </p:cNvPicPr>
+          <p:nvPr/>
+        </p:nvPicPr>
+        <p:blipFill rotWithShape="1">
+          <a:blip r:embed="rId3"/>
+          <a:srcRect l="12631" t="4879" r="12631" b="319"/>
+          <a:stretch/>
+        </p:blipFill>
+        <p:spPr>
+          <a:xfrm>
+            <a:off x="2187387" y="2260600"/>
+            <a:ext cx="2520001" cy="2607426"/>
+          </a:xfrm>
+          <a:prstGeom prst="rect">
+            <a:avLst/>
+          </a:prstGeom>
+        </p:spPr>
+      </p:pic>
+      <p:sp>
+        <p:nvSpPr>
+          <p:cNvPr id="3" name="Rechteck 2">
+            <a:extLst>
+              <a:ext uri="{FF2B5EF4-FFF2-40B4-BE49-F238E27FC236}">
+                <a16:creationId xmlns:a16="http://schemas.microsoft.com/office/drawing/2014/main" id="{C6CC0C8A-F3E7-47D3-B804-09359963710D}"/>
+              </a:ext>
+            </a:extLst>
+          </p:cNvPr>
+          <p:cNvSpPr/>
+          <p:nvPr/>
+        </p:nvSpPr>
+        <p:spPr>
+          <a:xfrm>
+            <a:off x="2187389" y="5802179"/>
+            <a:ext cx="5095306" cy="369332"/>
+          </a:xfrm>
+          <a:prstGeom prst="rect">
+            <a:avLst/>
+          </a:prstGeom>
+        </p:spPr>
+        <p:txBody>
+          <a:bodyPr wrap="none">
+            <a:spAutoFit/>
+          </a:bodyPr>
+          <a:lstStyle/>
+          <a:p>
+            <a:r>
+              <a:rPr lang="en-US" dirty="0">
+                <a:hlinkClick r:id="rId4"/>
+              </a:rPr>
+              <a:t>https://flickr.com/photos/0815fotos/47402421712</a:t>
+            </a:r>
+            <a:r>
+              <a:rPr lang="en-US" dirty="0"/>
+              <a:t> </a:t>
+            </a:r>
+          </a:p>
+        </p:txBody>
+      </p:sp>
+      <p:sp>
+        <p:nvSpPr>
+          <p:cNvPr id="9" name="Rechteck 8">
+            <a:extLst>
+              <a:ext uri="{FF2B5EF4-FFF2-40B4-BE49-F238E27FC236}">
+                <a16:creationId xmlns:a16="http://schemas.microsoft.com/office/drawing/2014/main" id="{895B2253-5287-4F7B-9F9E-F9C2CD11AB59}"/>
+              </a:ext>
+            </a:extLst>
+          </p:cNvPr>
+          <p:cNvSpPr/>
+          <p:nvPr/>
+        </p:nvSpPr>
+        <p:spPr>
+          <a:xfrm>
+            <a:off x="2187389" y="1559859"/>
+            <a:ext cx="2520000" cy="700742"/>
+          </a:xfrm>
+          <a:prstGeom prst="rect">
+            <a:avLst/>
+          </a:prstGeom>
+          <a:solidFill>
+            <a:schemeClr val="bg1">
+              <a:lumMod val="85000"/>
+            </a:schemeClr>
+          </a:solidFill>
+          <a:ln>
+            <a:noFill/>
+          </a:ln>
+        </p:spPr>
+        <p:style>
+          <a:lnRef idx="2">
+            <a:schemeClr val="accent1">
+              <a:shade val="50000"/>
+            </a:schemeClr>
+          </a:lnRef>
+          <a:fillRef idx="1">
+            <a:schemeClr val="accent1"/>
+          </a:fillRef>
+          <a:effectRef idx="0">
+            <a:schemeClr val="accent1"/>
+          </a:effectRef>
+          <a:fontRef idx="minor">
+            <a:schemeClr val="lt1"/>
+          </a:fontRef>
+        </p:style>
+        <p:txBody>
+          <a:bodyPr rtlCol="0" anchor="ctr"/>
+          <a:lstStyle/>
+          <a:p>
+            <a:pPr algn="ctr"/>
+            <a:endParaRPr lang="en-US"/>
+          </a:p>
+        </p:txBody>
+      </p:sp>
+      <p:sp>
+        <p:nvSpPr>
+          <p:cNvPr id="7" name="Rechteck 6">
+            <a:extLst>
+              <a:ext uri="{FF2B5EF4-FFF2-40B4-BE49-F238E27FC236}">
+                <a16:creationId xmlns:a16="http://schemas.microsoft.com/office/drawing/2014/main" id="{B1880F2C-E9C8-4FC3-A370-4383D007484B}"/>
+              </a:ext>
+            </a:extLst>
+          </p:cNvPr>
+          <p:cNvSpPr/>
+          <p:nvPr/>
+        </p:nvSpPr>
+        <p:spPr>
+          <a:xfrm>
+            <a:off x="2187389" y="1559859"/>
+            <a:ext cx="2520000" cy="700742"/>
+          </a:xfrm>
+          <a:prstGeom prst="rect">
+            <a:avLst/>
+          </a:prstGeom>
+          <a:noFill/>
+          <a:ln>
+            <a:noFill/>
+          </a:ln>
+        </p:spPr>
+        <p:style>
+          <a:lnRef idx="2">
+            <a:schemeClr val="accent1">
+              <a:shade val="50000"/>
+            </a:schemeClr>
+          </a:lnRef>
+          <a:fillRef idx="1">
+            <a:schemeClr val="accent1"/>
+          </a:fillRef>
+          <a:effectRef idx="0">
+            <a:schemeClr val="accent1"/>
+          </a:effectRef>
+          <a:fontRef idx="minor">
+            <a:schemeClr val="lt1"/>
+          </a:fontRef>
+        </p:style>
+        <p:txBody>
+          <a:bodyPr rtlCol="0" anchor="ctr"/>
+          <a:lstStyle/>
+          <a:p>
+            <a:r>
+              <a:rPr lang="de-DE" sz="1200" b="1" dirty="0">
+                <a:solidFill>
+                  <a:sysClr val="windowText" lastClr="000000"/>
+                </a:solidFill>
+                <a:latin typeface="Arial Black" panose="020B0A04020102020204" pitchFamily="34" charset="0"/>
+                <a:ea typeface="Cambria" panose="02040503050406030204" pitchFamily="18" charset="0"/>
+                <a:cs typeface="Arial" panose="020B0604020202020204" pitchFamily="34" charset="0"/>
+              </a:rPr>
+              <a:t>Open Science </a:t>
+            </a:r>
+          </a:p>
+          <a:p>
+            <a:r>
+              <a:rPr lang="de-DE" sz="1000" b="1" dirty="0">
+                <a:solidFill>
+                  <a:sysClr val="windowText" lastClr="000000"/>
+                </a:solidFill>
+                <a:latin typeface="Arial Black" panose="020B0A04020102020204" pitchFamily="34" charset="0"/>
+                <a:ea typeface="Cambria" panose="02040503050406030204" pitchFamily="18" charset="0"/>
+                <a:cs typeface="Arial" panose="020B0604020202020204" pitchFamily="34" charset="0"/>
+              </a:rPr>
+              <a:t>Wie sich die Wissenschaft öffnet</a:t>
+            </a:r>
+          </a:p>
+        </p:txBody>
+      </p:sp>
+      <p:sp>
+        <p:nvSpPr>
+          <p:cNvPr id="10" name="Rechteck 9">
+            <a:extLst>
+              <a:ext uri="{FF2B5EF4-FFF2-40B4-BE49-F238E27FC236}">
+                <a16:creationId xmlns:a16="http://schemas.microsoft.com/office/drawing/2014/main" id="{987CEBD8-ADB2-4835-B028-8205F7DCD399}"/>
+              </a:ext>
+            </a:extLst>
+          </p:cNvPr>
+          <p:cNvSpPr/>
+          <p:nvPr/>
+        </p:nvSpPr>
+        <p:spPr>
+          <a:xfrm>
+            <a:off x="2187388" y="4876799"/>
+            <a:ext cx="2520000" cy="283059"/>
+          </a:xfrm>
+          <a:prstGeom prst="rect">
+            <a:avLst/>
+          </a:prstGeom>
+          <a:solidFill>
+            <a:schemeClr val="bg1">
+              <a:lumMod val="85000"/>
+            </a:schemeClr>
+          </a:solidFill>
+          <a:ln>
+            <a:noFill/>
+          </a:ln>
+        </p:spPr>
+        <p:style>
+          <a:lnRef idx="2">
+            <a:schemeClr val="accent1">
+              <a:shade val="50000"/>
+            </a:schemeClr>
+          </a:lnRef>
+          <a:fillRef idx="1">
+            <a:schemeClr val="accent1"/>
+          </a:fillRef>
+          <a:effectRef idx="0">
+            <a:schemeClr val="accent1"/>
+          </a:effectRef>
+          <a:fontRef idx="minor">
+            <a:schemeClr val="lt1"/>
+          </a:fontRef>
+        </p:style>
+        <p:txBody>
+          <a:bodyPr rtlCol="0" anchor="ctr"/>
+          <a:lstStyle/>
+          <a:p>
+            <a:pPr algn="ctr"/>
+            <a:endParaRPr lang="en-US"/>
+          </a:p>
+        </p:txBody>
+      </p:sp>
+      <p:sp>
+        <p:nvSpPr>
+          <p:cNvPr id="8" name="Rechteck 7">
+            <a:extLst>
+              <a:ext uri="{FF2B5EF4-FFF2-40B4-BE49-F238E27FC236}">
+                <a16:creationId xmlns:a16="http://schemas.microsoft.com/office/drawing/2014/main" id="{EC134705-91A6-4AAD-8703-7169EC599A64}"/>
+              </a:ext>
+            </a:extLst>
+          </p:cNvPr>
+          <p:cNvSpPr/>
+          <p:nvPr/>
+        </p:nvSpPr>
+        <p:spPr>
+          <a:xfrm>
+            <a:off x="2187389" y="4872412"/>
+            <a:ext cx="2520000" cy="283060"/>
+          </a:xfrm>
+          <a:prstGeom prst="rect">
+            <a:avLst/>
+          </a:prstGeom>
+          <a:noFill/>
+          <a:ln>
+            <a:noFill/>
+          </a:ln>
+        </p:spPr>
+        <p:style>
+          <a:lnRef idx="2">
+            <a:schemeClr val="accent1">
+              <a:shade val="50000"/>
+            </a:schemeClr>
+          </a:lnRef>
+          <a:fillRef idx="1">
+            <a:schemeClr val="accent1"/>
+          </a:fillRef>
+          <a:effectRef idx="0">
+            <a:schemeClr val="accent1"/>
+          </a:effectRef>
+          <a:fontRef idx="minor">
+            <a:schemeClr val="lt1"/>
+          </a:fontRef>
+        </p:style>
+        <p:txBody>
+          <a:bodyPr rtlCol="0" anchor="ctr"/>
+          <a:lstStyle/>
+          <a:p>
+            <a:r>
+              <a:rPr lang="de-DE" sz="1000" b="1" dirty="0">
+                <a:solidFill>
+                  <a:sysClr val="windowText" lastClr="000000"/>
+                </a:solidFill>
+                <a:latin typeface="Arial Black" panose="020B0A04020102020204" pitchFamily="34" charset="0"/>
+                <a:ea typeface="Cambria" panose="02040503050406030204" pitchFamily="18" charset="0"/>
+                <a:cs typeface="Arial" panose="020B0604020202020204" pitchFamily="34" charset="0"/>
+              </a:rPr>
+              <a:t>Lukas Röseler</a:t>
+            </a:r>
+          </a:p>
+        </p:txBody>
+      </p:sp>
+      <p:pic>
+        <p:nvPicPr>
+          <p:cNvPr id="12" name="Grafik 11">
+            <a:extLst>
+              <a:ext uri="{FF2B5EF4-FFF2-40B4-BE49-F238E27FC236}">
+                <a16:creationId xmlns:a16="http://schemas.microsoft.com/office/drawing/2014/main" id="{DD42208D-81E3-4142-95A8-9A1A35059B33}"/>
+              </a:ext>
+            </a:extLst>
+          </p:cNvPr>
+          <p:cNvPicPr>
+            <a:picLocks noChangeAspect="1"/>
+          </p:cNvPicPr>
+          <p:nvPr/>
+        </p:nvPicPr>
+        <p:blipFill>
+          <a:blip r:embed="rId5"/>
+          <a:stretch>
+            <a:fillRect/>
+          </a:stretch>
+        </p:blipFill>
+        <p:spPr>
+          <a:xfrm>
+            <a:off x="7558712" y="50930"/>
+            <a:ext cx="2530059" cy="3621338"/>
+          </a:xfrm>
+          <a:prstGeom prst="rect">
+            <a:avLst/>
+          </a:prstGeom>
+        </p:spPr>
+      </p:pic>
     </p:spTree>
     <p:extLst>
       <p:ext uri="{BB962C8B-B14F-4D97-AF65-F5344CB8AC3E}">
@@ -6132,10 +11027,244 @@
       </p:grpSpPr>
       <p:sp>
         <p:nvSpPr>
+          <p:cNvPr id="6" name="Rechteck 5">
+            <a:extLst>
+              <a:ext uri="{FF2B5EF4-FFF2-40B4-BE49-F238E27FC236}">
+                <a16:creationId xmlns:a16="http://schemas.microsoft.com/office/drawing/2014/main" id="{A3B52188-7AEE-4418-85DC-0B5004F7F72C}"/>
+              </a:ext>
+            </a:extLst>
+          </p:cNvPr>
+          <p:cNvSpPr/>
+          <p:nvPr/>
+        </p:nvSpPr>
+        <p:spPr>
+          <a:xfrm>
+            <a:off x="4034118" y="0"/>
+            <a:ext cx="8138832" cy="6858000"/>
+          </a:xfrm>
+          <a:prstGeom prst="rect">
+            <a:avLst/>
+          </a:prstGeom>
+          <a:solidFill>
+            <a:schemeClr val="bg1"/>
+          </a:solidFill>
+          <a:ln>
+            <a:solidFill>
+              <a:schemeClr val="tx1"/>
+            </a:solidFill>
+          </a:ln>
+        </p:spPr>
+        <p:style>
+          <a:lnRef idx="2">
+            <a:schemeClr val="accent1">
+              <a:shade val="50000"/>
+            </a:schemeClr>
+          </a:lnRef>
+          <a:fillRef idx="1">
+            <a:schemeClr val="accent1"/>
+          </a:fillRef>
+          <a:effectRef idx="0">
+            <a:schemeClr val="accent1"/>
+          </a:effectRef>
+          <a:fontRef idx="minor">
+            <a:schemeClr val="lt1"/>
+          </a:fontRef>
+        </p:style>
+        <p:txBody>
+          <a:bodyPr rtlCol="0" anchor="ctr"/>
+          <a:lstStyle/>
+          <a:p>
+            <a:pPr algn="ctr"/>
+            <a:endParaRPr lang="en-US"/>
+          </a:p>
+        </p:txBody>
+      </p:sp>
+      <p:sp>
+        <p:nvSpPr>
           <p:cNvPr id="2" name="Titel 1">
             <a:extLst>
               <a:ext uri="{FF2B5EF4-FFF2-40B4-BE49-F238E27FC236}">
                 <a16:creationId xmlns:a16="http://schemas.microsoft.com/office/drawing/2014/main" id="{6BD20F09-EC58-4BC6-B74B-BAFB627C029E}"/>
+              </a:ext>
+            </a:extLst>
+          </p:cNvPr>
+          <p:cNvSpPr>
+            <a:spLocks noGrp="1"/>
+          </p:cNvSpPr>
+          <p:nvPr>
+            <p:ph type="title"/>
+          </p:nvPr>
+        </p:nvSpPr>
+        <p:spPr>
+          <a:xfrm>
+            <a:off x="0" y="0"/>
+            <a:ext cx="3325906" cy="1325563"/>
+          </a:xfrm>
+        </p:spPr>
+        <p:txBody>
+          <a:bodyPr/>
+          <a:lstStyle/>
+          <a:p>
+            <a:r>
+              <a:rPr lang="en-US" dirty="0" err="1"/>
+              <a:t>Facetten</a:t>
+            </a:r>
+            <a:r>
+              <a:rPr lang="en-US" dirty="0"/>
+              <a:t> von Open Science</a:t>
+            </a:r>
+          </a:p>
+        </p:txBody>
+      </p:sp>
+      <p:graphicFrame>
+        <p:nvGraphicFramePr>
+          <p:cNvPr id="4" name="Inhaltsplatzhalter 3">
+            <a:extLst>
+              <a:ext uri="{FF2B5EF4-FFF2-40B4-BE49-F238E27FC236}">
+                <a16:creationId xmlns:a16="http://schemas.microsoft.com/office/drawing/2014/main" id="{0107110A-70F3-4444-A575-15306BD2EBF8}"/>
+              </a:ext>
+            </a:extLst>
+          </p:cNvPr>
+          <p:cNvGraphicFramePr>
+            <a:graphicFrameLocks noGrp="1"/>
+          </p:cNvGraphicFramePr>
+          <p:nvPr>
+            <p:ph idx="1"/>
+            <p:extLst>
+              <p:ext uri="{D42A27DB-BD31-4B8C-83A1-F6EECF244321}">
+                <p14:modId xmlns:p14="http://schemas.microsoft.com/office/powerpoint/2010/main" val="1298761511"/>
+              </p:ext>
+            </p:extLst>
+          </p:nvPr>
+        </p:nvGraphicFramePr>
+        <p:xfrm>
+          <a:off x="4113679" y="-1"/>
+          <a:ext cx="7827309" cy="6857999"/>
+        </p:xfrm>
+        <a:graphic>
+          <a:graphicData uri="http://schemas.openxmlformats.org/drawingml/2006/diagram">
+            <dgm:relIds xmlns:dgm="http://schemas.openxmlformats.org/drawingml/2006/diagram" xmlns:r="http://schemas.openxmlformats.org/officeDocument/2006/relationships" r:dm="rId2" r:lo="rId3" r:qs="rId4" r:cs="rId5"/>
+          </a:graphicData>
+        </a:graphic>
+      </p:graphicFrame>
+      <p:pic>
+        <p:nvPicPr>
+          <p:cNvPr id="8" name="Grafik 7">
+            <a:extLst>
+              <a:ext uri="{FF2B5EF4-FFF2-40B4-BE49-F238E27FC236}">
+                <a16:creationId xmlns:a16="http://schemas.microsoft.com/office/drawing/2014/main" id="{1C5A9692-E0B7-4695-8943-1E3D7189AA78}"/>
+              </a:ext>
+            </a:extLst>
+          </p:cNvPr>
+          <p:cNvPicPr>
+            <a:picLocks noChangeAspect="1"/>
+          </p:cNvPicPr>
+          <p:nvPr/>
+        </p:nvPicPr>
+        <p:blipFill>
+          <a:blip r:embed="rId7"/>
+          <a:stretch>
+            <a:fillRect/>
+          </a:stretch>
+        </p:blipFill>
+        <p:spPr>
+          <a:xfrm>
+            <a:off x="2028056" y="0"/>
+            <a:ext cx="8135888" cy="6858000"/>
+          </a:xfrm>
+          <a:prstGeom prst="rect">
+            <a:avLst/>
+          </a:prstGeom>
+        </p:spPr>
+      </p:pic>
+    </p:spTree>
+    <p:extLst>
+      <p:ext uri="{BB962C8B-B14F-4D97-AF65-F5344CB8AC3E}">
+        <p14:creationId xmlns:p14="http://schemas.microsoft.com/office/powerpoint/2010/main" val="244439739"/>
+      </p:ext>
+    </p:extLst>
+  </p:cSld>
+  <p:clrMapOvr>
+    <a:masterClrMapping/>
+  </p:clrMapOvr>
+</p:sld>
+</file>
+
+<file path=ppt/slides/slide13.xml><?xml version="1.0" encoding="utf-8"?>
+<p:sld xmlns:a="http://schemas.openxmlformats.org/drawingml/2006/main" xmlns:r="http://schemas.openxmlformats.org/officeDocument/2006/relationships" xmlns:p="http://schemas.openxmlformats.org/presentationml/2006/main">
+  <p:cSld>
+    <p:spTree>
+      <p:nvGrpSpPr>
+        <p:cNvPr id="1" name=""/>
+        <p:cNvGrpSpPr/>
+        <p:nvPr/>
+      </p:nvGrpSpPr>
+      <p:grpSpPr>
+        <a:xfrm>
+          <a:off x="0" y="0"/>
+          <a:ext cx="0" cy="0"/>
+          <a:chOff x="0" y="0"/>
+          <a:chExt cx="0" cy="0"/>
+        </a:xfrm>
+      </p:grpSpPr>
+      <p:sp>
+        <p:nvSpPr>
+          <p:cNvPr id="8" name="Rechteck 7">
+            <a:extLst>
+              <a:ext uri="{FF2B5EF4-FFF2-40B4-BE49-F238E27FC236}">
+                <a16:creationId xmlns:a16="http://schemas.microsoft.com/office/drawing/2014/main" id="{60C3AA35-A4AA-4B6C-8E89-E4A8F02D8A26}"/>
+              </a:ext>
+            </a:extLst>
+          </p:cNvPr>
+          <p:cNvSpPr/>
+          <p:nvPr/>
+        </p:nvSpPr>
+        <p:spPr>
+          <a:xfrm>
+            <a:off x="1954306" y="3630706"/>
+            <a:ext cx="8534400" cy="788890"/>
+          </a:xfrm>
+          <a:prstGeom prst="rect">
+            <a:avLst/>
+          </a:prstGeom>
+          <a:solidFill>
+            <a:schemeClr val="bg1"/>
+          </a:solidFill>
+          <a:ln>
+            <a:noFill/>
+          </a:ln>
+        </p:spPr>
+        <p:style>
+          <a:lnRef idx="2">
+            <a:schemeClr val="accent1">
+              <a:shade val="50000"/>
+            </a:schemeClr>
+          </a:lnRef>
+          <a:fillRef idx="1">
+            <a:schemeClr val="accent1"/>
+          </a:fillRef>
+          <a:effectRef idx="0">
+            <a:schemeClr val="accent1"/>
+          </a:effectRef>
+          <a:fontRef idx="minor">
+            <a:schemeClr val="lt1"/>
+          </a:fontRef>
+        </p:style>
+        <p:txBody>
+          <a:bodyPr rtlCol="0" anchor="ctr"/>
+          <a:lstStyle/>
+          <a:p>
+            <a:pPr algn="ctr"/>
+            <a:endParaRPr lang="en-US"/>
+          </a:p>
+        </p:txBody>
+      </p:sp>
+      <p:sp>
+        <p:nvSpPr>
+          <p:cNvPr id="2" name="Titel 1">
+            <a:extLst>
+              <a:ext uri="{FF2B5EF4-FFF2-40B4-BE49-F238E27FC236}">
+                <a16:creationId xmlns:a16="http://schemas.microsoft.com/office/drawing/2014/main" id="{3FF6328A-5A28-4D2E-985A-F74D2AF4CD53}"/>
               </a:ext>
             </a:extLst>
           </p:cNvPr>
@@ -6152,51 +11281,354 @@
           <a:lstStyle/>
           <a:p>
             <a:r>
+              <a:rPr lang="en-US" dirty="0"/>
+              <a:t>Spektrum der </a:t>
+            </a:r>
+            <a:r>
               <a:rPr lang="en-US" dirty="0" err="1"/>
-              <a:t>Facetten</a:t>
-            </a:r>
-            <a:r>
-              <a:rPr lang="en-US" dirty="0"/>
-              <a:t> von Open Science</a:t>
+              <a:t>Reaktionen</a:t>
+            </a:r>
+            <a:endParaRPr lang="en-US" dirty="0"/>
+          </a:p>
+        </p:txBody>
+      </p:sp>
+      <p:pic>
+        <p:nvPicPr>
+          <p:cNvPr id="4" name="Grafik 3">
+            <a:extLst>
+              <a:ext uri="{FF2B5EF4-FFF2-40B4-BE49-F238E27FC236}">
+                <a16:creationId xmlns:a16="http://schemas.microsoft.com/office/drawing/2014/main" id="{B7E7BAE0-4337-4AB8-A198-58396D2680FB}"/>
+              </a:ext>
+            </a:extLst>
+          </p:cNvPr>
+          <p:cNvPicPr>
+            <a:picLocks noChangeAspect="1"/>
+          </p:cNvPicPr>
+          <p:nvPr/>
+        </p:nvPicPr>
+        <p:blipFill>
+          <a:blip r:embed="rId2"/>
+          <a:stretch>
+            <a:fillRect/>
+          </a:stretch>
+        </p:blipFill>
+        <p:spPr>
+          <a:xfrm>
+            <a:off x="1953936" y="3642505"/>
+            <a:ext cx="8535140" cy="774259"/>
+          </a:xfrm>
+          <a:prstGeom prst="rect">
+            <a:avLst/>
+          </a:prstGeom>
+        </p:spPr>
+      </p:pic>
+      <p:cxnSp>
+        <p:nvCxnSpPr>
+          <p:cNvPr id="5" name="Gerade Verbindung mit Pfeil 4">
+            <a:extLst>
+              <a:ext uri="{FF2B5EF4-FFF2-40B4-BE49-F238E27FC236}">
+                <a16:creationId xmlns:a16="http://schemas.microsoft.com/office/drawing/2014/main" id="{3822B3CA-BC9A-42D9-89F0-706FD706400E}"/>
+              </a:ext>
+            </a:extLst>
+          </p:cNvPr>
+          <p:cNvCxnSpPr>
+            <a:cxnSpLocks/>
+          </p:cNvCxnSpPr>
+          <p:nvPr/>
+        </p:nvCxnSpPr>
+        <p:spPr>
+          <a:xfrm>
+            <a:off x="3182472" y="5811631"/>
+            <a:ext cx="4984377" cy="0"/>
+          </a:xfrm>
+          <a:prstGeom prst="straightConnector1">
+            <a:avLst/>
+          </a:prstGeom>
+          <a:ln w="76200">
+            <a:solidFill>
+              <a:srgbClr val="C00000"/>
+            </a:solidFill>
+            <a:headEnd type="oval" w="med" len="med"/>
+            <a:tailEnd type="oval" w="med" len="med"/>
+          </a:ln>
+        </p:spPr>
+        <p:style>
+          <a:lnRef idx="1">
+            <a:schemeClr val="accent1"/>
+          </a:lnRef>
+          <a:fillRef idx="0">
+            <a:schemeClr val="accent1"/>
+          </a:fillRef>
+          <a:effectRef idx="0">
+            <a:schemeClr val="accent1"/>
+          </a:effectRef>
+          <a:fontRef idx="minor">
+            <a:schemeClr val="tx1"/>
+          </a:fontRef>
+        </p:style>
+      </p:cxnSp>
+      <p:sp>
+        <p:nvSpPr>
+          <p:cNvPr id="6" name="Textfeld 5">
+            <a:extLst>
+              <a:ext uri="{FF2B5EF4-FFF2-40B4-BE49-F238E27FC236}">
+                <a16:creationId xmlns:a16="http://schemas.microsoft.com/office/drawing/2014/main" id="{8D723695-25BF-4149-B92A-7A82568CAA00}"/>
+              </a:ext>
+            </a:extLst>
+          </p:cNvPr>
+          <p:cNvSpPr txBox="1"/>
+          <p:nvPr/>
+        </p:nvSpPr>
+        <p:spPr>
+          <a:xfrm>
+            <a:off x="1479177" y="5488465"/>
+            <a:ext cx="1571520" cy="646331"/>
+          </a:xfrm>
+          <a:prstGeom prst="rect">
+            <a:avLst/>
+          </a:prstGeom>
+          <a:noFill/>
+        </p:spPr>
+        <p:txBody>
+          <a:bodyPr wrap="none" rtlCol="0">
+            <a:spAutoFit/>
+          </a:bodyPr>
+          <a:lstStyle/>
+          <a:p>
+            <a:pPr algn="ctr"/>
+            <a:r>
+              <a:rPr lang="de-DE" dirty="0"/>
+              <a:t>Weitermachen</a:t>
+            </a:r>
+            <a:br>
+              <a:rPr lang="de-DE" dirty="0"/>
+            </a:br>
+            <a:r>
+              <a:rPr lang="de-DE" dirty="0"/>
+              <a:t>wie immer</a:t>
             </a:r>
           </a:p>
         </p:txBody>
       </p:sp>
       <p:sp>
         <p:nvSpPr>
-          <p:cNvPr id="3" name="Inhaltsplatzhalter 2">
-            <a:extLst>
-              <a:ext uri="{FF2B5EF4-FFF2-40B4-BE49-F238E27FC236}">
-                <a16:creationId xmlns:a16="http://schemas.microsoft.com/office/drawing/2014/main" id="{F235D752-B15C-4C1C-8B27-89D01D1C2F77}"/>
-              </a:ext>
-            </a:extLst>
-          </p:cNvPr>
-          <p:cNvSpPr>
-            <a:spLocks noGrp="1"/>
-          </p:cNvSpPr>
-          <p:nvPr>
-            <p:ph idx="1"/>
-          </p:nvPr>
+          <p:cNvPr id="7" name="Textfeld 6">
+            <a:extLst>
+              <a:ext uri="{FF2B5EF4-FFF2-40B4-BE49-F238E27FC236}">
+                <a16:creationId xmlns:a16="http://schemas.microsoft.com/office/drawing/2014/main" id="{D7C8C4DC-77A7-4413-88A6-72ED7ECB42AA}"/>
+              </a:ext>
+            </a:extLst>
+          </p:cNvPr>
+          <p:cNvSpPr txBox="1"/>
+          <p:nvPr/>
         </p:nvSpPr>
-        <p:spPr/>
+        <p:spPr>
+          <a:xfrm>
+            <a:off x="8258006" y="5488465"/>
+            <a:ext cx="1652761" cy="646331"/>
+          </a:xfrm>
+          <a:prstGeom prst="rect">
+            <a:avLst/>
+          </a:prstGeom>
+          <a:noFill/>
+        </p:spPr>
         <p:txBody>
-          <a:bodyPr/>
+          <a:bodyPr wrap="none" rtlCol="0">
+            <a:spAutoFit/>
+          </a:bodyPr>
           <a:lstStyle/>
           <a:p>
-            <a:endParaRPr lang="en-US"/>
+            <a:pPr algn="ctr"/>
+            <a:r>
+              <a:rPr lang="de-DE" dirty="0"/>
+              <a:t>Nochmal von</a:t>
+            </a:r>
+            <a:br>
+              <a:rPr lang="de-DE" dirty="0"/>
+            </a:br>
+            <a:r>
+              <a:rPr lang="de-DE" dirty="0"/>
+              <a:t>vorne anfangen</a:t>
+            </a:r>
           </a:p>
         </p:txBody>
       </p:sp>
+      <p:pic>
+        <p:nvPicPr>
+          <p:cNvPr id="9" name="Grafik 8">
+            <a:extLst>
+              <a:ext uri="{FF2B5EF4-FFF2-40B4-BE49-F238E27FC236}">
+                <a16:creationId xmlns:a16="http://schemas.microsoft.com/office/drawing/2014/main" id="{17E532DD-8B1A-4DBA-8874-65CE0343AA62}"/>
+              </a:ext>
+            </a:extLst>
+          </p:cNvPr>
+          <p:cNvPicPr>
+            <a:picLocks noChangeAspect="1"/>
+          </p:cNvPicPr>
+          <p:nvPr/>
+        </p:nvPicPr>
+        <p:blipFill>
+          <a:blip r:embed="rId3"/>
+          <a:stretch>
+            <a:fillRect/>
+          </a:stretch>
+        </p:blipFill>
+        <p:spPr>
+          <a:xfrm>
+            <a:off x="1828430" y="3035774"/>
+            <a:ext cx="8535140" cy="786452"/>
+          </a:xfrm>
+          <a:prstGeom prst="rect">
+            <a:avLst/>
+          </a:prstGeom>
+        </p:spPr>
+      </p:pic>
     </p:spTree>
     <p:extLst>
       <p:ext uri="{BB962C8B-B14F-4D97-AF65-F5344CB8AC3E}">
-        <p14:creationId xmlns:p14="http://schemas.microsoft.com/office/powerpoint/2010/main" val="244439739"/>
+        <p14:creationId xmlns:p14="http://schemas.microsoft.com/office/powerpoint/2010/main" val="2411959575"/>
       </p:ext>
     </p:extLst>
   </p:cSld>
   <p:clrMapOvr>
     <a:masterClrMapping/>
   </p:clrMapOvr>
+  <p:timing>
+    <p:tnLst>
+      <p:par>
+        <p:cTn id="1" dur="indefinite" restart="never" nodeType="tmRoot">
+          <p:childTnLst>
+            <p:seq concurrent="1" nextAc="seek">
+              <p:cTn id="2" dur="indefinite" nodeType="mainSeq">
+                <p:childTnLst>
+                  <p:par>
+                    <p:cTn id="3" fill="hold">
+                      <p:stCondLst>
+                        <p:cond delay="indefinite"/>
+                        <p:cond evt="onBegin" delay="0">
+                          <p:tn val="2"/>
+                        </p:cond>
+                      </p:stCondLst>
+                      <p:childTnLst>
+                        <p:par>
+                          <p:cTn id="4" fill="hold">
+                            <p:stCondLst>
+                              <p:cond delay="0"/>
+                            </p:stCondLst>
+                            <p:childTnLst>
+                              <p:par>
+                                <p:cTn id="5" presetID="1" presetClass="entr" presetSubtype="0" fill="hold" nodeType="withEffect">
+                                  <p:stCondLst>
+                                    <p:cond delay="0"/>
+                                  </p:stCondLst>
+                                  <p:childTnLst>
+                                    <p:set>
+                                      <p:cBhvr>
+                                        <p:cTn id="6" dur="1" fill="hold">
+                                          <p:stCondLst>
+                                            <p:cond delay="0"/>
+                                          </p:stCondLst>
+                                        </p:cTn>
+                                        <p:tgtEl>
+                                          <p:spTgt spid="5"/>
+                                        </p:tgtEl>
+                                        <p:attrNameLst>
+                                          <p:attrName>style.visibility</p:attrName>
+                                        </p:attrNameLst>
+                                      </p:cBhvr>
+                                      <p:to>
+                                        <p:strVal val="visible"/>
+                                      </p:to>
+                                    </p:set>
+                                  </p:childTnLst>
+                                </p:cTn>
+                              </p:par>
+                              <p:par>
+                                <p:cTn id="7" presetID="1" presetClass="entr" presetSubtype="0" fill="hold" grpId="0" nodeType="withEffect">
+                                  <p:stCondLst>
+                                    <p:cond delay="0"/>
+                                  </p:stCondLst>
+                                  <p:childTnLst>
+                                    <p:set>
+                                      <p:cBhvr>
+                                        <p:cTn id="8" dur="1" fill="hold">
+                                          <p:stCondLst>
+                                            <p:cond delay="0"/>
+                                          </p:stCondLst>
+                                        </p:cTn>
+                                        <p:tgtEl>
+                                          <p:spTgt spid="6"/>
+                                        </p:tgtEl>
+                                        <p:attrNameLst>
+                                          <p:attrName>style.visibility</p:attrName>
+                                        </p:attrNameLst>
+                                      </p:cBhvr>
+                                      <p:to>
+                                        <p:strVal val="visible"/>
+                                      </p:to>
+                                    </p:set>
+                                  </p:childTnLst>
+                                </p:cTn>
+                              </p:par>
+                              <p:par>
+                                <p:cTn id="9" presetID="1" presetClass="entr" presetSubtype="0" fill="hold" grpId="0" nodeType="withEffect">
+                                  <p:stCondLst>
+                                    <p:cond delay="0"/>
+                                  </p:stCondLst>
+                                  <p:childTnLst>
+                                    <p:set>
+                                      <p:cBhvr>
+                                        <p:cTn id="10" dur="1" fill="hold">
+                                          <p:stCondLst>
+                                            <p:cond delay="0"/>
+                                          </p:stCondLst>
+                                        </p:cTn>
+                                        <p:tgtEl>
+                                          <p:spTgt spid="7"/>
+                                        </p:tgtEl>
+                                        <p:attrNameLst>
+                                          <p:attrName>style.visibility</p:attrName>
+                                        </p:attrNameLst>
+                                      </p:cBhvr>
+                                      <p:to>
+                                        <p:strVal val="visible"/>
+                                      </p:to>
+                                    </p:set>
+                                  </p:childTnLst>
+                                </p:cTn>
+                              </p:par>
+                            </p:childTnLst>
+                          </p:cTn>
+                        </p:par>
+                      </p:childTnLst>
+                    </p:cTn>
+                  </p:par>
+                </p:childTnLst>
+              </p:cTn>
+              <p:prevCondLst>
+                <p:cond evt="onPrev" delay="0">
+                  <p:tgtEl>
+                    <p:sldTgt/>
+                  </p:tgtEl>
+                </p:cond>
+              </p:prevCondLst>
+              <p:nextCondLst>
+                <p:cond evt="onNext" delay="0">
+                  <p:tgtEl>
+                    <p:sldTgt/>
+                  </p:tgtEl>
+                </p:cond>
+              </p:nextCondLst>
+            </p:seq>
+          </p:childTnLst>
+        </p:cTn>
+      </p:par>
+    </p:tnLst>
+    <p:bldLst>
+      <p:bldP spid="6" grpId="0"/>
+      <p:bldP spid="7" grpId="0"/>
+    </p:bldLst>
+  </p:timing>
 </p:sld>
 </file>
 

--- a/images/Abbildungen-01.pptx
+++ b/images/Abbildungen-01.pptx
@@ -5,7 +5,7 @@
     <p:sldMasterId id="2147483648" r:id="rId1"/>
   </p:sldMasterIdLst>
   <p:notesMasterIdLst>
-    <p:notesMasterId r:id="rId15"/>
+    <p:notesMasterId r:id="rId16"/>
   </p:notesMasterIdLst>
   <p:sldIdLst>
     <p:sldId id="575" r:id="rId2"/>
@@ -19,8 +19,9 @@
     <p:sldId id="593" r:id="rId10"/>
     <p:sldId id="594" r:id="rId11"/>
     <p:sldId id="596" r:id="rId12"/>
-    <p:sldId id="597" r:id="rId13"/>
-    <p:sldId id="598" r:id="rId14"/>
+    <p:sldId id="599" r:id="rId13"/>
+    <p:sldId id="597" r:id="rId14"/>
+    <p:sldId id="598" r:id="rId15"/>
   </p:sldIdLst>
   <p:sldSz cx="12192000" cy="6858000"/>
   <p:notesSz cx="6858000" cy="9144000"/>
@@ -4787,7 +4788,7 @@
           <a:p>
             <a:fld id="{6C221AE3-2EA3-414F-B0D4-EF9EF6F6D40F}" type="datetimeFigureOut">
               <a:rPr lang="en-US" smtClean="0"/>
-              <a:t>7/8/2024</a:t>
+              <a:t>7/9/2024</a:t>
             </a:fld>
             <a:endParaRPr lang="en-US"/>
           </a:p>
@@ -5288,7 +5289,7 @@
           <a:p>
             <a:fld id="{54B74EF1-788F-47AB-9414-B0E30AA5E1A3}" type="datetimeFigureOut">
               <a:rPr lang="en-US" smtClean="0"/>
-              <a:t>7/8/2024</a:t>
+              <a:t>7/9/2024</a:t>
             </a:fld>
             <a:endParaRPr lang="en-US"/>
           </a:p>
@@ -5488,7 +5489,7 @@
           <a:p>
             <a:fld id="{54B74EF1-788F-47AB-9414-B0E30AA5E1A3}" type="datetimeFigureOut">
               <a:rPr lang="en-US" smtClean="0"/>
-              <a:t>7/8/2024</a:t>
+              <a:t>7/9/2024</a:t>
             </a:fld>
             <a:endParaRPr lang="en-US"/>
           </a:p>
@@ -5698,7 +5699,7 @@
           <a:p>
             <a:fld id="{54B74EF1-788F-47AB-9414-B0E30AA5E1A3}" type="datetimeFigureOut">
               <a:rPr lang="en-US" smtClean="0"/>
-              <a:t>7/8/2024</a:t>
+              <a:t>7/9/2024</a:t>
             </a:fld>
             <a:endParaRPr lang="en-US"/>
           </a:p>
@@ -5898,7 +5899,7 @@
           <a:p>
             <a:fld id="{54B74EF1-788F-47AB-9414-B0E30AA5E1A3}" type="datetimeFigureOut">
               <a:rPr lang="en-US" smtClean="0"/>
-              <a:t>7/8/2024</a:t>
+              <a:t>7/9/2024</a:t>
             </a:fld>
             <a:endParaRPr lang="en-US"/>
           </a:p>
@@ -6174,7 +6175,7 @@
           <a:p>
             <a:fld id="{54B74EF1-788F-47AB-9414-B0E30AA5E1A3}" type="datetimeFigureOut">
               <a:rPr lang="en-US" smtClean="0"/>
-              <a:t>7/8/2024</a:t>
+              <a:t>7/9/2024</a:t>
             </a:fld>
             <a:endParaRPr lang="en-US"/>
           </a:p>
@@ -6442,7 +6443,7 @@
           <a:p>
             <a:fld id="{54B74EF1-788F-47AB-9414-B0E30AA5E1A3}" type="datetimeFigureOut">
               <a:rPr lang="en-US" smtClean="0"/>
-              <a:t>7/8/2024</a:t>
+              <a:t>7/9/2024</a:t>
             </a:fld>
             <a:endParaRPr lang="en-US"/>
           </a:p>
@@ -6857,7 +6858,7 @@
           <a:p>
             <a:fld id="{54B74EF1-788F-47AB-9414-B0E30AA5E1A3}" type="datetimeFigureOut">
               <a:rPr lang="en-US" smtClean="0"/>
-              <a:t>7/8/2024</a:t>
+              <a:t>7/9/2024</a:t>
             </a:fld>
             <a:endParaRPr lang="en-US"/>
           </a:p>
@@ -6999,7 +7000,7 @@
           <a:p>
             <a:fld id="{54B74EF1-788F-47AB-9414-B0E30AA5E1A3}" type="datetimeFigureOut">
               <a:rPr lang="en-US" smtClean="0"/>
-              <a:t>7/8/2024</a:t>
+              <a:t>7/9/2024</a:t>
             </a:fld>
             <a:endParaRPr lang="en-US"/>
           </a:p>
@@ -7112,7 +7113,7 @@
           <a:p>
             <a:fld id="{54B74EF1-788F-47AB-9414-B0E30AA5E1A3}" type="datetimeFigureOut">
               <a:rPr lang="en-US" smtClean="0"/>
-              <a:t>7/8/2024</a:t>
+              <a:t>7/9/2024</a:t>
             </a:fld>
             <a:endParaRPr lang="en-US"/>
           </a:p>
@@ -7425,7 +7426,7 @@
           <a:p>
             <a:fld id="{54B74EF1-788F-47AB-9414-B0E30AA5E1A3}" type="datetimeFigureOut">
               <a:rPr lang="en-US" smtClean="0"/>
-              <a:t>7/8/2024</a:t>
+              <a:t>7/9/2024</a:t>
             </a:fld>
             <a:endParaRPr lang="en-US"/>
           </a:p>
@@ -7714,7 +7715,7 @@
           <a:p>
             <a:fld id="{54B74EF1-788F-47AB-9414-B0E30AA5E1A3}" type="datetimeFigureOut">
               <a:rPr lang="en-US" smtClean="0"/>
-              <a:t>7/8/2024</a:t>
+              <a:t>7/9/2024</a:t>
             </a:fld>
             <a:endParaRPr lang="en-US"/>
           </a:p>
@@ -7957,7 +7958,7 @@
           <a:p>
             <a:fld id="{54B74EF1-788F-47AB-9414-B0E30AA5E1A3}" type="datetimeFigureOut">
               <a:rPr lang="en-US" smtClean="0"/>
-              <a:t>7/8/2024</a:t>
+              <a:t>7/9/2024</a:t>
             </a:fld>
             <a:endParaRPr lang="en-US"/>
           </a:p>
@@ -11027,6 +11028,177 @@
       </p:grpSpPr>
       <p:sp>
         <p:nvSpPr>
+          <p:cNvPr id="5" name="Rechteck 4">
+            <a:extLst>
+              <a:ext uri="{FF2B5EF4-FFF2-40B4-BE49-F238E27FC236}">
+                <a16:creationId xmlns:a16="http://schemas.microsoft.com/office/drawing/2014/main" id="{8D6E1B8F-4EC2-4FC1-A2A6-525A845BA589}"/>
+              </a:ext>
+            </a:extLst>
+          </p:cNvPr>
+          <p:cNvSpPr/>
+          <p:nvPr/>
+        </p:nvSpPr>
+        <p:spPr>
+          <a:xfrm>
+            <a:off x="2573866" y="2789766"/>
+            <a:ext cx="1498600" cy="1498600"/>
+          </a:xfrm>
+          <a:prstGeom prst="rect">
+            <a:avLst/>
+          </a:prstGeom>
+          <a:solidFill>
+            <a:schemeClr val="bg1"/>
+          </a:solidFill>
+          <a:ln>
+            <a:solidFill>
+              <a:schemeClr val="tx1"/>
+            </a:solidFill>
+          </a:ln>
+        </p:spPr>
+        <p:style>
+          <a:lnRef idx="2">
+            <a:schemeClr val="accent1">
+              <a:shade val="50000"/>
+            </a:schemeClr>
+          </a:lnRef>
+          <a:fillRef idx="1">
+            <a:schemeClr val="accent1"/>
+          </a:fillRef>
+          <a:effectRef idx="0">
+            <a:schemeClr val="accent1"/>
+          </a:effectRef>
+          <a:fontRef idx="minor">
+            <a:schemeClr val="lt1"/>
+          </a:fontRef>
+        </p:style>
+        <p:txBody>
+          <a:bodyPr rtlCol="0" anchor="ctr"/>
+          <a:lstStyle/>
+          <a:p>
+            <a:pPr algn="ctr"/>
+            <a:endParaRPr lang="en-US"/>
+          </a:p>
+        </p:txBody>
+      </p:sp>
+      <p:sp>
+        <p:nvSpPr>
+          <p:cNvPr id="2" name="Titel 1">
+            <a:extLst>
+              <a:ext uri="{FF2B5EF4-FFF2-40B4-BE49-F238E27FC236}">
+                <a16:creationId xmlns:a16="http://schemas.microsoft.com/office/drawing/2014/main" id="{F40DAD12-9084-4C0F-A6E3-B25D0CAB9580}"/>
+              </a:ext>
+            </a:extLst>
+          </p:cNvPr>
+          <p:cNvSpPr>
+            <a:spLocks noGrp="1"/>
+          </p:cNvSpPr>
+          <p:nvPr>
+            <p:ph type="title"/>
+          </p:nvPr>
+        </p:nvSpPr>
+        <p:spPr/>
+        <p:txBody>
+          <a:bodyPr/>
+          <a:lstStyle/>
+          <a:p>
+            <a:r>
+              <a:rPr lang="en-US" dirty="0"/>
+              <a:t>Favicon</a:t>
+            </a:r>
+          </a:p>
+        </p:txBody>
+      </p:sp>
+      <p:pic>
+        <p:nvPicPr>
+          <p:cNvPr id="4" name="Grafik 3">
+            <a:extLst>
+              <a:ext uri="{FF2B5EF4-FFF2-40B4-BE49-F238E27FC236}">
+                <a16:creationId xmlns:a16="http://schemas.microsoft.com/office/drawing/2014/main" id="{B989F55E-CD0D-45B7-9634-50D14494AECB}"/>
+              </a:ext>
+            </a:extLst>
+          </p:cNvPr>
+          <p:cNvPicPr>
+            <a:picLocks noChangeAspect="1"/>
+          </p:cNvPicPr>
+          <p:nvPr/>
+        </p:nvPicPr>
+        <p:blipFill rotWithShape="1">
+          <a:blip r:embed="rId2"/>
+          <a:srcRect l="9747" t="1305" r="9747"/>
+          <a:stretch/>
+        </p:blipFill>
+        <p:spPr>
+          <a:xfrm>
+            <a:off x="2573866" y="2789766"/>
+            <a:ext cx="1498600" cy="1498600"/>
+          </a:xfrm>
+          <a:prstGeom prst="rect">
+            <a:avLst/>
+          </a:prstGeom>
+        </p:spPr>
+      </p:pic>
+      <p:pic>
+        <p:nvPicPr>
+          <p:cNvPr id="6" name="Grafik 5">
+            <a:extLst>
+              <a:ext uri="{FF2B5EF4-FFF2-40B4-BE49-F238E27FC236}">
+                <a16:creationId xmlns:a16="http://schemas.microsoft.com/office/drawing/2014/main" id="{4A9E857C-D77A-4CAE-B22E-945649A95B0F}"/>
+              </a:ext>
+            </a:extLst>
+          </p:cNvPr>
+          <p:cNvPicPr>
+            <a:picLocks noChangeAspect="1"/>
+          </p:cNvPicPr>
+          <p:nvPr/>
+        </p:nvPicPr>
+        <p:blipFill>
+          <a:blip r:embed="rId3"/>
+          <a:stretch>
+            <a:fillRect/>
+          </a:stretch>
+        </p:blipFill>
+        <p:spPr>
+          <a:xfrm>
+            <a:off x="5340030" y="2676078"/>
+            <a:ext cx="1511939" cy="1505843"/>
+          </a:xfrm>
+          <a:prstGeom prst="rect">
+            <a:avLst/>
+          </a:prstGeom>
+        </p:spPr>
+      </p:pic>
+    </p:spTree>
+    <p:extLst>
+      <p:ext uri="{BB962C8B-B14F-4D97-AF65-F5344CB8AC3E}">
+        <p14:creationId xmlns:p14="http://schemas.microsoft.com/office/powerpoint/2010/main" val="928821519"/>
+      </p:ext>
+    </p:extLst>
+  </p:cSld>
+  <p:clrMapOvr>
+    <a:masterClrMapping/>
+  </p:clrMapOvr>
+</p:sld>
+</file>
+
+<file path=ppt/slides/slide13.xml><?xml version="1.0" encoding="utf-8"?>
+<p:sld xmlns:a="http://schemas.openxmlformats.org/drawingml/2006/main" xmlns:r="http://schemas.openxmlformats.org/officeDocument/2006/relationships" xmlns:p="http://schemas.openxmlformats.org/presentationml/2006/main">
+  <p:cSld>
+    <p:spTree>
+      <p:nvGrpSpPr>
+        <p:cNvPr id="1" name=""/>
+        <p:cNvGrpSpPr/>
+        <p:nvPr/>
+      </p:nvGrpSpPr>
+      <p:grpSpPr>
+        <a:xfrm>
+          <a:off x="0" y="0"/>
+          <a:ext cx="0" cy="0"/>
+          <a:chOff x="0" y="0"/>
+          <a:chExt cx="0" cy="0"/>
+        </a:xfrm>
+      </p:grpSpPr>
+      <p:sp>
+        <p:nvSpPr>
           <p:cNvPr id="6" name="Rechteck 5">
             <a:extLst>
               <a:ext uri="{FF2B5EF4-FFF2-40B4-BE49-F238E27FC236}">
@@ -11190,7 +11362,7 @@
 </p:sld>
 </file>
 
-<file path=ppt/slides/slide13.xml><?xml version="1.0" encoding="utf-8"?>
+<file path=ppt/slides/slide14.xml><?xml version="1.0" encoding="utf-8"?>
 <p:sld xmlns:a="http://schemas.openxmlformats.org/drawingml/2006/main" xmlns:r="http://schemas.openxmlformats.org/officeDocument/2006/relationships" xmlns:p="http://schemas.openxmlformats.org/presentationml/2006/main">
   <p:cSld>
     <p:spTree>
@@ -11651,6 +11823,60 @@
       </p:grpSpPr>
       <p:sp>
         <p:nvSpPr>
+          <p:cNvPr id="13" name="Rechteck 12">
+            <a:extLst>
+              <a:ext uri="{FF2B5EF4-FFF2-40B4-BE49-F238E27FC236}">
+                <a16:creationId xmlns:a16="http://schemas.microsoft.com/office/drawing/2014/main" id="{C5FB3F87-425F-4FAF-BB40-6A6700136303}"/>
+              </a:ext>
+            </a:extLst>
+          </p:cNvPr>
+          <p:cNvSpPr/>
+          <p:nvPr/>
+        </p:nvSpPr>
+        <p:spPr>
+          <a:xfrm>
+            <a:off x="194733" y="1351621"/>
+            <a:ext cx="11819467" cy="5438646"/>
+          </a:xfrm>
+          <a:prstGeom prst="rect">
+            <a:avLst/>
+          </a:prstGeom>
+          <a:solidFill>
+            <a:schemeClr val="bg1"/>
+          </a:solidFill>
+          <a:ln>
+            <a:solidFill>
+              <a:schemeClr val="bg1"/>
+            </a:solidFill>
+          </a:ln>
+        </p:spPr>
+        <p:style>
+          <a:lnRef idx="2">
+            <a:schemeClr val="accent1">
+              <a:shade val="50000"/>
+            </a:schemeClr>
+          </a:lnRef>
+          <a:fillRef idx="1">
+            <a:schemeClr val="accent1"/>
+          </a:fillRef>
+          <a:effectRef idx="0">
+            <a:schemeClr val="accent1"/>
+          </a:effectRef>
+          <a:fontRef idx="minor">
+            <a:schemeClr val="lt1"/>
+          </a:fontRef>
+        </p:style>
+        <p:txBody>
+          <a:bodyPr rtlCol="0" anchor="ctr"/>
+          <a:lstStyle/>
+          <a:p>
+            <a:pPr algn="ctr"/>
+            <a:endParaRPr lang="en-US"/>
+          </a:p>
+        </p:txBody>
+      </p:sp>
+      <p:sp>
+        <p:nvSpPr>
           <p:cNvPr id="29" name="Rechteck 28">
             <a:extLst>
               <a:ext uri="{FF2B5EF4-FFF2-40B4-BE49-F238E27FC236}">
@@ -11944,9 +12170,16 @@
             <p:ph type="title"/>
           </p:nvPr>
         </p:nvSpPr>
-        <p:spPr/>
+        <p:spPr>
+          <a:xfrm>
+            <a:off x="694854" y="66825"/>
+            <a:ext cx="10515600" cy="480757"/>
+          </a:xfrm>
+        </p:spPr>
         <p:txBody>
-          <a:bodyPr/>
+          <a:bodyPr>
+            <a:normAutofit fontScale="90000"/>
+          </a:bodyPr>
           <a:lstStyle/>
           <a:p>
             <a:r>
@@ -13175,35 +13408,36 @@
           </a:p>
         </p:txBody>
       </p:sp>
-      <p:sp>
-        <p:nvSpPr>
-          <p:cNvPr id="3" name="Foliennummernplatzhalter 2">
-            <a:extLst>
-              <a:ext uri="{FF2B5EF4-FFF2-40B4-BE49-F238E27FC236}">
-                <a16:creationId xmlns:a16="http://schemas.microsoft.com/office/drawing/2014/main" id="{2801ACC9-DDB4-D1EF-27FF-11F3E6B4BA6F}"/>
-              </a:ext>
-            </a:extLst>
-          </p:cNvPr>
-          <p:cNvSpPr>
-            <a:spLocks noGrp="1"/>
-          </p:cNvSpPr>
-          <p:nvPr>
-            <p:ph type="sldNum" sz="quarter" idx="12"/>
-          </p:nvPr>
-        </p:nvSpPr>
-        <p:spPr/>
-        <p:txBody>
-          <a:bodyPr/>
-          <a:lstStyle/>
-          <a:p>
-            <a:fld id="{674BB171-FB21-4E89-A54F-691082BB0684}" type="slidenum">
-              <a:rPr lang="en-US" smtClean="0"/>
-              <a:t>2</a:t>
-            </a:fld>
-            <a:endParaRPr lang="en-US"/>
-          </a:p>
-        </p:txBody>
-      </p:sp>
+      <p:pic>
+        <p:nvPicPr>
+          <p:cNvPr id="27" name="Grafik 26">
+            <a:extLst>
+              <a:ext uri="{FF2B5EF4-FFF2-40B4-BE49-F238E27FC236}">
+                <a16:creationId xmlns:a16="http://schemas.microsoft.com/office/drawing/2014/main" id="{A5DFCBFC-A052-443D-B478-66927A93B51C}"/>
+              </a:ext>
+            </a:extLst>
+          </p:cNvPr>
+          <p:cNvPicPr>
+            <a:picLocks noChangeAspect="1"/>
+          </p:cNvPicPr>
+          <p:nvPr/>
+        </p:nvPicPr>
+        <p:blipFill>
+          <a:blip r:embed="rId2"/>
+          <a:stretch>
+            <a:fillRect/>
+          </a:stretch>
+        </p:blipFill>
+        <p:spPr>
+          <a:xfrm>
+            <a:off x="179319" y="703852"/>
+            <a:ext cx="11833362" cy="5450296"/>
+          </a:xfrm>
+          <a:prstGeom prst="rect">
+            <a:avLst/>
+          </a:prstGeom>
+        </p:spPr>
+      </p:pic>
     </p:spTree>
     <p:extLst>
       <p:ext uri="{BB962C8B-B14F-4D97-AF65-F5344CB8AC3E}">

--- a/images/Abbildungen-01.pptx
+++ b/images/Abbildungen-01.pptx
@@ -5,23 +5,25 @@
     <p:sldMasterId id="2147483648" r:id="rId1"/>
   </p:sldMasterIdLst>
   <p:notesMasterIdLst>
-    <p:notesMasterId r:id="rId16"/>
+    <p:notesMasterId r:id="rId18"/>
   </p:notesMasterIdLst>
   <p:sldIdLst>
     <p:sldId id="575" r:id="rId2"/>
-    <p:sldId id="582" r:id="rId3"/>
-    <p:sldId id="595" r:id="rId4"/>
-    <p:sldId id="590" r:id="rId5"/>
-    <p:sldId id="591" r:id="rId6"/>
-    <p:sldId id="585" r:id="rId7"/>
-    <p:sldId id="589" r:id="rId8"/>
-    <p:sldId id="592" r:id="rId9"/>
-    <p:sldId id="593" r:id="rId10"/>
-    <p:sldId id="594" r:id="rId11"/>
-    <p:sldId id="596" r:id="rId12"/>
-    <p:sldId id="599" r:id="rId13"/>
-    <p:sldId id="597" r:id="rId14"/>
-    <p:sldId id="598" r:id="rId15"/>
+    <p:sldId id="601" r:id="rId3"/>
+    <p:sldId id="582" r:id="rId4"/>
+    <p:sldId id="595" r:id="rId5"/>
+    <p:sldId id="590" r:id="rId6"/>
+    <p:sldId id="591" r:id="rId7"/>
+    <p:sldId id="585" r:id="rId8"/>
+    <p:sldId id="589" r:id="rId9"/>
+    <p:sldId id="592" r:id="rId10"/>
+    <p:sldId id="593" r:id="rId11"/>
+    <p:sldId id="594" r:id="rId12"/>
+    <p:sldId id="596" r:id="rId13"/>
+    <p:sldId id="599" r:id="rId14"/>
+    <p:sldId id="597" r:id="rId15"/>
+    <p:sldId id="598" r:id="rId16"/>
+    <p:sldId id="600" r:id="rId17"/>
   </p:sldIdLst>
   <p:sldSz cx="12192000" cy="6858000"/>
   <p:notesSz cx="6858000" cy="9144000"/>
@@ -129,6 +131,757 @@
 </file>
 
 <file path=ppt/diagrams/colors1.xml><?xml version="1.0" encoding="utf-8"?>
+<dgm:colorsDef xmlns:dgm="http://schemas.openxmlformats.org/drawingml/2006/diagram" xmlns:a="http://schemas.openxmlformats.org/drawingml/2006/main" uniqueId="urn:microsoft.com/office/officeart/2005/8/colors/accent0_3">
+  <dgm:title val=""/>
+  <dgm:desc val=""/>
+  <dgm:catLst>
+    <dgm:cat type="mainScheme" pri="10300"/>
+  </dgm:catLst>
+  <dgm:styleLbl name="node0">
+    <dgm:fillClrLst meth="repeat">
+      <a:schemeClr val="dk2"/>
+    </dgm:fillClrLst>
+    <dgm:linClrLst meth="repeat">
+      <a:schemeClr val="lt2"/>
+    </dgm:linClrLst>
+    <dgm:effectClrLst/>
+    <dgm:txLinClrLst/>
+    <dgm:txFillClrLst/>
+    <dgm:txEffectClrLst/>
+  </dgm:styleLbl>
+  <dgm:styleLbl name="alignNode1">
+    <dgm:fillClrLst meth="repeat">
+      <a:schemeClr val="dk2"/>
+    </dgm:fillClrLst>
+    <dgm:linClrLst meth="repeat">
+      <a:schemeClr val="dk2"/>
+    </dgm:linClrLst>
+    <dgm:effectClrLst/>
+    <dgm:txLinClrLst/>
+    <dgm:txFillClrLst/>
+    <dgm:txEffectClrLst/>
+  </dgm:styleLbl>
+  <dgm:styleLbl name="node1">
+    <dgm:fillClrLst meth="repeat">
+      <a:schemeClr val="dk2"/>
+    </dgm:fillClrLst>
+    <dgm:linClrLst meth="repeat">
+      <a:schemeClr val="lt2"/>
+    </dgm:linClrLst>
+    <dgm:effectClrLst/>
+    <dgm:txLinClrLst/>
+    <dgm:txFillClrLst/>
+    <dgm:txEffectClrLst/>
+  </dgm:styleLbl>
+  <dgm:styleLbl name="lnNode1">
+    <dgm:fillClrLst meth="repeat">
+      <a:schemeClr val="dk2"/>
+    </dgm:fillClrLst>
+    <dgm:linClrLst meth="repeat">
+      <a:schemeClr val="lt2"/>
+    </dgm:linClrLst>
+    <dgm:effectClrLst/>
+    <dgm:txLinClrLst/>
+    <dgm:txFillClrLst/>
+    <dgm:txEffectClrLst/>
+  </dgm:styleLbl>
+  <dgm:styleLbl name="vennNode1">
+    <dgm:fillClrLst meth="repeat">
+      <a:schemeClr val="dk2">
+        <a:alpha val="50000"/>
+      </a:schemeClr>
+    </dgm:fillClrLst>
+    <dgm:linClrLst meth="repeat">
+      <a:schemeClr val="lt2"/>
+    </dgm:linClrLst>
+    <dgm:effectClrLst/>
+    <dgm:txLinClrLst/>
+    <dgm:txFillClrLst/>
+    <dgm:txEffectClrLst/>
+  </dgm:styleLbl>
+  <dgm:styleLbl name="node2">
+    <dgm:fillClrLst meth="repeat">
+      <a:schemeClr val="dk2"/>
+    </dgm:fillClrLst>
+    <dgm:linClrLst meth="repeat">
+      <a:schemeClr val="lt2"/>
+    </dgm:linClrLst>
+    <dgm:effectClrLst/>
+    <dgm:txLinClrLst/>
+    <dgm:txFillClrLst/>
+    <dgm:txEffectClrLst/>
+  </dgm:styleLbl>
+  <dgm:styleLbl name="node3">
+    <dgm:fillClrLst meth="repeat">
+      <a:schemeClr val="dk2"/>
+    </dgm:fillClrLst>
+    <dgm:linClrLst meth="repeat">
+      <a:schemeClr val="lt2"/>
+    </dgm:linClrLst>
+    <dgm:effectClrLst/>
+    <dgm:txLinClrLst/>
+    <dgm:txFillClrLst/>
+    <dgm:txEffectClrLst/>
+  </dgm:styleLbl>
+  <dgm:styleLbl name="node4">
+    <dgm:fillClrLst meth="repeat">
+      <a:schemeClr val="dk2"/>
+    </dgm:fillClrLst>
+    <dgm:linClrLst meth="repeat">
+      <a:schemeClr val="lt2"/>
+    </dgm:linClrLst>
+    <dgm:effectClrLst/>
+    <dgm:txLinClrLst/>
+    <dgm:txFillClrLst/>
+    <dgm:txEffectClrLst/>
+  </dgm:styleLbl>
+  <dgm:styleLbl name="fgImgPlace1">
+    <dgm:fillClrLst meth="repeat">
+      <a:schemeClr val="dk2">
+        <a:tint val="50000"/>
+      </a:schemeClr>
+    </dgm:fillClrLst>
+    <dgm:linClrLst meth="repeat">
+      <a:schemeClr val="lt2"/>
+    </dgm:linClrLst>
+    <dgm:effectClrLst/>
+    <dgm:txLinClrLst/>
+    <dgm:txFillClrLst meth="repeat">
+      <a:schemeClr val="lt2"/>
+    </dgm:txFillClrLst>
+    <dgm:txEffectClrLst/>
+  </dgm:styleLbl>
+  <dgm:styleLbl name="alignImgPlace1">
+    <dgm:fillClrLst meth="repeat">
+      <a:schemeClr val="dk2">
+        <a:tint val="50000"/>
+      </a:schemeClr>
+    </dgm:fillClrLst>
+    <dgm:linClrLst meth="repeat">
+      <a:schemeClr val="dk2">
+        <a:shade val="80000"/>
+      </a:schemeClr>
+    </dgm:linClrLst>
+    <dgm:effectClrLst/>
+    <dgm:txLinClrLst/>
+    <dgm:txFillClrLst meth="repeat">
+      <a:schemeClr val="lt2"/>
+    </dgm:txFillClrLst>
+    <dgm:txEffectClrLst/>
+  </dgm:styleLbl>
+  <dgm:styleLbl name="bgImgPlace1">
+    <dgm:fillClrLst meth="repeat">
+      <a:schemeClr val="dk2">
+        <a:tint val="50000"/>
+      </a:schemeClr>
+    </dgm:fillClrLst>
+    <dgm:linClrLst meth="repeat">
+      <a:schemeClr val="dk2">
+        <a:shade val="80000"/>
+      </a:schemeClr>
+    </dgm:linClrLst>
+    <dgm:effectClrLst/>
+    <dgm:txLinClrLst/>
+    <dgm:txFillClrLst meth="repeat">
+      <a:schemeClr val="lt2"/>
+    </dgm:txFillClrLst>
+    <dgm:txEffectClrLst/>
+  </dgm:styleLbl>
+  <dgm:styleLbl name="sibTrans2D1">
+    <dgm:fillClrLst meth="repeat">
+      <a:schemeClr val="dk2">
+        <a:tint val="60000"/>
+      </a:schemeClr>
+    </dgm:fillClrLst>
+    <dgm:linClrLst meth="repeat">
+      <a:schemeClr val="dk2">
+        <a:tint val="60000"/>
+      </a:schemeClr>
+    </dgm:linClrLst>
+    <dgm:effectClrLst/>
+    <dgm:txLinClrLst/>
+    <dgm:txFillClrLst/>
+    <dgm:txEffectClrLst/>
+  </dgm:styleLbl>
+  <dgm:styleLbl name="fgSibTrans2D1">
+    <dgm:fillClrLst meth="repeat">
+      <a:schemeClr val="dk2">
+        <a:tint val="60000"/>
+      </a:schemeClr>
+    </dgm:fillClrLst>
+    <dgm:linClrLst meth="repeat">
+      <a:schemeClr val="dk2">
+        <a:tint val="60000"/>
+      </a:schemeClr>
+    </dgm:linClrLst>
+    <dgm:effectClrLst/>
+    <dgm:txLinClrLst/>
+    <dgm:txFillClrLst/>
+    <dgm:txEffectClrLst/>
+  </dgm:styleLbl>
+  <dgm:styleLbl name="bgSibTrans2D1">
+    <dgm:fillClrLst meth="repeat">
+      <a:schemeClr val="dk2">
+        <a:tint val="60000"/>
+      </a:schemeClr>
+    </dgm:fillClrLst>
+    <dgm:linClrLst meth="repeat">
+      <a:schemeClr val="dk2">
+        <a:tint val="60000"/>
+      </a:schemeClr>
+    </dgm:linClrLst>
+    <dgm:effectClrLst/>
+    <dgm:txLinClrLst/>
+    <dgm:txFillClrLst/>
+    <dgm:txEffectClrLst/>
+  </dgm:styleLbl>
+  <dgm:styleLbl name="sibTrans1D1">
+    <dgm:fillClrLst meth="repeat">
+      <a:schemeClr val="dk2"/>
+    </dgm:fillClrLst>
+    <dgm:linClrLst meth="repeat">
+      <a:schemeClr val="dk2"/>
+    </dgm:linClrLst>
+    <dgm:effectClrLst/>
+    <dgm:txLinClrLst/>
+    <dgm:txFillClrLst meth="repeat">
+      <a:schemeClr val="lt2"/>
+    </dgm:txFillClrLst>
+    <dgm:txEffectClrLst/>
+  </dgm:styleLbl>
+  <dgm:styleLbl name="callout">
+    <dgm:fillClrLst meth="repeat">
+      <a:schemeClr val="dk2"/>
+    </dgm:fillClrLst>
+    <dgm:linClrLst meth="repeat">
+      <a:schemeClr val="dk2">
+        <a:tint val="50000"/>
+      </a:schemeClr>
+    </dgm:linClrLst>
+    <dgm:effectClrLst/>
+    <dgm:txLinClrLst/>
+    <dgm:txFillClrLst meth="repeat">
+      <a:schemeClr val="lt2"/>
+    </dgm:txFillClrLst>
+    <dgm:txEffectClrLst/>
+  </dgm:styleLbl>
+  <dgm:styleLbl name="asst0">
+    <dgm:fillClrLst meth="repeat">
+      <a:schemeClr val="dk2"/>
+    </dgm:fillClrLst>
+    <dgm:linClrLst meth="repeat">
+      <a:schemeClr val="lt2"/>
+    </dgm:linClrLst>
+    <dgm:effectClrLst/>
+    <dgm:txLinClrLst/>
+    <dgm:txFillClrLst/>
+    <dgm:txEffectClrLst/>
+  </dgm:styleLbl>
+  <dgm:styleLbl name="asst1">
+    <dgm:fillClrLst meth="repeat">
+      <a:schemeClr val="dk2"/>
+    </dgm:fillClrLst>
+    <dgm:linClrLst meth="repeat">
+      <a:schemeClr val="lt2"/>
+    </dgm:linClrLst>
+    <dgm:effectClrLst/>
+    <dgm:txLinClrLst/>
+    <dgm:txFillClrLst/>
+    <dgm:txEffectClrLst/>
+  </dgm:styleLbl>
+  <dgm:styleLbl name="asst2">
+    <dgm:fillClrLst meth="repeat">
+      <a:schemeClr val="dk2"/>
+    </dgm:fillClrLst>
+    <dgm:linClrLst meth="repeat">
+      <a:schemeClr val="lt2"/>
+    </dgm:linClrLst>
+    <dgm:effectClrLst/>
+    <dgm:txLinClrLst/>
+    <dgm:txFillClrLst/>
+    <dgm:txEffectClrLst/>
+  </dgm:styleLbl>
+  <dgm:styleLbl name="asst3">
+    <dgm:fillClrLst meth="repeat">
+      <a:schemeClr val="dk2"/>
+    </dgm:fillClrLst>
+    <dgm:linClrLst meth="repeat">
+      <a:schemeClr val="lt2"/>
+    </dgm:linClrLst>
+    <dgm:effectClrLst/>
+    <dgm:txLinClrLst/>
+    <dgm:txFillClrLst/>
+    <dgm:txEffectClrLst/>
+  </dgm:styleLbl>
+  <dgm:styleLbl name="asst4">
+    <dgm:fillClrLst meth="repeat">
+      <a:schemeClr val="dk2"/>
+    </dgm:fillClrLst>
+    <dgm:linClrLst meth="repeat">
+      <a:schemeClr val="lt2"/>
+    </dgm:linClrLst>
+    <dgm:effectClrLst/>
+    <dgm:txLinClrLst/>
+    <dgm:txFillClrLst/>
+    <dgm:txEffectClrLst/>
+  </dgm:styleLbl>
+  <dgm:styleLbl name="parChTrans2D1">
+    <dgm:fillClrLst meth="repeat">
+      <a:schemeClr val="dk2">
+        <a:tint val="60000"/>
+      </a:schemeClr>
+    </dgm:fillClrLst>
+    <dgm:linClrLst meth="repeat">
+      <a:schemeClr val="dk2">
+        <a:tint val="60000"/>
+      </a:schemeClr>
+    </dgm:linClrLst>
+    <dgm:effectClrLst/>
+    <dgm:txLinClrLst/>
+    <dgm:txFillClrLst meth="repeat">
+      <a:schemeClr val="lt2"/>
+    </dgm:txFillClrLst>
+    <dgm:txEffectClrLst/>
+  </dgm:styleLbl>
+  <dgm:styleLbl name="parChTrans2D2">
+    <dgm:fillClrLst meth="repeat">
+      <a:schemeClr val="dk2"/>
+    </dgm:fillClrLst>
+    <dgm:linClrLst meth="repeat">
+      <a:schemeClr val="dk2"/>
+    </dgm:linClrLst>
+    <dgm:effectClrLst/>
+    <dgm:txLinClrLst/>
+    <dgm:txFillClrLst meth="repeat">
+      <a:schemeClr val="lt2"/>
+    </dgm:txFillClrLst>
+    <dgm:txEffectClrLst/>
+  </dgm:styleLbl>
+  <dgm:styleLbl name="parChTrans2D3">
+    <dgm:fillClrLst meth="repeat">
+      <a:schemeClr val="dk2"/>
+    </dgm:fillClrLst>
+    <dgm:linClrLst meth="repeat">
+      <a:schemeClr val="dk2"/>
+    </dgm:linClrLst>
+    <dgm:effectClrLst/>
+    <dgm:txLinClrLst/>
+    <dgm:txFillClrLst meth="repeat">
+      <a:schemeClr val="lt2"/>
+    </dgm:txFillClrLst>
+    <dgm:txEffectClrLst/>
+  </dgm:styleLbl>
+  <dgm:styleLbl name="parChTrans2D4">
+    <dgm:fillClrLst meth="repeat">
+      <a:schemeClr val="dk2"/>
+    </dgm:fillClrLst>
+    <dgm:linClrLst meth="repeat">
+      <a:schemeClr val="dk2"/>
+    </dgm:linClrLst>
+    <dgm:effectClrLst/>
+    <dgm:txLinClrLst/>
+    <dgm:txFillClrLst meth="repeat">
+      <a:schemeClr val="lt2"/>
+    </dgm:txFillClrLst>
+    <dgm:txEffectClrLst/>
+  </dgm:styleLbl>
+  <dgm:styleLbl name="parChTrans1D1">
+    <dgm:fillClrLst meth="repeat">
+      <a:schemeClr val="dk2"/>
+    </dgm:fillClrLst>
+    <dgm:linClrLst meth="repeat">
+      <a:schemeClr val="dk2">
+        <a:shade val="60000"/>
+      </a:schemeClr>
+    </dgm:linClrLst>
+    <dgm:effectClrLst/>
+    <dgm:txLinClrLst/>
+    <dgm:txFillClrLst meth="repeat">
+      <a:schemeClr val="tx1"/>
+    </dgm:txFillClrLst>
+    <dgm:txEffectClrLst/>
+  </dgm:styleLbl>
+  <dgm:styleLbl name="parChTrans1D2">
+    <dgm:fillClrLst meth="repeat">
+      <a:schemeClr val="dk2"/>
+    </dgm:fillClrLst>
+    <dgm:linClrLst meth="repeat">
+      <a:schemeClr val="dk2">
+        <a:shade val="60000"/>
+      </a:schemeClr>
+    </dgm:linClrLst>
+    <dgm:effectClrLst/>
+    <dgm:txLinClrLst/>
+    <dgm:txFillClrLst meth="repeat">
+      <a:schemeClr val="tx1"/>
+    </dgm:txFillClrLst>
+    <dgm:txEffectClrLst/>
+  </dgm:styleLbl>
+  <dgm:styleLbl name="parChTrans1D3">
+    <dgm:fillClrLst meth="repeat">
+      <a:schemeClr val="dk2"/>
+    </dgm:fillClrLst>
+    <dgm:linClrLst meth="repeat">
+      <a:schemeClr val="dk2">
+        <a:shade val="80000"/>
+      </a:schemeClr>
+    </dgm:linClrLst>
+    <dgm:effectClrLst/>
+    <dgm:txLinClrLst/>
+    <dgm:txFillClrLst meth="repeat">
+      <a:schemeClr val="tx1"/>
+    </dgm:txFillClrLst>
+    <dgm:txEffectClrLst/>
+  </dgm:styleLbl>
+  <dgm:styleLbl name="parChTrans1D4">
+    <dgm:fillClrLst meth="repeat">
+      <a:schemeClr val="dk2"/>
+    </dgm:fillClrLst>
+    <dgm:linClrLst meth="repeat">
+      <a:schemeClr val="dk2">
+        <a:shade val="80000"/>
+      </a:schemeClr>
+    </dgm:linClrLst>
+    <dgm:effectClrLst/>
+    <dgm:txLinClrLst/>
+    <dgm:txFillClrLst meth="repeat">
+      <a:schemeClr val="tx1"/>
+    </dgm:txFillClrLst>
+    <dgm:txEffectClrLst/>
+  </dgm:styleLbl>
+  <dgm:styleLbl name="fgAcc1">
+    <dgm:fillClrLst meth="repeat">
+      <a:schemeClr val="lt2">
+        <a:alpha val="90000"/>
+      </a:schemeClr>
+    </dgm:fillClrLst>
+    <dgm:linClrLst meth="repeat">
+      <a:schemeClr val="dk2"/>
+    </dgm:linClrLst>
+    <dgm:effectClrLst/>
+    <dgm:txLinClrLst/>
+    <dgm:txFillClrLst meth="repeat">
+      <a:schemeClr val="dk1"/>
+    </dgm:txFillClrLst>
+    <dgm:txEffectClrLst/>
+  </dgm:styleLbl>
+  <dgm:styleLbl name="conFgAcc1">
+    <dgm:fillClrLst meth="repeat">
+      <a:schemeClr val="lt2">
+        <a:alpha val="90000"/>
+      </a:schemeClr>
+    </dgm:fillClrLst>
+    <dgm:linClrLst meth="repeat">
+      <a:schemeClr val="dk2"/>
+    </dgm:linClrLst>
+    <dgm:effectClrLst/>
+    <dgm:txLinClrLst/>
+    <dgm:txFillClrLst meth="repeat">
+      <a:schemeClr val="dk1"/>
+    </dgm:txFillClrLst>
+    <dgm:txEffectClrLst/>
+  </dgm:styleLbl>
+  <dgm:styleLbl name="alignAcc1">
+    <dgm:fillClrLst meth="repeat">
+      <a:schemeClr val="lt2">
+        <a:alpha val="90000"/>
+      </a:schemeClr>
+    </dgm:fillClrLst>
+    <dgm:linClrLst meth="repeat">
+      <a:schemeClr val="dk2"/>
+    </dgm:linClrLst>
+    <dgm:effectClrLst/>
+    <dgm:txLinClrLst/>
+    <dgm:txFillClrLst meth="repeat">
+      <a:schemeClr val="dk1"/>
+    </dgm:txFillClrLst>
+    <dgm:txEffectClrLst/>
+  </dgm:styleLbl>
+  <dgm:styleLbl name="trAlignAcc1">
+    <dgm:fillClrLst meth="repeat">
+      <a:schemeClr val="lt2">
+        <a:alpha val="40000"/>
+      </a:schemeClr>
+    </dgm:fillClrLst>
+    <dgm:linClrLst meth="repeat">
+      <a:schemeClr val="dk2"/>
+    </dgm:linClrLst>
+    <dgm:effectClrLst/>
+    <dgm:txLinClrLst/>
+    <dgm:txFillClrLst meth="repeat">
+      <a:schemeClr val="dk1"/>
+    </dgm:txFillClrLst>
+    <dgm:txEffectClrLst/>
+  </dgm:styleLbl>
+  <dgm:styleLbl name="bgAcc1">
+    <dgm:fillClrLst meth="repeat">
+      <a:schemeClr val="lt2">
+        <a:alpha val="90000"/>
+      </a:schemeClr>
+    </dgm:fillClrLst>
+    <dgm:linClrLst meth="repeat">
+      <a:schemeClr val="dk2"/>
+    </dgm:linClrLst>
+    <dgm:effectClrLst/>
+    <dgm:txLinClrLst/>
+    <dgm:txFillClrLst meth="repeat">
+      <a:schemeClr val="dk1"/>
+    </dgm:txFillClrLst>
+    <dgm:txEffectClrLst/>
+  </dgm:styleLbl>
+  <dgm:styleLbl name="solidFgAcc1">
+    <dgm:fillClrLst meth="repeat">
+      <a:schemeClr val="lt2"/>
+    </dgm:fillClrLst>
+    <dgm:linClrLst meth="repeat">
+      <a:schemeClr val="dk2"/>
+    </dgm:linClrLst>
+    <dgm:effectClrLst/>
+    <dgm:txLinClrLst/>
+    <dgm:txFillClrLst meth="repeat">
+      <a:schemeClr val="dk1"/>
+    </dgm:txFillClrLst>
+    <dgm:txEffectClrLst/>
+  </dgm:styleLbl>
+  <dgm:styleLbl name="solidAlignAcc1">
+    <dgm:fillClrLst meth="repeat">
+      <a:schemeClr val="lt2"/>
+    </dgm:fillClrLst>
+    <dgm:linClrLst meth="repeat">
+      <a:schemeClr val="dk2"/>
+    </dgm:linClrLst>
+    <dgm:effectClrLst/>
+    <dgm:txLinClrLst/>
+    <dgm:txFillClrLst meth="repeat">
+      <a:schemeClr val="dk1"/>
+    </dgm:txFillClrLst>
+    <dgm:txEffectClrLst/>
+  </dgm:styleLbl>
+  <dgm:styleLbl name="solidBgAcc1">
+    <dgm:fillClrLst meth="repeat">
+      <a:schemeClr val="lt2"/>
+    </dgm:fillClrLst>
+    <dgm:linClrLst meth="repeat">
+      <a:schemeClr val="dk2"/>
+    </dgm:linClrLst>
+    <dgm:effectClrLst/>
+    <dgm:txLinClrLst/>
+    <dgm:txFillClrLst meth="repeat">
+      <a:schemeClr val="dk1"/>
+    </dgm:txFillClrLst>
+    <dgm:txEffectClrLst/>
+  </dgm:styleLbl>
+  <dgm:styleLbl name="fgAccFollowNode1">
+    <dgm:fillClrLst meth="repeat">
+      <a:schemeClr val="dk2">
+        <a:alpha val="90000"/>
+        <a:tint val="40000"/>
+      </a:schemeClr>
+    </dgm:fillClrLst>
+    <dgm:linClrLst meth="repeat">
+      <a:schemeClr val="dk2">
+        <a:alpha val="90000"/>
+        <a:tint val="40000"/>
+      </a:schemeClr>
+    </dgm:linClrLst>
+    <dgm:effectClrLst/>
+    <dgm:txLinClrLst/>
+    <dgm:txFillClrLst meth="repeat">
+      <a:schemeClr val="dk1"/>
+    </dgm:txFillClrLst>
+    <dgm:txEffectClrLst/>
+  </dgm:styleLbl>
+  <dgm:styleLbl name="alignAccFollowNode1">
+    <dgm:fillClrLst meth="repeat">
+      <a:schemeClr val="dk2">
+        <a:alpha val="90000"/>
+        <a:tint val="40000"/>
+      </a:schemeClr>
+    </dgm:fillClrLst>
+    <dgm:linClrLst meth="repeat">
+      <a:schemeClr val="dk2">
+        <a:alpha val="90000"/>
+        <a:tint val="40000"/>
+      </a:schemeClr>
+    </dgm:linClrLst>
+    <dgm:effectClrLst/>
+    <dgm:txLinClrLst/>
+    <dgm:txFillClrLst meth="repeat">
+      <a:schemeClr val="dk1"/>
+    </dgm:txFillClrLst>
+    <dgm:txEffectClrLst/>
+  </dgm:styleLbl>
+  <dgm:styleLbl name="bgAccFollowNode1">
+    <dgm:fillClrLst meth="repeat">
+      <a:schemeClr val="dk2">
+        <a:alpha val="90000"/>
+        <a:tint val="40000"/>
+      </a:schemeClr>
+    </dgm:fillClrLst>
+    <dgm:linClrLst meth="repeat">
+      <a:schemeClr val="dk2">
+        <a:alpha val="90000"/>
+        <a:tint val="40000"/>
+      </a:schemeClr>
+    </dgm:linClrLst>
+    <dgm:effectClrLst/>
+    <dgm:txLinClrLst/>
+    <dgm:txFillClrLst meth="repeat">
+      <a:schemeClr val="dk1"/>
+    </dgm:txFillClrLst>
+    <dgm:txEffectClrLst/>
+  </dgm:styleLbl>
+  <dgm:styleLbl name="fgAcc0">
+    <dgm:fillClrLst meth="repeat">
+      <a:schemeClr val="lt2">
+        <a:alpha val="90000"/>
+      </a:schemeClr>
+    </dgm:fillClrLst>
+    <dgm:linClrLst meth="repeat">
+      <a:schemeClr val="dk2"/>
+    </dgm:linClrLst>
+    <dgm:effectClrLst/>
+    <dgm:txLinClrLst/>
+    <dgm:txFillClrLst meth="repeat">
+      <a:schemeClr val="dk1"/>
+    </dgm:txFillClrLst>
+    <dgm:txEffectClrLst/>
+  </dgm:styleLbl>
+  <dgm:styleLbl name="fgAcc2">
+    <dgm:fillClrLst meth="repeat">
+      <a:schemeClr val="lt2">
+        <a:alpha val="90000"/>
+      </a:schemeClr>
+    </dgm:fillClrLst>
+    <dgm:linClrLst meth="repeat">
+      <a:schemeClr val="dk2"/>
+    </dgm:linClrLst>
+    <dgm:effectClrLst/>
+    <dgm:txLinClrLst/>
+    <dgm:txFillClrLst meth="repeat">
+      <a:schemeClr val="dk1"/>
+    </dgm:txFillClrLst>
+    <dgm:txEffectClrLst/>
+  </dgm:styleLbl>
+  <dgm:styleLbl name="fgAcc3">
+    <dgm:fillClrLst meth="repeat">
+      <a:schemeClr val="lt2">
+        <a:alpha val="90000"/>
+      </a:schemeClr>
+    </dgm:fillClrLst>
+    <dgm:linClrLst meth="repeat">
+      <a:schemeClr val="dk2"/>
+    </dgm:linClrLst>
+    <dgm:effectClrLst/>
+    <dgm:txLinClrLst/>
+    <dgm:txFillClrLst meth="repeat">
+      <a:schemeClr val="dk1"/>
+    </dgm:txFillClrLst>
+    <dgm:txEffectClrLst/>
+  </dgm:styleLbl>
+  <dgm:styleLbl name="fgAcc4">
+    <dgm:fillClrLst meth="repeat">
+      <a:schemeClr val="lt2">
+        <a:alpha val="90000"/>
+      </a:schemeClr>
+    </dgm:fillClrLst>
+    <dgm:linClrLst meth="repeat">
+      <a:schemeClr val="dk2"/>
+    </dgm:linClrLst>
+    <dgm:effectClrLst/>
+    <dgm:txLinClrLst/>
+    <dgm:txFillClrLst meth="repeat">
+      <a:schemeClr val="dk1"/>
+    </dgm:txFillClrLst>
+    <dgm:txEffectClrLst/>
+  </dgm:styleLbl>
+  <dgm:styleLbl name="bgShp">
+    <dgm:fillClrLst meth="repeat">
+      <a:schemeClr val="dk2">
+        <a:tint val="40000"/>
+      </a:schemeClr>
+    </dgm:fillClrLst>
+    <dgm:linClrLst meth="repeat">
+      <a:schemeClr val="dk2"/>
+    </dgm:linClrLst>
+    <dgm:effectClrLst/>
+    <dgm:txLinClrLst/>
+    <dgm:txFillClrLst meth="repeat">
+      <a:schemeClr val="dk1"/>
+    </dgm:txFillClrLst>
+    <dgm:txEffectClrLst/>
+  </dgm:styleLbl>
+  <dgm:styleLbl name="dkBgShp">
+    <dgm:fillClrLst meth="repeat">
+      <a:schemeClr val="dk2">
+        <a:shade val="80000"/>
+      </a:schemeClr>
+    </dgm:fillClrLst>
+    <dgm:linClrLst meth="repeat">
+      <a:schemeClr val="dk2"/>
+    </dgm:linClrLst>
+    <dgm:effectClrLst/>
+    <dgm:txLinClrLst/>
+    <dgm:txFillClrLst meth="repeat">
+      <a:schemeClr val="lt1"/>
+    </dgm:txFillClrLst>
+    <dgm:txEffectClrLst/>
+  </dgm:styleLbl>
+  <dgm:styleLbl name="trBgShp">
+    <dgm:fillClrLst meth="repeat">
+      <a:schemeClr val="dk2">
+        <a:tint val="50000"/>
+        <a:alpha val="40000"/>
+      </a:schemeClr>
+    </dgm:fillClrLst>
+    <dgm:linClrLst meth="repeat">
+      <a:schemeClr val="dk2"/>
+    </dgm:linClrLst>
+    <dgm:effectClrLst/>
+    <dgm:txLinClrLst/>
+    <dgm:txFillClrLst meth="repeat">
+      <a:schemeClr val="lt1"/>
+    </dgm:txFillClrLst>
+    <dgm:txEffectClrLst/>
+  </dgm:styleLbl>
+  <dgm:styleLbl name="fgShp">
+    <dgm:fillClrLst meth="repeat">
+      <a:schemeClr val="dk2">
+        <a:tint val="60000"/>
+      </a:schemeClr>
+    </dgm:fillClrLst>
+    <dgm:linClrLst meth="repeat">
+      <a:schemeClr val="lt2"/>
+    </dgm:linClrLst>
+    <dgm:effectClrLst/>
+    <dgm:txLinClrLst/>
+    <dgm:txFillClrLst meth="repeat">
+      <a:schemeClr val="dk1"/>
+    </dgm:txFillClrLst>
+    <dgm:txEffectClrLst/>
+  </dgm:styleLbl>
+  <dgm:styleLbl name="revTx">
+    <dgm:fillClrLst meth="repeat">
+      <a:schemeClr val="lt2">
+        <a:alpha val="0"/>
+      </a:schemeClr>
+    </dgm:fillClrLst>
+    <dgm:linClrLst meth="repeat">
+      <a:schemeClr val="dk1">
+        <a:alpha val="0"/>
+      </a:schemeClr>
+    </dgm:linClrLst>
+    <dgm:effectClrLst/>
+    <dgm:txLinClrLst/>
+    <dgm:txFillClrLst meth="repeat">
+      <a:schemeClr val="tx1"/>
+    </dgm:txFillClrLst>
+    <dgm:txEffectClrLst/>
+  </dgm:styleLbl>
+</dgm:colorsDef>
+</file>
+
+<file path=ppt/diagrams/colors2.xml><?xml version="1.0" encoding="utf-8"?>
 <dgm:colorsDef xmlns:dgm="http://schemas.openxmlformats.org/drawingml/2006/diagram" xmlns:a="http://schemas.openxmlformats.org/drawingml/2006/main" uniqueId="urn:microsoft.com/office/officeart/2005/8/colors/colorful1">
   <dgm:title val=""/>
   <dgm:desc val=""/>
@@ -1047,7 +1800,1706 @@
 </dgm:colorsDef>
 </file>
 
+<file path=ppt/diagrams/colors3.xml><?xml version="1.0" encoding="utf-8"?>
+<dgm:colorsDef xmlns:dgm="http://schemas.openxmlformats.org/drawingml/2006/diagram" xmlns:a="http://schemas.openxmlformats.org/drawingml/2006/main" uniqueId="urn:microsoft.com/office/officeart/2005/8/colors/accent3_2">
+  <dgm:title val=""/>
+  <dgm:desc val=""/>
+  <dgm:catLst>
+    <dgm:cat type="accent3" pri="11200"/>
+  </dgm:catLst>
+  <dgm:styleLbl name="node0">
+    <dgm:fillClrLst meth="repeat">
+      <a:schemeClr val="accent3"/>
+    </dgm:fillClrLst>
+    <dgm:linClrLst meth="repeat">
+      <a:schemeClr val="lt1"/>
+    </dgm:linClrLst>
+    <dgm:effectClrLst/>
+    <dgm:txLinClrLst/>
+    <dgm:txFillClrLst/>
+    <dgm:txEffectClrLst/>
+  </dgm:styleLbl>
+  <dgm:styleLbl name="node1">
+    <dgm:fillClrLst meth="repeat">
+      <a:schemeClr val="accent3"/>
+    </dgm:fillClrLst>
+    <dgm:linClrLst meth="repeat">
+      <a:schemeClr val="lt1"/>
+    </dgm:linClrLst>
+    <dgm:effectClrLst/>
+    <dgm:txLinClrLst/>
+    <dgm:txFillClrLst/>
+    <dgm:txEffectClrLst/>
+  </dgm:styleLbl>
+  <dgm:styleLbl name="alignNode1">
+    <dgm:fillClrLst meth="repeat">
+      <a:schemeClr val="accent3"/>
+    </dgm:fillClrLst>
+    <dgm:linClrLst meth="repeat">
+      <a:schemeClr val="accent3"/>
+    </dgm:linClrLst>
+    <dgm:effectClrLst/>
+    <dgm:txLinClrLst/>
+    <dgm:txFillClrLst/>
+    <dgm:txEffectClrLst/>
+  </dgm:styleLbl>
+  <dgm:styleLbl name="lnNode1">
+    <dgm:fillClrLst meth="repeat">
+      <a:schemeClr val="accent3"/>
+    </dgm:fillClrLst>
+    <dgm:linClrLst meth="repeat">
+      <a:schemeClr val="lt1"/>
+    </dgm:linClrLst>
+    <dgm:effectClrLst/>
+    <dgm:txLinClrLst/>
+    <dgm:txFillClrLst/>
+    <dgm:txEffectClrLst/>
+  </dgm:styleLbl>
+  <dgm:styleLbl name="vennNode1">
+    <dgm:fillClrLst meth="repeat">
+      <a:schemeClr val="accent3">
+        <a:alpha val="50000"/>
+      </a:schemeClr>
+    </dgm:fillClrLst>
+    <dgm:linClrLst meth="repeat">
+      <a:schemeClr val="lt1"/>
+    </dgm:linClrLst>
+    <dgm:effectClrLst/>
+    <dgm:txLinClrLst/>
+    <dgm:txFillClrLst/>
+    <dgm:txEffectClrLst/>
+  </dgm:styleLbl>
+  <dgm:styleLbl name="node2">
+    <dgm:fillClrLst meth="repeat">
+      <a:schemeClr val="accent3"/>
+    </dgm:fillClrLst>
+    <dgm:linClrLst meth="repeat">
+      <a:schemeClr val="lt1"/>
+    </dgm:linClrLst>
+    <dgm:effectClrLst/>
+    <dgm:txLinClrLst/>
+    <dgm:txFillClrLst/>
+    <dgm:txEffectClrLst/>
+  </dgm:styleLbl>
+  <dgm:styleLbl name="node3">
+    <dgm:fillClrLst meth="repeat">
+      <a:schemeClr val="accent3"/>
+    </dgm:fillClrLst>
+    <dgm:linClrLst meth="repeat">
+      <a:schemeClr val="lt1"/>
+    </dgm:linClrLst>
+    <dgm:effectClrLst/>
+    <dgm:txLinClrLst/>
+    <dgm:txFillClrLst/>
+    <dgm:txEffectClrLst/>
+  </dgm:styleLbl>
+  <dgm:styleLbl name="node4">
+    <dgm:fillClrLst meth="repeat">
+      <a:schemeClr val="accent3"/>
+    </dgm:fillClrLst>
+    <dgm:linClrLst meth="repeat">
+      <a:schemeClr val="lt1"/>
+    </dgm:linClrLst>
+    <dgm:effectClrLst/>
+    <dgm:txLinClrLst/>
+    <dgm:txFillClrLst/>
+    <dgm:txEffectClrLst/>
+  </dgm:styleLbl>
+  <dgm:styleLbl name="fgImgPlace1">
+    <dgm:fillClrLst meth="repeat">
+      <a:schemeClr val="accent3">
+        <a:tint val="50000"/>
+      </a:schemeClr>
+    </dgm:fillClrLst>
+    <dgm:linClrLst meth="repeat">
+      <a:schemeClr val="lt1"/>
+    </dgm:linClrLst>
+    <dgm:effectClrLst/>
+    <dgm:txLinClrLst/>
+    <dgm:txFillClrLst meth="repeat">
+      <a:schemeClr val="lt1"/>
+    </dgm:txFillClrLst>
+    <dgm:txEffectClrLst/>
+  </dgm:styleLbl>
+  <dgm:styleLbl name="alignImgPlace1">
+    <dgm:fillClrLst meth="repeat">
+      <a:schemeClr val="accent3">
+        <a:tint val="50000"/>
+      </a:schemeClr>
+    </dgm:fillClrLst>
+    <dgm:linClrLst meth="repeat">
+      <a:schemeClr val="lt1"/>
+    </dgm:linClrLst>
+    <dgm:effectClrLst/>
+    <dgm:txLinClrLst/>
+    <dgm:txFillClrLst meth="repeat">
+      <a:schemeClr val="lt1"/>
+    </dgm:txFillClrLst>
+    <dgm:txEffectClrLst/>
+  </dgm:styleLbl>
+  <dgm:styleLbl name="bgImgPlace1">
+    <dgm:fillClrLst meth="repeat">
+      <a:schemeClr val="accent3">
+        <a:tint val="50000"/>
+      </a:schemeClr>
+    </dgm:fillClrLst>
+    <dgm:linClrLst meth="repeat">
+      <a:schemeClr val="lt1"/>
+    </dgm:linClrLst>
+    <dgm:effectClrLst/>
+    <dgm:txLinClrLst/>
+    <dgm:txFillClrLst meth="repeat">
+      <a:schemeClr val="lt1"/>
+    </dgm:txFillClrLst>
+    <dgm:txEffectClrLst/>
+  </dgm:styleLbl>
+  <dgm:styleLbl name="sibTrans2D1">
+    <dgm:fillClrLst meth="repeat">
+      <a:schemeClr val="accent3">
+        <a:tint val="60000"/>
+      </a:schemeClr>
+    </dgm:fillClrLst>
+    <dgm:linClrLst meth="repeat">
+      <a:schemeClr val="accent3">
+        <a:tint val="60000"/>
+      </a:schemeClr>
+    </dgm:linClrLst>
+    <dgm:effectClrLst/>
+    <dgm:txLinClrLst/>
+    <dgm:txFillClrLst/>
+    <dgm:txEffectClrLst/>
+  </dgm:styleLbl>
+  <dgm:styleLbl name="fgSibTrans2D1">
+    <dgm:fillClrLst meth="repeat">
+      <a:schemeClr val="accent3">
+        <a:tint val="60000"/>
+      </a:schemeClr>
+    </dgm:fillClrLst>
+    <dgm:linClrLst meth="repeat">
+      <a:schemeClr val="accent3">
+        <a:tint val="60000"/>
+      </a:schemeClr>
+    </dgm:linClrLst>
+    <dgm:effectClrLst/>
+    <dgm:txLinClrLst/>
+    <dgm:txFillClrLst/>
+    <dgm:txEffectClrLst/>
+  </dgm:styleLbl>
+  <dgm:styleLbl name="bgSibTrans2D1">
+    <dgm:fillClrLst meth="repeat">
+      <a:schemeClr val="accent3">
+        <a:tint val="60000"/>
+      </a:schemeClr>
+    </dgm:fillClrLst>
+    <dgm:linClrLst meth="repeat">
+      <a:schemeClr val="accent3">
+        <a:tint val="60000"/>
+      </a:schemeClr>
+    </dgm:linClrLst>
+    <dgm:effectClrLst/>
+    <dgm:txLinClrLst/>
+    <dgm:txFillClrLst/>
+    <dgm:txEffectClrLst/>
+  </dgm:styleLbl>
+  <dgm:styleLbl name="sibTrans1D1">
+    <dgm:fillClrLst meth="repeat">
+      <a:schemeClr val="accent3"/>
+    </dgm:fillClrLst>
+    <dgm:linClrLst meth="repeat">
+      <a:schemeClr val="accent3"/>
+    </dgm:linClrLst>
+    <dgm:effectClrLst/>
+    <dgm:txLinClrLst/>
+    <dgm:txFillClrLst meth="repeat">
+      <a:schemeClr val="tx1"/>
+    </dgm:txFillClrLst>
+    <dgm:txEffectClrLst/>
+  </dgm:styleLbl>
+  <dgm:styleLbl name="callout">
+    <dgm:fillClrLst meth="repeat">
+      <a:schemeClr val="accent3"/>
+    </dgm:fillClrLst>
+    <dgm:linClrLst meth="repeat">
+      <a:schemeClr val="accent3">
+        <a:tint val="50000"/>
+      </a:schemeClr>
+    </dgm:linClrLst>
+    <dgm:effectClrLst/>
+    <dgm:txLinClrLst/>
+    <dgm:txFillClrLst meth="repeat">
+      <a:schemeClr val="tx1"/>
+    </dgm:txFillClrLst>
+    <dgm:txEffectClrLst/>
+  </dgm:styleLbl>
+  <dgm:styleLbl name="asst0">
+    <dgm:fillClrLst meth="repeat">
+      <a:schemeClr val="accent3"/>
+    </dgm:fillClrLst>
+    <dgm:linClrLst meth="repeat">
+      <a:schemeClr val="lt1"/>
+    </dgm:linClrLst>
+    <dgm:effectClrLst/>
+    <dgm:txLinClrLst/>
+    <dgm:txFillClrLst/>
+    <dgm:txEffectClrLst/>
+  </dgm:styleLbl>
+  <dgm:styleLbl name="asst1">
+    <dgm:fillClrLst meth="repeat">
+      <a:schemeClr val="accent3"/>
+    </dgm:fillClrLst>
+    <dgm:linClrLst meth="repeat">
+      <a:schemeClr val="lt1"/>
+    </dgm:linClrLst>
+    <dgm:effectClrLst/>
+    <dgm:txLinClrLst/>
+    <dgm:txFillClrLst/>
+    <dgm:txEffectClrLst/>
+  </dgm:styleLbl>
+  <dgm:styleLbl name="asst2">
+    <dgm:fillClrLst meth="repeat">
+      <a:schemeClr val="accent3"/>
+    </dgm:fillClrLst>
+    <dgm:linClrLst meth="repeat">
+      <a:schemeClr val="lt1"/>
+    </dgm:linClrLst>
+    <dgm:effectClrLst/>
+    <dgm:txLinClrLst/>
+    <dgm:txFillClrLst/>
+    <dgm:txEffectClrLst/>
+  </dgm:styleLbl>
+  <dgm:styleLbl name="asst3">
+    <dgm:fillClrLst meth="repeat">
+      <a:schemeClr val="accent3"/>
+    </dgm:fillClrLst>
+    <dgm:linClrLst meth="repeat">
+      <a:schemeClr val="lt1"/>
+    </dgm:linClrLst>
+    <dgm:effectClrLst/>
+    <dgm:txLinClrLst/>
+    <dgm:txFillClrLst/>
+    <dgm:txEffectClrLst/>
+  </dgm:styleLbl>
+  <dgm:styleLbl name="asst4">
+    <dgm:fillClrLst meth="repeat">
+      <a:schemeClr val="accent3"/>
+    </dgm:fillClrLst>
+    <dgm:linClrLst meth="repeat">
+      <a:schemeClr val="lt1"/>
+    </dgm:linClrLst>
+    <dgm:effectClrLst/>
+    <dgm:txLinClrLst/>
+    <dgm:txFillClrLst/>
+    <dgm:txEffectClrLst/>
+  </dgm:styleLbl>
+  <dgm:styleLbl name="parChTrans2D1">
+    <dgm:fillClrLst meth="repeat">
+      <a:schemeClr val="accent3">
+        <a:tint val="60000"/>
+      </a:schemeClr>
+    </dgm:fillClrLst>
+    <dgm:linClrLst meth="repeat">
+      <a:schemeClr val="accent3">
+        <a:tint val="60000"/>
+      </a:schemeClr>
+    </dgm:linClrLst>
+    <dgm:effectClrLst/>
+    <dgm:txLinClrLst/>
+    <dgm:txFillClrLst meth="repeat">
+      <a:schemeClr val="lt1"/>
+    </dgm:txFillClrLst>
+    <dgm:txEffectClrLst/>
+  </dgm:styleLbl>
+  <dgm:styleLbl name="parChTrans2D2">
+    <dgm:fillClrLst meth="repeat">
+      <a:schemeClr val="accent3"/>
+    </dgm:fillClrLst>
+    <dgm:linClrLst meth="repeat">
+      <a:schemeClr val="accent3"/>
+    </dgm:linClrLst>
+    <dgm:effectClrLst/>
+    <dgm:txLinClrLst/>
+    <dgm:txFillClrLst meth="repeat">
+      <a:schemeClr val="lt1"/>
+    </dgm:txFillClrLst>
+    <dgm:txEffectClrLst/>
+  </dgm:styleLbl>
+  <dgm:styleLbl name="parChTrans2D3">
+    <dgm:fillClrLst meth="repeat">
+      <a:schemeClr val="accent3"/>
+    </dgm:fillClrLst>
+    <dgm:linClrLst meth="repeat">
+      <a:schemeClr val="accent3"/>
+    </dgm:linClrLst>
+    <dgm:effectClrLst/>
+    <dgm:txLinClrLst/>
+    <dgm:txFillClrLst meth="repeat">
+      <a:schemeClr val="lt1"/>
+    </dgm:txFillClrLst>
+    <dgm:txEffectClrLst/>
+  </dgm:styleLbl>
+  <dgm:styleLbl name="parChTrans2D4">
+    <dgm:fillClrLst meth="repeat">
+      <a:schemeClr val="accent3"/>
+    </dgm:fillClrLst>
+    <dgm:linClrLst meth="repeat">
+      <a:schemeClr val="accent3"/>
+    </dgm:linClrLst>
+    <dgm:effectClrLst/>
+    <dgm:txLinClrLst/>
+    <dgm:txFillClrLst meth="repeat">
+      <a:schemeClr val="lt1"/>
+    </dgm:txFillClrLst>
+    <dgm:txEffectClrLst/>
+  </dgm:styleLbl>
+  <dgm:styleLbl name="parChTrans1D1">
+    <dgm:fillClrLst meth="repeat">
+      <a:schemeClr val="accent3"/>
+    </dgm:fillClrLst>
+    <dgm:linClrLst meth="repeat">
+      <a:schemeClr val="accent3">
+        <a:shade val="60000"/>
+      </a:schemeClr>
+    </dgm:linClrLst>
+    <dgm:effectClrLst/>
+    <dgm:txLinClrLst/>
+    <dgm:txFillClrLst meth="repeat">
+      <a:schemeClr val="tx1"/>
+    </dgm:txFillClrLst>
+    <dgm:txEffectClrLst/>
+  </dgm:styleLbl>
+  <dgm:styleLbl name="parChTrans1D2">
+    <dgm:fillClrLst meth="repeat">
+      <a:schemeClr val="accent3"/>
+    </dgm:fillClrLst>
+    <dgm:linClrLst meth="repeat">
+      <a:schemeClr val="accent3">
+        <a:shade val="60000"/>
+      </a:schemeClr>
+    </dgm:linClrLst>
+    <dgm:effectClrLst/>
+    <dgm:txLinClrLst/>
+    <dgm:txFillClrLst meth="repeat">
+      <a:schemeClr val="tx1"/>
+    </dgm:txFillClrLst>
+    <dgm:txEffectClrLst/>
+  </dgm:styleLbl>
+  <dgm:styleLbl name="parChTrans1D3">
+    <dgm:fillClrLst meth="repeat">
+      <a:schemeClr val="accent3"/>
+    </dgm:fillClrLst>
+    <dgm:linClrLst meth="repeat">
+      <a:schemeClr val="accent3">
+        <a:shade val="80000"/>
+      </a:schemeClr>
+    </dgm:linClrLst>
+    <dgm:effectClrLst/>
+    <dgm:txLinClrLst/>
+    <dgm:txFillClrLst meth="repeat">
+      <a:schemeClr val="tx1"/>
+    </dgm:txFillClrLst>
+    <dgm:txEffectClrLst/>
+  </dgm:styleLbl>
+  <dgm:styleLbl name="parChTrans1D4">
+    <dgm:fillClrLst meth="repeat">
+      <a:schemeClr val="accent3"/>
+    </dgm:fillClrLst>
+    <dgm:linClrLst meth="repeat">
+      <a:schemeClr val="accent3">
+        <a:shade val="80000"/>
+      </a:schemeClr>
+    </dgm:linClrLst>
+    <dgm:effectClrLst/>
+    <dgm:txLinClrLst/>
+    <dgm:txFillClrLst meth="repeat">
+      <a:schemeClr val="tx1"/>
+    </dgm:txFillClrLst>
+    <dgm:txEffectClrLst/>
+  </dgm:styleLbl>
+  <dgm:styleLbl name="fgAcc1">
+    <dgm:fillClrLst meth="repeat">
+      <a:schemeClr val="lt1">
+        <a:alpha val="90000"/>
+      </a:schemeClr>
+    </dgm:fillClrLst>
+    <dgm:linClrLst meth="repeat">
+      <a:schemeClr val="accent3"/>
+    </dgm:linClrLst>
+    <dgm:effectClrLst/>
+    <dgm:txLinClrLst/>
+    <dgm:txFillClrLst meth="repeat">
+      <a:schemeClr val="dk1"/>
+    </dgm:txFillClrLst>
+    <dgm:txEffectClrLst/>
+  </dgm:styleLbl>
+  <dgm:styleLbl name="conFgAcc1">
+    <dgm:fillClrLst meth="repeat">
+      <a:schemeClr val="lt1">
+        <a:alpha val="90000"/>
+      </a:schemeClr>
+    </dgm:fillClrLst>
+    <dgm:linClrLst meth="repeat">
+      <a:schemeClr val="accent3"/>
+    </dgm:linClrLst>
+    <dgm:effectClrLst/>
+    <dgm:txLinClrLst/>
+    <dgm:txFillClrLst meth="repeat">
+      <a:schemeClr val="dk1"/>
+    </dgm:txFillClrLst>
+    <dgm:txEffectClrLst/>
+  </dgm:styleLbl>
+  <dgm:styleLbl name="alignAcc1">
+    <dgm:fillClrLst meth="repeat">
+      <a:schemeClr val="lt1">
+        <a:alpha val="90000"/>
+      </a:schemeClr>
+    </dgm:fillClrLst>
+    <dgm:linClrLst meth="repeat">
+      <a:schemeClr val="accent3"/>
+    </dgm:linClrLst>
+    <dgm:effectClrLst/>
+    <dgm:txLinClrLst/>
+    <dgm:txFillClrLst meth="repeat">
+      <a:schemeClr val="dk1"/>
+    </dgm:txFillClrLst>
+    <dgm:txEffectClrLst/>
+  </dgm:styleLbl>
+  <dgm:styleLbl name="trAlignAcc1">
+    <dgm:fillClrLst meth="repeat">
+      <a:schemeClr val="lt1">
+        <a:alpha val="40000"/>
+      </a:schemeClr>
+    </dgm:fillClrLst>
+    <dgm:linClrLst meth="repeat">
+      <a:schemeClr val="accent3"/>
+    </dgm:linClrLst>
+    <dgm:effectClrLst/>
+    <dgm:txLinClrLst/>
+    <dgm:txFillClrLst meth="repeat">
+      <a:schemeClr val="dk1"/>
+    </dgm:txFillClrLst>
+    <dgm:txEffectClrLst/>
+  </dgm:styleLbl>
+  <dgm:styleLbl name="bgAcc1">
+    <dgm:fillClrLst meth="repeat">
+      <a:schemeClr val="lt1">
+        <a:alpha val="90000"/>
+      </a:schemeClr>
+    </dgm:fillClrLst>
+    <dgm:linClrLst meth="repeat">
+      <a:schemeClr val="accent3"/>
+    </dgm:linClrLst>
+    <dgm:effectClrLst/>
+    <dgm:txLinClrLst/>
+    <dgm:txFillClrLst meth="repeat">
+      <a:schemeClr val="dk1"/>
+    </dgm:txFillClrLst>
+    <dgm:txEffectClrLst/>
+  </dgm:styleLbl>
+  <dgm:styleLbl name="solidFgAcc1">
+    <dgm:fillClrLst meth="repeat">
+      <a:schemeClr val="lt1"/>
+    </dgm:fillClrLst>
+    <dgm:linClrLst meth="repeat">
+      <a:schemeClr val="accent3"/>
+    </dgm:linClrLst>
+    <dgm:effectClrLst/>
+    <dgm:txLinClrLst/>
+    <dgm:txFillClrLst meth="repeat">
+      <a:schemeClr val="dk1"/>
+    </dgm:txFillClrLst>
+    <dgm:txEffectClrLst/>
+  </dgm:styleLbl>
+  <dgm:styleLbl name="solidAlignAcc1">
+    <dgm:fillClrLst meth="repeat">
+      <a:schemeClr val="lt1"/>
+    </dgm:fillClrLst>
+    <dgm:linClrLst meth="repeat">
+      <a:schemeClr val="accent3"/>
+    </dgm:linClrLst>
+    <dgm:effectClrLst/>
+    <dgm:txLinClrLst/>
+    <dgm:txFillClrLst meth="repeat">
+      <a:schemeClr val="dk1"/>
+    </dgm:txFillClrLst>
+    <dgm:txEffectClrLst/>
+  </dgm:styleLbl>
+  <dgm:styleLbl name="solidBgAcc1">
+    <dgm:fillClrLst meth="repeat">
+      <a:schemeClr val="lt1"/>
+    </dgm:fillClrLst>
+    <dgm:linClrLst meth="repeat">
+      <a:schemeClr val="accent3"/>
+    </dgm:linClrLst>
+    <dgm:effectClrLst/>
+    <dgm:txLinClrLst/>
+    <dgm:txFillClrLst meth="repeat">
+      <a:schemeClr val="dk1"/>
+    </dgm:txFillClrLst>
+    <dgm:txEffectClrLst/>
+  </dgm:styleLbl>
+  <dgm:styleLbl name="fgAccFollowNode1">
+    <dgm:fillClrLst meth="repeat">
+      <a:schemeClr val="accent3">
+        <a:alpha val="90000"/>
+        <a:tint val="40000"/>
+      </a:schemeClr>
+    </dgm:fillClrLst>
+    <dgm:linClrLst meth="repeat">
+      <a:schemeClr val="accent3">
+        <a:alpha val="90000"/>
+        <a:tint val="40000"/>
+      </a:schemeClr>
+    </dgm:linClrLst>
+    <dgm:effectClrLst/>
+    <dgm:txLinClrLst/>
+    <dgm:txFillClrLst meth="repeat">
+      <a:schemeClr val="dk1"/>
+    </dgm:txFillClrLst>
+    <dgm:txEffectClrLst/>
+  </dgm:styleLbl>
+  <dgm:styleLbl name="alignAccFollowNode1">
+    <dgm:fillClrLst meth="repeat">
+      <a:schemeClr val="accent3">
+        <a:alpha val="90000"/>
+        <a:tint val="40000"/>
+      </a:schemeClr>
+    </dgm:fillClrLst>
+    <dgm:linClrLst meth="repeat">
+      <a:schemeClr val="accent3">
+        <a:alpha val="90000"/>
+        <a:tint val="40000"/>
+      </a:schemeClr>
+    </dgm:linClrLst>
+    <dgm:effectClrLst/>
+    <dgm:txLinClrLst/>
+    <dgm:txFillClrLst meth="repeat">
+      <a:schemeClr val="dk1"/>
+    </dgm:txFillClrLst>
+    <dgm:txEffectClrLst/>
+  </dgm:styleLbl>
+  <dgm:styleLbl name="bgAccFollowNode1">
+    <dgm:fillClrLst meth="repeat">
+      <a:schemeClr val="accent3">
+        <a:alpha val="90000"/>
+        <a:tint val="40000"/>
+      </a:schemeClr>
+    </dgm:fillClrLst>
+    <dgm:linClrLst meth="repeat">
+      <a:schemeClr val="accent3">
+        <a:alpha val="90000"/>
+        <a:tint val="40000"/>
+      </a:schemeClr>
+    </dgm:linClrLst>
+    <dgm:effectClrLst/>
+    <dgm:txLinClrLst/>
+    <dgm:txFillClrLst meth="repeat">
+      <a:schemeClr val="dk1"/>
+    </dgm:txFillClrLst>
+    <dgm:txEffectClrLst/>
+  </dgm:styleLbl>
+  <dgm:styleLbl name="fgAcc0">
+    <dgm:fillClrLst meth="repeat">
+      <a:schemeClr val="lt1">
+        <a:alpha val="90000"/>
+      </a:schemeClr>
+    </dgm:fillClrLst>
+    <dgm:linClrLst meth="repeat">
+      <a:schemeClr val="accent3"/>
+    </dgm:linClrLst>
+    <dgm:effectClrLst/>
+    <dgm:txLinClrLst/>
+    <dgm:txFillClrLst meth="repeat">
+      <a:schemeClr val="dk1"/>
+    </dgm:txFillClrLst>
+    <dgm:txEffectClrLst/>
+  </dgm:styleLbl>
+  <dgm:styleLbl name="fgAcc2">
+    <dgm:fillClrLst meth="repeat">
+      <a:schemeClr val="lt1">
+        <a:alpha val="90000"/>
+      </a:schemeClr>
+    </dgm:fillClrLst>
+    <dgm:linClrLst meth="repeat">
+      <a:schemeClr val="accent3"/>
+    </dgm:linClrLst>
+    <dgm:effectClrLst/>
+    <dgm:txLinClrLst/>
+    <dgm:txFillClrLst meth="repeat">
+      <a:schemeClr val="dk1"/>
+    </dgm:txFillClrLst>
+    <dgm:txEffectClrLst/>
+  </dgm:styleLbl>
+  <dgm:styleLbl name="fgAcc3">
+    <dgm:fillClrLst meth="repeat">
+      <a:schemeClr val="lt1">
+        <a:alpha val="90000"/>
+      </a:schemeClr>
+    </dgm:fillClrLst>
+    <dgm:linClrLst meth="repeat">
+      <a:schemeClr val="accent3"/>
+    </dgm:linClrLst>
+    <dgm:effectClrLst/>
+    <dgm:txLinClrLst/>
+    <dgm:txFillClrLst meth="repeat">
+      <a:schemeClr val="dk1"/>
+    </dgm:txFillClrLst>
+    <dgm:txEffectClrLst/>
+  </dgm:styleLbl>
+  <dgm:styleLbl name="fgAcc4">
+    <dgm:fillClrLst meth="repeat">
+      <a:schemeClr val="lt1">
+        <a:alpha val="90000"/>
+      </a:schemeClr>
+    </dgm:fillClrLst>
+    <dgm:linClrLst meth="repeat">
+      <a:schemeClr val="accent3"/>
+    </dgm:linClrLst>
+    <dgm:effectClrLst/>
+    <dgm:txLinClrLst/>
+    <dgm:txFillClrLst meth="repeat">
+      <a:schemeClr val="dk1"/>
+    </dgm:txFillClrLst>
+    <dgm:txEffectClrLst/>
+  </dgm:styleLbl>
+  <dgm:styleLbl name="bgShp">
+    <dgm:fillClrLst meth="repeat">
+      <a:schemeClr val="accent3">
+        <a:tint val="40000"/>
+      </a:schemeClr>
+    </dgm:fillClrLst>
+    <dgm:linClrLst meth="repeat">
+      <a:schemeClr val="accent3"/>
+    </dgm:linClrLst>
+    <dgm:effectClrLst/>
+    <dgm:txLinClrLst/>
+    <dgm:txFillClrLst meth="repeat">
+      <a:schemeClr val="dk1"/>
+    </dgm:txFillClrLst>
+    <dgm:txEffectClrLst/>
+  </dgm:styleLbl>
+  <dgm:styleLbl name="dkBgShp">
+    <dgm:fillClrLst meth="repeat">
+      <a:schemeClr val="accent3">
+        <a:shade val="80000"/>
+      </a:schemeClr>
+    </dgm:fillClrLst>
+    <dgm:linClrLst meth="repeat">
+      <a:schemeClr val="accent3"/>
+    </dgm:linClrLst>
+    <dgm:effectClrLst/>
+    <dgm:txLinClrLst/>
+    <dgm:txFillClrLst meth="repeat">
+      <a:schemeClr val="lt1"/>
+    </dgm:txFillClrLst>
+    <dgm:txEffectClrLst/>
+  </dgm:styleLbl>
+  <dgm:styleLbl name="trBgShp">
+    <dgm:fillClrLst meth="repeat">
+      <a:schemeClr val="accent3">
+        <a:tint val="50000"/>
+        <a:alpha val="40000"/>
+      </a:schemeClr>
+    </dgm:fillClrLst>
+    <dgm:linClrLst meth="repeat">
+      <a:schemeClr val="accent3"/>
+    </dgm:linClrLst>
+    <dgm:effectClrLst/>
+    <dgm:txLinClrLst/>
+    <dgm:txFillClrLst meth="repeat">
+      <a:schemeClr val="lt1"/>
+    </dgm:txFillClrLst>
+    <dgm:txEffectClrLst/>
+  </dgm:styleLbl>
+  <dgm:styleLbl name="fgShp">
+    <dgm:fillClrLst meth="repeat">
+      <a:schemeClr val="accent3">
+        <a:tint val="60000"/>
+      </a:schemeClr>
+    </dgm:fillClrLst>
+    <dgm:linClrLst meth="repeat">
+      <a:schemeClr val="lt1"/>
+    </dgm:linClrLst>
+    <dgm:effectClrLst/>
+    <dgm:txLinClrLst/>
+    <dgm:txFillClrLst meth="repeat">
+      <a:schemeClr val="dk1"/>
+    </dgm:txFillClrLst>
+    <dgm:txEffectClrLst/>
+  </dgm:styleLbl>
+  <dgm:styleLbl name="revTx">
+    <dgm:fillClrLst meth="repeat">
+      <a:schemeClr val="lt1">
+        <a:alpha val="0"/>
+      </a:schemeClr>
+    </dgm:fillClrLst>
+    <dgm:linClrLst meth="repeat">
+      <a:schemeClr val="dk1">
+        <a:alpha val="0"/>
+      </a:schemeClr>
+    </dgm:linClrLst>
+    <dgm:effectClrLst/>
+    <dgm:txLinClrLst/>
+    <dgm:txFillClrLst meth="repeat">
+      <a:schemeClr val="tx1"/>
+    </dgm:txFillClrLst>
+    <dgm:txEffectClrLst/>
+  </dgm:styleLbl>
+</dgm:colorsDef>
+</file>
+
 <file path=ppt/diagrams/data1.xml><?xml version="1.0" encoding="utf-8"?>
+<dgm:dataModel xmlns:dgm="http://schemas.openxmlformats.org/drawingml/2006/diagram" xmlns:a="http://schemas.openxmlformats.org/drawingml/2006/main">
+  <dgm:ptLst>
+    <dgm:pt modelId="{69809639-85E5-4BC9-B3D4-510DD612DB3A}" type="doc">
+      <dgm:prSet loTypeId="urn:microsoft.com/office/officeart/2005/8/layout/process3" loCatId="process" qsTypeId="urn:microsoft.com/office/officeart/2005/8/quickstyle/simple1" qsCatId="simple" csTypeId="urn:microsoft.com/office/officeart/2005/8/colors/accent0_3" csCatId="mainScheme" phldr="1"/>
+      <dgm:spPr/>
+      <dgm:t>
+        <a:bodyPr/>
+        <a:lstStyle/>
+        <a:p>
+          <a:endParaRPr lang="en-US"/>
+        </a:p>
+      </dgm:t>
+    </dgm:pt>
+    <dgm:pt modelId="{99640742-D67B-48F8-9704-AFEDFBF73D61}">
+      <dgm:prSet phldrT="[Text]"/>
+      <dgm:spPr/>
+      <dgm:t>
+        <a:bodyPr/>
+        <a:lstStyle/>
+        <a:p>
+          <a:r>
+            <a:rPr lang="de-DE" dirty="0"/>
+            <a:t>Wissenschaftliches System</a:t>
+          </a:r>
+          <a:endParaRPr lang="en-US" dirty="0"/>
+        </a:p>
+      </dgm:t>
+    </dgm:pt>
+    <dgm:pt modelId="{3A07493F-8DB3-4ED2-AC24-2B66FF673A07}" type="parTrans" cxnId="{B33EA167-30F3-4E29-BA41-9DFD9CCBB007}">
+      <dgm:prSet/>
+      <dgm:spPr/>
+      <dgm:t>
+        <a:bodyPr/>
+        <a:lstStyle/>
+        <a:p>
+          <a:endParaRPr lang="en-US"/>
+        </a:p>
+      </dgm:t>
+    </dgm:pt>
+    <dgm:pt modelId="{574EDD72-2EBE-426D-85DC-25B136F92ACF}" type="sibTrans" cxnId="{B33EA167-30F3-4E29-BA41-9DFD9CCBB007}">
+      <dgm:prSet/>
+      <dgm:spPr/>
+      <dgm:t>
+        <a:bodyPr/>
+        <a:lstStyle/>
+        <a:p>
+          <a:endParaRPr lang="en-US"/>
+        </a:p>
+      </dgm:t>
+    </dgm:pt>
+    <dgm:pt modelId="{8D720CFB-01E3-4B9B-AB86-2FA14448B8AE}">
+      <dgm:prSet phldrT="[Text]"/>
+      <dgm:spPr/>
+      <dgm:t>
+        <a:bodyPr/>
+        <a:lstStyle/>
+        <a:p>
+          <a:pPr>
+            <a:buFontTx/>
+            <a:buChar char="-"/>
+          </a:pPr>
+          <a:r>
+            <a:rPr lang="de-DE" dirty="0"/>
+            <a:t>Prekäre Arbeits-bedingungen</a:t>
+          </a:r>
+          <a:endParaRPr lang="en-US" dirty="0"/>
+        </a:p>
+      </dgm:t>
+    </dgm:pt>
+    <dgm:pt modelId="{014B39A5-D799-49E1-A25C-19A3CB4555C4}" type="parTrans" cxnId="{7B465CA2-9D82-408E-B8CA-F6F1495044B2}">
+      <dgm:prSet/>
+      <dgm:spPr/>
+      <dgm:t>
+        <a:bodyPr/>
+        <a:lstStyle/>
+        <a:p>
+          <a:endParaRPr lang="en-US"/>
+        </a:p>
+      </dgm:t>
+    </dgm:pt>
+    <dgm:pt modelId="{24FB93B1-18E8-4CF5-9818-6C353BA0008D}" type="sibTrans" cxnId="{7B465CA2-9D82-408E-B8CA-F6F1495044B2}">
+      <dgm:prSet/>
+      <dgm:spPr/>
+      <dgm:t>
+        <a:bodyPr/>
+        <a:lstStyle/>
+        <a:p>
+          <a:endParaRPr lang="en-US"/>
+        </a:p>
+      </dgm:t>
+    </dgm:pt>
+    <dgm:pt modelId="{CCED31AF-E5E0-4774-8B34-7C5AE4D47611}">
+      <dgm:prSet phldrT="[Text]"/>
+      <dgm:spPr/>
+      <dgm:t>
+        <a:bodyPr/>
+        <a:lstStyle/>
+        <a:p>
+          <a:r>
+            <a:rPr lang="de-DE" dirty="0"/>
+            <a:t>P-Hacking</a:t>
+          </a:r>
+          <a:endParaRPr lang="en-US" dirty="0"/>
+        </a:p>
+      </dgm:t>
+    </dgm:pt>
+    <dgm:pt modelId="{29708EDD-3F7E-45F8-8E0B-BE9550848598}" type="parTrans" cxnId="{370AF916-3D28-4816-AD62-75D55267F72A}">
+      <dgm:prSet/>
+      <dgm:spPr/>
+      <dgm:t>
+        <a:bodyPr/>
+        <a:lstStyle/>
+        <a:p>
+          <a:endParaRPr lang="en-US"/>
+        </a:p>
+      </dgm:t>
+    </dgm:pt>
+    <dgm:pt modelId="{099FCC4D-502B-49B1-8619-B6E25AD67A0C}" type="sibTrans" cxnId="{370AF916-3D28-4816-AD62-75D55267F72A}">
+      <dgm:prSet/>
+      <dgm:spPr/>
+      <dgm:t>
+        <a:bodyPr/>
+        <a:lstStyle/>
+        <a:p>
+          <a:endParaRPr lang="en-US"/>
+        </a:p>
+      </dgm:t>
+    </dgm:pt>
+    <dgm:pt modelId="{324BE3F8-EA5F-4AFE-821F-881D29BBC353}">
+      <dgm:prSet phldrT="[Text]"/>
+      <dgm:spPr/>
+      <dgm:t>
+        <a:bodyPr/>
+        <a:lstStyle/>
+        <a:p>
+          <a:pPr>
+            <a:buFontTx/>
+            <a:buChar char="-"/>
+          </a:pPr>
+          <a:r>
+            <a:rPr lang="de-DE" dirty="0"/>
+            <a:t>Effizientester Weg zur Erreichung einer unbefristeten Stelle</a:t>
+          </a:r>
+          <a:endParaRPr lang="en-US" dirty="0"/>
+        </a:p>
+      </dgm:t>
+    </dgm:pt>
+    <dgm:pt modelId="{D6E27EAB-D655-4833-BAB5-A24E3C9C683E}" type="parTrans" cxnId="{CB0E9972-0C24-42B9-94B5-A5C823C1D3C3}">
+      <dgm:prSet/>
+      <dgm:spPr/>
+      <dgm:t>
+        <a:bodyPr/>
+        <a:lstStyle/>
+        <a:p>
+          <a:endParaRPr lang="en-US"/>
+        </a:p>
+      </dgm:t>
+    </dgm:pt>
+    <dgm:pt modelId="{55782A96-BB66-4929-B6AE-607480ED23EE}" type="sibTrans" cxnId="{CB0E9972-0C24-42B9-94B5-A5C823C1D3C3}">
+      <dgm:prSet/>
+      <dgm:spPr/>
+      <dgm:t>
+        <a:bodyPr/>
+        <a:lstStyle/>
+        <a:p>
+          <a:endParaRPr lang="en-US"/>
+        </a:p>
+      </dgm:t>
+    </dgm:pt>
+    <dgm:pt modelId="{90BDFB30-D9D4-4A70-B0BB-1DFA1FBE6B20}">
+      <dgm:prSet phldrT="[Text]"/>
+      <dgm:spPr/>
+      <dgm:t>
+        <a:bodyPr/>
+        <a:lstStyle/>
+        <a:p>
+          <a:r>
+            <a:rPr lang="de-DE" dirty="0"/>
+            <a:t>Interessante Befunde werden publiziert</a:t>
+          </a:r>
+          <a:endParaRPr lang="en-US" dirty="0"/>
+        </a:p>
+      </dgm:t>
+    </dgm:pt>
+    <dgm:pt modelId="{CD0FAD31-2A15-45D8-8E9F-58D6745C1838}" type="parTrans" cxnId="{784D8EB3-B275-4C6D-970F-723D83B93715}">
+      <dgm:prSet/>
+      <dgm:spPr/>
+      <dgm:t>
+        <a:bodyPr/>
+        <a:lstStyle/>
+        <a:p>
+          <a:endParaRPr lang="en-US"/>
+        </a:p>
+      </dgm:t>
+    </dgm:pt>
+    <dgm:pt modelId="{C0CA77E9-2978-4E5C-B8C7-02F66A6C2454}" type="sibTrans" cxnId="{784D8EB3-B275-4C6D-970F-723D83B93715}">
+      <dgm:prSet/>
+      <dgm:spPr/>
+      <dgm:t>
+        <a:bodyPr/>
+        <a:lstStyle/>
+        <a:p>
+          <a:endParaRPr lang="en-US"/>
+        </a:p>
+      </dgm:t>
+    </dgm:pt>
+    <dgm:pt modelId="{DDDCA3D7-49E5-402B-B4AC-7F0C46CD707B}">
+      <dgm:prSet phldrT="[Text]"/>
+      <dgm:spPr/>
+      <dgm:t>
+        <a:bodyPr/>
+        <a:lstStyle/>
+        <a:p>
+          <a:pPr>
+            <a:buFontTx/>
+            <a:buChar char="-"/>
+          </a:pPr>
+          <a:r>
+            <a:rPr lang="de-DE" dirty="0"/>
+            <a:t>Befunde werden nur als informativ gewertet, wenn sie „</a:t>
+          </a:r>
+          <a:r>
+            <a:rPr lang="de-DE"/>
+            <a:t>statistisch signifikant“ sind</a:t>
+          </a:r>
+          <a:endParaRPr lang="en-US" dirty="0"/>
+        </a:p>
+      </dgm:t>
+    </dgm:pt>
+    <dgm:pt modelId="{1849213B-1189-4EB8-A3CE-8DE10CF61DCF}" type="parTrans" cxnId="{EA8EA157-E69C-4671-9B8A-CDA702F62E15}">
+      <dgm:prSet/>
+      <dgm:spPr/>
+      <dgm:t>
+        <a:bodyPr/>
+        <a:lstStyle/>
+        <a:p>
+          <a:endParaRPr lang="en-US"/>
+        </a:p>
+      </dgm:t>
+    </dgm:pt>
+    <dgm:pt modelId="{836430F1-8B64-4F0F-8341-66700CAD7B98}" type="sibTrans" cxnId="{EA8EA157-E69C-4671-9B8A-CDA702F62E15}">
+      <dgm:prSet/>
+      <dgm:spPr/>
+      <dgm:t>
+        <a:bodyPr/>
+        <a:lstStyle/>
+        <a:p>
+          <a:endParaRPr lang="en-US"/>
+        </a:p>
+      </dgm:t>
+    </dgm:pt>
+    <dgm:pt modelId="{D341F5D4-54B3-4C14-9A22-1857694437DA}">
+      <dgm:prSet phldrT="[Text]"/>
+      <dgm:spPr/>
+      <dgm:t>
+        <a:bodyPr/>
+        <a:lstStyle/>
+        <a:p>
+          <a:r>
+            <a:rPr lang="de-DE" dirty="0"/>
+            <a:t>Publikationsbias</a:t>
+          </a:r>
+          <a:endParaRPr lang="en-US" dirty="0"/>
+        </a:p>
+      </dgm:t>
+    </dgm:pt>
+    <dgm:pt modelId="{E329B3BF-2479-454C-9C8A-DFF416722E3A}" type="parTrans" cxnId="{7950F9AA-E06A-4CD8-8F78-BFC08B002857}">
+      <dgm:prSet/>
+      <dgm:spPr/>
+      <dgm:t>
+        <a:bodyPr/>
+        <a:lstStyle/>
+        <a:p>
+          <a:endParaRPr lang="en-US"/>
+        </a:p>
+      </dgm:t>
+    </dgm:pt>
+    <dgm:pt modelId="{792501A7-BAC5-49D3-BDBF-0CA080AA7772}" type="sibTrans" cxnId="{7950F9AA-E06A-4CD8-8F78-BFC08B002857}">
+      <dgm:prSet/>
+      <dgm:spPr/>
+      <dgm:t>
+        <a:bodyPr/>
+        <a:lstStyle/>
+        <a:p>
+          <a:endParaRPr lang="en-US"/>
+        </a:p>
+      </dgm:t>
+    </dgm:pt>
+    <dgm:pt modelId="{3F1C2F36-5EE7-4A35-828D-F4E48701BB69}">
+      <dgm:prSet phldrT="[Text]"/>
+      <dgm:spPr/>
+      <dgm:t>
+        <a:bodyPr/>
+        <a:lstStyle/>
+        <a:p>
+          <a:r>
+            <a:rPr lang="de-DE"/>
+            <a:t>Replikations-fehlschläge</a:t>
+          </a:r>
+          <a:endParaRPr lang="en-US" dirty="0"/>
+        </a:p>
+      </dgm:t>
+    </dgm:pt>
+    <dgm:pt modelId="{A1BA6975-6B2A-404A-91A7-95A716FDA187}" type="parTrans" cxnId="{638B892C-5EB4-407A-8A53-6B0D3303B3F4}">
+      <dgm:prSet/>
+      <dgm:spPr/>
+      <dgm:t>
+        <a:bodyPr/>
+        <a:lstStyle/>
+        <a:p>
+          <a:endParaRPr lang="en-US"/>
+        </a:p>
+      </dgm:t>
+    </dgm:pt>
+    <dgm:pt modelId="{8DA01F51-FCA7-4B84-85F9-E12C4793181B}" type="sibTrans" cxnId="{638B892C-5EB4-407A-8A53-6B0D3303B3F4}">
+      <dgm:prSet/>
+      <dgm:spPr/>
+      <dgm:t>
+        <a:bodyPr/>
+        <a:lstStyle/>
+        <a:p>
+          <a:endParaRPr lang="en-US"/>
+        </a:p>
+      </dgm:t>
+    </dgm:pt>
+    <dgm:pt modelId="{8F1B4071-1F5B-4154-950D-94A13A9C7EB7}">
+      <dgm:prSet phldrT="[Text]"/>
+      <dgm:spPr/>
+      <dgm:t>
+        <a:bodyPr/>
+        <a:lstStyle/>
+        <a:p>
+          <a:pPr>
+            <a:buFontTx/>
+            <a:buChar char="-"/>
+          </a:pPr>
+          <a:r>
+            <a:rPr lang="de-DE"/>
+            <a:t>Publikationen als Währung für unbefristete Stellen und Forschungsgelder</a:t>
+          </a:r>
+          <a:endParaRPr lang="en-US" dirty="0"/>
+        </a:p>
+      </dgm:t>
+    </dgm:pt>
+    <dgm:pt modelId="{6294CC99-6C44-4FDB-AB60-E78695A58939}" type="parTrans" cxnId="{194D580A-C71F-40C4-998D-3E6782B25F7B}">
+      <dgm:prSet/>
+      <dgm:spPr/>
+      <dgm:t>
+        <a:bodyPr/>
+        <a:lstStyle/>
+        <a:p>
+          <a:endParaRPr lang="en-US"/>
+        </a:p>
+      </dgm:t>
+    </dgm:pt>
+    <dgm:pt modelId="{3B8CF91C-AB3F-479F-9ABC-4AF48D601022}" type="sibTrans" cxnId="{194D580A-C71F-40C4-998D-3E6782B25F7B}">
+      <dgm:prSet/>
+      <dgm:spPr/>
+      <dgm:t>
+        <a:bodyPr/>
+        <a:lstStyle/>
+        <a:p>
+          <a:endParaRPr lang="en-US"/>
+        </a:p>
+      </dgm:t>
+    </dgm:pt>
+    <dgm:pt modelId="{311808EF-324A-4EB7-A352-13022E02D7EF}">
+      <dgm:prSet phldrT="[Text]"/>
+      <dgm:spPr/>
+      <dgm:t>
+        <a:bodyPr/>
+        <a:lstStyle/>
+        <a:p>
+          <a:pPr>
+            <a:buFontTx/>
+            <a:buChar char="-"/>
+          </a:pPr>
+          <a:r>
+            <a:rPr lang="de-DE" dirty="0"/>
+            <a:t>Verbreitung eigener Interessen und Ideologien</a:t>
+          </a:r>
+          <a:endParaRPr lang="en-US" dirty="0"/>
+        </a:p>
+      </dgm:t>
+    </dgm:pt>
+    <dgm:pt modelId="{9C607E82-F2A4-460D-B17F-28F4D08D8DCE}" type="parTrans" cxnId="{2564E56F-FB30-40D2-8444-BD76AB031F98}">
+      <dgm:prSet/>
+      <dgm:spPr/>
+      <dgm:t>
+        <a:bodyPr/>
+        <a:lstStyle/>
+        <a:p>
+          <a:endParaRPr lang="en-US"/>
+        </a:p>
+      </dgm:t>
+    </dgm:pt>
+    <dgm:pt modelId="{C2927D5D-06BC-46AF-AC1A-1AA9EA0EBBCA}" type="sibTrans" cxnId="{2564E56F-FB30-40D2-8444-BD76AB031F98}">
+      <dgm:prSet/>
+      <dgm:spPr/>
+      <dgm:t>
+        <a:bodyPr/>
+        <a:lstStyle/>
+        <a:p>
+          <a:endParaRPr lang="en-US"/>
+        </a:p>
+      </dgm:t>
+    </dgm:pt>
+    <dgm:pt modelId="{3149B413-086B-4A94-86F1-5907EE9F8814}">
+      <dgm:prSet phldrT="[Text]"/>
+      <dgm:spPr/>
+      <dgm:t>
+        <a:bodyPr/>
+        <a:lstStyle/>
+        <a:p>
+          <a:pPr>
+            <a:buFontTx/>
+            <a:buChar char="-"/>
+          </a:pPr>
+          <a:r>
+            <a:rPr lang="de-DE" dirty="0"/>
+            <a:t>Inhaltlich wichtig? / gut verkaufbar?</a:t>
+          </a:r>
+          <a:endParaRPr lang="en-US" dirty="0"/>
+        </a:p>
+      </dgm:t>
+    </dgm:pt>
+    <dgm:pt modelId="{4AAEEA84-25B2-42D9-9630-B2AC3560ACE4}" type="parTrans" cxnId="{72F0E37F-F3A8-4186-8F6D-A8D9292A845C}">
+      <dgm:prSet/>
+      <dgm:spPr/>
+      <dgm:t>
+        <a:bodyPr/>
+        <a:lstStyle/>
+        <a:p>
+          <a:endParaRPr lang="en-US"/>
+        </a:p>
+      </dgm:t>
+    </dgm:pt>
+    <dgm:pt modelId="{1E3E084C-4AE7-416E-8E0C-44C5BD671C2D}" type="sibTrans" cxnId="{72F0E37F-F3A8-4186-8F6D-A8D9292A845C}">
+      <dgm:prSet/>
+      <dgm:spPr/>
+      <dgm:t>
+        <a:bodyPr/>
+        <a:lstStyle/>
+        <a:p>
+          <a:endParaRPr lang="en-US"/>
+        </a:p>
+      </dgm:t>
+    </dgm:pt>
+    <dgm:pt modelId="{8FEC3579-6400-47B2-BC6F-9653737F35A6}">
+      <dgm:prSet phldrT="[Text]"/>
+      <dgm:spPr/>
+      <dgm:t>
+        <a:bodyPr/>
+        <a:lstStyle/>
+        <a:p>
+          <a:pPr>
+            <a:buFontTx/>
+            <a:buChar char="-"/>
+          </a:pPr>
+          <a:r>
+            <a:rPr lang="de-DE"/>
+            <a:t>Kontraintuitiv?</a:t>
+          </a:r>
+          <a:endParaRPr lang="en-US" dirty="0"/>
+        </a:p>
+      </dgm:t>
+    </dgm:pt>
+    <dgm:pt modelId="{705FFAB9-16D9-48C8-A28C-7E5F17A0C77D}" type="parTrans" cxnId="{6238DC6B-E1D0-4813-B4F4-16E239541AA4}">
+      <dgm:prSet/>
+      <dgm:spPr/>
+      <dgm:t>
+        <a:bodyPr/>
+        <a:lstStyle/>
+        <a:p>
+          <a:endParaRPr lang="en-US"/>
+        </a:p>
+      </dgm:t>
+    </dgm:pt>
+    <dgm:pt modelId="{33B69C1A-7BB5-4CC2-86CB-AD42031C7C0E}" type="sibTrans" cxnId="{6238DC6B-E1D0-4813-B4F4-16E239541AA4}">
+      <dgm:prSet/>
+      <dgm:spPr/>
+      <dgm:t>
+        <a:bodyPr/>
+        <a:lstStyle/>
+        <a:p>
+          <a:endParaRPr lang="en-US"/>
+        </a:p>
+      </dgm:t>
+    </dgm:pt>
+    <dgm:pt modelId="{1880F29C-6763-46F5-9814-D064E95C3D4A}">
+      <dgm:prSet phldrT="[Text]"/>
+      <dgm:spPr/>
+      <dgm:t>
+        <a:bodyPr/>
+        <a:lstStyle/>
+        <a:p>
+          <a:pPr>
+            <a:buFontTx/>
+            <a:buChar char="-"/>
+          </a:pPr>
+          <a:r>
+            <a:rPr lang="de-DE" dirty="0"/>
+            <a:t>Veröffentlichte Befunde stellen ein extrem verzerrtes Bild der Realität dar</a:t>
+          </a:r>
+          <a:endParaRPr lang="en-US" dirty="0"/>
+        </a:p>
+      </dgm:t>
+    </dgm:pt>
+    <dgm:pt modelId="{024C8B7D-02B8-468F-89FD-FA7D81AED13E}" type="parTrans" cxnId="{D0EDA742-DFE0-4881-9816-9FD96F7DB61D}">
+      <dgm:prSet/>
+      <dgm:spPr/>
+      <dgm:t>
+        <a:bodyPr/>
+        <a:lstStyle/>
+        <a:p>
+          <a:endParaRPr lang="en-US"/>
+        </a:p>
+      </dgm:t>
+    </dgm:pt>
+    <dgm:pt modelId="{F61C6534-0010-41E4-AFDC-56EB2A17790B}" type="sibTrans" cxnId="{D0EDA742-DFE0-4881-9816-9FD96F7DB61D}">
+      <dgm:prSet/>
+      <dgm:spPr/>
+      <dgm:t>
+        <a:bodyPr/>
+        <a:lstStyle/>
+        <a:p>
+          <a:endParaRPr lang="en-US"/>
+        </a:p>
+      </dgm:t>
+    </dgm:pt>
+    <dgm:pt modelId="{8E6DB8BD-3162-4FC7-AC19-299FAEE9CCCF}">
+      <dgm:prSet phldrT="[Text]"/>
+      <dgm:spPr/>
+      <dgm:t>
+        <a:bodyPr/>
+        <a:lstStyle/>
+        <a:p>
+          <a:pPr>
+            <a:buFontTx/>
+            <a:buChar char="-"/>
+          </a:pPr>
+          <a:r>
+            <a:rPr lang="de-DE" dirty="0"/>
+            <a:t>Meta-Analytische Methoden zur Korrektur der Verzerrung sind noch unzureichend</a:t>
+          </a:r>
+          <a:endParaRPr lang="en-US" dirty="0"/>
+        </a:p>
+      </dgm:t>
+    </dgm:pt>
+    <dgm:pt modelId="{8BBA72AF-1D47-4BA1-8621-88370282E8A5}" type="parTrans" cxnId="{0FAFC081-5489-4F81-9045-CF1E6F50D86C}">
+      <dgm:prSet/>
+      <dgm:spPr/>
+      <dgm:t>
+        <a:bodyPr/>
+        <a:lstStyle/>
+        <a:p>
+          <a:endParaRPr lang="en-US"/>
+        </a:p>
+      </dgm:t>
+    </dgm:pt>
+    <dgm:pt modelId="{F61295BB-CCDE-434F-804E-A42D720BF07E}" type="sibTrans" cxnId="{0FAFC081-5489-4F81-9045-CF1E6F50D86C}">
+      <dgm:prSet/>
+      <dgm:spPr/>
+      <dgm:t>
+        <a:bodyPr/>
+        <a:lstStyle/>
+        <a:p>
+          <a:endParaRPr lang="en-US"/>
+        </a:p>
+      </dgm:t>
+    </dgm:pt>
+    <dgm:pt modelId="{AA4065AC-23E3-420C-9902-846626D3C99E}">
+      <dgm:prSet phldrT="[Text]"/>
+      <dgm:spPr/>
+      <dgm:t>
+        <a:bodyPr/>
+        <a:lstStyle/>
+        <a:p>
+          <a:pPr>
+            <a:buFontTx/>
+            <a:buChar char="-"/>
+          </a:pPr>
+          <a:r>
+            <a:rPr lang="de-DE"/>
+            <a:t>Replikationsrate in vielen Disziplinen noch ungewiss</a:t>
+          </a:r>
+          <a:endParaRPr lang="en-US" dirty="0"/>
+        </a:p>
+      </dgm:t>
+    </dgm:pt>
+    <dgm:pt modelId="{955B018C-BE8D-48A0-8016-23B2A4731F32}" type="parTrans" cxnId="{E69EF03D-256B-4268-829B-DD94123E03E5}">
+      <dgm:prSet/>
+      <dgm:spPr/>
+      <dgm:t>
+        <a:bodyPr/>
+        <a:lstStyle/>
+        <a:p>
+          <a:endParaRPr lang="en-US"/>
+        </a:p>
+      </dgm:t>
+    </dgm:pt>
+    <dgm:pt modelId="{2FEC25C7-C083-4D08-AF3A-296B4E1B5443}" type="sibTrans" cxnId="{E69EF03D-256B-4268-829B-DD94123E03E5}">
+      <dgm:prSet/>
+      <dgm:spPr/>
+      <dgm:t>
+        <a:bodyPr/>
+        <a:lstStyle/>
+        <a:p>
+          <a:endParaRPr lang="en-US"/>
+        </a:p>
+      </dgm:t>
+    </dgm:pt>
+    <dgm:pt modelId="{379A93BC-C9FE-4200-9D73-E1EBE9BFE18C}">
+      <dgm:prSet phldrT="[Text]"/>
+      <dgm:spPr/>
+      <dgm:t>
+        <a:bodyPr/>
+        <a:lstStyle/>
+        <a:p>
+          <a:pPr>
+            <a:buFontTx/>
+            <a:buChar char="-"/>
+          </a:pPr>
+          <a:r>
+            <a:rPr lang="de-DE" dirty="0"/>
+            <a:t>Aufbauen auf bisherigen Befunden ist ein Glücksspiel</a:t>
+          </a:r>
+          <a:endParaRPr lang="en-US" dirty="0"/>
+        </a:p>
+      </dgm:t>
+    </dgm:pt>
+    <dgm:pt modelId="{9E929952-2B0B-47B8-ADDA-DD928E43229D}" type="parTrans" cxnId="{08A6F247-FC2A-4C49-913B-5CBE17214EE6}">
+      <dgm:prSet/>
+      <dgm:spPr/>
+      <dgm:t>
+        <a:bodyPr/>
+        <a:lstStyle/>
+        <a:p>
+          <a:endParaRPr lang="en-US"/>
+        </a:p>
+      </dgm:t>
+    </dgm:pt>
+    <dgm:pt modelId="{155E5FF3-EC01-4A99-853E-0DA55D4B2435}" type="sibTrans" cxnId="{08A6F247-FC2A-4C49-913B-5CBE17214EE6}">
+      <dgm:prSet/>
+      <dgm:spPr/>
+      <dgm:t>
+        <a:bodyPr/>
+        <a:lstStyle/>
+        <a:p>
+          <a:endParaRPr lang="en-US"/>
+        </a:p>
+      </dgm:t>
+    </dgm:pt>
+    <dgm:pt modelId="{A3D417DE-AAB5-4289-9709-B6944AE8CB72}">
+      <dgm:prSet phldrT="[Text]"/>
+      <dgm:spPr/>
+      <dgm:t>
+        <a:bodyPr/>
+        <a:lstStyle/>
+        <a:p>
+          <a:r>
+            <a:rPr lang="de-DE"/>
+            <a:t>50% aller Befunde lassen sich nicht replizieren</a:t>
+          </a:r>
+          <a:endParaRPr lang="en-US" dirty="0"/>
+        </a:p>
+      </dgm:t>
+    </dgm:pt>
+    <dgm:pt modelId="{04E98F56-876A-4693-A7B6-F6CB2A611E49}" type="parTrans" cxnId="{7E6A8A37-2236-4D9E-8CA7-562B034C5D8F}">
+      <dgm:prSet/>
+      <dgm:spPr/>
+      <dgm:t>
+        <a:bodyPr/>
+        <a:lstStyle/>
+        <a:p>
+          <a:endParaRPr lang="en-US"/>
+        </a:p>
+      </dgm:t>
+    </dgm:pt>
+    <dgm:pt modelId="{844A1DC9-902E-4D6F-A349-7876B6264830}" type="sibTrans" cxnId="{7E6A8A37-2236-4D9E-8CA7-562B034C5D8F}">
+      <dgm:prSet/>
+      <dgm:spPr/>
+      <dgm:t>
+        <a:bodyPr/>
+        <a:lstStyle/>
+        <a:p>
+          <a:endParaRPr lang="en-US"/>
+        </a:p>
+      </dgm:t>
+    </dgm:pt>
+    <dgm:pt modelId="{EF8300F6-50AF-4A8D-A0D4-CC2C22934CB2}" type="pres">
+      <dgm:prSet presAssocID="{69809639-85E5-4BC9-B3D4-510DD612DB3A}" presName="linearFlow" presStyleCnt="0">
+        <dgm:presLayoutVars>
+          <dgm:dir/>
+          <dgm:animLvl val="lvl"/>
+          <dgm:resizeHandles val="exact"/>
+        </dgm:presLayoutVars>
+      </dgm:prSet>
+      <dgm:spPr/>
+    </dgm:pt>
+    <dgm:pt modelId="{5CA31313-841C-4DC5-B6D6-CA7BC931FB34}" type="pres">
+      <dgm:prSet presAssocID="{99640742-D67B-48F8-9704-AFEDFBF73D61}" presName="composite" presStyleCnt="0"/>
+      <dgm:spPr/>
+    </dgm:pt>
+    <dgm:pt modelId="{8CAB05FB-1931-4BDE-BA0F-5E7E602DF65B}" type="pres">
+      <dgm:prSet presAssocID="{99640742-D67B-48F8-9704-AFEDFBF73D61}" presName="parTx" presStyleLbl="node1" presStyleIdx="0" presStyleCnt="5">
+        <dgm:presLayoutVars>
+          <dgm:chMax val="0"/>
+          <dgm:chPref val="0"/>
+          <dgm:bulletEnabled val="1"/>
+        </dgm:presLayoutVars>
+      </dgm:prSet>
+      <dgm:spPr/>
+    </dgm:pt>
+    <dgm:pt modelId="{41A2E78A-ADEA-465E-A32E-DF95075B50DF}" type="pres">
+      <dgm:prSet presAssocID="{99640742-D67B-48F8-9704-AFEDFBF73D61}" presName="parSh" presStyleLbl="node1" presStyleIdx="0" presStyleCnt="5"/>
+      <dgm:spPr/>
+    </dgm:pt>
+    <dgm:pt modelId="{FCBC6A91-87A1-475F-8343-96C9BDF57E6D}" type="pres">
+      <dgm:prSet presAssocID="{99640742-D67B-48F8-9704-AFEDFBF73D61}" presName="desTx" presStyleLbl="fgAcc1" presStyleIdx="0" presStyleCnt="5">
+        <dgm:presLayoutVars>
+          <dgm:bulletEnabled val="1"/>
+        </dgm:presLayoutVars>
+      </dgm:prSet>
+      <dgm:spPr/>
+    </dgm:pt>
+    <dgm:pt modelId="{6E1007A0-F3BF-4776-9074-529AB46FAA13}" type="pres">
+      <dgm:prSet presAssocID="{574EDD72-2EBE-426D-85DC-25B136F92ACF}" presName="sibTrans" presStyleLbl="sibTrans2D1" presStyleIdx="0" presStyleCnt="4"/>
+      <dgm:spPr/>
+    </dgm:pt>
+    <dgm:pt modelId="{243803EA-FA79-4136-83B1-B467FD8E0C96}" type="pres">
+      <dgm:prSet presAssocID="{574EDD72-2EBE-426D-85DC-25B136F92ACF}" presName="connTx" presStyleLbl="sibTrans2D1" presStyleIdx="0" presStyleCnt="4"/>
+      <dgm:spPr/>
+    </dgm:pt>
+    <dgm:pt modelId="{F5FDDD68-284C-48AC-AAB1-D4E924C64A07}" type="pres">
+      <dgm:prSet presAssocID="{CCED31AF-E5E0-4774-8B34-7C5AE4D47611}" presName="composite" presStyleCnt="0"/>
+      <dgm:spPr/>
+    </dgm:pt>
+    <dgm:pt modelId="{961BBBCE-74DF-4BF0-B156-7AB12241CC15}" type="pres">
+      <dgm:prSet presAssocID="{CCED31AF-E5E0-4774-8B34-7C5AE4D47611}" presName="parTx" presStyleLbl="node1" presStyleIdx="0" presStyleCnt="5">
+        <dgm:presLayoutVars>
+          <dgm:chMax val="0"/>
+          <dgm:chPref val="0"/>
+          <dgm:bulletEnabled val="1"/>
+        </dgm:presLayoutVars>
+      </dgm:prSet>
+      <dgm:spPr/>
+    </dgm:pt>
+    <dgm:pt modelId="{9CC74E6E-B055-4388-938C-09365EC37C3B}" type="pres">
+      <dgm:prSet presAssocID="{CCED31AF-E5E0-4774-8B34-7C5AE4D47611}" presName="parSh" presStyleLbl="node1" presStyleIdx="1" presStyleCnt="5"/>
+      <dgm:spPr/>
+    </dgm:pt>
+    <dgm:pt modelId="{6776D43E-F225-41A6-B2BC-9E4122BD1187}" type="pres">
+      <dgm:prSet presAssocID="{CCED31AF-E5E0-4774-8B34-7C5AE4D47611}" presName="desTx" presStyleLbl="fgAcc1" presStyleIdx="1" presStyleCnt="5">
+        <dgm:presLayoutVars>
+          <dgm:bulletEnabled val="1"/>
+        </dgm:presLayoutVars>
+      </dgm:prSet>
+      <dgm:spPr/>
+    </dgm:pt>
+    <dgm:pt modelId="{85DD399F-6174-45C3-BC93-0CEAD5AC25FB}" type="pres">
+      <dgm:prSet presAssocID="{099FCC4D-502B-49B1-8619-B6E25AD67A0C}" presName="sibTrans" presStyleLbl="sibTrans2D1" presStyleIdx="1" presStyleCnt="4"/>
+      <dgm:spPr/>
+    </dgm:pt>
+    <dgm:pt modelId="{ED166344-FE82-4437-BD74-E580A3B831A2}" type="pres">
+      <dgm:prSet presAssocID="{099FCC4D-502B-49B1-8619-B6E25AD67A0C}" presName="connTx" presStyleLbl="sibTrans2D1" presStyleIdx="1" presStyleCnt="4"/>
+      <dgm:spPr/>
+    </dgm:pt>
+    <dgm:pt modelId="{1AD26D84-4EC6-477D-B313-71D36CDB0F4E}" type="pres">
+      <dgm:prSet presAssocID="{90BDFB30-D9D4-4A70-B0BB-1DFA1FBE6B20}" presName="composite" presStyleCnt="0"/>
+      <dgm:spPr/>
+    </dgm:pt>
+    <dgm:pt modelId="{221C8C14-8084-43BF-AD3A-6AB09D0E0204}" type="pres">
+      <dgm:prSet presAssocID="{90BDFB30-D9D4-4A70-B0BB-1DFA1FBE6B20}" presName="parTx" presStyleLbl="node1" presStyleIdx="1" presStyleCnt="5">
+        <dgm:presLayoutVars>
+          <dgm:chMax val="0"/>
+          <dgm:chPref val="0"/>
+          <dgm:bulletEnabled val="1"/>
+        </dgm:presLayoutVars>
+      </dgm:prSet>
+      <dgm:spPr/>
+    </dgm:pt>
+    <dgm:pt modelId="{70434897-59C9-48C3-A459-1AED7F360BDA}" type="pres">
+      <dgm:prSet presAssocID="{90BDFB30-D9D4-4A70-B0BB-1DFA1FBE6B20}" presName="parSh" presStyleLbl="node1" presStyleIdx="2" presStyleCnt="5"/>
+      <dgm:spPr/>
+    </dgm:pt>
+    <dgm:pt modelId="{1C84FA78-9420-4F3C-8B93-DFBA7BAB2247}" type="pres">
+      <dgm:prSet presAssocID="{90BDFB30-D9D4-4A70-B0BB-1DFA1FBE6B20}" presName="desTx" presStyleLbl="fgAcc1" presStyleIdx="2" presStyleCnt="5">
+        <dgm:presLayoutVars>
+          <dgm:bulletEnabled val="1"/>
+        </dgm:presLayoutVars>
+      </dgm:prSet>
+      <dgm:spPr/>
+    </dgm:pt>
+    <dgm:pt modelId="{C709D72A-3BDD-430D-B48A-DFB5CAD14E1C}" type="pres">
+      <dgm:prSet presAssocID="{C0CA77E9-2978-4E5C-B8C7-02F66A6C2454}" presName="sibTrans" presStyleLbl="sibTrans2D1" presStyleIdx="2" presStyleCnt="4"/>
+      <dgm:spPr/>
+    </dgm:pt>
+    <dgm:pt modelId="{B257A734-08FB-4F1D-9C20-5E6254F9586E}" type="pres">
+      <dgm:prSet presAssocID="{C0CA77E9-2978-4E5C-B8C7-02F66A6C2454}" presName="connTx" presStyleLbl="sibTrans2D1" presStyleIdx="2" presStyleCnt="4"/>
+      <dgm:spPr/>
+    </dgm:pt>
+    <dgm:pt modelId="{8A542550-3F36-4003-A32F-ED2B96F6AEB3}" type="pres">
+      <dgm:prSet presAssocID="{D341F5D4-54B3-4C14-9A22-1857694437DA}" presName="composite" presStyleCnt="0"/>
+      <dgm:spPr/>
+    </dgm:pt>
+    <dgm:pt modelId="{E5E07B8B-1973-4CAC-9F5C-BC174F0647ED}" type="pres">
+      <dgm:prSet presAssocID="{D341F5D4-54B3-4C14-9A22-1857694437DA}" presName="parTx" presStyleLbl="node1" presStyleIdx="2" presStyleCnt="5">
+        <dgm:presLayoutVars>
+          <dgm:chMax val="0"/>
+          <dgm:chPref val="0"/>
+          <dgm:bulletEnabled val="1"/>
+        </dgm:presLayoutVars>
+      </dgm:prSet>
+      <dgm:spPr/>
+    </dgm:pt>
+    <dgm:pt modelId="{7E8D54B2-AD85-4F6A-9FAB-A22A0C3D68DD}" type="pres">
+      <dgm:prSet presAssocID="{D341F5D4-54B3-4C14-9A22-1857694437DA}" presName="parSh" presStyleLbl="node1" presStyleIdx="3" presStyleCnt="5"/>
+      <dgm:spPr/>
+    </dgm:pt>
+    <dgm:pt modelId="{47BB3BCA-E316-4503-BDC5-A552C4F9DA6A}" type="pres">
+      <dgm:prSet presAssocID="{D341F5D4-54B3-4C14-9A22-1857694437DA}" presName="desTx" presStyleLbl="fgAcc1" presStyleIdx="3" presStyleCnt="5">
+        <dgm:presLayoutVars>
+          <dgm:bulletEnabled val="1"/>
+        </dgm:presLayoutVars>
+      </dgm:prSet>
+      <dgm:spPr/>
+    </dgm:pt>
+    <dgm:pt modelId="{77C294DA-A70A-4111-B726-D04842D4B795}" type="pres">
+      <dgm:prSet presAssocID="{792501A7-BAC5-49D3-BDBF-0CA080AA7772}" presName="sibTrans" presStyleLbl="sibTrans2D1" presStyleIdx="3" presStyleCnt="4"/>
+      <dgm:spPr/>
+    </dgm:pt>
+    <dgm:pt modelId="{FB3A7E4B-B949-4AC3-B072-92084ED53265}" type="pres">
+      <dgm:prSet presAssocID="{792501A7-BAC5-49D3-BDBF-0CA080AA7772}" presName="connTx" presStyleLbl="sibTrans2D1" presStyleIdx="3" presStyleCnt="4"/>
+      <dgm:spPr/>
+    </dgm:pt>
+    <dgm:pt modelId="{A9743B2B-2011-4195-8CB2-AE2981472865}" type="pres">
+      <dgm:prSet presAssocID="{3F1C2F36-5EE7-4A35-828D-F4E48701BB69}" presName="composite" presStyleCnt="0"/>
+      <dgm:spPr/>
+    </dgm:pt>
+    <dgm:pt modelId="{BEBC0C69-9AF8-46BD-86CC-C7148DF0C792}" type="pres">
+      <dgm:prSet presAssocID="{3F1C2F36-5EE7-4A35-828D-F4E48701BB69}" presName="parTx" presStyleLbl="node1" presStyleIdx="3" presStyleCnt="5">
+        <dgm:presLayoutVars>
+          <dgm:chMax val="0"/>
+          <dgm:chPref val="0"/>
+          <dgm:bulletEnabled val="1"/>
+        </dgm:presLayoutVars>
+      </dgm:prSet>
+      <dgm:spPr/>
+    </dgm:pt>
+    <dgm:pt modelId="{6B437F4F-13B3-41CC-94D3-851CAB3822F6}" type="pres">
+      <dgm:prSet presAssocID="{3F1C2F36-5EE7-4A35-828D-F4E48701BB69}" presName="parSh" presStyleLbl="node1" presStyleIdx="4" presStyleCnt="5"/>
+      <dgm:spPr/>
+    </dgm:pt>
+    <dgm:pt modelId="{958A38CB-E9F2-45AA-9213-82E6862D7972}" type="pres">
+      <dgm:prSet presAssocID="{3F1C2F36-5EE7-4A35-828D-F4E48701BB69}" presName="desTx" presStyleLbl="fgAcc1" presStyleIdx="4" presStyleCnt="5">
+        <dgm:presLayoutVars>
+          <dgm:bulletEnabled val="1"/>
+        </dgm:presLayoutVars>
+      </dgm:prSet>
+      <dgm:spPr/>
+    </dgm:pt>
+  </dgm:ptLst>
+  <dgm:cxnLst>
+    <dgm:cxn modelId="{194D580A-C71F-40C4-998D-3E6782B25F7B}" srcId="{99640742-D67B-48F8-9704-AFEDFBF73D61}" destId="{8F1B4071-1F5B-4154-950D-94A13A9C7EB7}" srcOrd="1" destOrd="0" parTransId="{6294CC99-6C44-4FDB-AB60-E78695A58939}" sibTransId="{3B8CF91C-AB3F-479F-9ABC-4AF48D601022}"/>
+    <dgm:cxn modelId="{14264612-CC76-4B30-81D8-3DB1E8831DFA}" type="presOf" srcId="{099FCC4D-502B-49B1-8619-B6E25AD67A0C}" destId="{ED166344-FE82-4437-BD74-E580A3B831A2}" srcOrd="1" destOrd="0" presId="urn:microsoft.com/office/officeart/2005/8/layout/process3"/>
+    <dgm:cxn modelId="{F176F912-0109-4C57-BD74-F41D2CD8D9FD}" type="presOf" srcId="{1880F29C-6763-46F5-9814-D064E95C3D4A}" destId="{47BB3BCA-E316-4503-BDC5-A552C4F9DA6A}" srcOrd="0" destOrd="0" presId="urn:microsoft.com/office/officeart/2005/8/layout/process3"/>
+    <dgm:cxn modelId="{370AF916-3D28-4816-AD62-75D55267F72A}" srcId="{69809639-85E5-4BC9-B3D4-510DD612DB3A}" destId="{CCED31AF-E5E0-4774-8B34-7C5AE4D47611}" srcOrd="1" destOrd="0" parTransId="{29708EDD-3F7E-45F8-8E0B-BE9550848598}" sibTransId="{099FCC4D-502B-49B1-8619-B6E25AD67A0C}"/>
+    <dgm:cxn modelId="{09083B28-329C-48FD-8743-A1DF2DD80768}" type="presOf" srcId="{379A93BC-C9FE-4200-9D73-E1EBE9BFE18C}" destId="{958A38CB-E9F2-45AA-9213-82E6862D7972}" srcOrd="0" destOrd="2" presId="urn:microsoft.com/office/officeart/2005/8/layout/process3"/>
+    <dgm:cxn modelId="{638B892C-5EB4-407A-8A53-6B0D3303B3F4}" srcId="{69809639-85E5-4BC9-B3D4-510DD612DB3A}" destId="{3F1C2F36-5EE7-4A35-828D-F4E48701BB69}" srcOrd="4" destOrd="0" parTransId="{A1BA6975-6B2A-404A-91A7-95A716FDA187}" sibTransId="{8DA01F51-FCA7-4B84-85F9-E12C4793181B}"/>
+    <dgm:cxn modelId="{7E6A8A37-2236-4D9E-8CA7-562B034C5D8F}" srcId="{3F1C2F36-5EE7-4A35-828D-F4E48701BB69}" destId="{A3D417DE-AAB5-4289-9709-B6944AE8CB72}" srcOrd="0" destOrd="0" parTransId="{04E98F56-876A-4693-A7B6-F6CB2A611E49}" sibTransId="{844A1DC9-902E-4D6F-A349-7876B6264830}"/>
+    <dgm:cxn modelId="{E69EF03D-256B-4268-829B-DD94123E03E5}" srcId="{3F1C2F36-5EE7-4A35-828D-F4E48701BB69}" destId="{AA4065AC-23E3-420C-9902-846626D3C99E}" srcOrd="1" destOrd="0" parTransId="{955B018C-BE8D-48A0-8016-23B2A4731F32}" sibTransId="{2FEC25C7-C083-4D08-AF3A-296B4E1B5443}"/>
+    <dgm:cxn modelId="{0C8A4060-6C76-4DA0-82E6-472221C8971E}" type="presOf" srcId="{574EDD72-2EBE-426D-85DC-25B136F92ACF}" destId="{6E1007A0-F3BF-4776-9074-529AB46FAA13}" srcOrd="0" destOrd="0" presId="urn:microsoft.com/office/officeart/2005/8/layout/process3"/>
+    <dgm:cxn modelId="{0F333E61-8E3B-47BE-84A5-379496F19CA2}" type="presOf" srcId="{C0CA77E9-2978-4E5C-B8C7-02F66A6C2454}" destId="{B257A734-08FB-4F1D-9C20-5E6254F9586E}" srcOrd="1" destOrd="0" presId="urn:microsoft.com/office/officeart/2005/8/layout/process3"/>
+    <dgm:cxn modelId="{D0EDA742-DFE0-4881-9816-9FD96F7DB61D}" srcId="{D341F5D4-54B3-4C14-9A22-1857694437DA}" destId="{1880F29C-6763-46F5-9814-D064E95C3D4A}" srcOrd="0" destOrd="0" parTransId="{024C8B7D-02B8-468F-89FD-FA7D81AED13E}" sibTransId="{F61C6534-0010-41E4-AFDC-56EB2A17790B}"/>
+    <dgm:cxn modelId="{0D81A443-1CD4-4999-88A9-CD449A80EE2D}" type="presOf" srcId="{574EDD72-2EBE-426D-85DC-25B136F92ACF}" destId="{243803EA-FA79-4136-83B1-B467FD8E0C96}" srcOrd="1" destOrd="0" presId="urn:microsoft.com/office/officeart/2005/8/layout/process3"/>
+    <dgm:cxn modelId="{04773444-9E80-41D2-A124-54BFFC1554DC}" type="presOf" srcId="{99640742-D67B-48F8-9704-AFEDFBF73D61}" destId="{41A2E78A-ADEA-465E-A32E-DF95075B50DF}" srcOrd="1" destOrd="0" presId="urn:microsoft.com/office/officeart/2005/8/layout/process3"/>
+    <dgm:cxn modelId="{B33EA167-30F3-4E29-BA41-9DFD9CCBB007}" srcId="{69809639-85E5-4BC9-B3D4-510DD612DB3A}" destId="{99640742-D67B-48F8-9704-AFEDFBF73D61}" srcOrd="0" destOrd="0" parTransId="{3A07493F-8DB3-4ED2-AC24-2B66FF673A07}" sibTransId="{574EDD72-2EBE-426D-85DC-25B136F92ACF}"/>
+    <dgm:cxn modelId="{08A6F247-FC2A-4C49-913B-5CBE17214EE6}" srcId="{3F1C2F36-5EE7-4A35-828D-F4E48701BB69}" destId="{379A93BC-C9FE-4200-9D73-E1EBE9BFE18C}" srcOrd="2" destOrd="0" parTransId="{9E929952-2B0B-47B8-ADDA-DD928E43229D}" sibTransId="{155E5FF3-EC01-4A99-853E-0DA55D4B2435}"/>
+    <dgm:cxn modelId="{6238DC6B-E1D0-4813-B4F4-16E239541AA4}" srcId="{90BDFB30-D9D4-4A70-B0BB-1DFA1FBE6B20}" destId="{8FEC3579-6400-47B2-BC6F-9653737F35A6}" srcOrd="2" destOrd="0" parTransId="{705FFAB9-16D9-48C8-A28C-7E5F17A0C77D}" sibTransId="{33B69C1A-7BB5-4CC2-86CB-AD42031C7C0E}"/>
+    <dgm:cxn modelId="{2564E56F-FB30-40D2-8444-BD76AB031F98}" srcId="{CCED31AF-E5E0-4774-8B34-7C5AE4D47611}" destId="{311808EF-324A-4EB7-A352-13022E02D7EF}" srcOrd="1" destOrd="0" parTransId="{9C607E82-F2A4-460D-B17F-28F4D08D8DCE}" sibTransId="{C2927D5D-06BC-46AF-AC1A-1AA9EA0EBBCA}"/>
+    <dgm:cxn modelId="{CB0E9972-0C24-42B9-94B5-A5C823C1D3C3}" srcId="{CCED31AF-E5E0-4774-8B34-7C5AE4D47611}" destId="{324BE3F8-EA5F-4AFE-821F-881D29BBC353}" srcOrd="0" destOrd="0" parTransId="{D6E27EAB-D655-4833-BAB5-A24E3C9C683E}" sibTransId="{55782A96-BB66-4929-B6AE-607480ED23EE}"/>
+    <dgm:cxn modelId="{BC162C56-81D5-4389-8BC3-81D74292A252}" type="presOf" srcId="{8F1B4071-1F5B-4154-950D-94A13A9C7EB7}" destId="{FCBC6A91-87A1-475F-8343-96C9BDF57E6D}" srcOrd="0" destOrd="1" presId="urn:microsoft.com/office/officeart/2005/8/layout/process3"/>
+    <dgm:cxn modelId="{EA8EA157-E69C-4671-9B8A-CDA702F62E15}" srcId="{90BDFB30-D9D4-4A70-B0BB-1DFA1FBE6B20}" destId="{DDDCA3D7-49E5-402B-B4AC-7F0C46CD707B}" srcOrd="0" destOrd="0" parTransId="{1849213B-1189-4EB8-A3CE-8DE10CF61DCF}" sibTransId="{836430F1-8B64-4F0F-8341-66700CAD7B98}"/>
+    <dgm:cxn modelId="{72F0E37F-F3A8-4186-8F6D-A8D9292A845C}" srcId="{90BDFB30-D9D4-4A70-B0BB-1DFA1FBE6B20}" destId="{3149B413-086B-4A94-86F1-5907EE9F8814}" srcOrd="1" destOrd="0" parTransId="{4AAEEA84-25B2-42D9-9630-B2AC3560ACE4}" sibTransId="{1E3E084C-4AE7-416E-8E0C-44C5BD671C2D}"/>
+    <dgm:cxn modelId="{0FAFC081-5489-4F81-9045-CF1E6F50D86C}" srcId="{D341F5D4-54B3-4C14-9A22-1857694437DA}" destId="{8E6DB8BD-3162-4FC7-AC19-299FAEE9CCCF}" srcOrd="1" destOrd="0" parTransId="{8BBA72AF-1D47-4BA1-8621-88370282E8A5}" sibTransId="{F61295BB-CCDE-434F-804E-A42D720BF07E}"/>
+    <dgm:cxn modelId="{DDB2C786-8483-4AEE-B23F-508EA5AAE08D}" type="presOf" srcId="{A3D417DE-AAB5-4289-9709-B6944AE8CB72}" destId="{958A38CB-E9F2-45AA-9213-82E6862D7972}" srcOrd="0" destOrd="0" presId="urn:microsoft.com/office/officeart/2005/8/layout/process3"/>
+    <dgm:cxn modelId="{1417BD87-1D42-4555-B726-0F0FC5718004}" type="presOf" srcId="{CCED31AF-E5E0-4774-8B34-7C5AE4D47611}" destId="{9CC74E6E-B055-4388-938C-09365EC37C3B}" srcOrd="1" destOrd="0" presId="urn:microsoft.com/office/officeart/2005/8/layout/process3"/>
+    <dgm:cxn modelId="{FE0DDA8B-4408-4DE4-AA7C-1899AB5FB78C}" type="presOf" srcId="{90BDFB30-D9D4-4A70-B0BB-1DFA1FBE6B20}" destId="{221C8C14-8084-43BF-AD3A-6AB09D0E0204}" srcOrd="0" destOrd="0" presId="urn:microsoft.com/office/officeart/2005/8/layout/process3"/>
+    <dgm:cxn modelId="{CF30E390-5931-4525-9538-1AE211B3FA8A}" type="presOf" srcId="{D341F5D4-54B3-4C14-9A22-1857694437DA}" destId="{E5E07B8B-1973-4CAC-9F5C-BC174F0647ED}" srcOrd="0" destOrd="0" presId="urn:microsoft.com/office/officeart/2005/8/layout/process3"/>
+    <dgm:cxn modelId="{A3727398-79F4-4567-A374-1A85D99DECE4}" type="presOf" srcId="{8FEC3579-6400-47B2-BC6F-9653737F35A6}" destId="{1C84FA78-9420-4F3C-8B93-DFBA7BAB2247}" srcOrd="0" destOrd="2" presId="urn:microsoft.com/office/officeart/2005/8/layout/process3"/>
+    <dgm:cxn modelId="{053F8A98-F130-4101-A772-8A947F3599D5}" type="presOf" srcId="{792501A7-BAC5-49D3-BDBF-0CA080AA7772}" destId="{FB3A7E4B-B949-4AC3-B072-92084ED53265}" srcOrd="1" destOrd="0" presId="urn:microsoft.com/office/officeart/2005/8/layout/process3"/>
+    <dgm:cxn modelId="{69086F9B-9C57-4F93-ADDE-4D7CA7143375}" type="presOf" srcId="{99640742-D67B-48F8-9704-AFEDFBF73D61}" destId="{8CAB05FB-1931-4BDE-BA0F-5E7E602DF65B}" srcOrd="0" destOrd="0" presId="urn:microsoft.com/office/officeart/2005/8/layout/process3"/>
+    <dgm:cxn modelId="{7D71419D-BBED-48E0-8828-B87471DDC3CD}" type="presOf" srcId="{792501A7-BAC5-49D3-BDBF-0CA080AA7772}" destId="{77C294DA-A70A-4111-B726-D04842D4B795}" srcOrd="0" destOrd="0" presId="urn:microsoft.com/office/officeart/2005/8/layout/process3"/>
+    <dgm:cxn modelId="{71B9A09F-0390-4CEC-805A-58CCAA0E8A60}" type="presOf" srcId="{69809639-85E5-4BC9-B3D4-510DD612DB3A}" destId="{EF8300F6-50AF-4A8D-A0D4-CC2C22934CB2}" srcOrd="0" destOrd="0" presId="urn:microsoft.com/office/officeart/2005/8/layout/process3"/>
+    <dgm:cxn modelId="{CB0BC89F-6BFC-41E7-A9A9-E503B7D06A0D}" type="presOf" srcId="{8D720CFB-01E3-4B9B-AB86-2FA14448B8AE}" destId="{FCBC6A91-87A1-475F-8343-96C9BDF57E6D}" srcOrd="0" destOrd="0" presId="urn:microsoft.com/office/officeart/2005/8/layout/process3"/>
+    <dgm:cxn modelId="{7B465CA2-9D82-408E-B8CA-F6F1495044B2}" srcId="{99640742-D67B-48F8-9704-AFEDFBF73D61}" destId="{8D720CFB-01E3-4B9B-AB86-2FA14448B8AE}" srcOrd="0" destOrd="0" parTransId="{014B39A5-D799-49E1-A25C-19A3CB4555C4}" sibTransId="{24FB93B1-18E8-4CF5-9818-6C353BA0008D}"/>
+    <dgm:cxn modelId="{7F2760AA-34A1-48AC-9E07-D176E80C224B}" type="presOf" srcId="{3F1C2F36-5EE7-4A35-828D-F4E48701BB69}" destId="{6B437F4F-13B3-41CC-94D3-851CAB3822F6}" srcOrd="1" destOrd="0" presId="urn:microsoft.com/office/officeart/2005/8/layout/process3"/>
+    <dgm:cxn modelId="{7950F9AA-E06A-4CD8-8F78-BFC08B002857}" srcId="{69809639-85E5-4BC9-B3D4-510DD612DB3A}" destId="{D341F5D4-54B3-4C14-9A22-1857694437DA}" srcOrd="3" destOrd="0" parTransId="{E329B3BF-2479-454C-9C8A-DFF416722E3A}" sibTransId="{792501A7-BAC5-49D3-BDBF-0CA080AA7772}"/>
+    <dgm:cxn modelId="{FF25A0AB-56CA-4F73-8626-5B768D1DA035}" type="presOf" srcId="{3F1C2F36-5EE7-4A35-828D-F4E48701BB69}" destId="{BEBC0C69-9AF8-46BD-86CC-C7148DF0C792}" srcOrd="0" destOrd="0" presId="urn:microsoft.com/office/officeart/2005/8/layout/process3"/>
+    <dgm:cxn modelId="{FFBCEFB0-7DE9-499D-B0DE-C47E11B331AF}" type="presOf" srcId="{CCED31AF-E5E0-4774-8B34-7C5AE4D47611}" destId="{961BBBCE-74DF-4BF0-B156-7AB12241CC15}" srcOrd="0" destOrd="0" presId="urn:microsoft.com/office/officeart/2005/8/layout/process3"/>
+    <dgm:cxn modelId="{784D8EB3-B275-4C6D-970F-723D83B93715}" srcId="{69809639-85E5-4BC9-B3D4-510DD612DB3A}" destId="{90BDFB30-D9D4-4A70-B0BB-1DFA1FBE6B20}" srcOrd="2" destOrd="0" parTransId="{CD0FAD31-2A15-45D8-8E9F-58D6745C1838}" sibTransId="{C0CA77E9-2978-4E5C-B8C7-02F66A6C2454}"/>
+    <dgm:cxn modelId="{A9367BB7-9F64-4DA4-86C8-B82995F14B03}" type="presOf" srcId="{099FCC4D-502B-49B1-8619-B6E25AD67A0C}" destId="{85DD399F-6174-45C3-BC93-0CEAD5AC25FB}" srcOrd="0" destOrd="0" presId="urn:microsoft.com/office/officeart/2005/8/layout/process3"/>
+    <dgm:cxn modelId="{AA12C0BB-8F29-4C16-BDA8-34403C90405C}" type="presOf" srcId="{324BE3F8-EA5F-4AFE-821F-881D29BBC353}" destId="{6776D43E-F225-41A6-B2BC-9E4122BD1187}" srcOrd="0" destOrd="0" presId="urn:microsoft.com/office/officeart/2005/8/layout/process3"/>
+    <dgm:cxn modelId="{EC1DDCBB-E1EA-473B-BC1E-B25A343E01AE}" type="presOf" srcId="{90BDFB30-D9D4-4A70-B0BB-1DFA1FBE6B20}" destId="{70434897-59C9-48C3-A459-1AED7F360BDA}" srcOrd="1" destOrd="0" presId="urn:microsoft.com/office/officeart/2005/8/layout/process3"/>
+    <dgm:cxn modelId="{5B17D7C0-4A1E-46F2-91D4-C44473E35A2C}" type="presOf" srcId="{AA4065AC-23E3-420C-9902-846626D3C99E}" destId="{958A38CB-E9F2-45AA-9213-82E6862D7972}" srcOrd="0" destOrd="1" presId="urn:microsoft.com/office/officeart/2005/8/layout/process3"/>
+    <dgm:cxn modelId="{0CBFB3C6-E70D-4E66-B38F-D7C9C3EA5AE7}" type="presOf" srcId="{DDDCA3D7-49E5-402B-B4AC-7F0C46CD707B}" destId="{1C84FA78-9420-4F3C-8B93-DFBA7BAB2247}" srcOrd="0" destOrd="0" presId="urn:microsoft.com/office/officeart/2005/8/layout/process3"/>
+    <dgm:cxn modelId="{07628BE2-FA69-4C50-8C73-844959B92AE2}" type="presOf" srcId="{3149B413-086B-4A94-86F1-5907EE9F8814}" destId="{1C84FA78-9420-4F3C-8B93-DFBA7BAB2247}" srcOrd="0" destOrd="1" presId="urn:microsoft.com/office/officeart/2005/8/layout/process3"/>
+    <dgm:cxn modelId="{EA4D79E4-1EC7-460A-A037-12DEBF43A5EA}" type="presOf" srcId="{311808EF-324A-4EB7-A352-13022E02D7EF}" destId="{6776D43E-F225-41A6-B2BC-9E4122BD1187}" srcOrd="0" destOrd="1" presId="urn:microsoft.com/office/officeart/2005/8/layout/process3"/>
+    <dgm:cxn modelId="{B5E69EE4-69BC-4AFA-BBDF-2C8C719D172C}" type="presOf" srcId="{C0CA77E9-2978-4E5C-B8C7-02F66A6C2454}" destId="{C709D72A-3BDD-430D-B48A-DFB5CAD14E1C}" srcOrd="0" destOrd="0" presId="urn:microsoft.com/office/officeart/2005/8/layout/process3"/>
+    <dgm:cxn modelId="{58B312F0-64B0-4BA0-8207-7CBBCF6B8E7B}" type="presOf" srcId="{8E6DB8BD-3162-4FC7-AC19-299FAEE9CCCF}" destId="{47BB3BCA-E316-4503-BDC5-A552C4F9DA6A}" srcOrd="0" destOrd="1" presId="urn:microsoft.com/office/officeart/2005/8/layout/process3"/>
+    <dgm:cxn modelId="{208FE1F2-423C-48EF-94F5-7B43E604FE24}" type="presOf" srcId="{D341F5D4-54B3-4C14-9A22-1857694437DA}" destId="{7E8D54B2-AD85-4F6A-9FAB-A22A0C3D68DD}" srcOrd="1" destOrd="0" presId="urn:microsoft.com/office/officeart/2005/8/layout/process3"/>
+    <dgm:cxn modelId="{3194ADA0-FBD4-41B5-915F-198E91B67A4D}" type="presParOf" srcId="{EF8300F6-50AF-4A8D-A0D4-CC2C22934CB2}" destId="{5CA31313-841C-4DC5-B6D6-CA7BC931FB34}" srcOrd="0" destOrd="0" presId="urn:microsoft.com/office/officeart/2005/8/layout/process3"/>
+    <dgm:cxn modelId="{C6B75545-4F8D-44BD-98F9-4A6219D3144B}" type="presParOf" srcId="{5CA31313-841C-4DC5-B6D6-CA7BC931FB34}" destId="{8CAB05FB-1931-4BDE-BA0F-5E7E602DF65B}" srcOrd="0" destOrd="0" presId="urn:microsoft.com/office/officeart/2005/8/layout/process3"/>
+    <dgm:cxn modelId="{E5CE599F-F204-45F4-9A58-35744DB6D350}" type="presParOf" srcId="{5CA31313-841C-4DC5-B6D6-CA7BC931FB34}" destId="{41A2E78A-ADEA-465E-A32E-DF95075B50DF}" srcOrd="1" destOrd="0" presId="urn:microsoft.com/office/officeart/2005/8/layout/process3"/>
+    <dgm:cxn modelId="{FA5DAE5D-6274-4446-B655-7B296BA5CCFB}" type="presParOf" srcId="{5CA31313-841C-4DC5-B6D6-CA7BC931FB34}" destId="{FCBC6A91-87A1-475F-8343-96C9BDF57E6D}" srcOrd="2" destOrd="0" presId="urn:microsoft.com/office/officeart/2005/8/layout/process3"/>
+    <dgm:cxn modelId="{46115C0C-BB5B-40D8-958C-16439470CA83}" type="presParOf" srcId="{EF8300F6-50AF-4A8D-A0D4-CC2C22934CB2}" destId="{6E1007A0-F3BF-4776-9074-529AB46FAA13}" srcOrd="1" destOrd="0" presId="urn:microsoft.com/office/officeart/2005/8/layout/process3"/>
+    <dgm:cxn modelId="{6DA8F16D-00CA-4EDA-9DB3-8AC95A048517}" type="presParOf" srcId="{6E1007A0-F3BF-4776-9074-529AB46FAA13}" destId="{243803EA-FA79-4136-83B1-B467FD8E0C96}" srcOrd="0" destOrd="0" presId="urn:microsoft.com/office/officeart/2005/8/layout/process3"/>
+    <dgm:cxn modelId="{F0790145-9F19-401E-AD93-7AC8E3183566}" type="presParOf" srcId="{EF8300F6-50AF-4A8D-A0D4-CC2C22934CB2}" destId="{F5FDDD68-284C-48AC-AAB1-D4E924C64A07}" srcOrd="2" destOrd="0" presId="urn:microsoft.com/office/officeart/2005/8/layout/process3"/>
+    <dgm:cxn modelId="{726E07DE-72C6-4016-BF2F-3F1487C8EDAC}" type="presParOf" srcId="{F5FDDD68-284C-48AC-AAB1-D4E924C64A07}" destId="{961BBBCE-74DF-4BF0-B156-7AB12241CC15}" srcOrd="0" destOrd="0" presId="urn:microsoft.com/office/officeart/2005/8/layout/process3"/>
+    <dgm:cxn modelId="{45641283-E4FF-4B08-97B1-331D1B4E2034}" type="presParOf" srcId="{F5FDDD68-284C-48AC-AAB1-D4E924C64A07}" destId="{9CC74E6E-B055-4388-938C-09365EC37C3B}" srcOrd="1" destOrd="0" presId="urn:microsoft.com/office/officeart/2005/8/layout/process3"/>
+    <dgm:cxn modelId="{ED06E109-53AC-4269-B090-589D52DD995A}" type="presParOf" srcId="{F5FDDD68-284C-48AC-AAB1-D4E924C64A07}" destId="{6776D43E-F225-41A6-B2BC-9E4122BD1187}" srcOrd="2" destOrd="0" presId="urn:microsoft.com/office/officeart/2005/8/layout/process3"/>
+    <dgm:cxn modelId="{9196CF0B-2D17-44CF-A7CB-3049243C5D78}" type="presParOf" srcId="{EF8300F6-50AF-4A8D-A0D4-CC2C22934CB2}" destId="{85DD399F-6174-45C3-BC93-0CEAD5AC25FB}" srcOrd="3" destOrd="0" presId="urn:microsoft.com/office/officeart/2005/8/layout/process3"/>
+    <dgm:cxn modelId="{DD46C437-B2B8-49A1-B07A-49E339C640C4}" type="presParOf" srcId="{85DD399F-6174-45C3-BC93-0CEAD5AC25FB}" destId="{ED166344-FE82-4437-BD74-E580A3B831A2}" srcOrd="0" destOrd="0" presId="urn:microsoft.com/office/officeart/2005/8/layout/process3"/>
+    <dgm:cxn modelId="{BCD43732-0A41-4356-8D4D-3A5147F4A7C5}" type="presParOf" srcId="{EF8300F6-50AF-4A8D-A0D4-CC2C22934CB2}" destId="{1AD26D84-4EC6-477D-B313-71D36CDB0F4E}" srcOrd="4" destOrd="0" presId="urn:microsoft.com/office/officeart/2005/8/layout/process3"/>
+    <dgm:cxn modelId="{D4C28D8D-E432-4787-9E01-8290B909D0BB}" type="presParOf" srcId="{1AD26D84-4EC6-477D-B313-71D36CDB0F4E}" destId="{221C8C14-8084-43BF-AD3A-6AB09D0E0204}" srcOrd="0" destOrd="0" presId="urn:microsoft.com/office/officeart/2005/8/layout/process3"/>
+    <dgm:cxn modelId="{388BFCB5-28BA-4446-9B12-2DC97FD2D85E}" type="presParOf" srcId="{1AD26D84-4EC6-477D-B313-71D36CDB0F4E}" destId="{70434897-59C9-48C3-A459-1AED7F360BDA}" srcOrd="1" destOrd="0" presId="urn:microsoft.com/office/officeart/2005/8/layout/process3"/>
+    <dgm:cxn modelId="{DC79CBE2-8A62-4C2F-9191-B97EA6C590A4}" type="presParOf" srcId="{1AD26D84-4EC6-477D-B313-71D36CDB0F4E}" destId="{1C84FA78-9420-4F3C-8B93-DFBA7BAB2247}" srcOrd="2" destOrd="0" presId="urn:microsoft.com/office/officeart/2005/8/layout/process3"/>
+    <dgm:cxn modelId="{30C248DA-E7ED-42DA-BD98-B20059894504}" type="presParOf" srcId="{EF8300F6-50AF-4A8D-A0D4-CC2C22934CB2}" destId="{C709D72A-3BDD-430D-B48A-DFB5CAD14E1C}" srcOrd="5" destOrd="0" presId="urn:microsoft.com/office/officeart/2005/8/layout/process3"/>
+    <dgm:cxn modelId="{B174463C-F536-4CC1-8647-627A3F536854}" type="presParOf" srcId="{C709D72A-3BDD-430D-B48A-DFB5CAD14E1C}" destId="{B257A734-08FB-4F1D-9C20-5E6254F9586E}" srcOrd="0" destOrd="0" presId="urn:microsoft.com/office/officeart/2005/8/layout/process3"/>
+    <dgm:cxn modelId="{F343F6FE-4823-45C4-B167-F3E2F0D5F354}" type="presParOf" srcId="{EF8300F6-50AF-4A8D-A0D4-CC2C22934CB2}" destId="{8A542550-3F36-4003-A32F-ED2B96F6AEB3}" srcOrd="6" destOrd="0" presId="urn:microsoft.com/office/officeart/2005/8/layout/process3"/>
+    <dgm:cxn modelId="{AEA794E3-D5E7-4761-B662-A6E4455AE4BE}" type="presParOf" srcId="{8A542550-3F36-4003-A32F-ED2B96F6AEB3}" destId="{E5E07B8B-1973-4CAC-9F5C-BC174F0647ED}" srcOrd="0" destOrd="0" presId="urn:microsoft.com/office/officeart/2005/8/layout/process3"/>
+    <dgm:cxn modelId="{41744095-8E08-4974-82D2-10472B8EB676}" type="presParOf" srcId="{8A542550-3F36-4003-A32F-ED2B96F6AEB3}" destId="{7E8D54B2-AD85-4F6A-9FAB-A22A0C3D68DD}" srcOrd="1" destOrd="0" presId="urn:microsoft.com/office/officeart/2005/8/layout/process3"/>
+    <dgm:cxn modelId="{9AC34BD2-3C1B-44B3-9C8C-C5107A737EE8}" type="presParOf" srcId="{8A542550-3F36-4003-A32F-ED2B96F6AEB3}" destId="{47BB3BCA-E316-4503-BDC5-A552C4F9DA6A}" srcOrd="2" destOrd="0" presId="urn:microsoft.com/office/officeart/2005/8/layout/process3"/>
+    <dgm:cxn modelId="{EFEAE8E1-0919-4846-B693-D320F5AF4C1E}" type="presParOf" srcId="{EF8300F6-50AF-4A8D-A0D4-CC2C22934CB2}" destId="{77C294DA-A70A-4111-B726-D04842D4B795}" srcOrd="7" destOrd="0" presId="urn:microsoft.com/office/officeart/2005/8/layout/process3"/>
+    <dgm:cxn modelId="{91F96914-8E03-475C-B791-7D8FE90FEAC8}" type="presParOf" srcId="{77C294DA-A70A-4111-B726-D04842D4B795}" destId="{FB3A7E4B-B949-4AC3-B072-92084ED53265}" srcOrd="0" destOrd="0" presId="urn:microsoft.com/office/officeart/2005/8/layout/process3"/>
+    <dgm:cxn modelId="{05FD5E3C-45FB-4C7A-B493-185205E6A4EA}" type="presParOf" srcId="{EF8300F6-50AF-4A8D-A0D4-CC2C22934CB2}" destId="{A9743B2B-2011-4195-8CB2-AE2981472865}" srcOrd="8" destOrd="0" presId="urn:microsoft.com/office/officeart/2005/8/layout/process3"/>
+    <dgm:cxn modelId="{2CD77201-5C2C-41C4-BCCB-986953ADCD1A}" type="presParOf" srcId="{A9743B2B-2011-4195-8CB2-AE2981472865}" destId="{BEBC0C69-9AF8-46BD-86CC-C7148DF0C792}" srcOrd="0" destOrd="0" presId="urn:microsoft.com/office/officeart/2005/8/layout/process3"/>
+    <dgm:cxn modelId="{E62F1E7F-5D27-4D8D-B34E-842FF77B55C4}" type="presParOf" srcId="{A9743B2B-2011-4195-8CB2-AE2981472865}" destId="{6B437F4F-13B3-41CC-94D3-851CAB3822F6}" srcOrd="1" destOrd="0" presId="urn:microsoft.com/office/officeart/2005/8/layout/process3"/>
+    <dgm:cxn modelId="{DA35235A-5455-44E3-AC7B-9A7FD971B125}" type="presParOf" srcId="{A9743B2B-2011-4195-8CB2-AE2981472865}" destId="{958A38CB-E9F2-45AA-9213-82E6862D7972}" srcOrd="2" destOrd="0" presId="urn:microsoft.com/office/officeart/2005/8/layout/process3"/>
+  </dgm:cxnLst>
+  <dgm:bg/>
+  <dgm:whole/>
+  <dgm:extLst>
+    <a:ext uri="http://schemas.microsoft.com/office/drawing/2008/diagram">
+      <dsp:dataModelExt xmlns:dsp="http://schemas.microsoft.com/office/drawing/2008/diagram" relId="rId6" minVer="http://schemas.openxmlformats.org/drawingml/2006/diagram"/>
+    </a:ext>
+  </dgm:extLst>
+</dgm:dataModel>
+</file>
+
+<file path=ppt/diagrams/data2.xml><?xml version="1.0" encoding="utf-8"?>
 <dgm:dataModel xmlns:dgm="http://schemas.openxmlformats.org/drawingml/2006/diagram" xmlns:a="http://schemas.openxmlformats.org/drawingml/2006/main">
   <dgm:ptLst>
     <dgm:pt modelId="{2453CC0A-1441-4F72-AE68-082965212212}" type="doc">
@@ -2096,7 +4548,1533 @@
 </dgm:dataModel>
 </file>
 
+<file path=ppt/diagrams/data3.xml><?xml version="1.0" encoding="utf-8"?>
+<dgm:dataModel xmlns:dgm="http://schemas.openxmlformats.org/drawingml/2006/diagram" xmlns:a="http://schemas.openxmlformats.org/drawingml/2006/main">
+  <dgm:ptLst>
+    <dgm:pt modelId="{FB4DB346-92CD-4569-A0B9-1926D68B0C49}" type="doc">
+      <dgm:prSet loTypeId="urn:microsoft.com/office/officeart/2005/8/layout/cycle5" loCatId="cycle" qsTypeId="urn:microsoft.com/office/officeart/2005/8/quickstyle/simple3" qsCatId="simple" csTypeId="urn:microsoft.com/office/officeart/2005/8/colors/accent3_2" csCatId="accent3" phldr="1"/>
+      <dgm:spPr/>
+      <dgm:t>
+        <a:bodyPr/>
+        <a:lstStyle/>
+        <a:p>
+          <a:endParaRPr lang="en-US"/>
+        </a:p>
+      </dgm:t>
+    </dgm:pt>
+    <dgm:pt modelId="{C208526D-D4EE-4CAA-938F-F7E8D1E2C45A}">
+      <dgm:prSet phldrT="[Text]"/>
+      <dgm:spPr/>
+      <dgm:t>
+        <a:bodyPr/>
+        <a:lstStyle/>
+        <a:p>
+          <a:r>
+            <a:rPr lang="en-US" dirty="0" err="1"/>
+            <a:t>Normalwissenschaft</a:t>
+          </a:r>
+          <a:endParaRPr lang="en-US" dirty="0"/>
+        </a:p>
+      </dgm:t>
+    </dgm:pt>
+    <dgm:pt modelId="{4160D051-B325-4D80-BA20-16BE63D6FE21}" type="parTrans" cxnId="{F3E3672C-7CF9-417A-A919-06FDC37F020E}">
+      <dgm:prSet/>
+      <dgm:spPr/>
+      <dgm:t>
+        <a:bodyPr/>
+        <a:lstStyle/>
+        <a:p>
+          <a:endParaRPr lang="en-US"/>
+        </a:p>
+      </dgm:t>
+    </dgm:pt>
+    <dgm:pt modelId="{FF88BEA2-40FA-4505-91CB-28AC8D2D47A0}" type="sibTrans" cxnId="{F3E3672C-7CF9-417A-A919-06FDC37F020E}">
+      <dgm:prSet/>
+      <dgm:spPr/>
+      <dgm:t>
+        <a:bodyPr/>
+        <a:lstStyle/>
+        <a:p>
+          <a:endParaRPr lang="en-US"/>
+        </a:p>
+      </dgm:t>
+    </dgm:pt>
+    <dgm:pt modelId="{4CD80764-F573-4B38-A258-1B30EB2A6619}">
+      <dgm:prSet phldrT="[Text]"/>
+      <dgm:spPr/>
+      <dgm:t>
+        <a:bodyPr/>
+        <a:lstStyle/>
+        <a:p>
+          <a:r>
+            <a:rPr lang="en-US" dirty="0" err="1"/>
+            <a:t>Anomalien</a:t>
+          </a:r>
+          <a:endParaRPr lang="en-US" dirty="0"/>
+        </a:p>
+      </dgm:t>
+    </dgm:pt>
+    <dgm:pt modelId="{BC22DECF-BE26-4FB4-80DB-5F3EF64E8BB7}" type="parTrans" cxnId="{2D56DC37-C486-4A96-AE9A-1E2D1BFDE2B2}">
+      <dgm:prSet/>
+      <dgm:spPr/>
+      <dgm:t>
+        <a:bodyPr/>
+        <a:lstStyle/>
+        <a:p>
+          <a:endParaRPr lang="en-US"/>
+        </a:p>
+      </dgm:t>
+    </dgm:pt>
+    <dgm:pt modelId="{9FFC531C-A0C6-475A-A749-681804AE6FDF}" type="sibTrans" cxnId="{2D56DC37-C486-4A96-AE9A-1E2D1BFDE2B2}">
+      <dgm:prSet/>
+      <dgm:spPr/>
+      <dgm:t>
+        <a:bodyPr/>
+        <a:lstStyle/>
+        <a:p>
+          <a:endParaRPr lang="en-US"/>
+        </a:p>
+      </dgm:t>
+    </dgm:pt>
+    <dgm:pt modelId="{E260B8B6-0FDD-43E2-B077-50EF7459E8E0}">
+      <dgm:prSet phldrT="[Text]"/>
+      <dgm:spPr/>
+      <dgm:t>
+        <a:bodyPr/>
+        <a:lstStyle/>
+        <a:p>
+          <a:r>
+            <a:rPr lang="en-US" dirty="0" err="1"/>
+            <a:t>Krise</a:t>
+          </a:r>
+          <a:endParaRPr lang="en-US" dirty="0"/>
+        </a:p>
+      </dgm:t>
+    </dgm:pt>
+    <dgm:pt modelId="{3190E3E7-DCA0-49A6-BF2B-51C669DAB429}" type="parTrans" cxnId="{5C16C44F-08FE-4F25-8F63-B844AA7898F4}">
+      <dgm:prSet/>
+      <dgm:spPr/>
+      <dgm:t>
+        <a:bodyPr/>
+        <a:lstStyle/>
+        <a:p>
+          <a:endParaRPr lang="en-US"/>
+        </a:p>
+      </dgm:t>
+    </dgm:pt>
+    <dgm:pt modelId="{0BA4D439-06A9-4E36-875D-194E91CE1CD3}" type="sibTrans" cxnId="{5C16C44F-08FE-4F25-8F63-B844AA7898F4}">
+      <dgm:prSet/>
+      <dgm:spPr/>
+      <dgm:t>
+        <a:bodyPr/>
+        <a:lstStyle/>
+        <a:p>
+          <a:endParaRPr lang="en-US"/>
+        </a:p>
+      </dgm:t>
+    </dgm:pt>
+    <dgm:pt modelId="{93C09530-1758-4F42-ACD2-BCC19B3CFD7C}">
+      <dgm:prSet phldrT="[Text]"/>
+      <dgm:spPr/>
+      <dgm:t>
+        <a:bodyPr/>
+        <a:lstStyle/>
+        <a:p>
+          <a:r>
+            <a:rPr lang="en-US" dirty="0"/>
+            <a:t>Revolution / </a:t>
+          </a:r>
+          <a:r>
+            <a:rPr lang="en-US" dirty="0" err="1"/>
+            <a:t>Paradigmenwechsel</a:t>
+          </a:r>
+          <a:endParaRPr lang="en-US" dirty="0"/>
+        </a:p>
+      </dgm:t>
+    </dgm:pt>
+    <dgm:pt modelId="{ABB8080E-2781-4BB3-88FE-49F5D0728793}" type="parTrans" cxnId="{96EF8922-AF2F-4357-B3D1-D140721646F7}">
+      <dgm:prSet/>
+      <dgm:spPr/>
+      <dgm:t>
+        <a:bodyPr/>
+        <a:lstStyle/>
+        <a:p>
+          <a:endParaRPr lang="en-US"/>
+        </a:p>
+      </dgm:t>
+    </dgm:pt>
+    <dgm:pt modelId="{D9799889-A9D5-4D10-8908-4567D6A59AE9}" type="sibTrans" cxnId="{96EF8922-AF2F-4357-B3D1-D140721646F7}">
+      <dgm:prSet/>
+      <dgm:spPr/>
+      <dgm:t>
+        <a:bodyPr/>
+        <a:lstStyle/>
+        <a:p>
+          <a:endParaRPr lang="en-US"/>
+        </a:p>
+      </dgm:t>
+    </dgm:pt>
+    <dgm:pt modelId="{B3CDADAF-6970-4C01-895C-3465FB581547}" type="pres">
+      <dgm:prSet presAssocID="{FB4DB346-92CD-4569-A0B9-1926D68B0C49}" presName="cycle" presStyleCnt="0">
+        <dgm:presLayoutVars>
+          <dgm:dir/>
+          <dgm:resizeHandles val="exact"/>
+        </dgm:presLayoutVars>
+      </dgm:prSet>
+      <dgm:spPr/>
+    </dgm:pt>
+    <dgm:pt modelId="{3D1EC8C5-C772-41F2-9793-24EEFE494F0B}" type="pres">
+      <dgm:prSet presAssocID="{C208526D-D4EE-4CAA-938F-F7E8D1E2C45A}" presName="node" presStyleLbl="node1" presStyleIdx="0" presStyleCnt="4">
+        <dgm:presLayoutVars>
+          <dgm:bulletEnabled val="1"/>
+        </dgm:presLayoutVars>
+      </dgm:prSet>
+      <dgm:spPr/>
+    </dgm:pt>
+    <dgm:pt modelId="{64CB8C77-E852-4542-9E77-C098F132BD24}" type="pres">
+      <dgm:prSet presAssocID="{C208526D-D4EE-4CAA-938F-F7E8D1E2C45A}" presName="spNode" presStyleCnt="0"/>
+      <dgm:spPr/>
+    </dgm:pt>
+    <dgm:pt modelId="{F4BE037D-455D-4A17-A988-1D4BE14D3A52}" type="pres">
+      <dgm:prSet presAssocID="{FF88BEA2-40FA-4505-91CB-28AC8D2D47A0}" presName="sibTrans" presStyleLbl="sibTrans1D1" presStyleIdx="0" presStyleCnt="4"/>
+      <dgm:spPr/>
+    </dgm:pt>
+    <dgm:pt modelId="{C73CD461-7279-4E58-AF31-72D158715139}" type="pres">
+      <dgm:prSet presAssocID="{4CD80764-F573-4B38-A258-1B30EB2A6619}" presName="node" presStyleLbl="node1" presStyleIdx="1" presStyleCnt="4">
+        <dgm:presLayoutVars>
+          <dgm:bulletEnabled val="1"/>
+        </dgm:presLayoutVars>
+      </dgm:prSet>
+      <dgm:spPr/>
+    </dgm:pt>
+    <dgm:pt modelId="{536D9DCA-1D90-4E2D-92BC-2CB8D2195E37}" type="pres">
+      <dgm:prSet presAssocID="{4CD80764-F573-4B38-A258-1B30EB2A6619}" presName="spNode" presStyleCnt="0"/>
+      <dgm:spPr/>
+    </dgm:pt>
+    <dgm:pt modelId="{3B150F21-82C3-4131-9395-2DAD294290C3}" type="pres">
+      <dgm:prSet presAssocID="{9FFC531C-A0C6-475A-A749-681804AE6FDF}" presName="sibTrans" presStyleLbl="sibTrans1D1" presStyleIdx="1" presStyleCnt="4"/>
+      <dgm:spPr/>
+    </dgm:pt>
+    <dgm:pt modelId="{46921929-CDAD-43F5-804B-62ECCA87B2CC}" type="pres">
+      <dgm:prSet presAssocID="{E260B8B6-0FDD-43E2-B077-50EF7459E8E0}" presName="node" presStyleLbl="node1" presStyleIdx="2" presStyleCnt="4">
+        <dgm:presLayoutVars>
+          <dgm:bulletEnabled val="1"/>
+        </dgm:presLayoutVars>
+      </dgm:prSet>
+      <dgm:spPr/>
+    </dgm:pt>
+    <dgm:pt modelId="{34929387-B11B-42E6-965A-5D30D0001D0A}" type="pres">
+      <dgm:prSet presAssocID="{E260B8B6-0FDD-43E2-B077-50EF7459E8E0}" presName="spNode" presStyleCnt="0"/>
+      <dgm:spPr/>
+    </dgm:pt>
+    <dgm:pt modelId="{6FC3095D-E738-4B9C-B8FA-3F745257F769}" type="pres">
+      <dgm:prSet presAssocID="{0BA4D439-06A9-4E36-875D-194E91CE1CD3}" presName="sibTrans" presStyleLbl="sibTrans1D1" presStyleIdx="2" presStyleCnt="4"/>
+      <dgm:spPr/>
+    </dgm:pt>
+    <dgm:pt modelId="{215F2592-3FD7-4C27-ABB4-2735A7018975}" type="pres">
+      <dgm:prSet presAssocID="{93C09530-1758-4F42-ACD2-BCC19B3CFD7C}" presName="node" presStyleLbl="node1" presStyleIdx="3" presStyleCnt="4">
+        <dgm:presLayoutVars>
+          <dgm:bulletEnabled val="1"/>
+        </dgm:presLayoutVars>
+      </dgm:prSet>
+      <dgm:spPr/>
+    </dgm:pt>
+    <dgm:pt modelId="{847288D9-1944-4410-9E55-80B39F57D1FF}" type="pres">
+      <dgm:prSet presAssocID="{93C09530-1758-4F42-ACD2-BCC19B3CFD7C}" presName="spNode" presStyleCnt="0"/>
+      <dgm:spPr/>
+    </dgm:pt>
+    <dgm:pt modelId="{CBBE588A-ED94-43CE-80B9-A5CC3ABA02C0}" type="pres">
+      <dgm:prSet presAssocID="{D9799889-A9D5-4D10-8908-4567D6A59AE9}" presName="sibTrans" presStyleLbl="sibTrans1D1" presStyleIdx="3" presStyleCnt="4"/>
+      <dgm:spPr/>
+    </dgm:pt>
+  </dgm:ptLst>
+  <dgm:cxnLst>
+    <dgm:cxn modelId="{EAF1DF13-685C-4852-B7AD-AFE31CE2C0D9}" type="presOf" srcId="{4CD80764-F573-4B38-A258-1B30EB2A6619}" destId="{C73CD461-7279-4E58-AF31-72D158715139}" srcOrd="0" destOrd="0" presId="urn:microsoft.com/office/officeart/2005/8/layout/cycle5"/>
+    <dgm:cxn modelId="{96EF8922-AF2F-4357-B3D1-D140721646F7}" srcId="{FB4DB346-92CD-4569-A0B9-1926D68B0C49}" destId="{93C09530-1758-4F42-ACD2-BCC19B3CFD7C}" srcOrd="3" destOrd="0" parTransId="{ABB8080E-2781-4BB3-88FE-49F5D0728793}" sibTransId="{D9799889-A9D5-4D10-8908-4567D6A59AE9}"/>
+    <dgm:cxn modelId="{F3E3672C-7CF9-417A-A919-06FDC37F020E}" srcId="{FB4DB346-92CD-4569-A0B9-1926D68B0C49}" destId="{C208526D-D4EE-4CAA-938F-F7E8D1E2C45A}" srcOrd="0" destOrd="0" parTransId="{4160D051-B325-4D80-BA20-16BE63D6FE21}" sibTransId="{FF88BEA2-40FA-4505-91CB-28AC8D2D47A0}"/>
+    <dgm:cxn modelId="{2D56DC37-C486-4A96-AE9A-1E2D1BFDE2B2}" srcId="{FB4DB346-92CD-4569-A0B9-1926D68B0C49}" destId="{4CD80764-F573-4B38-A258-1B30EB2A6619}" srcOrd="1" destOrd="0" parTransId="{BC22DECF-BE26-4FB4-80DB-5F3EF64E8BB7}" sibTransId="{9FFC531C-A0C6-475A-A749-681804AE6FDF}"/>
+    <dgm:cxn modelId="{8CDE3046-C531-43B7-A91B-AD239022338A}" type="presOf" srcId="{D9799889-A9D5-4D10-8908-4567D6A59AE9}" destId="{CBBE588A-ED94-43CE-80B9-A5CC3ABA02C0}" srcOrd="0" destOrd="0" presId="urn:microsoft.com/office/officeart/2005/8/layout/cycle5"/>
+    <dgm:cxn modelId="{F840DD67-F562-4464-A348-83D6305C8F13}" type="presOf" srcId="{C208526D-D4EE-4CAA-938F-F7E8D1E2C45A}" destId="{3D1EC8C5-C772-41F2-9793-24EEFE494F0B}" srcOrd="0" destOrd="0" presId="urn:microsoft.com/office/officeart/2005/8/layout/cycle5"/>
+    <dgm:cxn modelId="{DF407148-A083-4A35-A0F1-1F09029B32F5}" type="presOf" srcId="{0BA4D439-06A9-4E36-875D-194E91CE1CD3}" destId="{6FC3095D-E738-4B9C-B8FA-3F745257F769}" srcOrd="0" destOrd="0" presId="urn:microsoft.com/office/officeart/2005/8/layout/cycle5"/>
+    <dgm:cxn modelId="{5C16C44F-08FE-4F25-8F63-B844AA7898F4}" srcId="{FB4DB346-92CD-4569-A0B9-1926D68B0C49}" destId="{E260B8B6-0FDD-43E2-B077-50EF7459E8E0}" srcOrd="2" destOrd="0" parTransId="{3190E3E7-DCA0-49A6-BF2B-51C669DAB429}" sibTransId="{0BA4D439-06A9-4E36-875D-194E91CE1CD3}"/>
+    <dgm:cxn modelId="{E23C3072-EC05-485A-961A-667E06990533}" type="presOf" srcId="{9FFC531C-A0C6-475A-A749-681804AE6FDF}" destId="{3B150F21-82C3-4131-9395-2DAD294290C3}" srcOrd="0" destOrd="0" presId="urn:microsoft.com/office/officeart/2005/8/layout/cycle5"/>
+    <dgm:cxn modelId="{2F59967A-34EF-4816-9C4B-DA37A078728F}" type="presOf" srcId="{FB4DB346-92CD-4569-A0B9-1926D68B0C49}" destId="{B3CDADAF-6970-4C01-895C-3465FB581547}" srcOrd="0" destOrd="0" presId="urn:microsoft.com/office/officeart/2005/8/layout/cycle5"/>
+    <dgm:cxn modelId="{703DA98E-52B6-47E2-B8E3-D63D205C7B64}" type="presOf" srcId="{FF88BEA2-40FA-4505-91CB-28AC8D2D47A0}" destId="{F4BE037D-455D-4A17-A988-1D4BE14D3A52}" srcOrd="0" destOrd="0" presId="urn:microsoft.com/office/officeart/2005/8/layout/cycle5"/>
+    <dgm:cxn modelId="{94531EA3-CB60-4020-85D4-FDBF13A5AF1C}" type="presOf" srcId="{E260B8B6-0FDD-43E2-B077-50EF7459E8E0}" destId="{46921929-CDAD-43F5-804B-62ECCA87B2CC}" srcOrd="0" destOrd="0" presId="urn:microsoft.com/office/officeart/2005/8/layout/cycle5"/>
+    <dgm:cxn modelId="{B55DDBCD-71CE-4802-8288-62CFB80C11E8}" type="presOf" srcId="{93C09530-1758-4F42-ACD2-BCC19B3CFD7C}" destId="{215F2592-3FD7-4C27-ABB4-2735A7018975}" srcOrd="0" destOrd="0" presId="urn:microsoft.com/office/officeart/2005/8/layout/cycle5"/>
+    <dgm:cxn modelId="{13B36C08-60C7-4170-A770-99F410BEA794}" type="presParOf" srcId="{B3CDADAF-6970-4C01-895C-3465FB581547}" destId="{3D1EC8C5-C772-41F2-9793-24EEFE494F0B}" srcOrd="0" destOrd="0" presId="urn:microsoft.com/office/officeart/2005/8/layout/cycle5"/>
+    <dgm:cxn modelId="{197E9365-3D7B-4098-85AC-231F0454A20A}" type="presParOf" srcId="{B3CDADAF-6970-4C01-895C-3465FB581547}" destId="{64CB8C77-E852-4542-9E77-C098F132BD24}" srcOrd="1" destOrd="0" presId="urn:microsoft.com/office/officeart/2005/8/layout/cycle5"/>
+    <dgm:cxn modelId="{5E926065-AC2E-41C8-9175-7F63CB3B8BC5}" type="presParOf" srcId="{B3CDADAF-6970-4C01-895C-3465FB581547}" destId="{F4BE037D-455D-4A17-A988-1D4BE14D3A52}" srcOrd="2" destOrd="0" presId="urn:microsoft.com/office/officeart/2005/8/layout/cycle5"/>
+    <dgm:cxn modelId="{1BFFCF62-946F-42CC-B112-C51EAA537A1C}" type="presParOf" srcId="{B3CDADAF-6970-4C01-895C-3465FB581547}" destId="{C73CD461-7279-4E58-AF31-72D158715139}" srcOrd="3" destOrd="0" presId="urn:microsoft.com/office/officeart/2005/8/layout/cycle5"/>
+    <dgm:cxn modelId="{CB8F876B-063B-4196-BCA7-4CEF96A08E42}" type="presParOf" srcId="{B3CDADAF-6970-4C01-895C-3465FB581547}" destId="{536D9DCA-1D90-4E2D-92BC-2CB8D2195E37}" srcOrd="4" destOrd="0" presId="urn:microsoft.com/office/officeart/2005/8/layout/cycle5"/>
+    <dgm:cxn modelId="{4B462790-013E-4436-A003-875D8AB227F2}" type="presParOf" srcId="{B3CDADAF-6970-4C01-895C-3465FB581547}" destId="{3B150F21-82C3-4131-9395-2DAD294290C3}" srcOrd="5" destOrd="0" presId="urn:microsoft.com/office/officeart/2005/8/layout/cycle5"/>
+    <dgm:cxn modelId="{4F100D42-D367-498A-B41D-FAC44640F37C}" type="presParOf" srcId="{B3CDADAF-6970-4C01-895C-3465FB581547}" destId="{46921929-CDAD-43F5-804B-62ECCA87B2CC}" srcOrd="6" destOrd="0" presId="urn:microsoft.com/office/officeart/2005/8/layout/cycle5"/>
+    <dgm:cxn modelId="{6C52BD4B-7B08-488A-A1F8-94ABA71480F5}" type="presParOf" srcId="{B3CDADAF-6970-4C01-895C-3465FB581547}" destId="{34929387-B11B-42E6-965A-5D30D0001D0A}" srcOrd="7" destOrd="0" presId="urn:microsoft.com/office/officeart/2005/8/layout/cycle5"/>
+    <dgm:cxn modelId="{B4C9F4BC-8974-4A28-8F68-A1DABFF75496}" type="presParOf" srcId="{B3CDADAF-6970-4C01-895C-3465FB581547}" destId="{6FC3095D-E738-4B9C-B8FA-3F745257F769}" srcOrd="8" destOrd="0" presId="urn:microsoft.com/office/officeart/2005/8/layout/cycle5"/>
+    <dgm:cxn modelId="{0BA66AE1-DA22-457E-83BD-E717565E64DB}" type="presParOf" srcId="{B3CDADAF-6970-4C01-895C-3465FB581547}" destId="{215F2592-3FD7-4C27-ABB4-2735A7018975}" srcOrd="9" destOrd="0" presId="urn:microsoft.com/office/officeart/2005/8/layout/cycle5"/>
+    <dgm:cxn modelId="{530BE933-5F46-4071-89A6-12821F00E14B}" type="presParOf" srcId="{B3CDADAF-6970-4C01-895C-3465FB581547}" destId="{847288D9-1944-4410-9E55-80B39F57D1FF}" srcOrd="10" destOrd="0" presId="urn:microsoft.com/office/officeart/2005/8/layout/cycle5"/>
+    <dgm:cxn modelId="{5C800C7B-7DBC-4EDD-9808-EB72C6DE8BDA}" type="presParOf" srcId="{B3CDADAF-6970-4C01-895C-3465FB581547}" destId="{CBBE588A-ED94-43CE-80B9-A5CC3ABA02C0}" srcOrd="11" destOrd="0" presId="urn:microsoft.com/office/officeart/2005/8/layout/cycle5"/>
+  </dgm:cxnLst>
+  <dgm:bg>
+    <a:solidFill>
+      <a:schemeClr val="bg1"/>
+    </a:solidFill>
+  </dgm:bg>
+  <dgm:whole/>
+  <dgm:extLst>
+    <a:ext uri="http://schemas.microsoft.com/office/drawing/2008/diagram">
+      <dsp:dataModelExt xmlns:dsp="http://schemas.microsoft.com/office/drawing/2008/diagram" relId="rId6" minVer="http://schemas.openxmlformats.org/drawingml/2006/diagram"/>
+    </a:ext>
+  </dgm:extLst>
+</dgm:dataModel>
+</file>
+
 <file path=ppt/diagrams/drawing1.xml><?xml version="1.0" encoding="utf-8"?>
+<dsp:drawing xmlns:dgm="http://schemas.openxmlformats.org/drawingml/2006/diagram" xmlns:dsp="http://schemas.microsoft.com/office/drawing/2008/diagram" xmlns:a="http://schemas.openxmlformats.org/drawingml/2006/main">
+  <dsp:spTree>
+    <dsp:nvGrpSpPr>
+      <dsp:cNvPr id="0" name=""/>
+      <dsp:cNvGrpSpPr/>
+    </dsp:nvGrpSpPr>
+    <dsp:grpSpPr/>
+    <dsp:sp modelId="{41A2E78A-ADEA-465E-A32E-DF95075B50DF}">
+      <dsp:nvSpPr>
+        <dsp:cNvPr id="0" name=""/>
+        <dsp:cNvSpPr/>
+      </dsp:nvSpPr>
+      <dsp:spPr>
+        <a:xfrm>
+          <a:off x="6100" y="448577"/>
+          <a:ext cx="1376526" cy="650558"/>
+        </a:xfrm>
+        <a:prstGeom prst="roundRect">
+          <a:avLst>
+            <a:gd name="adj" fmla="val 10000"/>
+          </a:avLst>
+        </a:prstGeom>
+        <a:solidFill>
+          <a:schemeClr val="dk2">
+            <a:hueOff val="0"/>
+            <a:satOff val="0"/>
+            <a:lumOff val="0"/>
+            <a:alphaOff val="0"/>
+          </a:schemeClr>
+        </a:solidFill>
+        <a:ln w="12700" cap="flat" cmpd="sng" algn="ctr">
+          <a:solidFill>
+            <a:schemeClr val="lt2">
+              <a:hueOff val="0"/>
+              <a:satOff val="0"/>
+              <a:lumOff val="0"/>
+              <a:alphaOff val="0"/>
+            </a:schemeClr>
+          </a:solidFill>
+          <a:prstDash val="solid"/>
+          <a:miter lim="800000"/>
+        </a:ln>
+        <a:effectLst/>
+      </dsp:spPr>
+      <dsp:style>
+        <a:lnRef idx="2">
+          <a:scrgbClr r="0" g="0" b="0"/>
+        </a:lnRef>
+        <a:fillRef idx="1">
+          <a:scrgbClr r="0" g="0" b="0"/>
+        </a:fillRef>
+        <a:effectRef idx="0">
+          <a:scrgbClr r="0" g="0" b="0"/>
+        </a:effectRef>
+        <a:fontRef idx="minor">
+          <a:schemeClr val="lt1"/>
+        </a:fontRef>
+      </dsp:style>
+      <dsp:txBody>
+        <a:bodyPr spcFirstLastPara="0" vert="horz" wrap="square" lIns="78232" tIns="78232" rIns="78232" bIns="41910" numCol="1" spcCol="1270" anchor="t" anchorCtr="0">
+          <a:noAutofit/>
+        </a:bodyPr>
+        <a:lstStyle/>
+        <a:p>
+          <a:pPr marL="0" lvl="0" indent="0" algn="l" defTabSz="488950">
+            <a:lnSpc>
+              <a:spcPct val="90000"/>
+            </a:lnSpc>
+            <a:spcBef>
+              <a:spcPct val="0"/>
+            </a:spcBef>
+            <a:spcAft>
+              <a:spcPct val="35000"/>
+            </a:spcAft>
+            <a:buNone/>
+          </a:pPr>
+          <a:r>
+            <a:rPr lang="de-DE" sz="1100" kern="1200" dirty="0"/>
+            <a:t>Wissenschaftliches System</a:t>
+          </a:r>
+          <a:endParaRPr lang="en-US" sz="1100" kern="1200" dirty="0"/>
+        </a:p>
+      </dsp:txBody>
+      <dsp:txXfrm>
+        <a:off x="6100" y="448577"/>
+        <a:ext cx="1376526" cy="433705"/>
+      </dsp:txXfrm>
+    </dsp:sp>
+    <dsp:sp modelId="{FCBC6A91-87A1-475F-8343-96C9BDF57E6D}">
+      <dsp:nvSpPr>
+        <dsp:cNvPr id="0" name=""/>
+        <dsp:cNvSpPr/>
+      </dsp:nvSpPr>
+      <dsp:spPr>
+        <a:xfrm>
+          <a:off x="288040" y="882283"/>
+          <a:ext cx="1376526" cy="1952542"/>
+        </a:xfrm>
+        <a:prstGeom prst="roundRect">
+          <a:avLst>
+            <a:gd name="adj" fmla="val 10000"/>
+          </a:avLst>
+        </a:prstGeom>
+        <a:solidFill>
+          <a:schemeClr val="lt2">
+            <a:alpha val="90000"/>
+            <a:hueOff val="0"/>
+            <a:satOff val="0"/>
+            <a:lumOff val="0"/>
+            <a:alphaOff val="0"/>
+          </a:schemeClr>
+        </a:solidFill>
+        <a:ln w="12700" cap="flat" cmpd="sng" algn="ctr">
+          <a:solidFill>
+            <a:schemeClr val="dk2">
+              <a:hueOff val="0"/>
+              <a:satOff val="0"/>
+              <a:lumOff val="0"/>
+              <a:alphaOff val="0"/>
+            </a:schemeClr>
+          </a:solidFill>
+          <a:prstDash val="solid"/>
+          <a:miter lim="800000"/>
+        </a:ln>
+        <a:effectLst/>
+      </dsp:spPr>
+      <dsp:style>
+        <a:lnRef idx="2">
+          <a:scrgbClr r="0" g="0" b="0"/>
+        </a:lnRef>
+        <a:fillRef idx="1">
+          <a:scrgbClr r="0" g="0" b="0"/>
+        </a:fillRef>
+        <a:effectRef idx="0">
+          <a:scrgbClr r="0" g="0" b="0"/>
+        </a:effectRef>
+        <a:fontRef idx="minor"/>
+      </dsp:style>
+      <dsp:txBody>
+        <a:bodyPr spcFirstLastPara="0" vert="horz" wrap="square" lIns="78232" tIns="78232" rIns="78232" bIns="78232" numCol="1" spcCol="1270" anchor="t" anchorCtr="0">
+          <a:noAutofit/>
+        </a:bodyPr>
+        <a:lstStyle/>
+        <a:p>
+          <a:pPr marL="57150" lvl="1" indent="-57150" algn="l" defTabSz="488950">
+            <a:lnSpc>
+              <a:spcPct val="90000"/>
+            </a:lnSpc>
+            <a:spcBef>
+              <a:spcPct val="0"/>
+            </a:spcBef>
+            <a:spcAft>
+              <a:spcPct val="15000"/>
+            </a:spcAft>
+            <a:buFontTx/>
+            <a:buChar char="-"/>
+          </a:pPr>
+          <a:r>
+            <a:rPr lang="de-DE" sz="1100" kern="1200" dirty="0"/>
+            <a:t>Prekäre Arbeits-bedingungen</a:t>
+          </a:r>
+          <a:endParaRPr lang="en-US" sz="1100" kern="1200" dirty="0"/>
+        </a:p>
+        <a:p>
+          <a:pPr marL="57150" lvl="1" indent="-57150" algn="l" defTabSz="488950">
+            <a:lnSpc>
+              <a:spcPct val="90000"/>
+            </a:lnSpc>
+            <a:spcBef>
+              <a:spcPct val="0"/>
+            </a:spcBef>
+            <a:spcAft>
+              <a:spcPct val="15000"/>
+            </a:spcAft>
+            <a:buFontTx/>
+            <a:buChar char="-"/>
+          </a:pPr>
+          <a:r>
+            <a:rPr lang="de-DE" sz="1100" kern="1200"/>
+            <a:t>Publikationen als Währung für unbefristete Stellen und Forschungsgelder</a:t>
+          </a:r>
+          <a:endParaRPr lang="en-US" sz="1100" kern="1200" dirty="0"/>
+        </a:p>
+      </dsp:txBody>
+      <dsp:txXfrm>
+        <a:off x="328357" y="922600"/>
+        <a:ext cx="1295892" cy="1871908"/>
+      </dsp:txXfrm>
+    </dsp:sp>
+    <dsp:sp modelId="{6E1007A0-F3BF-4776-9074-529AB46FAA13}">
+      <dsp:nvSpPr>
+        <dsp:cNvPr id="0" name=""/>
+        <dsp:cNvSpPr/>
+      </dsp:nvSpPr>
+      <dsp:spPr>
+        <a:xfrm>
+          <a:off x="1591304" y="494072"/>
+          <a:ext cx="442394" cy="342715"/>
+        </a:xfrm>
+        <a:prstGeom prst="rightArrow">
+          <a:avLst>
+            <a:gd name="adj1" fmla="val 60000"/>
+            <a:gd name="adj2" fmla="val 50000"/>
+          </a:avLst>
+        </a:prstGeom>
+        <a:solidFill>
+          <a:schemeClr val="dk2">
+            <a:tint val="60000"/>
+            <a:hueOff val="0"/>
+            <a:satOff val="0"/>
+            <a:lumOff val="0"/>
+            <a:alphaOff val="0"/>
+          </a:schemeClr>
+        </a:solidFill>
+        <a:ln>
+          <a:noFill/>
+        </a:ln>
+        <a:effectLst/>
+      </dsp:spPr>
+      <dsp:style>
+        <a:lnRef idx="0">
+          <a:scrgbClr r="0" g="0" b="0"/>
+        </a:lnRef>
+        <a:fillRef idx="1">
+          <a:scrgbClr r="0" g="0" b="0"/>
+        </a:fillRef>
+        <a:effectRef idx="0">
+          <a:scrgbClr r="0" g="0" b="0"/>
+        </a:effectRef>
+        <a:fontRef idx="minor">
+          <a:schemeClr val="lt1"/>
+        </a:fontRef>
+      </dsp:style>
+      <dsp:txBody>
+        <a:bodyPr spcFirstLastPara="0" vert="horz" wrap="square" lIns="0" tIns="0" rIns="0" bIns="0" numCol="1" spcCol="1270" anchor="ctr" anchorCtr="0">
+          <a:noAutofit/>
+        </a:bodyPr>
+        <a:lstStyle/>
+        <a:p>
+          <a:pPr marL="0" lvl="0" indent="0" algn="ctr" defTabSz="400050">
+            <a:lnSpc>
+              <a:spcPct val="90000"/>
+            </a:lnSpc>
+            <a:spcBef>
+              <a:spcPct val="0"/>
+            </a:spcBef>
+            <a:spcAft>
+              <a:spcPct val="35000"/>
+            </a:spcAft>
+            <a:buNone/>
+          </a:pPr>
+          <a:endParaRPr lang="en-US" sz="900" kern="1200"/>
+        </a:p>
+      </dsp:txBody>
+      <dsp:txXfrm>
+        <a:off x="1591304" y="562615"/>
+        <a:ext cx="339580" cy="205629"/>
+      </dsp:txXfrm>
+    </dsp:sp>
+    <dsp:sp modelId="{9CC74E6E-B055-4388-938C-09365EC37C3B}">
+      <dsp:nvSpPr>
+        <dsp:cNvPr id="0" name=""/>
+        <dsp:cNvSpPr/>
+      </dsp:nvSpPr>
+      <dsp:spPr>
+        <a:xfrm>
+          <a:off x="2217333" y="448577"/>
+          <a:ext cx="1376526" cy="650558"/>
+        </a:xfrm>
+        <a:prstGeom prst="roundRect">
+          <a:avLst>
+            <a:gd name="adj" fmla="val 10000"/>
+          </a:avLst>
+        </a:prstGeom>
+        <a:solidFill>
+          <a:schemeClr val="dk2">
+            <a:hueOff val="0"/>
+            <a:satOff val="0"/>
+            <a:lumOff val="0"/>
+            <a:alphaOff val="0"/>
+          </a:schemeClr>
+        </a:solidFill>
+        <a:ln w="12700" cap="flat" cmpd="sng" algn="ctr">
+          <a:solidFill>
+            <a:schemeClr val="lt2">
+              <a:hueOff val="0"/>
+              <a:satOff val="0"/>
+              <a:lumOff val="0"/>
+              <a:alphaOff val="0"/>
+            </a:schemeClr>
+          </a:solidFill>
+          <a:prstDash val="solid"/>
+          <a:miter lim="800000"/>
+        </a:ln>
+        <a:effectLst/>
+      </dsp:spPr>
+      <dsp:style>
+        <a:lnRef idx="2">
+          <a:scrgbClr r="0" g="0" b="0"/>
+        </a:lnRef>
+        <a:fillRef idx="1">
+          <a:scrgbClr r="0" g="0" b="0"/>
+        </a:fillRef>
+        <a:effectRef idx="0">
+          <a:scrgbClr r="0" g="0" b="0"/>
+        </a:effectRef>
+        <a:fontRef idx="minor">
+          <a:schemeClr val="lt1"/>
+        </a:fontRef>
+      </dsp:style>
+      <dsp:txBody>
+        <a:bodyPr spcFirstLastPara="0" vert="horz" wrap="square" lIns="78232" tIns="78232" rIns="78232" bIns="41910" numCol="1" spcCol="1270" anchor="t" anchorCtr="0">
+          <a:noAutofit/>
+        </a:bodyPr>
+        <a:lstStyle/>
+        <a:p>
+          <a:pPr marL="0" lvl="0" indent="0" algn="l" defTabSz="488950">
+            <a:lnSpc>
+              <a:spcPct val="90000"/>
+            </a:lnSpc>
+            <a:spcBef>
+              <a:spcPct val="0"/>
+            </a:spcBef>
+            <a:spcAft>
+              <a:spcPct val="35000"/>
+            </a:spcAft>
+            <a:buNone/>
+          </a:pPr>
+          <a:r>
+            <a:rPr lang="de-DE" sz="1100" kern="1200" dirty="0"/>
+            <a:t>P-Hacking</a:t>
+          </a:r>
+          <a:endParaRPr lang="en-US" sz="1100" kern="1200" dirty="0"/>
+        </a:p>
+      </dsp:txBody>
+      <dsp:txXfrm>
+        <a:off x="2217333" y="448577"/>
+        <a:ext cx="1376526" cy="433705"/>
+      </dsp:txXfrm>
+    </dsp:sp>
+    <dsp:sp modelId="{6776D43E-F225-41A6-B2BC-9E4122BD1187}">
+      <dsp:nvSpPr>
+        <dsp:cNvPr id="0" name=""/>
+        <dsp:cNvSpPr/>
+      </dsp:nvSpPr>
+      <dsp:spPr>
+        <a:xfrm>
+          <a:off x="2499273" y="882283"/>
+          <a:ext cx="1376526" cy="1952542"/>
+        </a:xfrm>
+        <a:prstGeom prst="roundRect">
+          <a:avLst>
+            <a:gd name="adj" fmla="val 10000"/>
+          </a:avLst>
+        </a:prstGeom>
+        <a:solidFill>
+          <a:schemeClr val="lt2">
+            <a:alpha val="90000"/>
+            <a:hueOff val="0"/>
+            <a:satOff val="0"/>
+            <a:lumOff val="0"/>
+            <a:alphaOff val="0"/>
+          </a:schemeClr>
+        </a:solidFill>
+        <a:ln w="12700" cap="flat" cmpd="sng" algn="ctr">
+          <a:solidFill>
+            <a:schemeClr val="dk2">
+              <a:hueOff val="0"/>
+              <a:satOff val="0"/>
+              <a:lumOff val="0"/>
+              <a:alphaOff val="0"/>
+            </a:schemeClr>
+          </a:solidFill>
+          <a:prstDash val="solid"/>
+          <a:miter lim="800000"/>
+        </a:ln>
+        <a:effectLst/>
+      </dsp:spPr>
+      <dsp:style>
+        <a:lnRef idx="2">
+          <a:scrgbClr r="0" g="0" b="0"/>
+        </a:lnRef>
+        <a:fillRef idx="1">
+          <a:scrgbClr r="0" g="0" b="0"/>
+        </a:fillRef>
+        <a:effectRef idx="0">
+          <a:scrgbClr r="0" g="0" b="0"/>
+        </a:effectRef>
+        <a:fontRef idx="minor"/>
+      </dsp:style>
+      <dsp:txBody>
+        <a:bodyPr spcFirstLastPara="0" vert="horz" wrap="square" lIns="78232" tIns="78232" rIns="78232" bIns="78232" numCol="1" spcCol="1270" anchor="t" anchorCtr="0">
+          <a:noAutofit/>
+        </a:bodyPr>
+        <a:lstStyle/>
+        <a:p>
+          <a:pPr marL="57150" lvl="1" indent="-57150" algn="l" defTabSz="488950">
+            <a:lnSpc>
+              <a:spcPct val="90000"/>
+            </a:lnSpc>
+            <a:spcBef>
+              <a:spcPct val="0"/>
+            </a:spcBef>
+            <a:spcAft>
+              <a:spcPct val="15000"/>
+            </a:spcAft>
+            <a:buFontTx/>
+            <a:buChar char="-"/>
+          </a:pPr>
+          <a:r>
+            <a:rPr lang="de-DE" sz="1100" kern="1200" dirty="0"/>
+            <a:t>Effizientester Weg zur Erreichung einer unbefristeten Stelle</a:t>
+          </a:r>
+          <a:endParaRPr lang="en-US" sz="1100" kern="1200" dirty="0"/>
+        </a:p>
+        <a:p>
+          <a:pPr marL="57150" lvl="1" indent="-57150" algn="l" defTabSz="488950">
+            <a:lnSpc>
+              <a:spcPct val="90000"/>
+            </a:lnSpc>
+            <a:spcBef>
+              <a:spcPct val="0"/>
+            </a:spcBef>
+            <a:spcAft>
+              <a:spcPct val="15000"/>
+            </a:spcAft>
+            <a:buFontTx/>
+            <a:buChar char="-"/>
+          </a:pPr>
+          <a:r>
+            <a:rPr lang="de-DE" sz="1100" kern="1200" dirty="0"/>
+            <a:t>Verbreitung eigener Interessen und Ideologien</a:t>
+          </a:r>
+          <a:endParaRPr lang="en-US" sz="1100" kern="1200" dirty="0"/>
+        </a:p>
+      </dsp:txBody>
+      <dsp:txXfrm>
+        <a:off x="2539590" y="922600"/>
+        <a:ext cx="1295892" cy="1871908"/>
+      </dsp:txXfrm>
+    </dsp:sp>
+    <dsp:sp modelId="{85DD399F-6174-45C3-BC93-0CEAD5AC25FB}">
+      <dsp:nvSpPr>
+        <dsp:cNvPr id="0" name=""/>
+        <dsp:cNvSpPr/>
+      </dsp:nvSpPr>
+      <dsp:spPr>
+        <a:xfrm>
+          <a:off x="3802537" y="494072"/>
+          <a:ext cx="442394" cy="342715"/>
+        </a:xfrm>
+        <a:prstGeom prst="rightArrow">
+          <a:avLst>
+            <a:gd name="adj1" fmla="val 60000"/>
+            <a:gd name="adj2" fmla="val 50000"/>
+          </a:avLst>
+        </a:prstGeom>
+        <a:solidFill>
+          <a:schemeClr val="dk2">
+            <a:tint val="60000"/>
+            <a:hueOff val="0"/>
+            <a:satOff val="0"/>
+            <a:lumOff val="0"/>
+            <a:alphaOff val="0"/>
+          </a:schemeClr>
+        </a:solidFill>
+        <a:ln>
+          <a:noFill/>
+        </a:ln>
+        <a:effectLst/>
+      </dsp:spPr>
+      <dsp:style>
+        <a:lnRef idx="0">
+          <a:scrgbClr r="0" g="0" b="0"/>
+        </a:lnRef>
+        <a:fillRef idx="1">
+          <a:scrgbClr r="0" g="0" b="0"/>
+        </a:fillRef>
+        <a:effectRef idx="0">
+          <a:scrgbClr r="0" g="0" b="0"/>
+        </a:effectRef>
+        <a:fontRef idx="minor">
+          <a:schemeClr val="lt1"/>
+        </a:fontRef>
+      </dsp:style>
+      <dsp:txBody>
+        <a:bodyPr spcFirstLastPara="0" vert="horz" wrap="square" lIns="0" tIns="0" rIns="0" bIns="0" numCol="1" spcCol="1270" anchor="ctr" anchorCtr="0">
+          <a:noAutofit/>
+        </a:bodyPr>
+        <a:lstStyle/>
+        <a:p>
+          <a:pPr marL="0" lvl="0" indent="0" algn="ctr" defTabSz="400050">
+            <a:lnSpc>
+              <a:spcPct val="90000"/>
+            </a:lnSpc>
+            <a:spcBef>
+              <a:spcPct val="0"/>
+            </a:spcBef>
+            <a:spcAft>
+              <a:spcPct val="35000"/>
+            </a:spcAft>
+            <a:buNone/>
+          </a:pPr>
+          <a:endParaRPr lang="en-US" sz="900" kern="1200"/>
+        </a:p>
+      </dsp:txBody>
+      <dsp:txXfrm>
+        <a:off x="3802537" y="562615"/>
+        <a:ext cx="339580" cy="205629"/>
+      </dsp:txXfrm>
+    </dsp:sp>
+    <dsp:sp modelId="{70434897-59C9-48C3-A459-1AED7F360BDA}">
+      <dsp:nvSpPr>
+        <dsp:cNvPr id="0" name=""/>
+        <dsp:cNvSpPr/>
+      </dsp:nvSpPr>
+      <dsp:spPr>
+        <a:xfrm>
+          <a:off x="4428566" y="448577"/>
+          <a:ext cx="1376526" cy="650558"/>
+        </a:xfrm>
+        <a:prstGeom prst="roundRect">
+          <a:avLst>
+            <a:gd name="adj" fmla="val 10000"/>
+          </a:avLst>
+        </a:prstGeom>
+        <a:solidFill>
+          <a:schemeClr val="dk2">
+            <a:hueOff val="0"/>
+            <a:satOff val="0"/>
+            <a:lumOff val="0"/>
+            <a:alphaOff val="0"/>
+          </a:schemeClr>
+        </a:solidFill>
+        <a:ln w="12700" cap="flat" cmpd="sng" algn="ctr">
+          <a:solidFill>
+            <a:schemeClr val="lt2">
+              <a:hueOff val="0"/>
+              <a:satOff val="0"/>
+              <a:lumOff val="0"/>
+              <a:alphaOff val="0"/>
+            </a:schemeClr>
+          </a:solidFill>
+          <a:prstDash val="solid"/>
+          <a:miter lim="800000"/>
+        </a:ln>
+        <a:effectLst/>
+      </dsp:spPr>
+      <dsp:style>
+        <a:lnRef idx="2">
+          <a:scrgbClr r="0" g="0" b="0"/>
+        </a:lnRef>
+        <a:fillRef idx="1">
+          <a:scrgbClr r="0" g="0" b="0"/>
+        </a:fillRef>
+        <a:effectRef idx="0">
+          <a:scrgbClr r="0" g="0" b="0"/>
+        </a:effectRef>
+        <a:fontRef idx="minor">
+          <a:schemeClr val="lt1"/>
+        </a:fontRef>
+      </dsp:style>
+      <dsp:txBody>
+        <a:bodyPr spcFirstLastPara="0" vert="horz" wrap="square" lIns="78232" tIns="78232" rIns="78232" bIns="41910" numCol="1" spcCol="1270" anchor="t" anchorCtr="0">
+          <a:noAutofit/>
+        </a:bodyPr>
+        <a:lstStyle/>
+        <a:p>
+          <a:pPr marL="0" lvl="0" indent="0" algn="l" defTabSz="488950">
+            <a:lnSpc>
+              <a:spcPct val="90000"/>
+            </a:lnSpc>
+            <a:spcBef>
+              <a:spcPct val="0"/>
+            </a:spcBef>
+            <a:spcAft>
+              <a:spcPct val="35000"/>
+            </a:spcAft>
+            <a:buNone/>
+          </a:pPr>
+          <a:r>
+            <a:rPr lang="de-DE" sz="1100" kern="1200" dirty="0"/>
+            <a:t>Interessante Befunde werden publiziert</a:t>
+          </a:r>
+          <a:endParaRPr lang="en-US" sz="1100" kern="1200" dirty="0"/>
+        </a:p>
+      </dsp:txBody>
+      <dsp:txXfrm>
+        <a:off x="4428566" y="448577"/>
+        <a:ext cx="1376526" cy="433705"/>
+      </dsp:txXfrm>
+    </dsp:sp>
+    <dsp:sp modelId="{1C84FA78-9420-4F3C-8B93-DFBA7BAB2247}">
+      <dsp:nvSpPr>
+        <dsp:cNvPr id="0" name=""/>
+        <dsp:cNvSpPr/>
+      </dsp:nvSpPr>
+      <dsp:spPr>
+        <a:xfrm>
+          <a:off x="4710506" y="882283"/>
+          <a:ext cx="1376526" cy="1952542"/>
+        </a:xfrm>
+        <a:prstGeom prst="roundRect">
+          <a:avLst>
+            <a:gd name="adj" fmla="val 10000"/>
+          </a:avLst>
+        </a:prstGeom>
+        <a:solidFill>
+          <a:schemeClr val="lt2">
+            <a:alpha val="90000"/>
+            <a:hueOff val="0"/>
+            <a:satOff val="0"/>
+            <a:lumOff val="0"/>
+            <a:alphaOff val="0"/>
+          </a:schemeClr>
+        </a:solidFill>
+        <a:ln w="12700" cap="flat" cmpd="sng" algn="ctr">
+          <a:solidFill>
+            <a:schemeClr val="dk2">
+              <a:hueOff val="0"/>
+              <a:satOff val="0"/>
+              <a:lumOff val="0"/>
+              <a:alphaOff val="0"/>
+            </a:schemeClr>
+          </a:solidFill>
+          <a:prstDash val="solid"/>
+          <a:miter lim="800000"/>
+        </a:ln>
+        <a:effectLst/>
+      </dsp:spPr>
+      <dsp:style>
+        <a:lnRef idx="2">
+          <a:scrgbClr r="0" g="0" b="0"/>
+        </a:lnRef>
+        <a:fillRef idx="1">
+          <a:scrgbClr r="0" g="0" b="0"/>
+        </a:fillRef>
+        <a:effectRef idx="0">
+          <a:scrgbClr r="0" g="0" b="0"/>
+        </a:effectRef>
+        <a:fontRef idx="minor"/>
+      </dsp:style>
+      <dsp:txBody>
+        <a:bodyPr spcFirstLastPara="0" vert="horz" wrap="square" lIns="78232" tIns="78232" rIns="78232" bIns="78232" numCol="1" spcCol="1270" anchor="t" anchorCtr="0">
+          <a:noAutofit/>
+        </a:bodyPr>
+        <a:lstStyle/>
+        <a:p>
+          <a:pPr marL="57150" lvl="1" indent="-57150" algn="l" defTabSz="488950">
+            <a:lnSpc>
+              <a:spcPct val="90000"/>
+            </a:lnSpc>
+            <a:spcBef>
+              <a:spcPct val="0"/>
+            </a:spcBef>
+            <a:spcAft>
+              <a:spcPct val="15000"/>
+            </a:spcAft>
+            <a:buFontTx/>
+            <a:buChar char="-"/>
+          </a:pPr>
+          <a:r>
+            <a:rPr lang="de-DE" sz="1100" kern="1200" dirty="0"/>
+            <a:t>Befunde werden nur als informativ gewertet, wenn sie „</a:t>
+          </a:r>
+          <a:r>
+            <a:rPr lang="de-DE" sz="1100" kern="1200"/>
+            <a:t>statistisch signifikant“ sind</a:t>
+          </a:r>
+          <a:endParaRPr lang="en-US" sz="1100" kern="1200" dirty="0"/>
+        </a:p>
+        <a:p>
+          <a:pPr marL="57150" lvl="1" indent="-57150" algn="l" defTabSz="488950">
+            <a:lnSpc>
+              <a:spcPct val="90000"/>
+            </a:lnSpc>
+            <a:spcBef>
+              <a:spcPct val="0"/>
+            </a:spcBef>
+            <a:spcAft>
+              <a:spcPct val="15000"/>
+            </a:spcAft>
+            <a:buFontTx/>
+            <a:buChar char="-"/>
+          </a:pPr>
+          <a:r>
+            <a:rPr lang="de-DE" sz="1100" kern="1200" dirty="0"/>
+            <a:t>Inhaltlich wichtig? / gut verkaufbar?</a:t>
+          </a:r>
+          <a:endParaRPr lang="en-US" sz="1100" kern="1200" dirty="0"/>
+        </a:p>
+        <a:p>
+          <a:pPr marL="57150" lvl="1" indent="-57150" algn="l" defTabSz="488950">
+            <a:lnSpc>
+              <a:spcPct val="90000"/>
+            </a:lnSpc>
+            <a:spcBef>
+              <a:spcPct val="0"/>
+            </a:spcBef>
+            <a:spcAft>
+              <a:spcPct val="15000"/>
+            </a:spcAft>
+            <a:buFontTx/>
+            <a:buChar char="-"/>
+          </a:pPr>
+          <a:r>
+            <a:rPr lang="de-DE" sz="1100" kern="1200"/>
+            <a:t>Kontraintuitiv?</a:t>
+          </a:r>
+          <a:endParaRPr lang="en-US" sz="1100" kern="1200" dirty="0"/>
+        </a:p>
+      </dsp:txBody>
+      <dsp:txXfrm>
+        <a:off x="4750823" y="922600"/>
+        <a:ext cx="1295892" cy="1871908"/>
+      </dsp:txXfrm>
+    </dsp:sp>
+    <dsp:sp modelId="{C709D72A-3BDD-430D-B48A-DFB5CAD14E1C}">
+      <dsp:nvSpPr>
+        <dsp:cNvPr id="0" name=""/>
+        <dsp:cNvSpPr/>
+      </dsp:nvSpPr>
+      <dsp:spPr>
+        <a:xfrm>
+          <a:off x="6013770" y="494072"/>
+          <a:ext cx="442394" cy="342715"/>
+        </a:xfrm>
+        <a:prstGeom prst="rightArrow">
+          <a:avLst>
+            <a:gd name="adj1" fmla="val 60000"/>
+            <a:gd name="adj2" fmla="val 50000"/>
+          </a:avLst>
+        </a:prstGeom>
+        <a:solidFill>
+          <a:schemeClr val="dk2">
+            <a:tint val="60000"/>
+            <a:hueOff val="0"/>
+            <a:satOff val="0"/>
+            <a:lumOff val="0"/>
+            <a:alphaOff val="0"/>
+          </a:schemeClr>
+        </a:solidFill>
+        <a:ln>
+          <a:noFill/>
+        </a:ln>
+        <a:effectLst/>
+      </dsp:spPr>
+      <dsp:style>
+        <a:lnRef idx="0">
+          <a:scrgbClr r="0" g="0" b="0"/>
+        </a:lnRef>
+        <a:fillRef idx="1">
+          <a:scrgbClr r="0" g="0" b="0"/>
+        </a:fillRef>
+        <a:effectRef idx="0">
+          <a:scrgbClr r="0" g="0" b="0"/>
+        </a:effectRef>
+        <a:fontRef idx="minor">
+          <a:schemeClr val="lt1"/>
+        </a:fontRef>
+      </dsp:style>
+      <dsp:txBody>
+        <a:bodyPr spcFirstLastPara="0" vert="horz" wrap="square" lIns="0" tIns="0" rIns="0" bIns="0" numCol="1" spcCol="1270" anchor="ctr" anchorCtr="0">
+          <a:noAutofit/>
+        </a:bodyPr>
+        <a:lstStyle/>
+        <a:p>
+          <a:pPr marL="0" lvl="0" indent="0" algn="ctr" defTabSz="400050">
+            <a:lnSpc>
+              <a:spcPct val="90000"/>
+            </a:lnSpc>
+            <a:spcBef>
+              <a:spcPct val="0"/>
+            </a:spcBef>
+            <a:spcAft>
+              <a:spcPct val="35000"/>
+            </a:spcAft>
+            <a:buNone/>
+          </a:pPr>
+          <a:endParaRPr lang="en-US" sz="900" kern="1200"/>
+        </a:p>
+      </dsp:txBody>
+      <dsp:txXfrm>
+        <a:off x="6013770" y="562615"/>
+        <a:ext cx="339580" cy="205629"/>
+      </dsp:txXfrm>
+    </dsp:sp>
+    <dsp:sp modelId="{7E8D54B2-AD85-4F6A-9FAB-A22A0C3D68DD}">
+      <dsp:nvSpPr>
+        <dsp:cNvPr id="0" name=""/>
+        <dsp:cNvSpPr/>
+      </dsp:nvSpPr>
+      <dsp:spPr>
+        <a:xfrm>
+          <a:off x="6639799" y="448577"/>
+          <a:ext cx="1376526" cy="650558"/>
+        </a:xfrm>
+        <a:prstGeom prst="roundRect">
+          <a:avLst>
+            <a:gd name="adj" fmla="val 10000"/>
+          </a:avLst>
+        </a:prstGeom>
+        <a:solidFill>
+          <a:schemeClr val="dk2">
+            <a:hueOff val="0"/>
+            <a:satOff val="0"/>
+            <a:lumOff val="0"/>
+            <a:alphaOff val="0"/>
+          </a:schemeClr>
+        </a:solidFill>
+        <a:ln w="12700" cap="flat" cmpd="sng" algn="ctr">
+          <a:solidFill>
+            <a:schemeClr val="lt2">
+              <a:hueOff val="0"/>
+              <a:satOff val="0"/>
+              <a:lumOff val="0"/>
+              <a:alphaOff val="0"/>
+            </a:schemeClr>
+          </a:solidFill>
+          <a:prstDash val="solid"/>
+          <a:miter lim="800000"/>
+        </a:ln>
+        <a:effectLst/>
+      </dsp:spPr>
+      <dsp:style>
+        <a:lnRef idx="2">
+          <a:scrgbClr r="0" g="0" b="0"/>
+        </a:lnRef>
+        <a:fillRef idx="1">
+          <a:scrgbClr r="0" g="0" b="0"/>
+        </a:fillRef>
+        <a:effectRef idx="0">
+          <a:scrgbClr r="0" g="0" b="0"/>
+        </a:effectRef>
+        <a:fontRef idx="minor">
+          <a:schemeClr val="lt1"/>
+        </a:fontRef>
+      </dsp:style>
+      <dsp:txBody>
+        <a:bodyPr spcFirstLastPara="0" vert="horz" wrap="square" lIns="78232" tIns="78232" rIns="78232" bIns="41910" numCol="1" spcCol="1270" anchor="t" anchorCtr="0">
+          <a:noAutofit/>
+        </a:bodyPr>
+        <a:lstStyle/>
+        <a:p>
+          <a:pPr marL="0" lvl="0" indent="0" algn="l" defTabSz="488950">
+            <a:lnSpc>
+              <a:spcPct val="90000"/>
+            </a:lnSpc>
+            <a:spcBef>
+              <a:spcPct val="0"/>
+            </a:spcBef>
+            <a:spcAft>
+              <a:spcPct val="35000"/>
+            </a:spcAft>
+            <a:buNone/>
+          </a:pPr>
+          <a:r>
+            <a:rPr lang="de-DE" sz="1100" kern="1200" dirty="0"/>
+            <a:t>Publikationsbias</a:t>
+          </a:r>
+          <a:endParaRPr lang="en-US" sz="1100" kern="1200" dirty="0"/>
+        </a:p>
+      </dsp:txBody>
+      <dsp:txXfrm>
+        <a:off x="6639799" y="448577"/>
+        <a:ext cx="1376526" cy="433705"/>
+      </dsp:txXfrm>
+    </dsp:sp>
+    <dsp:sp modelId="{47BB3BCA-E316-4503-BDC5-A552C4F9DA6A}">
+      <dsp:nvSpPr>
+        <dsp:cNvPr id="0" name=""/>
+        <dsp:cNvSpPr/>
+      </dsp:nvSpPr>
+      <dsp:spPr>
+        <a:xfrm>
+          <a:off x="6921739" y="882283"/>
+          <a:ext cx="1376526" cy="1952542"/>
+        </a:xfrm>
+        <a:prstGeom prst="roundRect">
+          <a:avLst>
+            <a:gd name="adj" fmla="val 10000"/>
+          </a:avLst>
+        </a:prstGeom>
+        <a:solidFill>
+          <a:schemeClr val="lt2">
+            <a:alpha val="90000"/>
+            <a:hueOff val="0"/>
+            <a:satOff val="0"/>
+            <a:lumOff val="0"/>
+            <a:alphaOff val="0"/>
+          </a:schemeClr>
+        </a:solidFill>
+        <a:ln w="12700" cap="flat" cmpd="sng" algn="ctr">
+          <a:solidFill>
+            <a:schemeClr val="dk2">
+              <a:hueOff val="0"/>
+              <a:satOff val="0"/>
+              <a:lumOff val="0"/>
+              <a:alphaOff val="0"/>
+            </a:schemeClr>
+          </a:solidFill>
+          <a:prstDash val="solid"/>
+          <a:miter lim="800000"/>
+        </a:ln>
+        <a:effectLst/>
+      </dsp:spPr>
+      <dsp:style>
+        <a:lnRef idx="2">
+          <a:scrgbClr r="0" g="0" b="0"/>
+        </a:lnRef>
+        <a:fillRef idx="1">
+          <a:scrgbClr r="0" g="0" b="0"/>
+        </a:fillRef>
+        <a:effectRef idx="0">
+          <a:scrgbClr r="0" g="0" b="0"/>
+        </a:effectRef>
+        <a:fontRef idx="minor"/>
+      </dsp:style>
+      <dsp:txBody>
+        <a:bodyPr spcFirstLastPara="0" vert="horz" wrap="square" lIns="78232" tIns="78232" rIns="78232" bIns="78232" numCol="1" spcCol="1270" anchor="t" anchorCtr="0">
+          <a:noAutofit/>
+        </a:bodyPr>
+        <a:lstStyle/>
+        <a:p>
+          <a:pPr marL="57150" lvl="1" indent="-57150" algn="l" defTabSz="488950">
+            <a:lnSpc>
+              <a:spcPct val="90000"/>
+            </a:lnSpc>
+            <a:spcBef>
+              <a:spcPct val="0"/>
+            </a:spcBef>
+            <a:spcAft>
+              <a:spcPct val="15000"/>
+            </a:spcAft>
+            <a:buFontTx/>
+            <a:buChar char="-"/>
+          </a:pPr>
+          <a:r>
+            <a:rPr lang="de-DE" sz="1100" kern="1200" dirty="0"/>
+            <a:t>Veröffentlichte Befunde stellen ein extrem verzerrtes Bild der Realität dar</a:t>
+          </a:r>
+          <a:endParaRPr lang="en-US" sz="1100" kern="1200" dirty="0"/>
+        </a:p>
+        <a:p>
+          <a:pPr marL="57150" lvl="1" indent="-57150" algn="l" defTabSz="488950">
+            <a:lnSpc>
+              <a:spcPct val="90000"/>
+            </a:lnSpc>
+            <a:spcBef>
+              <a:spcPct val="0"/>
+            </a:spcBef>
+            <a:spcAft>
+              <a:spcPct val="15000"/>
+            </a:spcAft>
+            <a:buFontTx/>
+            <a:buChar char="-"/>
+          </a:pPr>
+          <a:r>
+            <a:rPr lang="de-DE" sz="1100" kern="1200" dirty="0"/>
+            <a:t>Meta-Analytische Methoden zur Korrektur der Verzerrung sind noch unzureichend</a:t>
+          </a:r>
+          <a:endParaRPr lang="en-US" sz="1100" kern="1200" dirty="0"/>
+        </a:p>
+      </dsp:txBody>
+      <dsp:txXfrm>
+        <a:off x="6962056" y="922600"/>
+        <a:ext cx="1295892" cy="1871908"/>
+      </dsp:txXfrm>
+    </dsp:sp>
+    <dsp:sp modelId="{77C294DA-A70A-4111-B726-D04842D4B795}">
+      <dsp:nvSpPr>
+        <dsp:cNvPr id="0" name=""/>
+        <dsp:cNvSpPr/>
+      </dsp:nvSpPr>
+      <dsp:spPr>
+        <a:xfrm>
+          <a:off x="8225003" y="494072"/>
+          <a:ext cx="442394" cy="342715"/>
+        </a:xfrm>
+        <a:prstGeom prst="rightArrow">
+          <a:avLst>
+            <a:gd name="adj1" fmla="val 60000"/>
+            <a:gd name="adj2" fmla="val 50000"/>
+          </a:avLst>
+        </a:prstGeom>
+        <a:solidFill>
+          <a:schemeClr val="dk2">
+            <a:tint val="60000"/>
+            <a:hueOff val="0"/>
+            <a:satOff val="0"/>
+            <a:lumOff val="0"/>
+            <a:alphaOff val="0"/>
+          </a:schemeClr>
+        </a:solidFill>
+        <a:ln>
+          <a:noFill/>
+        </a:ln>
+        <a:effectLst/>
+      </dsp:spPr>
+      <dsp:style>
+        <a:lnRef idx="0">
+          <a:scrgbClr r="0" g="0" b="0"/>
+        </a:lnRef>
+        <a:fillRef idx="1">
+          <a:scrgbClr r="0" g="0" b="0"/>
+        </a:fillRef>
+        <a:effectRef idx="0">
+          <a:scrgbClr r="0" g="0" b="0"/>
+        </a:effectRef>
+        <a:fontRef idx="minor">
+          <a:schemeClr val="lt1"/>
+        </a:fontRef>
+      </dsp:style>
+      <dsp:txBody>
+        <a:bodyPr spcFirstLastPara="0" vert="horz" wrap="square" lIns="0" tIns="0" rIns="0" bIns="0" numCol="1" spcCol="1270" anchor="ctr" anchorCtr="0">
+          <a:noAutofit/>
+        </a:bodyPr>
+        <a:lstStyle/>
+        <a:p>
+          <a:pPr marL="0" lvl="0" indent="0" algn="ctr" defTabSz="400050">
+            <a:lnSpc>
+              <a:spcPct val="90000"/>
+            </a:lnSpc>
+            <a:spcBef>
+              <a:spcPct val="0"/>
+            </a:spcBef>
+            <a:spcAft>
+              <a:spcPct val="35000"/>
+            </a:spcAft>
+            <a:buNone/>
+          </a:pPr>
+          <a:endParaRPr lang="en-US" sz="900" kern="1200"/>
+        </a:p>
+      </dsp:txBody>
+      <dsp:txXfrm>
+        <a:off x="8225003" y="562615"/>
+        <a:ext cx="339580" cy="205629"/>
+      </dsp:txXfrm>
+    </dsp:sp>
+    <dsp:sp modelId="{6B437F4F-13B3-41CC-94D3-851CAB3822F6}">
+      <dsp:nvSpPr>
+        <dsp:cNvPr id="0" name=""/>
+        <dsp:cNvSpPr/>
+      </dsp:nvSpPr>
+      <dsp:spPr>
+        <a:xfrm>
+          <a:off x="8851032" y="448577"/>
+          <a:ext cx="1376526" cy="650558"/>
+        </a:xfrm>
+        <a:prstGeom prst="roundRect">
+          <a:avLst>
+            <a:gd name="adj" fmla="val 10000"/>
+          </a:avLst>
+        </a:prstGeom>
+        <a:solidFill>
+          <a:schemeClr val="dk2">
+            <a:hueOff val="0"/>
+            <a:satOff val="0"/>
+            <a:lumOff val="0"/>
+            <a:alphaOff val="0"/>
+          </a:schemeClr>
+        </a:solidFill>
+        <a:ln w="12700" cap="flat" cmpd="sng" algn="ctr">
+          <a:solidFill>
+            <a:schemeClr val="lt2">
+              <a:hueOff val="0"/>
+              <a:satOff val="0"/>
+              <a:lumOff val="0"/>
+              <a:alphaOff val="0"/>
+            </a:schemeClr>
+          </a:solidFill>
+          <a:prstDash val="solid"/>
+          <a:miter lim="800000"/>
+        </a:ln>
+        <a:effectLst/>
+      </dsp:spPr>
+      <dsp:style>
+        <a:lnRef idx="2">
+          <a:scrgbClr r="0" g="0" b="0"/>
+        </a:lnRef>
+        <a:fillRef idx="1">
+          <a:scrgbClr r="0" g="0" b="0"/>
+        </a:fillRef>
+        <a:effectRef idx="0">
+          <a:scrgbClr r="0" g="0" b="0"/>
+        </a:effectRef>
+        <a:fontRef idx="minor">
+          <a:schemeClr val="lt1"/>
+        </a:fontRef>
+      </dsp:style>
+      <dsp:txBody>
+        <a:bodyPr spcFirstLastPara="0" vert="horz" wrap="square" lIns="78232" tIns="78232" rIns="78232" bIns="41910" numCol="1" spcCol="1270" anchor="t" anchorCtr="0">
+          <a:noAutofit/>
+        </a:bodyPr>
+        <a:lstStyle/>
+        <a:p>
+          <a:pPr marL="0" lvl="0" indent="0" algn="l" defTabSz="488950">
+            <a:lnSpc>
+              <a:spcPct val="90000"/>
+            </a:lnSpc>
+            <a:spcBef>
+              <a:spcPct val="0"/>
+            </a:spcBef>
+            <a:spcAft>
+              <a:spcPct val="35000"/>
+            </a:spcAft>
+            <a:buNone/>
+          </a:pPr>
+          <a:r>
+            <a:rPr lang="de-DE" sz="1100" kern="1200"/>
+            <a:t>Replikations-fehlschläge</a:t>
+          </a:r>
+          <a:endParaRPr lang="en-US" sz="1100" kern="1200" dirty="0"/>
+        </a:p>
+      </dsp:txBody>
+      <dsp:txXfrm>
+        <a:off x="8851032" y="448577"/>
+        <a:ext cx="1376526" cy="433705"/>
+      </dsp:txXfrm>
+    </dsp:sp>
+    <dsp:sp modelId="{958A38CB-E9F2-45AA-9213-82E6862D7972}">
+      <dsp:nvSpPr>
+        <dsp:cNvPr id="0" name=""/>
+        <dsp:cNvSpPr/>
+      </dsp:nvSpPr>
+      <dsp:spPr>
+        <a:xfrm>
+          <a:off x="9132972" y="882283"/>
+          <a:ext cx="1376526" cy="1952542"/>
+        </a:xfrm>
+        <a:prstGeom prst="roundRect">
+          <a:avLst>
+            <a:gd name="adj" fmla="val 10000"/>
+          </a:avLst>
+        </a:prstGeom>
+        <a:solidFill>
+          <a:schemeClr val="lt2">
+            <a:alpha val="90000"/>
+            <a:hueOff val="0"/>
+            <a:satOff val="0"/>
+            <a:lumOff val="0"/>
+            <a:alphaOff val="0"/>
+          </a:schemeClr>
+        </a:solidFill>
+        <a:ln w="12700" cap="flat" cmpd="sng" algn="ctr">
+          <a:solidFill>
+            <a:schemeClr val="dk2">
+              <a:hueOff val="0"/>
+              <a:satOff val="0"/>
+              <a:lumOff val="0"/>
+              <a:alphaOff val="0"/>
+            </a:schemeClr>
+          </a:solidFill>
+          <a:prstDash val="solid"/>
+          <a:miter lim="800000"/>
+        </a:ln>
+        <a:effectLst/>
+      </dsp:spPr>
+      <dsp:style>
+        <a:lnRef idx="2">
+          <a:scrgbClr r="0" g="0" b="0"/>
+        </a:lnRef>
+        <a:fillRef idx="1">
+          <a:scrgbClr r="0" g="0" b="0"/>
+        </a:fillRef>
+        <a:effectRef idx="0">
+          <a:scrgbClr r="0" g="0" b="0"/>
+        </a:effectRef>
+        <a:fontRef idx="minor"/>
+      </dsp:style>
+      <dsp:txBody>
+        <a:bodyPr spcFirstLastPara="0" vert="horz" wrap="square" lIns="78232" tIns="78232" rIns="78232" bIns="78232" numCol="1" spcCol="1270" anchor="t" anchorCtr="0">
+          <a:noAutofit/>
+        </a:bodyPr>
+        <a:lstStyle/>
+        <a:p>
+          <a:pPr marL="57150" lvl="1" indent="-57150" algn="l" defTabSz="488950">
+            <a:lnSpc>
+              <a:spcPct val="90000"/>
+            </a:lnSpc>
+            <a:spcBef>
+              <a:spcPct val="0"/>
+            </a:spcBef>
+            <a:spcAft>
+              <a:spcPct val="15000"/>
+            </a:spcAft>
+            <a:buChar char="•"/>
+          </a:pPr>
+          <a:r>
+            <a:rPr lang="de-DE" sz="1100" kern="1200"/>
+            <a:t>50% aller Befunde lassen sich nicht replizieren</a:t>
+          </a:r>
+          <a:endParaRPr lang="en-US" sz="1100" kern="1200" dirty="0"/>
+        </a:p>
+        <a:p>
+          <a:pPr marL="57150" lvl="1" indent="-57150" algn="l" defTabSz="488950">
+            <a:lnSpc>
+              <a:spcPct val="90000"/>
+            </a:lnSpc>
+            <a:spcBef>
+              <a:spcPct val="0"/>
+            </a:spcBef>
+            <a:spcAft>
+              <a:spcPct val="15000"/>
+            </a:spcAft>
+            <a:buFontTx/>
+            <a:buChar char="-"/>
+          </a:pPr>
+          <a:r>
+            <a:rPr lang="de-DE" sz="1100" kern="1200"/>
+            <a:t>Replikationsrate in vielen Disziplinen noch ungewiss</a:t>
+          </a:r>
+          <a:endParaRPr lang="en-US" sz="1100" kern="1200" dirty="0"/>
+        </a:p>
+        <a:p>
+          <a:pPr marL="57150" lvl="1" indent="-57150" algn="l" defTabSz="488950">
+            <a:lnSpc>
+              <a:spcPct val="90000"/>
+            </a:lnSpc>
+            <a:spcBef>
+              <a:spcPct val="0"/>
+            </a:spcBef>
+            <a:spcAft>
+              <a:spcPct val="15000"/>
+            </a:spcAft>
+            <a:buFontTx/>
+            <a:buChar char="-"/>
+          </a:pPr>
+          <a:r>
+            <a:rPr lang="de-DE" sz="1100" kern="1200" dirty="0"/>
+            <a:t>Aufbauen auf bisherigen Befunden ist ein Glücksspiel</a:t>
+          </a:r>
+          <a:endParaRPr lang="en-US" sz="1100" kern="1200" dirty="0"/>
+        </a:p>
+      </dsp:txBody>
+      <dsp:txXfrm>
+        <a:off x="9173289" y="922600"/>
+        <a:ext cx="1295892" cy="1871908"/>
+      </dsp:txXfrm>
+    </dsp:sp>
+  </dsp:spTree>
+</dsp:drawing>
+</file>
+
+<file path=ppt/diagrams/drawing2.xml><?xml version="1.0" encoding="utf-8"?>
 <dsp:drawing xmlns:dgm="http://schemas.openxmlformats.org/drawingml/2006/diagram" xmlns:dsp="http://schemas.microsoft.com/office/drawing/2008/diagram" xmlns:a="http://schemas.openxmlformats.org/drawingml/2006/main">
   <dsp:spTree>
     <dsp:nvGrpSpPr>
@@ -3477,7 +7455,968 @@
 </dsp:drawing>
 </file>
 
+<file path=ppt/diagrams/drawing3.xml><?xml version="1.0" encoding="utf-8"?>
+<dsp:drawing xmlns:dgm="http://schemas.openxmlformats.org/drawingml/2006/diagram" xmlns:dsp="http://schemas.microsoft.com/office/drawing/2008/diagram" xmlns:a="http://schemas.openxmlformats.org/drawingml/2006/main">
+  <dsp:spTree>
+    <dsp:nvGrpSpPr>
+      <dsp:cNvPr id="0" name=""/>
+      <dsp:cNvGrpSpPr/>
+    </dsp:nvGrpSpPr>
+    <dsp:grpSpPr/>
+    <dsp:sp modelId="{3D1EC8C5-C772-41F2-9793-24EEFE494F0B}">
+      <dsp:nvSpPr>
+        <dsp:cNvPr id="0" name=""/>
+        <dsp:cNvSpPr/>
+      </dsp:nvSpPr>
+      <dsp:spPr>
+        <a:xfrm>
+          <a:off x="3095624" y="232"/>
+          <a:ext cx="1936750" cy="1258887"/>
+        </a:xfrm>
+        <a:prstGeom prst="roundRect">
+          <a:avLst/>
+        </a:prstGeom>
+        <a:gradFill rotWithShape="0">
+          <a:gsLst>
+            <a:gs pos="0">
+              <a:schemeClr val="accent3">
+                <a:hueOff val="0"/>
+                <a:satOff val="0"/>
+                <a:lumOff val="0"/>
+                <a:alphaOff val="0"/>
+                <a:lumMod val="110000"/>
+                <a:satMod val="105000"/>
+                <a:tint val="67000"/>
+              </a:schemeClr>
+            </a:gs>
+            <a:gs pos="50000">
+              <a:schemeClr val="accent3">
+                <a:hueOff val="0"/>
+                <a:satOff val="0"/>
+                <a:lumOff val="0"/>
+                <a:alphaOff val="0"/>
+                <a:lumMod val="105000"/>
+                <a:satMod val="103000"/>
+                <a:tint val="73000"/>
+              </a:schemeClr>
+            </a:gs>
+            <a:gs pos="100000">
+              <a:schemeClr val="accent3">
+                <a:hueOff val="0"/>
+                <a:satOff val="0"/>
+                <a:lumOff val="0"/>
+                <a:alphaOff val="0"/>
+                <a:lumMod val="105000"/>
+                <a:satMod val="109000"/>
+                <a:tint val="81000"/>
+              </a:schemeClr>
+            </a:gs>
+          </a:gsLst>
+          <a:lin ang="5400000" scaled="0"/>
+        </a:gradFill>
+        <a:ln>
+          <a:noFill/>
+        </a:ln>
+        <a:effectLst/>
+        <a:scene3d>
+          <a:camera prst="orthographicFront"/>
+          <a:lightRig rig="flat" dir="t"/>
+        </a:scene3d>
+        <a:sp3d prstMaterial="dkEdge">
+          <a:bevelT w="8200" h="38100"/>
+        </a:sp3d>
+      </dsp:spPr>
+      <dsp:style>
+        <a:lnRef idx="0">
+          <a:scrgbClr r="0" g="0" b="0"/>
+        </a:lnRef>
+        <a:fillRef idx="2">
+          <a:scrgbClr r="0" g="0" b="0"/>
+        </a:fillRef>
+        <a:effectRef idx="1">
+          <a:scrgbClr r="0" g="0" b="0"/>
+        </a:effectRef>
+        <a:fontRef idx="minor">
+          <a:schemeClr val="dk1"/>
+        </a:fontRef>
+      </dsp:style>
+      <dsp:txBody>
+        <a:bodyPr spcFirstLastPara="0" vert="horz" wrap="square" lIns="60960" tIns="60960" rIns="60960" bIns="60960" numCol="1" spcCol="1270" anchor="ctr" anchorCtr="0">
+          <a:noAutofit/>
+        </a:bodyPr>
+        <a:lstStyle/>
+        <a:p>
+          <a:pPr marL="0" lvl="0" indent="0" algn="ctr" defTabSz="711200">
+            <a:lnSpc>
+              <a:spcPct val="90000"/>
+            </a:lnSpc>
+            <a:spcBef>
+              <a:spcPct val="0"/>
+            </a:spcBef>
+            <a:spcAft>
+              <a:spcPct val="35000"/>
+            </a:spcAft>
+            <a:buNone/>
+          </a:pPr>
+          <a:r>
+            <a:rPr lang="en-US" sz="1600" kern="1200" dirty="0" err="1"/>
+            <a:t>Normalwissenschaft</a:t>
+          </a:r>
+          <a:endParaRPr lang="en-US" sz="1600" kern="1200" dirty="0"/>
+        </a:p>
+      </dsp:txBody>
+      <dsp:txXfrm>
+        <a:off x="3157078" y="61686"/>
+        <a:ext cx="1813842" cy="1135979"/>
+      </dsp:txXfrm>
+    </dsp:sp>
+    <dsp:sp modelId="{F4BE037D-455D-4A17-A988-1D4BE14D3A52}">
+      <dsp:nvSpPr>
+        <dsp:cNvPr id="0" name=""/>
+        <dsp:cNvSpPr/>
+      </dsp:nvSpPr>
+      <dsp:spPr>
+        <a:xfrm>
+          <a:off x="1984342" y="629676"/>
+          <a:ext cx="4159314" cy="4159314"/>
+        </a:xfrm>
+        <a:custGeom>
+          <a:avLst/>
+          <a:gdLst/>
+          <a:ahLst/>
+          <a:cxnLst/>
+          <a:rect l="0" t="0" r="0" b="0"/>
+          <a:pathLst>
+            <a:path>
+              <a:moveTo>
+                <a:pt x="3315338" y="406915"/>
+              </a:moveTo>
+              <a:arcTo wR="2079657" hR="2079657" stAng="18387232" swAng="1633569"/>
+            </a:path>
+          </a:pathLst>
+        </a:custGeom>
+        <a:noFill/>
+        <a:ln w="6350" cap="flat" cmpd="sng" algn="ctr">
+          <a:solidFill>
+            <a:schemeClr val="accent3">
+              <a:hueOff val="0"/>
+              <a:satOff val="0"/>
+              <a:lumOff val="0"/>
+              <a:alphaOff val="0"/>
+            </a:schemeClr>
+          </a:solidFill>
+          <a:prstDash val="solid"/>
+          <a:miter lim="800000"/>
+          <a:tailEnd type="arrow"/>
+        </a:ln>
+        <a:effectLst/>
+      </dsp:spPr>
+      <dsp:style>
+        <a:lnRef idx="1">
+          <a:scrgbClr r="0" g="0" b="0"/>
+        </a:lnRef>
+        <a:fillRef idx="0">
+          <a:scrgbClr r="0" g="0" b="0"/>
+        </a:fillRef>
+        <a:effectRef idx="0">
+          <a:scrgbClr r="0" g="0" b="0"/>
+        </a:effectRef>
+        <a:fontRef idx="minor"/>
+      </dsp:style>
+    </dsp:sp>
+    <dsp:sp modelId="{C73CD461-7279-4E58-AF31-72D158715139}">
+      <dsp:nvSpPr>
+        <dsp:cNvPr id="0" name=""/>
+        <dsp:cNvSpPr/>
+      </dsp:nvSpPr>
+      <dsp:spPr>
+        <a:xfrm>
+          <a:off x="5175282" y="2079889"/>
+          <a:ext cx="1936750" cy="1258887"/>
+        </a:xfrm>
+        <a:prstGeom prst="roundRect">
+          <a:avLst/>
+        </a:prstGeom>
+        <a:gradFill rotWithShape="0">
+          <a:gsLst>
+            <a:gs pos="0">
+              <a:schemeClr val="accent3">
+                <a:hueOff val="0"/>
+                <a:satOff val="0"/>
+                <a:lumOff val="0"/>
+                <a:alphaOff val="0"/>
+                <a:lumMod val="110000"/>
+                <a:satMod val="105000"/>
+                <a:tint val="67000"/>
+              </a:schemeClr>
+            </a:gs>
+            <a:gs pos="50000">
+              <a:schemeClr val="accent3">
+                <a:hueOff val="0"/>
+                <a:satOff val="0"/>
+                <a:lumOff val="0"/>
+                <a:alphaOff val="0"/>
+                <a:lumMod val="105000"/>
+                <a:satMod val="103000"/>
+                <a:tint val="73000"/>
+              </a:schemeClr>
+            </a:gs>
+            <a:gs pos="100000">
+              <a:schemeClr val="accent3">
+                <a:hueOff val="0"/>
+                <a:satOff val="0"/>
+                <a:lumOff val="0"/>
+                <a:alphaOff val="0"/>
+                <a:lumMod val="105000"/>
+                <a:satMod val="109000"/>
+                <a:tint val="81000"/>
+              </a:schemeClr>
+            </a:gs>
+          </a:gsLst>
+          <a:lin ang="5400000" scaled="0"/>
+        </a:gradFill>
+        <a:ln>
+          <a:noFill/>
+        </a:ln>
+        <a:effectLst/>
+        <a:scene3d>
+          <a:camera prst="orthographicFront"/>
+          <a:lightRig rig="flat" dir="t"/>
+        </a:scene3d>
+        <a:sp3d prstMaterial="dkEdge">
+          <a:bevelT w="8200" h="38100"/>
+        </a:sp3d>
+      </dsp:spPr>
+      <dsp:style>
+        <a:lnRef idx="0">
+          <a:scrgbClr r="0" g="0" b="0"/>
+        </a:lnRef>
+        <a:fillRef idx="2">
+          <a:scrgbClr r="0" g="0" b="0"/>
+        </a:fillRef>
+        <a:effectRef idx="1">
+          <a:scrgbClr r="0" g="0" b="0"/>
+        </a:effectRef>
+        <a:fontRef idx="minor">
+          <a:schemeClr val="dk1"/>
+        </a:fontRef>
+      </dsp:style>
+      <dsp:txBody>
+        <a:bodyPr spcFirstLastPara="0" vert="horz" wrap="square" lIns="60960" tIns="60960" rIns="60960" bIns="60960" numCol="1" spcCol="1270" anchor="ctr" anchorCtr="0">
+          <a:noAutofit/>
+        </a:bodyPr>
+        <a:lstStyle/>
+        <a:p>
+          <a:pPr marL="0" lvl="0" indent="0" algn="ctr" defTabSz="711200">
+            <a:lnSpc>
+              <a:spcPct val="90000"/>
+            </a:lnSpc>
+            <a:spcBef>
+              <a:spcPct val="0"/>
+            </a:spcBef>
+            <a:spcAft>
+              <a:spcPct val="35000"/>
+            </a:spcAft>
+            <a:buNone/>
+          </a:pPr>
+          <a:r>
+            <a:rPr lang="en-US" sz="1600" kern="1200" dirty="0" err="1"/>
+            <a:t>Anomalien</a:t>
+          </a:r>
+          <a:endParaRPr lang="en-US" sz="1600" kern="1200" dirty="0"/>
+        </a:p>
+      </dsp:txBody>
+      <dsp:txXfrm>
+        <a:off x="5236736" y="2141343"/>
+        <a:ext cx="1813842" cy="1135979"/>
+      </dsp:txXfrm>
+    </dsp:sp>
+    <dsp:sp modelId="{3B150F21-82C3-4131-9395-2DAD294290C3}">
+      <dsp:nvSpPr>
+        <dsp:cNvPr id="0" name=""/>
+        <dsp:cNvSpPr/>
+      </dsp:nvSpPr>
+      <dsp:spPr>
+        <a:xfrm>
+          <a:off x="1984342" y="629676"/>
+          <a:ext cx="4159314" cy="4159314"/>
+        </a:xfrm>
+        <a:custGeom>
+          <a:avLst/>
+          <a:gdLst/>
+          <a:ahLst/>
+          <a:cxnLst/>
+          <a:rect l="0" t="0" r="0" b="0"/>
+          <a:pathLst>
+            <a:path>
+              <a:moveTo>
+                <a:pt x="3943720" y="3001743"/>
+              </a:moveTo>
+              <a:arcTo wR="2079657" hR="2079657" stAng="1579199" swAng="1633569"/>
+            </a:path>
+          </a:pathLst>
+        </a:custGeom>
+        <a:noFill/>
+        <a:ln w="6350" cap="flat" cmpd="sng" algn="ctr">
+          <a:solidFill>
+            <a:schemeClr val="accent3">
+              <a:hueOff val="0"/>
+              <a:satOff val="0"/>
+              <a:lumOff val="0"/>
+              <a:alphaOff val="0"/>
+            </a:schemeClr>
+          </a:solidFill>
+          <a:prstDash val="solid"/>
+          <a:miter lim="800000"/>
+          <a:tailEnd type="arrow"/>
+        </a:ln>
+        <a:effectLst/>
+      </dsp:spPr>
+      <dsp:style>
+        <a:lnRef idx="1">
+          <a:scrgbClr r="0" g="0" b="0"/>
+        </a:lnRef>
+        <a:fillRef idx="0">
+          <a:scrgbClr r="0" g="0" b="0"/>
+        </a:fillRef>
+        <a:effectRef idx="0">
+          <a:scrgbClr r="0" g="0" b="0"/>
+        </a:effectRef>
+        <a:fontRef idx="minor"/>
+      </dsp:style>
+    </dsp:sp>
+    <dsp:sp modelId="{46921929-CDAD-43F5-804B-62ECCA87B2CC}">
+      <dsp:nvSpPr>
+        <dsp:cNvPr id="0" name=""/>
+        <dsp:cNvSpPr/>
+      </dsp:nvSpPr>
+      <dsp:spPr>
+        <a:xfrm>
+          <a:off x="3095625" y="4159546"/>
+          <a:ext cx="1936750" cy="1258887"/>
+        </a:xfrm>
+        <a:prstGeom prst="roundRect">
+          <a:avLst/>
+        </a:prstGeom>
+        <a:gradFill rotWithShape="0">
+          <a:gsLst>
+            <a:gs pos="0">
+              <a:schemeClr val="accent3">
+                <a:hueOff val="0"/>
+                <a:satOff val="0"/>
+                <a:lumOff val="0"/>
+                <a:alphaOff val="0"/>
+                <a:lumMod val="110000"/>
+                <a:satMod val="105000"/>
+                <a:tint val="67000"/>
+              </a:schemeClr>
+            </a:gs>
+            <a:gs pos="50000">
+              <a:schemeClr val="accent3">
+                <a:hueOff val="0"/>
+                <a:satOff val="0"/>
+                <a:lumOff val="0"/>
+                <a:alphaOff val="0"/>
+                <a:lumMod val="105000"/>
+                <a:satMod val="103000"/>
+                <a:tint val="73000"/>
+              </a:schemeClr>
+            </a:gs>
+            <a:gs pos="100000">
+              <a:schemeClr val="accent3">
+                <a:hueOff val="0"/>
+                <a:satOff val="0"/>
+                <a:lumOff val="0"/>
+                <a:alphaOff val="0"/>
+                <a:lumMod val="105000"/>
+                <a:satMod val="109000"/>
+                <a:tint val="81000"/>
+              </a:schemeClr>
+            </a:gs>
+          </a:gsLst>
+          <a:lin ang="5400000" scaled="0"/>
+        </a:gradFill>
+        <a:ln>
+          <a:noFill/>
+        </a:ln>
+        <a:effectLst/>
+        <a:scene3d>
+          <a:camera prst="orthographicFront"/>
+          <a:lightRig rig="flat" dir="t"/>
+        </a:scene3d>
+        <a:sp3d prstMaterial="dkEdge">
+          <a:bevelT w="8200" h="38100"/>
+        </a:sp3d>
+      </dsp:spPr>
+      <dsp:style>
+        <a:lnRef idx="0">
+          <a:scrgbClr r="0" g="0" b="0"/>
+        </a:lnRef>
+        <a:fillRef idx="2">
+          <a:scrgbClr r="0" g="0" b="0"/>
+        </a:fillRef>
+        <a:effectRef idx="1">
+          <a:scrgbClr r="0" g="0" b="0"/>
+        </a:effectRef>
+        <a:fontRef idx="minor">
+          <a:schemeClr val="dk1"/>
+        </a:fontRef>
+      </dsp:style>
+      <dsp:txBody>
+        <a:bodyPr spcFirstLastPara="0" vert="horz" wrap="square" lIns="60960" tIns="60960" rIns="60960" bIns="60960" numCol="1" spcCol="1270" anchor="ctr" anchorCtr="0">
+          <a:noAutofit/>
+        </a:bodyPr>
+        <a:lstStyle/>
+        <a:p>
+          <a:pPr marL="0" lvl="0" indent="0" algn="ctr" defTabSz="711200">
+            <a:lnSpc>
+              <a:spcPct val="90000"/>
+            </a:lnSpc>
+            <a:spcBef>
+              <a:spcPct val="0"/>
+            </a:spcBef>
+            <a:spcAft>
+              <a:spcPct val="35000"/>
+            </a:spcAft>
+            <a:buNone/>
+          </a:pPr>
+          <a:r>
+            <a:rPr lang="en-US" sz="1600" kern="1200" dirty="0" err="1"/>
+            <a:t>Krise</a:t>
+          </a:r>
+          <a:endParaRPr lang="en-US" sz="1600" kern="1200" dirty="0"/>
+        </a:p>
+      </dsp:txBody>
+      <dsp:txXfrm>
+        <a:off x="3157079" y="4221000"/>
+        <a:ext cx="1813842" cy="1135979"/>
+      </dsp:txXfrm>
+    </dsp:sp>
+    <dsp:sp modelId="{6FC3095D-E738-4B9C-B8FA-3F745257F769}">
+      <dsp:nvSpPr>
+        <dsp:cNvPr id="0" name=""/>
+        <dsp:cNvSpPr/>
+      </dsp:nvSpPr>
+      <dsp:spPr>
+        <a:xfrm>
+          <a:off x="1984342" y="629676"/>
+          <a:ext cx="4159314" cy="4159314"/>
+        </a:xfrm>
+        <a:custGeom>
+          <a:avLst/>
+          <a:gdLst/>
+          <a:ahLst/>
+          <a:cxnLst/>
+          <a:rect l="0" t="0" r="0" b="0"/>
+          <a:pathLst>
+            <a:path>
+              <a:moveTo>
+                <a:pt x="843976" y="3752399"/>
+              </a:moveTo>
+              <a:arcTo wR="2079657" hR="2079657" stAng="7587232" swAng="1633569"/>
+            </a:path>
+          </a:pathLst>
+        </a:custGeom>
+        <a:noFill/>
+        <a:ln w="6350" cap="flat" cmpd="sng" algn="ctr">
+          <a:solidFill>
+            <a:schemeClr val="accent3">
+              <a:hueOff val="0"/>
+              <a:satOff val="0"/>
+              <a:lumOff val="0"/>
+              <a:alphaOff val="0"/>
+            </a:schemeClr>
+          </a:solidFill>
+          <a:prstDash val="solid"/>
+          <a:miter lim="800000"/>
+          <a:tailEnd type="arrow"/>
+        </a:ln>
+        <a:effectLst/>
+      </dsp:spPr>
+      <dsp:style>
+        <a:lnRef idx="1">
+          <a:scrgbClr r="0" g="0" b="0"/>
+        </a:lnRef>
+        <a:fillRef idx="0">
+          <a:scrgbClr r="0" g="0" b="0"/>
+        </a:fillRef>
+        <a:effectRef idx="0">
+          <a:scrgbClr r="0" g="0" b="0"/>
+        </a:effectRef>
+        <a:fontRef idx="minor"/>
+      </dsp:style>
+    </dsp:sp>
+    <dsp:sp modelId="{215F2592-3FD7-4C27-ABB4-2735A7018975}">
+      <dsp:nvSpPr>
+        <dsp:cNvPr id="0" name=""/>
+        <dsp:cNvSpPr/>
+      </dsp:nvSpPr>
+      <dsp:spPr>
+        <a:xfrm>
+          <a:off x="1015967" y="2079889"/>
+          <a:ext cx="1936750" cy="1258887"/>
+        </a:xfrm>
+        <a:prstGeom prst="roundRect">
+          <a:avLst/>
+        </a:prstGeom>
+        <a:gradFill rotWithShape="0">
+          <a:gsLst>
+            <a:gs pos="0">
+              <a:schemeClr val="accent3">
+                <a:hueOff val="0"/>
+                <a:satOff val="0"/>
+                <a:lumOff val="0"/>
+                <a:alphaOff val="0"/>
+                <a:lumMod val="110000"/>
+                <a:satMod val="105000"/>
+                <a:tint val="67000"/>
+              </a:schemeClr>
+            </a:gs>
+            <a:gs pos="50000">
+              <a:schemeClr val="accent3">
+                <a:hueOff val="0"/>
+                <a:satOff val="0"/>
+                <a:lumOff val="0"/>
+                <a:alphaOff val="0"/>
+                <a:lumMod val="105000"/>
+                <a:satMod val="103000"/>
+                <a:tint val="73000"/>
+              </a:schemeClr>
+            </a:gs>
+            <a:gs pos="100000">
+              <a:schemeClr val="accent3">
+                <a:hueOff val="0"/>
+                <a:satOff val="0"/>
+                <a:lumOff val="0"/>
+                <a:alphaOff val="0"/>
+                <a:lumMod val="105000"/>
+                <a:satMod val="109000"/>
+                <a:tint val="81000"/>
+              </a:schemeClr>
+            </a:gs>
+          </a:gsLst>
+          <a:lin ang="5400000" scaled="0"/>
+        </a:gradFill>
+        <a:ln>
+          <a:noFill/>
+        </a:ln>
+        <a:effectLst/>
+        <a:scene3d>
+          <a:camera prst="orthographicFront"/>
+          <a:lightRig rig="flat" dir="t"/>
+        </a:scene3d>
+        <a:sp3d prstMaterial="dkEdge">
+          <a:bevelT w="8200" h="38100"/>
+        </a:sp3d>
+      </dsp:spPr>
+      <dsp:style>
+        <a:lnRef idx="0">
+          <a:scrgbClr r="0" g="0" b="0"/>
+        </a:lnRef>
+        <a:fillRef idx="2">
+          <a:scrgbClr r="0" g="0" b="0"/>
+        </a:fillRef>
+        <a:effectRef idx="1">
+          <a:scrgbClr r="0" g="0" b="0"/>
+        </a:effectRef>
+        <a:fontRef idx="minor">
+          <a:schemeClr val="dk1"/>
+        </a:fontRef>
+      </dsp:style>
+      <dsp:txBody>
+        <a:bodyPr spcFirstLastPara="0" vert="horz" wrap="square" lIns="60960" tIns="60960" rIns="60960" bIns="60960" numCol="1" spcCol="1270" anchor="ctr" anchorCtr="0">
+          <a:noAutofit/>
+        </a:bodyPr>
+        <a:lstStyle/>
+        <a:p>
+          <a:pPr marL="0" lvl="0" indent="0" algn="ctr" defTabSz="711200">
+            <a:lnSpc>
+              <a:spcPct val="90000"/>
+            </a:lnSpc>
+            <a:spcBef>
+              <a:spcPct val="0"/>
+            </a:spcBef>
+            <a:spcAft>
+              <a:spcPct val="35000"/>
+            </a:spcAft>
+            <a:buNone/>
+          </a:pPr>
+          <a:r>
+            <a:rPr lang="en-US" sz="1600" kern="1200" dirty="0"/>
+            <a:t>Revolution / </a:t>
+          </a:r>
+          <a:r>
+            <a:rPr lang="en-US" sz="1600" kern="1200" dirty="0" err="1"/>
+            <a:t>Paradigmenwechsel</a:t>
+          </a:r>
+          <a:endParaRPr lang="en-US" sz="1600" kern="1200" dirty="0"/>
+        </a:p>
+      </dsp:txBody>
+      <dsp:txXfrm>
+        <a:off x="1077421" y="2141343"/>
+        <a:ext cx="1813842" cy="1135979"/>
+      </dsp:txXfrm>
+    </dsp:sp>
+    <dsp:sp modelId="{CBBE588A-ED94-43CE-80B9-A5CC3ABA02C0}">
+      <dsp:nvSpPr>
+        <dsp:cNvPr id="0" name=""/>
+        <dsp:cNvSpPr/>
+      </dsp:nvSpPr>
+      <dsp:spPr>
+        <a:xfrm>
+          <a:off x="1984342" y="629676"/>
+          <a:ext cx="4159314" cy="4159314"/>
+        </a:xfrm>
+        <a:custGeom>
+          <a:avLst/>
+          <a:gdLst/>
+          <a:ahLst/>
+          <a:cxnLst/>
+          <a:rect l="0" t="0" r="0" b="0"/>
+          <a:pathLst>
+            <a:path>
+              <a:moveTo>
+                <a:pt x="215594" y="1157570"/>
+              </a:moveTo>
+              <a:arcTo wR="2079657" hR="2079657" stAng="12379199" swAng="1633569"/>
+            </a:path>
+          </a:pathLst>
+        </a:custGeom>
+        <a:noFill/>
+        <a:ln w="6350" cap="flat" cmpd="sng" algn="ctr">
+          <a:solidFill>
+            <a:schemeClr val="accent3">
+              <a:hueOff val="0"/>
+              <a:satOff val="0"/>
+              <a:lumOff val="0"/>
+              <a:alphaOff val="0"/>
+            </a:schemeClr>
+          </a:solidFill>
+          <a:prstDash val="solid"/>
+          <a:miter lim="800000"/>
+          <a:tailEnd type="arrow"/>
+        </a:ln>
+        <a:effectLst/>
+      </dsp:spPr>
+      <dsp:style>
+        <a:lnRef idx="1">
+          <a:scrgbClr r="0" g="0" b="0"/>
+        </a:lnRef>
+        <a:fillRef idx="0">
+          <a:scrgbClr r="0" g="0" b="0"/>
+        </a:fillRef>
+        <a:effectRef idx="0">
+          <a:scrgbClr r="0" g="0" b="0"/>
+        </a:effectRef>
+        <a:fontRef idx="minor"/>
+      </dsp:style>
+    </dsp:sp>
+  </dsp:spTree>
+</dsp:drawing>
+</file>
+
 <file path=ppt/diagrams/layout1.xml><?xml version="1.0" encoding="utf-8"?>
+<dgm:layoutDef xmlns:dgm="http://schemas.openxmlformats.org/drawingml/2006/diagram" xmlns:a="http://schemas.openxmlformats.org/drawingml/2006/main" uniqueId="urn:microsoft.com/office/officeart/2005/8/layout/process3">
+  <dgm:title val=""/>
+  <dgm:desc val=""/>
+  <dgm:catLst>
+    <dgm:cat type="process" pri="2000"/>
+  </dgm:catLst>
+  <dgm:sampData>
+    <dgm:dataModel>
+      <dgm:ptLst>
+        <dgm:pt modelId="0" type="doc"/>
+        <dgm:pt modelId="1">
+          <dgm:prSet phldr="1"/>
+        </dgm:pt>
+        <dgm:pt modelId="11">
+          <dgm:prSet phldr="1"/>
+        </dgm:pt>
+        <dgm:pt modelId="2">
+          <dgm:prSet phldr="1"/>
+        </dgm:pt>
+        <dgm:pt modelId="21">
+          <dgm:prSet phldr="1"/>
+        </dgm:pt>
+        <dgm:pt modelId="3">
+          <dgm:prSet phldr="1"/>
+        </dgm:pt>
+        <dgm:pt modelId="31">
+          <dgm:prSet phldr="1"/>
+        </dgm:pt>
+      </dgm:ptLst>
+      <dgm:cxnLst>
+        <dgm:cxn modelId="4" srcId="0" destId="1" srcOrd="0" destOrd="0"/>
+        <dgm:cxn modelId="5" srcId="0" destId="2" srcOrd="1" destOrd="0"/>
+        <dgm:cxn modelId="6" srcId="0" destId="3" srcOrd="3" destOrd="0"/>
+        <dgm:cxn modelId="12" srcId="1" destId="11" srcOrd="0" destOrd="0"/>
+        <dgm:cxn modelId="23" srcId="2" destId="21" srcOrd="0" destOrd="0"/>
+        <dgm:cxn modelId="34" srcId="3" destId="31" srcOrd="0" destOrd="0"/>
+      </dgm:cxnLst>
+      <dgm:bg/>
+      <dgm:whole/>
+    </dgm:dataModel>
+  </dgm:sampData>
+  <dgm:styleData>
+    <dgm:dataModel>
+      <dgm:ptLst>
+        <dgm:pt modelId="0" type="doc"/>
+        <dgm:pt modelId="1">
+          <dgm:prSet phldr="1"/>
+        </dgm:pt>
+        <dgm:pt modelId="11">
+          <dgm:prSet phldr="1"/>
+        </dgm:pt>
+        <dgm:pt modelId="2">
+          <dgm:prSet phldr="1"/>
+        </dgm:pt>
+        <dgm:pt modelId="21">
+          <dgm:prSet phldr="1"/>
+        </dgm:pt>
+      </dgm:ptLst>
+      <dgm:cxnLst>
+        <dgm:cxn modelId="4" srcId="0" destId="1" srcOrd="0" destOrd="0"/>
+        <dgm:cxn modelId="5" srcId="0" destId="2" srcOrd="1" destOrd="0"/>
+        <dgm:cxn modelId="13" srcId="1" destId="11" srcOrd="0" destOrd="0"/>
+        <dgm:cxn modelId="23" srcId="2" destId="21" srcOrd="0" destOrd="0"/>
+      </dgm:cxnLst>
+      <dgm:bg/>
+      <dgm:whole/>
+    </dgm:dataModel>
+  </dgm:styleData>
+  <dgm:clrData>
+    <dgm:dataModel>
+      <dgm:ptLst>
+        <dgm:pt modelId="0" type="doc"/>
+        <dgm:pt modelId="1">
+          <dgm:prSet phldr="1"/>
+        </dgm:pt>
+        <dgm:pt modelId="11">
+          <dgm:prSet phldr="1"/>
+        </dgm:pt>
+        <dgm:pt modelId="2">
+          <dgm:prSet phldr="1"/>
+        </dgm:pt>
+        <dgm:pt modelId="21">
+          <dgm:prSet phldr="1"/>
+        </dgm:pt>
+        <dgm:pt modelId="3">
+          <dgm:prSet phldr="1"/>
+        </dgm:pt>
+        <dgm:pt modelId="31">
+          <dgm:prSet phldr="1"/>
+        </dgm:pt>
+        <dgm:pt modelId="4">
+          <dgm:prSet phldr="1"/>
+        </dgm:pt>
+        <dgm:pt modelId="41">
+          <dgm:prSet phldr="1"/>
+        </dgm:pt>
+      </dgm:ptLst>
+      <dgm:cxnLst>
+        <dgm:cxn modelId="5" srcId="0" destId="1" srcOrd="0" destOrd="0"/>
+        <dgm:cxn modelId="6" srcId="0" destId="2" srcOrd="1" destOrd="0"/>
+        <dgm:cxn modelId="7" srcId="0" destId="3" srcOrd="2" destOrd="0"/>
+        <dgm:cxn modelId="8" srcId="0" destId="4" srcOrd="3" destOrd="0"/>
+        <dgm:cxn modelId="13" srcId="1" destId="11" srcOrd="0" destOrd="0"/>
+        <dgm:cxn modelId="23" srcId="2" destId="21" srcOrd="0" destOrd="0"/>
+        <dgm:cxn modelId="33" srcId="3" destId="31" srcOrd="0" destOrd="0"/>
+        <dgm:cxn modelId="43" srcId="4" destId="41" srcOrd="0" destOrd="0"/>
+      </dgm:cxnLst>
+      <dgm:bg/>
+      <dgm:whole/>
+    </dgm:dataModel>
+  </dgm:clrData>
+  <dgm:layoutNode name="linearFlow">
+    <dgm:varLst>
+      <dgm:dir/>
+      <dgm:animLvl val="lvl"/>
+      <dgm:resizeHandles val="exact"/>
+    </dgm:varLst>
+    <dgm:choose name="Name0">
+      <dgm:if name="Name1" func="var" arg="dir" op="equ" val="norm">
+        <dgm:alg type="lin"/>
+      </dgm:if>
+      <dgm:else name="Name2">
+        <dgm:alg type="lin">
+          <dgm:param type="linDir" val="fromR"/>
+        </dgm:alg>
+      </dgm:else>
+    </dgm:choose>
+    <dgm:shape xmlns:r="http://schemas.openxmlformats.org/officeDocument/2006/relationships" r:blip="">
+      <dgm:adjLst/>
+    </dgm:shape>
+    <dgm:presOf/>
+    <dgm:constrLst>
+      <dgm:constr type="w" for="ch" forName="composite" refType="w"/>
+      <dgm:constr type="w" for="ch" ptType="sibTrans" refType="w" refFor="ch" refForName="composite" fact="0.3333"/>
+      <dgm:constr type="w" for="des" forName="parTx"/>
+      <dgm:constr type="h" for="des" forName="parTx" op="equ"/>
+      <dgm:constr type="h" for="des" forName="parSh" op="equ"/>
+      <dgm:constr type="w" for="des" forName="desTx"/>
+      <dgm:constr type="h" for="des" forName="desTx" op="equ"/>
+      <dgm:constr type="w" for="des" forName="parSh"/>
+      <dgm:constr type="primFontSz" for="des" forName="parTx" val="65"/>
+      <dgm:constr type="secFontSz" for="des" forName="desTx" refType="primFontSz" refFor="des" refForName="parTx" op="equ"/>
+      <dgm:constr type="primFontSz" for="des" forName="connTx" refType="primFontSz" refFor="des" refForName="parTx" fact="0.8"/>
+      <dgm:constr type="primFontSz" for="des" forName="connTx" refType="primFontSz" refFor="des" refForName="parTx" op="lte" fact="0.8"/>
+      <dgm:constr type="h" for="des" forName="parTx" refType="primFontSz" refFor="des" refForName="parTx" fact="0.8"/>
+      <dgm:constr type="h" for="des" forName="parSh" refType="primFontSz" refFor="des" refForName="parTx" fact="1.2"/>
+      <dgm:constr type="h" for="des" forName="desTx" refType="primFontSz" refFor="des" refForName="parTx" fact="1.6"/>
+      <dgm:constr type="h" for="des" forName="parSh" refType="h" refFor="des" refForName="parTx" op="lte" fact="1.5"/>
+      <dgm:constr type="h" for="des" forName="parSh" refType="h" refFor="des" refForName="parTx" op="gte" fact="1.5"/>
+    </dgm:constrLst>
+    <dgm:ruleLst>
+      <dgm:rule type="w" for="ch" forName="composite" val="0" fact="NaN" max="NaN"/>
+      <dgm:rule type="primFontSz" for="des" forName="parTx" val="5" fact="NaN" max="NaN"/>
+    </dgm:ruleLst>
+    <dgm:forEach name="Name3" axis="ch" ptType="node">
+      <dgm:layoutNode name="composite">
+        <dgm:alg type="composite"/>
+        <dgm:shape xmlns:r="http://schemas.openxmlformats.org/officeDocument/2006/relationships" r:blip="">
+          <dgm:adjLst/>
+        </dgm:shape>
+        <dgm:presOf/>
+        <dgm:choose name="Name4">
+          <dgm:if name="Name5" func="var" arg="dir" op="equ" val="norm">
+            <dgm:constrLst>
+              <dgm:constr type="h" refType="w" fact="1000"/>
+              <dgm:constr type="l" for="ch" forName="parTx"/>
+              <dgm:constr type="w" for="ch" forName="parTx" refType="w" fact="0.83"/>
+              <dgm:constr type="t" for="ch" forName="parTx"/>
+              <dgm:constr type="l" for="ch" forName="parSh"/>
+              <dgm:constr type="w" for="ch" forName="parSh" refType="w" refFor="ch" refForName="parTx"/>
+              <dgm:constr type="t" for="ch" forName="parSh"/>
+              <dgm:constr type="l" for="ch" forName="desTx" refType="w" fact="0.17"/>
+              <dgm:constr type="w" for="ch" forName="desTx" refType="w" refFor="ch" refForName="parTx"/>
+              <dgm:constr type="t" for="ch" forName="desTx" refType="h" refFor="ch" refForName="parTx"/>
+            </dgm:constrLst>
+          </dgm:if>
+          <dgm:else name="Name6">
+            <dgm:constrLst>
+              <dgm:constr type="h" refType="w" fact="1000"/>
+              <dgm:constr type="l" for="ch" forName="parTx" refType="w" fact="0.17"/>
+              <dgm:constr type="w" for="ch" forName="parTx" refType="w" fact="0.83"/>
+              <dgm:constr type="t" for="ch" forName="parTx"/>
+              <dgm:constr type="l" for="ch" forName="parSh" refType="w" fact="0.15"/>
+              <dgm:constr type="w" for="ch" forName="parSh" refType="w" refFor="ch" refForName="parTx"/>
+              <dgm:constr type="t" for="ch" forName="parSh"/>
+              <dgm:constr type="l" for="ch" forName="desTx"/>
+              <dgm:constr type="w" for="ch" forName="desTx" refType="w" refFor="ch" refForName="parTx"/>
+              <dgm:constr type="t" for="ch" forName="desTx" refType="h" refFor="ch" refForName="parTx"/>
+            </dgm:constrLst>
+          </dgm:else>
+        </dgm:choose>
+        <dgm:ruleLst>
+          <dgm:rule type="h" val="INF" fact="NaN" max="NaN"/>
+        </dgm:ruleLst>
+        <dgm:layoutNode name="parTx">
+          <dgm:varLst>
+            <dgm:chMax val="0"/>
+            <dgm:chPref val="0"/>
+            <dgm:bulletEnabled val="1"/>
+          </dgm:varLst>
+          <dgm:alg type="tx">
+            <dgm:param type="parTxLTRAlign" val="l"/>
+            <dgm:param type="parTxRTLAlign" val="r"/>
+            <dgm:param type="txAnchorVert" val="t"/>
+          </dgm:alg>
+          <dgm:shape xmlns:r="http://schemas.openxmlformats.org/officeDocument/2006/relationships" type="rect" r:blip="" zOrderOff="1" hideGeom="1">
+            <dgm:adjLst>
+              <dgm:adj idx="1" val="0.1"/>
+            </dgm:adjLst>
+          </dgm:shape>
+          <dgm:presOf axis="self" ptType="node"/>
+          <dgm:constrLst>
+            <dgm:constr type="h" refType="w" op="lte" fact="0.4"/>
+            <dgm:constr type="bMarg" refType="primFontSz" fact="0.3"/>
+            <dgm:constr type="h"/>
+          </dgm:constrLst>
+          <dgm:ruleLst>
+            <dgm:rule type="h" val="INF" fact="NaN" max="NaN"/>
+          </dgm:ruleLst>
+        </dgm:layoutNode>
+        <dgm:layoutNode name="parSh">
+          <dgm:alg type="sp"/>
+          <dgm:shape xmlns:r="http://schemas.openxmlformats.org/officeDocument/2006/relationships" type="roundRect" r:blip="">
+            <dgm:adjLst>
+              <dgm:adj idx="1" val="0.1"/>
+            </dgm:adjLst>
+          </dgm:shape>
+          <dgm:presOf axis="self" ptType="node"/>
+          <dgm:constrLst>
+            <dgm:constr type="h"/>
+          </dgm:constrLst>
+          <dgm:ruleLst/>
+        </dgm:layoutNode>
+        <dgm:layoutNode name="desTx" styleLbl="fgAcc1">
+          <dgm:varLst>
+            <dgm:bulletEnabled val="1"/>
+          </dgm:varLst>
+          <dgm:alg type="tx">
+            <dgm:param type="stBulletLvl" val="1"/>
+          </dgm:alg>
+          <dgm:shape xmlns:r="http://schemas.openxmlformats.org/officeDocument/2006/relationships" type="roundRect" r:blip="">
+            <dgm:adjLst>
+              <dgm:adj idx="1" val="0.1"/>
+            </dgm:adjLst>
+          </dgm:shape>
+          <dgm:presOf axis="des" ptType="node"/>
+          <dgm:constrLst>
+            <dgm:constr type="secFontSz" val="65"/>
+            <dgm:constr type="primFontSz" refType="secFontSz"/>
+            <dgm:constr type="h"/>
+          </dgm:constrLst>
+          <dgm:ruleLst>
+            <dgm:rule type="h" val="INF" fact="NaN" max="NaN"/>
+          </dgm:ruleLst>
+        </dgm:layoutNode>
+      </dgm:layoutNode>
+      <dgm:forEach name="sibTransForEach" axis="followSib" ptType="sibTrans" cnt="1">
+        <dgm:layoutNode name="sibTrans">
+          <dgm:alg type="conn">
+            <dgm:param type="begPts" val="auto"/>
+            <dgm:param type="endPts" val="auto"/>
+            <dgm:param type="srcNode" val="parTx"/>
+            <dgm:param type="dstNode" val="parTx"/>
+          </dgm:alg>
+          <dgm:shape xmlns:r="http://schemas.openxmlformats.org/officeDocument/2006/relationships" type="conn" r:blip="">
+            <dgm:adjLst/>
+          </dgm:shape>
+          <dgm:presOf axis="self"/>
+          <dgm:constrLst>
+            <dgm:constr type="h" refType="w" fact="0.62"/>
+            <dgm:constr type="connDist"/>
+            <dgm:constr type="begPad" refType="connDist" fact="0.25"/>
+            <dgm:constr type="endPad" refType="connDist" fact="0.22"/>
+          </dgm:constrLst>
+          <dgm:ruleLst/>
+          <dgm:layoutNode name="connTx">
+            <dgm:alg type="tx">
+              <dgm:param type="autoTxRot" val="grav"/>
+            </dgm:alg>
+            <dgm:shape xmlns:r="http://schemas.openxmlformats.org/officeDocument/2006/relationships" type="conn" r:blip="" hideGeom="1">
+              <dgm:adjLst/>
+            </dgm:shape>
+            <dgm:presOf axis="self"/>
+            <dgm:constrLst>
+              <dgm:constr type="lMarg"/>
+              <dgm:constr type="rMarg"/>
+              <dgm:constr type="tMarg"/>
+              <dgm:constr type="bMarg"/>
+            </dgm:constrLst>
+            <dgm:ruleLst>
+              <dgm:rule type="primFontSz" val="5" fact="NaN" max="NaN"/>
+            </dgm:ruleLst>
+          </dgm:layoutNode>
+        </dgm:layoutNode>
+      </dgm:forEach>
+    </dgm:forEach>
+  </dgm:layoutNode>
+</dgm:layoutDef>
+</file>
+
+<file path=ppt/diagrams/layout2.xml><?xml version="1.0" encoding="utf-8"?>
 <dgm:layoutDef xmlns:dgm="http://schemas.openxmlformats.org/drawingml/2006/diagram" xmlns:a="http://schemas.openxmlformats.org/drawingml/2006/main" uniqueId="urn:microsoft.com/office/officeart/2008/layout/PictureStrips">
   <dgm:title val=""/>
   <dgm:desc val=""/>
@@ -3672,6 +8611,214 @@
 </dgm:layoutDef>
 </file>
 
+<file path=ppt/diagrams/layout3.xml><?xml version="1.0" encoding="utf-8"?>
+<dgm:layoutDef xmlns:dgm="http://schemas.openxmlformats.org/drawingml/2006/diagram" xmlns:a="http://schemas.openxmlformats.org/drawingml/2006/main" uniqueId="urn:microsoft.com/office/officeart/2005/8/layout/cycle5">
+  <dgm:title val=""/>
+  <dgm:desc val=""/>
+  <dgm:catLst>
+    <dgm:cat type="cycle" pri="3000"/>
+  </dgm:catLst>
+  <dgm:sampData>
+    <dgm:dataModel>
+      <dgm:ptLst>
+        <dgm:pt modelId="0" type="doc"/>
+        <dgm:pt modelId="1">
+          <dgm:prSet phldr="1"/>
+        </dgm:pt>
+        <dgm:pt modelId="2">
+          <dgm:prSet phldr="1"/>
+        </dgm:pt>
+        <dgm:pt modelId="3">
+          <dgm:prSet phldr="1"/>
+        </dgm:pt>
+        <dgm:pt modelId="4">
+          <dgm:prSet phldr="1"/>
+        </dgm:pt>
+        <dgm:pt modelId="5">
+          <dgm:prSet phldr="1"/>
+        </dgm:pt>
+      </dgm:ptLst>
+      <dgm:cxnLst>
+        <dgm:cxn modelId="6" srcId="0" destId="1" srcOrd="0" destOrd="0"/>
+        <dgm:cxn modelId="7" srcId="0" destId="2" srcOrd="1" destOrd="0"/>
+        <dgm:cxn modelId="8" srcId="0" destId="3" srcOrd="2" destOrd="0"/>
+        <dgm:cxn modelId="9" srcId="0" destId="4" srcOrd="3" destOrd="0"/>
+        <dgm:cxn modelId="10" srcId="0" destId="5" srcOrd="4" destOrd="0"/>
+      </dgm:cxnLst>
+      <dgm:bg/>
+      <dgm:whole/>
+    </dgm:dataModel>
+  </dgm:sampData>
+  <dgm:styleData>
+    <dgm:dataModel>
+      <dgm:ptLst>
+        <dgm:pt modelId="0" type="doc"/>
+        <dgm:pt modelId="1"/>
+        <dgm:pt modelId="2"/>
+        <dgm:pt modelId="3"/>
+      </dgm:ptLst>
+      <dgm:cxnLst>
+        <dgm:cxn modelId="4" srcId="0" destId="1" srcOrd="0" destOrd="0"/>
+        <dgm:cxn modelId="5" srcId="0" destId="2" srcOrd="1" destOrd="0"/>
+        <dgm:cxn modelId="6" srcId="0" destId="3" srcOrd="2" destOrd="0"/>
+      </dgm:cxnLst>
+      <dgm:bg/>
+      <dgm:whole/>
+    </dgm:dataModel>
+  </dgm:styleData>
+  <dgm:clrData>
+    <dgm:dataModel>
+      <dgm:ptLst>
+        <dgm:pt modelId="0" type="doc"/>
+        <dgm:pt modelId="1"/>
+        <dgm:pt modelId="2"/>
+        <dgm:pt modelId="3"/>
+        <dgm:pt modelId="4"/>
+        <dgm:pt modelId="5"/>
+        <dgm:pt modelId="6"/>
+      </dgm:ptLst>
+      <dgm:cxnLst>
+        <dgm:cxn modelId="7" srcId="0" destId="1" srcOrd="0" destOrd="0"/>
+        <dgm:cxn modelId="8" srcId="0" destId="2" srcOrd="1" destOrd="0"/>
+        <dgm:cxn modelId="9" srcId="0" destId="3" srcOrd="2" destOrd="0"/>
+        <dgm:cxn modelId="10" srcId="0" destId="4" srcOrd="3" destOrd="0"/>
+        <dgm:cxn modelId="11" srcId="0" destId="5" srcOrd="4" destOrd="0"/>
+        <dgm:cxn modelId="12" srcId="0" destId="6" srcOrd="5" destOrd="0"/>
+      </dgm:cxnLst>
+      <dgm:bg/>
+      <dgm:whole/>
+    </dgm:dataModel>
+  </dgm:clrData>
+  <dgm:layoutNode name="cycle">
+    <dgm:varLst>
+      <dgm:dir/>
+      <dgm:resizeHandles val="exact"/>
+    </dgm:varLst>
+    <dgm:choose name="Name0">
+      <dgm:if name="Name1" func="var" arg="dir" op="equ" val="norm">
+        <dgm:choose name="Name2">
+          <dgm:if name="Name3" axis="ch" ptType="node" func="cnt" op="gt" val="2">
+            <dgm:alg type="cycle">
+              <dgm:param type="stAng" val="0"/>
+              <dgm:param type="spanAng" val="360"/>
+            </dgm:alg>
+          </dgm:if>
+          <dgm:else name="Name4">
+            <dgm:alg type="cycle">
+              <dgm:param type="stAng" val="-90"/>
+              <dgm:param type="spanAng" val="360"/>
+            </dgm:alg>
+          </dgm:else>
+        </dgm:choose>
+      </dgm:if>
+      <dgm:else name="Name5">
+        <dgm:choose name="Name6">
+          <dgm:if name="Name7" axis="ch" ptType="node" func="cnt" op="gt" val="2">
+            <dgm:alg type="cycle">
+              <dgm:param type="stAng" val="0"/>
+              <dgm:param type="spanAng" val="-360"/>
+            </dgm:alg>
+          </dgm:if>
+          <dgm:else name="Name8">
+            <dgm:alg type="cycle">
+              <dgm:param type="stAng" val="90"/>
+              <dgm:param type="spanAng" val="-360"/>
+            </dgm:alg>
+          </dgm:else>
+        </dgm:choose>
+      </dgm:else>
+    </dgm:choose>
+    <dgm:shape xmlns:r="http://schemas.openxmlformats.org/officeDocument/2006/relationships" r:blip="">
+      <dgm:adjLst/>
+    </dgm:shape>
+    <dgm:presOf/>
+    <dgm:choose name="Name9">
+      <dgm:if name="Name10" func="var" arg="dir" op="equ" val="norm">
+        <dgm:constrLst>
+          <dgm:constr type="w" for="ch" forName="node" refType="w"/>
+          <dgm:constr type="w" for="ch" ptType="sibTrans" refType="w" refFor="ch" refForName="node" op="equ" fact="0.3"/>
+          <dgm:constr type="diam" for="ch" ptType="sibTrans" refType="diam" op="equ"/>
+          <dgm:constr type="sibSp" refType="w" refFor="ch" refForName="node" op="equ" fact="0.15"/>
+          <dgm:constr type="w" for="ch" forName="spNode" refType="sibSp" fact="1.6"/>
+          <dgm:constr type="primFontSz" for="ch" forName="node" op="equ" val="65"/>
+        </dgm:constrLst>
+      </dgm:if>
+      <dgm:else name="Name11">
+        <dgm:constrLst>
+          <dgm:constr type="w" for="ch" forName="node" refType="w"/>
+          <dgm:constr type="w" for="ch" ptType="sibTrans" refType="w" refFor="ch" refForName="node" op="equ" fact="0.3"/>
+          <dgm:constr type="diam" for="ch" ptType="sibTrans" refType="diam" fact="-1"/>
+          <dgm:constr type="diam" for="ch" refType="diam" op="equ" fact="-1"/>
+          <dgm:constr type="sibSp" refType="w" refFor="ch" refForName="node" op="equ" fact="0.15"/>
+          <dgm:constr type="w" for="ch" forName="spNode" refType="sibSp" fact="1.6"/>
+          <dgm:constr type="primFontSz" for="ch" forName="node" op="equ" val="65"/>
+        </dgm:constrLst>
+      </dgm:else>
+    </dgm:choose>
+    <dgm:ruleLst/>
+    <dgm:forEach name="Name12" axis="ch" ptType="node">
+      <dgm:layoutNode name="node">
+        <dgm:varLst>
+          <dgm:bulletEnabled val="1"/>
+        </dgm:varLst>
+        <dgm:alg type="tx"/>
+        <dgm:shape xmlns:r="http://schemas.openxmlformats.org/officeDocument/2006/relationships" type="roundRect" r:blip="">
+          <dgm:adjLst/>
+        </dgm:shape>
+        <dgm:presOf axis="desOrSelf" ptType="node"/>
+        <dgm:constrLst>
+          <dgm:constr type="h" refType="w" fact="0.65"/>
+          <dgm:constr type="tMarg" refType="primFontSz" fact="0.3"/>
+          <dgm:constr type="bMarg" refType="primFontSz" fact="0.3"/>
+          <dgm:constr type="lMarg" refType="primFontSz" fact="0.3"/>
+          <dgm:constr type="rMarg" refType="primFontSz" fact="0.3"/>
+        </dgm:constrLst>
+        <dgm:ruleLst>
+          <dgm:rule type="primFontSz" val="5" fact="NaN" max="NaN"/>
+        </dgm:ruleLst>
+      </dgm:layoutNode>
+      <dgm:choose name="Name13">
+        <dgm:if name="Name14" axis="par ch" ptType="doc node" func="cnt" op="gt" val="1">
+          <dgm:layoutNode name="spNode">
+            <dgm:alg type="sp"/>
+            <dgm:shape xmlns:r="http://schemas.openxmlformats.org/officeDocument/2006/relationships" r:blip="">
+              <dgm:adjLst/>
+            </dgm:shape>
+            <dgm:presOf/>
+            <dgm:constrLst>
+              <dgm:constr type="h" refType="w"/>
+            </dgm:constrLst>
+            <dgm:ruleLst/>
+          </dgm:layoutNode>
+          <dgm:forEach name="Name15" axis="followSib" ptType="sibTrans" hideLastTrans="0" cnt="1">
+            <dgm:layoutNode name="sibTrans">
+              <dgm:alg type="conn">
+                <dgm:param type="dim" val="1D"/>
+                <dgm:param type="connRout" val="curve"/>
+                <dgm:param type="begPts" val="radial"/>
+                <dgm:param type="endPts" val="radial"/>
+              </dgm:alg>
+              <dgm:shape xmlns:r="http://schemas.openxmlformats.org/officeDocument/2006/relationships" type="conn" r:blip="">
+                <dgm:adjLst/>
+              </dgm:shape>
+              <dgm:presOf axis="self"/>
+              <dgm:constrLst>
+                <dgm:constr type="h" refType="w" fact="0.65"/>
+                <dgm:constr type="connDist"/>
+                <dgm:constr type="begPad" refType="connDist" fact="0.2"/>
+                <dgm:constr type="endPad" refType="connDist" fact="0.2"/>
+              </dgm:constrLst>
+              <dgm:ruleLst/>
+            </dgm:layoutNode>
+          </dgm:forEach>
+        </dgm:if>
+        <dgm:else name="Name16"/>
+      </dgm:choose>
+    </dgm:forEach>
+  </dgm:layoutNode>
+</dgm:layoutDef>
+</file>
+
 <file path=ppt/diagrams/quickStyle1.xml><?xml version="1.0" encoding="utf-8"?>
 <dgm:styleDef xmlns:dgm="http://schemas.openxmlformats.org/drawingml/2006/diagram" xmlns:a="http://schemas.openxmlformats.org/drawingml/2006/main" uniqueId="urn:microsoft.com/office/officeart/2005/8/quickstyle/simple1">
   <dgm:title val=""/>
@@ -4678,6 +9825,2100 @@
         <a:scrgbClr r="0" g="0" b="0"/>
       </a:fillRef>
       <a:effectRef idx="0">
+        <a:scrgbClr r="0" g="0" b="0"/>
+      </a:effectRef>
+      <a:fontRef idx="minor"/>
+    </dgm:style>
+  </dgm:styleLbl>
+  <dgm:styleLbl name="revTx">
+    <dgm:scene3d>
+      <a:camera prst="orthographicFront"/>
+      <a:lightRig rig="threePt" dir="t"/>
+    </dgm:scene3d>
+    <dgm:sp3d/>
+    <dgm:txPr/>
+    <dgm:style>
+      <a:lnRef idx="0">
+        <a:scrgbClr r="0" g="0" b="0"/>
+      </a:lnRef>
+      <a:fillRef idx="0">
+        <a:scrgbClr r="0" g="0" b="0"/>
+      </a:fillRef>
+      <a:effectRef idx="0">
+        <a:scrgbClr r="0" g="0" b="0"/>
+      </a:effectRef>
+      <a:fontRef idx="minor"/>
+    </dgm:style>
+  </dgm:styleLbl>
+</dgm:styleDef>
+</file>
+
+<file path=ppt/diagrams/quickStyle2.xml><?xml version="1.0" encoding="utf-8"?>
+<dgm:styleDef xmlns:dgm="http://schemas.openxmlformats.org/drawingml/2006/diagram" xmlns:a="http://schemas.openxmlformats.org/drawingml/2006/main" uniqueId="urn:microsoft.com/office/officeart/2005/8/quickstyle/simple1">
+  <dgm:title val=""/>
+  <dgm:desc val=""/>
+  <dgm:catLst>
+    <dgm:cat type="simple" pri="10100"/>
+  </dgm:catLst>
+  <dgm:scene3d>
+    <a:camera prst="orthographicFront"/>
+    <a:lightRig rig="threePt" dir="t"/>
+  </dgm:scene3d>
+  <dgm:styleLbl name="node0">
+    <dgm:scene3d>
+      <a:camera prst="orthographicFront"/>
+      <a:lightRig rig="threePt" dir="t"/>
+    </dgm:scene3d>
+    <dgm:sp3d/>
+    <dgm:txPr/>
+    <dgm:style>
+      <a:lnRef idx="2">
+        <a:scrgbClr r="0" g="0" b="0"/>
+      </a:lnRef>
+      <a:fillRef idx="1">
+        <a:scrgbClr r="0" g="0" b="0"/>
+      </a:fillRef>
+      <a:effectRef idx="0">
+        <a:scrgbClr r="0" g="0" b="0"/>
+      </a:effectRef>
+      <a:fontRef idx="minor">
+        <a:schemeClr val="lt1"/>
+      </a:fontRef>
+    </dgm:style>
+  </dgm:styleLbl>
+  <dgm:styleLbl name="lnNode1">
+    <dgm:scene3d>
+      <a:camera prst="orthographicFront"/>
+      <a:lightRig rig="threePt" dir="t"/>
+    </dgm:scene3d>
+    <dgm:sp3d/>
+    <dgm:txPr/>
+    <dgm:style>
+      <a:lnRef idx="2">
+        <a:scrgbClr r="0" g="0" b="0"/>
+      </a:lnRef>
+      <a:fillRef idx="1">
+        <a:scrgbClr r="0" g="0" b="0"/>
+      </a:fillRef>
+      <a:effectRef idx="0">
+        <a:scrgbClr r="0" g="0" b="0"/>
+      </a:effectRef>
+      <a:fontRef idx="minor">
+        <a:schemeClr val="lt1"/>
+      </a:fontRef>
+    </dgm:style>
+  </dgm:styleLbl>
+  <dgm:styleLbl name="vennNode1">
+    <dgm:scene3d>
+      <a:camera prst="orthographicFront"/>
+      <a:lightRig rig="threePt" dir="t"/>
+    </dgm:scene3d>
+    <dgm:sp3d/>
+    <dgm:txPr/>
+    <dgm:style>
+      <a:lnRef idx="2">
+        <a:scrgbClr r="0" g="0" b="0"/>
+      </a:lnRef>
+      <a:fillRef idx="1">
+        <a:scrgbClr r="0" g="0" b="0"/>
+      </a:fillRef>
+      <a:effectRef idx="0">
+        <a:scrgbClr r="0" g="0" b="0"/>
+      </a:effectRef>
+      <a:fontRef idx="minor">
+        <a:schemeClr val="tx1"/>
+      </a:fontRef>
+    </dgm:style>
+  </dgm:styleLbl>
+  <dgm:styleLbl name="alignNode1">
+    <dgm:scene3d>
+      <a:camera prst="orthographicFront"/>
+      <a:lightRig rig="threePt" dir="t"/>
+    </dgm:scene3d>
+    <dgm:sp3d/>
+    <dgm:txPr/>
+    <dgm:style>
+      <a:lnRef idx="2">
+        <a:scrgbClr r="0" g="0" b="0"/>
+      </a:lnRef>
+      <a:fillRef idx="1">
+        <a:scrgbClr r="0" g="0" b="0"/>
+      </a:fillRef>
+      <a:effectRef idx="0">
+        <a:scrgbClr r="0" g="0" b="0"/>
+      </a:effectRef>
+      <a:fontRef idx="minor">
+        <a:schemeClr val="lt1"/>
+      </a:fontRef>
+    </dgm:style>
+  </dgm:styleLbl>
+  <dgm:styleLbl name="node1">
+    <dgm:scene3d>
+      <a:camera prst="orthographicFront"/>
+      <a:lightRig rig="threePt" dir="t"/>
+    </dgm:scene3d>
+    <dgm:sp3d/>
+    <dgm:txPr/>
+    <dgm:style>
+      <a:lnRef idx="2">
+        <a:scrgbClr r="0" g="0" b="0"/>
+      </a:lnRef>
+      <a:fillRef idx="1">
+        <a:scrgbClr r="0" g="0" b="0"/>
+      </a:fillRef>
+      <a:effectRef idx="0">
+        <a:scrgbClr r="0" g="0" b="0"/>
+      </a:effectRef>
+      <a:fontRef idx="minor">
+        <a:schemeClr val="lt1"/>
+      </a:fontRef>
+    </dgm:style>
+  </dgm:styleLbl>
+  <dgm:styleLbl name="node2">
+    <dgm:scene3d>
+      <a:camera prst="orthographicFront"/>
+      <a:lightRig rig="threePt" dir="t"/>
+    </dgm:scene3d>
+    <dgm:sp3d/>
+    <dgm:txPr/>
+    <dgm:style>
+      <a:lnRef idx="2">
+        <a:scrgbClr r="0" g="0" b="0"/>
+      </a:lnRef>
+      <a:fillRef idx="1">
+        <a:scrgbClr r="0" g="0" b="0"/>
+      </a:fillRef>
+      <a:effectRef idx="0">
+        <a:scrgbClr r="0" g="0" b="0"/>
+      </a:effectRef>
+      <a:fontRef idx="minor">
+        <a:schemeClr val="lt1"/>
+      </a:fontRef>
+    </dgm:style>
+  </dgm:styleLbl>
+  <dgm:styleLbl name="node3">
+    <dgm:scene3d>
+      <a:camera prst="orthographicFront"/>
+      <a:lightRig rig="threePt" dir="t"/>
+    </dgm:scene3d>
+    <dgm:sp3d/>
+    <dgm:txPr/>
+    <dgm:style>
+      <a:lnRef idx="2">
+        <a:scrgbClr r="0" g="0" b="0"/>
+      </a:lnRef>
+      <a:fillRef idx="1">
+        <a:scrgbClr r="0" g="0" b="0"/>
+      </a:fillRef>
+      <a:effectRef idx="0">
+        <a:scrgbClr r="0" g="0" b="0"/>
+      </a:effectRef>
+      <a:fontRef idx="minor">
+        <a:schemeClr val="lt1"/>
+      </a:fontRef>
+    </dgm:style>
+  </dgm:styleLbl>
+  <dgm:styleLbl name="node4">
+    <dgm:scene3d>
+      <a:camera prst="orthographicFront"/>
+      <a:lightRig rig="threePt" dir="t"/>
+    </dgm:scene3d>
+    <dgm:sp3d/>
+    <dgm:txPr/>
+    <dgm:style>
+      <a:lnRef idx="2">
+        <a:scrgbClr r="0" g="0" b="0"/>
+      </a:lnRef>
+      <a:fillRef idx="1">
+        <a:scrgbClr r="0" g="0" b="0"/>
+      </a:fillRef>
+      <a:effectRef idx="0">
+        <a:scrgbClr r="0" g="0" b="0"/>
+      </a:effectRef>
+      <a:fontRef idx="minor">
+        <a:schemeClr val="lt1"/>
+      </a:fontRef>
+    </dgm:style>
+  </dgm:styleLbl>
+  <dgm:styleLbl name="fgImgPlace1">
+    <dgm:scene3d>
+      <a:camera prst="orthographicFront"/>
+      <a:lightRig rig="threePt" dir="t"/>
+    </dgm:scene3d>
+    <dgm:sp3d/>
+    <dgm:txPr/>
+    <dgm:style>
+      <a:lnRef idx="2">
+        <a:scrgbClr r="0" g="0" b="0"/>
+      </a:lnRef>
+      <a:fillRef idx="1">
+        <a:scrgbClr r="0" g="0" b="0"/>
+      </a:fillRef>
+      <a:effectRef idx="0">
+        <a:scrgbClr r="0" g="0" b="0"/>
+      </a:effectRef>
+      <a:fontRef idx="minor"/>
+    </dgm:style>
+  </dgm:styleLbl>
+  <dgm:styleLbl name="alignImgPlace1">
+    <dgm:scene3d>
+      <a:camera prst="orthographicFront"/>
+      <a:lightRig rig="threePt" dir="t"/>
+    </dgm:scene3d>
+    <dgm:sp3d/>
+    <dgm:txPr/>
+    <dgm:style>
+      <a:lnRef idx="2">
+        <a:scrgbClr r="0" g="0" b="0"/>
+      </a:lnRef>
+      <a:fillRef idx="1">
+        <a:scrgbClr r="0" g="0" b="0"/>
+      </a:fillRef>
+      <a:effectRef idx="0">
+        <a:scrgbClr r="0" g="0" b="0"/>
+      </a:effectRef>
+      <a:fontRef idx="minor"/>
+    </dgm:style>
+  </dgm:styleLbl>
+  <dgm:styleLbl name="bgImgPlace1">
+    <dgm:scene3d>
+      <a:camera prst="orthographicFront"/>
+      <a:lightRig rig="threePt" dir="t"/>
+    </dgm:scene3d>
+    <dgm:sp3d/>
+    <dgm:txPr/>
+    <dgm:style>
+      <a:lnRef idx="2">
+        <a:scrgbClr r="0" g="0" b="0"/>
+      </a:lnRef>
+      <a:fillRef idx="1">
+        <a:scrgbClr r="0" g="0" b="0"/>
+      </a:fillRef>
+      <a:effectRef idx="0">
+        <a:scrgbClr r="0" g="0" b="0"/>
+      </a:effectRef>
+      <a:fontRef idx="minor"/>
+    </dgm:style>
+  </dgm:styleLbl>
+  <dgm:styleLbl name="sibTrans2D1">
+    <dgm:scene3d>
+      <a:camera prst="orthographicFront"/>
+      <a:lightRig rig="threePt" dir="t"/>
+    </dgm:scene3d>
+    <dgm:sp3d/>
+    <dgm:txPr/>
+    <dgm:style>
+      <a:lnRef idx="0">
+        <a:scrgbClr r="0" g="0" b="0"/>
+      </a:lnRef>
+      <a:fillRef idx="1">
+        <a:scrgbClr r="0" g="0" b="0"/>
+      </a:fillRef>
+      <a:effectRef idx="0">
+        <a:scrgbClr r="0" g="0" b="0"/>
+      </a:effectRef>
+      <a:fontRef idx="minor">
+        <a:schemeClr val="lt1"/>
+      </a:fontRef>
+    </dgm:style>
+  </dgm:styleLbl>
+  <dgm:styleLbl name="fgSibTrans2D1">
+    <dgm:scene3d>
+      <a:camera prst="orthographicFront"/>
+      <a:lightRig rig="threePt" dir="t"/>
+    </dgm:scene3d>
+    <dgm:sp3d/>
+    <dgm:txPr/>
+    <dgm:style>
+      <a:lnRef idx="0">
+        <a:scrgbClr r="0" g="0" b="0"/>
+      </a:lnRef>
+      <a:fillRef idx="1">
+        <a:scrgbClr r="0" g="0" b="0"/>
+      </a:fillRef>
+      <a:effectRef idx="0">
+        <a:scrgbClr r="0" g="0" b="0"/>
+      </a:effectRef>
+      <a:fontRef idx="minor">
+        <a:schemeClr val="lt1"/>
+      </a:fontRef>
+    </dgm:style>
+  </dgm:styleLbl>
+  <dgm:styleLbl name="bgSibTrans2D1">
+    <dgm:scene3d>
+      <a:camera prst="orthographicFront"/>
+      <a:lightRig rig="threePt" dir="t"/>
+    </dgm:scene3d>
+    <dgm:sp3d/>
+    <dgm:txPr/>
+    <dgm:style>
+      <a:lnRef idx="0">
+        <a:scrgbClr r="0" g="0" b="0"/>
+      </a:lnRef>
+      <a:fillRef idx="1">
+        <a:scrgbClr r="0" g="0" b="0"/>
+      </a:fillRef>
+      <a:effectRef idx="0">
+        <a:scrgbClr r="0" g="0" b="0"/>
+      </a:effectRef>
+      <a:fontRef idx="minor">
+        <a:schemeClr val="lt1"/>
+      </a:fontRef>
+    </dgm:style>
+  </dgm:styleLbl>
+  <dgm:styleLbl name="sibTrans1D1">
+    <dgm:scene3d>
+      <a:camera prst="orthographicFront"/>
+      <a:lightRig rig="threePt" dir="t"/>
+    </dgm:scene3d>
+    <dgm:sp3d/>
+    <dgm:txPr/>
+    <dgm:style>
+      <a:lnRef idx="1">
+        <a:scrgbClr r="0" g="0" b="0"/>
+      </a:lnRef>
+      <a:fillRef idx="0">
+        <a:scrgbClr r="0" g="0" b="0"/>
+      </a:fillRef>
+      <a:effectRef idx="0">
+        <a:scrgbClr r="0" g="0" b="0"/>
+      </a:effectRef>
+      <a:fontRef idx="minor"/>
+    </dgm:style>
+  </dgm:styleLbl>
+  <dgm:styleLbl name="callout">
+    <dgm:scene3d>
+      <a:camera prst="orthographicFront"/>
+      <a:lightRig rig="threePt" dir="t"/>
+    </dgm:scene3d>
+    <dgm:sp3d/>
+    <dgm:txPr/>
+    <dgm:style>
+      <a:lnRef idx="2">
+        <a:scrgbClr r="0" g="0" b="0"/>
+      </a:lnRef>
+      <a:fillRef idx="1">
+        <a:scrgbClr r="0" g="0" b="0"/>
+      </a:fillRef>
+      <a:effectRef idx="0">
+        <a:scrgbClr r="0" g="0" b="0"/>
+      </a:effectRef>
+      <a:fontRef idx="minor"/>
+    </dgm:style>
+  </dgm:styleLbl>
+  <dgm:styleLbl name="asst0">
+    <dgm:scene3d>
+      <a:camera prst="orthographicFront"/>
+      <a:lightRig rig="threePt" dir="t"/>
+    </dgm:scene3d>
+    <dgm:sp3d/>
+    <dgm:txPr/>
+    <dgm:style>
+      <a:lnRef idx="2">
+        <a:scrgbClr r="0" g="0" b="0"/>
+      </a:lnRef>
+      <a:fillRef idx="1">
+        <a:scrgbClr r="0" g="0" b="0"/>
+      </a:fillRef>
+      <a:effectRef idx="0">
+        <a:scrgbClr r="0" g="0" b="0"/>
+      </a:effectRef>
+      <a:fontRef idx="minor">
+        <a:schemeClr val="lt1"/>
+      </a:fontRef>
+    </dgm:style>
+  </dgm:styleLbl>
+  <dgm:styleLbl name="asst1">
+    <dgm:scene3d>
+      <a:camera prst="orthographicFront"/>
+      <a:lightRig rig="threePt" dir="t"/>
+    </dgm:scene3d>
+    <dgm:sp3d/>
+    <dgm:txPr/>
+    <dgm:style>
+      <a:lnRef idx="2">
+        <a:scrgbClr r="0" g="0" b="0"/>
+      </a:lnRef>
+      <a:fillRef idx="1">
+        <a:scrgbClr r="0" g="0" b="0"/>
+      </a:fillRef>
+      <a:effectRef idx="0">
+        <a:scrgbClr r="0" g="0" b="0"/>
+      </a:effectRef>
+      <a:fontRef idx="minor">
+        <a:schemeClr val="lt1"/>
+      </a:fontRef>
+    </dgm:style>
+  </dgm:styleLbl>
+  <dgm:styleLbl name="asst2">
+    <dgm:scene3d>
+      <a:camera prst="orthographicFront"/>
+      <a:lightRig rig="threePt" dir="t"/>
+    </dgm:scene3d>
+    <dgm:sp3d/>
+    <dgm:txPr/>
+    <dgm:style>
+      <a:lnRef idx="2">
+        <a:scrgbClr r="0" g="0" b="0"/>
+      </a:lnRef>
+      <a:fillRef idx="1">
+        <a:scrgbClr r="0" g="0" b="0"/>
+      </a:fillRef>
+      <a:effectRef idx="0">
+        <a:scrgbClr r="0" g="0" b="0"/>
+      </a:effectRef>
+      <a:fontRef idx="minor">
+        <a:schemeClr val="lt1"/>
+      </a:fontRef>
+    </dgm:style>
+  </dgm:styleLbl>
+  <dgm:styleLbl name="asst3">
+    <dgm:scene3d>
+      <a:camera prst="orthographicFront"/>
+      <a:lightRig rig="threePt" dir="t"/>
+    </dgm:scene3d>
+    <dgm:sp3d/>
+    <dgm:txPr/>
+    <dgm:style>
+      <a:lnRef idx="2">
+        <a:scrgbClr r="0" g="0" b="0"/>
+      </a:lnRef>
+      <a:fillRef idx="1">
+        <a:scrgbClr r="0" g="0" b="0"/>
+      </a:fillRef>
+      <a:effectRef idx="0">
+        <a:scrgbClr r="0" g="0" b="0"/>
+      </a:effectRef>
+      <a:fontRef idx="minor">
+        <a:schemeClr val="lt1"/>
+      </a:fontRef>
+    </dgm:style>
+  </dgm:styleLbl>
+  <dgm:styleLbl name="asst4">
+    <dgm:scene3d>
+      <a:camera prst="orthographicFront"/>
+      <a:lightRig rig="threePt" dir="t"/>
+    </dgm:scene3d>
+    <dgm:sp3d/>
+    <dgm:txPr/>
+    <dgm:style>
+      <a:lnRef idx="2">
+        <a:scrgbClr r="0" g="0" b="0"/>
+      </a:lnRef>
+      <a:fillRef idx="1">
+        <a:scrgbClr r="0" g="0" b="0"/>
+      </a:fillRef>
+      <a:effectRef idx="0">
+        <a:scrgbClr r="0" g="0" b="0"/>
+      </a:effectRef>
+      <a:fontRef idx="minor">
+        <a:schemeClr val="lt1"/>
+      </a:fontRef>
+    </dgm:style>
+  </dgm:styleLbl>
+  <dgm:styleLbl name="parChTrans2D1">
+    <dgm:scene3d>
+      <a:camera prst="orthographicFront"/>
+      <a:lightRig rig="threePt" dir="t"/>
+    </dgm:scene3d>
+    <dgm:sp3d/>
+    <dgm:txPr/>
+    <dgm:style>
+      <a:lnRef idx="2">
+        <a:scrgbClr r="0" g="0" b="0"/>
+      </a:lnRef>
+      <a:fillRef idx="1">
+        <a:scrgbClr r="0" g="0" b="0"/>
+      </a:fillRef>
+      <a:effectRef idx="0">
+        <a:scrgbClr r="0" g="0" b="0"/>
+      </a:effectRef>
+      <a:fontRef idx="minor">
+        <a:schemeClr val="lt1"/>
+      </a:fontRef>
+    </dgm:style>
+  </dgm:styleLbl>
+  <dgm:styleLbl name="parChTrans2D2">
+    <dgm:scene3d>
+      <a:camera prst="orthographicFront"/>
+      <a:lightRig rig="threePt" dir="t"/>
+    </dgm:scene3d>
+    <dgm:sp3d/>
+    <dgm:txPr/>
+    <dgm:style>
+      <a:lnRef idx="2">
+        <a:scrgbClr r="0" g="0" b="0"/>
+      </a:lnRef>
+      <a:fillRef idx="1">
+        <a:scrgbClr r="0" g="0" b="0"/>
+      </a:fillRef>
+      <a:effectRef idx="0">
+        <a:scrgbClr r="0" g="0" b="0"/>
+      </a:effectRef>
+      <a:fontRef idx="minor">
+        <a:schemeClr val="lt1"/>
+      </a:fontRef>
+    </dgm:style>
+  </dgm:styleLbl>
+  <dgm:styleLbl name="parChTrans2D3">
+    <dgm:scene3d>
+      <a:camera prst="orthographicFront"/>
+      <a:lightRig rig="threePt" dir="t"/>
+    </dgm:scene3d>
+    <dgm:sp3d/>
+    <dgm:txPr/>
+    <dgm:style>
+      <a:lnRef idx="2">
+        <a:scrgbClr r="0" g="0" b="0"/>
+      </a:lnRef>
+      <a:fillRef idx="1">
+        <a:scrgbClr r="0" g="0" b="0"/>
+      </a:fillRef>
+      <a:effectRef idx="0">
+        <a:scrgbClr r="0" g="0" b="0"/>
+      </a:effectRef>
+      <a:fontRef idx="minor">
+        <a:schemeClr val="lt1"/>
+      </a:fontRef>
+    </dgm:style>
+  </dgm:styleLbl>
+  <dgm:styleLbl name="parChTrans2D4">
+    <dgm:scene3d>
+      <a:camera prst="orthographicFront"/>
+      <a:lightRig rig="threePt" dir="t"/>
+    </dgm:scene3d>
+    <dgm:sp3d/>
+    <dgm:txPr/>
+    <dgm:style>
+      <a:lnRef idx="2">
+        <a:scrgbClr r="0" g="0" b="0"/>
+      </a:lnRef>
+      <a:fillRef idx="1">
+        <a:scrgbClr r="0" g="0" b="0"/>
+      </a:fillRef>
+      <a:effectRef idx="0">
+        <a:scrgbClr r="0" g="0" b="0"/>
+      </a:effectRef>
+      <a:fontRef idx="minor">
+        <a:schemeClr val="lt1"/>
+      </a:fontRef>
+    </dgm:style>
+  </dgm:styleLbl>
+  <dgm:styleLbl name="parChTrans1D1">
+    <dgm:scene3d>
+      <a:camera prst="orthographicFront"/>
+      <a:lightRig rig="threePt" dir="t"/>
+    </dgm:scene3d>
+    <dgm:sp3d/>
+    <dgm:txPr/>
+    <dgm:style>
+      <a:lnRef idx="2">
+        <a:scrgbClr r="0" g="0" b="0"/>
+      </a:lnRef>
+      <a:fillRef idx="0">
+        <a:scrgbClr r="0" g="0" b="0"/>
+      </a:fillRef>
+      <a:effectRef idx="0">
+        <a:scrgbClr r="0" g="0" b="0"/>
+      </a:effectRef>
+      <a:fontRef idx="minor"/>
+    </dgm:style>
+  </dgm:styleLbl>
+  <dgm:styleLbl name="parChTrans1D2">
+    <dgm:scene3d>
+      <a:camera prst="orthographicFront"/>
+      <a:lightRig rig="threePt" dir="t"/>
+    </dgm:scene3d>
+    <dgm:sp3d/>
+    <dgm:txPr/>
+    <dgm:style>
+      <a:lnRef idx="2">
+        <a:scrgbClr r="0" g="0" b="0"/>
+      </a:lnRef>
+      <a:fillRef idx="0">
+        <a:scrgbClr r="0" g="0" b="0"/>
+      </a:fillRef>
+      <a:effectRef idx="0">
+        <a:scrgbClr r="0" g="0" b="0"/>
+      </a:effectRef>
+      <a:fontRef idx="minor"/>
+    </dgm:style>
+  </dgm:styleLbl>
+  <dgm:styleLbl name="parChTrans1D3">
+    <dgm:scene3d>
+      <a:camera prst="orthographicFront"/>
+      <a:lightRig rig="threePt" dir="t"/>
+    </dgm:scene3d>
+    <dgm:sp3d/>
+    <dgm:txPr/>
+    <dgm:style>
+      <a:lnRef idx="2">
+        <a:scrgbClr r="0" g="0" b="0"/>
+      </a:lnRef>
+      <a:fillRef idx="0">
+        <a:scrgbClr r="0" g="0" b="0"/>
+      </a:fillRef>
+      <a:effectRef idx="0">
+        <a:scrgbClr r="0" g="0" b="0"/>
+      </a:effectRef>
+      <a:fontRef idx="minor"/>
+    </dgm:style>
+  </dgm:styleLbl>
+  <dgm:styleLbl name="parChTrans1D4">
+    <dgm:scene3d>
+      <a:camera prst="orthographicFront"/>
+      <a:lightRig rig="threePt" dir="t"/>
+    </dgm:scene3d>
+    <dgm:sp3d/>
+    <dgm:txPr/>
+    <dgm:style>
+      <a:lnRef idx="2">
+        <a:scrgbClr r="0" g="0" b="0"/>
+      </a:lnRef>
+      <a:fillRef idx="0">
+        <a:scrgbClr r="0" g="0" b="0"/>
+      </a:fillRef>
+      <a:effectRef idx="0">
+        <a:scrgbClr r="0" g="0" b="0"/>
+      </a:effectRef>
+      <a:fontRef idx="minor"/>
+    </dgm:style>
+  </dgm:styleLbl>
+  <dgm:styleLbl name="fgAcc1">
+    <dgm:scene3d>
+      <a:camera prst="orthographicFront"/>
+      <a:lightRig rig="threePt" dir="t"/>
+    </dgm:scene3d>
+    <dgm:sp3d/>
+    <dgm:txPr/>
+    <dgm:style>
+      <a:lnRef idx="2">
+        <a:scrgbClr r="0" g="0" b="0"/>
+      </a:lnRef>
+      <a:fillRef idx="1">
+        <a:scrgbClr r="0" g="0" b="0"/>
+      </a:fillRef>
+      <a:effectRef idx="0">
+        <a:scrgbClr r="0" g="0" b="0"/>
+      </a:effectRef>
+      <a:fontRef idx="minor"/>
+    </dgm:style>
+  </dgm:styleLbl>
+  <dgm:styleLbl name="conFgAcc1">
+    <dgm:scene3d>
+      <a:camera prst="orthographicFront"/>
+      <a:lightRig rig="threePt" dir="t"/>
+    </dgm:scene3d>
+    <dgm:sp3d/>
+    <dgm:txPr/>
+    <dgm:style>
+      <a:lnRef idx="2">
+        <a:scrgbClr r="0" g="0" b="0"/>
+      </a:lnRef>
+      <a:fillRef idx="1">
+        <a:scrgbClr r="0" g="0" b="0"/>
+      </a:fillRef>
+      <a:effectRef idx="0">
+        <a:scrgbClr r="0" g="0" b="0"/>
+      </a:effectRef>
+      <a:fontRef idx="minor"/>
+    </dgm:style>
+  </dgm:styleLbl>
+  <dgm:styleLbl name="alignAcc1">
+    <dgm:scene3d>
+      <a:camera prst="orthographicFront"/>
+      <a:lightRig rig="threePt" dir="t"/>
+    </dgm:scene3d>
+    <dgm:sp3d/>
+    <dgm:txPr/>
+    <dgm:style>
+      <a:lnRef idx="2">
+        <a:scrgbClr r="0" g="0" b="0"/>
+      </a:lnRef>
+      <a:fillRef idx="1">
+        <a:scrgbClr r="0" g="0" b="0"/>
+      </a:fillRef>
+      <a:effectRef idx="0">
+        <a:scrgbClr r="0" g="0" b="0"/>
+      </a:effectRef>
+      <a:fontRef idx="minor"/>
+    </dgm:style>
+  </dgm:styleLbl>
+  <dgm:styleLbl name="trAlignAcc1">
+    <dgm:scene3d>
+      <a:camera prst="orthographicFront"/>
+      <a:lightRig rig="threePt" dir="t"/>
+    </dgm:scene3d>
+    <dgm:sp3d/>
+    <dgm:txPr/>
+    <dgm:style>
+      <a:lnRef idx="1">
+        <a:scrgbClr r="0" g="0" b="0"/>
+      </a:lnRef>
+      <a:fillRef idx="1">
+        <a:scrgbClr r="0" g="0" b="0"/>
+      </a:fillRef>
+      <a:effectRef idx="0">
+        <a:scrgbClr r="0" g="0" b="0"/>
+      </a:effectRef>
+      <a:fontRef idx="minor"/>
+    </dgm:style>
+  </dgm:styleLbl>
+  <dgm:styleLbl name="bgAcc1">
+    <dgm:scene3d>
+      <a:camera prst="orthographicFront"/>
+      <a:lightRig rig="threePt" dir="t"/>
+    </dgm:scene3d>
+    <dgm:sp3d/>
+    <dgm:txPr/>
+    <dgm:style>
+      <a:lnRef idx="2">
+        <a:scrgbClr r="0" g="0" b="0"/>
+      </a:lnRef>
+      <a:fillRef idx="1">
+        <a:scrgbClr r="0" g="0" b="0"/>
+      </a:fillRef>
+      <a:effectRef idx="0">
+        <a:scrgbClr r="0" g="0" b="0"/>
+      </a:effectRef>
+      <a:fontRef idx="minor"/>
+    </dgm:style>
+  </dgm:styleLbl>
+  <dgm:styleLbl name="solidFgAcc1">
+    <dgm:scene3d>
+      <a:camera prst="orthographicFront"/>
+      <a:lightRig rig="threePt" dir="t"/>
+    </dgm:scene3d>
+    <dgm:sp3d/>
+    <dgm:txPr/>
+    <dgm:style>
+      <a:lnRef idx="2">
+        <a:scrgbClr r="0" g="0" b="0"/>
+      </a:lnRef>
+      <a:fillRef idx="1">
+        <a:scrgbClr r="0" g="0" b="0"/>
+      </a:fillRef>
+      <a:effectRef idx="0">
+        <a:scrgbClr r="0" g="0" b="0"/>
+      </a:effectRef>
+      <a:fontRef idx="minor"/>
+    </dgm:style>
+  </dgm:styleLbl>
+  <dgm:styleLbl name="solidAlignAcc1">
+    <dgm:scene3d>
+      <a:camera prst="orthographicFront"/>
+      <a:lightRig rig="threePt" dir="t"/>
+    </dgm:scene3d>
+    <dgm:sp3d/>
+    <dgm:txPr/>
+    <dgm:style>
+      <a:lnRef idx="2">
+        <a:scrgbClr r="0" g="0" b="0"/>
+      </a:lnRef>
+      <a:fillRef idx="1">
+        <a:scrgbClr r="0" g="0" b="0"/>
+      </a:fillRef>
+      <a:effectRef idx="0">
+        <a:scrgbClr r="0" g="0" b="0"/>
+      </a:effectRef>
+      <a:fontRef idx="minor"/>
+    </dgm:style>
+  </dgm:styleLbl>
+  <dgm:styleLbl name="solidBgAcc1">
+    <dgm:scene3d>
+      <a:camera prst="orthographicFront"/>
+      <a:lightRig rig="threePt" dir="t"/>
+    </dgm:scene3d>
+    <dgm:sp3d/>
+    <dgm:txPr/>
+    <dgm:style>
+      <a:lnRef idx="2">
+        <a:scrgbClr r="0" g="0" b="0"/>
+      </a:lnRef>
+      <a:fillRef idx="1">
+        <a:scrgbClr r="0" g="0" b="0"/>
+      </a:fillRef>
+      <a:effectRef idx="0">
+        <a:scrgbClr r="0" g="0" b="0"/>
+      </a:effectRef>
+      <a:fontRef idx="minor"/>
+    </dgm:style>
+  </dgm:styleLbl>
+  <dgm:styleLbl name="fgAccFollowNode1">
+    <dgm:scene3d>
+      <a:camera prst="orthographicFront"/>
+      <a:lightRig rig="threePt" dir="t"/>
+    </dgm:scene3d>
+    <dgm:sp3d/>
+    <dgm:txPr/>
+    <dgm:style>
+      <a:lnRef idx="2">
+        <a:scrgbClr r="0" g="0" b="0"/>
+      </a:lnRef>
+      <a:fillRef idx="1">
+        <a:scrgbClr r="0" g="0" b="0"/>
+      </a:fillRef>
+      <a:effectRef idx="0">
+        <a:scrgbClr r="0" g="0" b="0"/>
+      </a:effectRef>
+      <a:fontRef idx="minor"/>
+    </dgm:style>
+  </dgm:styleLbl>
+  <dgm:styleLbl name="alignAccFollowNode1">
+    <dgm:scene3d>
+      <a:camera prst="orthographicFront"/>
+      <a:lightRig rig="threePt" dir="t"/>
+    </dgm:scene3d>
+    <dgm:sp3d/>
+    <dgm:txPr/>
+    <dgm:style>
+      <a:lnRef idx="2">
+        <a:scrgbClr r="0" g="0" b="0"/>
+      </a:lnRef>
+      <a:fillRef idx="1">
+        <a:scrgbClr r="0" g="0" b="0"/>
+      </a:fillRef>
+      <a:effectRef idx="0">
+        <a:scrgbClr r="0" g="0" b="0"/>
+      </a:effectRef>
+      <a:fontRef idx="minor"/>
+    </dgm:style>
+  </dgm:styleLbl>
+  <dgm:styleLbl name="bgAccFollowNode1">
+    <dgm:scene3d>
+      <a:camera prst="orthographicFront"/>
+      <a:lightRig rig="threePt" dir="t"/>
+    </dgm:scene3d>
+    <dgm:sp3d/>
+    <dgm:txPr/>
+    <dgm:style>
+      <a:lnRef idx="2">
+        <a:scrgbClr r="0" g="0" b="0"/>
+      </a:lnRef>
+      <a:fillRef idx="1">
+        <a:scrgbClr r="0" g="0" b="0"/>
+      </a:fillRef>
+      <a:effectRef idx="0">
+        <a:scrgbClr r="0" g="0" b="0"/>
+      </a:effectRef>
+      <a:fontRef idx="minor"/>
+    </dgm:style>
+  </dgm:styleLbl>
+  <dgm:styleLbl name="fgAcc0">
+    <dgm:scene3d>
+      <a:camera prst="orthographicFront"/>
+      <a:lightRig rig="threePt" dir="t"/>
+    </dgm:scene3d>
+    <dgm:sp3d/>
+    <dgm:txPr/>
+    <dgm:style>
+      <a:lnRef idx="2">
+        <a:scrgbClr r="0" g="0" b="0"/>
+      </a:lnRef>
+      <a:fillRef idx="1">
+        <a:scrgbClr r="0" g="0" b="0"/>
+      </a:fillRef>
+      <a:effectRef idx="0">
+        <a:scrgbClr r="0" g="0" b="0"/>
+      </a:effectRef>
+      <a:fontRef idx="minor"/>
+    </dgm:style>
+  </dgm:styleLbl>
+  <dgm:styleLbl name="fgAcc2">
+    <dgm:scene3d>
+      <a:camera prst="orthographicFront"/>
+      <a:lightRig rig="threePt" dir="t"/>
+    </dgm:scene3d>
+    <dgm:sp3d/>
+    <dgm:txPr/>
+    <dgm:style>
+      <a:lnRef idx="2">
+        <a:scrgbClr r="0" g="0" b="0"/>
+      </a:lnRef>
+      <a:fillRef idx="1">
+        <a:scrgbClr r="0" g="0" b="0"/>
+      </a:fillRef>
+      <a:effectRef idx="0">
+        <a:scrgbClr r="0" g="0" b="0"/>
+      </a:effectRef>
+      <a:fontRef idx="minor"/>
+    </dgm:style>
+  </dgm:styleLbl>
+  <dgm:styleLbl name="fgAcc3">
+    <dgm:scene3d>
+      <a:camera prst="orthographicFront"/>
+      <a:lightRig rig="threePt" dir="t"/>
+    </dgm:scene3d>
+    <dgm:sp3d/>
+    <dgm:txPr/>
+    <dgm:style>
+      <a:lnRef idx="2">
+        <a:scrgbClr r="0" g="0" b="0"/>
+      </a:lnRef>
+      <a:fillRef idx="1">
+        <a:scrgbClr r="0" g="0" b="0"/>
+      </a:fillRef>
+      <a:effectRef idx="0">
+        <a:scrgbClr r="0" g="0" b="0"/>
+      </a:effectRef>
+      <a:fontRef idx="minor"/>
+    </dgm:style>
+  </dgm:styleLbl>
+  <dgm:styleLbl name="fgAcc4">
+    <dgm:scene3d>
+      <a:camera prst="orthographicFront"/>
+      <a:lightRig rig="threePt" dir="t"/>
+    </dgm:scene3d>
+    <dgm:sp3d/>
+    <dgm:txPr/>
+    <dgm:style>
+      <a:lnRef idx="2">
+        <a:scrgbClr r="0" g="0" b="0"/>
+      </a:lnRef>
+      <a:fillRef idx="1">
+        <a:scrgbClr r="0" g="0" b="0"/>
+      </a:fillRef>
+      <a:effectRef idx="0">
+        <a:scrgbClr r="0" g="0" b="0"/>
+      </a:effectRef>
+      <a:fontRef idx="minor"/>
+    </dgm:style>
+  </dgm:styleLbl>
+  <dgm:styleLbl name="bgShp">
+    <dgm:scene3d>
+      <a:camera prst="orthographicFront"/>
+      <a:lightRig rig="threePt" dir="t"/>
+    </dgm:scene3d>
+    <dgm:sp3d/>
+    <dgm:txPr/>
+    <dgm:style>
+      <a:lnRef idx="0">
+        <a:scrgbClr r="0" g="0" b="0"/>
+      </a:lnRef>
+      <a:fillRef idx="1">
+        <a:scrgbClr r="0" g="0" b="0"/>
+      </a:fillRef>
+      <a:effectRef idx="0">
+        <a:scrgbClr r="0" g="0" b="0"/>
+      </a:effectRef>
+      <a:fontRef idx="minor"/>
+    </dgm:style>
+  </dgm:styleLbl>
+  <dgm:styleLbl name="dkBgShp">
+    <dgm:scene3d>
+      <a:camera prst="orthographicFront"/>
+      <a:lightRig rig="threePt" dir="t"/>
+    </dgm:scene3d>
+    <dgm:sp3d/>
+    <dgm:txPr/>
+    <dgm:style>
+      <a:lnRef idx="0">
+        <a:scrgbClr r="0" g="0" b="0"/>
+      </a:lnRef>
+      <a:fillRef idx="1">
+        <a:scrgbClr r="0" g="0" b="0"/>
+      </a:fillRef>
+      <a:effectRef idx="0">
+        <a:scrgbClr r="0" g="0" b="0"/>
+      </a:effectRef>
+      <a:fontRef idx="minor"/>
+    </dgm:style>
+  </dgm:styleLbl>
+  <dgm:styleLbl name="trBgShp">
+    <dgm:scene3d>
+      <a:camera prst="orthographicFront"/>
+      <a:lightRig rig="threePt" dir="t"/>
+    </dgm:scene3d>
+    <dgm:sp3d/>
+    <dgm:txPr/>
+    <dgm:style>
+      <a:lnRef idx="0">
+        <a:scrgbClr r="0" g="0" b="0"/>
+      </a:lnRef>
+      <a:fillRef idx="1">
+        <a:scrgbClr r="0" g="0" b="0"/>
+      </a:fillRef>
+      <a:effectRef idx="0">
+        <a:scrgbClr r="0" g="0" b="0"/>
+      </a:effectRef>
+      <a:fontRef idx="minor"/>
+    </dgm:style>
+  </dgm:styleLbl>
+  <dgm:styleLbl name="fgShp">
+    <dgm:scene3d>
+      <a:camera prst="orthographicFront"/>
+      <a:lightRig rig="threePt" dir="t"/>
+    </dgm:scene3d>
+    <dgm:sp3d/>
+    <dgm:txPr/>
+    <dgm:style>
+      <a:lnRef idx="2">
+        <a:scrgbClr r="0" g="0" b="0"/>
+      </a:lnRef>
+      <a:fillRef idx="1">
+        <a:scrgbClr r="0" g="0" b="0"/>
+      </a:fillRef>
+      <a:effectRef idx="0">
+        <a:scrgbClr r="0" g="0" b="0"/>
+      </a:effectRef>
+      <a:fontRef idx="minor"/>
+    </dgm:style>
+  </dgm:styleLbl>
+  <dgm:styleLbl name="revTx">
+    <dgm:scene3d>
+      <a:camera prst="orthographicFront"/>
+      <a:lightRig rig="threePt" dir="t"/>
+    </dgm:scene3d>
+    <dgm:sp3d/>
+    <dgm:txPr/>
+    <dgm:style>
+      <a:lnRef idx="0">
+        <a:scrgbClr r="0" g="0" b="0"/>
+      </a:lnRef>
+      <a:fillRef idx="0">
+        <a:scrgbClr r="0" g="0" b="0"/>
+      </a:fillRef>
+      <a:effectRef idx="0">
+        <a:scrgbClr r="0" g="0" b="0"/>
+      </a:effectRef>
+      <a:fontRef idx="minor"/>
+    </dgm:style>
+  </dgm:styleLbl>
+</dgm:styleDef>
+</file>
+
+<file path=ppt/diagrams/quickStyle3.xml><?xml version="1.0" encoding="utf-8"?>
+<dgm:styleDef xmlns:dgm="http://schemas.openxmlformats.org/drawingml/2006/diagram" xmlns:a="http://schemas.openxmlformats.org/drawingml/2006/main" uniqueId="urn:microsoft.com/office/officeart/2005/8/quickstyle/simple3">
+  <dgm:title val=""/>
+  <dgm:desc val=""/>
+  <dgm:catLst>
+    <dgm:cat type="simple" pri="10300"/>
+  </dgm:catLst>
+  <dgm:scene3d>
+    <a:camera prst="orthographicFront"/>
+    <a:lightRig rig="threePt" dir="t"/>
+  </dgm:scene3d>
+  <dgm:styleLbl name="node0">
+    <dgm:scene3d>
+      <a:camera prst="orthographicFront"/>
+      <a:lightRig rig="flat" dir="t"/>
+    </dgm:scene3d>
+    <dgm:sp3d prstMaterial="dkEdge">
+      <a:bevelT w="8200" h="38100"/>
+    </dgm:sp3d>
+    <dgm:txPr/>
+    <dgm:style>
+      <a:lnRef idx="0">
+        <a:scrgbClr r="0" g="0" b="0"/>
+      </a:lnRef>
+      <a:fillRef idx="2">
+        <a:scrgbClr r="0" g="0" b="0"/>
+      </a:fillRef>
+      <a:effectRef idx="1">
+        <a:scrgbClr r="0" g="0" b="0"/>
+      </a:effectRef>
+      <a:fontRef idx="minor">
+        <a:schemeClr val="dk1"/>
+      </a:fontRef>
+    </dgm:style>
+  </dgm:styleLbl>
+  <dgm:styleLbl name="lnNode1">
+    <dgm:scene3d>
+      <a:camera prst="orthographicFront"/>
+      <a:lightRig rig="flat" dir="t"/>
+    </dgm:scene3d>
+    <dgm:sp3d prstMaterial="dkEdge">
+      <a:bevelT w="8200" h="38100"/>
+    </dgm:sp3d>
+    <dgm:txPr/>
+    <dgm:style>
+      <a:lnRef idx="1">
+        <a:scrgbClr r="0" g="0" b="0"/>
+      </a:lnRef>
+      <a:fillRef idx="2">
+        <a:scrgbClr r="0" g="0" b="0"/>
+      </a:fillRef>
+      <a:effectRef idx="0">
+        <a:scrgbClr r="0" g="0" b="0"/>
+      </a:effectRef>
+      <a:fontRef idx="minor">
+        <a:schemeClr val="dk1"/>
+      </a:fontRef>
+    </dgm:style>
+  </dgm:styleLbl>
+  <dgm:styleLbl name="vennNode1">
+    <dgm:scene3d>
+      <a:camera prst="orthographicFront"/>
+      <a:lightRig rig="flat" dir="t"/>
+    </dgm:scene3d>
+    <dgm:sp3d prstMaterial="dkEdge">
+      <a:bevelT w="8200" h="38100"/>
+    </dgm:sp3d>
+    <dgm:txPr/>
+    <dgm:style>
+      <a:lnRef idx="0">
+        <a:scrgbClr r="0" g="0" b="0"/>
+      </a:lnRef>
+      <a:fillRef idx="2">
+        <a:scrgbClr r="0" g="0" b="0"/>
+      </a:fillRef>
+      <a:effectRef idx="0">
+        <a:scrgbClr r="0" g="0" b="0"/>
+      </a:effectRef>
+      <a:fontRef idx="minor">
+        <a:schemeClr val="tx1"/>
+      </a:fontRef>
+    </dgm:style>
+  </dgm:styleLbl>
+  <dgm:styleLbl name="alignNode1">
+    <dgm:scene3d>
+      <a:camera prst="orthographicFront"/>
+      <a:lightRig rig="threePt" dir="t"/>
+    </dgm:scene3d>
+    <dgm:sp3d/>
+    <dgm:txPr/>
+    <dgm:style>
+      <a:lnRef idx="1">
+        <a:scrgbClr r="0" g="0" b="0"/>
+      </a:lnRef>
+      <a:fillRef idx="2">
+        <a:scrgbClr r="0" g="0" b="0"/>
+      </a:fillRef>
+      <a:effectRef idx="1">
+        <a:scrgbClr r="0" g="0" b="0"/>
+      </a:effectRef>
+      <a:fontRef idx="minor">
+        <a:schemeClr val="dk1"/>
+      </a:fontRef>
+    </dgm:style>
+  </dgm:styleLbl>
+  <dgm:styleLbl name="node1">
+    <dgm:scene3d>
+      <a:camera prst="orthographicFront"/>
+      <a:lightRig rig="flat" dir="t"/>
+    </dgm:scene3d>
+    <dgm:sp3d prstMaterial="dkEdge">
+      <a:bevelT w="8200" h="38100"/>
+    </dgm:sp3d>
+    <dgm:txPr/>
+    <dgm:style>
+      <a:lnRef idx="0">
+        <a:scrgbClr r="0" g="0" b="0"/>
+      </a:lnRef>
+      <a:fillRef idx="2">
+        <a:scrgbClr r="0" g="0" b="0"/>
+      </a:fillRef>
+      <a:effectRef idx="1">
+        <a:scrgbClr r="0" g="0" b="0"/>
+      </a:effectRef>
+      <a:fontRef idx="minor">
+        <a:schemeClr val="dk1"/>
+      </a:fontRef>
+    </dgm:style>
+  </dgm:styleLbl>
+  <dgm:styleLbl name="node2">
+    <dgm:scene3d>
+      <a:camera prst="orthographicFront"/>
+      <a:lightRig rig="flat" dir="t"/>
+    </dgm:scene3d>
+    <dgm:sp3d prstMaterial="dkEdge">
+      <a:bevelT w="8200" h="38100"/>
+    </dgm:sp3d>
+    <dgm:txPr/>
+    <dgm:style>
+      <a:lnRef idx="0">
+        <a:scrgbClr r="0" g="0" b="0"/>
+      </a:lnRef>
+      <a:fillRef idx="2">
+        <a:scrgbClr r="0" g="0" b="0"/>
+      </a:fillRef>
+      <a:effectRef idx="1">
+        <a:scrgbClr r="0" g="0" b="0"/>
+      </a:effectRef>
+      <a:fontRef idx="minor">
+        <a:schemeClr val="dk1"/>
+      </a:fontRef>
+    </dgm:style>
+  </dgm:styleLbl>
+  <dgm:styleLbl name="node3">
+    <dgm:scene3d>
+      <a:camera prst="orthographicFront"/>
+      <a:lightRig rig="flat" dir="t"/>
+    </dgm:scene3d>
+    <dgm:sp3d prstMaterial="dkEdge">
+      <a:bevelT w="8200" h="38100"/>
+    </dgm:sp3d>
+    <dgm:txPr/>
+    <dgm:style>
+      <a:lnRef idx="0">
+        <a:scrgbClr r="0" g="0" b="0"/>
+      </a:lnRef>
+      <a:fillRef idx="2">
+        <a:scrgbClr r="0" g="0" b="0"/>
+      </a:fillRef>
+      <a:effectRef idx="1">
+        <a:scrgbClr r="0" g="0" b="0"/>
+      </a:effectRef>
+      <a:fontRef idx="minor">
+        <a:schemeClr val="dk1"/>
+      </a:fontRef>
+    </dgm:style>
+  </dgm:styleLbl>
+  <dgm:styleLbl name="node4">
+    <dgm:scene3d>
+      <a:camera prst="orthographicFront"/>
+      <a:lightRig rig="flat" dir="t"/>
+    </dgm:scene3d>
+    <dgm:sp3d prstMaterial="dkEdge">
+      <a:bevelT w="8200" h="38100"/>
+    </dgm:sp3d>
+    <dgm:txPr/>
+    <dgm:style>
+      <a:lnRef idx="0">
+        <a:scrgbClr r="0" g="0" b="0"/>
+      </a:lnRef>
+      <a:fillRef idx="2">
+        <a:scrgbClr r="0" g="0" b="0"/>
+      </a:fillRef>
+      <a:effectRef idx="1">
+        <a:scrgbClr r="0" g="0" b="0"/>
+      </a:effectRef>
+      <a:fontRef idx="minor">
+        <a:schemeClr val="dk1"/>
+      </a:fontRef>
+    </dgm:style>
+  </dgm:styleLbl>
+  <dgm:styleLbl name="fgImgPlace1">
+    <dgm:scene3d>
+      <a:camera prst="orthographicFront"/>
+      <a:lightRig rig="threePt" dir="t"/>
+    </dgm:scene3d>
+    <dgm:sp3d/>
+    <dgm:txPr/>
+    <dgm:style>
+      <a:lnRef idx="1">
+        <a:scrgbClr r="0" g="0" b="0"/>
+      </a:lnRef>
+      <a:fillRef idx="1">
+        <a:scrgbClr r="0" g="0" b="0"/>
+      </a:fillRef>
+      <a:effectRef idx="1">
+        <a:scrgbClr r="0" g="0" b="0"/>
+      </a:effectRef>
+      <a:fontRef idx="minor"/>
+    </dgm:style>
+  </dgm:styleLbl>
+  <dgm:styleLbl name="alignImgPlace1">
+    <dgm:scene3d>
+      <a:camera prst="orthographicFront"/>
+      <a:lightRig rig="threePt" dir="t"/>
+    </dgm:scene3d>
+    <dgm:sp3d/>
+    <dgm:txPr/>
+    <dgm:style>
+      <a:lnRef idx="1">
+        <a:scrgbClr r="0" g="0" b="0"/>
+      </a:lnRef>
+      <a:fillRef idx="1">
+        <a:scrgbClr r="0" g="0" b="0"/>
+      </a:fillRef>
+      <a:effectRef idx="1">
+        <a:scrgbClr r="0" g="0" b="0"/>
+      </a:effectRef>
+      <a:fontRef idx="minor"/>
+    </dgm:style>
+  </dgm:styleLbl>
+  <dgm:styleLbl name="bgImgPlace1">
+    <dgm:scene3d>
+      <a:camera prst="orthographicFront"/>
+      <a:lightRig rig="threePt" dir="t"/>
+    </dgm:scene3d>
+    <dgm:sp3d/>
+    <dgm:txPr/>
+    <dgm:style>
+      <a:lnRef idx="1">
+        <a:scrgbClr r="0" g="0" b="0"/>
+      </a:lnRef>
+      <a:fillRef idx="1">
+        <a:scrgbClr r="0" g="0" b="0"/>
+      </a:fillRef>
+      <a:effectRef idx="1">
+        <a:scrgbClr r="0" g="0" b="0"/>
+      </a:effectRef>
+      <a:fontRef idx="minor"/>
+    </dgm:style>
+  </dgm:styleLbl>
+  <dgm:styleLbl name="sibTrans2D1">
+    <dgm:scene3d>
+      <a:camera prst="orthographicFront"/>
+      <a:lightRig rig="threePt" dir="t"/>
+    </dgm:scene3d>
+    <dgm:sp3d/>
+    <dgm:txPr/>
+    <dgm:style>
+      <a:lnRef idx="0">
+        <a:scrgbClr r="0" g="0" b="0"/>
+      </a:lnRef>
+      <a:fillRef idx="2">
+        <a:scrgbClr r="0" g="0" b="0"/>
+      </a:fillRef>
+      <a:effectRef idx="1">
+        <a:scrgbClr r="0" g="0" b="0"/>
+      </a:effectRef>
+      <a:fontRef idx="minor">
+        <a:schemeClr val="dk1"/>
+      </a:fontRef>
+    </dgm:style>
+  </dgm:styleLbl>
+  <dgm:styleLbl name="fgSibTrans2D1">
+    <dgm:scene3d>
+      <a:camera prst="orthographicFront"/>
+      <a:lightRig rig="threePt" dir="t"/>
+    </dgm:scene3d>
+    <dgm:sp3d/>
+    <dgm:txPr/>
+    <dgm:style>
+      <a:lnRef idx="0">
+        <a:scrgbClr r="0" g="0" b="0"/>
+      </a:lnRef>
+      <a:fillRef idx="2">
+        <a:scrgbClr r="0" g="0" b="0"/>
+      </a:fillRef>
+      <a:effectRef idx="1">
+        <a:scrgbClr r="0" g="0" b="0"/>
+      </a:effectRef>
+      <a:fontRef idx="minor">
+        <a:schemeClr val="dk1"/>
+      </a:fontRef>
+    </dgm:style>
+  </dgm:styleLbl>
+  <dgm:styleLbl name="bgSibTrans2D1">
+    <dgm:scene3d>
+      <a:camera prst="orthographicFront"/>
+      <a:lightRig rig="threePt" dir="t"/>
+    </dgm:scene3d>
+    <dgm:sp3d/>
+    <dgm:txPr/>
+    <dgm:style>
+      <a:lnRef idx="0">
+        <a:scrgbClr r="0" g="0" b="0"/>
+      </a:lnRef>
+      <a:fillRef idx="2">
+        <a:scrgbClr r="0" g="0" b="0"/>
+      </a:fillRef>
+      <a:effectRef idx="1">
+        <a:scrgbClr r="0" g="0" b="0"/>
+      </a:effectRef>
+      <a:fontRef idx="minor">
+        <a:schemeClr val="dk1"/>
+      </a:fontRef>
+    </dgm:style>
+  </dgm:styleLbl>
+  <dgm:styleLbl name="sibTrans1D1">
+    <dgm:scene3d>
+      <a:camera prst="orthographicFront"/>
+      <a:lightRig rig="threePt" dir="t"/>
+    </dgm:scene3d>
+    <dgm:sp3d/>
+    <dgm:txPr/>
+    <dgm:style>
+      <a:lnRef idx="1">
+        <a:scrgbClr r="0" g="0" b="0"/>
+      </a:lnRef>
+      <a:fillRef idx="0">
+        <a:scrgbClr r="0" g="0" b="0"/>
+      </a:fillRef>
+      <a:effectRef idx="0">
+        <a:scrgbClr r="0" g="0" b="0"/>
+      </a:effectRef>
+      <a:fontRef idx="minor"/>
+    </dgm:style>
+  </dgm:styleLbl>
+  <dgm:styleLbl name="callout">
+    <dgm:scene3d>
+      <a:camera prst="orthographicFront"/>
+      <a:lightRig rig="threePt" dir="t"/>
+    </dgm:scene3d>
+    <dgm:sp3d/>
+    <dgm:txPr/>
+    <dgm:style>
+      <a:lnRef idx="1">
+        <a:scrgbClr r="0" g="0" b="0"/>
+      </a:lnRef>
+      <a:fillRef idx="2">
+        <a:scrgbClr r="0" g="0" b="0"/>
+      </a:fillRef>
+      <a:effectRef idx="1">
+        <a:scrgbClr r="0" g="0" b="0"/>
+      </a:effectRef>
+      <a:fontRef idx="minor"/>
+    </dgm:style>
+  </dgm:styleLbl>
+  <dgm:styleLbl name="asst0">
+    <dgm:scene3d>
+      <a:camera prst="orthographicFront"/>
+      <a:lightRig rig="flat" dir="t"/>
+    </dgm:scene3d>
+    <dgm:sp3d prstMaterial="dkEdge">
+      <a:bevelT w="8200" h="38100"/>
+    </dgm:sp3d>
+    <dgm:txPr/>
+    <dgm:style>
+      <a:lnRef idx="0">
+        <a:scrgbClr r="0" g="0" b="0"/>
+      </a:lnRef>
+      <a:fillRef idx="2">
+        <a:scrgbClr r="0" g="0" b="0"/>
+      </a:fillRef>
+      <a:effectRef idx="1">
+        <a:scrgbClr r="0" g="0" b="0"/>
+      </a:effectRef>
+      <a:fontRef idx="minor">
+        <a:schemeClr val="dk1"/>
+      </a:fontRef>
+    </dgm:style>
+  </dgm:styleLbl>
+  <dgm:styleLbl name="asst1">
+    <dgm:scene3d>
+      <a:camera prst="orthographicFront"/>
+      <a:lightRig rig="flat" dir="t"/>
+    </dgm:scene3d>
+    <dgm:sp3d prstMaterial="dkEdge">
+      <a:bevelT w="8200" h="38100"/>
+    </dgm:sp3d>
+    <dgm:txPr/>
+    <dgm:style>
+      <a:lnRef idx="0">
+        <a:scrgbClr r="0" g="0" b="0"/>
+      </a:lnRef>
+      <a:fillRef idx="2">
+        <a:scrgbClr r="0" g="0" b="0"/>
+      </a:fillRef>
+      <a:effectRef idx="1">
+        <a:scrgbClr r="0" g="0" b="0"/>
+      </a:effectRef>
+      <a:fontRef idx="minor">
+        <a:schemeClr val="dk1"/>
+      </a:fontRef>
+    </dgm:style>
+  </dgm:styleLbl>
+  <dgm:styleLbl name="asst2">
+    <dgm:scene3d>
+      <a:camera prst="orthographicFront"/>
+      <a:lightRig rig="flat" dir="t"/>
+    </dgm:scene3d>
+    <dgm:sp3d prstMaterial="dkEdge">
+      <a:bevelT w="8200" h="38100"/>
+    </dgm:sp3d>
+    <dgm:txPr/>
+    <dgm:style>
+      <a:lnRef idx="0">
+        <a:scrgbClr r="0" g="0" b="0"/>
+      </a:lnRef>
+      <a:fillRef idx="2">
+        <a:scrgbClr r="0" g="0" b="0"/>
+      </a:fillRef>
+      <a:effectRef idx="1">
+        <a:scrgbClr r="0" g="0" b="0"/>
+      </a:effectRef>
+      <a:fontRef idx="minor">
+        <a:schemeClr val="dk1"/>
+      </a:fontRef>
+    </dgm:style>
+  </dgm:styleLbl>
+  <dgm:styleLbl name="asst3">
+    <dgm:scene3d>
+      <a:camera prst="orthographicFront"/>
+      <a:lightRig rig="flat" dir="t"/>
+    </dgm:scene3d>
+    <dgm:sp3d prstMaterial="dkEdge">
+      <a:bevelT w="8200" h="38100"/>
+    </dgm:sp3d>
+    <dgm:txPr/>
+    <dgm:style>
+      <a:lnRef idx="0">
+        <a:scrgbClr r="0" g="0" b="0"/>
+      </a:lnRef>
+      <a:fillRef idx="2">
+        <a:scrgbClr r="0" g="0" b="0"/>
+      </a:fillRef>
+      <a:effectRef idx="1">
+        <a:scrgbClr r="0" g="0" b="0"/>
+      </a:effectRef>
+      <a:fontRef idx="minor">
+        <a:schemeClr val="dk1"/>
+      </a:fontRef>
+    </dgm:style>
+  </dgm:styleLbl>
+  <dgm:styleLbl name="asst4">
+    <dgm:scene3d>
+      <a:camera prst="orthographicFront"/>
+      <a:lightRig rig="flat" dir="t"/>
+    </dgm:scene3d>
+    <dgm:sp3d prstMaterial="dkEdge">
+      <a:bevelT w="8200" h="38100"/>
+    </dgm:sp3d>
+    <dgm:txPr/>
+    <dgm:style>
+      <a:lnRef idx="0">
+        <a:scrgbClr r="0" g="0" b="0"/>
+      </a:lnRef>
+      <a:fillRef idx="2">
+        <a:scrgbClr r="0" g="0" b="0"/>
+      </a:fillRef>
+      <a:effectRef idx="1">
+        <a:scrgbClr r="0" g="0" b="0"/>
+      </a:effectRef>
+      <a:fontRef idx="minor">
+        <a:schemeClr val="dk1"/>
+      </a:fontRef>
+    </dgm:style>
+  </dgm:styleLbl>
+  <dgm:styleLbl name="parChTrans2D1">
+    <dgm:scene3d>
+      <a:camera prst="orthographicFront"/>
+      <a:lightRig rig="threePt" dir="t"/>
+    </dgm:scene3d>
+    <dgm:sp3d/>
+    <dgm:txPr/>
+    <dgm:style>
+      <a:lnRef idx="1">
+        <a:scrgbClr r="0" g="0" b="0"/>
+      </a:lnRef>
+      <a:fillRef idx="2">
+        <a:scrgbClr r="0" g="0" b="0"/>
+      </a:fillRef>
+      <a:effectRef idx="1">
+        <a:scrgbClr r="0" g="0" b="0"/>
+      </a:effectRef>
+      <a:fontRef idx="minor">
+        <a:schemeClr val="dk1"/>
+      </a:fontRef>
+    </dgm:style>
+  </dgm:styleLbl>
+  <dgm:styleLbl name="parChTrans2D2">
+    <dgm:scene3d>
+      <a:camera prst="orthographicFront"/>
+      <a:lightRig rig="threePt" dir="t"/>
+    </dgm:scene3d>
+    <dgm:sp3d/>
+    <dgm:txPr/>
+    <dgm:style>
+      <a:lnRef idx="1">
+        <a:scrgbClr r="0" g="0" b="0"/>
+      </a:lnRef>
+      <a:fillRef idx="2">
+        <a:scrgbClr r="0" g="0" b="0"/>
+      </a:fillRef>
+      <a:effectRef idx="1">
+        <a:scrgbClr r="0" g="0" b="0"/>
+      </a:effectRef>
+      <a:fontRef idx="minor">
+        <a:schemeClr val="dk1"/>
+      </a:fontRef>
+    </dgm:style>
+  </dgm:styleLbl>
+  <dgm:styleLbl name="parChTrans2D3">
+    <dgm:scene3d>
+      <a:camera prst="orthographicFront"/>
+      <a:lightRig rig="threePt" dir="t"/>
+    </dgm:scene3d>
+    <dgm:sp3d/>
+    <dgm:txPr/>
+    <dgm:style>
+      <a:lnRef idx="1">
+        <a:scrgbClr r="0" g="0" b="0"/>
+      </a:lnRef>
+      <a:fillRef idx="2">
+        <a:scrgbClr r="0" g="0" b="0"/>
+      </a:fillRef>
+      <a:effectRef idx="1">
+        <a:scrgbClr r="0" g="0" b="0"/>
+      </a:effectRef>
+      <a:fontRef idx="minor">
+        <a:schemeClr val="dk1"/>
+      </a:fontRef>
+    </dgm:style>
+  </dgm:styleLbl>
+  <dgm:styleLbl name="parChTrans2D4">
+    <dgm:scene3d>
+      <a:camera prst="orthographicFront"/>
+      <a:lightRig rig="threePt" dir="t"/>
+    </dgm:scene3d>
+    <dgm:sp3d/>
+    <dgm:txPr/>
+    <dgm:style>
+      <a:lnRef idx="1">
+        <a:scrgbClr r="0" g="0" b="0"/>
+      </a:lnRef>
+      <a:fillRef idx="2">
+        <a:scrgbClr r="0" g="0" b="0"/>
+      </a:fillRef>
+      <a:effectRef idx="1">
+        <a:scrgbClr r="0" g="0" b="0"/>
+      </a:effectRef>
+      <a:fontRef idx="minor">
+        <a:schemeClr val="dk1"/>
+      </a:fontRef>
+    </dgm:style>
+  </dgm:styleLbl>
+  <dgm:styleLbl name="parChTrans1D1">
+    <dgm:scene3d>
+      <a:camera prst="orthographicFront"/>
+      <a:lightRig rig="threePt" dir="t"/>
+    </dgm:scene3d>
+    <dgm:sp3d/>
+    <dgm:txPr/>
+    <dgm:style>
+      <a:lnRef idx="2">
+        <a:scrgbClr r="0" g="0" b="0"/>
+      </a:lnRef>
+      <a:fillRef idx="0">
+        <a:scrgbClr r="0" g="0" b="0"/>
+      </a:fillRef>
+      <a:effectRef idx="0">
+        <a:scrgbClr r="0" g="0" b="0"/>
+      </a:effectRef>
+      <a:fontRef idx="minor"/>
+    </dgm:style>
+  </dgm:styleLbl>
+  <dgm:styleLbl name="parChTrans1D2">
+    <dgm:scene3d>
+      <a:camera prst="orthographicFront"/>
+      <a:lightRig rig="threePt" dir="t"/>
+    </dgm:scene3d>
+    <dgm:sp3d/>
+    <dgm:txPr/>
+    <dgm:style>
+      <a:lnRef idx="2">
+        <a:scrgbClr r="0" g="0" b="0"/>
+      </a:lnRef>
+      <a:fillRef idx="0">
+        <a:scrgbClr r="0" g="0" b="0"/>
+      </a:fillRef>
+      <a:effectRef idx="0">
+        <a:scrgbClr r="0" g="0" b="0"/>
+      </a:effectRef>
+      <a:fontRef idx="minor"/>
+    </dgm:style>
+  </dgm:styleLbl>
+  <dgm:styleLbl name="parChTrans1D3">
+    <dgm:scene3d>
+      <a:camera prst="orthographicFront"/>
+      <a:lightRig rig="threePt" dir="t"/>
+    </dgm:scene3d>
+    <dgm:sp3d/>
+    <dgm:txPr/>
+    <dgm:style>
+      <a:lnRef idx="2">
+        <a:scrgbClr r="0" g="0" b="0"/>
+      </a:lnRef>
+      <a:fillRef idx="0">
+        <a:scrgbClr r="0" g="0" b="0"/>
+      </a:fillRef>
+      <a:effectRef idx="0">
+        <a:scrgbClr r="0" g="0" b="0"/>
+      </a:effectRef>
+      <a:fontRef idx="minor"/>
+    </dgm:style>
+  </dgm:styleLbl>
+  <dgm:styleLbl name="parChTrans1D4">
+    <dgm:scene3d>
+      <a:camera prst="orthographicFront"/>
+      <a:lightRig rig="threePt" dir="t"/>
+    </dgm:scene3d>
+    <dgm:sp3d/>
+    <dgm:txPr/>
+    <dgm:style>
+      <a:lnRef idx="2">
+        <a:scrgbClr r="0" g="0" b="0"/>
+      </a:lnRef>
+      <a:fillRef idx="0">
+        <a:scrgbClr r="0" g="0" b="0"/>
+      </a:fillRef>
+      <a:effectRef idx="0">
+        <a:scrgbClr r="0" g="0" b="0"/>
+      </a:effectRef>
+      <a:fontRef idx="minor"/>
+    </dgm:style>
+  </dgm:styleLbl>
+  <dgm:styleLbl name="fgAcc1">
+    <dgm:scene3d>
+      <a:camera prst="orthographicFront"/>
+      <a:lightRig rig="threePt" dir="t"/>
+    </dgm:scene3d>
+    <dgm:sp3d/>
+    <dgm:txPr/>
+    <dgm:style>
+      <a:lnRef idx="1">
+        <a:scrgbClr r="0" g="0" b="0"/>
+      </a:lnRef>
+      <a:fillRef idx="1">
+        <a:scrgbClr r="0" g="0" b="0"/>
+      </a:fillRef>
+      <a:effectRef idx="0">
+        <a:scrgbClr r="0" g="0" b="0"/>
+      </a:effectRef>
+      <a:fontRef idx="minor"/>
+    </dgm:style>
+  </dgm:styleLbl>
+  <dgm:styleLbl name="conFgAcc1">
+    <dgm:scene3d>
+      <a:camera prst="orthographicFront"/>
+      <a:lightRig rig="threePt" dir="t"/>
+    </dgm:scene3d>
+    <dgm:sp3d/>
+    <dgm:txPr/>
+    <dgm:style>
+      <a:lnRef idx="1">
+        <a:scrgbClr r="0" g="0" b="0"/>
+      </a:lnRef>
+      <a:fillRef idx="1">
+        <a:scrgbClr r="0" g="0" b="0"/>
+      </a:fillRef>
+      <a:effectRef idx="0">
+        <a:scrgbClr r="0" g="0" b="0"/>
+      </a:effectRef>
+      <a:fontRef idx="minor"/>
+    </dgm:style>
+  </dgm:styleLbl>
+  <dgm:styleLbl name="alignAcc1">
+    <dgm:scene3d>
+      <a:camera prst="orthographicFront"/>
+      <a:lightRig rig="threePt" dir="t"/>
+    </dgm:scene3d>
+    <dgm:sp3d/>
+    <dgm:txPr/>
+    <dgm:style>
+      <a:lnRef idx="1">
+        <a:scrgbClr r="0" g="0" b="0"/>
+      </a:lnRef>
+      <a:fillRef idx="1">
+        <a:scrgbClr r="0" g="0" b="0"/>
+      </a:fillRef>
+      <a:effectRef idx="0">
+        <a:scrgbClr r="0" g="0" b="0"/>
+      </a:effectRef>
+      <a:fontRef idx="minor"/>
+    </dgm:style>
+  </dgm:styleLbl>
+  <dgm:styleLbl name="trAlignAcc1">
+    <dgm:scene3d>
+      <a:camera prst="orthographicFront"/>
+      <a:lightRig rig="threePt" dir="t"/>
+    </dgm:scene3d>
+    <dgm:sp3d/>
+    <dgm:txPr/>
+    <dgm:style>
+      <a:lnRef idx="1">
+        <a:scrgbClr r="0" g="0" b="0"/>
+      </a:lnRef>
+      <a:fillRef idx="1">
+        <a:scrgbClr r="0" g="0" b="0"/>
+      </a:fillRef>
+      <a:effectRef idx="0">
+        <a:scrgbClr r="0" g="0" b="0"/>
+      </a:effectRef>
+      <a:fontRef idx="minor"/>
+    </dgm:style>
+  </dgm:styleLbl>
+  <dgm:styleLbl name="bgAcc1">
+    <dgm:scene3d>
+      <a:camera prst="orthographicFront"/>
+      <a:lightRig rig="threePt" dir="t"/>
+    </dgm:scene3d>
+    <dgm:sp3d/>
+    <dgm:txPr/>
+    <dgm:style>
+      <a:lnRef idx="1">
+        <a:scrgbClr r="0" g="0" b="0"/>
+      </a:lnRef>
+      <a:fillRef idx="1">
+        <a:scrgbClr r="0" g="0" b="0"/>
+      </a:fillRef>
+      <a:effectRef idx="0">
+        <a:scrgbClr r="0" g="0" b="0"/>
+      </a:effectRef>
+      <a:fontRef idx="minor"/>
+    </dgm:style>
+  </dgm:styleLbl>
+  <dgm:styleLbl name="solidFgAcc1">
+    <dgm:scene3d>
+      <a:camera prst="orthographicFront"/>
+      <a:lightRig rig="threePt" dir="t"/>
+    </dgm:scene3d>
+    <dgm:sp3d/>
+    <dgm:txPr/>
+    <dgm:style>
+      <a:lnRef idx="1">
+        <a:scrgbClr r="0" g="0" b="0"/>
+      </a:lnRef>
+      <a:fillRef idx="2">
+        <a:scrgbClr r="0" g="0" b="0"/>
+      </a:fillRef>
+      <a:effectRef idx="0">
+        <a:scrgbClr r="0" g="0" b="0"/>
+      </a:effectRef>
+      <a:fontRef idx="minor"/>
+    </dgm:style>
+  </dgm:styleLbl>
+  <dgm:styleLbl name="solidAlignAcc1">
+    <dgm:scene3d>
+      <a:camera prst="orthographicFront"/>
+      <a:lightRig rig="threePt" dir="t"/>
+    </dgm:scene3d>
+    <dgm:sp3d/>
+    <dgm:txPr/>
+    <dgm:style>
+      <a:lnRef idx="1">
+        <a:scrgbClr r="0" g="0" b="0"/>
+      </a:lnRef>
+      <a:fillRef idx="1">
+        <a:scrgbClr r="0" g="0" b="0"/>
+      </a:fillRef>
+      <a:effectRef idx="0">
+        <a:scrgbClr r="0" g="0" b="0"/>
+      </a:effectRef>
+      <a:fontRef idx="minor"/>
+    </dgm:style>
+  </dgm:styleLbl>
+  <dgm:styleLbl name="solidBgAcc1">
+    <dgm:scene3d>
+      <a:camera prst="orthographicFront"/>
+      <a:lightRig rig="threePt" dir="t"/>
+    </dgm:scene3d>
+    <dgm:sp3d/>
+    <dgm:txPr/>
+    <dgm:style>
+      <a:lnRef idx="1">
+        <a:scrgbClr r="0" g="0" b="0"/>
+      </a:lnRef>
+      <a:fillRef idx="1">
+        <a:scrgbClr r="0" g="0" b="0"/>
+      </a:fillRef>
+      <a:effectRef idx="0">
+        <a:scrgbClr r="0" g="0" b="0"/>
+      </a:effectRef>
+      <a:fontRef idx="minor"/>
+    </dgm:style>
+  </dgm:styleLbl>
+  <dgm:styleLbl name="fgAccFollowNode1">
+    <dgm:scene3d>
+      <a:camera prst="orthographicFront"/>
+      <a:lightRig rig="threePt" dir="t"/>
+    </dgm:scene3d>
+    <dgm:sp3d/>
+    <dgm:txPr/>
+    <dgm:style>
+      <a:lnRef idx="1">
+        <a:scrgbClr r="0" g="0" b="0"/>
+      </a:lnRef>
+      <a:fillRef idx="1">
+        <a:scrgbClr r="0" g="0" b="0"/>
+      </a:fillRef>
+      <a:effectRef idx="0">
+        <a:scrgbClr r="0" g="0" b="0"/>
+      </a:effectRef>
+      <a:fontRef idx="minor"/>
+    </dgm:style>
+  </dgm:styleLbl>
+  <dgm:styleLbl name="alignAccFollowNode1">
+    <dgm:scene3d>
+      <a:camera prst="orthographicFront"/>
+      <a:lightRig rig="threePt" dir="t"/>
+    </dgm:scene3d>
+    <dgm:sp3d/>
+    <dgm:txPr/>
+    <dgm:style>
+      <a:lnRef idx="1">
+        <a:scrgbClr r="0" g="0" b="0"/>
+      </a:lnRef>
+      <a:fillRef idx="1">
+        <a:scrgbClr r="0" g="0" b="0"/>
+      </a:fillRef>
+      <a:effectRef idx="0">
+        <a:scrgbClr r="0" g="0" b="0"/>
+      </a:effectRef>
+      <a:fontRef idx="minor"/>
+    </dgm:style>
+  </dgm:styleLbl>
+  <dgm:styleLbl name="bgAccFollowNode1">
+    <dgm:scene3d>
+      <a:camera prst="orthographicFront"/>
+      <a:lightRig rig="threePt" dir="t"/>
+    </dgm:scene3d>
+    <dgm:sp3d/>
+    <dgm:txPr/>
+    <dgm:style>
+      <a:lnRef idx="1">
+        <a:scrgbClr r="0" g="0" b="0"/>
+      </a:lnRef>
+      <a:fillRef idx="1">
+        <a:scrgbClr r="0" g="0" b="0"/>
+      </a:fillRef>
+      <a:effectRef idx="0">
+        <a:scrgbClr r="0" g="0" b="0"/>
+      </a:effectRef>
+      <a:fontRef idx="minor"/>
+    </dgm:style>
+  </dgm:styleLbl>
+  <dgm:styleLbl name="fgAcc0">
+    <dgm:scene3d>
+      <a:camera prst="orthographicFront"/>
+      <a:lightRig rig="threePt" dir="t"/>
+    </dgm:scene3d>
+    <dgm:sp3d/>
+    <dgm:txPr/>
+    <dgm:style>
+      <a:lnRef idx="1">
+        <a:scrgbClr r="0" g="0" b="0"/>
+      </a:lnRef>
+      <a:fillRef idx="1">
+        <a:scrgbClr r="0" g="0" b="0"/>
+      </a:fillRef>
+      <a:effectRef idx="0">
+        <a:scrgbClr r="0" g="0" b="0"/>
+      </a:effectRef>
+      <a:fontRef idx="minor"/>
+    </dgm:style>
+  </dgm:styleLbl>
+  <dgm:styleLbl name="fgAcc2">
+    <dgm:scene3d>
+      <a:camera prst="orthographicFront"/>
+      <a:lightRig rig="threePt" dir="t"/>
+    </dgm:scene3d>
+    <dgm:sp3d/>
+    <dgm:txPr/>
+    <dgm:style>
+      <a:lnRef idx="1">
+        <a:scrgbClr r="0" g="0" b="0"/>
+      </a:lnRef>
+      <a:fillRef idx="1">
+        <a:scrgbClr r="0" g="0" b="0"/>
+      </a:fillRef>
+      <a:effectRef idx="0">
+        <a:scrgbClr r="0" g="0" b="0"/>
+      </a:effectRef>
+      <a:fontRef idx="minor"/>
+    </dgm:style>
+  </dgm:styleLbl>
+  <dgm:styleLbl name="fgAcc3">
+    <dgm:scene3d>
+      <a:camera prst="orthographicFront"/>
+      <a:lightRig rig="threePt" dir="t"/>
+    </dgm:scene3d>
+    <dgm:sp3d/>
+    <dgm:txPr/>
+    <dgm:style>
+      <a:lnRef idx="1">
+        <a:scrgbClr r="0" g="0" b="0"/>
+      </a:lnRef>
+      <a:fillRef idx="1">
+        <a:scrgbClr r="0" g="0" b="0"/>
+      </a:fillRef>
+      <a:effectRef idx="0">
+        <a:scrgbClr r="0" g="0" b="0"/>
+      </a:effectRef>
+      <a:fontRef idx="minor"/>
+    </dgm:style>
+  </dgm:styleLbl>
+  <dgm:styleLbl name="fgAcc4">
+    <dgm:scene3d>
+      <a:camera prst="orthographicFront"/>
+      <a:lightRig rig="threePt" dir="t"/>
+    </dgm:scene3d>
+    <dgm:sp3d/>
+    <dgm:txPr/>
+    <dgm:style>
+      <a:lnRef idx="1">
+        <a:scrgbClr r="0" g="0" b="0"/>
+      </a:lnRef>
+      <a:fillRef idx="1">
+        <a:scrgbClr r="0" g="0" b="0"/>
+      </a:fillRef>
+      <a:effectRef idx="0">
+        <a:scrgbClr r="0" g="0" b="0"/>
+      </a:effectRef>
+      <a:fontRef idx="minor"/>
+    </dgm:style>
+  </dgm:styleLbl>
+  <dgm:styleLbl name="bgShp">
+    <dgm:scene3d>
+      <a:camera prst="orthographicFront"/>
+      <a:lightRig rig="threePt" dir="t"/>
+    </dgm:scene3d>
+    <dgm:sp3d/>
+    <dgm:txPr/>
+    <dgm:style>
+      <a:lnRef idx="0">
+        <a:scrgbClr r="0" g="0" b="0"/>
+      </a:lnRef>
+      <a:fillRef idx="1">
+        <a:scrgbClr r="0" g="0" b="0"/>
+      </a:fillRef>
+      <a:effectRef idx="1">
+        <a:scrgbClr r="0" g="0" b="0"/>
+      </a:effectRef>
+      <a:fontRef idx="minor"/>
+    </dgm:style>
+  </dgm:styleLbl>
+  <dgm:styleLbl name="dkBgShp">
+    <dgm:scene3d>
+      <a:camera prst="orthographicFront"/>
+      <a:lightRig rig="threePt" dir="t"/>
+    </dgm:scene3d>
+    <dgm:sp3d/>
+    <dgm:txPr/>
+    <dgm:style>
+      <a:lnRef idx="0">
+        <a:scrgbClr r="0" g="0" b="0"/>
+      </a:lnRef>
+      <a:fillRef idx="1">
+        <a:scrgbClr r="0" g="0" b="0"/>
+      </a:fillRef>
+      <a:effectRef idx="1">
+        <a:scrgbClr r="0" g="0" b="0"/>
+      </a:effectRef>
+      <a:fontRef idx="minor"/>
+    </dgm:style>
+  </dgm:styleLbl>
+  <dgm:styleLbl name="trBgShp">
+    <dgm:scene3d>
+      <a:camera prst="orthographicFront"/>
+      <a:lightRig rig="threePt" dir="t"/>
+    </dgm:scene3d>
+    <dgm:sp3d/>
+    <dgm:txPr/>
+    <dgm:style>
+      <a:lnRef idx="0">
+        <a:scrgbClr r="0" g="0" b="0"/>
+      </a:lnRef>
+      <a:fillRef idx="1">
+        <a:scrgbClr r="0" g="0" b="0"/>
+      </a:fillRef>
+      <a:effectRef idx="0">
+        <a:scrgbClr r="0" g="0" b="0"/>
+      </a:effectRef>
+      <a:fontRef idx="minor"/>
+    </dgm:style>
+  </dgm:styleLbl>
+  <dgm:styleLbl name="fgShp">
+    <dgm:scene3d>
+      <a:camera prst="orthographicFront"/>
+      <a:lightRig rig="flat" dir="t"/>
+    </dgm:scene3d>
+    <dgm:sp3d prstMaterial="dkEdge">
+      <a:bevelT w="8200" h="38100"/>
+    </dgm:sp3d>
+    <dgm:txPr/>
+    <dgm:style>
+      <a:lnRef idx="1">
+        <a:scrgbClr r="0" g="0" b="0"/>
+      </a:lnRef>
+      <a:fillRef idx="2">
+        <a:scrgbClr r="0" g="0" b="0"/>
+      </a:fillRef>
+      <a:effectRef idx="1">
         <a:scrgbClr r="0" g="0" b="0"/>
       </a:effectRef>
       <a:fontRef idx="minor"/>
@@ -4788,7 +12029,7 @@
           <a:p>
             <a:fld id="{6C221AE3-2EA3-414F-B0D4-EF9EF6F6D40F}" type="datetimeFigureOut">
               <a:rPr lang="en-US" smtClean="0"/>
-              <a:t>7/9/2024</a:t>
+              <a:t>7/10/2024</a:t>
             </a:fld>
             <a:endParaRPr lang="en-US"/>
           </a:p>
@@ -5121,7 +12362,7 @@
           <a:p>
             <a:fld id="{09AEC1EA-A25D-4638-AAE6-39ECCBCDEFE5}" type="slidenum">
               <a:rPr lang="en-US" smtClean="0"/>
-              <a:t>6</a:t>
+              <a:t>7</a:t>
             </a:fld>
             <a:endParaRPr lang="en-US"/>
           </a:p>
@@ -5289,7 +12530,7 @@
           <a:p>
             <a:fld id="{54B74EF1-788F-47AB-9414-B0E30AA5E1A3}" type="datetimeFigureOut">
               <a:rPr lang="en-US" smtClean="0"/>
-              <a:t>7/9/2024</a:t>
+              <a:t>7/10/2024</a:t>
             </a:fld>
             <a:endParaRPr lang="en-US"/>
           </a:p>
@@ -5489,7 +12730,7 @@
           <a:p>
             <a:fld id="{54B74EF1-788F-47AB-9414-B0E30AA5E1A3}" type="datetimeFigureOut">
               <a:rPr lang="en-US" smtClean="0"/>
-              <a:t>7/9/2024</a:t>
+              <a:t>7/10/2024</a:t>
             </a:fld>
             <a:endParaRPr lang="en-US"/>
           </a:p>
@@ -5699,7 +12940,7 @@
           <a:p>
             <a:fld id="{54B74EF1-788F-47AB-9414-B0E30AA5E1A3}" type="datetimeFigureOut">
               <a:rPr lang="en-US" smtClean="0"/>
-              <a:t>7/9/2024</a:t>
+              <a:t>7/10/2024</a:t>
             </a:fld>
             <a:endParaRPr lang="en-US"/>
           </a:p>
@@ -5899,7 +13140,7 @@
           <a:p>
             <a:fld id="{54B74EF1-788F-47AB-9414-B0E30AA5E1A3}" type="datetimeFigureOut">
               <a:rPr lang="en-US" smtClean="0"/>
-              <a:t>7/9/2024</a:t>
+              <a:t>7/10/2024</a:t>
             </a:fld>
             <a:endParaRPr lang="en-US"/>
           </a:p>
@@ -6175,7 +13416,7 @@
           <a:p>
             <a:fld id="{54B74EF1-788F-47AB-9414-B0E30AA5E1A3}" type="datetimeFigureOut">
               <a:rPr lang="en-US" smtClean="0"/>
-              <a:t>7/9/2024</a:t>
+              <a:t>7/10/2024</a:t>
             </a:fld>
             <a:endParaRPr lang="en-US"/>
           </a:p>
@@ -6443,7 +13684,7 @@
           <a:p>
             <a:fld id="{54B74EF1-788F-47AB-9414-B0E30AA5E1A3}" type="datetimeFigureOut">
               <a:rPr lang="en-US" smtClean="0"/>
-              <a:t>7/9/2024</a:t>
+              <a:t>7/10/2024</a:t>
             </a:fld>
             <a:endParaRPr lang="en-US"/>
           </a:p>
@@ -6858,7 +14099,7 @@
           <a:p>
             <a:fld id="{54B74EF1-788F-47AB-9414-B0E30AA5E1A3}" type="datetimeFigureOut">
               <a:rPr lang="en-US" smtClean="0"/>
-              <a:t>7/9/2024</a:t>
+              <a:t>7/10/2024</a:t>
             </a:fld>
             <a:endParaRPr lang="en-US"/>
           </a:p>
@@ -7000,7 +14241,7 @@
           <a:p>
             <a:fld id="{54B74EF1-788F-47AB-9414-B0E30AA5E1A3}" type="datetimeFigureOut">
               <a:rPr lang="en-US" smtClean="0"/>
-              <a:t>7/9/2024</a:t>
+              <a:t>7/10/2024</a:t>
             </a:fld>
             <a:endParaRPr lang="en-US"/>
           </a:p>
@@ -7113,7 +14354,7 @@
           <a:p>
             <a:fld id="{54B74EF1-788F-47AB-9414-B0E30AA5E1A3}" type="datetimeFigureOut">
               <a:rPr lang="en-US" smtClean="0"/>
-              <a:t>7/9/2024</a:t>
+              <a:t>7/10/2024</a:t>
             </a:fld>
             <a:endParaRPr lang="en-US"/>
           </a:p>
@@ -7426,7 +14667,7 @@
           <a:p>
             <a:fld id="{54B74EF1-788F-47AB-9414-B0E30AA5E1A3}" type="datetimeFigureOut">
               <a:rPr lang="en-US" smtClean="0"/>
-              <a:t>7/9/2024</a:t>
+              <a:t>7/10/2024</a:t>
             </a:fld>
             <a:endParaRPr lang="en-US"/>
           </a:p>
@@ -7715,7 +14956,7 @@
           <a:p>
             <a:fld id="{54B74EF1-788F-47AB-9414-B0E30AA5E1A3}" type="datetimeFigureOut">
               <a:rPr lang="en-US" smtClean="0"/>
-              <a:t>7/9/2024</a:t>
+              <a:t>7/10/2024</a:t>
             </a:fld>
             <a:endParaRPr lang="en-US"/>
           </a:p>
@@ -7958,7 +15199,7 @@
           <a:p>
             <a:fld id="{54B74EF1-788F-47AB-9414-B0E30AA5E1A3}" type="datetimeFigureOut">
               <a:rPr lang="en-US" smtClean="0"/>
-              <a:t>7/9/2024</a:t>
+              <a:t>7/10/2024</a:t>
             </a:fld>
             <a:endParaRPr lang="en-US"/>
           </a:p>
@@ -9621,6 +16862,901 @@
 </file>
 
 <file path=ppt/slides/slide10.xml><?xml version="1.0" encoding="utf-8"?>
+<p:sld xmlns:a="http://schemas.openxmlformats.org/drawingml/2006/main" xmlns:r="http://schemas.openxmlformats.org/officeDocument/2006/relationships" xmlns:p="http://schemas.openxmlformats.org/presentationml/2006/main">
+  <p:cSld>
+    <p:spTree>
+      <p:nvGrpSpPr>
+        <p:cNvPr id="1" name=""/>
+        <p:cNvGrpSpPr/>
+        <p:nvPr/>
+      </p:nvGrpSpPr>
+      <p:grpSpPr>
+        <a:xfrm>
+          <a:off x="0" y="0"/>
+          <a:ext cx="0" cy="0"/>
+          <a:chOff x="0" y="0"/>
+          <a:chExt cx="0" cy="0"/>
+        </a:xfrm>
+      </p:grpSpPr>
+      <p:sp>
+        <p:nvSpPr>
+          <p:cNvPr id="2" name="Titel 1">
+            <a:extLst>
+              <a:ext uri="{FF2B5EF4-FFF2-40B4-BE49-F238E27FC236}">
+                <a16:creationId xmlns:a16="http://schemas.microsoft.com/office/drawing/2014/main" id="{C9E76181-1406-40B3-BFCE-F93F22C89DD6}"/>
+              </a:ext>
+            </a:extLst>
+          </p:cNvPr>
+          <p:cNvSpPr>
+            <a:spLocks noGrp="1"/>
+          </p:cNvSpPr>
+          <p:nvPr>
+            <p:ph type="title"/>
+          </p:nvPr>
+        </p:nvSpPr>
+        <p:spPr/>
+        <p:txBody>
+          <a:bodyPr/>
+          <a:lstStyle/>
+          <a:p>
+            <a:r>
+              <a:rPr lang="de-DE" dirty="0"/>
+              <a:t>Registered Report</a:t>
+            </a:r>
+          </a:p>
+        </p:txBody>
+      </p:sp>
+      <p:sp>
+        <p:nvSpPr>
+          <p:cNvPr id="4" name="Rechteck 3">
+            <a:extLst>
+              <a:ext uri="{FF2B5EF4-FFF2-40B4-BE49-F238E27FC236}">
+                <a16:creationId xmlns:a16="http://schemas.microsoft.com/office/drawing/2014/main" id="{6B9C3053-041C-418D-B7E2-305FA34F97C2}"/>
+              </a:ext>
+            </a:extLst>
+          </p:cNvPr>
+          <p:cNvSpPr/>
+          <p:nvPr/>
+        </p:nvSpPr>
+        <p:spPr>
+          <a:xfrm>
+            <a:off x="2586681" y="2051221"/>
+            <a:ext cx="1400434" cy="774357"/>
+          </a:xfrm>
+          <a:prstGeom prst="rect">
+            <a:avLst/>
+          </a:prstGeom>
+          <a:solidFill>
+            <a:schemeClr val="bg1">
+              <a:lumMod val="95000"/>
+            </a:schemeClr>
+          </a:solidFill>
+          <a:ln>
+            <a:solidFill>
+              <a:schemeClr val="tx1"/>
+            </a:solidFill>
+          </a:ln>
+        </p:spPr>
+        <p:style>
+          <a:lnRef idx="2">
+            <a:schemeClr val="accent1">
+              <a:shade val="50000"/>
+            </a:schemeClr>
+          </a:lnRef>
+          <a:fillRef idx="1">
+            <a:schemeClr val="accent1"/>
+          </a:fillRef>
+          <a:effectRef idx="0">
+            <a:schemeClr val="accent1"/>
+          </a:effectRef>
+          <a:fontRef idx="minor">
+            <a:schemeClr val="lt1"/>
+          </a:fontRef>
+        </p:style>
+        <p:txBody>
+          <a:bodyPr rtlCol="0" anchor="ctr"/>
+          <a:lstStyle/>
+          <a:p>
+            <a:pPr algn="ctr"/>
+            <a:r>
+              <a:rPr lang="de-DE" dirty="0">
+                <a:solidFill>
+                  <a:sysClr val="windowText" lastClr="000000"/>
+                </a:solidFill>
+              </a:rPr>
+              <a:t>Studie planen</a:t>
+            </a:r>
+          </a:p>
+        </p:txBody>
+      </p:sp>
+      <p:sp>
+        <p:nvSpPr>
+          <p:cNvPr id="5" name="Rechteck 4">
+            <a:extLst>
+              <a:ext uri="{FF2B5EF4-FFF2-40B4-BE49-F238E27FC236}">
+                <a16:creationId xmlns:a16="http://schemas.microsoft.com/office/drawing/2014/main" id="{3FF8395A-4078-4AA9-8F72-AFC9131D3B8F}"/>
+              </a:ext>
+            </a:extLst>
+          </p:cNvPr>
+          <p:cNvSpPr/>
+          <p:nvPr/>
+        </p:nvSpPr>
+        <p:spPr>
+          <a:xfrm>
+            <a:off x="5585253" y="2051221"/>
+            <a:ext cx="1400434" cy="774357"/>
+          </a:xfrm>
+          <a:prstGeom prst="rect">
+            <a:avLst/>
+          </a:prstGeom>
+          <a:solidFill>
+            <a:schemeClr val="bg1">
+              <a:lumMod val="95000"/>
+            </a:schemeClr>
+          </a:solidFill>
+          <a:ln>
+            <a:solidFill>
+              <a:schemeClr val="tx1"/>
+            </a:solidFill>
+          </a:ln>
+        </p:spPr>
+        <p:style>
+          <a:lnRef idx="2">
+            <a:schemeClr val="accent1">
+              <a:shade val="50000"/>
+            </a:schemeClr>
+          </a:lnRef>
+          <a:fillRef idx="1">
+            <a:schemeClr val="accent1"/>
+          </a:fillRef>
+          <a:effectRef idx="0">
+            <a:schemeClr val="accent1"/>
+          </a:effectRef>
+          <a:fontRef idx="minor">
+            <a:schemeClr val="lt1"/>
+          </a:fontRef>
+        </p:style>
+        <p:txBody>
+          <a:bodyPr rtlCol="0" anchor="ctr"/>
+          <a:lstStyle/>
+          <a:p>
+            <a:pPr algn="ctr"/>
+            <a:r>
+              <a:rPr lang="de-DE" dirty="0">
+                <a:solidFill>
+                  <a:sysClr val="windowText" lastClr="000000"/>
+                </a:solidFill>
+              </a:rPr>
+              <a:t>Studie durchführen</a:t>
+            </a:r>
+          </a:p>
+        </p:txBody>
+      </p:sp>
+      <p:sp>
+        <p:nvSpPr>
+          <p:cNvPr id="6" name="Rechteck 5">
+            <a:extLst>
+              <a:ext uri="{FF2B5EF4-FFF2-40B4-BE49-F238E27FC236}">
+                <a16:creationId xmlns:a16="http://schemas.microsoft.com/office/drawing/2014/main" id="{813525EF-7CD0-430A-B5F4-D16AA784AE14}"/>
+              </a:ext>
+            </a:extLst>
+          </p:cNvPr>
+          <p:cNvSpPr/>
+          <p:nvPr/>
+        </p:nvSpPr>
+        <p:spPr>
+          <a:xfrm>
+            <a:off x="7084539" y="2051221"/>
+            <a:ext cx="1400434" cy="774357"/>
+          </a:xfrm>
+          <a:prstGeom prst="rect">
+            <a:avLst/>
+          </a:prstGeom>
+          <a:solidFill>
+            <a:schemeClr val="bg1">
+              <a:lumMod val="95000"/>
+            </a:schemeClr>
+          </a:solidFill>
+          <a:ln>
+            <a:solidFill>
+              <a:schemeClr val="tx1"/>
+            </a:solidFill>
+          </a:ln>
+        </p:spPr>
+        <p:style>
+          <a:lnRef idx="2">
+            <a:schemeClr val="accent1">
+              <a:shade val="50000"/>
+            </a:schemeClr>
+          </a:lnRef>
+          <a:fillRef idx="1">
+            <a:schemeClr val="accent1"/>
+          </a:fillRef>
+          <a:effectRef idx="0">
+            <a:schemeClr val="accent1"/>
+          </a:effectRef>
+          <a:fontRef idx="minor">
+            <a:schemeClr val="lt1"/>
+          </a:fontRef>
+        </p:style>
+        <p:txBody>
+          <a:bodyPr rtlCol="0" anchor="ctr"/>
+          <a:lstStyle/>
+          <a:p>
+            <a:pPr algn="ctr"/>
+            <a:r>
+              <a:rPr lang="de-DE" dirty="0">
+                <a:solidFill>
+                  <a:sysClr val="windowText" lastClr="000000"/>
+                </a:solidFill>
+              </a:rPr>
+              <a:t>Bericht erstellen</a:t>
+            </a:r>
+          </a:p>
+        </p:txBody>
+      </p:sp>
+      <p:sp>
+        <p:nvSpPr>
+          <p:cNvPr id="7" name="Rechteck 6">
+            <a:extLst>
+              <a:ext uri="{FF2B5EF4-FFF2-40B4-BE49-F238E27FC236}">
+                <a16:creationId xmlns:a16="http://schemas.microsoft.com/office/drawing/2014/main" id="{9F3659CE-2466-46A2-BAA6-18F31357ED4C}"/>
+              </a:ext>
+            </a:extLst>
+          </p:cNvPr>
+          <p:cNvSpPr/>
+          <p:nvPr/>
+        </p:nvSpPr>
+        <p:spPr>
+          <a:xfrm>
+            <a:off x="8583825" y="2051221"/>
+            <a:ext cx="1400434" cy="774357"/>
+          </a:xfrm>
+          <a:prstGeom prst="rect">
+            <a:avLst/>
+          </a:prstGeom>
+          <a:solidFill>
+            <a:srgbClr val="C00000"/>
+          </a:solidFill>
+          <a:ln>
+            <a:solidFill>
+              <a:schemeClr val="tx1"/>
+            </a:solidFill>
+          </a:ln>
+        </p:spPr>
+        <p:style>
+          <a:lnRef idx="2">
+            <a:schemeClr val="accent1">
+              <a:shade val="50000"/>
+            </a:schemeClr>
+          </a:lnRef>
+          <a:fillRef idx="1">
+            <a:schemeClr val="accent1"/>
+          </a:fillRef>
+          <a:effectRef idx="0">
+            <a:schemeClr val="accent1"/>
+          </a:effectRef>
+          <a:fontRef idx="minor">
+            <a:schemeClr val="lt1"/>
+          </a:fontRef>
+        </p:style>
+        <p:txBody>
+          <a:bodyPr rtlCol="0" anchor="ctr"/>
+          <a:lstStyle/>
+          <a:p>
+            <a:pPr algn="ctr"/>
+            <a:r>
+              <a:rPr lang="de-DE" dirty="0"/>
+              <a:t>Peer Review</a:t>
+            </a:r>
+          </a:p>
+        </p:txBody>
+      </p:sp>
+      <p:sp>
+        <p:nvSpPr>
+          <p:cNvPr id="8" name="Textfeld 7">
+            <a:extLst>
+              <a:ext uri="{FF2B5EF4-FFF2-40B4-BE49-F238E27FC236}">
+                <a16:creationId xmlns:a16="http://schemas.microsoft.com/office/drawing/2014/main" id="{6AA4A799-94FD-4EB6-9C84-1A636B71A2C0}"/>
+              </a:ext>
+            </a:extLst>
+          </p:cNvPr>
+          <p:cNvSpPr txBox="1"/>
+          <p:nvPr/>
+        </p:nvSpPr>
+        <p:spPr>
+          <a:xfrm>
+            <a:off x="148281" y="2115233"/>
+            <a:ext cx="1935338" cy="646331"/>
+          </a:xfrm>
+          <a:prstGeom prst="rect">
+            <a:avLst/>
+          </a:prstGeom>
+          <a:noFill/>
+        </p:spPr>
+        <p:txBody>
+          <a:bodyPr wrap="none" rtlCol="0">
+            <a:spAutoFit/>
+          </a:bodyPr>
+          <a:lstStyle/>
+          <a:p>
+            <a:pPr algn="ctr"/>
+            <a:r>
+              <a:rPr lang="de-DE" dirty="0"/>
+              <a:t>Klassischer </a:t>
+            </a:r>
+          </a:p>
+          <a:p>
+            <a:pPr algn="ctr"/>
+            <a:r>
+              <a:rPr lang="de-DE" dirty="0"/>
+              <a:t>Forschungsprozess</a:t>
+            </a:r>
+          </a:p>
+        </p:txBody>
+      </p:sp>
+      <p:sp>
+        <p:nvSpPr>
+          <p:cNvPr id="13" name="Textfeld 12">
+            <a:extLst>
+              <a:ext uri="{FF2B5EF4-FFF2-40B4-BE49-F238E27FC236}">
+                <a16:creationId xmlns:a16="http://schemas.microsoft.com/office/drawing/2014/main" id="{170EE433-AA0D-4870-BBA2-5CB7046F0ED2}"/>
+              </a:ext>
+            </a:extLst>
+          </p:cNvPr>
+          <p:cNvSpPr txBox="1"/>
+          <p:nvPr/>
+        </p:nvSpPr>
+        <p:spPr>
+          <a:xfrm>
+            <a:off x="528742" y="3250121"/>
+            <a:ext cx="1174424" cy="646331"/>
+          </a:xfrm>
+          <a:prstGeom prst="rect">
+            <a:avLst/>
+          </a:prstGeom>
+          <a:noFill/>
+        </p:spPr>
+        <p:txBody>
+          <a:bodyPr wrap="none" rtlCol="0">
+            <a:spAutoFit/>
+          </a:bodyPr>
+          <a:lstStyle/>
+          <a:p>
+            <a:pPr algn="ctr"/>
+            <a:r>
+              <a:rPr lang="de-DE" dirty="0"/>
+              <a:t>Registered</a:t>
+            </a:r>
+          </a:p>
+          <a:p>
+            <a:pPr algn="ctr"/>
+            <a:r>
+              <a:rPr lang="de-DE" dirty="0"/>
+              <a:t>Report</a:t>
+            </a:r>
+          </a:p>
+        </p:txBody>
+      </p:sp>
+      <p:sp>
+        <p:nvSpPr>
+          <p:cNvPr id="14" name="Textfeld 13">
+            <a:extLst>
+              <a:ext uri="{FF2B5EF4-FFF2-40B4-BE49-F238E27FC236}">
+                <a16:creationId xmlns:a16="http://schemas.microsoft.com/office/drawing/2014/main" id="{2E4657E5-A83B-4BEA-853D-D7C4958C794C}"/>
+              </a:ext>
+            </a:extLst>
+          </p:cNvPr>
+          <p:cNvSpPr txBox="1"/>
+          <p:nvPr/>
+        </p:nvSpPr>
+        <p:spPr>
+          <a:xfrm>
+            <a:off x="713440" y="4543461"/>
+            <a:ext cx="805029" cy="369332"/>
+          </a:xfrm>
+          <a:prstGeom prst="rect">
+            <a:avLst/>
+          </a:prstGeom>
+          <a:noFill/>
+        </p:spPr>
+        <p:txBody>
+          <a:bodyPr wrap="none" rtlCol="0">
+            <a:spAutoFit/>
+          </a:bodyPr>
+          <a:lstStyle/>
+          <a:p>
+            <a:pPr algn="ctr"/>
+            <a:r>
+              <a:rPr lang="de-DE" dirty="0"/>
+              <a:t>PCI-RR</a:t>
+            </a:r>
+          </a:p>
+        </p:txBody>
+      </p:sp>
+      <p:sp>
+        <p:nvSpPr>
+          <p:cNvPr id="15" name="Rechteck 14">
+            <a:extLst>
+              <a:ext uri="{FF2B5EF4-FFF2-40B4-BE49-F238E27FC236}">
+                <a16:creationId xmlns:a16="http://schemas.microsoft.com/office/drawing/2014/main" id="{A386BF6C-38E7-49AE-8F81-C25647EA4430}"/>
+              </a:ext>
+            </a:extLst>
+          </p:cNvPr>
+          <p:cNvSpPr/>
+          <p:nvPr/>
+        </p:nvSpPr>
+        <p:spPr>
+          <a:xfrm>
+            <a:off x="10083111" y="2051221"/>
+            <a:ext cx="1400434" cy="774357"/>
+          </a:xfrm>
+          <a:prstGeom prst="rect">
+            <a:avLst/>
+          </a:prstGeom>
+          <a:solidFill>
+            <a:schemeClr val="bg1">
+              <a:lumMod val="95000"/>
+            </a:schemeClr>
+          </a:solidFill>
+          <a:ln>
+            <a:solidFill>
+              <a:schemeClr val="tx1"/>
+            </a:solidFill>
+          </a:ln>
+        </p:spPr>
+        <p:style>
+          <a:lnRef idx="2">
+            <a:schemeClr val="accent1">
+              <a:shade val="50000"/>
+            </a:schemeClr>
+          </a:lnRef>
+          <a:fillRef idx="1">
+            <a:schemeClr val="accent1"/>
+          </a:fillRef>
+          <a:effectRef idx="0">
+            <a:schemeClr val="accent1"/>
+          </a:effectRef>
+          <a:fontRef idx="minor">
+            <a:schemeClr val="lt1"/>
+          </a:fontRef>
+        </p:style>
+        <p:txBody>
+          <a:bodyPr rtlCol="0" anchor="ctr"/>
+          <a:lstStyle/>
+          <a:p>
+            <a:pPr algn="ctr"/>
+            <a:r>
+              <a:rPr lang="de-DE" dirty="0" err="1">
+                <a:solidFill>
+                  <a:sysClr val="windowText" lastClr="000000"/>
+                </a:solidFill>
+              </a:rPr>
+              <a:t>Veröffent-lichung</a:t>
+            </a:r>
+            <a:endParaRPr lang="de-DE" dirty="0">
+              <a:solidFill>
+                <a:sysClr val="windowText" lastClr="000000"/>
+              </a:solidFill>
+            </a:endParaRPr>
+          </a:p>
+        </p:txBody>
+      </p:sp>
+      <p:sp>
+        <p:nvSpPr>
+          <p:cNvPr id="16" name="Rechteck 15">
+            <a:extLst>
+              <a:ext uri="{FF2B5EF4-FFF2-40B4-BE49-F238E27FC236}">
+                <a16:creationId xmlns:a16="http://schemas.microsoft.com/office/drawing/2014/main" id="{E511182D-5419-4BD1-98B3-BF78432F4B49}"/>
+              </a:ext>
+            </a:extLst>
+          </p:cNvPr>
+          <p:cNvSpPr/>
+          <p:nvPr/>
+        </p:nvSpPr>
+        <p:spPr>
+          <a:xfrm>
+            <a:off x="2586681" y="3163286"/>
+            <a:ext cx="1400434" cy="774357"/>
+          </a:xfrm>
+          <a:prstGeom prst="rect">
+            <a:avLst/>
+          </a:prstGeom>
+          <a:solidFill>
+            <a:schemeClr val="bg1">
+              <a:lumMod val="95000"/>
+            </a:schemeClr>
+          </a:solidFill>
+          <a:ln>
+            <a:solidFill>
+              <a:schemeClr val="tx1"/>
+            </a:solidFill>
+          </a:ln>
+        </p:spPr>
+        <p:style>
+          <a:lnRef idx="2">
+            <a:schemeClr val="accent1">
+              <a:shade val="50000"/>
+            </a:schemeClr>
+          </a:lnRef>
+          <a:fillRef idx="1">
+            <a:schemeClr val="accent1"/>
+          </a:fillRef>
+          <a:effectRef idx="0">
+            <a:schemeClr val="accent1"/>
+          </a:effectRef>
+          <a:fontRef idx="minor">
+            <a:schemeClr val="lt1"/>
+          </a:fontRef>
+        </p:style>
+        <p:txBody>
+          <a:bodyPr rtlCol="0" anchor="ctr"/>
+          <a:lstStyle/>
+          <a:p>
+            <a:pPr algn="ctr"/>
+            <a:r>
+              <a:rPr lang="de-DE" dirty="0">
+                <a:solidFill>
+                  <a:sysClr val="windowText" lastClr="000000"/>
+                </a:solidFill>
+              </a:rPr>
+              <a:t>Studie planen</a:t>
+            </a:r>
+          </a:p>
+        </p:txBody>
+      </p:sp>
+      <p:sp>
+        <p:nvSpPr>
+          <p:cNvPr id="17" name="Rechteck 16">
+            <a:extLst>
+              <a:ext uri="{FF2B5EF4-FFF2-40B4-BE49-F238E27FC236}">
+                <a16:creationId xmlns:a16="http://schemas.microsoft.com/office/drawing/2014/main" id="{800F6E8A-BBC6-4742-BE4A-D765FBCC5A00}"/>
+              </a:ext>
+            </a:extLst>
+          </p:cNvPr>
+          <p:cNvSpPr/>
+          <p:nvPr/>
+        </p:nvSpPr>
+        <p:spPr>
+          <a:xfrm>
+            <a:off x="5585253" y="3163286"/>
+            <a:ext cx="1400434" cy="774357"/>
+          </a:xfrm>
+          <a:prstGeom prst="rect">
+            <a:avLst/>
+          </a:prstGeom>
+          <a:solidFill>
+            <a:schemeClr val="bg1">
+              <a:lumMod val="95000"/>
+            </a:schemeClr>
+          </a:solidFill>
+          <a:ln>
+            <a:solidFill>
+              <a:schemeClr val="tx1"/>
+            </a:solidFill>
+          </a:ln>
+        </p:spPr>
+        <p:style>
+          <a:lnRef idx="2">
+            <a:schemeClr val="accent1">
+              <a:shade val="50000"/>
+            </a:schemeClr>
+          </a:lnRef>
+          <a:fillRef idx="1">
+            <a:schemeClr val="accent1"/>
+          </a:fillRef>
+          <a:effectRef idx="0">
+            <a:schemeClr val="accent1"/>
+          </a:effectRef>
+          <a:fontRef idx="minor">
+            <a:schemeClr val="lt1"/>
+          </a:fontRef>
+        </p:style>
+        <p:txBody>
+          <a:bodyPr rtlCol="0" anchor="ctr"/>
+          <a:lstStyle/>
+          <a:p>
+            <a:pPr algn="ctr"/>
+            <a:r>
+              <a:rPr lang="de-DE" dirty="0">
+                <a:solidFill>
+                  <a:sysClr val="windowText" lastClr="000000"/>
+                </a:solidFill>
+              </a:rPr>
+              <a:t>Studie durchführen</a:t>
+            </a:r>
+          </a:p>
+        </p:txBody>
+      </p:sp>
+      <p:sp>
+        <p:nvSpPr>
+          <p:cNvPr id="18" name="Rechteck 17">
+            <a:extLst>
+              <a:ext uri="{FF2B5EF4-FFF2-40B4-BE49-F238E27FC236}">
+                <a16:creationId xmlns:a16="http://schemas.microsoft.com/office/drawing/2014/main" id="{996136F8-4196-49E5-905E-A2CBE2816713}"/>
+              </a:ext>
+            </a:extLst>
+          </p:cNvPr>
+          <p:cNvSpPr/>
+          <p:nvPr/>
+        </p:nvSpPr>
+        <p:spPr>
+          <a:xfrm>
+            <a:off x="7084539" y="3163286"/>
+            <a:ext cx="1400434" cy="774357"/>
+          </a:xfrm>
+          <a:prstGeom prst="rect">
+            <a:avLst/>
+          </a:prstGeom>
+          <a:solidFill>
+            <a:schemeClr val="bg1">
+              <a:lumMod val="95000"/>
+            </a:schemeClr>
+          </a:solidFill>
+          <a:ln>
+            <a:solidFill>
+              <a:schemeClr val="tx1"/>
+            </a:solidFill>
+          </a:ln>
+        </p:spPr>
+        <p:style>
+          <a:lnRef idx="2">
+            <a:schemeClr val="accent1">
+              <a:shade val="50000"/>
+            </a:schemeClr>
+          </a:lnRef>
+          <a:fillRef idx="1">
+            <a:schemeClr val="accent1"/>
+          </a:fillRef>
+          <a:effectRef idx="0">
+            <a:schemeClr val="accent1"/>
+          </a:effectRef>
+          <a:fontRef idx="minor">
+            <a:schemeClr val="lt1"/>
+          </a:fontRef>
+        </p:style>
+        <p:txBody>
+          <a:bodyPr rtlCol="0" anchor="ctr"/>
+          <a:lstStyle/>
+          <a:p>
+            <a:pPr algn="ctr"/>
+            <a:r>
+              <a:rPr lang="de-DE" dirty="0">
+                <a:solidFill>
+                  <a:sysClr val="windowText" lastClr="000000"/>
+                </a:solidFill>
+              </a:rPr>
+              <a:t>Bericht erstellen</a:t>
+            </a:r>
+          </a:p>
+        </p:txBody>
+      </p:sp>
+      <p:sp>
+        <p:nvSpPr>
+          <p:cNvPr id="19" name="Rechteck 18">
+            <a:extLst>
+              <a:ext uri="{FF2B5EF4-FFF2-40B4-BE49-F238E27FC236}">
+                <a16:creationId xmlns:a16="http://schemas.microsoft.com/office/drawing/2014/main" id="{3C805B3A-CD12-4760-B90D-5D4DEBE5B1A9}"/>
+              </a:ext>
+            </a:extLst>
+          </p:cNvPr>
+          <p:cNvSpPr/>
+          <p:nvPr/>
+        </p:nvSpPr>
+        <p:spPr>
+          <a:xfrm>
+            <a:off x="8583825" y="3163286"/>
+            <a:ext cx="1400434" cy="774357"/>
+          </a:xfrm>
+          <a:prstGeom prst="rect">
+            <a:avLst/>
+          </a:prstGeom>
+          <a:solidFill>
+            <a:srgbClr val="C00000"/>
+          </a:solidFill>
+          <a:ln>
+            <a:solidFill>
+              <a:schemeClr val="tx1"/>
+            </a:solidFill>
+          </a:ln>
+        </p:spPr>
+        <p:style>
+          <a:lnRef idx="2">
+            <a:schemeClr val="accent1">
+              <a:shade val="50000"/>
+            </a:schemeClr>
+          </a:lnRef>
+          <a:fillRef idx="1">
+            <a:schemeClr val="accent1"/>
+          </a:fillRef>
+          <a:effectRef idx="0">
+            <a:schemeClr val="accent1"/>
+          </a:effectRef>
+          <a:fontRef idx="minor">
+            <a:schemeClr val="lt1"/>
+          </a:fontRef>
+        </p:style>
+        <p:txBody>
+          <a:bodyPr rtlCol="0" anchor="ctr"/>
+          <a:lstStyle/>
+          <a:p>
+            <a:pPr algn="ctr"/>
+            <a:r>
+              <a:rPr lang="de-DE" dirty="0"/>
+              <a:t>Peer Review</a:t>
+            </a:r>
+          </a:p>
+        </p:txBody>
+      </p:sp>
+      <p:sp>
+        <p:nvSpPr>
+          <p:cNvPr id="20" name="Rechteck 19">
+            <a:extLst>
+              <a:ext uri="{FF2B5EF4-FFF2-40B4-BE49-F238E27FC236}">
+                <a16:creationId xmlns:a16="http://schemas.microsoft.com/office/drawing/2014/main" id="{9C98604F-95DD-4CF0-B1B1-7A812D0FDB08}"/>
+              </a:ext>
+            </a:extLst>
+          </p:cNvPr>
+          <p:cNvSpPr/>
+          <p:nvPr/>
+        </p:nvSpPr>
+        <p:spPr>
+          <a:xfrm>
+            <a:off x="10083111" y="3163286"/>
+            <a:ext cx="1400434" cy="774357"/>
+          </a:xfrm>
+          <a:prstGeom prst="rect">
+            <a:avLst/>
+          </a:prstGeom>
+          <a:solidFill>
+            <a:schemeClr val="bg1">
+              <a:lumMod val="95000"/>
+            </a:schemeClr>
+          </a:solidFill>
+          <a:ln>
+            <a:solidFill>
+              <a:schemeClr val="tx1"/>
+            </a:solidFill>
+          </a:ln>
+        </p:spPr>
+        <p:style>
+          <a:lnRef idx="2">
+            <a:schemeClr val="accent1">
+              <a:shade val="50000"/>
+            </a:schemeClr>
+          </a:lnRef>
+          <a:fillRef idx="1">
+            <a:schemeClr val="accent1"/>
+          </a:fillRef>
+          <a:effectRef idx="0">
+            <a:schemeClr val="accent1"/>
+          </a:effectRef>
+          <a:fontRef idx="minor">
+            <a:schemeClr val="lt1"/>
+          </a:fontRef>
+        </p:style>
+        <p:txBody>
+          <a:bodyPr rtlCol="0" anchor="ctr"/>
+          <a:lstStyle/>
+          <a:p>
+            <a:pPr algn="ctr"/>
+            <a:r>
+              <a:rPr lang="de-DE" dirty="0" err="1">
+                <a:solidFill>
+                  <a:sysClr val="windowText" lastClr="000000"/>
+                </a:solidFill>
+              </a:rPr>
+              <a:t>Veröffent-lichung</a:t>
+            </a:r>
+            <a:endParaRPr lang="de-DE" dirty="0">
+              <a:solidFill>
+                <a:sysClr val="windowText" lastClr="000000"/>
+              </a:solidFill>
+            </a:endParaRPr>
+          </a:p>
+        </p:txBody>
+      </p:sp>
+      <p:sp>
+        <p:nvSpPr>
+          <p:cNvPr id="21" name="Rechteck 20">
+            <a:extLst>
+              <a:ext uri="{FF2B5EF4-FFF2-40B4-BE49-F238E27FC236}">
+                <a16:creationId xmlns:a16="http://schemas.microsoft.com/office/drawing/2014/main" id="{BCC18E3F-D36A-4ACE-9852-E35A0C6F31D5}"/>
+              </a:ext>
+            </a:extLst>
+          </p:cNvPr>
+          <p:cNvSpPr/>
+          <p:nvPr/>
+        </p:nvSpPr>
+        <p:spPr>
+          <a:xfrm>
+            <a:off x="4085967" y="3163286"/>
+            <a:ext cx="1400434" cy="774357"/>
+          </a:xfrm>
+          <a:prstGeom prst="rect">
+            <a:avLst/>
+          </a:prstGeom>
+          <a:solidFill>
+            <a:srgbClr val="C00000"/>
+          </a:solidFill>
+          <a:ln>
+            <a:solidFill>
+              <a:schemeClr val="tx1"/>
+            </a:solidFill>
+          </a:ln>
+        </p:spPr>
+        <p:style>
+          <a:lnRef idx="2">
+            <a:schemeClr val="accent1">
+              <a:shade val="50000"/>
+            </a:schemeClr>
+          </a:lnRef>
+          <a:fillRef idx="1">
+            <a:schemeClr val="accent1"/>
+          </a:fillRef>
+          <a:effectRef idx="0">
+            <a:schemeClr val="accent1"/>
+          </a:effectRef>
+          <a:fontRef idx="minor">
+            <a:schemeClr val="lt1"/>
+          </a:fontRef>
+        </p:style>
+        <p:txBody>
+          <a:bodyPr rtlCol="0" anchor="ctr"/>
+          <a:lstStyle/>
+          <a:p>
+            <a:pPr algn="ctr"/>
+            <a:r>
+              <a:rPr lang="de-DE" dirty="0"/>
+              <a:t>Peer Review</a:t>
+            </a:r>
+          </a:p>
+        </p:txBody>
+      </p:sp>
+      <p:pic>
+        <p:nvPicPr>
+          <p:cNvPr id="3" name="Grafik 2">
+            <a:extLst>
+              <a:ext uri="{FF2B5EF4-FFF2-40B4-BE49-F238E27FC236}">
+                <a16:creationId xmlns:a16="http://schemas.microsoft.com/office/drawing/2014/main" id="{3BF050FA-C6D5-4718-874C-4F76864DFF37}"/>
+              </a:ext>
+            </a:extLst>
+          </p:cNvPr>
+          <p:cNvPicPr>
+            <a:picLocks noChangeAspect="1"/>
+          </p:cNvPicPr>
+          <p:nvPr/>
+        </p:nvPicPr>
+        <p:blipFill>
+          <a:blip r:embed="rId2"/>
+          <a:stretch>
+            <a:fillRect/>
+          </a:stretch>
+        </p:blipFill>
+        <p:spPr>
+          <a:xfrm>
+            <a:off x="1703166" y="4543461"/>
+            <a:ext cx="11394412" cy="1944793"/>
+          </a:xfrm>
+          <a:prstGeom prst="rect">
+            <a:avLst/>
+          </a:prstGeom>
+        </p:spPr>
+      </p:pic>
+    </p:spTree>
+    <p:extLst>
+      <p:ext uri="{BB962C8B-B14F-4D97-AF65-F5344CB8AC3E}">
+        <p14:creationId xmlns:p14="http://schemas.microsoft.com/office/powerpoint/2010/main" val="497198855"/>
+      </p:ext>
+    </p:extLst>
+  </p:cSld>
+  <p:clrMapOvr>
+    <a:masterClrMapping/>
+  </p:clrMapOvr>
+</p:sld>
+</file>
+
+<file path=ppt/slides/slide11.xml><?xml version="1.0" encoding="utf-8"?>
 <p:sld xmlns:a="http://schemas.openxmlformats.org/drawingml/2006/main" xmlns:r="http://schemas.openxmlformats.org/officeDocument/2006/relationships" xmlns:p="http://schemas.openxmlformats.org/presentationml/2006/main">
   <p:cSld>
     <p:spTree>
@@ -10526,7 +18662,7 @@
 </p:sld>
 </file>
 
-<file path=ppt/slides/slide11.xml><?xml version="1.0" encoding="utf-8"?>
+<file path=ppt/slides/slide12.xml><?xml version="1.0" encoding="utf-8"?>
 <p:sld xmlns:a="http://schemas.openxmlformats.org/drawingml/2006/main" xmlns:r="http://schemas.openxmlformats.org/officeDocument/2006/relationships" xmlns:p="http://schemas.openxmlformats.org/presentationml/2006/main">
   <p:cSld>
     <p:spTree>
@@ -11009,7 +19145,7 @@
 </p:sld>
 </file>
 
-<file path=ppt/slides/slide12.xml><?xml version="1.0" encoding="utf-8"?>
+<file path=ppt/slides/slide13.xml><?xml version="1.0" encoding="utf-8"?>
 <p:sld xmlns:a="http://schemas.openxmlformats.org/drawingml/2006/main" xmlns:r="http://schemas.openxmlformats.org/officeDocument/2006/relationships" xmlns:p="http://schemas.openxmlformats.org/presentationml/2006/main">
   <p:cSld>
     <p:spTree>
@@ -11180,7 +19316,7 @@
 </p:sld>
 </file>
 
-<file path=ppt/slides/slide13.xml><?xml version="1.0" encoding="utf-8"?>
+<file path=ppt/slides/slide14.xml><?xml version="1.0" encoding="utf-8"?>
 <p:sld xmlns:a="http://schemas.openxmlformats.org/drawingml/2006/main" xmlns:r="http://schemas.openxmlformats.org/officeDocument/2006/relationships" xmlns:p="http://schemas.openxmlformats.org/presentationml/2006/main">
   <p:cSld>
     <p:spTree>
@@ -11362,7 +19498,7 @@
 </p:sld>
 </file>
 
-<file path=ppt/slides/slide14.xml><?xml version="1.0" encoding="utf-8"?>
+<file path=ppt/slides/slide15.xml><?xml version="1.0" encoding="utf-8"?>
 <p:sld xmlns:a="http://schemas.openxmlformats.org/drawingml/2006/main" xmlns:r="http://schemas.openxmlformats.org/officeDocument/2006/relationships" xmlns:p="http://schemas.openxmlformats.org/presentationml/2006/main">
   <p:cSld>
     <p:spTree>
@@ -11804,7 +19940,221 @@
 </p:sld>
 </file>
 
+<file path=ppt/slides/slide16.xml><?xml version="1.0" encoding="utf-8"?>
+<p:sld xmlns:a="http://schemas.openxmlformats.org/drawingml/2006/main" xmlns:r="http://schemas.openxmlformats.org/officeDocument/2006/relationships" xmlns:p="http://schemas.openxmlformats.org/presentationml/2006/main">
+  <p:cSld>
+    <p:spTree>
+      <p:nvGrpSpPr>
+        <p:cNvPr id="1" name=""/>
+        <p:cNvGrpSpPr/>
+        <p:nvPr/>
+      </p:nvGrpSpPr>
+      <p:grpSpPr>
+        <a:xfrm>
+          <a:off x="0" y="0"/>
+          <a:ext cx="0" cy="0"/>
+          <a:chOff x="0" y="0"/>
+          <a:chExt cx="0" cy="0"/>
+        </a:xfrm>
+      </p:grpSpPr>
+      <p:sp>
+        <p:nvSpPr>
+          <p:cNvPr id="2" name="Titel 1">
+            <a:extLst>
+              <a:ext uri="{FF2B5EF4-FFF2-40B4-BE49-F238E27FC236}">
+                <a16:creationId xmlns:a16="http://schemas.microsoft.com/office/drawing/2014/main" id="{8D90F43B-D4AB-47C0-8E2A-838061EF1A72}"/>
+              </a:ext>
+            </a:extLst>
+          </p:cNvPr>
+          <p:cNvSpPr>
+            <a:spLocks noGrp="1"/>
+          </p:cNvSpPr>
+          <p:nvPr>
+            <p:ph type="title"/>
+          </p:nvPr>
+        </p:nvSpPr>
+        <p:spPr>
+          <a:xfrm>
+            <a:off x="138953" y="1276"/>
+            <a:ext cx="5508812" cy="540310"/>
+          </a:xfrm>
+        </p:spPr>
+        <p:txBody>
+          <a:bodyPr>
+            <a:normAutofit fontScale="90000"/>
+          </a:bodyPr>
+          <a:lstStyle/>
+          <a:p>
+            <a:r>
+              <a:rPr lang="en-US" dirty="0"/>
+              <a:t>Kuhn </a:t>
+            </a:r>
+            <a:r>
+              <a:rPr lang="en-US" dirty="0" err="1"/>
+              <a:t>Paradigmenwechsel</a:t>
+            </a:r>
+            <a:endParaRPr lang="en-US" dirty="0"/>
+          </a:p>
+        </p:txBody>
+      </p:sp>
+      <p:graphicFrame>
+        <p:nvGraphicFramePr>
+          <p:cNvPr id="6" name="Diagramm 5">
+            <a:extLst>
+              <a:ext uri="{FF2B5EF4-FFF2-40B4-BE49-F238E27FC236}">
+                <a16:creationId xmlns:a16="http://schemas.microsoft.com/office/drawing/2014/main" id="{FEE6D6D7-19D8-4AF4-8D67-852C5A31C175}"/>
+              </a:ext>
+            </a:extLst>
+          </p:cNvPr>
+          <p:cNvGraphicFramePr/>
+          <p:nvPr>
+            <p:extLst>
+              <p:ext uri="{D42A27DB-BD31-4B8C-83A1-F6EECF244321}">
+                <p14:modId xmlns:p14="http://schemas.microsoft.com/office/powerpoint/2010/main" val="3410455264"/>
+              </p:ext>
+            </p:extLst>
+          </p:nvPr>
+        </p:nvGraphicFramePr>
+        <p:xfrm>
+          <a:off x="2309906" y="988608"/>
+          <a:ext cx="8128000" cy="5418667"/>
+        </p:xfrm>
+        <a:graphic>
+          <a:graphicData uri="http://schemas.openxmlformats.org/drawingml/2006/diagram">
+            <dgm:relIds xmlns:dgm="http://schemas.openxmlformats.org/drawingml/2006/diagram" xmlns:r="http://schemas.openxmlformats.org/officeDocument/2006/relationships" r:dm="rId2" r:lo="rId3" r:qs="rId4" r:cs="rId5"/>
+          </a:graphicData>
+        </a:graphic>
+      </p:graphicFrame>
+      <p:pic>
+        <p:nvPicPr>
+          <p:cNvPr id="7" name="Grafik 6">
+            <a:extLst>
+              <a:ext uri="{FF2B5EF4-FFF2-40B4-BE49-F238E27FC236}">
+                <a16:creationId xmlns:a16="http://schemas.microsoft.com/office/drawing/2014/main" id="{B472A155-7251-4105-94B1-AE38524105E6}"/>
+              </a:ext>
+            </a:extLst>
+          </p:cNvPr>
+          <p:cNvPicPr>
+            <a:picLocks noChangeAspect="1"/>
+          </p:cNvPicPr>
+          <p:nvPr/>
+        </p:nvPicPr>
+        <p:blipFill>
+          <a:blip r:embed="rId7"/>
+          <a:stretch>
+            <a:fillRect/>
+          </a:stretch>
+        </p:blipFill>
+        <p:spPr>
+          <a:xfrm>
+            <a:off x="2032664" y="703852"/>
+            <a:ext cx="8126672" cy="5450296"/>
+          </a:xfrm>
+          <a:prstGeom prst="rect">
+            <a:avLst/>
+          </a:prstGeom>
+        </p:spPr>
+      </p:pic>
+    </p:spTree>
+    <p:extLst>
+      <p:ext uri="{BB962C8B-B14F-4D97-AF65-F5344CB8AC3E}">
+        <p14:creationId xmlns:p14="http://schemas.microsoft.com/office/powerpoint/2010/main" val="1575474026"/>
+      </p:ext>
+    </p:extLst>
+  </p:cSld>
+  <p:clrMapOvr>
+    <a:masterClrMapping/>
+  </p:clrMapOvr>
+</p:sld>
+</file>
+
 <file path=ppt/slides/slide2.xml><?xml version="1.0" encoding="utf-8"?>
+<p:sld xmlns:a="http://schemas.openxmlformats.org/drawingml/2006/main" xmlns:r="http://schemas.openxmlformats.org/officeDocument/2006/relationships" xmlns:p="http://schemas.openxmlformats.org/presentationml/2006/main">
+  <p:cSld>
+    <p:spTree>
+      <p:nvGrpSpPr>
+        <p:cNvPr id="1" name=""/>
+        <p:cNvGrpSpPr/>
+        <p:nvPr/>
+      </p:nvGrpSpPr>
+      <p:grpSpPr>
+        <a:xfrm>
+          <a:off x="0" y="0"/>
+          <a:ext cx="0" cy="0"/>
+          <a:chOff x="0" y="0"/>
+          <a:chExt cx="0" cy="0"/>
+        </a:xfrm>
+      </p:grpSpPr>
+      <p:sp>
+        <p:nvSpPr>
+          <p:cNvPr id="2" name="Titel 1">
+            <a:extLst>
+              <a:ext uri="{FF2B5EF4-FFF2-40B4-BE49-F238E27FC236}">
+                <a16:creationId xmlns:a16="http://schemas.microsoft.com/office/drawing/2014/main" id="{D07020CD-4B92-43E8-99A4-437D00FA5124}"/>
+              </a:ext>
+            </a:extLst>
+          </p:cNvPr>
+          <p:cNvSpPr>
+            <a:spLocks noGrp="1"/>
+          </p:cNvSpPr>
+          <p:nvPr>
+            <p:ph type="title"/>
+          </p:nvPr>
+        </p:nvSpPr>
+        <p:spPr/>
+        <p:txBody>
+          <a:bodyPr/>
+          <a:lstStyle/>
+          <a:p>
+            <a:endParaRPr lang="en-US"/>
+          </a:p>
+        </p:txBody>
+      </p:sp>
+      <p:graphicFrame>
+        <p:nvGraphicFramePr>
+          <p:cNvPr id="4" name="Inhaltsplatzhalter 3">
+            <a:extLst>
+              <a:ext uri="{FF2B5EF4-FFF2-40B4-BE49-F238E27FC236}">
+                <a16:creationId xmlns:a16="http://schemas.microsoft.com/office/drawing/2014/main" id="{E83C7A6C-960B-4520-9D9B-B1E20885044E}"/>
+              </a:ext>
+            </a:extLst>
+          </p:cNvPr>
+          <p:cNvGraphicFramePr>
+            <a:graphicFrameLocks noGrp="1"/>
+          </p:cNvGraphicFramePr>
+          <p:nvPr>
+            <p:ph idx="1"/>
+            <p:extLst>
+              <p:ext uri="{D42A27DB-BD31-4B8C-83A1-F6EECF244321}">
+                <p14:modId xmlns:p14="http://schemas.microsoft.com/office/powerpoint/2010/main" val="1415537661"/>
+              </p:ext>
+            </p:extLst>
+          </p:nvPr>
+        </p:nvGraphicFramePr>
+        <p:xfrm>
+          <a:off x="838200" y="1825625"/>
+          <a:ext cx="10515600" cy="3283404"/>
+        </p:xfrm>
+        <a:graphic>
+          <a:graphicData uri="http://schemas.openxmlformats.org/drawingml/2006/diagram">
+            <dgm:relIds xmlns:dgm="http://schemas.openxmlformats.org/drawingml/2006/diagram" xmlns:r="http://schemas.openxmlformats.org/officeDocument/2006/relationships" r:dm="rId2" r:lo="rId3" r:qs="rId4" r:cs="rId5"/>
+          </a:graphicData>
+        </a:graphic>
+      </p:graphicFrame>
+    </p:spTree>
+    <p:extLst>
+      <p:ext uri="{BB962C8B-B14F-4D97-AF65-F5344CB8AC3E}">
+        <p14:creationId xmlns:p14="http://schemas.microsoft.com/office/powerpoint/2010/main" val="2496250324"/>
+      </p:ext>
+    </p:extLst>
+  </p:cSld>
+  <p:clrMapOvr>
+    <a:masterClrMapping/>
+  </p:clrMapOvr>
+</p:sld>
+</file>
+
+<file path=ppt/slides/slide3.xml><?xml version="1.0" encoding="utf-8"?>
 <p:sld xmlns:a="http://schemas.openxmlformats.org/drawingml/2006/main" xmlns:r="http://schemas.openxmlformats.org/officeDocument/2006/relationships" xmlns:p="http://schemas.openxmlformats.org/presentationml/2006/main">
   <p:cSld>
     <p:spTree>
@@ -13616,7 +21966,7 @@
 </p:sld>
 </file>
 
-<file path=ppt/slides/slide3.xml><?xml version="1.0" encoding="utf-8"?>
+<file path=ppt/slides/slide4.xml><?xml version="1.0" encoding="utf-8"?>
 <p:sld xmlns:a="http://schemas.openxmlformats.org/drawingml/2006/main" xmlns:r="http://schemas.openxmlformats.org/officeDocument/2006/relationships" xmlns:p="http://schemas.openxmlformats.org/presentationml/2006/main">
   <p:cSld>
     <p:spTree>
@@ -15577,7 +23927,7 @@
 </p:sld>
 </file>
 
-<file path=ppt/slides/slide4.xml><?xml version="1.0" encoding="utf-8"?>
+<file path=ppt/slides/slide5.xml><?xml version="1.0" encoding="utf-8"?>
 <p:sld xmlns:a="http://schemas.openxmlformats.org/drawingml/2006/main" xmlns:r="http://schemas.openxmlformats.org/officeDocument/2006/relationships" xmlns:p="http://schemas.openxmlformats.org/presentationml/2006/main">
   <p:cSld>
     <p:spTree>
@@ -17129,7 +25479,7 @@
           <a:p>
             <a:fld id="{674BB171-FB21-4E89-A54F-691082BB0684}" type="slidenum">
               <a:rPr lang="en-US" smtClean="0"/>
-              <a:t>4</a:t>
+              <a:t>5</a:t>
             </a:fld>
             <a:endParaRPr lang="en-US"/>
           </a:p>
@@ -17461,7 +25811,7 @@
 </p:sld>
 </file>
 
-<file path=ppt/slides/slide5.xml><?xml version="1.0" encoding="utf-8"?>
+<file path=ppt/slides/slide6.xml><?xml version="1.0" encoding="utf-8"?>
 <p:sld xmlns:a="http://schemas.openxmlformats.org/drawingml/2006/main" xmlns:r="http://schemas.openxmlformats.org/officeDocument/2006/relationships" xmlns:p="http://schemas.openxmlformats.org/presentationml/2006/main">
   <p:cSld>
     <p:spTree>
@@ -18126,7 +26476,7 @@
           <a:p>
             <a:fld id="{674BB171-FB21-4E89-A54F-691082BB0684}" type="slidenum">
               <a:rPr lang="en-US" smtClean="0"/>
-              <a:t>5</a:t>
+              <a:t>6</a:t>
             </a:fld>
             <a:endParaRPr lang="en-US"/>
           </a:p>
@@ -18455,7 +26805,7 @@
 </p:sld>
 </file>
 
-<file path=ppt/slides/slide6.xml><?xml version="1.0" encoding="utf-8"?>
+<file path=ppt/slides/slide7.xml><?xml version="1.0" encoding="utf-8"?>
 <p:sld xmlns:a="http://schemas.openxmlformats.org/drawingml/2006/main" xmlns:r="http://schemas.openxmlformats.org/officeDocument/2006/relationships" xmlns:p="http://schemas.openxmlformats.org/presentationml/2006/main">
   <p:cSld>
     <p:spTree>
@@ -22497,7 +30847,7 @@
           <a:p>
             <a:fld id="{674BB171-FB21-4E89-A54F-691082BB0684}" type="slidenum">
               <a:rPr lang="en-US" smtClean="0"/>
-              <a:t>6</a:t>
+              <a:t>7</a:t>
             </a:fld>
             <a:endParaRPr lang="en-US"/>
           </a:p>
@@ -24982,7 +33332,7 @@
 </p:sld>
 </file>
 
-<file path=ppt/slides/slide7.xml><?xml version="1.0" encoding="utf-8"?>
+<file path=ppt/slides/slide8.xml><?xml version="1.0" encoding="utf-8"?>
 <p:sld xmlns:a="http://schemas.openxmlformats.org/drawingml/2006/main" xmlns:r="http://schemas.openxmlformats.org/officeDocument/2006/relationships" xmlns:p="http://schemas.openxmlformats.org/presentationml/2006/main">
   <p:cSld>
     <p:spTree>
@@ -25104,7 +33454,7 @@
           <a:p>
             <a:fld id="{674BB171-FB21-4E89-A54F-691082BB0684}" type="slidenum">
               <a:rPr lang="en-US" smtClean="0"/>
-              <a:t>7</a:t>
+              <a:t>8</a:t>
             </a:fld>
             <a:endParaRPr lang="en-US"/>
           </a:p>
@@ -25123,7 +33473,7 @@
 </p:sld>
 </file>
 
-<file path=ppt/slides/slide8.xml><?xml version="1.0" encoding="utf-8"?>
+<file path=ppt/slides/slide9.xml><?xml version="1.0" encoding="utf-8"?>
 <p:sld xmlns:a="http://schemas.openxmlformats.org/drawingml/2006/main" xmlns:r="http://schemas.openxmlformats.org/officeDocument/2006/relationships" xmlns:p="http://schemas.openxmlformats.org/presentationml/2006/main">
   <p:cSld>
     <p:spTree>
@@ -26200,901 +34550,6 @@
 </p:sld>
 </file>
 
-<file path=ppt/slides/slide9.xml><?xml version="1.0" encoding="utf-8"?>
-<p:sld xmlns:a="http://schemas.openxmlformats.org/drawingml/2006/main" xmlns:r="http://schemas.openxmlformats.org/officeDocument/2006/relationships" xmlns:p="http://schemas.openxmlformats.org/presentationml/2006/main">
-  <p:cSld>
-    <p:spTree>
-      <p:nvGrpSpPr>
-        <p:cNvPr id="1" name=""/>
-        <p:cNvGrpSpPr/>
-        <p:nvPr/>
-      </p:nvGrpSpPr>
-      <p:grpSpPr>
-        <a:xfrm>
-          <a:off x="0" y="0"/>
-          <a:ext cx="0" cy="0"/>
-          <a:chOff x="0" y="0"/>
-          <a:chExt cx="0" cy="0"/>
-        </a:xfrm>
-      </p:grpSpPr>
-      <p:sp>
-        <p:nvSpPr>
-          <p:cNvPr id="2" name="Titel 1">
-            <a:extLst>
-              <a:ext uri="{FF2B5EF4-FFF2-40B4-BE49-F238E27FC236}">
-                <a16:creationId xmlns:a16="http://schemas.microsoft.com/office/drawing/2014/main" id="{C9E76181-1406-40B3-BFCE-F93F22C89DD6}"/>
-              </a:ext>
-            </a:extLst>
-          </p:cNvPr>
-          <p:cNvSpPr>
-            <a:spLocks noGrp="1"/>
-          </p:cNvSpPr>
-          <p:nvPr>
-            <p:ph type="title"/>
-          </p:nvPr>
-        </p:nvSpPr>
-        <p:spPr/>
-        <p:txBody>
-          <a:bodyPr/>
-          <a:lstStyle/>
-          <a:p>
-            <a:r>
-              <a:rPr lang="de-DE" dirty="0"/>
-              <a:t>Registered Report</a:t>
-            </a:r>
-          </a:p>
-        </p:txBody>
-      </p:sp>
-      <p:sp>
-        <p:nvSpPr>
-          <p:cNvPr id="4" name="Rechteck 3">
-            <a:extLst>
-              <a:ext uri="{FF2B5EF4-FFF2-40B4-BE49-F238E27FC236}">
-                <a16:creationId xmlns:a16="http://schemas.microsoft.com/office/drawing/2014/main" id="{6B9C3053-041C-418D-B7E2-305FA34F97C2}"/>
-              </a:ext>
-            </a:extLst>
-          </p:cNvPr>
-          <p:cNvSpPr/>
-          <p:nvPr/>
-        </p:nvSpPr>
-        <p:spPr>
-          <a:xfrm>
-            <a:off x="2586681" y="2051221"/>
-            <a:ext cx="1400434" cy="774357"/>
-          </a:xfrm>
-          <a:prstGeom prst="rect">
-            <a:avLst/>
-          </a:prstGeom>
-          <a:solidFill>
-            <a:schemeClr val="bg1">
-              <a:lumMod val="95000"/>
-            </a:schemeClr>
-          </a:solidFill>
-          <a:ln>
-            <a:solidFill>
-              <a:schemeClr val="tx1"/>
-            </a:solidFill>
-          </a:ln>
-        </p:spPr>
-        <p:style>
-          <a:lnRef idx="2">
-            <a:schemeClr val="accent1">
-              <a:shade val="50000"/>
-            </a:schemeClr>
-          </a:lnRef>
-          <a:fillRef idx="1">
-            <a:schemeClr val="accent1"/>
-          </a:fillRef>
-          <a:effectRef idx="0">
-            <a:schemeClr val="accent1"/>
-          </a:effectRef>
-          <a:fontRef idx="minor">
-            <a:schemeClr val="lt1"/>
-          </a:fontRef>
-        </p:style>
-        <p:txBody>
-          <a:bodyPr rtlCol="0" anchor="ctr"/>
-          <a:lstStyle/>
-          <a:p>
-            <a:pPr algn="ctr"/>
-            <a:r>
-              <a:rPr lang="de-DE" dirty="0">
-                <a:solidFill>
-                  <a:sysClr val="windowText" lastClr="000000"/>
-                </a:solidFill>
-              </a:rPr>
-              <a:t>Studie planen</a:t>
-            </a:r>
-          </a:p>
-        </p:txBody>
-      </p:sp>
-      <p:sp>
-        <p:nvSpPr>
-          <p:cNvPr id="5" name="Rechteck 4">
-            <a:extLst>
-              <a:ext uri="{FF2B5EF4-FFF2-40B4-BE49-F238E27FC236}">
-                <a16:creationId xmlns:a16="http://schemas.microsoft.com/office/drawing/2014/main" id="{3FF8395A-4078-4AA9-8F72-AFC9131D3B8F}"/>
-              </a:ext>
-            </a:extLst>
-          </p:cNvPr>
-          <p:cNvSpPr/>
-          <p:nvPr/>
-        </p:nvSpPr>
-        <p:spPr>
-          <a:xfrm>
-            <a:off x="5585253" y="2051221"/>
-            <a:ext cx="1400434" cy="774357"/>
-          </a:xfrm>
-          <a:prstGeom prst="rect">
-            <a:avLst/>
-          </a:prstGeom>
-          <a:solidFill>
-            <a:schemeClr val="bg1">
-              <a:lumMod val="95000"/>
-            </a:schemeClr>
-          </a:solidFill>
-          <a:ln>
-            <a:solidFill>
-              <a:schemeClr val="tx1"/>
-            </a:solidFill>
-          </a:ln>
-        </p:spPr>
-        <p:style>
-          <a:lnRef idx="2">
-            <a:schemeClr val="accent1">
-              <a:shade val="50000"/>
-            </a:schemeClr>
-          </a:lnRef>
-          <a:fillRef idx="1">
-            <a:schemeClr val="accent1"/>
-          </a:fillRef>
-          <a:effectRef idx="0">
-            <a:schemeClr val="accent1"/>
-          </a:effectRef>
-          <a:fontRef idx="minor">
-            <a:schemeClr val="lt1"/>
-          </a:fontRef>
-        </p:style>
-        <p:txBody>
-          <a:bodyPr rtlCol="0" anchor="ctr"/>
-          <a:lstStyle/>
-          <a:p>
-            <a:pPr algn="ctr"/>
-            <a:r>
-              <a:rPr lang="de-DE" dirty="0">
-                <a:solidFill>
-                  <a:sysClr val="windowText" lastClr="000000"/>
-                </a:solidFill>
-              </a:rPr>
-              <a:t>Studie durchführen</a:t>
-            </a:r>
-          </a:p>
-        </p:txBody>
-      </p:sp>
-      <p:sp>
-        <p:nvSpPr>
-          <p:cNvPr id="6" name="Rechteck 5">
-            <a:extLst>
-              <a:ext uri="{FF2B5EF4-FFF2-40B4-BE49-F238E27FC236}">
-                <a16:creationId xmlns:a16="http://schemas.microsoft.com/office/drawing/2014/main" id="{813525EF-7CD0-430A-B5F4-D16AA784AE14}"/>
-              </a:ext>
-            </a:extLst>
-          </p:cNvPr>
-          <p:cNvSpPr/>
-          <p:nvPr/>
-        </p:nvSpPr>
-        <p:spPr>
-          <a:xfrm>
-            <a:off x="7084539" y="2051221"/>
-            <a:ext cx="1400434" cy="774357"/>
-          </a:xfrm>
-          <a:prstGeom prst="rect">
-            <a:avLst/>
-          </a:prstGeom>
-          <a:solidFill>
-            <a:schemeClr val="bg1">
-              <a:lumMod val="95000"/>
-            </a:schemeClr>
-          </a:solidFill>
-          <a:ln>
-            <a:solidFill>
-              <a:schemeClr val="tx1"/>
-            </a:solidFill>
-          </a:ln>
-        </p:spPr>
-        <p:style>
-          <a:lnRef idx="2">
-            <a:schemeClr val="accent1">
-              <a:shade val="50000"/>
-            </a:schemeClr>
-          </a:lnRef>
-          <a:fillRef idx="1">
-            <a:schemeClr val="accent1"/>
-          </a:fillRef>
-          <a:effectRef idx="0">
-            <a:schemeClr val="accent1"/>
-          </a:effectRef>
-          <a:fontRef idx="minor">
-            <a:schemeClr val="lt1"/>
-          </a:fontRef>
-        </p:style>
-        <p:txBody>
-          <a:bodyPr rtlCol="0" anchor="ctr"/>
-          <a:lstStyle/>
-          <a:p>
-            <a:pPr algn="ctr"/>
-            <a:r>
-              <a:rPr lang="de-DE" dirty="0">
-                <a:solidFill>
-                  <a:sysClr val="windowText" lastClr="000000"/>
-                </a:solidFill>
-              </a:rPr>
-              <a:t>Bericht erstellen</a:t>
-            </a:r>
-          </a:p>
-        </p:txBody>
-      </p:sp>
-      <p:sp>
-        <p:nvSpPr>
-          <p:cNvPr id="7" name="Rechteck 6">
-            <a:extLst>
-              <a:ext uri="{FF2B5EF4-FFF2-40B4-BE49-F238E27FC236}">
-                <a16:creationId xmlns:a16="http://schemas.microsoft.com/office/drawing/2014/main" id="{9F3659CE-2466-46A2-BAA6-18F31357ED4C}"/>
-              </a:ext>
-            </a:extLst>
-          </p:cNvPr>
-          <p:cNvSpPr/>
-          <p:nvPr/>
-        </p:nvSpPr>
-        <p:spPr>
-          <a:xfrm>
-            <a:off x="8583825" y="2051221"/>
-            <a:ext cx="1400434" cy="774357"/>
-          </a:xfrm>
-          <a:prstGeom prst="rect">
-            <a:avLst/>
-          </a:prstGeom>
-          <a:solidFill>
-            <a:srgbClr val="C00000"/>
-          </a:solidFill>
-          <a:ln>
-            <a:solidFill>
-              <a:schemeClr val="tx1"/>
-            </a:solidFill>
-          </a:ln>
-        </p:spPr>
-        <p:style>
-          <a:lnRef idx="2">
-            <a:schemeClr val="accent1">
-              <a:shade val="50000"/>
-            </a:schemeClr>
-          </a:lnRef>
-          <a:fillRef idx="1">
-            <a:schemeClr val="accent1"/>
-          </a:fillRef>
-          <a:effectRef idx="0">
-            <a:schemeClr val="accent1"/>
-          </a:effectRef>
-          <a:fontRef idx="minor">
-            <a:schemeClr val="lt1"/>
-          </a:fontRef>
-        </p:style>
-        <p:txBody>
-          <a:bodyPr rtlCol="0" anchor="ctr"/>
-          <a:lstStyle/>
-          <a:p>
-            <a:pPr algn="ctr"/>
-            <a:r>
-              <a:rPr lang="de-DE" dirty="0"/>
-              <a:t>Peer Review</a:t>
-            </a:r>
-          </a:p>
-        </p:txBody>
-      </p:sp>
-      <p:sp>
-        <p:nvSpPr>
-          <p:cNvPr id="8" name="Textfeld 7">
-            <a:extLst>
-              <a:ext uri="{FF2B5EF4-FFF2-40B4-BE49-F238E27FC236}">
-                <a16:creationId xmlns:a16="http://schemas.microsoft.com/office/drawing/2014/main" id="{6AA4A799-94FD-4EB6-9C84-1A636B71A2C0}"/>
-              </a:ext>
-            </a:extLst>
-          </p:cNvPr>
-          <p:cNvSpPr txBox="1"/>
-          <p:nvPr/>
-        </p:nvSpPr>
-        <p:spPr>
-          <a:xfrm>
-            <a:off x="148281" y="2115233"/>
-            <a:ext cx="1935338" cy="646331"/>
-          </a:xfrm>
-          <a:prstGeom prst="rect">
-            <a:avLst/>
-          </a:prstGeom>
-          <a:noFill/>
-        </p:spPr>
-        <p:txBody>
-          <a:bodyPr wrap="none" rtlCol="0">
-            <a:spAutoFit/>
-          </a:bodyPr>
-          <a:lstStyle/>
-          <a:p>
-            <a:pPr algn="ctr"/>
-            <a:r>
-              <a:rPr lang="de-DE" dirty="0"/>
-              <a:t>Klassischer </a:t>
-            </a:r>
-          </a:p>
-          <a:p>
-            <a:pPr algn="ctr"/>
-            <a:r>
-              <a:rPr lang="de-DE" dirty="0"/>
-              <a:t>Forschungsprozess</a:t>
-            </a:r>
-          </a:p>
-        </p:txBody>
-      </p:sp>
-      <p:sp>
-        <p:nvSpPr>
-          <p:cNvPr id="13" name="Textfeld 12">
-            <a:extLst>
-              <a:ext uri="{FF2B5EF4-FFF2-40B4-BE49-F238E27FC236}">
-                <a16:creationId xmlns:a16="http://schemas.microsoft.com/office/drawing/2014/main" id="{170EE433-AA0D-4870-BBA2-5CB7046F0ED2}"/>
-              </a:ext>
-            </a:extLst>
-          </p:cNvPr>
-          <p:cNvSpPr txBox="1"/>
-          <p:nvPr/>
-        </p:nvSpPr>
-        <p:spPr>
-          <a:xfrm>
-            <a:off x="528742" y="3250121"/>
-            <a:ext cx="1174424" cy="646331"/>
-          </a:xfrm>
-          <a:prstGeom prst="rect">
-            <a:avLst/>
-          </a:prstGeom>
-          <a:noFill/>
-        </p:spPr>
-        <p:txBody>
-          <a:bodyPr wrap="none" rtlCol="0">
-            <a:spAutoFit/>
-          </a:bodyPr>
-          <a:lstStyle/>
-          <a:p>
-            <a:pPr algn="ctr"/>
-            <a:r>
-              <a:rPr lang="de-DE" dirty="0"/>
-              <a:t>Registered</a:t>
-            </a:r>
-          </a:p>
-          <a:p>
-            <a:pPr algn="ctr"/>
-            <a:r>
-              <a:rPr lang="de-DE" dirty="0"/>
-              <a:t>Report</a:t>
-            </a:r>
-          </a:p>
-        </p:txBody>
-      </p:sp>
-      <p:sp>
-        <p:nvSpPr>
-          <p:cNvPr id="14" name="Textfeld 13">
-            <a:extLst>
-              <a:ext uri="{FF2B5EF4-FFF2-40B4-BE49-F238E27FC236}">
-                <a16:creationId xmlns:a16="http://schemas.microsoft.com/office/drawing/2014/main" id="{2E4657E5-A83B-4BEA-853D-D7C4958C794C}"/>
-              </a:ext>
-            </a:extLst>
-          </p:cNvPr>
-          <p:cNvSpPr txBox="1"/>
-          <p:nvPr/>
-        </p:nvSpPr>
-        <p:spPr>
-          <a:xfrm>
-            <a:off x="713440" y="4543461"/>
-            <a:ext cx="805029" cy="369332"/>
-          </a:xfrm>
-          <a:prstGeom prst="rect">
-            <a:avLst/>
-          </a:prstGeom>
-          <a:noFill/>
-        </p:spPr>
-        <p:txBody>
-          <a:bodyPr wrap="none" rtlCol="0">
-            <a:spAutoFit/>
-          </a:bodyPr>
-          <a:lstStyle/>
-          <a:p>
-            <a:pPr algn="ctr"/>
-            <a:r>
-              <a:rPr lang="de-DE" dirty="0"/>
-              <a:t>PCI-RR</a:t>
-            </a:r>
-          </a:p>
-        </p:txBody>
-      </p:sp>
-      <p:sp>
-        <p:nvSpPr>
-          <p:cNvPr id="15" name="Rechteck 14">
-            <a:extLst>
-              <a:ext uri="{FF2B5EF4-FFF2-40B4-BE49-F238E27FC236}">
-                <a16:creationId xmlns:a16="http://schemas.microsoft.com/office/drawing/2014/main" id="{A386BF6C-38E7-49AE-8F81-C25647EA4430}"/>
-              </a:ext>
-            </a:extLst>
-          </p:cNvPr>
-          <p:cNvSpPr/>
-          <p:nvPr/>
-        </p:nvSpPr>
-        <p:spPr>
-          <a:xfrm>
-            <a:off x="10083111" y="2051221"/>
-            <a:ext cx="1400434" cy="774357"/>
-          </a:xfrm>
-          <a:prstGeom prst="rect">
-            <a:avLst/>
-          </a:prstGeom>
-          <a:solidFill>
-            <a:schemeClr val="bg1">
-              <a:lumMod val="95000"/>
-            </a:schemeClr>
-          </a:solidFill>
-          <a:ln>
-            <a:solidFill>
-              <a:schemeClr val="tx1"/>
-            </a:solidFill>
-          </a:ln>
-        </p:spPr>
-        <p:style>
-          <a:lnRef idx="2">
-            <a:schemeClr val="accent1">
-              <a:shade val="50000"/>
-            </a:schemeClr>
-          </a:lnRef>
-          <a:fillRef idx="1">
-            <a:schemeClr val="accent1"/>
-          </a:fillRef>
-          <a:effectRef idx="0">
-            <a:schemeClr val="accent1"/>
-          </a:effectRef>
-          <a:fontRef idx="minor">
-            <a:schemeClr val="lt1"/>
-          </a:fontRef>
-        </p:style>
-        <p:txBody>
-          <a:bodyPr rtlCol="0" anchor="ctr"/>
-          <a:lstStyle/>
-          <a:p>
-            <a:pPr algn="ctr"/>
-            <a:r>
-              <a:rPr lang="de-DE" dirty="0" err="1">
-                <a:solidFill>
-                  <a:sysClr val="windowText" lastClr="000000"/>
-                </a:solidFill>
-              </a:rPr>
-              <a:t>Veröffent-lichung</a:t>
-            </a:r>
-            <a:endParaRPr lang="de-DE" dirty="0">
-              <a:solidFill>
-                <a:sysClr val="windowText" lastClr="000000"/>
-              </a:solidFill>
-            </a:endParaRPr>
-          </a:p>
-        </p:txBody>
-      </p:sp>
-      <p:sp>
-        <p:nvSpPr>
-          <p:cNvPr id="16" name="Rechteck 15">
-            <a:extLst>
-              <a:ext uri="{FF2B5EF4-FFF2-40B4-BE49-F238E27FC236}">
-                <a16:creationId xmlns:a16="http://schemas.microsoft.com/office/drawing/2014/main" id="{E511182D-5419-4BD1-98B3-BF78432F4B49}"/>
-              </a:ext>
-            </a:extLst>
-          </p:cNvPr>
-          <p:cNvSpPr/>
-          <p:nvPr/>
-        </p:nvSpPr>
-        <p:spPr>
-          <a:xfrm>
-            <a:off x="2586681" y="3163286"/>
-            <a:ext cx="1400434" cy="774357"/>
-          </a:xfrm>
-          <a:prstGeom prst="rect">
-            <a:avLst/>
-          </a:prstGeom>
-          <a:solidFill>
-            <a:schemeClr val="bg1">
-              <a:lumMod val="95000"/>
-            </a:schemeClr>
-          </a:solidFill>
-          <a:ln>
-            <a:solidFill>
-              <a:schemeClr val="tx1"/>
-            </a:solidFill>
-          </a:ln>
-        </p:spPr>
-        <p:style>
-          <a:lnRef idx="2">
-            <a:schemeClr val="accent1">
-              <a:shade val="50000"/>
-            </a:schemeClr>
-          </a:lnRef>
-          <a:fillRef idx="1">
-            <a:schemeClr val="accent1"/>
-          </a:fillRef>
-          <a:effectRef idx="0">
-            <a:schemeClr val="accent1"/>
-          </a:effectRef>
-          <a:fontRef idx="minor">
-            <a:schemeClr val="lt1"/>
-          </a:fontRef>
-        </p:style>
-        <p:txBody>
-          <a:bodyPr rtlCol="0" anchor="ctr"/>
-          <a:lstStyle/>
-          <a:p>
-            <a:pPr algn="ctr"/>
-            <a:r>
-              <a:rPr lang="de-DE" dirty="0">
-                <a:solidFill>
-                  <a:sysClr val="windowText" lastClr="000000"/>
-                </a:solidFill>
-              </a:rPr>
-              <a:t>Studie planen</a:t>
-            </a:r>
-          </a:p>
-        </p:txBody>
-      </p:sp>
-      <p:sp>
-        <p:nvSpPr>
-          <p:cNvPr id="17" name="Rechteck 16">
-            <a:extLst>
-              <a:ext uri="{FF2B5EF4-FFF2-40B4-BE49-F238E27FC236}">
-                <a16:creationId xmlns:a16="http://schemas.microsoft.com/office/drawing/2014/main" id="{800F6E8A-BBC6-4742-BE4A-D765FBCC5A00}"/>
-              </a:ext>
-            </a:extLst>
-          </p:cNvPr>
-          <p:cNvSpPr/>
-          <p:nvPr/>
-        </p:nvSpPr>
-        <p:spPr>
-          <a:xfrm>
-            <a:off x="5585253" y="3163286"/>
-            <a:ext cx="1400434" cy="774357"/>
-          </a:xfrm>
-          <a:prstGeom prst="rect">
-            <a:avLst/>
-          </a:prstGeom>
-          <a:solidFill>
-            <a:schemeClr val="bg1">
-              <a:lumMod val="95000"/>
-            </a:schemeClr>
-          </a:solidFill>
-          <a:ln>
-            <a:solidFill>
-              <a:schemeClr val="tx1"/>
-            </a:solidFill>
-          </a:ln>
-        </p:spPr>
-        <p:style>
-          <a:lnRef idx="2">
-            <a:schemeClr val="accent1">
-              <a:shade val="50000"/>
-            </a:schemeClr>
-          </a:lnRef>
-          <a:fillRef idx="1">
-            <a:schemeClr val="accent1"/>
-          </a:fillRef>
-          <a:effectRef idx="0">
-            <a:schemeClr val="accent1"/>
-          </a:effectRef>
-          <a:fontRef idx="minor">
-            <a:schemeClr val="lt1"/>
-          </a:fontRef>
-        </p:style>
-        <p:txBody>
-          <a:bodyPr rtlCol="0" anchor="ctr"/>
-          <a:lstStyle/>
-          <a:p>
-            <a:pPr algn="ctr"/>
-            <a:r>
-              <a:rPr lang="de-DE" dirty="0">
-                <a:solidFill>
-                  <a:sysClr val="windowText" lastClr="000000"/>
-                </a:solidFill>
-              </a:rPr>
-              <a:t>Studie durchführen</a:t>
-            </a:r>
-          </a:p>
-        </p:txBody>
-      </p:sp>
-      <p:sp>
-        <p:nvSpPr>
-          <p:cNvPr id="18" name="Rechteck 17">
-            <a:extLst>
-              <a:ext uri="{FF2B5EF4-FFF2-40B4-BE49-F238E27FC236}">
-                <a16:creationId xmlns:a16="http://schemas.microsoft.com/office/drawing/2014/main" id="{996136F8-4196-49E5-905E-A2CBE2816713}"/>
-              </a:ext>
-            </a:extLst>
-          </p:cNvPr>
-          <p:cNvSpPr/>
-          <p:nvPr/>
-        </p:nvSpPr>
-        <p:spPr>
-          <a:xfrm>
-            <a:off x="7084539" y="3163286"/>
-            <a:ext cx="1400434" cy="774357"/>
-          </a:xfrm>
-          <a:prstGeom prst="rect">
-            <a:avLst/>
-          </a:prstGeom>
-          <a:solidFill>
-            <a:schemeClr val="bg1">
-              <a:lumMod val="95000"/>
-            </a:schemeClr>
-          </a:solidFill>
-          <a:ln>
-            <a:solidFill>
-              <a:schemeClr val="tx1"/>
-            </a:solidFill>
-          </a:ln>
-        </p:spPr>
-        <p:style>
-          <a:lnRef idx="2">
-            <a:schemeClr val="accent1">
-              <a:shade val="50000"/>
-            </a:schemeClr>
-          </a:lnRef>
-          <a:fillRef idx="1">
-            <a:schemeClr val="accent1"/>
-          </a:fillRef>
-          <a:effectRef idx="0">
-            <a:schemeClr val="accent1"/>
-          </a:effectRef>
-          <a:fontRef idx="minor">
-            <a:schemeClr val="lt1"/>
-          </a:fontRef>
-        </p:style>
-        <p:txBody>
-          <a:bodyPr rtlCol="0" anchor="ctr"/>
-          <a:lstStyle/>
-          <a:p>
-            <a:pPr algn="ctr"/>
-            <a:r>
-              <a:rPr lang="de-DE" dirty="0">
-                <a:solidFill>
-                  <a:sysClr val="windowText" lastClr="000000"/>
-                </a:solidFill>
-              </a:rPr>
-              <a:t>Bericht erstellen</a:t>
-            </a:r>
-          </a:p>
-        </p:txBody>
-      </p:sp>
-      <p:sp>
-        <p:nvSpPr>
-          <p:cNvPr id="19" name="Rechteck 18">
-            <a:extLst>
-              <a:ext uri="{FF2B5EF4-FFF2-40B4-BE49-F238E27FC236}">
-                <a16:creationId xmlns:a16="http://schemas.microsoft.com/office/drawing/2014/main" id="{3C805B3A-CD12-4760-B90D-5D4DEBE5B1A9}"/>
-              </a:ext>
-            </a:extLst>
-          </p:cNvPr>
-          <p:cNvSpPr/>
-          <p:nvPr/>
-        </p:nvSpPr>
-        <p:spPr>
-          <a:xfrm>
-            <a:off x="8583825" y="3163286"/>
-            <a:ext cx="1400434" cy="774357"/>
-          </a:xfrm>
-          <a:prstGeom prst="rect">
-            <a:avLst/>
-          </a:prstGeom>
-          <a:solidFill>
-            <a:srgbClr val="C00000"/>
-          </a:solidFill>
-          <a:ln>
-            <a:solidFill>
-              <a:schemeClr val="tx1"/>
-            </a:solidFill>
-          </a:ln>
-        </p:spPr>
-        <p:style>
-          <a:lnRef idx="2">
-            <a:schemeClr val="accent1">
-              <a:shade val="50000"/>
-            </a:schemeClr>
-          </a:lnRef>
-          <a:fillRef idx="1">
-            <a:schemeClr val="accent1"/>
-          </a:fillRef>
-          <a:effectRef idx="0">
-            <a:schemeClr val="accent1"/>
-          </a:effectRef>
-          <a:fontRef idx="minor">
-            <a:schemeClr val="lt1"/>
-          </a:fontRef>
-        </p:style>
-        <p:txBody>
-          <a:bodyPr rtlCol="0" anchor="ctr"/>
-          <a:lstStyle/>
-          <a:p>
-            <a:pPr algn="ctr"/>
-            <a:r>
-              <a:rPr lang="de-DE" dirty="0"/>
-              <a:t>Peer Review</a:t>
-            </a:r>
-          </a:p>
-        </p:txBody>
-      </p:sp>
-      <p:sp>
-        <p:nvSpPr>
-          <p:cNvPr id="20" name="Rechteck 19">
-            <a:extLst>
-              <a:ext uri="{FF2B5EF4-FFF2-40B4-BE49-F238E27FC236}">
-                <a16:creationId xmlns:a16="http://schemas.microsoft.com/office/drawing/2014/main" id="{9C98604F-95DD-4CF0-B1B1-7A812D0FDB08}"/>
-              </a:ext>
-            </a:extLst>
-          </p:cNvPr>
-          <p:cNvSpPr/>
-          <p:nvPr/>
-        </p:nvSpPr>
-        <p:spPr>
-          <a:xfrm>
-            <a:off x="10083111" y="3163286"/>
-            <a:ext cx="1400434" cy="774357"/>
-          </a:xfrm>
-          <a:prstGeom prst="rect">
-            <a:avLst/>
-          </a:prstGeom>
-          <a:solidFill>
-            <a:schemeClr val="bg1">
-              <a:lumMod val="95000"/>
-            </a:schemeClr>
-          </a:solidFill>
-          <a:ln>
-            <a:solidFill>
-              <a:schemeClr val="tx1"/>
-            </a:solidFill>
-          </a:ln>
-        </p:spPr>
-        <p:style>
-          <a:lnRef idx="2">
-            <a:schemeClr val="accent1">
-              <a:shade val="50000"/>
-            </a:schemeClr>
-          </a:lnRef>
-          <a:fillRef idx="1">
-            <a:schemeClr val="accent1"/>
-          </a:fillRef>
-          <a:effectRef idx="0">
-            <a:schemeClr val="accent1"/>
-          </a:effectRef>
-          <a:fontRef idx="minor">
-            <a:schemeClr val="lt1"/>
-          </a:fontRef>
-        </p:style>
-        <p:txBody>
-          <a:bodyPr rtlCol="0" anchor="ctr"/>
-          <a:lstStyle/>
-          <a:p>
-            <a:pPr algn="ctr"/>
-            <a:r>
-              <a:rPr lang="de-DE" dirty="0" err="1">
-                <a:solidFill>
-                  <a:sysClr val="windowText" lastClr="000000"/>
-                </a:solidFill>
-              </a:rPr>
-              <a:t>Veröffent-lichung</a:t>
-            </a:r>
-            <a:endParaRPr lang="de-DE" dirty="0">
-              <a:solidFill>
-                <a:sysClr val="windowText" lastClr="000000"/>
-              </a:solidFill>
-            </a:endParaRPr>
-          </a:p>
-        </p:txBody>
-      </p:sp>
-      <p:sp>
-        <p:nvSpPr>
-          <p:cNvPr id="21" name="Rechteck 20">
-            <a:extLst>
-              <a:ext uri="{FF2B5EF4-FFF2-40B4-BE49-F238E27FC236}">
-                <a16:creationId xmlns:a16="http://schemas.microsoft.com/office/drawing/2014/main" id="{BCC18E3F-D36A-4ACE-9852-E35A0C6F31D5}"/>
-              </a:ext>
-            </a:extLst>
-          </p:cNvPr>
-          <p:cNvSpPr/>
-          <p:nvPr/>
-        </p:nvSpPr>
-        <p:spPr>
-          <a:xfrm>
-            <a:off x="4085967" y="3163286"/>
-            <a:ext cx="1400434" cy="774357"/>
-          </a:xfrm>
-          <a:prstGeom prst="rect">
-            <a:avLst/>
-          </a:prstGeom>
-          <a:solidFill>
-            <a:srgbClr val="C00000"/>
-          </a:solidFill>
-          <a:ln>
-            <a:solidFill>
-              <a:schemeClr val="tx1"/>
-            </a:solidFill>
-          </a:ln>
-        </p:spPr>
-        <p:style>
-          <a:lnRef idx="2">
-            <a:schemeClr val="accent1">
-              <a:shade val="50000"/>
-            </a:schemeClr>
-          </a:lnRef>
-          <a:fillRef idx="1">
-            <a:schemeClr val="accent1"/>
-          </a:fillRef>
-          <a:effectRef idx="0">
-            <a:schemeClr val="accent1"/>
-          </a:effectRef>
-          <a:fontRef idx="minor">
-            <a:schemeClr val="lt1"/>
-          </a:fontRef>
-        </p:style>
-        <p:txBody>
-          <a:bodyPr rtlCol="0" anchor="ctr"/>
-          <a:lstStyle/>
-          <a:p>
-            <a:pPr algn="ctr"/>
-            <a:r>
-              <a:rPr lang="de-DE" dirty="0"/>
-              <a:t>Peer Review</a:t>
-            </a:r>
-          </a:p>
-        </p:txBody>
-      </p:sp>
-      <p:pic>
-        <p:nvPicPr>
-          <p:cNvPr id="3" name="Grafik 2">
-            <a:extLst>
-              <a:ext uri="{FF2B5EF4-FFF2-40B4-BE49-F238E27FC236}">
-                <a16:creationId xmlns:a16="http://schemas.microsoft.com/office/drawing/2014/main" id="{3BF050FA-C6D5-4718-874C-4F76864DFF37}"/>
-              </a:ext>
-            </a:extLst>
-          </p:cNvPr>
-          <p:cNvPicPr>
-            <a:picLocks noChangeAspect="1"/>
-          </p:cNvPicPr>
-          <p:nvPr/>
-        </p:nvPicPr>
-        <p:blipFill>
-          <a:blip r:embed="rId2"/>
-          <a:stretch>
-            <a:fillRect/>
-          </a:stretch>
-        </p:blipFill>
-        <p:spPr>
-          <a:xfrm>
-            <a:off x="1703166" y="4543461"/>
-            <a:ext cx="11394412" cy="1944793"/>
-          </a:xfrm>
-          <a:prstGeom prst="rect">
-            <a:avLst/>
-          </a:prstGeom>
-        </p:spPr>
-      </p:pic>
-    </p:spTree>
-    <p:extLst>
-      <p:ext uri="{BB962C8B-B14F-4D97-AF65-F5344CB8AC3E}">
-        <p14:creationId xmlns:p14="http://schemas.microsoft.com/office/powerpoint/2010/main" val="497198855"/>
-      </p:ext>
-    </p:extLst>
-  </p:cSld>
-  <p:clrMapOvr>
-    <a:masterClrMapping/>
-  </p:clrMapOvr>
-</p:sld>
-</file>
-
 <file path=ppt/theme/theme1.xml><?xml version="1.0" encoding="utf-8"?>
 <a:theme xmlns:a="http://schemas.openxmlformats.org/drawingml/2006/main" name="Office">
   <a:themeElements>

--- a/images/Abbildungen-01.pptx
+++ b/images/Abbildungen-01.pptx
@@ -2606,7 +2606,7 @@
         <a:lstStyle/>
         <a:p>
           <a:pPr>
-            <a:buFontTx/>
+            <a:buFont typeface="Symbol" panose="05050102010706020507" pitchFamily="18" charset="2"/>
             <a:buChar char="-"/>
           </a:pPr>
           <a:r>
@@ -2684,7 +2684,7 @@
         <a:lstStyle/>
         <a:p>
           <a:pPr>
-            <a:buFontTx/>
+            <a:buFont typeface="Symbol" panose="05050102010706020507" pitchFamily="18" charset="2"/>
             <a:buChar char="-"/>
           </a:pPr>
           <a:r>
@@ -2762,16 +2762,12 @@
         <a:lstStyle/>
         <a:p>
           <a:pPr>
-            <a:buFontTx/>
+            <a:buFont typeface="Symbol" panose="05050102010706020507" pitchFamily="18" charset="2"/>
             <a:buChar char="-"/>
           </a:pPr>
           <a:r>
             <a:rPr lang="de-DE" dirty="0"/>
-            <a:t>Befunde werden nur als informativ gewertet, wenn sie „</a:t>
-          </a:r>
-          <a:r>
-            <a:rPr lang="de-DE"/>
-            <a:t>statistisch signifikant“ sind</a:t>
+            <a:t>Befunde werden nur als informativ gewertet, wenn sie „statistisch signifikant“ sind</a:t>
           </a:r>
           <a:endParaRPr lang="en-US" dirty="0"/>
         </a:p>
@@ -2844,7 +2840,7 @@
         <a:lstStyle/>
         <a:p>
           <a:r>
-            <a:rPr lang="de-DE"/>
+            <a:rPr lang="de-DE" dirty="0"/>
             <a:t>Replikations-fehlschläge</a:t>
           </a:r>
           <a:endParaRPr lang="en-US" dirty="0"/>
@@ -2881,11 +2877,11 @@
         <a:lstStyle/>
         <a:p>
           <a:pPr>
-            <a:buFontTx/>
+            <a:buFont typeface="Symbol" panose="05050102010706020507" pitchFamily="18" charset="2"/>
             <a:buChar char="-"/>
           </a:pPr>
           <a:r>
-            <a:rPr lang="de-DE"/>
+            <a:rPr lang="de-DE" dirty="0"/>
             <a:t>Publikationen als Währung für unbefristete Stellen und Forschungsgelder</a:t>
           </a:r>
           <a:endParaRPr lang="en-US" dirty="0"/>
@@ -2922,7 +2918,7 @@
         <a:lstStyle/>
         <a:p>
           <a:pPr>
-            <a:buFontTx/>
+            <a:buFont typeface="Symbol" panose="05050102010706020507" pitchFamily="18" charset="2"/>
             <a:buChar char="-"/>
           </a:pPr>
           <a:r>
@@ -2963,7 +2959,7 @@
         <a:lstStyle/>
         <a:p>
           <a:pPr>
-            <a:buFontTx/>
+            <a:buFont typeface="Symbol" panose="05050102010706020507" pitchFamily="18" charset="2"/>
             <a:buChar char="-"/>
           </a:pPr>
           <a:r>
@@ -3004,11 +3000,11 @@
         <a:lstStyle/>
         <a:p>
           <a:pPr>
-            <a:buFontTx/>
+            <a:buFont typeface="Symbol" panose="05050102010706020507" pitchFamily="18" charset="2"/>
             <a:buChar char="-"/>
           </a:pPr>
           <a:r>
-            <a:rPr lang="de-DE"/>
+            <a:rPr lang="de-DE" dirty="0"/>
             <a:t>Kontraintuitiv?</a:t>
           </a:r>
           <a:endParaRPr lang="en-US" dirty="0"/>
@@ -3045,7 +3041,7 @@
         <a:lstStyle/>
         <a:p>
           <a:pPr>
-            <a:buFontTx/>
+            <a:buFont typeface="Symbol" panose="05050102010706020507" pitchFamily="18" charset="2"/>
             <a:buChar char="-"/>
           </a:pPr>
           <a:r>
@@ -3086,7 +3082,7 @@
         <a:lstStyle/>
         <a:p>
           <a:pPr>
-            <a:buFontTx/>
+            <a:buFont typeface="Symbol" panose="05050102010706020507" pitchFamily="18" charset="2"/>
             <a:buChar char="-"/>
           </a:pPr>
           <a:r>
@@ -3119,7 +3115,7 @@
         </a:p>
       </dgm:t>
     </dgm:pt>
-    <dgm:pt modelId="{AA4065AC-23E3-420C-9902-846626D3C99E}">
+    <dgm:pt modelId="{451C8ECD-F899-4724-8C2F-695CC77092A1}">
       <dgm:prSet phldrT="[Text]"/>
       <dgm:spPr/>
       <dgm:t>
@@ -3127,18 +3123,18 @@
         <a:lstStyle/>
         <a:p>
           <a:pPr>
-            <a:buFontTx/>
+            <a:buFont typeface="Symbol" panose="05050102010706020507" pitchFamily="18" charset="2"/>
             <a:buChar char="-"/>
           </a:pPr>
           <a:r>
-            <a:rPr lang="de-DE"/>
-            <a:t>Replikationsrate in vielen Disziplinen noch ungewiss</a:t>
+            <a:rPr lang="de-DE" dirty="0"/>
+            <a:t>50% aller Befunde lassen sich nicht replizieren</a:t>
           </a:r>
           <a:endParaRPr lang="en-US" dirty="0"/>
         </a:p>
       </dgm:t>
     </dgm:pt>
-    <dgm:pt modelId="{955B018C-BE8D-48A0-8016-23B2A4731F32}" type="parTrans" cxnId="{E69EF03D-256B-4268-829B-DD94123E03E5}">
+    <dgm:pt modelId="{1EAB2D64-15FE-4868-9D48-8966FD1BC791}" type="parTrans" cxnId="{46D305CF-82E1-4B7A-AEC3-F17A37523D60}">
       <dgm:prSet/>
       <dgm:spPr/>
       <dgm:t>
@@ -3149,7 +3145,7 @@
         </a:p>
       </dgm:t>
     </dgm:pt>
-    <dgm:pt modelId="{2FEC25C7-C083-4D08-AF3A-296B4E1B5443}" type="sibTrans" cxnId="{E69EF03D-256B-4268-829B-DD94123E03E5}">
+    <dgm:pt modelId="{CA347258-FE8E-46BF-B43F-984A480BB5D9}" type="sibTrans" cxnId="{46D305CF-82E1-4B7A-AEC3-F17A37523D60}">
       <dgm:prSet/>
       <dgm:spPr/>
       <dgm:t>
@@ -3160,7 +3156,7 @@
         </a:p>
       </dgm:t>
     </dgm:pt>
-    <dgm:pt modelId="{379A93BC-C9FE-4200-9D73-E1EBE9BFE18C}">
+    <dgm:pt modelId="{5ADA007B-C279-4579-92A2-C35372C4D62E}">
       <dgm:prSet phldrT="[Text]"/>
       <dgm:spPr/>
       <dgm:t>
@@ -3168,7 +3164,48 @@
         <a:lstStyle/>
         <a:p>
           <a:pPr>
-            <a:buFontTx/>
+            <a:buFont typeface="Symbol" panose="05050102010706020507" pitchFamily="18" charset="2"/>
+            <a:buChar char="-"/>
+          </a:pPr>
+          <a:r>
+            <a:rPr lang="de-DE" dirty="0"/>
+            <a:t>Replikationsrate in vielen Disziplinen noch ungewiss</a:t>
+          </a:r>
+          <a:endParaRPr lang="en-US" dirty="0"/>
+        </a:p>
+      </dgm:t>
+    </dgm:pt>
+    <dgm:pt modelId="{DA558125-3748-4FD3-ABA2-CD6264FA3DCA}" type="parTrans" cxnId="{2B10E243-4014-4EA6-9BC5-6A7F837A07B0}">
+      <dgm:prSet/>
+      <dgm:spPr/>
+      <dgm:t>
+        <a:bodyPr/>
+        <a:lstStyle/>
+        <a:p>
+          <a:endParaRPr lang="en-US"/>
+        </a:p>
+      </dgm:t>
+    </dgm:pt>
+    <dgm:pt modelId="{168C8E3E-0E6D-4C85-A485-D26C44A69A64}" type="sibTrans" cxnId="{2B10E243-4014-4EA6-9BC5-6A7F837A07B0}">
+      <dgm:prSet/>
+      <dgm:spPr/>
+      <dgm:t>
+        <a:bodyPr/>
+        <a:lstStyle/>
+        <a:p>
+          <a:endParaRPr lang="en-US"/>
+        </a:p>
+      </dgm:t>
+    </dgm:pt>
+    <dgm:pt modelId="{EC82EF55-1152-45BD-A68D-B1B1CF5F7F8C}">
+      <dgm:prSet phldrT="[Text]"/>
+      <dgm:spPr/>
+      <dgm:t>
+        <a:bodyPr/>
+        <a:lstStyle/>
+        <a:p>
+          <a:pPr>
+            <a:buFont typeface="Symbol" panose="05050102010706020507" pitchFamily="18" charset="2"/>
             <a:buChar char="-"/>
           </a:pPr>
           <a:r>
@@ -3179,7 +3216,7 @@
         </a:p>
       </dgm:t>
     </dgm:pt>
-    <dgm:pt modelId="{9E929952-2B0B-47B8-ADDA-DD928E43229D}" type="parTrans" cxnId="{08A6F247-FC2A-4C49-913B-5CBE17214EE6}">
+    <dgm:pt modelId="{0EBF670A-137B-4008-B852-7817B4B37821}" type="parTrans" cxnId="{F41CA405-8698-4DE5-A728-A997400C4C14}">
       <dgm:prSet/>
       <dgm:spPr/>
       <dgm:t>
@@ -3190,44 +3227,7 @@
         </a:p>
       </dgm:t>
     </dgm:pt>
-    <dgm:pt modelId="{155E5FF3-EC01-4A99-853E-0DA55D4B2435}" type="sibTrans" cxnId="{08A6F247-FC2A-4C49-913B-5CBE17214EE6}">
-      <dgm:prSet/>
-      <dgm:spPr/>
-      <dgm:t>
-        <a:bodyPr/>
-        <a:lstStyle/>
-        <a:p>
-          <a:endParaRPr lang="en-US"/>
-        </a:p>
-      </dgm:t>
-    </dgm:pt>
-    <dgm:pt modelId="{A3D417DE-AAB5-4289-9709-B6944AE8CB72}">
-      <dgm:prSet phldrT="[Text]"/>
-      <dgm:spPr/>
-      <dgm:t>
-        <a:bodyPr/>
-        <a:lstStyle/>
-        <a:p>
-          <a:r>
-            <a:rPr lang="de-DE"/>
-            <a:t>50% aller Befunde lassen sich nicht replizieren</a:t>
-          </a:r>
-          <a:endParaRPr lang="en-US" dirty="0"/>
-        </a:p>
-      </dgm:t>
-    </dgm:pt>
-    <dgm:pt modelId="{04E98F56-876A-4693-A7B6-F6CB2A611E49}" type="parTrans" cxnId="{7E6A8A37-2236-4D9E-8CA7-562B034C5D8F}">
-      <dgm:prSet/>
-      <dgm:spPr/>
-      <dgm:t>
-        <a:bodyPr/>
-        <a:lstStyle/>
-        <a:p>
-          <a:endParaRPr lang="en-US"/>
-        </a:p>
-      </dgm:t>
-    </dgm:pt>
-    <dgm:pt modelId="{844A1DC9-902E-4D6F-A349-7876B6264830}" type="sibTrans" cxnId="{7E6A8A37-2236-4D9E-8CA7-562B034C5D8F}">
+    <dgm:pt modelId="{10019504-3FC1-455D-AE39-64CB78B1AA9C}" type="sibTrans" cxnId="{F41CA405-8698-4DE5-A728-A997400C4C14}">
       <dgm:prSet/>
       <dgm:spPr/>
       <dgm:t>
@@ -3412,21 +3412,19 @@
     </dgm:pt>
   </dgm:ptLst>
   <dgm:cxnLst>
+    <dgm:cxn modelId="{F41CA405-8698-4DE5-A728-A997400C4C14}" srcId="{3F1C2F36-5EE7-4A35-828D-F4E48701BB69}" destId="{EC82EF55-1152-45BD-A68D-B1B1CF5F7F8C}" srcOrd="2" destOrd="0" parTransId="{0EBF670A-137B-4008-B852-7817B4B37821}" sibTransId="{10019504-3FC1-455D-AE39-64CB78B1AA9C}"/>
     <dgm:cxn modelId="{194D580A-C71F-40C4-998D-3E6782B25F7B}" srcId="{99640742-D67B-48F8-9704-AFEDFBF73D61}" destId="{8F1B4071-1F5B-4154-950D-94A13A9C7EB7}" srcOrd="1" destOrd="0" parTransId="{6294CC99-6C44-4FDB-AB60-E78695A58939}" sibTransId="{3B8CF91C-AB3F-479F-9ABC-4AF48D601022}"/>
     <dgm:cxn modelId="{14264612-CC76-4B30-81D8-3DB1E8831DFA}" type="presOf" srcId="{099FCC4D-502B-49B1-8619-B6E25AD67A0C}" destId="{ED166344-FE82-4437-BD74-E580A3B831A2}" srcOrd="1" destOrd="0" presId="urn:microsoft.com/office/officeart/2005/8/layout/process3"/>
     <dgm:cxn modelId="{F176F912-0109-4C57-BD74-F41D2CD8D9FD}" type="presOf" srcId="{1880F29C-6763-46F5-9814-D064E95C3D4A}" destId="{47BB3BCA-E316-4503-BDC5-A552C4F9DA6A}" srcOrd="0" destOrd="0" presId="urn:microsoft.com/office/officeart/2005/8/layout/process3"/>
     <dgm:cxn modelId="{370AF916-3D28-4816-AD62-75D55267F72A}" srcId="{69809639-85E5-4BC9-B3D4-510DD612DB3A}" destId="{CCED31AF-E5E0-4774-8B34-7C5AE4D47611}" srcOrd="1" destOrd="0" parTransId="{29708EDD-3F7E-45F8-8E0B-BE9550848598}" sibTransId="{099FCC4D-502B-49B1-8619-B6E25AD67A0C}"/>
-    <dgm:cxn modelId="{09083B28-329C-48FD-8743-A1DF2DD80768}" type="presOf" srcId="{379A93BC-C9FE-4200-9D73-E1EBE9BFE18C}" destId="{958A38CB-E9F2-45AA-9213-82E6862D7972}" srcOrd="0" destOrd="2" presId="urn:microsoft.com/office/officeart/2005/8/layout/process3"/>
     <dgm:cxn modelId="{638B892C-5EB4-407A-8A53-6B0D3303B3F4}" srcId="{69809639-85E5-4BC9-B3D4-510DD612DB3A}" destId="{3F1C2F36-5EE7-4A35-828D-F4E48701BB69}" srcOrd="4" destOrd="0" parTransId="{A1BA6975-6B2A-404A-91A7-95A716FDA187}" sibTransId="{8DA01F51-FCA7-4B84-85F9-E12C4793181B}"/>
-    <dgm:cxn modelId="{7E6A8A37-2236-4D9E-8CA7-562B034C5D8F}" srcId="{3F1C2F36-5EE7-4A35-828D-F4E48701BB69}" destId="{A3D417DE-AAB5-4289-9709-B6944AE8CB72}" srcOrd="0" destOrd="0" parTransId="{04E98F56-876A-4693-A7B6-F6CB2A611E49}" sibTransId="{844A1DC9-902E-4D6F-A349-7876B6264830}"/>
-    <dgm:cxn modelId="{E69EF03D-256B-4268-829B-DD94123E03E5}" srcId="{3F1C2F36-5EE7-4A35-828D-F4E48701BB69}" destId="{AA4065AC-23E3-420C-9902-846626D3C99E}" srcOrd="1" destOrd="0" parTransId="{955B018C-BE8D-48A0-8016-23B2A4731F32}" sibTransId="{2FEC25C7-C083-4D08-AF3A-296B4E1B5443}"/>
     <dgm:cxn modelId="{0C8A4060-6C76-4DA0-82E6-472221C8971E}" type="presOf" srcId="{574EDD72-2EBE-426D-85DC-25B136F92ACF}" destId="{6E1007A0-F3BF-4776-9074-529AB46FAA13}" srcOrd="0" destOrd="0" presId="urn:microsoft.com/office/officeart/2005/8/layout/process3"/>
     <dgm:cxn modelId="{0F333E61-8E3B-47BE-84A5-379496F19CA2}" type="presOf" srcId="{C0CA77E9-2978-4E5C-B8C7-02F66A6C2454}" destId="{B257A734-08FB-4F1D-9C20-5E6254F9586E}" srcOrd="1" destOrd="0" presId="urn:microsoft.com/office/officeart/2005/8/layout/process3"/>
     <dgm:cxn modelId="{D0EDA742-DFE0-4881-9816-9FD96F7DB61D}" srcId="{D341F5D4-54B3-4C14-9A22-1857694437DA}" destId="{1880F29C-6763-46F5-9814-D064E95C3D4A}" srcOrd="0" destOrd="0" parTransId="{024C8B7D-02B8-468F-89FD-FA7D81AED13E}" sibTransId="{F61C6534-0010-41E4-AFDC-56EB2A17790B}"/>
     <dgm:cxn modelId="{0D81A443-1CD4-4999-88A9-CD449A80EE2D}" type="presOf" srcId="{574EDD72-2EBE-426D-85DC-25B136F92ACF}" destId="{243803EA-FA79-4136-83B1-B467FD8E0C96}" srcOrd="1" destOrd="0" presId="urn:microsoft.com/office/officeart/2005/8/layout/process3"/>
+    <dgm:cxn modelId="{2B10E243-4014-4EA6-9BC5-6A7F837A07B0}" srcId="{3F1C2F36-5EE7-4A35-828D-F4E48701BB69}" destId="{5ADA007B-C279-4579-92A2-C35372C4D62E}" srcOrd="1" destOrd="0" parTransId="{DA558125-3748-4FD3-ABA2-CD6264FA3DCA}" sibTransId="{168C8E3E-0E6D-4C85-A485-D26C44A69A64}"/>
     <dgm:cxn modelId="{04773444-9E80-41D2-A124-54BFFC1554DC}" type="presOf" srcId="{99640742-D67B-48F8-9704-AFEDFBF73D61}" destId="{41A2E78A-ADEA-465E-A32E-DF95075B50DF}" srcOrd="1" destOrd="0" presId="urn:microsoft.com/office/officeart/2005/8/layout/process3"/>
     <dgm:cxn modelId="{B33EA167-30F3-4E29-BA41-9DFD9CCBB007}" srcId="{69809639-85E5-4BC9-B3D4-510DD612DB3A}" destId="{99640742-D67B-48F8-9704-AFEDFBF73D61}" srcOrd="0" destOrd="0" parTransId="{3A07493F-8DB3-4ED2-AC24-2B66FF673A07}" sibTransId="{574EDD72-2EBE-426D-85DC-25B136F92ACF}"/>
-    <dgm:cxn modelId="{08A6F247-FC2A-4C49-913B-5CBE17214EE6}" srcId="{3F1C2F36-5EE7-4A35-828D-F4E48701BB69}" destId="{379A93BC-C9FE-4200-9D73-E1EBE9BFE18C}" srcOrd="2" destOrd="0" parTransId="{9E929952-2B0B-47B8-ADDA-DD928E43229D}" sibTransId="{155E5FF3-EC01-4A99-853E-0DA55D4B2435}"/>
     <dgm:cxn modelId="{6238DC6B-E1D0-4813-B4F4-16E239541AA4}" srcId="{90BDFB30-D9D4-4A70-B0BB-1DFA1FBE6B20}" destId="{8FEC3579-6400-47B2-BC6F-9653737F35A6}" srcOrd="2" destOrd="0" parTransId="{705FFAB9-16D9-48C8-A28C-7E5F17A0C77D}" sibTransId="{33B69C1A-7BB5-4CC2-86CB-AD42031C7C0E}"/>
     <dgm:cxn modelId="{2564E56F-FB30-40D2-8444-BD76AB031F98}" srcId="{CCED31AF-E5E0-4774-8B34-7C5AE4D47611}" destId="{311808EF-324A-4EB7-A352-13022E02D7EF}" srcOrd="1" destOrd="0" parTransId="{9C607E82-F2A4-460D-B17F-28F4D08D8DCE}" sibTransId="{C2927D5D-06BC-46AF-AC1A-1AA9EA0EBBCA}"/>
     <dgm:cxn modelId="{CB0E9972-0C24-42B9-94B5-A5C823C1D3C3}" srcId="{CCED31AF-E5E0-4774-8B34-7C5AE4D47611}" destId="{324BE3F8-EA5F-4AFE-821F-881D29BBC353}" srcOrd="0" destOrd="0" parTransId="{D6E27EAB-D655-4833-BAB5-A24E3C9C683E}" sibTransId="{55782A96-BB66-4929-B6AE-607480ED23EE}"/>
@@ -3434,7 +3432,6 @@
     <dgm:cxn modelId="{EA8EA157-E69C-4671-9B8A-CDA702F62E15}" srcId="{90BDFB30-D9D4-4A70-B0BB-1DFA1FBE6B20}" destId="{DDDCA3D7-49E5-402B-B4AC-7F0C46CD707B}" srcOrd="0" destOrd="0" parTransId="{1849213B-1189-4EB8-A3CE-8DE10CF61DCF}" sibTransId="{836430F1-8B64-4F0F-8341-66700CAD7B98}"/>
     <dgm:cxn modelId="{72F0E37F-F3A8-4186-8F6D-A8D9292A845C}" srcId="{90BDFB30-D9D4-4A70-B0BB-1DFA1FBE6B20}" destId="{3149B413-086B-4A94-86F1-5907EE9F8814}" srcOrd="1" destOrd="0" parTransId="{4AAEEA84-25B2-42D9-9630-B2AC3560ACE4}" sibTransId="{1E3E084C-4AE7-416E-8E0C-44C5BD671C2D}"/>
     <dgm:cxn modelId="{0FAFC081-5489-4F81-9045-CF1E6F50D86C}" srcId="{D341F5D4-54B3-4C14-9A22-1857694437DA}" destId="{8E6DB8BD-3162-4FC7-AC19-299FAEE9CCCF}" srcOrd="1" destOrd="0" parTransId="{8BBA72AF-1D47-4BA1-8621-88370282E8A5}" sibTransId="{F61295BB-CCDE-434F-804E-A42D720BF07E}"/>
-    <dgm:cxn modelId="{DDB2C786-8483-4AEE-B23F-508EA5AAE08D}" type="presOf" srcId="{A3D417DE-AAB5-4289-9709-B6944AE8CB72}" destId="{958A38CB-E9F2-45AA-9213-82E6862D7972}" srcOrd="0" destOrd="0" presId="urn:microsoft.com/office/officeart/2005/8/layout/process3"/>
     <dgm:cxn modelId="{1417BD87-1D42-4555-B726-0F0FC5718004}" type="presOf" srcId="{CCED31AF-E5E0-4774-8B34-7C5AE4D47611}" destId="{9CC74E6E-B055-4388-938C-09365EC37C3B}" srcOrd="1" destOrd="0" presId="urn:microsoft.com/office/officeart/2005/8/layout/process3"/>
     <dgm:cxn modelId="{FE0DDA8B-4408-4DE4-AA7C-1899AB5FB78C}" type="presOf" srcId="{90BDFB30-D9D4-4A70-B0BB-1DFA1FBE6B20}" destId="{221C8C14-8084-43BF-AD3A-6AB09D0E0204}" srcOrd="0" destOrd="0" presId="urn:microsoft.com/office/officeart/2005/8/layout/process3"/>
     <dgm:cxn modelId="{CF30E390-5931-4525-9538-1AE211B3FA8A}" type="presOf" srcId="{D341F5D4-54B3-4C14-9A22-1857694437DA}" destId="{E5E07B8B-1973-4CAC-9F5C-BC174F0647ED}" srcOrd="0" destOrd="0" presId="urn:microsoft.com/office/officeart/2005/8/layout/process3"/>
@@ -3450,16 +3447,19 @@
     <dgm:cxn modelId="{FF25A0AB-56CA-4F73-8626-5B768D1DA035}" type="presOf" srcId="{3F1C2F36-5EE7-4A35-828D-F4E48701BB69}" destId="{BEBC0C69-9AF8-46BD-86CC-C7148DF0C792}" srcOrd="0" destOrd="0" presId="urn:microsoft.com/office/officeart/2005/8/layout/process3"/>
     <dgm:cxn modelId="{FFBCEFB0-7DE9-499D-B0DE-C47E11B331AF}" type="presOf" srcId="{CCED31AF-E5E0-4774-8B34-7C5AE4D47611}" destId="{961BBBCE-74DF-4BF0-B156-7AB12241CC15}" srcOrd="0" destOrd="0" presId="urn:microsoft.com/office/officeart/2005/8/layout/process3"/>
     <dgm:cxn modelId="{784D8EB3-B275-4C6D-970F-723D83B93715}" srcId="{69809639-85E5-4BC9-B3D4-510DD612DB3A}" destId="{90BDFB30-D9D4-4A70-B0BB-1DFA1FBE6B20}" srcOrd="2" destOrd="0" parTransId="{CD0FAD31-2A15-45D8-8E9F-58D6745C1838}" sibTransId="{C0CA77E9-2978-4E5C-B8C7-02F66A6C2454}"/>
+    <dgm:cxn modelId="{247AB7B4-7777-4BDB-A3A4-6428E7AB3F82}" type="presOf" srcId="{EC82EF55-1152-45BD-A68D-B1B1CF5F7F8C}" destId="{958A38CB-E9F2-45AA-9213-82E6862D7972}" srcOrd="0" destOrd="2" presId="urn:microsoft.com/office/officeart/2005/8/layout/process3"/>
     <dgm:cxn modelId="{A9367BB7-9F64-4DA4-86C8-B82995F14B03}" type="presOf" srcId="{099FCC4D-502B-49B1-8619-B6E25AD67A0C}" destId="{85DD399F-6174-45C3-BC93-0CEAD5AC25FB}" srcOrd="0" destOrd="0" presId="urn:microsoft.com/office/officeart/2005/8/layout/process3"/>
     <dgm:cxn modelId="{AA12C0BB-8F29-4C16-BDA8-34403C90405C}" type="presOf" srcId="{324BE3F8-EA5F-4AFE-821F-881D29BBC353}" destId="{6776D43E-F225-41A6-B2BC-9E4122BD1187}" srcOrd="0" destOrd="0" presId="urn:microsoft.com/office/officeart/2005/8/layout/process3"/>
     <dgm:cxn modelId="{EC1DDCBB-E1EA-473B-BC1E-B25A343E01AE}" type="presOf" srcId="{90BDFB30-D9D4-4A70-B0BB-1DFA1FBE6B20}" destId="{70434897-59C9-48C3-A459-1AED7F360BDA}" srcOrd="1" destOrd="0" presId="urn:microsoft.com/office/officeart/2005/8/layout/process3"/>
-    <dgm:cxn modelId="{5B17D7C0-4A1E-46F2-91D4-C44473E35A2C}" type="presOf" srcId="{AA4065AC-23E3-420C-9902-846626D3C99E}" destId="{958A38CB-E9F2-45AA-9213-82E6862D7972}" srcOrd="0" destOrd="1" presId="urn:microsoft.com/office/officeart/2005/8/layout/process3"/>
     <dgm:cxn modelId="{0CBFB3C6-E70D-4E66-B38F-D7C9C3EA5AE7}" type="presOf" srcId="{DDDCA3D7-49E5-402B-B4AC-7F0C46CD707B}" destId="{1C84FA78-9420-4F3C-8B93-DFBA7BAB2247}" srcOrd="0" destOrd="0" presId="urn:microsoft.com/office/officeart/2005/8/layout/process3"/>
+    <dgm:cxn modelId="{46D305CF-82E1-4B7A-AEC3-F17A37523D60}" srcId="{3F1C2F36-5EE7-4A35-828D-F4E48701BB69}" destId="{451C8ECD-F899-4724-8C2F-695CC77092A1}" srcOrd="0" destOrd="0" parTransId="{1EAB2D64-15FE-4868-9D48-8966FD1BC791}" sibTransId="{CA347258-FE8E-46BF-B43F-984A480BB5D9}"/>
     <dgm:cxn modelId="{07628BE2-FA69-4C50-8C73-844959B92AE2}" type="presOf" srcId="{3149B413-086B-4A94-86F1-5907EE9F8814}" destId="{1C84FA78-9420-4F3C-8B93-DFBA7BAB2247}" srcOrd="0" destOrd="1" presId="urn:microsoft.com/office/officeart/2005/8/layout/process3"/>
     <dgm:cxn modelId="{EA4D79E4-1EC7-460A-A037-12DEBF43A5EA}" type="presOf" srcId="{311808EF-324A-4EB7-A352-13022E02D7EF}" destId="{6776D43E-F225-41A6-B2BC-9E4122BD1187}" srcOrd="0" destOrd="1" presId="urn:microsoft.com/office/officeart/2005/8/layout/process3"/>
     <dgm:cxn modelId="{B5E69EE4-69BC-4AFA-BBDF-2C8C719D172C}" type="presOf" srcId="{C0CA77E9-2978-4E5C-B8C7-02F66A6C2454}" destId="{C709D72A-3BDD-430D-B48A-DFB5CAD14E1C}" srcOrd="0" destOrd="0" presId="urn:microsoft.com/office/officeart/2005/8/layout/process3"/>
+    <dgm:cxn modelId="{A05F33EA-675F-4B74-841E-0CBFDF77CA21}" type="presOf" srcId="{5ADA007B-C279-4579-92A2-C35372C4D62E}" destId="{958A38CB-E9F2-45AA-9213-82E6862D7972}" srcOrd="0" destOrd="1" presId="urn:microsoft.com/office/officeart/2005/8/layout/process3"/>
     <dgm:cxn modelId="{58B312F0-64B0-4BA0-8207-7CBBCF6B8E7B}" type="presOf" srcId="{8E6DB8BD-3162-4FC7-AC19-299FAEE9CCCF}" destId="{47BB3BCA-E316-4503-BDC5-A552C4F9DA6A}" srcOrd="0" destOrd="1" presId="urn:microsoft.com/office/officeart/2005/8/layout/process3"/>
     <dgm:cxn modelId="{208FE1F2-423C-48EF-94F5-7B43E604FE24}" type="presOf" srcId="{D341F5D4-54B3-4C14-9A22-1857694437DA}" destId="{7E8D54B2-AD85-4F6A-9FAB-A22A0C3D68DD}" srcOrd="1" destOrd="0" presId="urn:microsoft.com/office/officeart/2005/8/layout/process3"/>
+    <dgm:cxn modelId="{64E90AF6-D5F2-436E-BA95-5205C44F90DF}" type="presOf" srcId="{451C8ECD-F899-4724-8C2F-695CC77092A1}" destId="{958A38CB-E9F2-45AA-9213-82E6862D7972}" srcOrd="0" destOrd="0" presId="urn:microsoft.com/office/officeart/2005/8/layout/process3"/>
     <dgm:cxn modelId="{3194ADA0-FBD4-41B5-915F-198E91B67A4D}" type="presParOf" srcId="{EF8300F6-50AF-4A8D-A0D4-CC2C22934CB2}" destId="{5CA31313-841C-4DC5-B6D6-CA7BC931FB34}" srcOrd="0" destOrd="0" presId="urn:microsoft.com/office/officeart/2005/8/layout/process3"/>
     <dgm:cxn modelId="{C6B75545-4F8D-44BD-98F9-4A6219D3144B}" type="presParOf" srcId="{5CA31313-841C-4DC5-B6D6-CA7BC931FB34}" destId="{8CAB05FB-1931-4BDE-BA0F-5E7E602DF65B}" srcOrd="0" destOrd="0" presId="urn:microsoft.com/office/officeart/2005/8/layout/process3"/>
     <dgm:cxn modelId="{E5CE599F-F204-45F4-9A58-35744DB6D350}" type="presParOf" srcId="{5CA31313-841C-4DC5-B6D6-CA7BC931FB34}" destId="{41A2E78A-ADEA-465E-A32E-DF95075B50DF}" srcOrd="1" destOrd="0" presId="urn:microsoft.com/office/officeart/2005/8/layout/process3"/>
@@ -3489,7 +3489,11 @@
     <dgm:cxn modelId="{E62F1E7F-5D27-4D8D-B34E-842FF77B55C4}" type="presParOf" srcId="{A9743B2B-2011-4195-8CB2-AE2981472865}" destId="{6B437F4F-13B3-41CC-94D3-851CAB3822F6}" srcOrd="1" destOrd="0" presId="urn:microsoft.com/office/officeart/2005/8/layout/process3"/>
     <dgm:cxn modelId="{DA35235A-5455-44E3-AC7B-9A7FD971B125}" type="presParOf" srcId="{A9743B2B-2011-4195-8CB2-AE2981472865}" destId="{958A38CB-E9F2-45AA-9213-82E6862D7972}" srcOrd="2" destOrd="0" presId="urn:microsoft.com/office/officeart/2005/8/layout/process3"/>
   </dgm:cxnLst>
-  <dgm:bg/>
+  <dgm:bg>
+    <a:solidFill>
+      <a:schemeClr val="bg1"/>
+    </a:solidFill>
+  </dgm:bg>
   <dgm:whole/>
   <dgm:extLst>
     <a:ext uri="http://schemas.microsoft.com/office/drawing/2008/diagram">
@@ -4844,7 +4848,7 @@
       </dsp:nvSpPr>
       <dsp:spPr>
         <a:xfrm>
-          <a:off x="6100" y="448577"/>
+          <a:off x="6100" y="418069"/>
           <a:ext cx="1376526" cy="650558"/>
         </a:xfrm>
         <a:prstGeom prst="roundRect">
@@ -4914,7 +4918,7 @@
         </a:p>
       </dsp:txBody>
       <dsp:txXfrm>
-        <a:off x="6100" y="448577"/>
+        <a:off x="6100" y="418069"/>
         <a:ext cx="1376526" cy="433705"/>
       </dsp:txXfrm>
     </dsp:sp>
@@ -4925,8 +4929,8 @@
       </dsp:nvSpPr>
       <dsp:spPr>
         <a:xfrm>
-          <a:off x="288040" y="882283"/>
-          <a:ext cx="1376526" cy="1952542"/>
+          <a:off x="288040" y="851774"/>
+          <a:ext cx="1376526" cy="2013559"/>
         </a:xfrm>
         <a:prstGeom prst="roundRect">
           <a:avLst>
@@ -4984,7 +4988,7 @@
             <a:spcAft>
               <a:spcPct val="15000"/>
             </a:spcAft>
-            <a:buFontTx/>
+            <a:buFont typeface="Symbol" panose="05050102010706020507" pitchFamily="18" charset="2"/>
             <a:buChar char="-"/>
           </a:pPr>
           <a:r>
@@ -5004,19 +5008,19 @@
             <a:spcAft>
               <a:spcPct val="15000"/>
             </a:spcAft>
-            <a:buFontTx/>
+            <a:buFont typeface="Symbol" panose="05050102010706020507" pitchFamily="18" charset="2"/>
             <a:buChar char="-"/>
           </a:pPr>
           <a:r>
-            <a:rPr lang="de-DE" sz="1100" kern="1200"/>
+            <a:rPr lang="de-DE" sz="1100" kern="1200" dirty="0"/>
             <a:t>Publikationen als Währung für unbefristete Stellen und Forschungsgelder</a:t>
           </a:r>
           <a:endParaRPr lang="en-US" sz="1100" kern="1200" dirty="0"/>
         </a:p>
       </dsp:txBody>
       <dsp:txXfrm>
-        <a:off x="328357" y="922600"/>
-        <a:ext cx="1295892" cy="1871908"/>
+        <a:off x="328357" y="892091"/>
+        <a:ext cx="1295892" cy="1932925"/>
       </dsp:txXfrm>
     </dsp:sp>
     <dsp:sp modelId="{6E1007A0-F3BF-4776-9074-529AB46FAA13}">
@@ -5026,7 +5030,7 @@
       </dsp:nvSpPr>
       <dsp:spPr>
         <a:xfrm>
-          <a:off x="1591304" y="494072"/>
+          <a:off x="1591304" y="463564"/>
           <a:ext cx="442394" cy="342715"/>
         </a:xfrm>
         <a:prstGeom prst="rightArrow">
@@ -5085,7 +5089,7 @@
         </a:p>
       </dsp:txBody>
       <dsp:txXfrm>
-        <a:off x="1591304" y="562615"/>
+        <a:off x="1591304" y="532107"/>
         <a:ext cx="339580" cy="205629"/>
       </dsp:txXfrm>
     </dsp:sp>
@@ -5096,7 +5100,7 @@
       </dsp:nvSpPr>
       <dsp:spPr>
         <a:xfrm>
-          <a:off x="2217333" y="448577"/>
+          <a:off x="2217333" y="418069"/>
           <a:ext cx="1376526" cy="650558"/>
         </a:xfrm>
         <a:prstGeom prst="roundRect">
@@ -5166,7 +5170,7 @@
         </a:p>
       </dsp:txBody>
       <dsp:txXfrm>
-        <a:off x="2217333" y="448577"/>
+        <a:off x="2217333" y="418069"/>
         <a:ext cx="1376526" cy="433705"/>
       </dsp:txXfrm>
     </dsp:sp>
@@ -5177,8 +5181,8 @@
       </dsp:nvSpPr>
       <dsp:spPr>
         <a:xfrm>
-          <a:off x="2499273" y="882283"/>
-          <a:ext cx="1376526" cy="1952542"/>
+          <a:off x="2499273" y="851774"/>
+          <a:ext cx="1376526" cy="2013559"/>
         </a:xfrm>
         <a:prstGeom prst="roundRect">
           <a:avLst>
@@ -5236,7 +5240,7 @@
             <a:spcAft>
               <a:spcPct val="15000"/>
             </a:spcAft>
-            <a:buFontTx/>
+            <a:buFont typeface="Symbol" panose="05050102010706020507" pitchFamily="18" charset="2"/>
             <a:buChar char="-"/>
           </a:pPr>
           <a:r>
@@ -5256,7 +5260,7 @@
             <a:spcAft>
               <a:spcPct val="15000"/>
             </a:spcAft>
-            <a:buFontTx/>
+            <a:buFont typeface="Symbol" panose="05050102010706020507" pitchFamily="18" charset="2"/>
             <a:buChar char="-"/>
           </a:pPr>
           <a:r>
@@ -5267,8 +5271,8 @@
         </a:p>
       </dsp:txBody>
       <dsp:txXfrm>
-        <a:off x="2539590" y="922600"/>
-        <a:ext cx="1295892" cy="1871908"/>
+        <a:off x="2539590" y="892091"/>
+        <a:ext cx="1295892" cy="1932925"/>
       </dsp:txXfrm>
     </dsp:sp>
     <dsp:sp modelId="{85DD399F-6174-45C3-BC93-0CEAD5AC25FB}">
@@ -5278,7 +5282,7 @@
       </dsp:nvSpPr>
       <dsp:spPr>
         <a:xfrm>
-          <a:off x="3802537" y="494072"/>
+          <a:off x="3802537" y="463564"/>
           <a:ext cx="442394" cy="342715"/>
         </a:xfrm>
         <a:prstGeom prst="rightArrow">
@@ -5337,7 +5341,7 @@
         </a:p>
       </dsp:txBody>
       <dsp:txXfrm>
-        <a:off x="3802537" y="562615"/>
+        <a:off x="3802537" y="532107"/>
         <a:ext cx="339580" cy="205629"/>
       </dsp:txXfrm>
     </dsp:sp>
@@ -5348,7 +5352,7 @@
       </dsp:nvSpPr>
       <dsp:spPr>
         <a:xfrm>
-          <a:off x="4428566" y="448577"/>
+          <a:off x="4428566" y="418069"/>
           <a:ext cx="1376526" cy="650558"/>
         </a:xfrm>
         <a:prstGeom prst="roundRect">
@@ -5418,7 +5422,7 @@
         </a:p>
       </dsp:txBody>
       <dsp:txXfrm>
-        <a:off x="4428566" y="448577"/>
+        <a:off x="4428566" y="418069"/>
         <a:ext cx="1376526" cy="433705"/>
       </dsp:txXfrm>
     </dsp:sp>
@@ -5429,8 +5433,8 @@
       </dsp:nvSpPr>
       <dsp:spPr>
         <a:xfrm>
-          <a:off x="4710506" y="882283"/>
-          <a:ext cx="1376526" cy="1952542"/>
+          <a:off x="4710506" y="851774"/>
+          <a:ext cx="1376526" cy="2013559"/>
         </a:xfrm>
         <a:prstGeom prst="roundRect">
           <a:avLst>
@@ -5488,16 +5492,12 @@
             <a:spcAft>
               <a:spcPct val="15000"/>
             </a:spcAft>
-            <a:buFontTx/>
+            <a:buFont typeface="Symbol" panose="05050102010706020507" pitchFamily="18" charset="2"/>
             <a:buChar char="-"/>
           </a:pPr>
           <a:r>
             <a:rPr lang="de-DE" sz="1100" kern="1200" dirty="0"/>
-            <a:t>Befunde werden nur als informativ gewertet, wenn sie „</a:t>
-          </a:r>
-          <a:r>
-            <a:rPr lang="de-DE" sz="1100" kern="1200"/>
-            <a:t>statistisch signifikant“ sind</a:t>
+            <a:t>Befunde werden nur als informativ gewertet, wenn sie „statistisch signifikant“ sind</a:t>
           </a:r>
           <a:endParaRPr lang="en-US" sz="1100" kern="1200" dirty="0"/>
         </a:p>
@@ -5512,7 +5512,7 @@
             <a:spcAft>
               <a:spcPct val="15000"/>
             </a:spcAft>
-            <a:buFontTx/>
+            <a:buFont typeface="Symbol" panose="05050102010706020507" pitchFamily="18" charset="2"/>
             <a:buChar char="-"/>
           </a:pPr>
           <a:r>
@@ -5532,19 +5532,19 @@
             <a:spcAft>
               <a:spcPct val="15000"/>
             </a:spcAft>
-            <a:buFontTx/>
+            <a:buFont typeface="Symbol" panose="05050102010706020507" pitchFamily="18" charset="2"/>
             <a:buChar char="-"/>
           </a:pPr>
           <a:r>
-            <a:rPr lang="de-DE" sz="1100" kern="1200"/>
+            <a:rPr lang="de-DE" sz="1100" kern="1200" dirty="0"/>
             <a:t>Kontraintuitiv?</a:t>
           </a:r>
           <a:endParaRPr lang="en-US" sz="1100" kern="1200" dirty="0"/>
         </a:p>
       </dsp:txBody>
       <dsp:txXfrm>
-        <a:off x="4750823" y="922600"/>
-        <a:ext cx="1295892" cy="1871908"/>
+        <a:off x="4750823" y="892091"/>
+        <a:ext cx="1295892" cy="1932925"/>
       </dsp:txXfrm>
     </dsp:sp>
     <dsp:sp modelId="{C709D72A-3BDD-430D-B48A-DFB5CAD14E1C}">
@@ -5554,7 +5554,7 @@
       </dsp:nvSpPr>
       <dsp:spPr>
         <a:xfrm>
-          <a:off x="6013770" y="494072"/>
+          <a:off x="6013770" y="463564"/>
           <a:ext cx="442394" cy="342715"/>
         </a:xfrm>
         <a:prstGeom prst="rightArrow">
@@ -5613,7 +5613,7 @@
         </a:p>
       </dsp:txBody>
       <dsp:txXfrm>
-        <a:off x="6013770" y="562615"/>
+        <a:off x="6013770" y="532107"/>
         <a:ext cx="339580" cy="205629"/>
       </dsp:txXfrm>
     </dsp:sp>
@@ -5624,7 +5624,7 @@
       </dsp:nvSpPr>
       <dsp:spPr>
         <a:xfrm>
-          <a:off x="6639799" y="448577"/>
+          <a:off x="6639799" y="418069"/>
           <a:ext cx="1376526" cy="650558"/>
         </a:xfrm>
         <a:prstGeom prst="roundRect">
@@ -5694,7 +5694,7 @@
         </a:p>
       </dsp:txBody>
       <dsp:txXfrm>
-        <a:off x="6639799" y="448577"/>
+        <a:off x="6639799" y="418069"/>
         <a:ext cx="1376526" cy="433705"/>
       </dsp:txXfrm>
     </dsp:sp>
@@ -5705,8 +5705,8 @@
       </dsp:nvSpPr>
       <dsp:spPr>
         <a:xfrm>
-          <a:off x="6921739" y="882283"/>
-          <a:ext cx="1376526" cy="1952542"/>
+          <a:off x="6921739" y="851774"/>
+          <a:ext cx="1376526" cy="2013559"/>
         </a:xfrm>
         <a:prstGeom prst="roundRect">
           <a:avLst>
@@ -5764,7 +5764,7 @@
             <a:spcAft>
               <a:spcPct val="15000"/>
             </a:spcAft>
-            <a:buFontTx/>
+            <a:buFont typeface="Symbol" panose="05050102010706020507" pitchFamily="18" charset="2"/>
             <a:buChar char="-"/>
           </a:pPr>
           <a:r>
@@ -5784,7 +5784,7 @@
             <a:spcAft>
               <a:spcPct val="15000"/>
             </a:spcAft>
-            <a:buFontTx/>
+            <a:buFont typeface="Symbol" panose="05050102010706020507" pitchFamily="18" charset="2"/>
             <a:buChar char="-"/>
           </a:pPr>
           <a:r>
@@ -5795,8 +5795,8 @@
         </a:p>
       </dsp:txBody>
       <dsp:txXfrm>
-        <a:off x="6962056" y="922600"/>
-        <a:ext cx="1295892" cy="1871908"/>
+        <a:off x="6962056" y="892091"/>
+        <a:ext cx="1295892" cy="1932925"/>
       </dsp:txXfrm>
     </dsp:sp>
     <dsp:sp modelId="{77C294DA-A70A-4111-B726-D04842D4B795}">
@@ -5806,7 +5806,7 @@
       </dsp:nvSpPr>
       <dsp:spPr>
         <a:xfrm>
-          <a:off x="8225003" y="494072"/>
+          <a:off x="8225003" y="463564"/>
           <a:ext cx="442394" cy="342715"/>
         </a:xfrm>
         <a:prstGeom prst="rightArrow">
@@ -5865,7 +5865,7 @@
         </a:p>
       </dsp:txBody>
       <dsp:txXfrm>
-        <a:off x="8225003" y="562615"/>
+        <a:off x="8225003" y="532107"/>
         <a:ext cx="339580" cy="205629"/>
       </dsp:txXfrm>
     </dsp:sp>
@@ -5876,7 +5876,7 @@
       </dsp:nvSpPr>
       <dsp:spPr>
         <a:xfrm>
-          <a:off x="8851032" y="448577"/>
+          <a:off x="8851032" y="418069"/>
           <a:ext cx="1376526" cy="650558"/>
         </a:xfrm>
         <a:prstGeom prst="roundRect">
@@ -5939,14 +5939,14 @@
             <a:buNone/>
           </a:pPr>
           <a:r>
-            <a:rPr lang="de-DE" sz="1100" kern="1200"/>
+            <a:rPr lang="de-DE" sz="1100" kern="1200" dirty="0"/>
             <a:t>Replikations-fehlschläge</a:t>
           </a:r>
           <a:endParaRPr lang="en-US" sz="1100" kern="1200" dirty="0"/>
         </a:p>
       </dsp:txBody>
       <dsp:txXfrm>
-        <a:off x="8851032" y="448577"/>
+        <a:off x="8851032" y="418069"/>
         <a:ext cx="1376526" cy="433705"/>
       </dsp:txXfrm>
     </dsp:sp>
@@ -5957,8 +5957,8 @@
       </dsp:nvSpPr>
       <dsp:spPr>
         <a:xfrm>
-          <a:off x="9132972" y="882283"/>
-          <a:ext cx="1376526" cy="1952542"/>
+          <a:off x="9132972" y="851774"/>
+          <a:ext cx="1376526" cy="2013559"/>
         </a:xfrm>
         <a:prstGeom prst="roundRect">
           <a:avLst>
@@ -6016,10 +6016,11 @@
             <a:spcAft>
               <a:spcPct val="15000"/>
             </a:spcAft>
-            <a:buChar char="•"/>
+            <a:buFont typeface="Symbol" panose="05050102010706020507" pitchFamily="18" charset="2"/>
+            <a:buChar char="-"/>
           </a:pPr>
           <a:r>
-            <a:rPr lang="de-DE" sz="1100" kern="1200"/>
+            <a:rPr lang="de-DE" sz="1100" kern="1200" dirty="0"/>
             <a:t>50% aller Befunde lassen sich nicht replizieren</a:t>
           </a:r>
           <a:endParaRPr lang="en-US" sz="1100" kern="1200" dirty="0"/>
@@ -6035,11 +6036,11 @@
             <a:spcAft>
               <a:spcPct val="15000"/>
             </a:spcAft>
-            <a:buFontTx/>
+            <a:buFont typeface="Symbol" panose="05050102010706020507" pitchFamily="18" charset="2"/>
             <a:buChar char="-"/>
           </a:pPr>
           <a:r>
-            <a:rPr lang="de-DE" sz="1100" kern="1200"/>
+            <a:rPr lang="de-DE" sz="1100" kern="1200" dirty="0"/>
             <a:t>Replikationsrate in vielen Disziplinen noch ungewiss</a:t>
           </a:r>
           <a:endParaRPr lang="en-US" sz="1100" kern="1200" dirty="0"/>
@@ -6055,7 +6056,7 @@
             <a:spcAft>
               <a:spcPct val="15000"/>
             </a:spcAft>
-            <a:buFontTx/>
+            <a:buFont typeface="Symbol" panose="05050102010706020507" pitchFamily="18" charset="2"/>
             <a:buChar char="-"/>
           </a:pPr>
           <a:r>
@@ -6066,8 +6067,8 @@
         </a:p>
       </dsp:txBody>
       <dsp:txXfrm>
-        <a:off x="9173289" y="922600"/>
-        <a:ext cx="1295892" cy="1871908"/>
+        <a:off x="9173289" y="892091"/>
+        <a:ext cx="1295892" cy="1932925"/>
       </dsp:txXfrm>
     </dsp:sp>
   </dsp:spTree>
@@ -20126,7 +20127,7 @@
             <p:ph idx="1"/>
             <p:extLst>
               <p:ext uri="{D42A27DB-BD31-4B8C-83A1-F6EECF244321}">
-                <p14:modId xmlns:p14="http://schemas.microsoft.com/office/powerpoint/2010/main" val="1415537661"/>
+                <p14:modId xmlns:p14="http://schemas.microsoft.com/office/powerpoint/2010/main" val="3509253916"/>
               </p:ext>
             </p:extLst>
           </p:nvPr>
@@ -20141,6 +20142,36 @@
           </a:graphicData>
         </a:graphic>
       </p:graphicFrame>
+      <p:pic>
+        <p:nvPicPr>
+          <p:cNvPr id="19" name="Grafik 18">
+            <a:extLst>
+              <a:ext uri="{FF2B5EF4-FFF2-40B4-BE49-F238E27FC236}">
+                <a16:creationId xmlns:a16="http://schemas.microsoft.com/office/drawing/2014/main" id="{E4DD8C10-69E8-42B8-8D68-767BB232BF9B}"/>
+              </a:ext>
+            </a:extLst>
+          </p:cNvPr>
+          <p:cNvPicPr>
+            <a:picLocks noChangeAspect="1"/>
+          </p:cNvPicPr>
+          <p:nvPr/>
+        </p:nvPicPr>
+        <p:blipFill>
+          <a:blip r:embed="rId7"/>
+          <a:stretch>
+            <a:fillRect/>
+          </a:stretch>
+        </p:blipFill>
+        <p:spPr>
+          <a:xfrm>
+            <a:off x="834696" y="1785985"/>
+            <a:ext cx="10522608" cy="3286029"/>
+          </a:xfrm>
+          <a:prstGeom prst="rect">
+            <a:avLst/>
+          </a:prstGeom>
+        </p:spPr>
+      </p:pic>
     </p:spTree>
     <p:extLst>
       <p:ext uri="{BB962C8B-B14F-4D97-AF65-F5344CB8AC3E}">

--- a/images/Abbildungen-01.pptx
+++ b/images/Abbildungen-01.pptx
@@ -5,7 +5,7 @@
     <p:sldMasterId id="2147483648" r:id="rId1"/>
   </p:sldMasterIdLst>
   <p:notesMasterIdLst>
-    <p:notesMasterId r:id="rId18"/>
+    <p:notesMasterId r:id="rId19"/>
   </p:notesMasterIdLst>
   <p:sldIdLst>
     <p:sldId id="575" r:id="rId2"/>
@@ -24,6 +24,7 @@
     <p:sldId id="597" r:id="rId15"/>
     <p:sldId id="598" r:id="rId16"/>
     <p:sldId id="600" r:id="rId17"/>
+    <p:sldId id="602" r:id="rId18"/>
   </p:sldIdLst>
   <p:sldSz cx="12192000" cy="6858000"/>
   <p:notesSz cx="6858000" cy="9144000"/>
@@ -12030,7 +12031,7 @@
           <a:p>
             <a:fld id="{6C221AE3-2EA3-414F-B0D4-EF9EF6F6D40F}" type="datetimeFigureOut">
               <a:rPr lang="en-US" smtClean="0"/>
-              <a:t>7/10/2024</a:t>
+              <a:t>7/11/2024</a:t>
             </a:fld>
             <a:endParaRPr lang="en-US"/>
           </a:p>
@@ -12531,7 +12532,7 @@
           <a:p>
             <a:fld id="{54B74EF1-788F-47AB-9414-B0E30AA5E1A3}" type="datetimeFigureOut">
               <a:rPr lang="en-US" smtClean="0"/>
-              <a:t>7/10/2024</a:t>
+              <a:t>7/11/2024</a:t>
             </a:fld>
             <a:endParaRPr lang="en-US"/>
           </a:p>
@@ -12731,7 +12732,7 @@
           <a:p>
             <a:fld id="{54B74EF1-788F-47AB-9414-B0E30AA5E1A3}" type="datetimeFigureOut">
               <a:rPr lang="en-US" smtClean="0"/>
-              <a:t>7/10/2024</a:t>
+              <a:t>7/11/2024</a:t>
             </a:fld>
             <a:endParaRPr lang="en-US"/>
           </a:p>
@@ -12941,7 +12942,7 @@
           <a:p>
             <a:fld id="{54B74EF1-788F-47AB-9414-B0E30AA5E1A3}" type="datetimeFigureOut">
               <a:rPr lang="en-US" smtClean="0"/>
-              <a:t>7/10/2024</a:t>
+              <a:t>7/11/2024</a:t>
             </a:fld>
             <a:endParaRPr lang="en-US"/>
           </a:p>
@@ -13141,7 +13142,7 @@
           <a:p>
             <a:fld id="{54B74EF1-788F-47AB-9414-B0E30AA5E1A3}" type="datetimeFigureOut">
               <a:rPr lang="en-US" smtClean="0"/>
-              <a:t>7/10/2024</a:t>
+              <a:t>7/11/2024</a:t>
             </a:fld>
             <a:endParaRPr lang="en-US"/>
           </a:p>
@@ -13417,7 +13418,7 @@
           <a:p>
             <a:fld id="{54B74EF1-788F-47AB-9414-B0E30AA5E1A3}" type="datetimeFigureOut">
               <a:rPr lang="en-US" smtClean="0"/>
-              <a:t>7/10/2024</a:t>
+              <a:t>7/11/2024</a:t>
             </a:fld>
             <a:endParaRPr lang="en-US"/>
           </a:p>
@@ -13685,7 +13686,7 @@
           <a:p>
             <a:fld id="{54B74EF1-788F-47AB-9414-B0E30AA5E1A3}" type="datetimeFigureOut">
               <a:rPr lang="en-US" smtClean="0"/>
-              <a:t>7/10/2024</a:t>
+              <a:t>7/11/2024</a:t>
             </a:fld>
             <a:endParaRPr lang="en-US"/>
           </a:p>
@@ -14100,7 +14101,7 @@
           <a:p>
             <a:fld id="{54B74EF1-788F-47AB-9414-B0E30AA5E1A3}" type="datetimeFigureOut">
               <a:rPr lang="en-US" smtClean="0"/>
-              <a:t>7/10/2024</a:t>
+              <a:t>7/11/2024</a:t>
             </a:fld>
             <a:endParaRPr lang="en-US"/>
           </a:p>
@@ -14242,7 +14243,7 @@
           <a:p>
             <a:fld id="{54B74EF1-788F-47AB-9414-B0E30AA5E1A3}" type="datetimeFigureOut">
               <a:rPr lang="en-US" smtClean="0"/>
-              <a:t>7/10/2024</a:t>
+              <a:t>7/11/2024</a:t>
             </a:fld>
             <a:endParaRPr lang="en-US"/>
           </a:p>
@@ -14355,7 +14356,7 @@
           <a:p>
             <a:fld id="{54B74EF1-788F-47AB-9414-B0E30AA5E1A3}" type="datetimeFigureOut">
               <a:rPr lang="en-US" smtClean="0"/>
-              <a:t>7/10/2024</a:t>
+              <a:t>7/11/2024</a:t>
             </a:fld>
             <a:endParaRPr lang="en-US"/>
           </a:p>
@@ -14668,7 +14669,7 @@
           <a:p>
             <a:fld id="{54B74EF1-788F-47AB-9414-B0E30AA5E1A3}" type="datetimeFigureOut">
               <a:rPr lang="en-US" smtClean="0"/>
-              <a:t>7/10/2024</a:t>
+              <a:t>7/11/2024</a:t>
             </a:fld>
             <a:endParaRPr lang="en-US"/>
           </a:p>
@@ -14957,7 +14958,7 @@
           <a:p>
             <a:fld id="{54B74EF1-788F-47AB-9414-B0E30AA5E1A3}" type="datetimeFigureOut">
               <a:rPr lang="en-US" smtClean="0"/>
-              <a:t>7/10/2024</a:t>
+              <a:t>7/11/2024</a:t>
             </a:fld>
             <a:endParaRPr lang="en-US"/>
           </a:p>
@@ -15200,7 +15201,7 @@
           <a:p>
             <a:fld id="{54B74EF1-788F-47AB-9414-B0E30AA5E1A3}" type="datetimeFigureOut">
               <a:rPr lang="en-US" smtClean="0"/>
-              <a:t>7/10/2024</a:t>
+              <a:t>7/11/2024</a:t>
             </a:fld>
             <a:endParaRPr lang="en-US"/>
           </a:p>
@@ -20060,6 +20061,296 @@
     <p:extLst>
       <p:ext uri="{BB962C8B-B14F-4D97-AF65-F5344CB8AC3E}">
         <p14:creationId xmlns:p14="http://schemas.microsoft.com/office/powerpoint/2010/main" val="1575474026"/>
+      </p:ext>
+    </p:extLst>
+  </p:cSld>
+  <p:clrMapOvr>
+    <a:masterClrMapping/>
+  </p:clrMapOvr>
+</p:sld>
+</file>
+
+<file path=ppt/slides/slide17.xml><?xml version="1.0" encoding="utf-8"?>
+<p:sld xmlns:a="http://schemas.openxmlformats.org/drawingml/2006/main" xmlns:r="http://schemas.openxmlformats.org/officeDocument/2006/relationships" xmlns:p="http://schemas.openxmlformats.org/presentationml/2006/main">
+  <p:cSld>
+    <p:spTree>
+      <p:nvGrpSpPr>
+        <p:cNvPr id="1" name=""/>
+        <p:cNvGrpSpPr/>
+        <p:nvPr/>
+      </p:nvGrpSpPr>
+      <p:grpSpPr>
+        <a:xfrm>
+          <a:off x="0" y="0"/>
+          <a:ext cx="0" cy="0"/>
+          <a:chOff x="0" y="0"/>
+          <a:chExt cx="0" cy="0"/>
+        </a:xfrm>
+      </p:grpSpPr>
+      <p:sp>
+        <p:nvSpPr>
+          <p:cNvPr id="9" name="Pfeil: gebogen 8">
+            <a:extLst>
+              <a:ext uri="{FF2B5EF4-FFF2-40B4-BE49-F238E27FC236}">
+                <a16:creationId xmlns:a16="http://schemas.microsoft.com/office/drawing/2014/main" id="{E0BE2F3D-C024-4BE3-B5EB-5D3795F46652}"/>
+              </a:ext>
+            </a:extLst>
+          </p:cNvPr>
+          <p:cNvSpPr/>
+          <p:nvPr/>
+        </p:nvSpPr>
+        <p:spPr>
+          <a:xfrm rot="5400000">
+            <a:off x="6282267" y="2396066"/>
+            <a:ext cx="2065867" cy="2065867"/>
+          </a:xfrm>
+          <a:prstGeom prst="circularArrow">
+            <a:avLst/>
+          </a:prstGeom>
+        </p:spPr>
+        <p:style>
+          <a:lnRef idx="2">
+            <a:schemeClr val="accent1">
+              <a:shade val="50000"/>
+            </a:schemeClr>
+          </a:lnRef>
+          <a:fillRef idx="1">
+            <a:schemeClr val="accent1"/>
+          </a:fillRef>
+          <a:effectRef idx="0">
+            <a:schemeClr val="accent1"/>
+          </a:effectRef>
+          <a:fontRef idx="minor">
+            <a:schemeClr val="lt1"/>
+          </a:fontRef>
+        </p:style>
+        <p:txBody>
+          <a:bodyPr rtlCol="0" anchor="ctr"/>
+          <a:lstStyle/>
+          <a:p>
+            <a:pPr algn="ctr"/>
+            <a:endParaRPr lang="en-US" dirty="0">
+              <a:solidFill>
+                <a:schemeClr val="tx1"/>
+              </a:solidFill>
+            </a:endParaRPr>
+          </a:p>
+        </p:txBody>
+      </p:sp>
+      <p:sp>
+        <p:nvSpPr>
+          <p:cNvPr id="10" name="Pfeil: gebogen 9">
+            <a:extLst>
+              <a:ext uri="{FF2B5EF4-FFF2-40B4-BE49-F238E27FC236}">
+                <a16:creationId xmlns:a16="http://schemas.microsoft.com/office/drawing/2014/main" id="{018DC567-B6B6-485E-AE0F-67D329738949}"/>
+              </a:ext>
+            </a:extLst>
+          </p:cNvPr>
+          <p:cNvSpPr/>
+          <p:nvPr/>
+        </p:nvSpPr>
+        <p:spPr>
+          <a:xfrm rot="16200000">
+            <a:off x="3344333" y="2396066"/>
+            <a:ext cx="2065867" cy="2065867"/>
+          </a:xfrm>
+          <a:prstGeom prst="circularArrow">
+            <a:avLst/>
+          </a:prstGeom>
+        </p:spPr>
+        <p:style>
+          <a:lnRef idx="2">
+            <a:schemeClr val="accent1">
+              <a:shade val="50000"/>
+            </a:schemeClr>
+          </a:lnRef>
+          <a:fillRef idx="1">
+            <a:schemeClr val="accent1"/>
+          </a:fillRef>
+          <a:effectRef idx="0">
+            <a:schemeClr val="accent1"/>
+          </a:effectRef>
+          <a:fontRef idx="minor">
+            <a:schemeClr val="lt1"/>
+          </a:fontRef>
+        </p:style>
+        <p:txBody>
+          <a:bodyPr rtlCol="0" anchor="ctr"/>
+          <a:lstStyle/>
+          <a:p>
+            <a:pPr algn="ctr"/>
+            <a:endParaRPr lang="en-US">
+              <a:solidFill>
+                <a:schemeClr val="tx1"/>
+              </a:solidFill>
+            </a:endParaRPr>
+          </a:p>
+        </p:txBody>
+      </p:sp>
+      <p:sp>
+        <p:nvSpPr>
+          <p:cNvPr id="13" name="Textfeld 12">
+            <a:extLst>
+              <a:ext uri="{FF2B5EF4-FFF2-40B4-BE49-F238E27FC236}">
+                <a16:creationId xmlns:a16="http://schemas.microsoft.com/office/drawing/2014/main" id="{8E72CD1A-691D-47A9-A21C-A5F4F0ECCD39}"/>
+              </a:ext>
+            </a:extLst>
+          </p:cNvPr>
+          <p:cNvSpPr txBox="1"/>
+          <p:nvPr/>
+        </p:nvSpPr>
+        <p:spPr>
+          <a:xfrm>
+            <a:off x="4377267" y="2398464"/>
+            <a:ext cx="2843086" cy="369332"/>
+          </a:xfrm>
+          <a:prstGeom prst="rect">
+            <a:avLst/>
+          </a:prstGeom>
+          <a:noFill/>
+        </p:spPr>
+        <p:txBody>
+          <a:bodyPr wrap="none" rtlCol="0">
+            <a:spAutoFit/>
+          </a:bodyPr>
+          <a:lstStyle/>
+          <a:p>
+            <a:pPr algn="ctr"/>
+            <a:r>
+              <a:rPr lang="en-US" dirty="0"/>
+              <a:t>Allgemeine </a:t>
+            </a:r>
+            <a:r>
+              <a:rPr lang="en-US" dirty="0" err="1"/>
+              <a:t>Gesetzmäßigkeit</a:t>
+            </a:r>
+            <a:endParaRPr lang="en-US" dirty="0"/>
+          </a:p>
+        </p:txBody>
+      </p:sp>
+      <p:sp>
+        <p:nvSpPr>
+          <p:cNvPr id="14" name="Textfeld 13">
+            <a:extLst>
+              <a:ext uri="{FF2B5EF4-FFF2-40B4-BE49-F238E27FC236}">
+                <a16:creationId xmlns:a16="http://schemas.microsoft.com/office/drawing/2014/main" id="{37921CED-47DB-4D7D-851B-A370CE061B1F}"/>
+              </a:ext>
+            </a:extLst>
+          </p:cNvPr>
+          <p:cNvSpPr txBox="1"/>
+          <p:nvPr/>
+        </p:nvSpPr>
+        <p:spPr>
+          <a:xfrm>
+            <a:off x="4552122" y="4118001"/>
+            <a:ext cx="2493375" cy="369332"/>
+          </a:xfrm>
+          <a:prstGeom prst="rect">
+            <a:avLst/>
+          </a:prstGeom>
+          <a:noFill/>
+        </p:spPr>
+        <p:txBody>
+          <a:bodyPr wrap="none" rtlCol="0">
+            <a:spAutoFit/>
+          </a:bodyPr>
+          <a:lstStyle/>
+          <a:p>
+            <a:pPr algn="ctr"/>
+            <a:r>
+              <a:rPr lang="en-US" dirty="0" err="1"/>
+              <a:t>Einzelne</a:t>
+            </a:r>
+            <a:r>
+              <a:rPr lang="en-US" dirty="0"/>
+              <a:t> </a:t>
+            </a:r>
+            <a:r>
+              <a:rPr lang="en-US" dirty="0" err="1"/>
+              <a:t>Beobachtungen</a:t>
+            </a:r>
+            <a:endParaRPr lang="en-US" dirty="0"/>
+          </a:p>
+        </p:txBody>
+      </p:sp>
+      <p:sp>
+        <p:nvSpPr>
+          <p:cNvPr id="15" name="Textfeld 14">
+            <a:extLst>
+              <a:ext uri="{FF2B5EF4-FFF2-40B4-BE49-F238E27FC236}">
+                <a16:creationId xmlns:a16="http://schemas.microsoft.com/office/drawing/2014/main" id="{936DFF95-D6A7-469C-A068-20F7EFFB34B9}"/>
+              </a:ext>
+            </a:extLst>
+          </p:cNvPr>
+          <p:cNvSpPr txBox="1"/>
+          <p:nvPr/>
+        </p:nvSpPr>
+        <p:spPr>
+          <a:xfrm>
+            <a:off x="8348134" y="3244333"/>
+            <a:ext cx="1162947" cy="369332"/>
+          </a:xfrm>
+          <a:prstGeom prst="rect">
+            <a:avLst/>
+          </a:prstGeom>
+          <a:noFill/>
+        </p:spPr>
+        <p:txBody>
+          <a:bodyPr wrap="none" rtlCol="0">
+            <a:spAutoFit/>
+          </a:bodyPr>
+          <a:lstStyle/>
+          <a:p>
+            <a:pPr algn="ctr"/>
+            <a:r>
+              <a:rPr lang="en-US" dirty="0" err="1"/>
+              <a:t>Deduktion</a:t>
+            </a:r>
+            <a:endParaRPr lang="en-US" dirty="0"/>
+          </a:p>
+        </p:txBody>
+      </p:sp>
+      <p:sp>
+        <p:nvSpPr>
+          <p:cNvPr id="16" name="Textfeld 15">
+            <a:extLst>
+              <a:ext uri="{FF2B5EF4-FFF2-40B4-BE49-F238E27FC236}">
+                <a16:creationId xmlns:a16="http://schemas.microsoft.com/office/drawing/2014/main" id="{FCF24DF7-1C8D-4C12-977A-15098C0284C2}"/>
+              </a:ext>
+            </a:extLst>
+          </p:cNvPr>
+          <p:cNvSpPr txBox="1"/>
+          <p:nvPr/>
+        </p:nvSpPr>
+        <p:spPr>
+          <a:xfrm>
+            <a:off x="2282941" y="3244333"/>
+            <a:ext cx="1084399" cy="369332"/>
+          </a:xfrm>
+          <a:prstGeom prst="rect">
+            <a:avLst/>
+          </a:prstGeom>
+          <a:noFill/>
+        </p:spPr>
+        <p:txBody>
+          <a:bodyPr wrap="none" rtlCol="0">
+            <a:spAutoFit/>
+          </a:bodyPr>
+          <a:lstStyle/>
+          <a:p>
+            <a:pPr algn="ctr"/>
+            <a:r>
+              <a:rPr lang="en-US"/>
+              <a:t>Induktion</a:t>
+            </a:r>
+            <a:endParaRPr lang="en-US" dirty="0"/>
+          </a:p>
+        </p:txBody>
+      </p:sp>
+    </p:spTree>
+    <p:extLst>
+      <p:ext uri="{BB962C8B-B14F-4D97-AF65-F5344CB8AC3E}">
+        <p14:creationId xmlns:p14="http://schemas.microsoft.com/office/powerpoint/2010/main" val="1756088921"/>
       </p:ext>
     </p:extLst>
   </p:cSld>

--- a/images/Abbildungen-01.pptx
+++ b/images/Abbildungen-01.pptx
@@ -5,7 +5,7 @@
     <p:sldMasterId id="2147483648" r:id="rId1"/>
   </p:sldMasterIdLst>
   <p:notesMasterIdLst>
-    <p:notesMasterId r:id="rId19"/>
+    <p:notesMasterId r:id="rId20"/>
   </p:notesMasterIdLst>
   <p:sldIdLst>
     <p:sldId id="575" r:id="rId2"/>
@@ -25,6 +25,7 @@
     <p:sldId id="598" r:id="rId16"/>
     <p:sldId id="600" r:id="rId17"/>
     <p:sldId id="602" r:id="rId18"/>
+    <p:sldId id="603" r:id="rId19"/>
   </p:sldIdLst>
   <p:sldSz cx="12192000" cy="6858000"/>
   <p:notesSz cx="6858000" cy="9144000"/>
@@ -20089,6 +20090,58 @@
       </p:grpSpPr>
       <p:sp>
         <p:nvSpPr>
+          <p:cNvPr id="19" name="Rechteck 18">
+            <a:extLst>
+              <a:ext uri="{FF2B5EF4-FFF2-40B4-BE49-F238E27FC236}">
+                <a16:creationId xmlns:a16="http://schemas.microsoft.com/office/drawing/2014/main" id="{0AC8F850-0C79-41FF-B3BE-43F1CD2E1C08}"/>
+              </a:ext>
+            </a:extLst>
+          </p:cNvPr>
+          <p:cNvSpPr/>
+          <p:nvPr/>
+        </p:nvSpPr>
+        <p:spPr>
+          <a:xfrm>
+            <a:off x="1007533" y="1490133"/>
+            <a:ext cx="10083800" cy="3344334"/>
+          </a:xfrm>
+          <a:prstGeom prst="rect">
+            <a:avLst/>
+          </a:prstGeom>
+          <a:solidFill>
+            <a:schemeClr val="bg1"/>
+          </a:solidFill>
+          <a:ln>
+            <a:noFill/>
+          </a:ln>
+        </p:spPr>
+        <p:style>
+          <a:lnRef idx="2">
+            <a:schemeClr val="accent1">
+              <a:shade val="50000"/>
+            </a:schemeClr>
+          </a:lnRef>
+          <a:fillRef idx="1">
+            <a:schemeClr val="accent1"/>
+          </a:fillRef>
+          <a:effectRef idx="0">
+            <a:schemeClr val="accent1"/>
+          </a:effectRef>
+          <a:fontRef idx="minor">
+            <a:schemeClr val="lt1"/>
+          </a:fontRef>
+        </p:style>
+        <p:txBody>
+          <a:bodyPr rtlCol="0" anchor="ctr"/>
+          <a:lstStyle/>
+          <a:p>
+            <a:pPr algn="ctr"/>
+            <a:endParaRPr lang="en-US"/>
+          </a:p>
+        </p:txBody>
+      </p:sp>
+      <p:sp>
+        <p:nvSpPr>
           <p:cNvPr id="9" name="Pfeil: gebogen 8">
             <a:extLst>
               <a:ext uri="{FF2B5EF4-FFF2-40B4-BE49-F238E27FC236}">
@@ -20110,18 +20163,16 @@
         </p:spPr>
         <p:style>
           <a:lnRef idx="2">
-            <a:schemeClr val="accent1">
-              <a:shade val="50000"/>
-            </a:schemeClr>
+            <a:schemeClr val="dk1"/>
           </a:lnRef>
           <a:fillRef idx="1">
-            <a:schemeClr val="accent1"/>
+            <a:schemeClr val="lt1"/>
           </a:fillRef>
           <a:effectRef idx="0">
-            <a:schemeClr val="accent1"/>
+            <a:schemeClr val="dk1"/>
           </a:effectRef>
           <a:fontRef idx="minor">
-            <a:schemeClr val="lt1"/>
+            <a:schemeClr val="dk1"/>
           </a:fontRef>
         </p:style>
         <p:txBody>
@@ -20160,18 +20211,16 @@
         </p:spPr>
         <p:style>
           <a:lnRef idx="2">
-            <a:schemeClr val="accent1">
-              <a:shade val="50000"/>
-            </a:schemeClr>
+            <a:schemeClr val="dk1"/>
           </a:lnRef>
           <a:fillRef idx="1">
-            <a:schemeClr val="accent1"/>
+            <a:schemeClr val="lt1"/>
           </a:fillRef>
           <a:effectRef idx="0">
-            <a:schemeClr val="accent1"/>
+            <a:schemeClr val="dk1"/>
           </a:effectRef>
           <a:fontRef idx="minor">
-            <a:schemeClr val="lt1"/>
+            <a:schemeClr val="dk1"/>
           </a:fontRef>
         </p:style>
         <p:txBody>
@@ -20340,17 +20389,410 @@
           <a:p>
             <a:pPr algn="ctr"/>
             <a:r>
-              <a:rPr lang="en-US"/>
+              <a:rPr lang="en-US" dirty="0" err="1"/>
               <a:t>Induktion</a:t>
             </a:r>
             <a:endParaRPr lang="en-US" dirty="0"/>
           </a:p>
         </p:txBody>
       </p:sp>
+      <p:sp>
+        <p:nvSpPr>
+          <p:cNvPr id="17" name="Sprechblase: rechteckig 16">
+            <a:extLst>
+              <a:ext uri="{FF2B5EF4-FFF2-40B4-BE49-F238E27FC236}">
+                <a16:creationId xmlns:a16="http://schemas.microsoft.com/office/drawing/2014/main" id="{AC8C820F-A233-4ACC-9F84-730F646C8D45}"/>
+              </a:ext>
+            </a:extLst>
+          </p:cNvPr>
+          <p:cNvSpPr/>
+          <p:nvPr/>
+        </p:nvSpPr>
+        <p:spPr>
+          <a:xfrm>
+            <a:off x="8703732" y="1601000"/>
+            <a:ext cx="2065867" cy="1219200"/>
+          </a:xfrm>
+          <a:prstGeom prst="wedgeRectCallout">
+            <a:avLst>
+              <a:gd name="adj1" fmla="val -35997"/>
+              <a:gd name="adj2" fmla="val 75694"/>
+            </a:avLst>
+          </a:prstGeom>
+          <a:solidFill>
+            <a:schemeClr val="bg1">
+              <a:lumMod val="95000"/>
+            </a:schemeClr>
+          </a:solidFill>
+        </p:spPr>
+        <p:style>
+          <a:lnRef idx="2">
+            <a:schemeClr val="dk1"/>
+          </a:lnRef>
+          <a:fillRef idx="1">
+            <a:schemeClr val="lt1"/>
+          </a:fillRef>
+          <a:effectRef idx="0">
+            <a:schemeClr val="dk1"/>
+          </a:effectRef>
+          <a:fontRef idx="minor">
+            <a:schemeClr val="dk1"/>
+          </a:fontRef>
+        </p:style>
+        <p:txBody>
+          <a:bodyPr rtlCol="0" anchor="ctr"/>
+          <a:lstStyle/>
+          <a:p>
+            <a:pPr marL="285750" indent="-285750">
+              <a:buFontTx/>
+              <a:buChar char="-"/>
+            </a:pPr>
+            <a:r>
+              <a:rPr lang="en-US" sz="1200" dirty="0" err="1"/>
+              <a:t>Alle</a:t>
+            </a:r>
+            <a:r>
+              <a:rPr lang="en-US" sz="1200" dirty="0"/>
+              <a:t> Menschen </a:t>
+            </a:r>
+            <a:r>
+              <a:rPr lang="en-US" sz="1200" dirty="0" err="1"/>
+              <a:t>sind</a:t>
+            </a:r>
+            <a:r>
+              <a:rPr lang="en-US" sz="1200" dirty="0"/>
+              <a:t> </a:t>
+            </a:r>
+            <a:r>
+              <a:rPr lang="en-US" sz="1200" dirty="0" err="1"/>
+              <a:t>sterblich</a:t>
+            </a:r>
+            <a:r>
+              <a:rPr lang="en-US" sz="1200" dirty="0"/>
+              <a:t>.</a:t>
+            </a:r>
+          </a:p>
+          <a:p>
+            <a:pPr marL="285750" indent="-285750">
+              <a:buFontTx/>
+              <a:buChar char="-"/>
+            </a:pPr>
+            <a:r>
+              <a:rPr lang="en-US" sz="1200" dirty="0"/>
+              <a:t>Ich bin </a:t>
+            </a:r>
+            <a:r>
+              <a:rPr lang="en-US" sz="1200" dirty="0" err="1"/>
+              <a:t>ein</a:t>
+            </a:r>
+            <a:r>
+              <a:rPr lang="en-US" sz="1200" dirty="0"/>
+              <a:t> Mensch</a:t>
+            </a:r>
+          </a:p>
+          <a:p>
+            <a:r>
+              <a:rPr lang="en-US" sz="1200" dirty="0"/>
+              <a:t>____________________</a:t>
+            </a:r>
+          </a:p>
+          <a:p>
+            <a:r>
+              <a:rPr lang="en-US" sz="1200" dirty="0"/>
+              <a:t>Ich bin </a:t>
+            </a:r>
+            <a:r>
+              <a:rPr lang="en-US" sz="1200" dirty="0" err="1"/>
+              <a:t>sterblich</a:t>
+            </a:r>
+            <a:r>
+              <a:rPr lang="en-US" sz="1200" dirty="0"/>
+              <a:t>.</a:t>
+            </a:r>
+          </a:p>
+        </p:txBody>
+      </p:sp>
+      <p:sp>
+        <p:nvSpPr>
+          <p:cNvPr id="18" name="Sprechblase: rechteckig 17">
+            <a:extLst>
+              <a:ext uri="{FF2B5EF4-FFF2-40B4-BE49-F238E27FC236}">
+                <a16:creationId xmlns:a16="http://schemas.microsoft.com/office/drawing/2014/main" id="{81A93EDE-2BD5-41A0-9E05-3D834D536C71}"/>
+              </a:ext>
+            </a:extLst>
+          </p:cNvPr>
+          <p:cNvSpPr/>
+          <p:nvPr/>
+        </p:nvSpPr>
+        <p:spPr>
+          <a:xfrm>
+            <a:off x="1100667" y="1601000"/>
+            <a:ext cx="2065867" cy="1219200"/>
+          </a:xfrm>
+          <a:prstGeom prst="wedgeRectCallout">
+            <a:avLst>
+              <a:gd name="adj1" fmla="val 37364"/>
+              <a:gd name="adj2" fmla="val 75694"/>
+            </a:avLst>
+          </a:prstGeom>
+          <a:solidFill>
+            <a:schemeClr val="bg1">
+              <a:lumMod val="95000"/>
+            </a:schemeClr>
+          </a:solidFill>
+        </p:spPr>
+        <p:style>
+          <a:lnRef idx="2">
+            <a:schemeClr val="dk1"/>
+          </a:lnRef>
+          <a:fillRef idx="1">
+            <a:schemeClr val="lt1"/>
+          </a:fillRef>
+          <a:effectRef idx="0">
+            <a:schemeClr val="dk1"/>
+          </a:effectRef>
+          <a:fontRef idx="minor">
+            <a:schemeClr val="dk1"/>
+          </a:fontRef>
+        </p:style>
+        <p:txBody>
+          <a:bodyPr rtlCol="0" anchor="ctr"/>
+          <a:lstStyle/>
+          <a:p>
+            <a:r>
+              <a:rPr lang="en-US" sz="1200" dirty="0"/>
+              <a:t>In </a:t>
+            </a:r>
+            <a:r>
+              <a:rPr lang="en-US" sz="1200" dirty="0" err="1"/>
+              <a:t>diesem</a:t>
+            </a:r>
+            <a:r>
+              <a:rPr lang="en-US" sz="1200" dirty="0"/>
+              <a:t> </a:t>
+            </a:r>
+            <a:r>
+              <a:rPr lang="en-US" sz="1200" dirty="0" err="1"/>
+              <a:t>Wartezimmer</a:t>
+            </a:r>
+            <a:r>
+              <a:rPr lang="en-US" sz="1200" dirty="0"/>
+              <a:t> </a:t>
+            </a:r>
+            <a:r>
+              <a:rPr lang="en-US" sz="1200" dirty="0" err="1"/>
+              <a:t>sind</a:t>
+            </a:r>
+            <a:r>
+              <a:rPr lang="en-US" sz="1200" dirty="0"/>
+              <a:t> </a:t>
+            </a:r>
+            <a:r>
+              <a:rPr lang="en-US" sz="1200" dirty="0" err="1"/>
+              <a:t>mehr</a:t>
+            </a:r>
+            <a:r>
+              <a:rPr lang="en-US" sz="1200" dirty="0"/>
+              <a:t> Frauen </a:t>
+            </a:r>
+            <a:r>
+              <a:rPr lang="en-US" sz="1200" dirty="0" err="1"/>
+              <a:t>als</a:t>
+            </a:r>
+            <a:r>
+              <a:rPr lang="en-US" sz="1200" dirty="0"/>
+              <a:t> </a:t>
+            </a:r>
+            <a:r>
+              <a:rPr lang="en-US" sz="1200" dirty="0" err="1"/>
+              <a:t>Männer</a:t>
+            </a:r>
+            <a:r>
+              <a:rPr lang="en-US" sz="1200" dirty="0"/>
+              <a:t>.</a:t>
+            </a:r>
+          </a:p>
+          <a:p>
+            <a:r>
+              <a:rPr lang="en-US" sz="1200" dirty="0"/>
+              <a:t>____________________</a:t>
+            </a:r>
+          </a:p>
+          <a:p>
+            <a:r>
+              <a:rPr lang="en-US" sz="1200" dirty="0"/>
+              <a:t>In </a:t>
+            </a:r>
+            <a:r>
+              <a:rPr lang="en-US" sz="1200" dirty="0" err="1"/>
+              <a:t>allen</a:t>
+            </a:r>
+            <a:r>
+              <a:rPr lang="en-US" sz="1200" dirty="0"/>
+              <a:t> </a:t>
+            </a:r>
+            <a:r>
+              <a:rPr lang="en-US" sz="1200" dirty="0" err="1"/>
+              <a:t>Wartezimmern</a:t>
+            </a:r>
+            <a:r>
+              <a:rPr lang="en-US" sz="1200" dirty="0"/>
+              <a:t> </a:t>
+            </a:r>
+            <a:r>
+              <a:rPr lang="en-US" sz="1200" dirty="0" err="1"/>
+              <a:t>sind</a:t>
+            </a:r>
+            <a:r>
+              <a:rPr lang="en-US" sz="1200" dirty="0"/>
+              <a:t> </a:t>
+            </a:r>
+            <a:r>
+              <a:rPr lang="en-US" sz="1200" dirty="0" err="1"/>
+              <a:t>mehr</a:t>
+            </a:r>
+            <a:r>
+              <a:rPr lang="en-US" sz="1200" dirty="0"/>
+              <a:t> Frauen </a:t>
+            </a:r>
+            <a:r>
+              <a:rPr lang="en-US" sz="1200" dirty="0" err="1"/>
+              <a:t>als</a:t>
+            </a:r>
+            <a:r>
+              <a:rPr lang="en-US" sz="1200" dirty="0"/>
+              <a:t> </a:t>
+            </a:r>
+            <a:r>
+              <a:rPr lang="en-US" sz="1200" dirty="0" err="1"/>
+              <a:t>Männer</a:t>
+            </a:r>
+            <a:r>
+              <a:rPr lang="en-US" sz="1200" dirty="0"/>
+              <a:t>.</a:t>
+            </a:r>
+          </a:p>
+        </p:txBody>
+      </p:sp>
+      <p:pic>
+        <p:nvPicPr>
+          <p:cNvPr id="20" name="Grafik 19">
+            <a:extLst>
+              <a:ext uri="{FF2B5EF4-FFF2-40B4-BE49-F238E27FC236}">
+                <a16:creationId xmlns:a16="http://schemas.microsoft.com/office/drawing/2014/main" id="{3FED1587-0DC7-4F2B-904B-3849E6D049B4}"/>
+              </a:ext>
+            </a:extLst>
+          </p:cNvPr>
+          <p:cNvPicPr>
+            <a:picLocks noChangeAspect="1"/>
+          </p:cNvPicPr>
+          <p:nvPr/>
+        </p:nvPicPr>
+        <p:blipFill>
+          <a:blip r:embed="rId2"/>
+          <a:stretch>
+            <a:fillRect/>
+          </a:stretch>
+        </p:blipFill>
+        <p:spPr>
+          <a:xfrm>
+            <a:off x="1147305" y="2583130"/>
+            <a:ext cx="10083658" cy="3346994"/>
+          </a:xfrm>
+          <a:prstGeom prst="rect">
+            <a:avLst/>
+          </a:prstGeom>
+        </p:spPr>
+      </p:pic>
     </p:spTree>
     <p:extLst>
       <p:ext uri="{BB962C8B-B14F-4D97-AF65-F5344CB8AC3E}">
         <p14:creationId xmlns:p14="http://schemas.microsoft.com/office/powerpoint/2010/main" val="1756088921"/>
+      </p:ext>
+    </p:extLst>
+  </p:cSld>
+  <p:clrMapOvr>
+    <a:masterClrMapping/>
+  </p:clrMapOvr>
+</p:sld>
+</file>
+
+<file path=ppt/slides/slide18.xml><?xml version="1.0" encoding="utf-8"?>
+<p:sld xmlns:a="http://schemas.openxmlformats.org/drawingml/2006/main" xmlns:r="http://schemas.openxmlformats.org/officeDocument/2006/relationships" xmlns:p="http://schemas.openxmlformats.org/presentationml/2006/main">
+  <p:cSld>
+    <p:spTree>
+      <p:nvGrpSpPr>
+        <p:cNvPr id="1" name=""/>
+        <p:cNvGrpSpPr/>
+        <p:nvPr/>
+      </p:nvGrpSpPr>
+      <p:grpSpPr>
+        <a:xfrm>
+          <a:off x="0" y="0"/>
+          <a:ext cx="0" cy="0"/>
+          <a:chOff x="0" y="0"/>
+          <a:chExt cx="0" cy="0"/>
+        </a:xfrm>
+      </p:grpSpPr>
+      <p:sp>
+        <p:nvSpPr>
+          <p:cNvPr id="7" name="Inhaltsplatzhalter 6">
+            <a:extLst>
+              <a:ext uri="{FF2B5EF4-FFF2-40B4-BE49-F238E27FC236}">
+                <a16:creationId xmlns:a16="http://schemas.microsoft.com/office/drawing/2014/main" id="{CBF203BE-B0FE-4076-8AC9-3993BCE185DD}"/>
+              </a:ext>
+            </a:extLst>
+          </p:cNvPr>
+          <p:cNvSpPr>
+            <a:spLocks noGrp="1"/>
+          </p:cNvSpPr>
+          <p:nvPr>
+            <p:ph idx="1"/>
+          </p:nvPr>
+        </p:nvSpPr>
+        <p:spPr/>
+        <p:txBody>
+          <a:bodyPr/>
+          <a:lstStyle/>
+          <a:p>
+            <a:endParaRPr lang="en-US"/>
+          </a:p>
+        </p:txBody>
+      </p:sp>
+      <p:pic>
+        <p:nvPicPr>
+          <p:cNvPr id="8" name="Grafik 7">
+            <a:extLst>
+              <a:ext uri="{FF2B5EF4-FFF2-40B4-BE49-F238E27FC236}">
+                <a16:creationId xmlns:a16="http://schemas.microsoft.com/office/drawing/2014/main" id="{E02414A1-15D8-4A87-9D57-D937AEAFE5E4}"/>
+              </a:ext>
+            </a:extLst>
+          </p:cNvPr>
+          <p:cNvPicPr>
+            <a:picLocks noChangeAspect="1"/>
+          </p:cNvPicPr>
+          <p:nvPr/>
+        </p:nvPicPr>
+        <p:blipFill>
+          <a:blip r:embed="rId2"/>
+          <a:stretch>
+            <a:fillRect/>
+          </a:stretch>
+        </p:blipFill>
+        <p:spPr>
+          <a:xfrm>
+            <a:off x="3904298" y="1203767"/>
+            <a:ext cx="4383404" cy="4450466"/>
+          </a:xfrm>
+          <a:prstGeom prst="rect">
+            <a:avLst/>
+          </a:prstGeom>
+        </p:spPr>
+      </p:pic>
+    </p:spTree>
+    <p:extLst>
+      <p:ext uri="{BB962C8B-B14F-4D97-AF65-F5344CB8AC3E}">
+        <p14:creationId xmlns:p14="http://schemas.microsoft.com/office/powerpoint/2010/main" val="4094071385"/>
       </p:ext>
     </p:extLst>
   </p:cSld>

--- a/images/Abbildungen-01.pptx
+++ b/images/Abbildungen-01.pptx
@@ -5,7 +5,7 @@
     <p:sldMasterId id="2147483648" r:id="rId1"/>
   </p:sldMasterIdLst>
   <p:notesMasterIdLst>
-    <p:notesMasterId r:id="rId22"/>
+    <p:notesMasterId r:id="rId25"/>
   </p:notesMasterIdLst>
   <p:sldIdLst>
     <p:sldId id="575" r:id="rId2"/>
@@ -18,16 +18,19 @@
     <p:sldId id="589" r:id="rId9"/>
     <p:sldId id="592" r:id="rId10"/>
     <p:sldId id="593" r:id="rId11"/>
-    <p:sldId id="594" r:id="rId12"/>
-    <p:sldId id="596" r:id="rId13"/>
-    <p:sldId id="599" r:id="rId14"/>
-    <p:sldId id="597" r:id="rId15"/>
-    <p:sldId id="598" r:id="rId16"/>
-    <p:sldId id="600" r:id="rId17"/>
-    <p:sldId id="602" r:id="rId18"/>
-    <p:sldId id="603" r:id="rId19"/>
-    <p:sldId id="604" r:id="rId20"/>
-    <p:sldId id="605" r:id="rId21"/>
+    <p:sldId id="607" r:id="rId12"/>
+    <p:sldId id="608" r:id="rId13"/>
+    <p:sldId id="594" r:id="rId14"/>
+    <p:sldId id="596" r:id="rId15"/>
+    <p:sldId id="599" r:id="rId16"/>
+    <p:sldId id="597" r:id="rId17"/>
+    <p:sldId id="598" r:id="rId18"/>
+    <p:sldId id="600" r:id="rId19"/>
+    <p:sldId id="602" r:id="rId20"/>
+    <p:sldId id="603" r:id="rId21"/>
+    <p:sldId id="604" r:id="rId22"/>
+    <p:sldId id="605" r:id="rId23"/>
+    <p:sldId id="606" r:id="rId24"/>
   </p:sldIdLst>
   <p:sldSz cx="12192000" cy="6858000"/>
   <p:notesSz cx="6858000" cy="9144000"/>
@@ -2551,6 +2554,813 @@
 </dgm:colorsDef>
 </file>
 
+<file path=ppt/diagrams/colors4.xml><?xml version="1.0" encoding="utf-8"?>
+<dgm:colorsDef xmlns:dgm="http://schemas.openxmlformats.org/drawingml/2006/diagram" xmlns:a="http://schemas.openxmlformats.org/drawingml/2006/main" uniqueId="urn:microsoft.com/office/officeart/2005/8/colors/accent0_1">
+  <dgm:title val=""/>
+  <dgm:desc val=""/>
+  <dgm:catLst>
+    <dgm:cat type="mainScheme" pri="10100"/>
+  </dgm:catLst>
+  <dgm:styleLbl name="node0">
+    <dgm:fillClrLst meth="repeat">
+      <a:schemeClr val="lt1"/>
+    </dgm:fillClrLst>
+    <dgm:linClrLst meth="repeat">
+      <a:schemeClr val="dk1">
+        <a:shade val="80000"/>
+      </a:schemeClr>
+    </dgm:linClrLst>
+    <dgm:effectClrLst/>
+    <dgm:txLinClrLst/>
+    <dgm:txFillClrLst meth="repeat">
+      <a:schemeClr val="dk1"/>
+    </dgm:txFillClrLst>
+    <dgm:txEffectClrLst/>
+  </dgm:styleLbl>
+  <dgm:styleLbl name="node1">
+    <dgm:fillClrLst meth="repeat">
+      <a:schemeClr val="lt1"/>
+    </dgm:fillClrLst>
+    <dgm:linClrLst meth="repeat">
+      <a:schemeClr val="dk1">
+        <a:shade val="80000"/>
+      </a:schemeClr>
+    </dgm:linClrLst>
+    <dgm:effectClrLst/>
+    <dgm:txLinClrLst/>
+    <dgm:txFillClrLst meth="repeat">
+      <a:schemeClr val="dk1"/>
+    </dgm:txFillClrLst>
+    <dgm:txEffectClrLst/>
+  </dgm:styleLbl>
+  <dgm:styleLbl name="alignNode1">
+    <dgm:fillClrLst meth="repeat">
+      <a:schemeClr val="lt1"/>
+    </dgm:fillClrLst>
+    <dgm:linClrLst meth="repeat">
+      <a:schemeClr val="dk1">
+        <a:shade val="80000"/>
+      </a:schemeClr>
+    </dgm:linClrLst>
+    <dgm:effectClrLst/>
+    <dgm:txLinClrLst/>
+    <dgm:txFillClrLst meth="repeat">
+      <a:schemeClr val="dk1"/>
+    </dgm:txFillClrLst>
+    <dgm:txEffectClrLst/>
+  </dgm:styleLbl>
+  <dgm:styleLbl name="lnNode1">
+    <dgm:fillClrLst meth="repeat">
+      <a:schemeClr val="lt1"/>
+    </dgm:fillClrLst>
+    <dgm:linClrLst meth="repeat">
+      <a:schemeClr val="dk1">
+        <a:shade val="80000"/>
+      </a:schemeClr>
+    </dgm:linClrLst>
+    <dgm:effectClrLst/>
+    <dgm:txLinClrLst/>
+    <dgm:txFillClrLst meth="repeat">
+      <a:schemeClr val="dk1"/>
+    </dgm:txFillClrLst>
+    <dgm:txEffectClrLst/>
+  </dgm:styleLbl>
+  <dgm:styleLbl name="vennNode1">
+    <dgm:fillClrLst meth="repeat">
+      <a:schemeClr val="lt1">
+        <a:alpha val="50000"/>
+      </a:schemeClr>
+    </dgm:fillClrLst>
+    <dgm:linClrLst meth="repeat">
+      <a:schemeClr val="dk1">
+        <a:shade val="80000"/>
+      </a:schemeClr>
+    </dgm:linClrLst>
+    <dgm:effectClrLst/>
+    <dgm:txLinClrLst/>
+    <dgm:txFillClrLst/>
+    <dgm:txEffectClrLst/>
+  </dgm:styleLbl>
+  <dgm:styleLbl name="node2">
+    <dgm:fillClrLst meth="repeat">
+      <a:schemeClr val="lt1"/>
+    </dgm:fillClrLst>
+    <dgm:linClrLst meth="repeat">
+      <a:schemeClr val="dk1">
+        <a:shade val="80000"/>
+      </a:schemeClr>
+    </dgm:linClrLst>
+    <dgm:effectClrLst/>
+    <dgm:txLinClrLst/>
+    <dgm:txFillClrLst meth="repeat">
+      <a:schemeClr val="dk1"/>
+    </dgm:txFillClrLst>
+    <dgm:txEffectClrLst/>
+  </dgm:styleLbl>
+  <dgm:styleLbl name="node3">
+    <dgm:fillClrLst meth="repeat">
+      <a:schemeClr val="lt1"/>
+    </dgm:fillClrLst>
+    <dgm:linClrLst meth="repeat">
+      <a:schemeClr val="dk1">
+        <a:shade val="80000"/>
+      </a:schemeClr>
+    </dgm:linClrLst>
+    <dgm:effectClrLst/>
+    <dgm:txLinClrLst/>
+    <dgm:txFillClrLst meth="repeat">
+      <a:schemeClr val="dk1"/>
+    </dgm:txFillClrLst>
+    <dgm:txEffectClrLst/>
+  </dgm:styleLbl>
+  <dgm:styleLbl name="node4">
+    <dgm:fillClrLst meth="repeat">
+      <a:schemeClr val="lt1"/>
+    </dgm:fillClrLst>
+    <dgm:linClrLst meth="repeat">
+      <a:schemeClr val="dk1">
+        <a:shade val="80000"/>
+      </a:schemeClr>
+    </dgm:linClrLst>
+    <dgm:effectClrLst/>
+    <dgm:txLinClrLst/>
+    <dgm:txFillClrLst meth="repeat">
+      <a:schemeClr val="dk1"/>
+    </dgm:txFillClrLst>
+    <dgm:txEffectClrLst/>
+  </dgm:styleLbl>
+  <dgm:styleLbl name="fgImgPlace1">
+    <dgm:fillClrLst meth="repeat">
+      <a:schemeClr val="dk1">
+        <a:tint val="40000"/>
+      </a:schemeClr>
+    </dgm:fillClrLst>
+    <dgm:linClrLst meth="repeat">
+      <a:schemeClr val="dk1">
+        <a:shade val="80000"/>
+      </a:schemeClr>
+    </dgm:linClrLst>
+    <dgm:effectClrLst/>
+    <dgm:txLinClrLst/>
+    <dgm:txFillClrLst meth="repeat">
+      <a:schemeClr val="lt1"/>
+    </dgm:txFillClrLst>
+    <dgm:txEffectClrLst/>
+  </dgm:styleLbl>
+  <dgm:styleLbl name="alignImgPlace1">
+    <dgm:fillClrLst meth="repeat">
+      <a:schemeClr val="dk1">
+        <a:tint val="40000"/>
+      </a:schemeClr>
+    </dgm:fillClrLst>
+    <dgm:linClrLst meth="repeat">
+      <a:schemeClr val="dk1">
+        <a:shade val="80000"/>
+      </a:schemeClr>
+    </dgm:linClrLst>
+    <dgm:effectClrLst/>
+    <dgm:txLinClrLst/>
+    <dgm:txFillClrLst meth="repeat">
+      <a:schemeClr val="lt1"/>
+    </dgm:txFillClrLst>
+    <dgm:txEffectClrLst/>
+  </dgm:styleLbl>
+  <dgm:styleLbl name="bgImgPlace1">
+    <dgm:fillClrLst meth="repeat">
+      <a:schemeClr val="dk1">
+        <a:tint val="40000"/>
+      </a:schemeClr>
+    </dgm:fillClrLst>
+    <dgm:linClrLst meth="repeat">
+      <a:schemeClr val="dk1">
+        <a:shade val="80000"/>
+      </a:schemeClr>
+    </dgm:linClrLst>
+    <dgm:effectClrLst/>
+    <dgm:txLinClrLst/>
+    <dgm:txFillClrLst meth="repeat">
+      <a:schemeClr val="lt1"/>
+    </dgm:txFillClrLst>
+    <dgm:txEffectClrLst/>
+  </dgm:styleLbl>
+  <dgm:styleLbl name="sibTrans2D1">
+    <dgm:fillClrLst meth="repeat">
+      <a:schemeClr val="dk1">
+        <a:tint val="60000"/>
+      </a:schemeClr>
+    </dgm:fillClrLst>
+    <dgm:linClrLst meth="repeat">
+      <a:schemeClr val="dk1">
+        <a:tint val="60000"/>
+      </a:schemeClr>
+    </dgm:linClrLst>
+    <dgm:effectClrLst/>
+    <dgm:txLinClrLst/>
+    <dgm:txFillClrLst meth="repeat">
+      <a:schemeClr val="dk1"/>
+    </dgm:txFillClrLst>
+    <dgm:txEffectClrLst/>
+  </dgm:styleLbl>
+  <dgm:styleLbl name="fgSibTrans2D1">
+    <dgm:fillClrLst meth="repeat">
+      <a:schemeClr val="dk1">
+        <a:tint val="60000"/>
+      </a:schemeClr>
+    </dgm:fillClrLst>
+    <dgm:linClrLst meth="repeat">
+      <a:schemeClr val="dk1">
+        <a:tint val="60000"/>
+      </a:schemeClr>
+    </dgm:linClrLst>
+    <dgm:effectClrLst/>
+    <dgm:txLinClrLst/>
+    <dgm:txFillClrLst meth="repeat">
+      <a:schemeClr val="dk1"/>
+    </dgm:txFillClrLst>
+    <dgm:txEffectClrLst/>
+  </dgm:styleLbl>
+  <dgm:styleLbl name="bgSibTrans2D1">
+    <dgm:fillClrLst meth="repeat">
+      <a:schemeClr val="dk1">
+        <a:tint val="60000"/>
+      </a:schemeClr>
+    </dgm:fillClrLst>
+    <dgm:linClrLst meth="repeat">
+      <a:schemeClr val="dk1">
+        <a:tint val="60000"/>
+      </a:schemeClr>
+    </dgm:linClrLst>
+    <dgm:effectClrLst/>
+    <dgm:txLinClrLst/>
+    <dgm:txFillClrLst meth="repeat">
+      <a:schemeClr val="dk1"/>
+    </dgm:txFillClrLst>
+    <dgm:txEffectClrLst/>
+  </dgm:styleLbl>
+  <dgm:styleLbl name="sibTrans1D1">
+    <dgm:fillClrLst meth="repeat">
+      <a:schemeClr val="dk1"/>
+    </dgm:fillClrLst>
+    <dgm:linClrLst meth="repeat">
+      <a:schemeClr val="dk1"/>
+    </dgm:linClrLst>
+    <dgm:effectClrLst/>
+    <dgm:txLinClrLst/>
+    <dgm:txFillClrLst meth="repeat">
+      <a:schemeClr val="tx1"/>
+    </dgm:txFillClrLst>
+    <dgm:txEffectClrLst/>
+  </dgm:styleLbl>
+  <dgm:styleLbl name="callout">
+    <dgm:fillClrLst meth="repeat">
+      <a:schemeClr val="dk1"/>
+    </dgm:fillClrLst>
+    <dgm:linClrLst meth="repeat">
+      <a:schemeClr val="dk1"/>
+    </dgm:linClrLst>
+    <dgm:effectClrLst/>
+    <dgm:txLinClrLst/>
+    <dgm:txFillClrLst meth="repeat">
+      <a:schemeClr val="tx1"/>
+    </dgm:txFillClrLst>
+    <dgm:txEffectClrLst/>
+  </dgm:styleLbl>
+  <dgm:styleLbl name="asst0">
+    <dgm:fillClrLst meth="repeat">
+      <a:schemeClr val="lt1"/>
+    </dgm:fillClrLst>
+    <dgm:linClrLst meth="repeat">
+      <a:schemeClr val="dk1">
+        <a:shade val="80000"/>
+      </a:schemeClr>
+    </dgm:linClrLst>
+    <dgm:effectClrLst/>
+    <dgm:txLinClrLst/>
+    <dgm:txFillClrLst meth="repeat">
+      <a:schemeClr val="dk1"/>
+    </dgm:txFillClrLst>
+    <dgm:txEffectClrLst/>
+  </dgm:styleLbl>
+  <dgm:styleLbl name="asst1">
+    <dgm:fillClrLst meth="repeat">
+      <a:schemeClr val="lt1"/>
+    </dgm:fillClrLst>
+    <dgm:linClrLst meth="repeat">
+      <a:schemeClr val="dk1">
+        <a:shade val="80000"/>
+      </a:schemeClr>
+    </dgm:linClrLst>
+    <dgm:effectClrLst/>
+    <dgm:txLinClrLst/>
+    <dgm:txFillClrLst meth="repeat">
+      <a:schemeClr val="dk1"/>
+    </dgm:txFillClrLst>
+    <dgm:txEffectClrLst/>
+  </dgm:styleLbl>
+  <dgm:styleLbl name="asst2">
+    <dgm:fillClrLst meth="repeat">
+      <a:schemeClr val="lt1"/>
+    </dgm:fillClrLst>
+    <dgm:linClrLst meth="repeat">
+      <a:schemeClr val="dk1">
+        <a:shade val="80000"/>
+      </a:schemeClr>
+    </dgm:linClrLst>
+    <dgm:effectClrLst/>
+    <dgm:txLinClrLst/>
+    <dgm:txFillClrLst meth="repeat">
+      <a:schemeClr val="dk1"/>
+    </dgm:txFillClrLst>
+    <dgm:txEffectClrLst/>
+  </dgm:styleLbl>
+  <dgm:styleLbl name="asst3">
+    <dgm:fillClrLst meth="repeat">
+      <a:schemeClr val="lt1"/>
+    </dgm:fillClrLst>
+    <dgm:linClrLst meth="repeat">
+      <a:schemeClr val="dk1">
+        <a:shade val="80000"/>
+      </a:schemeClr>
+    </dgm:linClrLst>
+    <dgm:effectClrLst/>
+    <dgm:txLinClrLst/>
+    <dgm:txFillClrLst meth="repeat">
+      <a:schemeClr val="dk1"/>
+    </dgm:txFillClrLst>
+    <dgm:txEffectClrLst/>
+  </dgm:styleLbl>
+  <dgm:styleLbl name="asst4">
+    <dgm:fillClrLst meth="repeat">
+      <a:schemeClr val="lt1"/>
+    </dgm:fillClrLst>
+    <dgm:linClrLst meth="repeat">
+      <a:schemeClr val="dk1">
+        <a:shade val="80000"/>
+      </a:schemeClr>
+    </dgm:linClrLst>
+    <dgm:effectClrLst/>
+    <dgm:txLinClrLst/>
+    <dgm:txFillClrLst meth="repeat">
+      <a:schemeClr val="dk1"/>
+    </dgm:txFillClrLst>
+    <dgm:txEffectClrLst/>
+  </dgm:styleLbl>
+  <dgm:styleLbl name="parChTrans2D1">
+    <dgm:fillClrLst meth="repeat">
+      <a:schemeClr val="dk1">
+        <a:tint val="60000"/>
+      </a:schemeClr>
+    </dgm:fillClrLst>
+    <dgm:linClrLst meth="repeat">
+      <a:schemeClr val="dk1">
+        <a:tint val="60000"/>
+      </a:schemeClr>
+    </dgm:linClrLst>
+    <dgm:effectClrLst/>
+    <dgm:txLinClrLst/>
+    <dgm:txFillClrLst/>
+    <dgm:txEffectClrLst/>
+  </dgm:styleLbl>
+  <dgm:styleLbl name="parChTrans2D2">
+    <dgm:fillClrLst meth="repeat">
+      <a:schemeClr val="dk1"/>
+    </dgm:fillClrLst>
+    <dgm:linClrLst meth="repeat">
+      <a:schemeClr val="dk1"/>
+    </dgm:linClrLst>
+    <dgm:effectClrLst/>
+    <dgm:txLinClrLst/>
+    <dgm:txFillClrLst/>
+    <dgm:txEffectClrLst/>
+  </dgm:styleLbl>
+  <dgm:styleLbl name="parChTrans2D3">
+    <dgm:fillClrLst meth="repeat">
+      <a:schemeClr val="dk1"/>
+    </dgm:fillClrLst>
+    <dgm:linClrLst meth="repeat">
+      <a:schemeClr val="dk1"/>
+    </dgm:linClrLst>
+    <dgm:effectClrLst/>
+    <dgm:txLinClrLst/>
+    <dgm:txFillClrLst/>
+    <dgm:txEffectClrLst/>
+  </dgm:styleLbl>
+  <dgm:styleLbl name="parChTrans2D4">
+    <dgm:fillClrLst meth="repeat">
+      <a:schemeClr val="dk1"/>
+    </dgm:fillClrLst>
+    <dgm:linClrLst meth="repeat">
+      <a:schemeClr val="dk1"/>
+    </dgm:linClrLst>
+    <dgm:effectClrLst/>
+    <dgm:txLinClrLst/>
+    <dgm:txFillClrLst meth="repeat">
+      <a:schemeClr val="lt1"/>
+    </dgm:txFillClrLst>
+    <dgm:txEffectClrLst/>
+  </dgm:styleLbl>
+  <dgm:styleLbl name="parChTrans1D1">
+    <dgm:fillClrLst meth="repeat">
+      <a:schemeClr val="dk1"/>
+    </dgm:fillClrLst>
+    <dgm:linClrLst meth="repeat">
+      <a:schemeClr val="dk1">
+        <a:shade val="60000"/>
+      </a:schemeClr>
+    </dgm:linClrLst>
+    <dgm:effectClrLst/>
+    <dgm:txLinClrLst/>
+    <dgm:txFillClrLst meth="repeat">
+      <a:schemeClr val="tx1"/>
+    </dgm:txFillClrLst>
+    <dgm:txEffectClrLst/>
+  </dgm:styleLbl>
+  <dgm:styleLbl name="parChTrans1D2">
+    <dgm:fillClrLst meth="repeat">
+      <a:schemeClr val="dk1"/>
+    </dgm:fillClrLst>
+    <dgm:linClrLst meth="repeat">
+      <a:schemeClr val="dk1">
+        <a:shade val="60000"/>
+      </a:schemeClr>
+    </dgm:linClrLst>
+    <dgm:effectClrLst/>
+    <dgm:txLinClrLst/>
+    <dgm:txFillClrLst meth="repeat">
+      <a:schemeClr val="tx1"/>
+    </dgm:txFillClrLst>
+    <dgm:txEffectClrLst/>
+  </dgm:styleLbl>
+  <dgm:styleLbl name="parChTrans1D3">
+    <dgm:fillClrLst meth="repeat">
+      <a:schemeClr val="dk1"/>
+    </dgm:fillClrLst>
+    <dgm:linClrLst meth="repeat">
+      <a:schemeClr val="dk1">
+        <a:shade val="80000"/>
+      </a:schemeClr>
+    </dgm:linClrLst>
+    <dgm:effectClrLst/>
+    <dgm:txLinClrLst/>
+    <dgm:txFillClrLst meth="repeat">
+      <a:schemeClr val="tx1"/>
+    </dgm:txFillClrLst>
+    <dgm:txEffectClrLst/>
+  </dgm:styleLbl>
+  <dgm:styleLbl name="parChTrans1D4">
+    <dgm:fillClrLst meth="repeat">
+      <a:schemeClr val="dk1"/>
+    </dgm:fillClrLst>
+    <dgm:linClrLst meth="repeat">
+      <a:schemeClr val="dk1">
+        <a:shade val="80000"/>
+      </a:schemeClr>
+    </dgm:linClrLst>
+    <dgm:effectClrLst/>
+    <dgm:txLinClrLst/>
+    <dgm:txFillClrLst meth="repeat">
+      <a:schemeClr val="tx1"/>
+    </dgm:txFillClrLst>
+    <dgm:txEffectClrLst/>
+  </dgm:styleLbl>
+  <dgm:styleLbl name="fgAcc1">
+    <dgm:fillClrLst meth="repeat">
+      <a:schemeClr val="dk1">
+        <a:alpha val="90000"/>
+        <a:tint val="40000"/>
+      </a:schemeClr>
+    </dgm:fillClrLst>
+    <dgm:linClrLst meth="repeat">
+      <a:schemeClr val="dk1"/>
+    </dgm:linClrLst>
+    <dgm:effectClrLst/>
+    <dgm:txLinClrLst/>
+    <dgm:txFillClrLst meth="repeat">
+      <a:schemeClr val="dk1"/>
+    </dgm:txFillClrLst>
+    <dgm:txEffectClrLst/>
+  </dgm:styleLbl>
+  <dgm:styleLbl name="conFgAcc1">
+    <dgm:fillClrLst meth="repeat">
+      <a:schemeClr val="dk1">
+        <a:alpha val="90000"/>
+        <a:tint val="40000"/>
+      </a:schemeClr>
+    </dgm:fillClrLst>
+    <dgm:linClrLst meth="repeat">
+      <a:schemeClr val="dk1"/>
+    </dgm:linClrLst>
+    <dgm:effectClrLst/>
+    <dgm:txLinClrLst/>
+    <dgm:txFillClrLst meth="repeat">
+      <a:schemeClr val="dk1"/>
+    </dgm:txFillClrLst>
+    <dgm:txEffectClrLst/>
+  </dgm:styleLbl>
+  <dgm:styleLbl name="alignAcc1">
+    <dgm:fillClrLst meth="repeat">
+      <a:schemeClr val="dk1">
+        <a:alpha val="90000"/>
+        <a:tint val="40000"/>
+      </a:schemeClr>
+    </dgm:fillClrLst>
+    <dgm:linClrLst meth="repeat">
+      <a:schemeClr val="dk1"/>
+    </dgm:linClrLst>
+    <dgm:effectClrLst/>
+    <dgm:txLinClrLst/>
+    <dgm:txFillClrLst meth="repeat">
+      <a:schemeClr val="dk1"/>
+    </dgm:txFillClrLst>
+    <dgm:txEffectClrLst/>
+  </dgm:styleLbl>
+  <dgm:styleLbl name="trAlignAcc1">
+    <dgm:fillClrLst meth="repeat">
+      <a:schemeClr val="dk1">
+        <a:alpha val="40000"/>
+        <a:tint val="40000"/>
+      </a:schemeClr>
+    </dgm:fillClrLst>
+    <dgm:linClrLst meth="repeat">
+      <a:schemeClr val="dk1"/>
+    </dgm:linClrLst>
+    <dgm:effectClrLst/>
+    <dgm:txLinClrLst/>
+    <dgm:txFillClrLst meth="repeat">
+      <a:schemeClr val="dk1"/>
+    </dgm:txFillClrLst>
+    <dgm:txEffectClrLst/>
+  </dgm:styleLbl>
+  <dgm:styleLbl name="bgAcc1">
+    <dgm:fillClrLst meth="repeat">
+      <a:schemeClr val="dk1">
+        <a:alpha val="90000"/>
+        <a:tint val="40000"/>
+      </a:schemeClr>
+    </dgm:fillClrLst>
+    <dgm:linClrLst meth="repeat">
+      <a:schemeClr val="dk1"/>
+    </dgm:linClrLst>
+    <dgm:effectClrLst/>
+    <dgm:txLinClrLst/>
+    <dgm:txFillClrLst meth="repeat">
+      <a:schemeClr val="dk1"/>
+    </dgm:txFillClrLst>
+    <dgm:txEffectClrLst/>
+  </dgm:styleLbl>
+  <dgm:styleLbl name="solidFgAcc1">
+    <dgm:fillClrLst meth="repeat">
+      <a:schemeClr val="lt1"/>
+    </dgm:fillClrLst>
+    <dgm:linClrLst meth="repeat">
+      <a:schemeClr val="dk1"/>
+    </dgm:linClrLst>
+    <dgm:effectClrLst/>
+    <dgm:txLinClrLst/>
+    <dgm:txFillClrLst meth="repeat">
+      <a:schemeClr val="dk1"/>
+    </dgm:txFillClrLst>
+    <dgm:txEffectClrLst/>
+  </dgm:styleLbl>
+  <dgm:styleLbl name="solidAlignAcc1">
+    <dgm:fillClrLst meth="repeat">
+      <a:schemeClr val="lt1"/>
+    </dgm:fillClrLst>
+    <dgm:linClrLst meth="repeat">
+      <a:schemeClr val="dk1"/>
+    </dgm:linClrLst>
+    <dgm:effectClrLst/>
+    <dgm:txLinClrLst/>
+    <dgm:txFillClrLst meth="repeat">
+      <a:schemeClr val="dk1"/>
+    </dgm:txFillClrLst>
+    <dgm:txEffectClrLst/>
+  </dgm:styleLbl>
+  <dgm:styleLbl name="solidBgAcc1">
+    <dgm:fillClrLst meth="repeat">
+      <a:schemeClr val="lt1"/>
+    </dgm:fillClrLst>
+    <dgm:linClrLst meth="repeat">
+      <a:schemeClr val="dk1"/>
+    </dgm:linClrLst>
+    <dgm:effectClrLst/>
+    <dgm:txLinClrLst/>
+    <dgm:txFillClrLst meth="repeat">
+      <a:schemeClr val="dk1"/>
+    </dgm:txFillClrLst>
+    <dgm:txEffectClrLst/>
+  </dgm:styleLbl>
+  <dgm:styleLbl name="fgAccFollowNode1">
+    <dgm:fillClrLst meth="repeat">
+      <a:schemeClr val="lt1">
+        <a:alpha val="90000"/>
+        <a:tint val="40000"/>
+      </a:schemeClr>
+    </dgm:fillClrLst>
+    <dgm:linClrLst meth="repeat">
+      <a:schemeClr val="dk1">
+        <a:alpha val="90000"/>
+      </a:schemeClr>
+    </dgm:linClrLst>
+    <dgm:effectClrLst/>
+    <dgm:txLinClrLst/>
+    <dgm:txFillClrLst meth="repeat">
+      <a:schemeClr val="dk1"/>
+    </dgm:txFillClrLst>
+    <dgm:txEffectClrLst/>
+  </dgm:styleLbl>
+  <dgm:styleLbl name="alignAccFollowNode1">
+    <dgm:fillClrLst meth="repeat">
+      <a:schemeClr val="lt1">
+        <a:alpha val="90000"/>
+        <a:tint val="40000"/>
+      </a:schemeClr>
+    </dgm:fillClrLst>
+    <dgm:linClrLst meth="repeat">
+      <a:schemeClr val="dk1">
+        <a:alpha val="90000"/>
+      </a:schemeClr>
+    </dgm:linClrLst>
+    <dgm:effectClrLst/>
+    <dgm:txLinClrLst/>
+    <dgm:txFillClrLst meth="repeat">
+      <a:schemeClr val="dk1"/>
+    </dgm:txFillClrLst>
+    <dgm:txEffectClrLst/>
+  </dgm:styleLbl>
+  <dgm:styleLbl name="bgAccFollowNode1">
+    <dgm:fillClrLst meth="repeat">
+      <a:schemeClr val="lt1">
+        <a:alpha val="90000"/>
+        <a:tint val="40000"/>
+      </a:schemeClr>
+    </dgm:fillClrLst>
+    <dgm:linClrLst meth="repeat">
+      <a:schemeClr val="dk1">
+        <a:alpha val="90000"/>
+      </a:schemeClr>
+    </dgm:linClrLst>
+    <dgm:effectClrLst/>
+    <dgm:txLinClrLst/>
+    <dgm:txFillClrLst meth="repeat">
+      <a:schemeClr val="dk1"/>
+    </dgm:txFillClrLst>
+    <dgm:txEffectClrLst/>
+  </dgm:styleLbl>
+  <dgm:styleLbl name="fgAcc0">
+    <dgm:fillClrLst meth="repeat">
+      <a:schemeClr val="dk1">
+        <a:alpha val="90000"/>
+        <a:tint val="40000"/>
+      </a:schemeClr>
+    </dgm:fillClrLst>
+    <dgm:linClrLst meth="repeat">
+      <a:schemeClr val="dk1"/>
+    </dgm:linClrLst>
+    <dgm:effectClrLst/>
+    <dgm:txLinClrLst/>
+    <dgm:txFillClrLst meth="repeat">
+      <a:schemeClr val="dk1"/>
+    </dgm:txFillClrLst>
+    <dgm:txEffectClrLst/>
+  </dgm:styleLbl>
+  <dgm:styleLbl name="fgAcc2">
+    <dgm:fillClrLst meth="repeat">
+      <a:schemeClr val="dk1">
+        <a:alpha val="90000"/>
+        <a:tint val="40000"/>
+      </a:schemeClr>
+    </dgm:fillClrLst>
+    <dgm:linClrLst meth="repeat">
+      <a:schemeClr val="dk1"/>
+    </dgm:linClrLst>
+    <dgm:effectClrLst/>
+    <dgm:txLinClrLst/>
+    <dgm:txFillClrLst meth="repeat">
+      <a:schemeClr val="dk1"/>
+    </dgm:txFillClrLst>
+    <dgm:txEffectClrLst/>
+  </dgm:styleLbl>
+  <dgm:styleLbl name="fgAcc3">
+    <dgm:fillClrLst meth="repeat">
+      <a:schemeClr val="dk1">
+        <a:alpha val="90000"/>
+        <a:tint val="40000"/>
+      </a:schemeClr>
+    </dgm:fillClrLst>
+    <dgm:linClrLst meth="repeat">
+      <a:schemeClr val="dk1"/>
+    </dgm:linClrLst>
+    <dgm:effectClrLst/>
+    <dgm:txLinClrLst/>
+    <dgm:txFillClrLst meth="repeat">
+      <a:schemeClr val="dk1"/>
+    </dgm:txFillClrLst>
+    <dgm:txEffectClrLst/>
+  </dgm:styleLbl>
+  <dgm:styleLbl name="fgAcc4">
+    <dgm:fillClrLst meth="repeat">
+      <a:schemeClr val="dk1">
+        <a:alpha val="90000"/>
+        <a:tint val="40000"/>
+      </a:schemeClr>
+    </dgm:fillClrLst>
+    <dgm:linClrLst meth="repeat">
+      <a:schemeClr val="dk1"/>
+    </dgm:linClrLst>
+    <dgm:effectClrLst/>
+    <dgm:txLinClrLst/>
+    <dgm:txFillClrLst meth="repeat">
+      <a:schemeClr val="dk1"/>
+    </dgm:txFillClrLst>
+    <dgm:txEffectClrLst/>
+  </dgm:styleLbl>
+  <dgm:styleLbl name="bgShp">
+    <dgm:fillClrLst meth="repeat">
+      <a:schemeClr val="dk1">
+        <a:tint val="40000"/>
+      </a:schemeClr>
+    </dgm:fillClrLst>
+    <dgm:linClrLst meth="repeat">
+      <a:schemeClr val="dk1"/>
+    </dgm:linClrLst>
+    <dgm:effectClrLst/>
+    <dgm:txLinClrLst/>
+    <dgm:txFillClrLst meth="repeat">
+      <a:schemeClr val="dk1"/>
+    </dgm:txFillClrLst>
+    <dgm:txEffectClrLst/>
+  </dgm:styleLbl>
+  <dgm:styleLbl name="dkBgShp">
+    <dgm:fillClrLst meth="repeat">
+      <a:schemeClr val="dk1">
+        <a:shade val="80000"/>
+      </a:schemeClr>
+    </dgm:fillClrLst>
+    <dgm:linClrLst meth="repeat">
+      <a:schemeClr val="dk1"/>
+    </dgm:linClrLst>
+    <dgm:effectClrLst/>
+    <dgm:txLinClrLst/>
+    <dgm:txFillClrLst meth="repeat">
+      <a:schemeClr val="lt1"/>
+    </dgm:txFillClrLst>
+    <dgm:txEffectClrLst/>
+  </dgm:styleLbl>
+  <dgm:styleLbl name="trBgShp">
+    <dgm:fillClrLst meth="repeat">
+      <a:schemeClr val="dk1">
+        <a:tint val="50000"/>
+        <a:alpha val="40000"/>
+      </a:schemeClr>
+    </dgm:fillClrLst>
+    <dgm:linClrLst meth="repeat">
+      <a:schemeClr val="dk1"/>
+    </dgm:linClrLst>
+    <dgm:effectClrLst/>
+    <dgm:txLinClrLst/>
+    <dgm:txFillClrLst meth="repeat">
+      <a:schemeClr val="lt1"/>
+    </dgm:txFillClrLst>
+    <dgm:txEffectClrLst/>
+  </dgm:styleLbl>
+  <dgm:styleLbl name="fgShp">
+    <dgm:fillClrLst meth="repeat">
+      <a:schemeClr val="dk1">
+        <a:tint val="60000"/>
+      </a:schemeClr>
+    </dgm:fillClrLst>
+    <dgm:linClrLst meth="repeat">
+      <a:schemeClr val="lt1"/>
+    </dgm:linClrLst>
+    <dgm:effectClrLst/>
+    <dgm:txLinClrLst/>
+    <dgm:txFillClrLst meth="repeat">
+      <a:schemeClr val="dk1"/>
+    </dgm:txFillClrLst>
+    <dgm:txEffectClrLst/>
+  </dgm:styleLbl>
+  <dgm:styleLbl name="revTx">
+    <dgm:fillClrLst meth="repeat">
+      <a:schemeClr val="lt1">
+        <a:alpha val="0"/>
+      </a:schemeClr>
+    </dgm:fillClrLst>
+    <dgm:linClrLst meth="repeat">
+      <a:schemeClr val="dk1">
+        <a:alpha val="0"/>
+      </a:schemeClr>
+    </dgm:linClrLst>
+    <dgm:effectClrLst/>
+    <dgm:txLinClrLst/>
+    <dgm:txFillClrLst meth="repeat">
+      <a:schemeClr val="tx1"/>
+    </dgm:txFillClrLst>
+    <dgm:txEffectClrLst/>
+  </dgm:styleLbl>
+</dgm:colorsDef>
+</file>
+
 <file path=ppt/diagrams/data1.xml><?xml version="1.0" encoding="utf-8"?>
 <dgm:dataModel xmlns:dgm="http://schemas.openxmlformats.org/drawingml/2006/diagram" xmlns:a="http://schemas.openxmlformats.org/drawingml/2006/main">
   <dgm:ptLst>
@@ -4822,6 +5632,319 @@
     <dgm:cxn modelId="{0BA66AE1-DA22-457E-83BD-E717565E64DB}" type="presParOf" srcId="{B3CDADAF-6970-4C01-895C-3465FB581547}" destId="{215F2592-3FD7-4C27-ABB4-2735A7018975}" srcOrd="9" destOrd="0" presId="urn:microsoft.com/office/officeart/2005/8/layout/cycle5"/>
     <dgm:cxn modelId="{530BE933-5F46-4071-89A6-12821F00E14B}" type="presParOf" srcId="{B3CDADAF-6970-4C01-895C-3465FB581547}" destId="{847288D9-1944-4410-9E55-80B39F57D1FF}" srcOrd="10" destOrd="0" presId="urn:microsoft.com/office/officeart/2005/8/layout/cycle5"/>
     <dgm:cxn modelId="{5C800C7B-7DBC-4EDD-9808-EB72C6DE8BDA}" type="presParOf" srcId="{B3CDADAF-6970-4C01-895C-3465FB581547}" destId="{CBBE588A-ED94-43CE-80B9-A5CC3ABA02C0}" srcOrd="11" destOrd="0" presId="urn:microsoft.com/office/officeart/2005/8/layout/cycle5"/>
+  </dgm:cxnLst>
+  <dgm:bg>
+    <a:solidFill>
+      <a:schemeClr val="bg1"/>
+    </a:solidFill>
+  </dgm:bg>
+  <dgm:whole/>
+  <dgm:extLst>
+    <a:ext uri="http://schemas.microsoft.com/office/drawing/2008/diagram">
+      <dsp:dataModelExt xmlns:dsp="http://schemas.microsoft.com/office/drawing/2008/diagram" relId="rId6" minVer="http://schemas.openxmlformats.org/drawingml/2006/diagram"/>
+    </a:ext>
+  </dgm:extLst>
+</dgm:dataModel>
+</file>
+
+<file path=ppt/diagrams/data4.xml><?xml version="1.0" encoding="utf-8"?>
+<dgm:dataModel xmlns:dgm="http://schemas.openxmlformats.org/drawingml/2006/diagram" xmlns:a="http://schemas.openxmlformats.org/drawingml/2006/main">
+  <dgm:ptLst>
+    <dgm:pt modelId="{98819CB5-F1B1-42AF-BF0F-804C4CBE53D1}" type="doc">
+      <dgm:prSet loTypeId="urn:microsoft.com/office/officeart/2005/8/layout/pyramid2" loCatId="list" qsTypeId="urn:microsoft.com/office/officeart/2005/8/quickstyle/simple1" qsCatId="simple" csTypeId="urn:microsoft.com/office/officeart/2005/8/colors/accent0_1" csCatId="mainScheme" phldr="1"/>
+      <dgm:spPr/>
+    </dgm:pt>
+    <dgm:pt modelId="{7B79D231-1DE6-496F-ABC4-B9A27C4BADAA}">
+      <dgm:prSet phldrT="[Text]"/>
+      <dgm:spPr/>
+      <dgm:t>
+        <a:bodyPr/>
+        <a:lstStyle/>
+        <a:p>
+          <a:r>
+            <a:rPr lang="en-US" dirty="0" err="1"/>
+            <a:t>Politik</a:t>
+          </a:r>
+          <a:endParaRPr lang="en-US" dirty="0"/>
+        </a:p>
+      </dgm:t>
+    </dgm:pt>
+    <dgm:pt modelId="{3857312A-5EC9-4119-A164-ED3E8D731875}" type="parTrans" cxnId="{1CEC2371-C32D-4BE5-9C53-6608BE61A4FF}">
+      <dgm:prSet/>
+      <dgm:spPr/>
+      <dgm:t>
+        <a:bodyPr/>
+        <a:lstStyle/>
+        <a:p>
+          <a:endParaRPr lang="en-US"/>
+        </a:p>
+      </dgm:t>
+    </dgm:pt>
+    <dgm:pt modelId="{803C5A04-9FA0-4043-AE10-64010D325CA7}" type="sibTrans" cxnId="{1CEC2371-C32D-4BE5-9C53-6608BE61A4FF}">
+      <dgm:prSet/>
+      <dgm:spPr/>
+      <dgm:t>
+        <a:bodyPr/>
+        <a:lstStyle/>
+        <a:p>
+          <a:endParaRPr lang="en-US"/>
+        </a:p>
+      </dgm:t>
+    </dgm:pt>
+    <dgm:pt modelId="{8DE2F943-408E-457C-A29B-4DF77265DA60}">
+      <dgm:prSet phldrT="[Text]"/>
+      <dgm:spPr/>
+      <dgm:t>
+        <a:bodyPr/>
+        <a:lstStyle/>
+        <a:p>
+          <a:r>
+            <a:rPr lang="en-US" dirty="0" err="1"/>
+            <a:t>Anreize</a:t>
+          </a:r>
+          <a:endParaRPr lang="en-US" dirty="0"/>
+        </a:p>
+      </dgm:t>
+    </dgm:pt>
+    <dgm:pt modelId="{D6144A36-65EB-4403-9CD2-62468A5B10EB}" type="parTrans" cxnId="{443A9A83-0FD0-4788-8304-87ECF44811A8}">
+      <dgm:prSet/>
+      <dgm:spPr/>
+      <dgm:t>
+        <a:bodyPr/>
+        <a:lstStyle/>
+        <a:p>
+          <a:endParaRPr lang="en-US"/>
+        </a:p>
+      </dgm:t>
+    </dgm:pt>
+    <dgm:pt modelId="{5487BFFD-54DA-40EA-B547-ACE418CD3501}" type="sibTrans" cxnId="{443A9A83-0FD0-4788-8304-87ECF44811A8}">
+      <dgm:prSet/>
+      <dgm:spPr/>
+      <dgm:t>
+        <a:bodyPr/>
+        <a:lstStyle/>
+        <a:p>
+          <a:endParaRPr lang="en-US"/>
+        </a:p>
+      </dgm:t>
+    </dgm:pt>
+    <dgm:pt modelId="{306F2E34-CFBC-4825-8449-6E01CE41382D}">
+      <dgm:prSet phldrT="[Text]"/>
+      <dgm:spPr/>
+      <dgm:t>
+        <a:bodyPr/>
+        <a:lstStyle/>
+        <a:p>
+          <a:r>
+            <a:rPr lang="en-US" dirty="0"/>
+            <a:t>Communities und </a:t>
+          </a:r>
+          <a:r>
+            <a:rPr lang="en-US" dirty="0" err="1"/>
+            <a:t>Normen</a:t>
+          </a:r>
+          <a:endParaRPr lang="en-US" dirty="0"/>
+        </a:p>
+      </dgm:t>
+    </dgm:pt>
+    <dgm:pt modelId="{FCC61082-F005-40FC-9835-97C8A9DDB195}" type="parTrans" cxnId="{7BF252E4-7F74-4685-BD06-1B026EF0E47B}">
+      <dgm:prSet/>
+      <dgm:spPr/>
+      <dgm:t>
+        <a:bodyPr/>
+        <a:lstStyle/>
+        <a:p>
+          <a:endParaRPr lang="en-US"/>
+        </a:p>
+      </dgm:t>
+    </dgm:pt>
+    <dgm:pt modelId="{B63DE46A-6A1E-4526-B5E0-2A7472CB7F2B}" type="sibTrans" cxnId="{7BF252E4-7F74-4685-BD06-1B026EF0E47B}">
+      <dgm:prSet/>
+      <dgm:spPr/>
+      <dgm:t>
+        <a:bodyPr/>
+        <a:lstStyle/>
+        <a:p>
+          <a:endParaRPr lang="en-US"/>
+        </a:p>
+      </dgm:t>
+    </dgm:pt>
+    <dgm:pt modelId="{67604D2D-295A-4DA2-842B-9A1680585D7C}">
+      <dgm:prSet phldrT="[Text]"/>
+      <dgm:spPr/>
+      <dgm:t>
+        <a:bodyPr/>
+        <a:lstStyle/>
+        <a:p>
+          <a:r>
+            <a:rPr lang="en-US" dirty="0" err="1"/>
+            <a:t>Benutzererfahrung</a:t>
+          </a:r>
+          <a:endParaRPr lang="en-US" dirty="0"/>
+        </a:p>
+      </dgm:t>
+    </dgm:pt>
+    <dgm:pt modelId="{A70D803E-F252-49F4-9454-56F1889BB624}" type="parTrans" cxnId="{22C5A6A7-196A-4183-BB08-1A8A0586F191}">
+      <dgm:prSet/>
+      <dgm:spPr/>
+      <dgm:t>
+        <a:bodyPr/>
+        <a:lstStyle/>
+        <a:p>
+          <a:endParaRPr lang="en-US"/>
+        </a:p>
+      </dgm:t>
+    </dgm:pt>
+    <dgm:pt modelId="{57774525-22B8-49AE-85B8-ECC08847FFAF}" type="sibTrans" cxnId="{22C5A6A7-196A-4183-BB08-1A8A0586F191}">
+      <dgm:prSet/>
+      <dgm:spPr/>
+      <dgm:t>
+        <a:bodyPr/>
+        <a:lstStyle/>
+        <a:p>
+          <a:endParaRPr lang="en-US"/>
+        </a:p>
+      </dgm:t>
+    </dgm:pt>
+    <dgm:pt modelId="{56993E96-7468-4057-818D-37A1AE6CE6CA}">
+      <dgm:prSet phldrT="[Text]"/>
+      <dgm:spPr/>
+      <dgm:t>
+        <a:bodyPr/>
+        <a:lstStyle/>
+        <a:p>
+          <a:r>
+            <a:rPr lang="en-US" dirty="0" err="1"/>
+            <a:t>Infrastruktur</a:t>
+          </a:r>
+          <a:endParaRPr lang="en-US" dirty="0"/>
+        </a:p>
+      </dgm:t>
+    </dgm:pt>
+    <dgm:pt modelId="{E477E990-47FD-402A-B103-F2F19994F269}" type="parTrans" cxnId="{410CF06B-4D21-494B-B53A-C70384543426}">
+      <dgm:prSet/>
+      <dgm:spPr/>
+      <dgm:t>
+        <a:bodyPr/>
+        <a:lstStyle/>
+        <a:p>
+          <a:endParaRPr lang="en-US"/>
+        </a:p>
+      </dgm:t>
+    </dgm:pt>
+    <dgm:pt modelId="{C5FECB31-6D6B-462E-80A6-F38E7E4905F5}" type="sibTrans" cxnId="{410CF06B-4D21-494B-B53A-C70384543426}">
+      <dgm:prSet/>
+      <dgm:spPr/>
+      <dgm:t>
+        <a:bodyPr/>
+        <a:lstStyle/>
+        <a:p>
+          <a:endParaRPr lang="en-US"/>
+        </a:p>
+      </dgm:t>
+    </dgm:pt>
+    <dgm:pt modelId="{4209AD1E-4E77-4F11-A298-02AA3B792A09}" type="pres">
+      <dgm:prSet presAssocID="{98819CB5-F1B1-42AF-BF0F-804C4CBE53D1}" presName="compositeShape" presStyleCnt="0">
+        <dgm:presLayoutVars>
+          <dgm:dir/>
+          <dgm:resizeHandles/>
+        </dgm:presLayoutVars>
+      </dgm:prSet>
+      <dgm:spPr/>
+    </dgm:pt>
+    <dgm:pt modelId="{B2A08348-ADDC-4502-9132-85A1885AF0B2}" type="pres">
+      <dgm:prSet presAssocID="{98819CB5-F1B1-42AF-BF0F-804C4CBE53D1}" presName="pyramid" presStyleLbl="node1" presStyleIdx="0" presStyleCnt="1"/>
+      <dgm:spPr/>
+    </dgm:pt>
+    <dgm:pt modelId="{EE0A5AC5-7AB6-4106-B9EF-E75778270C0D}" type="pres">
+      <dgm:prSet presAssocID="{98819CB5-F1B1-42AF-BF0F-804C4CBE53D1}" presName="theList" presStyleCnt="0"/>
+      <dgm:spPr/>
+    </dgm:pt>
+    <dgm:pt modelId="{D89ED68F-8432-41A2-8431-65A27C358A20}" type="pres">
+      <dgm:prSet presAssocID="{7B79D231-1DE6-496F-ABC4-B9A27C4BADAA}" presName="aNode" presStyleLbl="fgAcc1" presStyleIdx="0" presStyleCnt="5">
+        <dgm:presLayoutVars>
+          <dgm:bulletEnabled val="1"/>
+        </dgm:presLayoutVars>
+      </dgm:prSet>
+      <dgm:spPr/>
+    </dgm:pt>
+    <dgm:pt modelId="{9A05C683-74D5-400F-8F12-8B6FD6D8D6B2}" type="pres">
+      <dgm:prSet presAssocID="{7B79D231-1DE6-496F-ABC4-B9A27C4BADAA}" presName="aSpace" presStyleCnt="0"/>
+      <dgm:spPr/>
+    </dgm:pt>
+    <dgm:pt modelId="{D5C25AE6-4792-483F-887C-DF6B0A00367D}" type="pres">
+      <dgm:prSet presAssocID="{8DE2F943-408E-457C-A29B-4DF77265DA60}" presName="aNode" presStyleLbl="fgAcc1" presStyleIdx="1" presStyleCnt="5">
+        <dgm:presLayoutVars>
+          <dgm:bulletEnabled val="1"/>
+        </dgm:presLayoutVars>
+      </dgm:prSet>
+      <dgm:spPr/>
+    </dgm:pt>
+    <dgm:pt modelId="{ADAB1570-EC58-41F9-A6AC-011E5047B40F}" type="pres">
+      <dgm:prSet presAssocID="{8DE2F943-408E-457C-A29B-4DF77265DA60}" presName="aSpace" presStyleCnt="0"/>
+      <dgm:spPr/>
+    </dgm:pt>
+    <dgm:pt modelId="{88655AE4-C9EE-40F0-B444-33C00054F8D0}" type="pres">
+      <dgm:prSet presAssocID="{306F2E34-CFBC-4825-8449-6E01CE41382D}" presName="aNode" presStyleLbl="fgAcc1" presStyleIdx="2" presStyleCnt="5">
+        <dgm:presLayoutVars>
+          <dgm:bulletEnabled val="1"/>
+        </dgm:presLayoutVars>
+      </dgm:prSet>
+      <dgm:spPr/>
+    </dgm:pt>
+    <dgm:pt modelId="{D98D7669-51B9-4ACC-A881-8AB31E4C3A5A}" type="pres">
+      <dgm:prSet presAssocID="{306F2E34-CFBC-4825-8449-6E01CE41382D}" presName="aSpace" presStyleCnt="0"/>
+      <dgm:spPr/>
+    </dgm:pt>
+    <dgm:pt modelId="{E9E3F978-4FD0-421D-8E0E-69F7B8B8A109}" type="pres">
+      <dgm:prSet presAssocID="{67604D2D-295A-4DA2-842B-9A1680585D7C}" presName="aNode" presStyleLbl="fgAcc1" presStyleIdx="3" presStyleCnt="5">
+        <dgm:presLayoutVars>
+          <dgm:bulletEnabled val="1"/>
+        </dgm:presLayoutVars>
+      </dgm:prSet>
+      <dgm:spPr/>
+    </dgm:pt>
+    <dgm:pt modelId="{AD0D215E-8664-4436-AD08-0BC0FFBEDDF7}" type="pres">
+      <dgm:prSet presAssocID="{67604D2D-295A-4DA2-842B-9A1680585D7C}" presName="aSpace" presStyleCnt="0"/>
+      <dgm:spPr/>
+    </dgm:pt>
+    <dgm:pt modelId="{1852E047-0C37-4715-BCB0-728EA4ABEAFC}" type="pres">
+      <dgm:prSet presAssocID="{56993E96-7468-4057-818D-37A1AE6CE6CA}" presName="aNode" presStyleLbl="fgAcc1" presStyleIdx="4" presStyleCnt="5">
+        <dgm:presLayoutVars>
+          <dgm:bulletEnabled val="1"/>
+        </dgm:presLayoutVars>
+      </dgm:prSet>
+      <dgm:spPr/>
+    </dgm:pt>
+    <dgm:pt modelId="{0D306BBB-85F1-4907-9973-B0B743C86C5A}" type="pres">
+      <dgm:prSet presAssocID="{56993E96-7468-4057-818D-37A1AE6CE6CA}" presName="aSpace" presStyleCnt="0"/>
+      <dgm:spPr/>
+    </dgm:pt>
+  </dgm:ptLst>
+  <dgm:cxnLst>
+    <dgm:cxn modelId="{71A7E13A-B2DC-46BE-AEFC-B3CC1E90936A}" type="presOf" srcId="{306F2E34-CFBC-4825-8449-6E01CE41382D}" destId="{88655AE4-C9EE-40F0-B444-33C00054F8D0}" srcOrd="0" destOrd="0" presId="urn:microsoft.com/office/officeart/2005/8/layout/pyramid2"/>
+    <dgm:cxn modelId="{DA8C085F-A525-4740-9CCB-62891EA66541}" type="presOf" srcId="{56993E96-7468-4057-818D-37A1AE6CE6CA}" destId="{1852E047-0C37-4715-BCB0-728EA4ABEAFC}" srcOrd="0" destOrd="0" presId="urn:microsoft.com/office/officeart/2005/8/layout/pyramid2"/>
+    <dgm:cxn modelId="{410CF06B-4D21-494B-B53A-C70384543426}" srcId="{98819CB5-F1B1-42AF-BF0F-804C4CBE53D1}" destId="{56993E96-7468-4057-818D-37A1AE6CE6CA}" srcOrd="4" destOrd="0" parTransId="{E477E990-47FD-402A-B103-F2F19994F269}" sibTransId="{C5FECB31-6D6B-462E-80A6-F38E7E4905F5}"/>
+    <dgm:cxn modelId="{572A724C-3DF0-43BC-9148-1E167E3A2F5F}" type="presOf" srcId="{7B79D231-1DE6-496F-ABC4-B9A27C4BADAA}" destId="{D89ED68F-8432-41A2-8431-65A27C358A20}" srcOrd="0" destOrd="0" presId="urn:microsoft.com/office/officeart/2005/8/layout/pyramid2"/>
+    <dgm:cxn modelId="{1CEC2371-C32D-4BE5-9C53-6608BE61A4FF}" srcId="{98819CB5-F1B1-42AF-BF0F-804C4CBE53D1}" destId="{7B79D231-1DE6-496F-ABC4-B9A27C4BADAA}" srcOrd="0" destOrd="0" parTransId="{3857312A-5EC9-4119-A164-ED3E8D731875}" sibTransId="{803C5A04-9FA0-4043-AE10-64010D325CA7}"/>
+    <dgm:cxn modelId="{9336C27F-84D1-4E40-B20C-FD8350C9901A}" type="presOf" srcId="{8DE2F943-408E-457C-A29B-4DF77265DA60}" destId="{D5C25AE6-4792-483F-887C-DF6B0A00367D}" srcOrd="0" destOrd="0" presId="urn:microsoft.com/office/officeart/2005/8/layout/pyramid2"/>
+    <dgm:cxn modelId="{443A9A83-0FD0-4788-8304-87ECF44811A8}" srcId="{98819CB5-F1B1-42AF-BF0F-804C4CBE53D1}" destId="{8DE2F943-408E-457C-A29B-4DF77265DA60}" srcOrd="1" destOrd="0" parTransId="{D6144A36-65EB-4403-9CD2-62468A5B10EB}" sibTransId="{5487BFFD-54DA-40EA-B547-ACE418CD3501}"/>
+    <dgm:cxn modelId="{501C9691-39BF-4D66-B10D-AE6FCDEC94A5}" type="presOf" srcId="{67604D2D-295A-4DA2-842B-9A1680585D7C}" destId="{E9E3F978-4FD0-421D-8E0E-69F7B8B8A109}" srcOrd="0" destOrd="0" presId="urn:microsoft.com/office/officeart/2005/8/layout/pyramid2"/>
+    <dgm:cxn modelId="{22C5A6A7-196A-4183-BB08-1A8A0586F191}" srcId="{98819CB5-F1B1-42AF-BF0F-804C4CBE53D1}" destId="{67604D2D-295A-4DA2-842B-9A1680585D7C}" srcOrd="3" destOrd="0" parTransId="{A70D803E-F252-49F4-9454-56F1889BB624}" sibTransId="{57774525-22B8-49AE-85B8-ECC08847FFAF}"/>
+    <dgm:cxn modelId="{AEA0D4C8-D673-46C0-9417-05973C905248}" type="presOf" srcId="{98819CB5-F1B1-42AF-BF0F-804C4CBE53D1}" destId="{4209AD1E-4E77-4F11-A298-02AA3B792A09}" srcOrd="0" destOrd="0" presId="urn:microsoft.com/office/officeart/2005/8/layout/pyramid2"/>
+    <dgm:cxn modelId="{7BF252E4-7F74-4685-BD06-1B026EF0E47B}" srcId="{98819CB5-F1B1-42AF-BF0F-804C4CBE53D1}" destId="{306F2E34-CFBC-4825-8449-6E01CE41382D}" srcOrd="2" destOrd="0" parTransId="{FCC61082-F005-40FC-9835-97C8A9DDB195}" sibTransId="{B63DE46A-6A1E-4526-B5E0-2A7472CB7F2B}"/>
+    <dgm:cxn modelId="{A5A7159A-6636-427C-BAE1-6FAC067AF666}" type="presParOf" srcId="{4209AD1E-4E77-4F11-A298-02AA3B792A09}" destId="{B2A08348-ADDC-4502-9132-85A1885AF0B2}" srcOrd="0" destOrd="0" presId="urn:microsoft.com/office/officeart/2005/8/layout/pyramid2"/>
+    <dgm:cxn modelId="{A3F88ADA-784E-430E-94AE-05DF7837B73B}" type="presParOf" srcId="{4209AD1E-4E77-4F11-A298-02AA3B792A09}" destId="{EE0A5AC5-7AB6-4106-B9EF-E75778270C0D}" srcOrd="1" destOrd="0" presId="urn:microsoft.com/office/officeart/2005/8/layout/pyramid2"/>
+    <dgm:cxn modelId="{A4AC4325-47F8-4C7A-ACDE-25ACDDDC4DF4}" type="presParOf" srcId="{EE0A5AC5-7AB6-4106-B9EF-E75778270C0D}" destId="{D89ED68F-8432-41A2-8431-65A27C358A20}" srcOrd="0" destOrd="0" presId="urn:microsoft.com/office/officeart/2005/8/layout/pyramid2"/>
+    <dgm:cxn modelId="{DA07CF2A-2BC9-4090-9720-248625FC6DC6}" type="presParOf" srcId="{EE0A5AC5-7AB6-4106-B9EF-E75778270C0D}" destId="{9A05C683-74D5-400F-8F12-8B6FD6D8D6B2}" srcOrd="1" destOrd="0" presId="urn:microsoft.com/office/officeart/2005/8/layout/pyramid2"/>
+    <dgm:cxn modelId="{2228AA48-CF65-44D9-80D4-F4112484DAA9}" type="presParOf" srcId="{EE0A5AC5-7AB6-4106-B9EF-E75778270C0D}" destId="{D5C25AE6-4792-483F-887C-DF6B0A00367D}" srcOrd="2" destOrd="0" presId="urn:microsoft.com/office/officeart/2005/8/layout/pyramid2"/>
+    <dgm:cxn modelId="{DF49FFB5-0750-4A7F-B19C-0FEE0158FE3F}" type="presParOf" srcId="{EE0A5AC5-7AB6-4106-B9EF-E75778270C0D}" destId="{ADAB1570-EC58-41F9-A6AC-011E5047B40F}" srcOrd="3" destOrd="0" presId="urn:microsoft.com/office/officeart/2005/8/layout/pyramid2"/>
+    <dgm:cxn modelId="{BE1F5AB1-D0ED-4FB8-A59D-2695A4B326D8}" type="presParOf" srcId="{EE0A5AC5-7AB6-4106-B9EF-E75778270C0D}" destId="{88655AE4-C9EE-40F0-B444-33C00054F8D0}" srcOrd="4" destOrd="0" presId="urn:microsoft.com/office/officeart/2005/8/layout/pyramid2"/>
+    <dgm:cxn modelId="{872A9006-3EE5-4B8B-B81E-0A4DEC06F85E}" type="presParOf" srcId="{EE0A5AC5-7AB6-4106-B9EF-E75778270C0D}" destId="{D98D7669-51B9-4ACC-A881-8AB31E4C3A5A}" srcOrd="5" destOrd="0" presId="urn:microsoft.com/office/officeart/2005/8/layout/pyramid2"/>
+    <dgm:cxn modelId="{E83F3E7E-2660-4785-BC80-6B792041A3EC}" type="presParOf" srcId="{EE0A5AC5-7AB6-4106-B9EF-E75778270C0D}" destId="{E9E3F978-4FD0-421D-8E0E-69F7B8B8A109}" srcOrd="6" destOrd="0" presId="urn:microsoft.com/office/officeart/2005/8/layout/pyramid2"/>
+    <dgm:cxn modelId="{53E87A0C-F4B2-402F-A96A-2B305CEF7606}" type="presParOf" srcId="{EE0A5AC5-7AB6-4106-B9EF-E75778270C0D}" destId="{AD0D215E-8664-4436-AD08-0BC0FFBEDDF7}" srcOrd="7" destOrd="0" presId="urn:microsoft.com/office/officeart/2005/8/layout/pyramid2"/>
+    <dgm:cxn modelId="{A0B437E2-4C16-4260-ADB7-E95938C534CE}" type="presParOf" srcId="{EE0A5AC5-7AB6-4106-B9EF-E75778270C0D}" destId="{1852E047-0C37-4715-BCB0-728EA4ABEAFC}" srcOrd="8" destOrd="0" presId="urn:microsoft.com/office/officeart/2005/8/layout/pyramid2"/>
+    <dgm:cxn modelId="{85D1C01A-2DDD-4E66-8D2A-785CB6D430EA}" type="presParOf" srcId="{EE0A5AC5-7AB6-4106-B9EF-E75778270C0D}" destId="{0D306BBB-85F1-4907-9973-B0B743C86C5A}" srcOrd="9" destOrd="0" presId="urn:microsoft.com/office/officeart/2005/8/layout/pyramid2"/>
   </dgm:cxnLst>
   <dgm:bg>
     <a:solidFill>
@@ -8120,6 +9243,468 @@
 </dsp:drawing>
 </file>
 
+<file path=ppt/diagrams/drawing4.xml><?xml version="1.0" encoding="utf-8"?>
+<dsp:drawing xmlns:dgm="http://schemas.openxmlformats.org/drawingml/2006/diagram" xmlns:dsp="http://schemas.microsoft.com/office/drawing/2008/diagram" xmlns:a="http://schemas.openxmlformats.org/drawingml/2006/main">
+  <dsp:spTree>
+    <dsp:nvGrpSpPr>
+      <dsp:cNvPr id="0" name=""/>
+      <dsp:cNvGrpSpPr/>
+    </dsp:nvGrpSpPr>
+    <dsp:grpSpPr/>
+    <dsp:sp modelId="{B2A08348-ADDC-4502-9132-85A1885AF0B2}">
+      <dsp:nvSpPr>
+        <dsp:cNvPr id="0" name=""/>
+        <dsp:cNvSpPr/>
+      </dsp:nvSpPr>
+      <dsp:spPr>
+        <a:xfrm>
+          <a:off x="241180" y="0"/>
+          <a:ext cx="4351338" cy="4351338"/>
+        </a:xfrm>
+        <a:prstGeom prst="triangle">
+          <a:avLst/>
+        </a:prstGeom>
+        <a:solidFill>
+          <a:schemeClr val="lt1">
+            <a:hueOff val="0"/>
+            <a:satOff val="0"/>
+            <a:lumOff val="0"/>
+            <a:alphaOff val="0"/>
+          </a:schemeClr>
+        </a:solidFill>
+        <a:ln w="12700" cap="flat" cmpd="sng" algn="ctr">
+          <a:solidFill>
+            <a:schemeClr val="dk1">
+              <a:shade val="80000"/>
+              <a:hueOff val="0"/>
+              <a:satOff val="0"/>
+              <a:lumOff val="0"/>
+              <a:alphaOff val="0"/>
+            </a:schemeClr>
+          </a:solidFill>
+          <a:prstDash val="solid"/>
+          <a:miter lim="800000"/>
+        </a:ln>
+        <a:effectLst/>
+      </dsp:spPr>
+      <dsp:style>
+        <a:lnRef idx="2">
+          <a:scrgbClr r="0" g="0" b="0"/>
+        </a:lnRef>
+        <a:fillRef idx="1">
+          <a:scrgbClr r="0" g="0" b="0"/>
+        </a:fillRef>
+        <a:effectRef idx="0">
+          <a:scrgbClr r="0" g="0" b="0"/>
+        </a:effectRef>
+        <a:fontRef idx="minor">
+          <a:schemeClr val="lt1"/>
+        </a:fontRef>
+      </dsp:style>
+    </dsp:sp>
+    <dsp:sp modelId="{D89ED68F-8432-41A2-8431-65A27C358A20}">
+      <dsp:nvSpPr>
+        <dsp:cNvPr id="0" name=""/>
+        <dsp:cNvSpPr/>
+      </dsp:nvSpPr>
+      <dsp:spPr>
+        <a:xfrm>
+          <a:off x="2416849" y="435558"/>
+          <a:ext cx="2828369" cy="618705"/>
+        </a:xfrm>
+        <a:prstGeom prst="roundRect">
+          <a:avLst/>
+        </a:prstGeom>
+        <a:solidFill>
+          <a:schemeClr val="dk1">
+            <a:alpha val="90000"/>
+            <a:tint val="40000"/>
+            <a:hueOff val="0"/>
+            <a:satOff val="0"/>
+            <a:lumOff val="0"/>
+            <a:alphaOff val="0"/>
+          </a:schemeClr>
+        </a:solidFill>
+        <a:ln w="12700" cap="flat" cmpd="sng" algn="ctr">
+          <a:solidFill>
+            <a:schemeClr val="dk1">
+              <a:hueOff val="0"/>
+              <a:satOff val="0"/>
+              <a:lumOff val="0"/>
+              <a:alphaOff val="0"/>
+            </a:schemeClr>
+          </a:solidFill>
+          <a:prstDash val="solid"/>
+          <a:miter lim="800000"/>
+        </a:ln>
+        <a:effectLst/>
+      </dsp:spPr>
+      <dsp:style>
+        <a:lnRef idx="2">
+          <a:scrgbClr r="0" g="0" b="0"/>
+        </a:lnRef>
+        <a:fillRef idx="1">
+          <a:scrgbClr r="0" g="0" b="0"/>
+        </a:fillRef>
+        <a:effectRef idx="0">
+          <a:scrgbClr r="0" g="0" b="0"/>
+        </a:effectRef>
+        <a:fontRef idx="minor"/>
+      </dsp:style>
+      <dsp:txBody>
+        <a:bodyPr spcFirstLastPara="0" vert="horz" wrap="square" lIns="72390" tIns="72390" rIns="72390" bIns="72390" numCol="1" spcCol="1270" anchor="ctr" anchorCtr="0">
+          <a:noAutofit/>
+        </a:bodyPr>
+        <a:lstStyle/>
+        <a:p>
+          <a:pPr marL="0" lvl="0" indent="0" algn="ctr" defTabSz="844550">
+            <a:lnSpc>
+              <a:spcPct val="90000"/>
+            </a:lnSpc>
+            <a:spcBef>
+              <a:spcPct val="0"/>
+            </a:spcBef>
+            <a:spcAft>
+              <a:spcPct val="35000"/>
+            </a:spcAft>
+            <a:buNone/>
+          </a:pPr>
+          <a:r>
+            <a:rPr lang="en-US" sz="1900" kern="1200" dirty="0" err="1"/>
+            <a:t>Politik</a:t>
+          </a:r>
+          <a:endParaRPr lang="en-US" sz="1900" kern="1200" dirty="0"/>
+        </a:p>
+      </dsp:txBody>
+      <dsp:txXfrm>
+        <a:off x="2447052" y="465761"/>
+        <a:ext cx="2767963" cy="558299"/>
+      </dsp:txXfrm>
+    </dsp:sp>
+    <dsp:sp modelId="{D5C25AE6-4792-483F-887C-DF6B0A00367D}">
+      <dsp:nvSpPr>
+        <dsp:cNvPr id="0" name=""/>
+        <dsp:cNvSpPr/>
+      </dsp:nvSpPr>
+      <dsp:spPr>
+        <a:xfrm>
+          <a:off x="2416849" y="1131602"/>
+          <a:ext cx="2828369" cy="618705"/>
+        </a:xfrm>
+        <a:prstGeom prst="roundRect">
+          <a:avLst/>
+        </a:prstGeom>
+        <a:solidFill>
+          <a:schemeClr val="dk1">
+            <a:alpha val="90000"/>
+            <a:tint val="40000"/>
+            <a:hueOff val="0"/>
+            <a:satOff val="0"/>
+            <a:lumOff val="0"/>
+            <a:alphaOff val="0"/>
+          </a:schemeClr>
+        </a:solidFill>
+        <a:ln w="12700" cap="flat" cmpd="sng" algn="ctr">
+          <a:solidFill>
+            <a:schemeClr val="dk1">
+              <a:hueOff val="0"/>
+              <a:satOff val="0"/>
+              <a:lumOff val="0"/>
+              <a:alphaOff val="0"/>
+            </a:schemeClr>
+          </a:solidFill>
+          <a:prstDash val="solid"/>
+          <a:miter lim="800000"/>
+        </a:ln>
+        <a:effectLst/>
+      </dsp:spPr>
+      <dsp:style>
+        <a:lnRef idx="2">
+          <a:scrgbClr r="0" g="0" b="0"/>
+        </a:lnRef>
+        <a:fillRef idx="1">
+          <a:scrgbClr r="0" g="0" b="0"/>
+        </a:fillRef>
+        <a:effectRef idx="0">
+          <a:scrgbClr r="0" g="0" b="0"/>
+        </a:effectRef>
+        <a:fontRef idx="minor"/>
+      </dsp:style>
+      <dsp:txBody>
+        <a:bodyPr spcFirstLastPara="0" vert="horz" wrap="square" lIns="72390" tIns="72390" rIns="72390" bIns="72390" numCol="1" spcCol="1270" anchor="ctr" anchorCtr="0">
+          <a:noAutofit/>
+        </a:bodyPr>
+        <a:lstStyle/>
+        <a:p>
+          <a:pPr marL="0" lvl="0" indent="0" algn="ctr" defTabSz="844550">
+            <a:lnSpc>
+              <a:spcPct val="90000"/>
+            </a:lnSpc>
+            <a:spcBef>
+              <a:spcPct val="0"/>
+            </a:spcBef>
+            <a:spcAft>
+              <a:spcPct val="35000"/>
+            </a:spcAft>
+            <a:buNone/>
+          </a:pPr>
+          <a:r>
+            <a:rPr lang="en-US" sz="1900" kern="1200" dirty="0" err="1"/>
+            <a:t>Anreize</a:t>
+          </a:r>
+          <a:endParaRPr lang="en-US" sz="1900" kern="1200" dirty="0"/>
+        </a:p>
+      </dsp:txBody>
+      <dsp:txXfrm>
+        <a:off x="2447052" y="1161805"/>
+        <a:ext cx="2767963" cy="558299"/>
+      </dsp:txXfrm>
+    </dsp:sp>
+    <dsp:sp modelId="{88655AE4-C9EE-40F0-B444-33C00054F8D0}">
+      <dsp:nvSpPr>
+        <dsp:cNvPr id="0" name=""/>
+        <dsp:cNvSpPr/>
+      </dsp:nvSpPr>
+      <dsp:spPr>
+        <a:xfrm>
+          <a:off x="2416849" y="1827646"/>
+          <a:ext cx="2828369" cy="618705"/>
+        </a:xfrm>
+        <a:prstGeom prst="roundRect">
+          <a:avLst/>
+        </a:prstGeom>
+        <a:solidFill>
+          <a:schemeClr val="dk1">
+            <a:alpha val="90000"/>
+            <a:tint val="40000"/>
+            <a:hueOff val="0"/>
+            <a:satOff val="0"/>
+            <a:lumOff val="0"/>
+            <a:alphaOff val="0"/>
+          </a:schemeClr>
+        </a:solidFill>
+        <a:ln w="12700" cap="flat" cmpd="sng" algn="ctr">
+          <a:solidFill>
+            <a:schemeClr val="dk1">
+              <a:hueOff val="0"/>
+              <a:satOff val="0"/>
+              <a:lumOff val="0"/>
+              <a:alphaOff val="0"/>
+            </a:schemeClr>
+          </a:solidFill>
+          <a:prstDash val="solid"/>
+          <a:miter lim="800000"/>
+        </a:ln>
+        <a:effectLst/>
+      </dsp:spPr>
+      <dsp:style>
+        <a:lnRef idx="2">
+          <a:scrgbClr r="0" g="0" b="0"/>
+        </a:lnRef>
+        <a:fillRef idx="1">
+          <a:scrgbClr r="0" g="0" b="0"/>
+        </a:fillRef>
+        <a:effectRef idx="0">
+          <a:scrgbClr r="0" g="0" b="0"/>
+        </a:effectRef>
+        <a:fontRef idx="minor"/>
+      </dsp:style>
+      <dsp:txBody>
+        <a:bodyPr spcFirstLastPara="0" vert="horz" wrap="square" lIns="72390" tIns="72390" rIns="72390" bIns="72390" numCol="1" spcCol="1270" anchor="ctr" anchorCtr="0">
+          <a:noAutofit/>
+        </a:bodyPr>
+        <a:lstStyle/>
+        <a:p>
+          <a:pPr marL="0" lvl="0" indent="0" algn="ctr" defTabSz="844550">
+            <a:lnSpc>
+              <a:spcPct val="90000"/>
+            </a:lnSpc>
+            <a:spcBef>
+              <a:spcPct val="0"/>
+            </a:spcBef>
+            <a:spcAft>
+              <a:spcPct val="35000"/>
+            </a:spcAft>
+            <a:buNone/>
+          </a:pPr>
+          <a:r>
+            <a:rPr lang="en-US" sz="1900" kern="1200" dirty="0"/>
+            <a:t>Communities und </a:t>
+          </a:r>
+          <a:r>
+            <a:rPr lang="en-US" sz="1900" kern="1200" dirty="0" err="1"/>
+            <a:t>Normen</a:t>
+          </a:r>
+          <a:endParaRPr lang="en-US" sz="1900" kern="1200" dirty="0"/>
+        </a:p>
+      </dsp:txBody>
+      <dsp:txXfrm>
+        <a:off x="2447052" y="1857849"/>
+        <a:ext cx="2767963" cy="558299"/>
+      </dsp:txXfrm>
+    </dsp:sp>
+    <dsp:sp modelId="{E9E3F978-4FD0-421D-8E0E-69F7B8B8A109}">
+      <dsp:nvSpPr>
+        <dsp:cNvPr id="0" name=""/>
+        <dsp:cNvSpPr/>
+      </dsp:nvSpPr>
+      <dsp:spPr>
+        <a:xfrm>
+          <a:off x="2416849" y="2523691"/>
+          <a:ext cx="2828369" cy="618705"/>
+        </a:xfrm>
+        <a:prstGeom prst="roundRect">
+          <a:avLst/>
+        </a:prstGeom>
+        <a:solidFill>
+          <a:schemeClr val="dk1">
+            <a:alpha val="90000"/>
+            <a:tint val="40000"/>
+            <a:hueOff val="0"/>
+            <a:satOff val="0"/>
+            <a:lumOff val="0"/>
+            <a:alphaOff val="0"/>
+          </a:schemeClr>
+        </a:solidFill>
+        <a:ln w="12700" cap="flat" cmpd="sng" algn="ctr">
+          <a:solidFill>
+            <a:schemeClr val="dk1">
+              <a:hueOff val="0"/>
+              <a:satOff val="0"/>
+              <a:lumOff val="0"/>
+              <a:alphaOff val="0"/>
+            </a:schemeClr>
+          </a:solidFill>
+          <a:prstDash val="solid"/>
+          <a:miter lim="800000"/>
+        </a:ln>
+        <a:effectLst/>
+      </dsp:spPr>
+      <dsp:style>
+        <a:lnRef idx="2">
+          <a:scrgbClr r="0" g="0" b="0"/>
+        </a:lnRef>
+        <a:fillRef idx="1">
+          <a:scrgbClr r="0" g="0" b="0"/>
+        </a:fillRef>
+        <a:effectRef idx="0">
+          <a:scrgbClr r="0" g="0" b="0"/>
+        </a:effectRef>
+        <a:fontRef idx="minor"/>
+      </dsp:style>
+      <dsp:txBody>
+        <a:bodyPr spcFirstLastPara="0" vert="horz" wrap="square" lIns="72390" tIns="72390" rIns="72390" bIns="72390" numCol="1" spcCol="1270" anchor="ctr" anchorCtr="0">
+          <a:noAutofit/>
+        </a:bodyPr>
+        <a:lstStyle/>
+        <a:p>
+          <a:pPr marL="0" lvl="0" indent="0" algn="ctr" defTabSz="844550">
+            <a:lnSpc>
+              <a:spcPct val="90000"/>
+            </a:lnSpc>
+            <a:spcBef>
+              <a:spcPct val="0"/>
+            </a:spcBef>
+            <a:spcAft>
+              <a:spcPct val="35000"/>
+            </a:spcAft>
+            <a:buNone/>
+          </a:pPr>
+          <a:r>
+            <a:rPr lang="en-US" sz="1900" kern="1200" dirty="0" err="1"/>
+            <a:t>Benutzererfahrung</a:t>
+          </a:r>
+          <a:endParaRPr lang="en-US" sz="1900" kern="1200" dirty="0"/>
+        </a:p>
+      </dsp:txBody>
+      <dsp:txXfrm>
+        <a:off x="2447052" y="2553894"/>
+        <a:ext cx="2767963" cy="558299"/>
+      </dsp:txXfrm>
+    </dsp:sp>
+    <dsp:sp modelId="{1852E047-0C37-4715-BCB0-728EA4ABEAFC}">
+      <dsp:nvSpPr>
+        <dsp:cNvPr id="0" name=""/>
+        <dsp:cNvSpPr/>
+      </dsp:nvSpPr>
+      <dsp:spPr>
+        <a:xfrm>
+          <a:off x="2416849" y="3219735"/>
+          <a:ext cx="2828369" cy="618705"/>
+        </a:xfrm>
+        <a:prstGeom prst="roundRect">
+          <a:avLst/>
+        </a:prstGeom>
+        <a:solidFill>
+          <a:schemeClr val="dk1">
+            <a:alpha val="90000"/>
+            <a:tint val="40000"/>
+            <a:hueOff val="0"/>
+            <a:satOff val="0"/>
+            <a:lumOff val="0"/>
+            <a:alphaOff val="0"/>
+          </a:schemeClr>
+        </a:solidFill>
+        <a:ln w="12700" cap="flat" cmpd="sng" algn="ctr">
+          <a:solidFill>
+            <a:schemeClr val="dk1">
+              <a:hueOff val="0"/>
+              <a:satOff val="0"/>
+              <a:lumOff val="0"/>
+              <a:alphaOff val="0"/>
+            </a:schemeClr>
+          </a:solidFill>
+          <a:prstDash val="solid"/>
+          <a:miter lim="800000"/>
+        </a:ln>
+        <a:effectLst/>
+      </dsp:spPr>
+      <dsp:style>
+        <a:lnRef idx="2">
+          <a:scrgbClr r="0" g="0" b="0"/>
+        </a:lnRef>
+        <a:fillRef idx="1">
+          <a:scrgbClr r="0" g="0" b="0"/>
+        </a:fillRef>
+        <a:effectRef idx="0">
+          <a:scrgbClr r="0" g="0" b="0"/>
+        </a:effectRef>
+        <a:fontRef idx="minor"/>
+      </dsp:style>
+      <dsp:txBody>
+        <a:bodyPr spcFirstLastPara="0" vert="horz" wrap="square" lIns="72390" tIns="72390" rIns="72390" bIns="72390" numCol="1" spcCol="1270" anchor="ctr" anchorCtr="0">
+          <a:noAutofit/>
+        </a:bodyPr>
+        <a:lstStyle/>
+        <a:p>
+          <a:pPr marL="0" lvl="0" indent="0" algn="ctr" defTabSz="844550">
+            <a:lnSpc>
+              <a:spcPct val="90000"/>
+            </a:lnSpc>
+            <a:spcBef>
+              <a:spcPct val="0"/>
+            </a:spcBef>
+            <a:spcAft>
+              <a:spcPct val="35000"/>
+            </a:spcAft>
+            <a:buNone/>
+          </a:pPr>
+          <a:r>
+            <a:rPr lang="en-US" sz="1900" kern="1200" dirty="0" err="1"/>
+            <a:t>Infrastruktur</a:t>
+          </a:r>
+          <a:endParaRPr lang="en-US" sz="1900" kern="1200" dirty="0"/>
+        </a:p>
+      </dsp:txBody>
+      <dsp:txXfrm>
+        <a:off x="2447052" y="3249938"/>
+        <a:ext cx="2767963" cy="558299"/>
+      </dsp:txXfrm>
+    </dsp:sp>
+  </dsp:spTree>
+</dsp:drawing>
+</file>
+
 <file path=ppt/diagrams/layout1.xml><?xml version="1.0" encoding="utf-8"?>
 <dgm:layoutDef xmlns:dgm="http://schemas.openxmlformats.org/drawingml/2006/diagram" xmlns:a="http://schemas.openxmlformats.org/drawingml/2006/main" uniqueId="urn:microsoft.com/office/officeart/2005/8/layout/process3">
   <dgm:title val=""/>
@@ -8824,6 +10409,135 @@
 </dgm:layoutDef>
 </file>
 
+<file path=ppt/diagrams/layout4.xml><?xml version="1.0" encoding="utf-8"?>
+<dgm:layoutDef xmlns:dgm="http://schemas.openxmlformats.org/drawingml/2006/diagram" xmlns:a="http://schemas.openxmlformats.org/drawingml/2006/main" uniqueId="urn:microsoft.com/office/officeart/2005/8/layout/pyramid2">
+  <dgm:title val=""/>
+  <dgm:desc val=""/>
+  <dgm:catLst>
+    <dgm:cat type="pyramid" pri="3000"/>
+    <dgm:cat type="list" pri="21000"/>
+    <dgm:cat type="convert" pri="17000"/>
+  </dgm:catLst>
+  <dgm:sampData useDef="1">
+    <dgm:dataModel>
+      <dgm:ptLst/>
+      <dgm:bg/>
+      <dgm:whole/>
+    </dgm:dataModel>
+  </dgm:sampData>
+  <dgm:styleData useDef="1">
+    <dgm:dataModel>
+      <dgm:ptLst/>
+      <dgm:bg/>
+      <dgm:whole/>
+    </dgm:dataModel>
+  </dgm:styleData>
+  <dgm:clrData useDef="1">
+    <dgm:dataModel>
+      <dgm:ptLst/>
+      <dgm:bg/>
+      <dgm:whole/>
+    </dgm:dataModel>
+  </dgm:clrData>
+  <dgm:layoutNode name="compositeShape">
+    <dgm:alg type="composite"/>
+    <dgm:shape xmlns:r="http://schemas.openxmlformats.org/officeDocument/2006/relationships" r:blip="">
+      <dgm:adjLst/>
+    </dgm:shape>
+    <dgm:presOf/>
+    <dgm:varLst>
+      <dgm:dir/>
+      <dgm:resizeHandles/>
+    </dgm:varLst>
+    <dgm:choose name="Name0">
+      <dgm:if name="Name1" func="var" arg="dir" op="equ" val="norm">
+        <dgm:constrLst>
+          <dgm:constr type="w" for="ch" forName="pyramid" refType="h"/>
+          <dgm:constr type="h" for="ch" forName="pyramid" refType="h"/>
+          <dgm:constr type="h" for="ch" forName="theList" refType="h" fact="0.8"/>
+          <dgm:constr type="w" for="ch" forName="theList" refType="h" fact="0.65"/>
+          <dgm:constr type="ctrY" for="ch" forName="theList" refType="h" refFor="ch" refForName="pyramid" fact="0.5"/>
+          <dgm:constr type="l" for="ch" forName="theList" refType="w" refFor="ch" refForName="pyramid" fact="0.5"/>
+          <dgm:constr type="h" for="des" forName="aSpace" refType="h" fact="0.1"/>
+        </dgm:constrLst>
+      </dgm:if>
+      <dgm:else name="Name2">
+        <dgm:constrLst>
+          <dgm:constr type="w" for="ch" forName="pyramid" refType="h"/>
+          <dgm:constr type="h" for="ch" forName="pyramid" refType="h"/>
+          <dgm:constr type="h" for="ch" forName="theList" refType="h" fact="0.8"/>
+          <dgm:constr type="w" for="ch" forName="theList" refType="h" fact="0.65"/>
+          <dgm:constr type="ctrY" for="ch" forName="theList" refType="h" refFor="ch" refForName="pyramid" fact="0.5"/>
+          <dgm:constr type="r" for="ch" forName="theList" refType="w" refFor="ch" refForName="pyramid" fact="0.5"/>
+          <dgm:constr type="h" for="des" forName="aSpace" refType="h" fact="0.1"/>
+        </dgm:constrLst>
+      </dgm:else>
+    </dgm:choose>
+    <dgm:ruleLst/>
+    <dgm:choose name="Name3">
+      <dgm:if name="Name4" axis="ch" ptType="node" func="cnt" op="gte" val="1">
+        <dgm:layoutNode name="pyramid" styleLbl="node1">
+          <dgm:alg type="sp"/>
+          <dgm:shape xmlns:r="http://schemas.openxmlformats.org/officeDocument/2006/relationships" type="triangle" r:blip="">
+            <dgm:adjLst/>
+          </dgm:shape>
+          <dgm:presOf/>
+          <dgm:constrLst/>
+          <dgm:ruleLst/>
+        </dgm:layoutNode>
+        <dgm:layoutNode name="theList">
+          <dgm:alg type="lin">
+            <dgm:param type="linDir" val="fromT"/>
+          </dgm:alg>
+          <dgm:shape xmlns:r="http://schemas.openxmlformats.org/officeDocument/2006/relationships" r:blip="">
+            <dgm:adjLst/>
+          </dgm:shape>
+          <dgm:presOf/>
+          <dgm:constrLst>
+            <dgm:constr type="w" for="ch" forName="aNode" refType="w"/>
+            <dgm:constr type="h" for="ch" forName="aNode" refType="h"/>
+            <dgm:constr type="primFontSz" for="ch" ptType="node" op="equ"/>
+          </dgm:constrLst>
+          <dgm:ruleLst/>
+          <dgm:forEach name="aNodeForEach" axis="ch" ptType="node">
+            <dgm:layoutNode name="aNode" styleLbl="fgAcc1">
+              <dgm:varLst>
+                <dgm:bulletEnabled val="1"/>
+              </dgm:varLst>
+              <dgm:alg type="tx"/>
+              <dgm:shape xmlns:r="http://schemas.openxmlformats.org/officeDocument/2006/relationships" type="roundRect" r:blip="">
+                <dgm:adjLst/>
+              </dgm:shape>
+              <dgm:presOf axis="desOrSelf" ptType="node"/>
+              <dgm:constrLst>
+                <dgm:constr type="primFontSz" val="65"/>
+                <dgm:constr type="tMarg" refType="primFontSz" fact="0.3"/>
+                <dgm:constr type="bMarg" refType="primFontSz" fact="0.3"/>
+                <dgm:constr type="lMarg" refType="primFontSz" fact="0.3"/>
+                <dgm:constr type="rMarg" refType="primFontSz" fact="0.3"/>
+              </dgm:constrLst>
+              <dgm:ruleLst>
+                <dgm:rule type="primFontSz" val="5" fact="NaN" max="NaN"/>
+              </dgm:ruleLst>
+            </dgm:layoutNode>
+            <dgm:layoutNode name="aSpace">
+              <dgm:alg type="sp"/>
+              <dgm:shape xmlns:r="http://schemas.openxmlformats.org/officeDocument/2006/relationships" r:blip="">
+                <dgm:adjLst/>
+              </dgm:shape>
+              <dgm:presOf/>
+              <dgm:constrLst/>
+              <dgm:ruleLst/>
+            </dgm:layoutNode>
+          </dgm:forEach>
+        </dgm:layoutNode>
+      </dgm:if>
+      <dgm:else name="Name5"/>
+    </dgm:choose>
+  </dgm:layoutNode>
+</dgm:layoutDef>
+</file>
+
 <file path=ppt/diagrams/quickStyle1.xml><?xml version="1.0" encoding="utf-8"?>
 <dgm:styleDef xmlns:dgm="http://schemas.openxmlformats.org/drawingml/2006/diagram" xmlns:a="http://schemas.openxmlformats.org/drawingml/2006/main" uniqueId="urn:microsoft.com/office/officeart/2005/8/quickstyle/simple1">
   <dgm:title val=""/>
@@ -11924,6 +13638,1040 @@
         <a:scrgbClr r="0" g="0" b="0"/>
       </a:fillRef>
       <a:effectRef idx="1">
+        <a:scrgbClr r="0" g="0" b="0"/>
+      </a:effectRef>
+      <a:fontRef idx="minor"/>
+    </dgm:style>
+  </dgm:styleLbl>
+  <dgm:styleLbl name="revTx">
+    <dgm:scene3d>
+      <a:camera prst="orthographicFront"/>
+      <a:lightRig rig="threePt" dir="t"/>
+    </dgm:scene3d>
+    <dgm:sp3d/>
+    <dgm:txPr/>
+    <dgm:style>
+      <a:lnRef idx="0">
+        <a:scrgbClr r="0" g="0" b="0"/>
+      </a:lnRef>
+      <a:fillRef idx="0">
+        <a:scrgbClr r="0" g="0" b="0"/>
+      </a:fillRef>
+      <a:effectRef idx="0">
+        <a:scrgbClr r="0" g="0" b="0"/>
+      </a:effectRef>
+      <a:fontRef idx="minor"/>
+    </dgm:style>
+  </dgm:styleLbl>
+</dgm:styleDef>
+</file>
+
+<file path=ppt/diagrams/quickStyle4.xml><?xml version="1.0" encoding="utf-8"?>
+<dgm:styleDef xmlns:dgm="http://schemas.openxmlformats.org/drawingml/2006/diagram" xmlns:a="http://schemas.openxmlformats.org/drawingml/2006/main" uniqueId="urn:microsoft.com/office/officeart/2005/8/quickstyle/simple1">
+  <dgm:title val=""/>
+  <dgm:desc val=""/>
+  <dgm:catLst>
+    <dgm:cat type="simple" pri="10100"/>
+  </dgm:catLst>
+  <dgm:scene3d>
+    <a:camera prst="orthographicFront"/>
+    <a:lightRig rig="threePt" dir="t"/>
+  </dgm:scene3d>
+  <dgm:styleLbl name="node0">
+    <dgm:scene3d>
+      <a:camera prst="orthographicFront"/>
+      <a:lightRig rig="threePt" dir="t"/>
+    </dgm:scene3d>
+    <dgm:sp3d/>
+    <dgm:txPr/>
+    <dgm:style>
+      <a:lnRef idx="2">
+        <a:scrgbClr r="0" g="0" b="0"/>
+      </a:lnRef>
+      <a:fillRef idx="1">
+        <a:scrgbClr r="0" g="0" b="0"/>
+      </a:fillRef>
+      <a:effectRef idx="0">
+        <a:scrgbClr r="0" g="0" b="0"/>
+      </a:effectRef>
+      <a:fontRef idx="minor">
+        <a:schemeClr val="lt1"/>
+      </a:fontRef>
+    </dgm:style>
+  </dgm:styleLbl>
+  <dgm:styleLbl name="lnNode1">
+    <dgm:scene3d>
+      <a:camera prst="orthographicFront"/>
+      <a:lightRig rig="threePt" dir="t"/>
+    </dgm:scene3d>
+    <dgm:sp3d/>
+    <dgm:txPr/>
+    <dgm:style>
+      <a:lnRef idx="2">
+        <a:scrgbClr r="0" g="0" b="0"/>
+      </a:lnRef>
+      <a:fillRef idx="1">
+        <a:scrgbClr r="0" g="0" b="0"/>
+      </a:fillRef>
+      <a:effectRef idx="0">
+        <a:scrgbClr r="0" g="0" b="0"/>
+      </a:effectRef>
+      <a:fontRef idx="minor">
+        <a:schemeClr val="lt1"/>
+      </a:fontRef>
+    </dgm:style>
+  </dgm:styleLbl>
+  <dgm:styleLbl name="vennNode1">
+    <dgm:scene3d>
+      <a:camera prst="orthographicFront"/>
+      <a:lightRig rig="threePt" dir="t"/>
+    </dgm:scene3d>
+    <dgm:sp3d/>
+    <dgm:txPr/>
+    <dgm:style>
+      <a:lnRef idx="2">
+        <a:scrgbClr r="0" g="0" b="0"/>
+      </a:lnRef>
+      <a:fillRef idx="1">
+        <a:scrgbClr r="0" g="0" b="0"/>
+      </a:fillRef>
+      <a:effectRef idx="0">
+        <a:scrgbClr r="0" g="0" b="0"/>
+      </a:effectRef>
+      <a:fontRef idx="minor">
+        <a:schemeClr val="tx1"/>
+      </a:fontRef>
+    </dgm:style>
+  </dgm:styleLbl>
+  <dgm:styleLbl name="alignNode1">
+    <dgm:scene3d>
+      <a:camera prst="orthographicFront"/>
+      <a:lightRig rig="threePt" dir="t"/>
+    </dgm:scene3d>
+    <dgm:sp3d/>
+    <dgm:txPr/>
+    <dgm:style>
+      <a:lnRef idx="2">
+        <a:scrgbClr r="0" g="0" b="0"/>
+      </a:lnRef>
+      <a:fillRef idx="1">
+        <a:scrgbClr r="0" g="0" b="0"/>
+      </a:fillRef>
+      <a:effectRef idx="0">
+        <a:scrgbClr r="0" g="0" b="0"/>
+      </a:effectRef>
+      <a:fontRef idx="minor">
+        <a:schemeClr val="lt1"/>
+      </a:fontRef>
+    </dgm:style>
+  </dgm:styleLbl>
+  <dgm:styleLbl name="node1">
+    <dgm:scene3d>
+      <a:camera prst="orthographicFront"/>
+      <a:lightRig rig="threePt" dir="t"/>
+    </dgm:scene3d>
+    <dgm:sp3d/>
+    <dgm:txPr/>
+    <dgm:style>
+      <a:lnRef idx="2">
+        <a:scrgbClr r="0" g="0" b="0"/>
+      </a:lnRef>
+      <a:fillRef idx="1">
+        <a:scrgbClr r="0" g="0" b="0"/>
+      </a:fillRef>
+      <a:effectRef idx="0">
+        <a:scrgbClr r="0" g="0" b="0"/>
+      </a:effectRef>
+      <a:fontRef idx="minor">
+        <a:schemeClr val="lt1"/>
+      </a:fontRef>
+    </dgm:style>
+  </dgm:styleLbl>
+  <dgm:styleLbl name="node2">
+    <dgm:scene3d>
+      <a:camera prst="orthographicFront"/>
+      <a:lightRig rig="threePt" dir="t"/>
+    </dgm:scene3d>
+    <dgm:sp3d/>
+    <dgm:txPr/>
+    <dgm:style>
+      <a:lnRef idx="2">
+        <a:scrgbClr r="0" g="0" b="0"/>
+      </a:lnRef>
+      <a:fillRef idx="1">
+        <a:scrgbClr r="0" g="0" b="0"/>
+      </a:fillRef>
+      <a:effectRef idx="0">
+        <a:scrgbClr r="0" g="0" b="0"/>
+      </a:effectRef>
+      <a:fontRef idx="minor">
+        <a:schemeClr val="lt1"/>
+      </a:fontRef>
+    </dgm:style>
+  </dgm:styleLbl>
+  <dgm:styleLbl name="node3">
+    <dgm:scene3d>
+      <a:camera prst="orthographicFront"/>
+      <a:lightRig rig="threePt" dir="t"/>
+    </dgm:scene3d>
+    <dgm:sp3d/>
+    <dgm:txPr/>
+    <dgm:style>
+      <a:lnRef idx="2">
+        <a:scrgbClr r="0" g="0" b="0"/>
+      </a:lnRef>
+      <a:fillRef idx="1">
+        <a:scrgbClr r="0" g="0" b="0"/>
+      </a:fillRef>
+      <a:effectRef idx="0">
+        <a:scrgbClr r="0" g="0" b="0"/>
+      </a:effectRef>
+      <a:fontRef idx="minor">
+        <a:schemeClr val="lt1"/>
+      </a:fontRef>
+    </dgm:style>
+  </dgm:styleLbl>
+  <dgm:styleLbl name="node4">
+    <dgm:scene3d>
+      <a:camera prst="orthographicFront"/>
+      <a:lightRig rig="threePt" dir="t"/>
+    </dgm:scene3d>
+    <dgm:sp3d/>
+    <dgm:txPr/>
+    <dgm:style>
+      <a:lnRef idx="2">
+        <a:scrgbClr r="0" g="0" b="0"/>
+      </a:lnRef>
+      <a:fillRef idx="1">
+        <a:scrgbClr r="0" g="0" b="0"/>
+      </a:fillRef>
+      <a:effectRef idx="0">
+        <a:scrgbClr r="0" g="0" b="0"/>
+      </a:effectRef>
+      <a:fontRef idx="minor">
+        <a:schemeClr val="lt1"/>
+      </a:fontRef>
+    </dgm:style>
+  </dgm:styleLbl>
+  <dgm:styleLbl name="fgImgPlace1">
+    <dgm:scene3d>
+      <a:camera prst="orthographicFront"/>
+      <a:lightRig rig="threePt" dir="t"/>
+    </dgm:scene3d>
+    <dgm:sp3d/>
+    <dgm:txPr/>
+    <dgm:style>
+      <a:lnRef idx="2">
+        <a:scrgbClr r="0" g="0" b="0"/>
+      </a:lnRef>
+      <a:fillRef idx="1">
+        <a:scrgbClr r="0" g="0" b="0"/>
+      </a:fillRef>
+      <a:effectRef idx="0">
+        <a:scrgbClr r="0" g="0" b="0"/>
+      </a:effectRef>
+      <a:fontRef idx="minor"/>
+    </dgm:style>
+  </dgm:styleLbl>
+  <dgm:styleLbl name="alignImgPlace1">
+    <dgm:scene3d>
+      <a:camera prst="orthographicFront"/>
+      <a:lightRig rig="threePt" dir="t"/>
+    </dgm:scene3d>
+    <dgm:sp3d/>
+    <dgm:txPr/>
+    <dgm:style>
+      <a:lnRef idx="2">
+        <a:scrgbClr r="0" g="0" b="0"/>
+      </a:lnRef>
+      <a:fillRef idx="1">
+        <a:scrgbClr r="0" g="0" b="0"/>
+      </a:fillRef>
+      <a:effectRef idx="0">
+        <a:scrgbClr r="0" g="0" b="0"/>
+      </a:effectRef>
+      <a:fontRef idx="minor"/>
+    </dgm:style>
+  </dgm:styleLbl>
+  <dgm:styleLbl name="bgImgPlace1">
+    <dgm:scene3d>
+      <a:camera prst="orthographicFront"/>
+      <a:lightRig rig="threePt" dir="t"/>
+    </dgm:scene3d>
+    <dgm:sp3d/>
+    <dgm:txPr/>
+    <dgm:style>
+      <a:lnRef idx="2">
+        <a:scrgbClr r="0" g="0" b="0"/>
+      </a:lnRef>
+      <a:fillRef idx="1">
+        <a:scrgbClr r="0" g="0" b="0"/>
+      </a:fillRef>
+      <a:effectRef idx="0">
+        <a:scrgbClr r="0" g="0" b="0"/>
+      </a:effectRef>
+      <a:fontRef idx="minor"/>
+    </dgm:style>
+  </dgm:styleLbl>
+  <dgm:styleLbl name="sibTrans2D1">
+    <dgm:scene3d>
+      <a:camera prst="orthographicFront"/>
+      <a:lightRig rig="threePt" dir="t"/>
+    </dgm:scene3d>
+    <dgm:sp3d/>
+    <dgm:txPr/>
+    <dgm:style>
+      <a:lnRef idx="0">
+        <a:scrgbClr r="0" g="0" b="0"/>
+      </a:lnRef>
+      <a:fillRef idx="1">
+        <a:scrgbClr r="0" g="0" b="0"/>
+      </a:fillRef>
+      <a:effectRef idx="0">
+        <a:scrgbClr r="0" g="0" b="0"/>
+      </a:effectRef>
+      <a:fontRef idx="minor">
+        <a:schemeClr val="lt1"/>
+      </a:fontRef>
+    </dgm:style>
+  </dgm:styleLbl>
+  <dgm:styleLbl name="fgSibTrans2D1">
+    <dgm:scene3d>
+      <a:camera prst="orthographicFront"/>
+      <a:lightRig rig="threePt" dir="t"/>
+    </dgm:scene3d>
+    <dgm:sp3d/>
+    <dgm:txPr/>
+    <dgm:style>
+      <a:lnRef idx="0">
+        <a:scrgbClr r="0" g="0" b="0"/>
+      </a:lnRef>
+      <a:fillRef idx="1">
+        <a:scrgbClr r="0" g="0" b="0"/>
+      </a:fillRef>
+      <a:effectRef idx="0">
+        <a:scrgbClr r="0" g="0" b="0"/>
+      </a:effectRef>
+      <a:fontRef idx="minor">
+        <a:schemeClr val="lt1"/>
+      </a:fontRef>
+    </dgm:style>
+  </dgm:styleLbl>
+  <dgm:styleLbl name="bgSibTrans2D1">
+    <dgm:scene3d>
+      <a:camera prst="orthographicFront"/>
+      <a:lightRig rig="threePt" dir="t"/>
+    </dgm:scene3d>
+    <dgm:sp3d/>
+    <dgm:txPr/>
+    <dgm:style>
+      <a:lnRef idx="0">
+        <a:scrgbClr r="0" g="0" b="0"/>
+      </a:lnRef>
+      <a:fillRef idx="1">
+        <a:scrgbClr r="0" g="0" b="0"/>
+      </a:fillRef>
+      <a:effectRef idx="0">
+        <a:scrgbClr r="0" g="0" b="0"/>
+      </a:effectRef>
+      <a:fontRef idx="minor">
+        <a:schemeClr val="lt1"/>
+      </a:fontRef>
+    </dgm:style>
+  </dgm:styleLbl>
+  <dgm:styleLbl name="sibTrans1D1">
+    <dgm:scene3d>
+      <a:camera prst="orthographicFront"/>
+      <a:lightRig rig="threePt" dir="t"/>
+    </dgm:scene3d>
+    <dgm:sp3d/>
+    <dgm:txPr/>
+    <dgm:style>
+      <a:lnRef idx="1">
+        <a:scrgbClr r="0" g="0" b="0"/>
+      </a:lnRef>
+      <a:fillRef idx="0">
+        <a:scrgbClr r="0" g="0" b="0"/>
+      </a:fillRef>
+      <a:effectRef idx="0">
+        <a:scrgbClr r="0" g="0" b="0"/>
+      </a:effectRef>
+      <a:fontRef idx="minor"/>
+    </dgm:style>
+  </dgm:styleLbl>
+  <dgm:styleLbl name="callout">
+    <dgm:scene3d>
+      <a:camera prst="orthographicFront"/>
+      <a:lightRig rig="threePt" dir="t"/>
+    </dgm:scene3d>
+    <dgm:sp3d/>
+    <dgm:txPr/>
+    <dgm:style>
+      <a:lnRef idx="2">
+        <a:scrgbClr r="0" g="0" b="0"/>
+      </a:lnRef>
+      <a:fillRef idx="1">
+        <a:scrgbClr r="0" g="0" b="0"/>
+      </a:fillRef>
+      <a:effectRef idx="0">
+        <a:scrgbClr r="0" g="0" b="0"/>
+      </a:effectRef>
+      <a:fontRef idx="minor"/>
+    </dgm:style>
+  </dgm:styleLbl>
+  <dgm:styleLbl name="asst0">
+    <dgm:scene3d>
+      <a:camera prst="orthographicFront"/>
+      <a:lightRig rig="threePt" dir="t"/>
+    </dgm:scene3d>
+    <dgm:sp3d/>
+    <dgm:txPr/>
+    <dgm:style>
+      <a:lnRef idx="2">
+        <a:scrgbClr r="0" g="0" b="0"/>
+      </a:lnRef>
+      <a:fillRef idx="1">
+        <a:scrgbClr r="0" g="0" b="0"/>
+      </a:fillRef>
+      <a:effectRef idx="0">
+        <a:scrgbClr r="0" g="0" b="0"/>
+      </a:effectRef>
+      <a:fontRef idx="minor">
+        <a:schemeClr val="lt1"/>
+      </a:fontRef>
+    </dgm:style>
+  </dgm:styleLbl>
+  <dgm:styleLbl name="asst1">
+    <dgm:scene3d>
+      <a:camera prst="orthographicFront"/>
+      <a:lightRig rig="threePt" dir="t"/>
+    </dgm:scene3d>
+    <dgm:sp3d/>
+    <dgm:txPr/>
+    <dgm:style>
+      <a:lnRef idx="2">
+        <a:scrgbClr r="0" g="0" b="0"/>
+      </a:lnRef>
+      <a:fillRef idx="1">
+        <a:scrgbClr r="0" g="0" b="0"/>
+      </a:fillRef>
+      <a:effectRef idx="0">
+        <a:scrgbClr r="0" g="0" b="0"/>
+      </a:effectRef>
+      <a:fontRef idx="minor">
+        <a:schemeClr val="lt1"/>
+      </a:fontRef>
+    </dgm:style>
+  </dgm:styleLbl>
+  <dgm:styleLbl name="asst2">
+    <dgm:scene3d>
+      <a:camera prst="orthographicFront"/>
+      <a:lightRig rig="threePt" dir="t"/>
+    </dgm:scene3d>
+    <dgm:sp3d/>
+    <dgm:txPr/>
+    <dgm:style>
+      <a:lnRef idx="2">
+        <a:scrgbClr r="0" g="0" b="0"/>
+      </a:lnRef>
+      <a:fillRef idx="1">
+        <a:scrgbClr r="0" g="0" b="0"/>
+      </a:fillRef>
+      <a:effectRef idx="0">
+        <a:scrgbClr r="0" g="0" b="0"/>
+      </a:effectRef>
+      <a:fontRef idx="minor">
+        <a:schemeClr val="lt1"/>
+      </a:fontRef>
+    </dgm:style>
+  </dgm:styleLbl>
+  <dgm:styleLbl name="asst3">
+    <dgm:scene3d>
+      <a:camera prst="orthographicFront"/>
+      <a:lightRig rig="threePt" dir="t"/>
+    </dgm:scene3d>
+    <dgm:sp3d/>
+    <dgm:txPr/>
+    <dgm:style>
+      <a:lnRef idx="2">
+        <a:scrgbClr r="0" g="0" b="0"/>
+      </a:lnRef>
+      <a:fillRef idx="1">
+        <a:scrgbClr r="0" g="0" b="0"/>
+      </a:fillRef>
+      <a:effectRef idx="0">
+        <a:scrgbClr r="0" g="0" b="0"/>
+      </a:effectRef>
+      <a:fontRef idx="minor">
+        <a:schemeClr val="lt1"/>
+      </a:fontRef>
+    </dgm:style>
+  </dgm:styleLbl>
+  <dgm:styleLbl name="asst4">
+    <dgm:scene3d>
+      <a:camera prst="orthographicFront"/>
+      <a:lightRig rig="threePt" dir="t"/>
+    </dgm:scene3d>
+    <dgm:sp3d/>
+    <dgm:txPr/>
+    <dgm:style>
+      <a:lnRef idx="2">
+        <a:scrgbClr r="0" g="0" b="0"/>
+      </a:lnRef>
+      <a:fillRef idx="1">
+        <a:scrgbClr r="0" g="0" b="0"/>
+      </a:fillRef>
+      <a:effectRef idx="0">
+        <a:scrgbClr r="0" g="0" b="0"/>
+      </a:effectRef>
+      <a:fontRef idx="minor">
+        <a:schemeClr val="lt1"/>
+      </a:fontRef>
+    </dgm:style>
+  </dgm:styleLbl>
+  <dgm:styleLbl name="parChTrans2D1">
+    <dgm:scene3d>
+      <a:camera prst="orthographicFront"/>
+      <a:lightRig rig="threePt" dir="t"/>
+    </dgm:scene3d>
+    <dgm:sp3d/>
+    <dgm:txPr/>
+    <dgm:style>
+      <a:lnRef idx="2">
+        <a:scrgbClr r="0" g="0" b="0"/>
+      </a:lnRef>
+      <a:fillRef idx="1">
+        <a:scrgbClr r="0" g="0" b="0"/>
+      </a:fillRef>
+      <a:effectRef idx="0">
+        <a:scrgbClr r="0" g="0" b="0"/>
+      </a:effectRef>
+      <a:fontRef idx="minor">
+        <a:schemeClr val="lt1"/>
+      </a:fontRef>
+    </dgm:style>
+  </dgm:styleLbl>
+  <dgm:styleLbl name="parChTrans2D2">
+    <dgm:scene3d>
+      <a:camera prst="orthographicFront"/>
+      <a:lightRig rig="threePt" dir="t"/>
+    </dgm:scene3d>
+    <dgm:sp3d/>
+    <dgm:txPr/>
+    <dgm:style>
+      <a:lnRef idx="2">
+        <a:scrgbClr r="0" g="0" b="0"/>
+      </a:lnRef>
+      <a:fillRef idx="1">
+        <a:scrgbClr r="0" g="0" b="0"/>
+      </a:fillRef>
+      <a:effectRef idx="0">
+        <a:scrgbClr r="0" g="0" b="0"/>
+      </a:effectRef>
+      <a:fontRef idx="minor">
+        <a:schemeClr val="lt1"/>
+      </a:fontRef>
+    </dgm:style>
+  </dgm:styleLbl>
+  <dgm:styleLbl name="parChTrans2D3">
+    <dgm:scene3d>
+      <a:camera prst="orthographicFront"/>
+      <a:lightRig rig="threePt" dir="t"/>
+    </dgm:scene3d>
+    <dgm:sp3d/>
+    <dgm:txPr/>
+    <dgm:style>
+      <a:lnRef idx="2">
+        <a:scrgbClr r="0" g="0" b="0"/>
+      </a:lnRef>
+      <a:fillRef idx="1">
+        <a:scrgbClr r="0" g="0" b="0"/>
+      </a:fillRef>
+      <a:effectRef idx="0">
+        <a:scrgbClr r="0" g="0" b="0"/>
+      </a:effectRef>
+      <a:fontRef idx="minor">
+        <a:schemeClr val="lt1"/>
+      </a:fontRef>
+    </dgm:style>
+  </dgm:styleLbl>
+  <dgm:styleLbl name="parChTrans2D4">
+    <dgm:scene3d>
+      <a:camera prst="orthographicFront"/>
+      <a:lightRig rig="threePt" dir="t"/>
+    </dgm:scene3d>
+    <dgm:sp3d/>
+    <dgm:txPr/>
+    <dgm:style>
+      <a:lnRef idx="2">
+        <a:scrgbClr r="0" g="0" b="0"/>
+      </a:lnRef>
+      <a:fillRef idx="1">
+        <a:scrgbClr r="0" g="0" b="0"/>
+      </a:fillRef>
+      <a:effectRef idx="0">
+        <a:scrgbClr r="0" g="0" b="0"/>
+      </a:effectRef>
+      <a:fontRef idx="minor">
+        <a:schemeClr val="lt1"/>
+      </a:fontRef>
+    </dgm:style>
+  </dgm:styleLbl>
+  <dgm:styleLbl name="parChTrans1D1">
+    <dgm:scene3d>
+      <a:camera prst="orthographicFront"/>
+      <a:lightRig rig="threePt" dir="t"/>
+    </dgm:scene3d>
+    <dgm:sp3d/>
+    <dgm:txPr/>
+    <dgm:style>
+      <a:lnRef idx="2">
+        <a:scrgbClr r="0" g="0" b="0"/>
+      </a:lnRef>
+      <a:fillRef idx="0">
+        <a:scrgbClr r="0" g="0" b="0"/>
+      </a:fillRef>
+      <a:effectRef idx="0">
+        <a:scrgbClr r="0" g="0" b="0"/>
+      </a:effectRef>
+      <a:fontRef idx="minor"/>
+    </dgm:style>
+  </dgm:styleLbl>
+  <dgm:styleLbl name="parChTrans1D2">
+    <dgm:scene3d>
+      <a:camera prst="orthographicFront"/>
+      <a:lightRig rig="threePt" dir="t"/>
+    </dgm:scene3d>
+    <dgm:sp3d/>
+    <dgm:txPr/>
+    <dgm:style>
+      <a:lnRef idx="2">
+        <a:scrgbClr r="0" g="0" b="0"/>
+      </a:lnRef>
+      <a:fillRef idx="0">
+        <a:scrgbClr r="0" g="0" b="0"/>
+      </a:fillRef>
+      <a:effectRef idx="0">
+        <a:scrgbClr r="0" g="0" b="0"/>
+      </a:effectRef>
+      <a:fontRef idx="minor"/>
+    </dgm:style>
+  </dgm:styleLbl>
+  <dgm:styleLbl name="parChTrans1D3">
+    <dgm:scene3d>
+      <a:camera prst="orthographicFront"/>
+      <a:lightRig rig="threePt" dir="t"/>
+    </dgm:scene3d>
+    <dgm:sp3d/>
+    <dgm:txPr/>
+    <dgm:style>
+      <a:lnRef idx="2">
+        <a:scrgbClr r="0" g="0" b="0"/>
+      </a:lnRef>
+      <a:fillRef idx="0">
+        <a:scrgbClr r="0" g="0" b="0"/>
+      </a:fillRef>
+      <a:effectRef idx="0">
+        <a:scrgbClr r="0" g="0" b="0"/>
+      </a:effectRef>
+      <a:fontRef idx="minor"/>
+    </dgm:style>
+  </dgm:styleLbl>
+  <dgm:styleLbl name="parChTrans1D4">
+    <dgm:scene3d>
+      <a:camera prst="orthographicFront"/>
+      <a:lightRig rig="threePt" dir="t"/>
+    </dgm:scene3d>
+    <dgm:sp3d/>
+    <dgm:txPr/>
+    <dgm:style>
+      <a:lnRef idx="2">
+        <a:scrgbClr r="0" g="0" b="0"/>
+      </a:lnRef>
+      <a:fillRef idx="0">
+        <a:scrgbClr r="0" g="0" b="0"/>
+      </a:fillRef>
+      <a:effectRef idx="0">
+        <a:scrgbClr r="0" g="0" b="0"/>
+      </a:effectRef>
+      <a:fontRef idx="minor"/>
+    </dgm:style>
+  </dgm:styleLbl>
+  <dgm:styleLbl name="fgAcc1">
+    <dgm:scene3d>
+      <a:camera prst="orthographicFront"/>
+      <a:lightRig rig="threePt" dir="t"/>
+    </dgm:scene3d>
+    <dgm:sp3d/>
+    <dgm:txPr/>
+    <dgm:style>
+      <a:lnRef idx="2">
+        <a:scrgbClr r="0" g="0" b="0"/>
+      </a:lnRef>
+      <a:fillRef idx="1">
+        <a:scrgbClr r="0" g="0" b="0"/>
+      </a:fillRef>
+      <a:effectRef idx="0">
+        <a:scrgbClr r="0" g="0" b="0"/>
+      </a:effectRef>
+      <a:fontRef idx="minor"/>
+    </dgm:style>
+  </dgm:styleLbl>
+  <dgm:styleLbl name="conFgAcc1">
+    <dgm:scene3d>
+      <a:camera prst="orthographicFront"/>
+      <a:lightRig rig="threePt" dir="t"/>
+    </dgm:scene3d>
+    <dgm:sp3d/>
+    <dgm:txPr/>
+    <dgm:style>
+      <a:lnRef idx="2">
+        <a:scrgbClr r="0" g="0" b="0"/>
+      </a:lnRef>
+      <a:fillRef idx="1">
+        <a:scrgbClr r="0" g="0" b="0"/>
+      </a:fillRef>
+      <a:effectRef idx="0">
+        <a:scrgbClr r="0" g="0" b="0"/>
+      </a:effectRef>
+      <a:fontRef idx="minor"/>
+    </dgm:style>
+  </dgm:styleLbl>
+  <dgm:styleLbl name="alignAcc1">
+    <dgm:scene3d>
+      <a:camera prst="orthographicFront"/>
+      <a:lightRig rig="threePt" dir="t"/>
+    </dgm:scene3d>
+    <dgm:sp3d/>
+    <dgm:txPr/>
+    <dgm:style>
+      <a:lnRef idx="2">
+        <a:scrgbClr r="0" g="0" b="0"/>
+      </a:lnRef>
+      <a:fillRef idx="1">
+        <a:scrgbClr r="0" g="0" b="0"/>
+      </a:fillRef>
+      <a:effectRef idx="0">
+        <a:scrgbClr r="0" g="0" b="0"/>
+      </a:effectRef>
+      <a:fontRef idx="minor"/>
+    </dgm:style>
+  </dgm:styleLbl>
+  <dgm:styleLbl name="trAlignAcc1">
+    <dgm:scene3d>
+      <a:camera prst="orthographicFront"/>
+      <a:lightRig rig="threePt" dir="t"/>
+    </dgm:scene3d>
+    <dgm:sp3d/>
+    <dgm:txPr/>
+    <dgm:style>
+      <a:lnRef idx="1">
+        <a:scrgbClr r="0" g="0" b="0"/>
+      </a:lnRef>
+      <a:fillRef idx="1">
+        <a:scrgbClr r="0" g="0" b="0"/>
+      </a:fillRef>
+      <a:effectRef idx="0">
+        <a:scrgbClr r="0" g="0" b="0"/>
+      </a:effectRef>
+      <a:fontRef idx="minor"/>
+    </dgm:style>
+  </dgm:styleLbl>
+  <dgm:styleLbl name="bgAcc1">
+    <dgm:scene3d>
+      <a:camera prst="orthographicFront"/>
+      <a:lightRig rig="threePt" dir="t"/>
+    </dgm:scene3d>
+    <dgm:sp3d/>
+    <dgm:txPr/>
+    <dgm:style>
+      <a:lnRef idx="2">
+        <a:scrgbClr r="0" g="0" b="0"/>
+      </a:lnRef>
+      <a:fillRef idx="1">
+        <a:scrgbClr r="0" g="0" b="0"/>
+      </a:fillRef>
+      <a:effectRef idx="0">
+        <a:scrgbClr r="0" g="0" b="0"/>
+      </a:effectRef>
+      <a:fontRef idx="minor"/>
+    </dgm:style>
+  </dgm:styleLbl>
+  <dgm:styleLbl name="solidFgAcc1">
+    <dgm:scene3d>
+      <a:camera prst="orthographicFront"/>
+      <a:lightRig rig="threePt" dir="t"/>
+    </dgm:scene3d>
+    <dgm:sp3d/>
+    <dgm:txPr/>
+    <dgm:style>
+      <a:lnRef idx="2">
+        <a:scrgbClr r="0" g="0" b="0"/>
+      </a:lnRef>
+      <a:fillRef idx="1">
+        <a:scrgbClr r="0" g="0" b="0"/>
+      </a:fillRef>
+      <a:effectRef idx="0">
+        <a:scrgbClr r="0" g="0" b="0"/>
+      </a:effectRef>
+      <a:fontRef idx="minor"/>
+    </dgm:style>
+  </dgm:styleLbl>
+  <dgm:styleLbl name="solidAlignAcc1">
+    <dgm:scene3d>
+      <a:camera prst="orthographicFront"/>
+      <a:lightRig rig="threePt" dir="t"/>
+    </dgm:scene3d>
+    <dgm:sp3d/>
+    <dgm:txPr/>
+    <dgm:style>
+      <a:lnRef idx="2">
+        <a:scrgbClr r="0" g="0" b="0"/>
+      </a:lnRef>
+      <a:fillRef idx="1">
+        <a:scrgbClr r="0" g="0" b="0"/>
+      </a:fillRef>
+      <a:effectRef idx="0">
+        <a:scrgbClr r="0" g="0" b="0"/>
+      </a:effectRef>
+      <a:fontRef idx="minor"/>
+    </dgm:style>
+  </dgm:styleLbl>
+  <dgm:styleLbl name="solidBgAcc1">
+    <dgm:scene3d>
+      <a:camera prst="orthographicFront"/>
+      <a:lightRig rig="threePt" dir="t"/>
+    </dgm:scene3d>
+    <dgm:sp3d/>
+    <dgm:txPr/>
+    <dgm:style>
+      <a:lnRef idx="2">
+        <a:scrgbClr r="0" g="0" b="0"/>
+      </a:lnRef>
+      <a:fillRef idx="1">
+        <a:scrgbClr r="0" g="0" b="0"/>
+      </a:fillRef>
+      <a:effectRef idx="0">
+        <a:scrgbClr r="0" g="0" b="0"/>
+      </a:effectRef>
+      <a:fontRef idx="minor"/>
+    </dgm:style>
+  </dgm:styleLbl>
+  <dgm:styleLbl name="fgAccFollowNode1">
+    <dgm:scene3d>
+      <a:camera prst="orthographicFront"/>
+      <a:lightRig rig="threePt" dir="t"/>
+    </dgm:scene3d>
+    <dgm:sp3d/>
+    <dgm:txPr/>
+    <dgm:style>
+      <a:lnRef idx="2">
+        <a:scrgbClr r="0" g="0" b="0"/>
+      </a:lnRef>
+      <a:fillRef idx="1">
+        <a:scrgbClr r="0" g="0" b="0"/>
+      </a:fillRef>
+      <a:effectRef idx="0">
+        <a:scrgbClr r="0" g="0" b="0"/>
+      </a:effectRef>
+      <a:fontRef idx="minor"/>
+    </dgm:style>
+  </dgm:styleLbl>
+  <dgm:styleLbl name="alignAccFollowNode1">
+    <dgm:scene3d>
+      <a:camera prst="orthographicFront"/>
+      <a:lightRig rig="threePt" dir="t"/>
+    </dgm:scene3d>
+    <dgm:sp3d/>
+    <dgm:txPr/>
+    <dgm:style>
+      <a:lnRef idx="2">
+        <a:scrgbClr r="0" g="0" b="0"/>
+      </a:lnRef>
+      <a:fillRef idx="1">
+        <a:scrgbClr r="0" g="0" b="0"/>
+      </a:fillRef>
+      <a:effectRef idx="0">
+        <a:scrgbClr r="0" g="0" b="0"/>
+      </a:effectRef>
+      <a:fontRef idx="minor"/>
+    </dgm:style>
+  </dgm:styleLbl>
+  <dgm:styleLbl name="bgAccFollowNode1">
+    <dgm:scene3d>
+      <a:camera prst="orthographicFront"/>
+      <a:lightRig rig="threePt" dir="t"/>
+    </dgm:scene3d>
+    <dgm:sp3d/>
+    <dgm:txPr/>
+    <dgm:style>
+      <a:lnRef idx="2">
+        <a:scrgbClr r="0" g="0" b="0"/>
+      </a:lnRef>
+      <a:fillRef idx="1">
+        <a:scrgbClr r="0" g="0" b="0"/>
+      </a:fillRef>
+      <a:effectRef idx="0">
+        <a:scrgbClr r="0" g="0" b="0"/>
+      </a:effectRef>
+      <a:fontRef idx="minor"/>
+    </dgm:style>
+  </dgm:styleLbl>
+  <dgm:styleLbl name="fgAcc0">
+    <dgm:scene3d>
+      <a:camera prst="orthographicFront"/>
+      <a:lightRig rig="threePt" dir="t"/>
+    </dgm:scene3d>
+    <dgm:sp3d/>
+    <dgm:txPr/>
+    <dgm:style>
+      <a:lnRef idx="2">
+        <a:scrgbClr r="0" g="0" b="0"/>
+      </a:lnRef>
+      <a:fillRef idx="1">
+        <a:scrgbClr r="0" g="0" b="0"/>
+      </a:fillRef>
+      <a:effectRef idx="0">
+        <a:scrgbClr r="0" g="0" b="0"/>
+      </a:effectRef>
+      <a:fontRef idx="minor"/>
+    </dgm:style>
+  </dgm:styleLbl>
+  <dgm:styleLbl name="fgAcc2">
+    <dgm:scene3d>
+      <a:camera prst="orthographicFront"/>
+      <a:lightRig rig="threePt" dir="t"/>
+    </dgm:scene3d>
+    <dgm:sp3d/>
+    <dgm:txPr/>
+    <dgm:style>
+      <a:lnRef idx="2">
+        <a:scrgbClr r="0" g="0" b="0"/>
+      </a:lnRef>
+      <a:fillRef idx="1">
+        <a:scrgbClr r="0" g="0" b="0"/>
+      </a:fillRef>
+      <a:effectRef idx="0">
+        <a:scrgbClr r="0" g="0" b="0"/>
+      </a:effectRef>
+      <a:fontRef idx="minor"/>
+    </dgm:style>
+  </dgm:styleLbl>
+  <dgm:styleLbl name="fgAcc3">
+    <dgm:scene3d>
+      <a:camera prst="orthographicFront"/>
+      <a:lightRig rig="threePt" dir="t"/>
+    </dgm:scene3d>
+    <dgm:sp3d/>
+    <dgm:txPr/>
+    <dgm:style>
+      <a:lnRef idx="2">
+        <a:scrgbClr r="0" g="0" b="0"/>
+      </a:lnRef>
+      <a:fillRef idx="1">
+        <a:scrgbClr r="0" g="0" b="0"/>
+      </a:fillRef>
+      <a:effectRef idx="0">
+        <a:scrgbClr r="0" g="0" b="0"/>
+      </a:effectRef>
+      <a:fontRef idx="minor"/>
+    </dgm:style>
+  </dgm:styleLbl>
+  <dgm:styleLbl name="fgAcc4">
+    <dgm:scene3d>
+      <a:camera prst="orthographicFront"/>
+      <a:lightRig rig="threePt" dir="t"/>
+    </dgm:scene3d>
+    <dgm:sp3d/>
+    <dgm:txPr/>
+    <dgm:style>
+      <a:lnRef idx="2">
+        <a:scrgbClr r="0" g="0" b="0"/>
+      </a:lnRef>
+      <a:fillRef idx="1">
+        <a:scrgbClr r="0" g="0" b="0"/>
+      </a:fillRef>
+      <a:effectRef idx="0">
+        <a:scrgbClr r="0" g="0" b="0"/>
+      </a:effectRef>
+      <a:fontRef idx="minor"/>
+    </dgm:style>
+  </dgm:styleLbl>
+  <dgm:styleLbl name="bgShp">
+    <dgm:scene3d>
+      <a:camera prst="orthographicFront"/>
+      <a:lightRig rig="threePt" dir="t"/>
+    </dgm:scene3d>
+    <dgm:sp3d/>
+    <dgm:txPr/>
+    <dgm:style>
+      <a:lnRef idx="0">
+        <a:scrgbClr r="0" g="0" b="0"/>
+      </a:lnRef>
+      <a:fillRef idx="1">
+        <a:scrgbClr r="0" g="0" b="0"/>
+      </a:fillRef>
+      <a:effectRef idx="0">
+        <a:scrgbClr r="0" g="0" b="0"/>
+      </a:effectRef>
+      <a:fontRef idx="minor"/>
+    </dgm:style>
+  </dgm:styleLbl>
+  <dgm:styleLbl name="dkBgShp">
+    <dgm:scene3d>
+      <a:camera prst="orthographicFront"/>
+      <a:lightRig rig="threePt" dir="t"/>
+    </dgm:scene3d>
+    <dgm:sp3d/>
+    <dgm:txPr/>
+    <dgm:style>
+      <a:lnRef idx="0">
+        <a:scrgbClr r="0" g="0" b="0"/>
+      </a:lnRef>
+      <a:fillRef idx="1">
+        <a:scrgbClr r="0" g="0" b="0"/>
+      </a:fillRef>
+      <a:effectRef idx="0">
+        <a:scrgbClr r="0" g="0" b="0"/>
+      </a:effectRef>
+      <a:fontRef idx="minor"/>
+    </dgm:style>
+  </dgm:styleLbl>
+  <dgm:styleLbl name="trBgShp">
+    <dgm:scene3d>
+      <a:camera prst="orthographicFront"/>
+      <a:lightRig rig="threePt" dir="t"/>
+    </dgm:scene3d>
+    <dgm:sp3d/>
+    <dgm:txPr/>
+    <dgm:style>
+      <a:lnRef idx="0">
+        <a:scrgbClr r="0" g="0" b="0"/>
+      </a:lnRef>
+      <a:fillRef idx="1">
+        <a:scrgbClr r="0" g="0" b="0"/>
+      </a:fillRef>
+      <a:effectRef idx="0">
+        <a:scrgbClr r="0" g="0" b="0"/>
+      </a:effectRef>
+      <a:fontRef idx="minor"/>
+    </dgm:style>
+  </dgm:styleLbl>
+  <dgm:styleLbl name="fgShp">
+    <dgm:scene3d>
+      <a:camera prst="orthographicFront"/>
+      <a:lightRig rig="threePt" dir="t"/>
+    </dgm:scene3d>
+    <dgm:sp3d/>
+    <dgm:txPr/>
+    <dgm:style>
+      <a:lnRef idx="2">
+        <a:scrgbClr r="0" g="0" b="0"/>
+      </a:lnRef>
+      <a:fillRef idx="1">
+        <a:scrgbClr r="0" g="0" b="0"/>
+      </a:fillRef>
+      <a:effectRef idx="0">
         <a:scrgbClr r="0" g="0" b="0"/>
       </a:effectRef>
       <a:fontRef idx="minor"/>
@@ -12034,7 +14782,7 @@
           <a:p>
             <a:fld id="{6C221AE3-2EA3-414F-B0D4-EF9EF6F6D40F}" type="datetimeFigureOut">
               <a:rPr lang="en-US" smtClean="0"/>
-              <a:t>7/15/2024</a:t>
+              <a:t>7/17/2024</a:t>
             </a:fld>
             <a:endParaRPr lang="en-US"/>
           </a:p>
@@ -12535,7 +15283,7 @@
           <a:p>
             <a:fld id="{54B74EF1-788F-47AB-9414-B0E30AA5E1A3}" type="datetimeFigureOut">
               <a:rPr lang="en-US" smtClean="0"/>
-              <a:t>7/15/2024</a:t>
+              <a:t>7/17/2024</a:t>
             </a:fld>
             <a:endParaRPr lang="en-US"/>
           </a:p>
@@ -12735,7 +15483,7 @@
           <a:p>
             <a:fld id="{54B74EF1-788F-47AB-9414-B0E30AA5E1A3}" type="datetimeFigureOut">
               <a:rPr lang="en-US" smtClean="0"/>
-              <a:t>7/15/2024</a:t>
+              <a:t>7/17/2024</a:t>
             </a:fld>
             <a:endParaRPr lang="en-US"/>
           </a:p>
@@ -12945,7 +15693,7 @@
           <a:p>
             <a:fld id="{54B74EF1-788F-47AB-9414-B0E30AA5E1A3}" type="datetimeFigureOut">
               <a:rPr lang="en-US" smtClean="0"/>
-              <a:t>7/15/2024</a:t>
+              <a:t>7/17/2024</a:t>
             </a:fld>
             <a:endParaRPr lang="en-US"/>
           </a:p>
@@ -13145,7 +15893,7 @@
           <a:p>
             <a:fld id="{54B74EF1-788F-47AB-9414-B0E30AA5E1A3}" type="datetimeFigureOut">
               <a:rPr lang="en-US" smtClean="0"/>
-              <a:t>7/15/2024</a:t>
+              <a:t>7/17/2024</a:t>
             </a:fld>
             <a:endParaRPr lang="en-US"/>
           </a:p>
@@ -13421,7 +16169,7 @@
           <a:p>
             <a:fld id="{54B74EF1-788F-47AB-9414-B0E30AA5E1A3}" type="datetimeFigureOut">
               <a:rPr lang="en-US" smtClean="0"/>
-              <a:t>7/15/2024</a:t>
+              <a:t>7/17/2024</a:t>
             </a:fld>
             <a:endParaRPr lang="en-US"/>
           </a:p>
@@ -13689,7 +16437,7 @@
           <a:p>
             <a:fld id="{54B74EF1-788F-47AB-9414-B0E30AA5E1A3}" type="datetimeFigureOut">
               <a:rPr lang="en-US" smtClean="0"/>
-              <a:t>7/15/2024</a:t>
+              <a:t>7/17/2024</a:t>
             </a:fld>
             <a:endParaRPr lang="en-US"/>
           </a:p>
@@ -14104,7 +16852,7 @@
           <a:p>
             <a:fld id="{54B74EF1-788F-47AB-9414-B0E30AA5E1A3}" type="datetimeFigureOut">
               <a:rPr lang="en-US" smtClean="0"/>
-              <a:t>7/15/2024</a:t>
+              <a:t>7/17/2024</a:t>
             </a:fld>
             <a:endParaRPr lang="en-US"/>
           </a:p>
@@ -14246,7 +16994,7 @@
           <a:p>
             <a:fld id="{54B74EF1-788F-47AB-9414-B0E30AA5E1A3}" type="datetimeFigureOut">
               <a:rPr lang="en-US" smtClean="0"/>
-              <a:t>7/15/2024</a:t>
+              <a:t>7/17/2024</a:t>
             </a:fld>
             <a:endParaRPr lang="en-US"/>
           </a:p>
@@ -14359,7 +17107,7 @@
           <a:p>
             <a:fld id="{54B74EF1-788F-47AB-9414-B0E30AA5E1A3}" type="datetimeFigureOut">
               <a:rPr lang="en-US" smtClean="0"/>
-              <a:t>7/15/2024</a:t>
+              <a:t>7/17/2024</a:t>
             </a:fld>
             <a:endParaRPr lang="en-US"/>
           </a:p>
@@ -14672,7 +17420,7 @@
           <a:p>
             <a:fld id="{54B74EF1-788F-47AB-9414-B0E30AA5E1A3}" type="datetimeFigureOut">
               <a:rPr lang="en-US" smtClean="0"/>
-              <a:t>7/15/2024</a:t>
+              <a:t>7/17/2024</a:t>
             </a:fld>
             <a:endParaRPr lang="en-US"/>
           </a:p>
@@ -14961,7 +17709,7 @@
           <a:p>
             <a:fld id="{54B74EF1-788F-47AB-9414-B0E30AA5E1A3}" type="datetimeFigureOut">
               <a:rPr lang="en-US" smtClean="0"/>
-              <a:t>7/15/2024</a:t>
+              <a:t>7/17/2024</a:t>
             </a:fld>
             <a:endParaRPr lang="en-US"/>
           </a:p>
@@ -15204,7 +17952,7 @@
           <a:p>
             <a:fld id="{54B74EF1-788F-47AB-9414-B0E30AA5E1A3}" type="datetimeFigureOut">
               <a:rPr lang="en-US" smtClean="0"/>
-              <a:t>7/15/2024</a:t>
+              <a:t>7/17/2024</a:t>
             </a:fld>
             <a:endParaRPr lang="en-US"/>
           </a:p>
@@ -17718,36 +20466,6 @@
           </a:p>
         </p:txBody>
       </p:sp>
-      <p:pic>
-        <p:nvPicPr>
-          <p:cNvPr id="3" name="Grafik 2">
-            <a:extLst>
-              <a:ext uri="{FF2B5EF4-FFF2-40B4-BE49-F238E27FC236}">
-                <a16:creationId xmlns:a16="http://schemas.microsoft.com/office/drawing/2014/main" id="{3BF050FA-C6D5-4718-874C-4F76864DFF37}"/>
-              </a:ext>
-            </a:extLst>
-          </p:cNvPr>
-          <p:cNvPicPr>
-            <a:picLocks noChangeAspect="1"/>
-          </p:cNvPicPr>
-          <p:nvPr/>
-        </p:nvPicPr>
-        <p:blipFill>
-          <a:blip r:embed="rId2"/>
-          <a:stretch>
-            <a:fillRect/>
-          </a:stretch>
-        </p:blipFill>
-        <p:spPr>
-          <a:xfrm>
-            <a:off x="1703166" y="4543461"/>
-            <a:ext cx="11394412" cy="1944793"/>
-          </a:xfrm>
-          <a:prstGeom prst="rect">
-            <a:avLst/>
-          </a:prstGeom>
-        </p:spPr>
-      </p:pic>
     </p:spTree>
     <p:extLst>
       <p:ext uri="{BB962C8B-B14F-4D97-AF65-F5344CB8AC3E}">
@@ -17762,6 +20480,695 @@
 </file>
 
 <file path=ppt/slides/slide11.xml><?xml version="1.0" encoding="utf-8"?>
+<p:sld xmlns:a="http://schemas.openxmlformats.org/drawingml/2006/main" xmlns:r="http://schemas.openxmlformats.org/officeDocument/2006/relationships" xmlns:p="http://schemas.openxmlformats.org/presentationml/2006/main">
+  <p:cSld>
+    <p:spTree>
+      <p:nvGrpSpPr>
+        <p:cNvPr id="1" name=""/>
+        <p:cNvGrpSpPr/>
+        <p:nvPr/>
+      </p:nvGrpSpPr>
+      <p:grpSpPr>
+        <a:xfrm>
+          <a:off x="0" y="0"/>
+          <a:ext cx="0" cy="0"/>
+          <a:chOff x="0" y="0"/>
+          <a:chExt cx="0" cy="0"/>
+        </a:xfrm>
+      </p:grpSpPr>
+      <p:sp>
+        <p:nvSpPr>
+          <p:cNvPr id="2" name="Titel 1">
+            <a:extLst>
+              <a:ext uri="{FF2B5EF4-FFF2-40B4-BE49-F238E27FC236}">
+                <a16:creationId xmlns:a16="http://schemas.microsoft.com/office/drawing/2014/main" id="{BF03250B-19A7-490B-B6B1-AC8F4C6C49E7}"/>
+              </a:ext>
+            </a:extLst>
+          </p:cNvPr>
+          <p:cNvSpPr>
+            <a:spLocks noGrp="1"/>
+          </p:cNvSpPr>
+          <p:nvPr>
+            <p:ph type="title"/>
+          </p:nvPr>
+        </p:nvSpPr>
+        <p:spPr/>
+        <p:txBody>
+          <a:bodyPr/>
+          <a:lstStyle/>
+          <a:p>
+            <a:r>
+              <a:rPr lang="en-US" dirty="0"/>
+              <a:t>F1000</a:t>
+            </a:r>
+          </a:p>
+        </p:txBody>
+      </p:sp>
+      <p:sp>
+        <p:nvSpPr>
+          <p:cNvPr id="4" name="Rechteck 3">
+            <a:extLst>
+              <a:ext uri="{FF2B5EF4-FFF2-40B4-BE49-F238E27FC236}">
+                <a16:creationId xmlns:a16="http://schemas.microsoft.com/office/drawing/2014/main" id="{22E94EB1-33C7-4E1B-8007-B2774D642176}"/>
+              </a:ext>
+            </a:extLst>
+          </p:cNvPr>
+          <p:cNvSpPr/>
+          <p:nvPr/>
+        </p:nvSpPr>
+        <p:spPr>
+          <a:xfrm>
+            <a:off x="2586681" y="2051221"/>
+            <a:ext cx="1400434" cy="774357"/>
+          </a:xfrm>
+          <a:prstGeom prst="rect">
+            <a:avLst/>
+          </a:prstGeom>
+          <a:solidFill>
+            <a:schemeClr val="bg1">
+              <a:lumMod val="95000"/>
+            </a:schemeClr>
+          </a:solidFill>
+          <a:ln>
+            <a:solidFill>
+              <a:schemeClr val="tx1"/>
+            </a:solidFill>
+          </a:ln>
+        </p:spPr>
+        <p:style>
+          <a:lnRef idx="2">
+            <a:schemeClr val="accent1">
+              <a:shade val="50000"/>
+            </a:schemeClr>
+          </a:lnRef>
+          <a:fillRef idx="1">
+            <a:schemeClr val="accent1"/>
+          </a:fillRef>
+          <a:effectRef idx="0">
+            <a:schemeClr val="accent1"/>
+          </a:effectRef>
+          <a:fontRef idx="minor">
+            <a:schemeClr val="lt1"/>
+          </a:fontRef>
+        </p:style>
+        <p:txBody>
+          <a:bodyPr rtlCol="0" anchor="ctr"/>
+          <a:lstStyle/>
+          <a:p>
+            <a:pPr algn="ctr"/>
+            <a:r>
+              <a:rPr lang="de-DE" dirty="0">
+                <a:solidFill>
+                  <a:sysClr val="windowText" lastClr="000000"/>
+                </a:solidFill>
+              </a:rPr>
+              <a:t>Studie planen</a:t>
+            </a:r>
+          </a:p>
+        </p:txBody>
+      </p:sp>
+      <p:sp>
+        <p:nvSpPr>
+          <p:cNvPr id="5" name="Textfeld 4">
+            <a:extLst>
+              <a:ext uri="{FF2B5EF4-FFF2-40B4-BE49-F238E27FC236}">
+                <a16:creationId xmlns:a16="http://schemas.microsoft.com/office/drawing/2014/main" id="{C68995A6-4FA8-4C86-9248-2EB958AE8794}"/>
+              </a:ext>
+            </a:extLst>
+          </p:cNvPr>
+          <p:cNvSpPr txBox="1"/>
+          <p:nvPr/>
+        </p:nvSpPr>
+        <p:spPr>
+          <a:xfrm>
+            <a:off x="148281" y="2115233"/>
+            <a:ext cx="1935338" cy="646331"/>
+          </a:xfrm>
+          <a:prstGeom prst="rect">
+            <a:avLst/>
+          </a:prstGeom>
+          <a:noFill/>
+        </p:spPr>
+        <p:txBody>
+          <a:bodyPr wrap="none" rtlCol="0">
+            <a:spAutoFit/>
+          </a:bodyPr>
+          <a:lstStyle/>
+          <a:p>
+            <a:pPr algn="ctr"/>
+            <a:r>
+              <a:rPr lang="de-DE" dirty="0"/>
+              <a:t>Klassischer </a:t>
+            </a:r>
+          </a:p>
+          <a:p>
+            <a:pPr algn="ctr"/>
+            <a:r>
+              <a:rPr lang="de-DE" dirty="0"/>
+              <a:t>Forschungsprozess</a:t>
+            </a:r>
+          </a:p>
+        </p:txBody>
+      </p:sp>
+      <p:sp>
+        <p:nvSpPr>
+          <p:cNvPr id="6" name="Textfeld 5">
+            <a:extLst>
+              <a:ext uri="{FF2B5EF4-FFF2-40B4-BE49-F238E27FC236}">
+                <a16:creationId xmlns:a16="http://schemas.microsoft.com/office/drawing/2014/main" id="{876E10F1-6B16-4D72-A8CE-C52FCF06209C}"/>
+              </a:ext>
+            </a:extLst>
+          </p:cNvPr>
+          <p:cNvSpPr txBox="1"/>
+          <p:nvPr/>
+        </p:nvSpPr>
+        <p:spPr>
+          <a:xfrm>
+            <a:off x="528742" y="3250121"/>
+            <a:ext cx="1174424" cy="646331"/>
+          </a:xfrm>
+          <a:prstGeom prst="rect">
+            <a:avLst/>
+          </a:prstGeom>
+          <a:noFill/>
+        </p:spPr>
+        <p:txBody>
+          <a:bodyPr wrap="none" rtlCol="0">
+            <a:spAutoFit/>
+          </a:bodyPr>
+          <a:lstStyle/>
+          <a:p>
+            <a:pPr algn="ctr"/>
+            <a:r>
+              <a:rPr lang="de-DE" dirty="0"/>
+              <a:t>Registered</a:t>
+            </a:r>
+          </a:p>
+          <a:p>
+            <a:pPr algn="ctr"/>
+            <a:r>
+              <a:rPr lang="de-DE" dirty="0"/>
+              <a:t>Report</a:t>
+            </a:r>
+          </a:p>
+        </p:txBody>
+      </p:sp>
+      <p:sp>
+        <p:nvSpPr>
+          <p:cNvPr id="7" name="Rechteck 6">
+            <a:extLst>
+              <a:ext uri="{FF2B5EF4-FFF2-40B4-BE49-F238E27FC236}">
+                <a16:creationId xmlns:a16="http://schemas.microsoft.com/office/drawing/2014/main" id="{28FCFA10-4290-4597-A4E4-9F043445C5A4}"/>
+              </a:ext>
+            </a:extLst>
+          </p:cNvPr>
+          <p:cNvSpPr/>
+          <p:nvPr/>
+        </p:nvSpPr>
+        <p:spPr>
+          <a:xfrm>
+            <a:off x="2586681" y="3163286"/>
+            <a:ext cx="1400434" cy="774357"/>
+          </a:xfrm>
+          <a:prstGeom prst="rect">
+            <a:avLst/>
+          </a:prstGeom>
+          <a:solidFill>
+            <a:schemeClr val="bg1">
+              <a:lumMod val="95000"/>
+            </a:schemeClr>
+          </a:solidFill>
+          <a:ln>
+            <a:solidFill>
+              <a:schemeClr val="tx1"/>
+            </a:solidFill>
+          </a:ln>
+        </p:spPr>
+        <p:style>
+          <a:lnRef idx="2">
+            <a:schemeClr val="accent1">
+              <a:shade val="50000"/>
+            </a:schemeClr>
+          </a:lnRef>
+          <a:fillRef idx="1">
+            <a:schemeClr val="accent1"/>
+          </a:fillRef>
+          <a:effectRef idx="0">
+            <a:schemeClr val="accent1"/>
+          </a:effectRef>
+          <a:fontRef idx="minor">
+            <a:schemeClr val="lt1"/>
+          </a:fontRef>
+        </p:style>
+        <p:txBody>
+          <a:bodyPr rtlCol="0" anchor="ctr"/>
+          <a:lstStyle/>
+          <a:p>
+            <a:pPr algn="ctr"/>
+            <a:r>
+              <a:rPr lang="de-DE" dirty="0">
+                <a:solidFill>
+                  <a:sysClr val="windowText" lastClr="000000"/>
+                </a:solidFill>
+              </a:rPr>
+              <a:t>Studie planen</a:t>
+            </a:r>
+          </a:p>
+        </p:txBody>
+      </p:sp>
+    </p:spTree>
+    <p:extLst>
+      <p:ext uri="{BB962C8B-B14F-4D97-AF65-F5344CB8AC3E}">
+        <p14:creationId xmlns:p14="http://schemas.microsoft.com/office/powerpoint/2010/main" val="384934618"/>
+      </p:ext>
+    </p:extLst>
+  </p:cSld>
+  <p:clrMapOvr>
+    <a:masterClrMapping/>
+  </p:clrMapOvr>
+</p:sld>
+</file>
+
+<file path=ppt/slides/slide12.xml><?xml version="1.0" encoding="utf-8"?>
+<p:sld xmlns:a="http://schemas.openxmlformats.org/drawingml/2006/main" xmlns:r="http://schemas.openxmlformats.org/officeDocument/2006/relationships" xmlns:p="http://schemas.openxmlformats.org/presentationml/2006/main">
+  <p:cSld>
+    <p:spTree>
+      <p:nvGrpSpPr>
+        <p:cNvPr id="1" name=""/>
+        <p:cNvGrpSpPr/>
+        <p:nvPr/>
+      </p:nvGrpSpPr>
+      <p:grpSpPr>
+        <a:xfrm>
+          <a:off x="0" y="0"/>
+          <a:ext cx="0" cy="0"/>
+          <a:chOff x="0" y="0"/>
+          <a:chExt cx="0" cy="0"/>
+        </a:xfrm>
+      </p:grpSpPr>
+      <p:sp>
+        <p:nvSpPr>
+          <p:cNvPr id="2" name="Titel 1">
+            <a:extLst>
+              <a:ext uri="{FF2B5EF4-FFF2-40B4-BE49-F238E27FC236}">
+                <a16:creationId xmlns:a16="http://schemas.microsoft.com/office/drawing/2014/main" id="{1622444C-9BD6-47D1-A548-AAB2EE90F574}"/>
+              </a:ext>
+            </a:extLst>
+          </p:cNvPr>
+          <p:cNvSpPr>
+            <a:spLocks noGrp="1"/>
+          </p:cNvSpPr>
+          <p:nvPr>
+            <p:ph type="title"/>
+          </p:nvPr>
+        </p:nvSpPr>
+        <p:spPr/>
+        <p:txBody>
+          <a:bodyPr/>
+          <a:lstStyle/>
+          <a:p>
+            <a:r>
+              <a:rPr lang="en-US" dirty="0"/>
+              <a:t>Retractions</a:t>
+            </a:r>
+          </a:p>
+        </p:txBody>
+      </p:sp>
+      <p:sp>
+        <p:nvSpPr>
+          <p:cNvPr id="4" name="Rechteck 3">
+            <a:extLst>
+              <a:ext uri="{FF2B5EF4-FFF2-40B4-BE49-F238E27FC236}">
+                <a16:creationId xmlns:a16="http://schemas.microsoft.com/office/drawing/2014/main" id="{A57B9916-8C55-4891-A67C-1EC5C7A6731C}"/>
+              </a:ext>
+            </a:extLst>
+          </p:cNvPr>
+          <p:cNvSpPr/>
+          <p:nvPr/>
+        </p:nvSpPr>
+        <p:spPr>
+          <a:xfrm>
+            <a:off x="1062681" y="2489921"/>
+            <a:ext cx="1400434" cy="774357"/>
+          </a:xfrm>
+          <a:prstGeom prst="rect">
+            <a:avLst/>
+          </a:prstGeom>
+          <a:solidFill>
+            <a:schemeClr val="bg1">
+              <a:lumMod val="95000"/>
+            </a:schemeClr>
+          </a:solidFill>
+          <a:ln>
+            <a:solidFill>
+              <a:schemeClr val="tx1"/>
+            </a:solidFill>
+          </a:ln>
+        </p:spPr>
+        <p:style>
+          <a:lnRef idx="2">
+            <a:schemeClr val="accent1">
+              <a:shade val="50000"/>
+            </a:schemeClr>
+          </a:lnRef>
+          <a:fillRef idx="1">
+            <a:schemeClr val="accent1"/>
+          </a:fillRef>
+          <a:effectRef idx="0">
+            <a:schemeClr val="accent1"/>
+          </a:effectRef>
+          <a:fontRef idx="minor">
+            <a:schemeClr val="lt1"/>
+          </a:fontRef>
+        </p:style>
+        <p:txBody>
+          <a:bodyPr rtlCol="0" anchor="ctr"/>
+          <a:lstStyle/>
+          <a:p>
+            <a:pPr algn="ctr"/>
+            <a:r>
+              <a:rPr lang="de-DE" dirty="0" err="1">
+                <a:solidFill>
+                  <a:sysClr val="windowText" lastClr="000000"/>
+                </a:solidFill>
+              </a:rPr>
+              <a:t>Veröffent-lichung</a:t>
+            </a:r>
+            <a:endParaRPr lang="de-DE" dirty="0">
+              <a:solidFill>
+                <a:sysClr val="windowText" lastClr="000000"/>
+              </a:solidFill>
+            </a:endParaRPr>
+          </a:p>
+        </p:txBody>
+      </p:sp>
+      <p:sp>
+        <p:nvSpPr>
+          <p:cNvPr id="6" name="Textfeld 5">
+            <a:extLst>
+              <a:ext uri="{FF2B5EF4-FFF2-40B4-BE49-F238E27FC236}">
+                <a16:creationId xmlns:a16="http://schemas.microsoft.com/office/drawing/2014/main" id="{D77579AA-C10D-407F-B105-667678B716EB}"/>
+              </a:ext>
+            </a:extLst>
+          </p:cNvPr>
+          <p:cNvSpPr txBox="1"/>
+          <p:nvPr/>
+        </p:nvSpPr>
+        <p:spPr>
+          <a:xfrm>
+            <a:off x="200406" y="1491536"/>
+            <a:ext cx="3482143" cy="646331"/>
+          </a:xfrm>
+          <a:prstGeom prst="rect">
+            <a:avLst/>
+          </a:prstGeom>
+          <a:noFill/>
+        </p:spPr>
+        <p:txBody>
+          <a:bodyPr wrap="square" rtlCol="0">
+            <a:spAutoFit/>
+          </a:bodyPr>
+          <a:lstStyle/>
+          <a:p>
+            <a:pPr algn="ctr"/>
+            <a:r>
+              <a:rPr lang="de-DE" dirty="0"/>
+              <a:t>Prozess der Zurückziehung wissenschaftlicher Artikel</a:t>
+            </a:r>
+          </a:p>
+        </p:txBody>
+      </p:sp>
+      <p:sp>
+        <p:nvSpPr>
+          <p:cNvPr id="7" name="Rechteck 6">
+            <a:extLst>
+              <a:ext uri="{FF2B5EF4-FFF2-40B4-BE49-F238E27FC236}">
+                <a16:creationId xmlns:a16="http://schemas.microsoft.com/office/drawing/2014/main" id="{D9AE63E1-55A7-4417-B90E-9BCCEC9E40F2}"/>
+              </a:ext>
+            </a:extLst>
+          </p:cNvPr>
+          <p:cNvSpPr/>
+          <p:nvPr/>
+        </p:nvSpPr>
+        <p:spPr>
+          <a:xfrm>
+            <a:off x="2795685" y="2489921"/>
+            <a:ext cx="1400434" cy="774357"/>
+          </a:xfrm>
+          <a:prstGeom prst="rect">
+            <a:avLst/>
+          </a:prstGeom>
+          <a:solidFill>
+            <a:schemeClr val="bg1">
+              <a:lumMod val="95000"/>
+            </a:schemeClr>
+          </a:solidFill>
+          <a:ln>
+            <a:solidFill>
+              <a:schemeClr val="tx1"/>
+            </a:solidFill>
+          </a:ln>
+        </p:spPr>
+        <p:style>
+          <a:lnRef idx="2">
+            <a:schemeClr val="accent1">
+              <a:shade val="50000"/>
+            </a:schemeClr>
+          </a:lnRef>
+          <a:fillRef idx="1">
+            <a:schemeClr val="accent1"/>
+          </a:fillRef>
+          <a:effectRef idx="0">
+            <a:schemeClr val="accent1"/>
+          </a:effectRef>
+          <a:fontRef idx="minor">
+            <a:schemeClr val="lt1"/>
+          </a:fontRef>
+        </p:style>
+        <p:txBody>
+          <a:bodyPr rtlCol="0" anchor="ctr"/>
+          <a:lstStyle/>
+          <a:p>
+            <a:pPr algn="ctr"/>
+            <a:r>
+              <a:rPr lang="de-DE" dirty="0">
+                <a:solidFill>
+                  <a:sysClr val="windowText" lastClr="000000"/>
+                </a:solidFill>
+              </a:rPr>
+              <a:t>Äußerung von Bedenken</a:t>
+            </a:r>
+          </a:p>
+        </p:txBody>
+      </p:sp>
+      <p:sp>
+        <p:nvSpPr>
+          <p:cNvPr id="8" name="Rechteck 7">
+            <a:extLst>
+              <a:ext uri="{FF2B5EF4-FFF2-40B4-BE49-F238E27FC236}">
+                <a16:creationId xmlns:a16="http://schemas.microsoft.com/office/drawing/2014/main" id="{1A63EE57-FD57-411C-9A8E-4E8F1994393A}"/>
+              </a:ext>
+            </a:extLst>
+          </p:cNvPr>
+          <p:cNvSpPr/>
+          <p:nvPr/>
+        </p:nvSpPr>
+        <p:spPr>
+          <a:xfrm>
+            <a:off x="4572000" y="2489921"/>
+            <a:ext cx="1400434" cy="774357"/>
+          </a:xfrm>
+          <a:prstGeom prst="rect">
+            <a:avLst/>
+          </a:prstGeom>
+          <a:solidFill>
+            <a:schemeClr val="bg1">
+              <a:lumMod val="95000"/>
+            </a:schemeClr>
+          </a:solidFill>
+          <a:ln>
+            <a:solidFill>
+              <a:schemeClr val="tx1"/>
+            </a:solidFill>
+          </a:ln>
+        </p:spPr>
+        <p:style>
+          <a:lnRef idx="2">
+            <a:schemeClr val="accent1">
+              <a:shade val="50000"/>
+            </a:schemeClr>
+          </a:lnRef>
+          <a:fillRef idx="1">
+            <a:schemeClr val="accent1"/>
+          </a:fillRef>
+          <a:effectRef idx="0">
+            <a:schemeClr val="accent1"/>
+          </a:effectRef>
+          <a:fontRef idx="minor">
+            <a:schemeClr val="lt1"/>
+          </a:fontRef>
+        </p:style>
+        <p:txBody>
+          <a:bodyPr rtlCol="0" anchor="ctr"/>
+          <a:lstStyle/>
+          <a:p>
+            <a:pPr algn="ctr"/>
+            <a:r>
+              <a:rPr lang="de-DE" dirty="0">
+                <a:solidFill>
+                  <a:sysClr val="windowText" lastClr="000000"/>
+                </a:solidFill>
+              </a:rPr>
+              <a:t>Prüfung von Bedenken</a:t>
+            </a:r>
+          </a:p>
+        </p:txBody>
+      </p:sp>
+      <p:sp>
+        <p:nvSpPr>
+          <p:cNvPr id="9" name="Rechteck 8">
+            <a:extLst>
+              <a:ext uri="{FF2B5EF4-FFF2-40B4-BE49-F238E27FC236}">
+                <a16:creationId xmlns:a16="http://schemas.microsoft.com/office/drawing/2014/main" id="{85353F57-17F1-4AE2-BF37-71ECE383208E}"/>
+              </a:ext>
+            </a:extLst>
+          </p:cNvPr>
+          <p:cNvSpPr/>
+          <p:nvPr/>
+        </p:nvSpPr>
+        <p:spPr>
+          <a:xfrm>
+            <a:off x="6348315" y="3041821"/>
+            <a:ext cx="1400434" cy="774357"/>
+          </a:xfrm>
+          <a:prstGeom prst="rect">
+            <a:avLst/>
+          </a:prstGeom>
+          <a:solidFill>
+            <a:schemeClr val="bg1">
+              <a:lumMod val="95000"/>
+            </a:schemeClr>
+          </a:solidFill>
+          <a:ln>
+            <a:solidFill>
+              <a:schemeClr val="tx1"/>
+            </a:solidFill>
+          </a:ln>
+        </p:spPr>
+        <p:style>
+          <a:lnRef idx="2">
+            <a:schemeClr val="accent1">
+              <a:shade val="50000"/>
+            </a:schemeClr>
+          </a:lnRef>
+          <a:fillRef idx="1">
+            <a:schemeClr val="accent1"/>
+          </a:fillRef>
+          <a:effectRef idx="0">
+            <a:schemeClr val="accent1"/>
+          </a:effectRef>
+          <a:fontRef idx="minor">
+            <a:schemeClr val="lt1"/>
+          </a:fontRef>
+        </p:style>
+        <p:txBody>
+          <a:bodyPr rtlCol="0" anchor="ctr"/>
+          <a:lstStyle/>
+          <a:p>
+            <a:pPr algn="ctr"/>
+            <a:r>
+              <a:rPr lang="de-DE" dirty="0" err="1">
+                <a:solidFill>
+                  <a:sysClr val="windowText" lastClr="000000"/>
+                </a:solidFill>
+              </a:rPr>
+              <a:t>Retraction</a:t>
+            </a:r>
+            <a:endParaRPr lang="de-DE" dirty="0">
+              <a:solidFill>
+                <a:sysClr val="windowText" lastClr="000000"/>
+              </a:solidFill>
+            </a:endParaRPr>
+          </a:p>
+        </p:txBody>
+      </p:sp>
+      <p:sp>
+        <p:nvSpPr>
+          <p:cNvPr id="10" name="Rechteck 9">
+            <a:extLst>
+              <a:ext uri="{FF2B5EF4-FFF2-40B4-BE49-F238E27FC236}">
+                <a16:creationId xmlns:a16="http://schemas.microsoft.com/office/drawing/2014/main" id="{5E11C538-8862-4486-8D15-43C164D04C03}"/>
+              </a:ext>
+            </a:extLst>
+          </p:cNvPr>
+          <p:cNvSpPr/>
+          <p:nvPr/>
+        </p:nvSpPr>
+        <p:spPr>
+          <a:xfrm>
+            <a:off x="8124630" y="3041821"/>
+            <a:ext cx="1400434" cy="774357"/>
+          </a:xfrm>
+          <a:prstGeom prst="rect">
+            <a:avLst/>
+          </a:prstGeom>
+          <a:solidFill>
+            <a:schemeClr val="bg1">
+              <a:lumMod val="95000"/>
+            </a:schemeClr>
+          </a:solidFill>
+          <a:ln>
+            <a:solidFill>
+              <a:schemeClr val="tx1"/>
+            </a:solidFill>
+          </a:ln>
+        </p:spPr>
+        <p:style>
+          <a:lnRef idx="2">
+            <a:schemeClr val="accent1">
+              <a:shade val="50000"/>
+            </a:schemeClr>
+          </a:lnRef>
+          <a:fillRef idx="1">
+            <a:schemeClr val="accent1"/>
+          </a:fillRef>
+          <a:effectRef idx="0">
+            <a:schemeClr val="accent1"/>
+          </a:effectRef>
+          <a:fontRef idx="minor">
+            <a:schemeClr val="lt1"/>
+          </a:fontRef>
+        </p:style>
+        <p:txBody>
+          <a:bodyPr rtlCol="0" anchor="ctr"/>
+          <a:lstStyle/>
+          <a:p>
+            <a:pPr algn="ctr"/>
+            <a:r>
+              <a:rPr lang="de-DE" dirty="0">
+                <a:solidFill>
+                  <a:sysClr val="windowText" lastClr="000000"/>
+                </a:solidFill>
+              </a:rPr>
+              <a:t>Reinstation</a:t>
+            </a:r>
+          </a:p>
+        </p:txBody>
+      </p:sp>
+    </p:spTree>
+    <p:extLst>
+      <p:ext uri="{BB962C8B-B14F-4D97-AF65-F5344CB8AC3E}">
+        <p14:creationId xmlns:p14="http://schemas.microsoft.com/office/powerpoint/2010/main" val="1788151024"/>
+      </p:ext>
+    </p:extLst>
+  </p:cSld>
+  <p:clrMapOvr>
+    <a:masterClrMapping/>
+  </p:clrMapOvr>
+</p:sld>
+</file>
+
+<file path=ppt/slides/slide13.xml><?xml version="1.0" encoding="utf-8"?>
 <p:sld xmlns:a="http://schemas.openxmlformats.org/drawingml/2006/main" xmlns:r="http://schemas.openxmlformats.org/officeDocument/2006/relationships" xmlns:p="http://schemas.openxmlformats.org/presentationml/2006/main">
   <p:cSld>
     <p:spTree>
@@ -18667,7 +22074,7 @@
 </p:sld>
 </file>
 
-<file path=ppt/slides/slide12.xml><?xml version="1.0" encoding="utf-8"?>
+<file path=ppt/slides/slide14.xml><?xml version="1.0" encoding="utf-8"?>
 <p:sld xmlns:a="http://schemas.openxmlformats.org/drawingml/2006/main" xmlns:r="http://schemas.openxmlformats.org/officeDocument/2006/relationships" xmlns:p="http://schemas.openxmlformats.org/presentationml/2006/main">
   <p:cSld>
     <p:spTree>
@@ -19150,7 +22557,7 @@
 </p:sld>
 </file>
 
-<file path=ppt/slides/slide13.xml><?xml version="1.0" encoding="utf-8"?>
+<file path=ppt/slides/slide15.xml><?xml version="1.0" encoding="utf-8"?>
 <p:sld xmlns:a="http://schemas.openxmlformats.org/drawingml/2006/main" xmlns:r="http://schemas.openxmlformats.org/officeDocument/2006/relationships" xmlns:p="http://schemas.openxmlformats.org/presentationml/2006/main">
   <p:cSld>
     <p:spTree>
@@ -19321,7 +22728,7 @@
 </p:sld>
 </file>
 
-<file path=ppt/slides/slide14.xml><?xml version="1.0" encoding="utf-8"?>
+<file path=ppt/slides/slide16.xml><?xml version="1.0" encoding="utf-8"?>
 <p:sld xmlns:a="http://schemas.openxmlformats.org/drawingml/2006/main" xmlns:r="http://schemas.openxmlformats.org/officeDocument/2006/relationships" xmlns:p="http://schemas.openxmlformats.org/presentationml/2006/main">
   <p:cSld>
     <p:spTree>
@@ -19503,7 +22910,7 @@
 </p:sld>
 </file>
 
-<file path=ppt/slides/slide15.xml><?xml version="1.0" encoding="utf-8"?>
+<file path=ppt/slides/slide17.xml><?xml version="1.0" encoding="utf-8"?>
 <p:sld xmlns:a="http://schemas.openxmlformats.org/drawingml/2006/main" xmlns:r="http://schemas.openxmlformats.org/officeDocument/2006/relationships" xmlns:p="http://schemas.openxmlformats.org/presentationml/2006/main">
   <p:cSld>
     <p:spTree>
@@ -19945,7 +23352,7 @@
 </p:sld>
 </file>
 
-<file path=ppt/slides/slide16.xml><?xml version="1.0" encoding="utf-8"?>
+<file path=ppt/slides/slide18.xml><?xml version="1.0" encoding="utf-8"?>
 <p:sld xmlns:a="http://schemas.openxmlformats.org/drawingml/2006/main" xmlns:r="http://schemas.openxmlformats.org/officeDocument/2006/relationships" xmlns:p="http://schemas.openxmlformats.org/presentationml/2006/main">
   <p:cSld>
     <p:spTree>
@@ -20073,7 +23480,7 @@
 </p:sld>
 </file>
 
-<file path=ppt/slides/slide17.xml><?xml version="1.0" encoding="utf-8"?>
+<file path=ppt/slides/slide19.xml><?xml version="1.0" encoding="utf-8"?>
 <p:sld xmlns:a="http://schemas.openxmlformats.org/drawingml/2006/main" xmlns:r="http://schemas.openxmlformats.org/officeDocument/2006/relationships" xmlns:p="http://schemas.openxmlformats.org/presentationml/2006/main">
   <p:cSld>
     <p:spTree>
@@ -20719,7 +24126,123 @@
 </p:sld>
 </file>
 
-<file path=ppt/slides/slide18.xml><?xml version="1.0" encoding="utf-8"?>
+<file path=ppt/slides/slide2.xml><?xml version="1.0" encoding="utf-8"?>
+<p:sld xmlns:a="http://schemas.openxmlformats.org/drawingml/2006/main" xmlns:r="http://schemas.openxmlformats.org/officeDocument/2006/relationships" xmlns:p="http://schemas.openxmlformats.org/presentationml/2006/main">
+  <p:cSld>
+    <p:spTree>
+      <p:nvGrpSpPr>
+        <p:cNvPr id="1" name=""/>
+        <p:cNvGrpSpPr/>
+        <p:nvPr/>
+      </p:nvGrpSpPr>
+      <p:grpSpPr>
+        <a:xfrm>
+          <a:off x="0" y="0"/>
+          <a:ext cx="0" cy="0"/>
+          <a:chOff x="0" y="0"/>
+          <a:chExt cx="0" cy="0"/>
+        </a:xfrm>
+      </p:grpSpPr>
+      <p:sp>
+        <p:nvSpPr>
+          <p:cNvPr id="2" name="Titel 1">
+            <a:extLst>
+              <a:ext uri="{FF2B5EF4-FFF2-40B4-BE49-F238E27FC236}">
+                <a16:creationId xmlns:a16="http://schemas.microsoft.com/office/drawing/2014/main" id="{D07020CD-4B92-43E8-99A4-437D00FA5124}"/>
+              </a:ext>
+            </a:extLst>
+          </p:cNvPr>
+          <p:cNvSpPr>
+            <a:spLocks noGrp="1"/>
+          </p:cNvSpPr>
+          <p:nvPr>
+            <p:ph type="title"/>
+          </p:nvPr>
+        </p:nvSpPr>
+        <p:spPr/>
+        <p:txBody>
+          <a:bodyPr/>
+          <a:lstStyle/>
+          <a:p>
+            <a:endParaRPr lang="en-US"/>
+          </a:p>
+        </p:txBody>
+      </p:sp>
+      <p:graphicFrame>
+        <p:nvGraphicFramePr>
+          <p:cNvPr id="4" name="Inhaltsplatzhalter 3">
+            <a:extLst>
+              <a:ext uri="{FF2B5EF4-FFF2-40B4-BE49-F238E27FC236}">
+                <a16:creationId xmlns:a16="http://schemas.microsoft.com/office/drawing/2014/main" id="{E83C7A6C-960B-4520-9D9B-B1E20885044E}"/>
+              </a:ext>
+            </a:extLst>
+          </p:cNvPr>
+          <p:cNvGraphicFramePr>
+            <a:graphicFrameLocks noGrp="1"/>
+          </p:cNvGraphicFramePr>
+          <p:nvPr>
+            <p:ph idx="1"/>
+            <p:extLst>
+              <p:ext uri="{D42A27DB-BD31-4B8C-83A1-F6EECF244321}">
+                <p14:modId xmlns:p14="http://schemas.microsoft.com/office/powerpoint/2010/main" val="3509253916"/>
+              </p:ext>
+            </p:extLst>
+          </p:nvPr>
+        </p:nvGraphicFramePr>
+        <p:xfrm>
+          <a:off x="838200" y="1825625"/>
+          <a:ext cx="10515600" cy="3283404"/>
+        </p:xfrm>
+        <a:graphic>
+          <a:graphicData uri="http://schemas.openxmlformats.org/drawingml/2006/diagram">
+            <dgm:relIds xmlns:dgm="http://schemas.openxmlformats.org/drawingml/2006/diagram" xmlns:r="http://schemas.openxmlformats.org/officeDocument/2006/relationships" r:dm="rId2" r:lo="rId3" r:qs="rId4" r:cs="rId5"/>
+          </a:graphicData>
+        </a:graphic>
+      </p:graphicFrame>
+      <p:pic>
+        <p:nvPicPr>
+          <p:cNvPr id="19" name="Grafik 18">
+            <a:extLst>
+              <a:ext uri="{FF2B5EF4-FFF2-40B4-BE49-F238E27FC236}">
+                <a16:creationId xmlns:a16="http://schemas.microsoft.com/office/drawing/2014/main" id="{E4DD8C10-69E8-42B8-8D68-767BB232BF9B}"/>
+              </a:ext>
+            </a:extLst>
+          </p:cNvPr>
+          <p:cNvPicPr>
+            <a:picLocks noChangeAspect="1"/>
+          </p:cNvPicPr>
+          <p:nvPr/>
+        </p:nvPicPr>
+        <p:blipFill>
+          <a:blip r:embed="rId7"/>
+          <a:stretch>
+            <a:fillRect/>
+          </a:stretch>
+        </p:blipFill>
+        <p:spPr>
+          <a:xfrm>
+            <a:off x="834696" y="1785985"/>
+            <a:ext cx="10522608" cy="3286029"/>
+          </a:xfrm>
+          <a:prstGeom prst="rect">
+            <a:avLst/>
+          </a:prstGeom>
+        </p:spPr>
+      </p:pic>
+    </p:spTree>
+    <p:extLst>
+      <p:ext uri="{BB962C8B-B14F-4D97-AF65-F5344CB8AC3E}">
+        <p14:creationId xmlns:p14="http://schemas.microsoft.com/office/powerpoint/2010/main" val="2496250324"/>
+      </p:ext>
+    </p:extLst>
+  </p:cSld>
+  <p:clrMapOvr>
+    <a:masterClrMapping/>
+  </p:clrMapOvr>
+</p:sld>
+</file>
+
+<file path=ppt/slides/slide20.xml><?xml version="1.0" encoding="utf-8"?>
 <p:sld xmlns:a="http://schemas.openxmlformats.org/drawingml/2006/main" xmlns:r="http://schemas.openxmlformats.org/officeDocument/2006/relationships" xmlns:p="http://schemas.openxmlformats.org/presentationml/2006/main">
   <p:cSld>
     <p:spTree>
@@ -20804,7 +24327,7 @@
 </p:sld>
 </file>
 
-<file path=ppt/slides/slide19.xml><?xml version="1.0" encoding="utf-8"?>
+<file path=ppt/slides/slide21.xml><?xml version="1.0" encoding="utf-8"?>
 <p:sld xmlns:a="http://schemas.openxmlformats.org/drawingml/2006/main" xmlns:r="http://schemas.openxmlformats.org/officeDocument/2006/relationships" xmlns:p="http://schemas.openxmlformats.org/presentationml/2006/main">
   <p:cSld>
     <p:spTree>
@@ -28204,123 +31727,7 @@
 </p:sld>
 </file>
 
-<file path=ppt/slides/slide2.xml><?xml version="1.0" encoding="utf-8"?>
-<p:sld xmlns:a="http://schemas.openxmlformats.org/drawingml/2006/main" xmlns:r="http://schemas.openxmlformats.org/officeDocument/2006/relationships" xmlns:p="http://schemas.openxmlformats.org/presentationml/2006/main">
-  <p:cSld>
-    <p:spTree>
-      <p:nvGrpSpPr>
-        <p:cNvPr id="1" name=""/>
-        <p:cNvGrpSpPr/>
-        <p:nvPr/>
-      </p:nvGrpSpPr>
-      <p:grpSpPr>
-        <a:xfrm>
-          <a:off x="0" y="0"/>
-          <a:ext cx="0" cy="0"/>
-          <a:chOff x="0" y="0"/>
-          <a:chExt cx="0" cy="0"/>
-        </a:xfrm>
-      </p:grpSpPr>
-      <p:sp>
-        <p:nvSpPr>
-          <p:cNvPr id="2" name="Titel 1">
-            <a:extLst>
-              <a:ext uri="{FF2B5EF4-FFF2-40B4-BE49-F238E27FC236}">
-                <a16:creationId xmlns:a16="http://schemas.microsoft.com/office/drawing/2014/main" id="{D07020CD-4B92-43E8-99A4-437D00FA5124}"/>
-              </a:ext>
-            </a:extLst>
-          </p:cNvPr>
-          <p:cNvSpPr>
-            <a:spLocks noGrp="1"/>
-          </p:cNvSpPr>
-          <p:nvPr>
-            <p:ph type="title"/>
-          </p:nvPr>
-        </p:nvSpPr>
-        <p:spPr/>
-        <p:txBody>
-          <a:bodyPr/>
-          <a:lstStyle/>
-          <a:p>
-            <a:endParaRPr lang="en-US"/>
-          </a:p>
-        </p:txBody>
-      </p:sp>
-      <p:graphicFrame>
-        <p:nvGraphicFramePr>
-          <p:cNvPr id="4" name="Inhaltsplatzhalter 3">
-            <a:extLst>
-              <a:ext uri="{FF2B5EF4-FFF2-40B4-BE49-F238E27FC236}">
-                <a16:creationId xmlns:a16="http://schemas.microsoft.com/office/drawing/2014/main" id="{E83C7A6C-960B-4520-9D9B-B1E20885044E}"/>
-              </a:ext>
-            </a:extLst>
-          </p:cNvPr>
-          <p:cNvGraphicFramePr>
-            <a:graphicFrameLocks noGrp="1"/>
-          </p:cNvGraphicFramePr>
-          <p:nvPr>
-            <p:ph idx="1"/>
-            <p:extLst>
-              <p:ext uri="{D42A27DB-BD31-4B8C-83A1-F6EECF244321}">
-                <p14:modId xmlns:p14="http://schemas.microsoft.com/office/powerpoint/2010/main" val="3509253916"/>
-              </p:ext>
-            </p:extLst>
-          </p:nvPr>
-        </p:nvGraphicFramePr>
-        <p:xfrm>
-          <a:off x="838200" y="1825625"/>
-          <a:ext cx="10515600" cy="3283404"/>
-        </p:xfrm>
-        <a:graphic>
-          <a:graphicData uri="http://schemas.openxmlformats.org/drawingml/2006/diagram">
-            <dgm:relIds xmlns:dgm="http://schemas.openxmlformats.org/drawingml/2006/diagram" xmlns:r="http://schemas.openxmlformats.org/officeDocument/2006/relationships" r:dm="rId2" r:lo="rId3" r:qs="rId4" r:cs="rId5"/>
-          </a:graphicData>
-        </a:graphic>
-      </p:graphicFrame>
-      <p:pic>
-        <p:nvPicPr>
-          <p:cNvPr id="19" name="Grafik 18">
-            <a:extLst>
-              <a:ext uri="{FF2B5EF4-FFF2-40B4-BE49-F238E27FC236}">
-                <a16:creationId xmlns:a16="http://schemas.microsoft.com/office/drawing/2014/main" id="{E4DD8C10-69E8-42B8-8D68-767BB232BF9B}"/>
-              </a:ext>
-            </a:extLst>
-          </p:cNvPr>
-          <p:cNvPicPr>
-            <a:picLocks noChangeAspect="1"/>
-          </p:cNvPicPr>
-          <p:nvPr/>
-        </p:nvPicPr>
-        <p:blipFill>
-          <a:blip r:embed="rId7"/>
-          <a:stretch>
-            <a:fillRect/>
-          </a:stretch>
-        </p:blipFill>
-        <p:spPr>
-          <a:xfrm>
-            <a:off x="834696" y="1785985"/>
-            <a:ext cx="10522608" cy="3286029"/>
-          </a:xfrm>
-          <a:prstGeom prst="rect">
-            <a:avLst/>
-          </a:prstGeom>
-        </p:spPr>
-      </p:pic>
-    </p:spTree>
-    <p:extLst>
-      <p:ext uri="{BB962C8B-B14F-4D97-AF65-F5344CB8AC3E}">
-        <p14:creationId xmlns:p14="http://schemas.microsoft.com/office/powerpoint/2010/main" val="2496250324"/>
-      </p:ext>
-    </p:extLst>
-  </p:cSld>
-  <p:clrMapOvr>
-    <a:masterClrMapping/>
-  </p:clrMapOvr>
-</p:sld>
-</file>
-
-<file path=ppt/slides/slide20.xml><?xml version="1.0" encoding="utf-8"?>
+<file path=ppt/slides/slide22.xml><?xml version="1.0" encoding="utf-8"?>
 <p:sld xmlns:a="http://schemas.openxmlformats.org/drawingml/2006/main" xmlns:r="http://schemas.openxmlformats.org/officeDocument/2006/relationships" xmlns:p="http://schemas.openxmlformats.org/presentationml/2006/main">
   <p:cSld>
     <p:spTree>
@@ -35953,6 +39360,122 @@
     <p:extLst>
       <p:ext uri="{BB962C8B-B14F-4D97-AF65-F5344CB8AC3E}">
         <p14:creationId xmlns:p14="http://schemas.microsoft.com/office/powerpoint/2010/main" val="1004734947"/>
+      </p:ext>
+    </p:extLst>
+  </p:cSld>
+  <p:clrMapOvr>
+    <a:masterClrMapping/>
+  </p:clrMapOvr>
+</p:sld>
+</file>
+
+<file path=ppt/slides/slide23.xml><?xml version="1.0" encoding="utf-8"?>
+<p:sld xmlns:a="http://schemas.openxmlformats.org/drawingml/2006/main" xmlns:r="http://schemas.openxmlformats.org/officeDocument/2006/relationships" xmlns:p="http://schemas.openxmlformats.org/presentationml/2006/main">
+  <p:cSld>
+    <p:spTree>
+      <p:nvGrpSpPr>
+        <p:cNvPr id="1" name=""/>
+        <p:cNvGrpSpPr/>
+        <p:nvPr/>
+      </p:nvGrpSpPr>
+      <p:grpSpPr>
+        <a:xfrm>
+          <a:off x="0" y="0"/>
+          <a:ext cx="0" cy="0"/>
+          <a:chOff x="0" y="0"/>
+          <a:chExt cx="0" cy="0"/>
+        </a:xfrm>
+      </p:grpSpPr>
+      <p:sp>
+        <p:nvSpPr>
+          <p:cNvPr id="2" name="Titel 1">
+            <a:extLst>
+              <a:ext uri="{FF2B5EF4-FFF2-40B4-BE49-F238E27FC236}">
+                <a16:creationId xmlns:a16="http://schemas.microsoft.com/office/drawing/2014/main" id="{407E39B2-A8CF-46EE-A88E-78CE1FA3B46A}"/>
+              </a:ext>
+            </a:extLst>
+          </p:cNvPr>
+          <p:cNvSpPr>
+            <a:spLocks noGrp="1"/>
+          </p:cNvSpPr>
+          <p:nvPr>
+            <p:ph type="title"/>
+          </p:nvPr>
+        </p:nvSpPr>
+        <p:spPr/>
+        <p:txBody>
+          <a:bodyPr/>
+          <a:lstStyle/>
+          <a:p>
+            <a:endParaRPr lang="en-US"/>
+          </a:p>
+        </p:txBody>
+      </p:sp>
+      <p:graphicFrame>
+        <p:nvGraphicFramePr>
+          <p:cNvPr id="4" name="Inhaltsplatzhalter 3">
+            <a:extLst>
+              <a:ext uri="{FF2B5EF4-FFF2-40B4-BE49-F238E27FC236}">
+                <a16:creationId xmlns:a16="http://schemas.microsoft.com/office/drawing/2014/main" id="{8D1A217E-16FC-47FC-A898-82FD04C853D7}"/>
+              </a:ext>
+            </a:extLst>
+          </p:cNvPr>
+          <p:cNvGraphicFramePr>
+            <a:graphicFrameLocks noGrp="1"/>
+          </p:cNvGraphicFramePr>
+          <p:nvPr>
+            <p:ph idx="1"/>
+            <p:extLst>
+              <p:ext uri="{D42A27DB-BD31-4B8C-83A1-F6EECF244321}">
+                <p14:modId xmlns:p14="http://schemas.microsoft.com/office/powerpoint/2010/main" val="1735796084"/>
+              </p:ext>
+            </p:extLst>
+          </p:nvPr>
+        </p:nvGraphicFramePr>
+        <p:xfrm>
+          <a:off x="3352800" y="1825625"/>
+          <a:ext cx="5486400" cy="4351338"/>
+        </p:xfrm>
+        <a:graphic>
+          <a:graphicData uri="http://schemas.openxmlformats.org/drawingml/2006/diagram">
+            <dgm:relIds xmlns:dgm="http://schemas.openxmlformats.org/drawingml/2006/diagram" xmlns:r="http://schemas.openxmlformats.org/officeDocument/2006/relationships" r:dm="rId2" r:lo="rId3" r:qs="rId4" r:cs="rId5"/>
+          </a:graphicData>
+        </a:graphic>
+      </p:graphicFrame>
+      <p:pic>
+        <p:nvPicPr>
+          <p:cNvPr id="5" name="Grafik 4">
+            <a:extLst>
+              <a:ext uri="{FF2B5EF4-FFF2-40B4-BE49-F238E27FC236}">
+                <a16:creationId xmlns:a16="http://schemas.microsoft.com/office/drawing/2014/main" id="{6C6CE470-9CC9-460E-8127-E6227C6A1C62}"/>
+              </a:ext>
+            </a:extLst>
+          </p:cNvPr>
+          <p:cNvPicPr>
+            <a:picLocks noChangeAspect="1"/>
+          </p:cNvPicPr>
+          <p:nvPr/>
+        </p:nvPicPr>
+        <p:blipFill>
+          <a:blip r:embed="rId7"/>
+          <a:stretch>
+            <a:fillRect/>
+          </a:stretch>
+        </p:blipFill>
+        <p:spPr>
+          <a:xfrm>
+            <a:off x="3352562" y="1240346"/>
+            <a:ext cx="5486876" cy="4377307"/>
+          </a:xfrm>
+          <a:prstGeom prst="rect">
+            <a:avLst/>
+          </a:prstGeom>
+        </p:spPr>
+      </p:pic>
+    </p:spTree>
+    <p:extLst>
+      <p:ext uri="{BB962C8B-B14F-4D97-AF65-F5344CB8AC3E}">
+        <p14:creationId xmlns:p14="http://schemas.microsoft.com/office/powerpoint/2010/main" val="3109953223"/>
       </p:ext>
     </p:extLst>
   </p:cSld>

--- a/images/Abbildungen-01.pptx
+++ b/images/Abbildungen-01.pptx
@@ -5,7 +5,7 @@
     <p:sldMasterId id="2147483648" r:id="rId1"/>
   </p:sldMasterIdLst>
   <p:notesMasterIdLst>
-    <p:notesMasterId r:id="rId25"/>
+    <p:notesMasterId r:id="rId26"/>
   </p:notesMasterIdLst>
   <p:sldIdLst>
     <p:sldId id="575" r:id="rId2"/>
@@ -18,19 +18,20 @@
     <p:sldId id="589" r:id="rId9"/>
     <p:sldId id="592" r:id="rId10"/>
     <p:sldId id="593" r:id="rId11"/>
-    <p:sldId id="607" r:id="rId12"/>
-    <p:sldId id="608" r:id="rId13"/>
-    <p:sldId id="594" r:id="rId14"/>
-    <p:sldId id="596" r:id="rId15"/>
-    <p:sldId id="599" r:id="rId16"/>
-    <p:sldId id="597" r:id="rId17"/>
-    <p:sldId id="598" r:id="rId18"/>
-    <p:sldId id="600" r:id="rId19"/>
-    <p:sldId id="602" r:id="rId20"/>
-    <p:sldId id="603" r:id="rId21"/>
-    <p:sldId id="604" r:id="rId22"/>
-    <p:sldId id="605" r:id="rId23"/>
-    <p:sldId id="606" r:id="rId24"/>
+    <p:sldId id="609" r:id="rId12"/>
+    <p:sldId id="607" r:id="rId13"/>
+    <p:sldId id="608" r:id="rId14"/>
+    <p:sldId id="594" r:id="rId15"/>
+    <p:sldId id="596" r:id="rId16"/>
+    <p:sldId id="599" r:id="rId17"/>
+    <p:sldId id="597" r:id="rId18"/>
+    <p:sldId id="598" r:id="rId19"/>
+    <p:sldId id="600" r:id="rId20"/>
+    <p:sldId id="602" r:id="rId21"/>
+    <p:sldId id="603" r:id="rId22"/>
+    <p:sldId id="604" r:id="rId23"/>
+    <p:sldId id="605" r:id="rId24"/>
+    <p:sldId id="606" r:id="rId25"/>
   </p:sldIdLst>
   <p:sldSz cx="12192000" cy="6858000"/>
   <p:notesSz cx="6858000" cy="9144000"/>
@@ -889,6 +890,753 @@
 </file>
 
 <file path=ppt/diagrams/colors2.xml><?xml version="1.0" encoding="utf-8"?>
+<dgm:colorsDef xmlns:dgm="http://schemas.openxmlformats.org/drawingml/2006/diagram" xmlns:a="http://schemas.openxmlformats.org/drawingml/2006/main" uniqueId="urn:microsoft.com/office/officeart/2005/8/colors/accent1_2">
+  <dgm:title val=""/>
+  <dgm:desc val=""/>
+  <dgm:catLst>
+    <dgm:cat type="accent1" pri="11200"/>
+  </dgm:catLst>
+  <dgm:styleLbl name="node0">
+    <dgm:fillClrLst meth="repeat">
+      <a:schemeClr val="accent1"/>
+    </dgm:fillClrLst>
+    <dgm:linClrLst meth="repeat">
+      <a:schemeClr val="lt1"/>
+    </dgm:linClrLst>
+    <dgm:effectClrLst/>
+    <dgm:txLinClrLst/>
+    <dgm:txFillClrLst/>
+    <dgm:txEffectClrLst/>
+  </dgm:styleLbl>
+  <dgm:styleLbl name="alignNode1">
+    <dgm:fillClrLst meth="repeat">
+      <a:schemeClr val="accent1"/>
+    </dgm:fillClrLst>
+    <dgm:linClrLst meth="repeat">
+      <a:schemeClr val="accent1"/>
+    </dgm:linClrLst>
+    <dgm:effectClrLst/>
+    <dgm:txLinClrLst/>
+    <dgm:txFillClrLst/>
+    <dgm:txEffectClrLst/>
+  </dgm:styleLbl>
+  <dgm:styleLbl name="node1">
+    <dgm:fillClrLst meth="repeat">
+      <a:schemeClr val="accent1"/>
+    </dgm:fillClrLst>
+    <dgm:linClrLst meth="repeat">
+      <a:schemeClr val="lt1"/>
+    </dgm:linClrLst>
+    <dgm:effectClrLst/>
+    <dgm:txLinClrLst/>
+    <dgm:txFillClrLst/>
+    <dgm:txEffectClrLst/>
+  </dgm:styleLbl>
+  <dgm:styleLbl name="lnNode1">
+    <dgm:fillClrLst meth="repeat">
+      <a:schemeClr val="accent1"/>
+    </dgm:fillClrLst>
+    <dgm:linClrLst meth="repeat">
+      <a:schemeClr val="lt1"/>
+    </dgm:linClrLst>
+    <dgm:effectClrLst/>
+    <dgm:txLinClrLst/>
+    <dgm:txFillClrLst/>
+    <dgm:txEffectClrLst/>
+  </dgm:styleLbl>
+  <dgm:styleLbl name="vennNode1">
+    <dgm:fillClrLst meth="repeat">
+      <a:schemeClr val="accent1">
+        <a:alpha val="50000"/>
+      </a:schemeClr>
+    </dgm:fillClrLst>
+    <dgm:linClrLst meth="repeat">
+      <a:schemeClr val="lt1"/>
+    </dgm:linClrLst>
+    <dgm:effectClrLst/>
+    <dgm:txLinClrLst/>
+    <dgm:txFillClrLst/>
+    <dgm:txEffectClrLst/>
+  </dgm:styleLbl>
+  <dgm:styleLbl name="node2">
+    <dgm:fillClrLst meth="repeat">
+      <a:schemeClr val="accent1"/>
+    </dgm:fillClrLst>
+    <dgm:linClrLst meth="repeat">
+      <a:schemeClr val="lt1"/>
+    </dgm:linClrLst>
+    <dgm:effectClrLst/>
+    <dgm:txLinClrLst/>
+    <dgm:txFillClrLst/>
+    <dgm:txEffectClrLst/>
+  </dgm:styleLbl>
+  <dgm:styleLbl name="node3">
+    <dgm:fillClrLst meth="repeat">
+      <a:schemeClr val="accent1"/>
+    </dgm:fillClrLst>
+    <dgm:linClrLst meth="repeat">
+      <a:schemeClr val="lt1"/>
+    </dgm:linClrLst>
+    <dgm:effectClrLst/>
+    <dgm:txLinClrLst/>
+    <dgm:txFillClrLst/>
+    <dgm:txEffectClrLst/>
+  </dgm:styleLbl>
+  <dgm:styleLbl name="node4">
+    <dgm:fillClrLst meth="repeat">
+      <a:schemeClr val="accent1"/>
+    </dgm:fillClrLst>
+    <dgm:linClrLst meth="repeat">
+      <a:schemeClr val="lt1"/>
+    </dgm:linClrLst>
+    <dgm:effectClrLst/>
+    <dgm:txLinClrLst/>
+    <dgm:txFillClrLst/>
+    <dgm:txEffectClrLst/>
+  </dgm:styleLbl>
+  <dgm:styleLbl name="fgImgPlace1">
+    <dgm:fillClrLst meth="repeat">
+      <a:schemeClr val="accent1">
+        <a:tint val="50000"/>
+      </a:schemeClr>
+    </dgm:fillClrLst>
+    <dgm:linClrLst meth="repeat">
+      <a:schemeClr val="lt1"/>
+    </dgm:linClrLst>
+    <dgm:effectClrLst/>
+    <dgm:txLinClrLst/>
+    <dgm:txFillClrLst meth="repeat">
+      <a:schemeClr val="lt1"/>
+    </dgm:txFillClrLst>
+    <dgm:txEffectClrLst/>
+  </dgm:styleLbl>
+  <dgm:styleLbl name="alignImgPlace1">
+    <dgm:fillClrLst meth="repeat">
+      <a:schemeClr val="accent1">
+        <a:tint val="50000"/>
+      </a:schemeClr>
+    </dgm:fillClrLst>
+    <dgm:linClrLst meth="repeat">
+      <a:schemeClr val="lt1"/>
+    </dgm:linClrLst>
+    <dgm:effectClrLst/>
+    <dgm:txLinClrLst/>
+    <dgm:txFillClrLst meth="repeat">
+      <a:schemeClr val="lt1"/>
+    </dgm:txFillClrLst>
+    <dgm:txEffectClrLst/>
+  </dgm:styleLbl>
+  <dgm:styleLbl name="bgImgPlace1">
+    <dgm:fillClrLst meth="repeat">
+      <a:schemeClr val="accent1">
+        <a:tint val="50000"/>
+      </a:schemeClr>
+    </dgm:fillClrLst>
+    <dgm:linClrLst meth="repeat">
+      <a:schemeClr val="lt1"/>
+    </dgm:linClrLst>
+    <dgm:effectClrLst/>
+    <dgm:txLinClrLst/>
+    <dgm:txFillClrLst meth="repeat">
+      <a:schemeClr val="lt1"/>
+    </dgm:txFillClrLst>
+    <dgm:txEffectClrLst/>
+  </dgm:styleLbl>
+  <dgm:styleLbl name="sibTrans2D1">
+    <dgm:fillClrLst meth="repeat">
+      <a:schemeClr val="accent1">
+        <a:tint val="60000"/>
+      </a:schemeClr>
+    </dgm:fillClrLst>
+    <dgm:linClrLst meth="repeat">
+      <a:schemeClr val="accent1">
+        <a:tint val="60000"/>
+      </a:schemeClr>
+    </dgm:linClrLst>
+    <dgm:effectClrLst/>
+    <dgm:txLinClrLst/>
+    <dgm:txFillClrLst/>
+    <dgm:txEffectClrLst/>
+  </dgm:styleLbl>
+  <dgm:styleLbl name="fgSibTrans2D1">
+    <dgm:fillClrLst meth="repeat">
+      <a:schemeClr val="accent1">
+        <a:tint val="60000"/>
+      </a:schemeClr>
+    </dgm:fillClrLst>
+    <dgm:linClrLst meth="repeat">
+      <a:schemeClr val="accent1">
+        <a:tint val="60000"/>
+      </a:schemeClr>
+    </dgm:linClrLst>
+    <dgm:effectClrLst/>
+    <dgm:txLinClrLst/>
+    <dgm:txFillClrLst/>
+    <dgm:txEffectClrLst/>
+  </dgm:styleLbl>
+  <dgm:styleLbl name="bgSibTrans2D1">
+    <dgm:fillClrLst meth="repeat">
+      <a:schemeClr val="accent1">
+        <a:tint val="60000"/>
+      </a:schemeClr>
+    </dgm:fillClrLst>
+    <dgm:linClrLst meth="repeat">
+      <a:schemeClr val="accent1">
+        <a:tint val="60000"/>
+      </a:schemeClr>
+    </dgm:linClrLst>
+    <dgm:effectClrLst/>
+    <dgm:txLinClrLst/>
+    <dgm:txFillClrLst/>
+    <dgm:txEffectClrLst/>
+  </dgm:styleLbl>
+  <dgm:styleLbl name="sibTrans1D1">
+    <dgm:fillClrLst meth="repeat">
+      <a:schemeClr val="accent1"/>
+    </dgm:fillClrLst>
+    <dgm:linClrLst meth="repeat">
+      <a:schemeClr val="accent1"/>
+    </dgm:linClrLst>
+    <dgm:effectClrLst/>
+    <dgm:txLinClrLst/>
+    <dgm:txFillClrLst meth="repeat">
+      <a:schemeClr val="tx1"/>
+    </dgm:txFillClrLst>
+    <dgm:txEffectClrLst/>
+  </dgm:styleLbl>
+  <dgm:styleLbl name="callout">
+    <dgm:fillClrLst meth="repeat">
+      <a:schemeClr val="accent1"/>
+    </dgm:fillClrLst>
+    <dgm:linClrLst meth="repeat">
+      <a:schemeClr val="accent1">
+        <a:tint val="50000"/>
+      </a:schemeClr>
+    </dgm:linClrLst>
+    <dgm:effectClrLst/>
+    <dgm:txLinClrLst/>
+    <dgm:txFillClrLst meth="repeat">
+      <a:schemeClr val="tx1"/>
+    </dgm:txFillClrLst>
+    <dgm:txEffectClrLst/>
+  </dgm:styleLbl>
+  <dgm:styleLbl name="asst0">
+    <dgm:fillClrLst meth="repeat">
+      <a:schemeClr val="accent1"/>
+    </dgm:fillClrLst>
+    <dgm:linClrLst meth="repeat">
+      <a:schemeClr val="lt1"/>
+    </dgm:linClrLst>
+    <dgm:effectClrLst/>
+    <dgm:txLinClrLst/>
+    <dgm:txFillClrLst/>
+    <dgm:txEffectClrLst/>
+  </dgm:styleLbl>
+  <dgm:styleLbl name="asst1">
+    <dgm:fillClrLst meth="repeat">
+      <a:schemeClr val="accent1"/>
+    </dgm:fillClrLst>
+    <dgm:linClrLst meth="repeat">
+      <a:schemeClr val="lt1"/>
+    </dgm:linClrLst>
+    <dgm:effectClrLst/>
+    <dgm:txLinClrLst/>
+    <dgm:txFillClrLst/>
+    <dgm:txEffectClrLst/>
+  </dgm:styleLbl>
+  <dgm:styleLbl name="asst2">
+    <dgm:fillClrLst meth="repeat">
+      <a:schemeClr val="accent1"/>
+    </dgm:fillClrLst>
+    <dgm:linClrLst meth="repeat">
+      <a:schemeClr val="lt1"/>
+    </dgm:linClrLst>
+    <dgm:effectClrLst/>
+    <dgm:txLinClrLst/>
+    <dgm:txFillClrLst/>
+    <dgm:txEffectClrLst/>
+  </dgm:styleLbl>
+  <dgm:styleLbl name="asst3">
+    <dgm:fillClrLst meth="repeat">
+      <a:schemeClr val="accent1"/>
+    </dgm:fillClrLst>
+    <dgm:linClrLst meth="repeat">
+      <a:schemeClr val="lt1"/>
+    </dgm:linClrLst>
+    <dgm:effectClrLst/>
+    <dgm:txLinClrLst/>
+    <dgm:txFillClrLst/>
+    <dgm:txEffectClrLst/>
+  </dgm:styleLbl>
+  <dgm:styleLbl name="asst4">
+    <dgm:fillClrLst meth="repeat">
+      <a:schemeClr val="accent1"/>
+    </dgm:fillClrLst>
+    <dgm:linClrLst meth="repeat">
+      <a:schemeClr val="lt1"/>
+    </dgm:linClrLst>
+    <dgm:effectClrLst/>
+    <dgm:txLinClrLst/>
+    <dgm:txFillClrLst/>
+    <dgm:txEffectClrLst/>
+  </dgm:styleLbl>
+  <dgm:styleLbl name="parChTrans2D1">
+    <dgm:fillClrLst meth="repeat">
+      <a:schemeClr val="accent1">
+        <a:tint val="60000"/>
+      </a:schemeClr>
+    </dgm:fillClrLst>
+    <dgm:linClrLst meth="repeat">
+      <a:schemeClr val="accent1">
+        <a:tint val="60000"/>
+      </a:schemeClr>
+    </dgm:linClrLst>
+    <dgm:effectClrLst/>
+    <dgm:txLinClrLst/>
+    <dgm:txFillClrLst meth="repeat">
+      <a:schemeClr val="lt1"/>
+    </dgm:txFillClrLst>
+    <dgm:txEffectClrLst/>
+  </dgm:styleLbl>
+  <dgm:styleLbl name="parChTrans2D2">
+    <dgm:fillClrLst meth="repeat">
+      <a:schemeClr val="accent1"/>
+    </dgm:fillClrLst>
+    <dgm:linClrLst meth="repeat">
+      <a:schemeClr val="accent1"/>
+    </dgm:linClrLst>
+    <dgm:effectClrLst/>
+    <dgm:txLinClrLst/>
+    <dgm:txFillClrLst meth="repeat">
+      <a:schemeClr val="lt1"/>
+    </dgm:txFillClrLst>
+    <dgm:txEffectClrLst/>
+  </dgm:styleLbl>
+  <dgm:styleLbl name="parChTrans2D3">
+    <dgm:fillClrLst meth="repeat">
+      <a:schemeClr val="accent1"/>
+    </dgm:fillClrLst>
+    <dgm:linClrLst meth="repeat">
+      <a:schemeClr val="accent1"/>
+    </dgm:linClrLst>
+    <dgm:effectClrLst/>
+    <dgm:txLinClrLst/>
+    <dgm:txFillClrLst meth="repeat">
+      <a:schemeClr val="lt1"/>
+    </dgm:txFillClrLst>
+    <dgm:txEffectClrLst/>
+  </dgm:styleLbl>
+  <dgm:styleLbl name="parChTrans2D4">
+    <dgm:fillClrLst meth="repeat">
+      <a:schemeClr val="accent1"/>
+    </dgm:fillClrLst>
+    <dgm:linClrLst meth="repeat">
+      <a:schemeClr val="accent1"/>
+    </dgm:linClrLst>
+    <dgm:effectClrLst/>
+    <dgm:txLinClrLst/>
+    <dgm:txFillClrLst meth="repeat">
+      <a:schemeClr val="lt1"/>
+    </dgm:txFillClrLst>
+    <dgm:txEffectClrLst/>
+  </dgm:styleLbl>
+  <dgm:styleLbl name="parChTrans1D1">
+    <dgm:fillClrLst meth="repeat">
+      <a:schemeClr val="accent1"/>
+    </dgm:fillClrLst>
+    <dgm:linClrLst meth="repeat">
+      <a:schemeClr val="accent1">
+        <a:shade val="60000"/>
+      </a:schemeClr>
+    </dgm:linClrLst>
+    <dgm:effectClrLst/>
+    <dgm:txLinClrLst/>
+    <dgm:txFillClrLst meth="repeat">
+      <a:schemeClr val="tx1"/>
+    </dgm:txFillClrLst>
+    <dgm:txEffectClrLst/>
+  </dgm:styleLbl>
+  <dgm:styleLbl name="parChTrans1D2">
+    <dgm:fillClrLst meth="repeat">
+      <a:schemeClr val="accent1"/>
+    </dgm:fillClrLst>
+    <dgm:linClrLst meth="repeat">
+      <a:schemeClr val="accent1">
+        <a:shade val="60000"/>
+      </a:schemeClr>
+    </dgm:linClrLst>
+    <dgm:effectClrLst/>
+    <dgm:txLinClrLst/>
+    <dgm:txFillClrLst meth="repeat">
+      <a:schemeClr val="tx1"/>
+    </dgm:txFillClrLst>
+    <dgm:txEffectClrLst/>
+  </dgm:styleLbl>
+  <dgm:styleLbl name="parChTrans1D3">
+    <dgm:fillClrLst meth="repeat">
+      <a:schemeClr val="accent1"/>
+    </dgm:fillClrLst>
+    <dgm:linClrLst meth="repeat">
+      <a:schemeClr val="accent1">
+        <a:shade val="80000"/>
+      </a:schemeClr>
+    </dgm:linClrLst>
+    <dgm:effectClrLst/>
+    <dgm:txLinClrLst/>
+    <dgm:txFillClrLst meth="repeat">
+      <a:schemeClr val="tx1"/>
+    </dgm:txFillClrLst>
+    <dgm:txEffectClrLst/>
+  </dgm:styleLbl>
+  <dgm:styleLbl name="parChTrans1D4">
+    <dgm:fillClrLst meth="repeat">
+      <a:schemeClr val="accent1"/>
+    </dgm:fillClrLst>
+    <dgm:linClrLst meth="repeat">
+      <a:schemeClr val="accent1">
+        <a:shade val="80000"/>
+      </a:schemeClr>
+    </dgm:linClrLst>
+    <dgm:effectClrLst/>
+    <dgm:txLinClrLst/>
+    <dgm:txFillClrLst meth="repeat">
+      <a:schemeClr val="tx1"/>
+    </dgm:txFillClrLst>
+    <dgm:txEffectClrLst/>
+  </dgm:styleLbl>
+  <dgm:styleLbl name="fgAcc1">
+    <dgm:fillClrLst meth="repeat">
+      <a:schemeClr val="lt1">
+        <a:alpha val="90000"/>
+      </a:schemeClr>
+    </dgm:fillClrLst>
+    <dgm:linClrLst meth="repeat">
+      <a:schemeClr val="accent1"/>
+    </dgm:linClrLst>
+    <dgm:effectClrLst/>
+    <dgm:txLinClrLst/>
+    <dgm:txFillClrLst meth="repeat">
+      <a:schemeClr val="dk1"/>
+    </dgm:txFillClrLst>
+    <dgm:txEffectClrLst/>
+  </dgm:styleLbl>
+  <dgm:styleLbl name="conFgAcc1">
+    <dgm:fillClrLst meth="repeat">
+      <a:schemeClr val="lt1">
+        <a:alpha val="90000"/>
+      </a:schemeClr>
+    </dgm:fillClrLst>
+    <dgm:linClrLst meth="repeat">
+      <a:schemeClr val="accent1"/>
+    </dgm:linClrLst>
+    <dgm:effectClrLst/>
+    <dgm:txLinClrLst/>
+    <dgm:txFillClrLst meth="repeat">
+      <a:schemeClr val="dk1"/>
+    </dgm:txFillClrLst>
+    <dgm:txEffectClrLst/>
+  </dgm:styleLbl>
+  <dgm:styleLbl name="alignAcc1">
+    <dgm:fillClrLst meth="repeat">
+      <a:schemeClr val="lt1">
+        <a:alpha val="90000"/>
+      </a:schemeClr>
+    </dgm:fillClrLst>
+    <dgm:linClrLst meth="repeat">
+      <a:schemeClr val="accent1"/>
+    </dgm:linClrLst>
+    <dgm:effectClrLst/>
+    <dgm:txLinClrLst/>
+    <dgm:txFillClrLst meth="repeat">
+      <a:schemeClr val="dk1"/>
+    </dgm:txFillClrLst>
+    <dgm:txEffectClrLst/>
+  </dgm:styleLbl>
+  <dgm:styleLbl name="trAlignAcc1">
+    <dgm:fillClrLst meth="repeat">
+      <a:schemeClr val="lt1">
+        <a:alpha val="40000"/>
+      </a:schemeClr>
+    </dgm:fillClrLst>
+    <dgm:linClrLst meth="repeat">
+      <a:schemeClr val="accent1"/>
+    </dgm:linClrLst>
+    <dgm:effectClrLst/>
+    <dgm:txLinClrLst/>
+    <dgm:txFillClrLst meth="repeat">
+      <a:schemeClr val="dk1"/>
+    </dgm:txFillClrLst>
+    <dgm:txEffectClrLst/>
+  </dgm:styleLbl>
+  <dgm:styleLbl name="bgAcc1">
+    <dgm:fillClrLst meth="repeat">
+      <a:schemeClr val="lt1">
+        <a:alpha val="90000"/>
+      </a:schemeClr>
+    </dgm:fillClrLst>
+    <dgm:linClrLst meth="repeat">
+      <a:schemeClr val="accent1"/>
+    </dgm:linClrLst>
+    <dgm:effectClrLst/>
+    <dgm:txLinClrLst/>
+    <dgm:txFillClrLst meth="repeat">
+      <a:schemeClr val="dk1"/>
+    </dgm:txFillClrLst>
+    <dgm:txEffectClrLst/>
+  </dgm:styleLbl>
+  <dgm:styleLbl name="solidFgAcc1">
+    <dgm:fillClrLst meth="repeat">
+      <a:schemeClr val="lt1"/>
+    </dgm:fillClrLst>
+    <dgm:linClrLst meth="repeat">
+      <a:schemeClr val="accent1"/>
+    </dgm:linClrLst>
+    <dgm:effectClrLst/>
+    <dgm:txLinClrLst/>
+    <dgm:txFillClrLst meth="repeat">
+      <a:schemeClr val="dk1"/>
+    </dgm:txFillClrLst>
+    <dgm:txEffectClrLst/>
+  </dgm:styleLbl>
+  <dgm:styleLbl name="solidAlignAcc1">
+    <dgm:fillClrLst meth="repeat">
+      <a:schemeClr val="lt1"/>
+    </dgm:fillClrLst>
+    <dgm:linClrLst meth="repeat">
+      <a:schemeClr val="accent1"/>
+    </dgm:linClrLst>
+    <dgm:effectClrLst/>
+    <dgm:txLinClrLst/>
+    <dgm:txFillClrLst meth="repeat">
+      <a:schemeClr val="dk1"/>
+    </dgm:txFillClrLst>
+    <dgm:txEffectClrLst/>
+  </dgm:styleLbl>
+  <dgm:styleLbl name="solidBgAcc1">
+    <dgm:fillClrLst meth="repeat">
+      <a:schemeClr val="lt1"/>
+    </dgm:fillClrLst>
+    <dgm:linClrLst meth="repeat">
+      <a:schemeClr val="accent1"/>
+    </dgm:linClrLst>
+    <dgm:effectClrLst/>
+    <dgm:txLinClrLst/>
+    <dgm:txFillClrLst meth="repeat">
+      <a:schemeClr val="dk1"/>
+    </dgm:txFillClrLst>
+    <dgm:txEffectClrLst/>
+  </dgm:styleLbl>
+  <dgm:styleLbl name="fgAccFollowNode1">
+    <dgm:fillClrLst meth="repeat">
+      <a:schemeClr val="accent1">
+        <a:alpha val="90000"/>
+        <a:tint val="40000"/>
+      </a:schemeClr>
+    </dgm:fillClrLst>
+    <dgm:linClrLst meth="repeat">
+      <a:schemeClr val="accent1">
+        <a:alpha val="90000"/>
+        <a:tint val="40000"/>
+      </a:schemeClr>
+    </dgm:linClrLst>
+    <dgm:effectClrLst/>
+    <dgm:txLinClrLst/>
+    <dgm:txFillClrLst meth="repeat">
+      <a:schemeClr val="dk1"/>
+    </dgm:txFillClrLst>
+    <dgm:txEffectClrLst/>
+  </dgm:styleLbl>
+  <dgm:styleLbl name="alignAccFollowNode1">
+    <dgm:fillClrLst meth="repeat">
+      <a:schemeClr val="accent1">
+        <a:alpha val="90000"/>
+        <a:tint val="40000"/>
+      </a:schemeClr>
+    </dgm:fillClrLst>
+    <dgm:linClrLst meth="repeat">
+      <a:schemeClr val="accent1">
+        <a:alpha val="90000"/>
+        <a:tint val="40000"/>
+      </a:schemeClr>
+    </dgm:linClrLst>
+    <dgm:effectClrLst/>
+    <dgm:txLinClrLst/>
+    <dgm:txFillClrLst meth="repeat">
+      <a:schemeClr val="dk1"/>
+    </dgm:txFillClrLst>
+    <dgm:txEffectClrLst/>
+  </dgm:styleLbl>
+  <dgm:styleLbl name="bgAccFollowNode1">
+    <dgm:fillClrLst meth="repeat">
+      <a:schemeClr val="accent1">
+        <a:alpha val="90000"/>
+        <a:tint val="40000"/>
+      </a:schemeClr>
+    </dgm:fillClrLst>
+    <dgm:linClrLst meth="repeat">
+      <a:schemeClr val="accent1">
+        <a:alpha val="90000"/>
+        <a:tint val="40000"/>
+      </a:schemeClr>
+    </dgm:linClrLst>
+    <dgm:effectClrLst/>
+    <dgm:txLinClrLst/>
+    <dgm:txFillClrLst meth="repeat">
+      <a:schemeClr val="dk1"/>
+    </dgm:txFillClrLst>
+    <dgm:txEffectClrLst/>
+  </dgm:styleLbl>
+  <dgm:styleLbl name="fgAcc0">
+    <dgm:fillClrLst meth="repeat">
+      <a:schemeClr val="lt1">
+        <a:alpha val="90000"/>
+      </a:schemeClr>
+    </dgm:fillClrLst>
+    <dgm:linClrLst meth="repeat">
+      <a:schemeClr val="accent1"/>
+    </dgm:linClrLst>
+    <dgm:effectClrLst/>
+    <dgm:txLinClrLst/>
+    <dgm:txFillClrLst meth="repeat">
+      <a:schemeClr val="dk1"/>
+    </dgm:txFillClrLst>
+    <dgm:txEffectClrLst/>
+  </dgm:styleLbl>
+  <dgm:styleLbl name="fgAcc2">
+    <dgm:fillClrLst meth="repeat">
+      <a:schemeClr val="lt1">
+        <a:alpha val="90000"/>
+      </a:schemeClr>
+    </dgm:fillClrLst>
+    <dgm:linClrLst meth="repeat">
+      <a:schemeClr val="accent1"/>
+    </dgm:linClrLst>
+    <dgm:effectClrLst/>
+    <dgm:txLinClrLst/>
+    <dgm:txFillClrLst meth="repeat">
+      <a:schemeClr val="dk1"/>
+    </dgm:txFillClrLst>
+    <dgm:txEffectClrLst/>
+  </dgm:styleLbl>
+  <dgm:styleLbl name="fgAcc3">
+    <dgm:fillClrLst meth="repeat">
+      <a:schemeClr val="lt1">
+        <a:alpha val="90000"/>
+      </a:schemeClr>
+    </dgm:fillClrLst>
+    <dgm:linClrLst meth="repeat">
+      <a:schemeClr val="accent1"/>
+    </dgm:linClrLst>
+    <dgm:effectClrLst/>
+    <dgm:txLinClrLst/>
+    <dgm:txFillClrLst meth="repeat">
+      <a:schemeClr val="dk1"/>
+    </dgm:txFillClrLst>
+    <dgm:txEffectClrLst/>
+  </dgm:styleLbl>
+  <dgm:styleLbl name="fgAcc4">
+    <dgm:fillClrLst meth="repeat">
+      <a:schemeClr val="lt1">
+        <a:alpha val="90000"/>
+      </a:schemeClr>
+    </dgm:fillClrLst>
+    <dgm:linClrLst meth="repeat">
+      <a:schemeClr val="accent1"/>
+    </dgm:linClrLst>
+    <dgm:effectClrLst/>
+    <dgm:txLinClrLst/>
+    <dgm:txFillClrLst meth="repeat">
+      <a:schemeClr val="dk1"/>
+    </dgm:txFillClrLst>
+    <dgm:txEffectClrLst/>
+  </dgm:styleLbl>
+  <dgm:styleLbl name="bgShp">
+    <dgm:fillClrLst meth="repeat">
+      <a:schemeClr val="accent1">
+        <a:tint val="40000"/>
+      </a:schemeClr>
+    </dgm:fillClrLst>
+    <dgm:linClrLst meth="repeat">
+      <a:schemeClr val="accent1"/>
+    </dgm:linClrLst>
+    <dgm:effectClrLst/>
+    <dgm:txLinClrLst/>
+    <dgm:txFillClrLst meth="repeat">
+      <a:schemeClr val="dk1"/>
+    </dgm:txFillClrLst>
+    <dgm:txEffectClrLst/>
+  </dgm:styleLbl>
+  <dgm:styleLbl name="dkBgShp">
+    <dgm:fillClrLst meth="repeat">
+      <a:schemeClr val="accent1">
+        <a:shade val="80000"/>
+      </a:schemeClr>
+    </dgm:fillClrLst>
+    <dgm:linClrLst meth="repeat">
+      <a:schemeClr val="accent1"/>
+    </dgm:linClrLst>
+    <dgm:effectClrLst/>
+    <dgm:txLinClrLst/>
+    <dgm:txFillClrLst meth="repeat">
+      <a:schemeClr val="lt1"/>
+    </dgm:txFillClrLst>
+    <dgm:txEffectClrLst/>
+  </dgm:styleLbl>
+  <dgm:styleLbl name="trBgShp">
+    <dgm:fillClrLst meth="repeat">
+      <a:schemeClr val="accent1">
+        <a:tint val="50000"/>
+        <a:alpha val="40000"/>
+      </a:schemeClr>
+    </dgm:fillClrLst>
+    <dgm:linClrLst meth="repeat">
+      <a:schemeClr val="accent1"/>
+    </dgm:linClrLst>
+    <dgm:effectClrLst/>
+    <dgm:txLinClrLst/>
+    <dgm:txFillClrLst meth="repeat">
+      <a:schemeClr val="lt1"/>
+    </dgm:txFillClrLst>
+    <dgm:txEffectClrLst/>
+  </dgm:styleLbl>
+  <dgm:styleLbl name="fgShp">
+    <dgm:fillClrLst meth="repeat">
+      <a:schemeClr val="accent1">
+        <a:tint val="60000"/>
+      </a:schemeClr>
+    </dgm:fillClrLst>
+    <dgm:linClrLst meth="repeat">
+      <a:schemeClr val="lt1"/>
+    </dgm:linClrLst>
+    <dgm:effectClrLst/>
+    <dgm:txLinClrLst/>
+    <dgm:txFillClrLst meth="repeat">
+      <a:schemeClr val="dk1"/>
+    </dgm:txFillClrLst>
+    <dgm:txEffectClrLst/>
+  </dgm:styleLbl>
+  <dgm:styleLbl name="revTx">
+    <dgm:fillClrLst meth="repeat">
+      <a:schemeClr val="lt1">
+        <a:alpha val="0"/>
+      </a:schemeClr>
+    </dgm:fillClrLst>
+    <dgm:linClrLst meth="repeat">
+      <a:schemeClr val="dk1">
+        <a:alpha val="0"/>
+      </a:schemeClr>
+    </dgm:linClrLst>
+    <dgm:effectClrLst/>
+    <dgm:txLinClrLst/>
+    <dgm:txFillClrLst meth="repeat">
+      <a:schemeClr val="tx1"/>
+    </dgm:txFillClrLst>
+    <dgm:txEffectClrLst/>
+  </dgm:styleLbl>
+</dgm:colorsDef>
+</file>
+
+<file path=ppt/diagrams/colors3.xml><?xml version="1.0" encoding="utf-8"?>
 <dgm:colorsDef xmlns:dgm="http://schemas.openxmlformats.org/drawingml/2006/diagram" xmlns:a="http://schemas.openxmlformats.org/drawingml/2006/main" uniqueId="urn:microsoft.com/office/officeart/2005/8/colors/colorful1">
   <dgm:title val=""/>
   <dgm:desc val=""/>
@@ -1807,7 +2555,7 @@
 </dgm:colorsDef>
 </file>
 
-<file path=ppt/diagrams/colors3.xml><?xml version="1.0" encoding="utf-8"?>
+<file path=ppt/diagrams/colors4.xml><?xml version="1.0" encoding="utf-8"?>
 <dgm:colorsDef xmlns:dgm="http://schemas.openxmlformats.org/drawingml/2006/diagram" xmlns:a="http://schemas.openxmlformats.org/drawingml/2006/main" uniqueId="urn:microsoft.com/office/officeart/2005/8/colors/accent3_2">
   <dgm:title val=""/>
   <dgm:desc val=""/>
@@ -2554,7 +3302,7 @@
 </dgm:colorsDef>
 </file>
 
-<file path=ppt/diagrams/colors4.xml><?xml version="1.0" encoding="utf-8"?>
+<file path=ppt/diagrams/colors5.xml><?xml version="1.0" encoding="utf-8"?>
 <dgm:colorsDef xmlns:dgm="http://schemas.openxmlformats.org/drawingml/2006/diagram" xmlns:a="http://schemas.openxmlformats.org/drawingml/2006/main" uniqueId="urn:microsoft.com/office/officeart/2005/8/colors/accent0_1">
   <dgm:title val=""/>
   <dgm:desc val=""/>
@@ -4320,6 +5068,557 @@
 <file path=ppt/diagrams/data2.xml><?xml version="1.0" encoding="utf-8"?>
 <dgm:dataModel xmlns:dgm="http://schemas.openxmlformats.org/drawingml/2006/diagram" xmlns:a="http://schemas.openxmlformats.org/drawingml/2006/main">
   <dgm:ptLst>
+    <dgm:pt modelId="{53B6A6E1-16E6-4487-97F6-EBCFCD52F415}" type="doc">
+      <dgm:prSet loTypeId="urn:microsoft.com/office/officeart/2005/8/layout/hList9" loCatId="list" qsTypeId="urn:microsoft.com/office/officeart/2005/8/quickstyle/simple1" qsCatId="simple" csTypeId="urn:microsoft.com/office/officeart/2005/8/colors/accent1_2" csCatId="accent1" phldr="1"/>
+      <dgm:spPr/>
+      <dgm:t>
+        <a:bodyPr/>
+        <a:lstStyle/>
+        <a:p>
+          <a:endParaRPr lang="en-US"/>
+        </a:p>
+      </dgm:t>
+    </dgm:pt>
+    <dgm:pt modelId="{B680E488-93DF-472B-97D5-300109DDC2B4}">
+      <dgm:prSet phldrT="[Text]"/>
+      <dgm:spPr/>
+      <dgm:t>
+        <a:bodyPr/>
+        <a:lstStyle/>
+        <a:p>
+          <a:r>
+            <a:rPr lang="en-US" dirty="0" err="1"/>
+            <a:t>Keine</a:t>
+          </a:r>
+          <a:r>
+            <a:rPr lang="en-US" dirty="0"/>
+            <a:t> </a:t>
+          </a:r>
+          <a:r>
+            <a:rPr lang="en-US" dirty="0" err="1"/>
+            <a:t>Veröffentlichung</a:t>
+          </a:r>
+          <a:r>
+            <a:rPr lang="en-US" dirty="0"/>
+            <a:t> von </a:t>
+          </a:r>
+          <a:r>
+            <a:rPr lang="en-US" dirty="0" err="1"/>
+            <a:t>Gutachten</a:t>
+          </a:r>
+          <a:endParaRPr lang="en-US" dirty="0"/>
+        </a:p>
+      </dgm:t>
+    </dgm:pt>
+    <dgm:pt modelId="{B0B73C00-B268-42A4-9863-F6574EAF4AC0}" type="parTrans" cxnId="{BE0631A5-C177-4E83-BD80-6AD2CAE3DF35}">
+      <dgm:prSet/>
+      <dgm:spPr/>
+      <dgm:t>
+        <a:bodyPr/>
+        <a:lstStyle/>
+        <a:p>
+          <a:endParaRPr lang="en-US"/>
+        </a:p>
+      </dgm:t>
+    </dgm:pt>
+    <dgm:pt modelId="{F20481B1-868F-4BE0-9EE9-2F8FAAD82645}" type="sibTrans" cxnId="{BE0631A5-C177-4E83-BD80-6AD2CAE3DF35}">
+      <dgm:prSet/>
+      <dgm:spPr/>
+      <dgm:t>
+        <a:bodyPr/>
+        <a:lstStyle/>
+        <a:p>
+          <a:endParaRPr lang="en-US"/>
+        </a:p>
+      </dgm:t>
+    </dgm:pt>
+    <dgm:pt modelId="{7D0921F4-2B4D-43B3-8C78-C79DA6205BE7}">
+      <dgm:prSet phldrT="[Text]"/>
+      <dgm:spPr/>
+      <dgm:t>
+        <a:bodyPr/>
+        <a:lstStyle/>
+        <a:p>
+          <a:r>
+            <a:rPr lang="en-US" dirty="0" err="1"/>
+            <a:t>Kein</a:t>
+          </a:r>
+          <a:r>
+            <a:rPr lang="en-US" dirty="0"/>
+            <a:t> </a:t>
+          </a:r>
+          <a:r>
+            <a:rPr lang="en-US" dirty="0" err="1"/>
+            <a:t>Nachweis</a:t>
+          </a:r>
+          <a:r>
+            <a:rPr lang="en-US" dirty="0"/>
+            <a:t> </a:t>
+          </a:r>
+          <a:r>
+            <a:rPr lang="en-US" dirty="0" err="1"/>
+            <a:t>tatsächlicher</a:t>
+          </a:r>
+          <a:r>
+            <a:rPr lang="en-US" dirty="0"/>
+            <a:t> </a:t>
+          </a:r>
+          <a:r>
+            <a:rPr lang="en-US" dirty="0" err="1"/>
+            <a:t>Qualitätskontrolle</a:t>
+          </a:r>
+          <a:endParaRPr lang="en-US" dirty="0"/>
+        </a:p>
+      </dgm:t>
+    </dgm:pt>
+    <dgm:pt modelId="{07CFEE70-B396-4E3C-B1CE-E3013F464430}" type="parTrans" cxnId="{D371C315-C2A5-4E24-8A8F-3DFD9F199E6E}">
+      <dgm:prSet/>
+      <dgm:spPr/>
+      <dgm:t>
+        <a:bodyPr/>
+        <a:lstStyle/>
+        <a:p>
+          <a:endParaRPr lang="en-US"/>
+        </a:p>
+      </dgm:t>
+    </dgm:pt>
+    <dgm:pt modelId="{E50CC2D8-D87C-478C-9246-559E89B39953}" type="sibTrans" cxnId="{D371C315-C2A5-4E24-8A8F-3DFD9F199E6E}">
+      <dgm:prSet/>
+      <dgm:spPr/>
+      <dgm:t>
+        <a:bodyPr/>
+        <a:lstStyle/>
+        <a:p>
+          <a:endParaRPr lang="en-US"/>
+        </a:p>
+      </dgm:t>
+    </dgm:pt>
+    <dgm:pt modelId="{00967758-FEC5-4BE8-B206-A208CDC7F9B1}">
+      <dgm:prSet phldrT="[Text]"/>
+      <dgm:spPr/>
+      <dgm:t>
+        <a:bodyPr/>
+        <a:lstStyle/>
+        <a:p>
+          <a:r>
+            <a:rPr lang="en-US" dirty="0" err="1"/>
+            <a:t>Veröffentlichung</a:t>
+          </a:r>
+          <a:r>
+            <a:rPr lang="en-US" dirty="0"/>
+            <a:t> </a:t>
+          </a:r>
+          <a:r>
+            <a:rPr lang="en-US" dirty="0" err="1"/>
+            <a:t>bei</a:t>
+          </a:r>
+          <a:r>
+            <a:rPr lang="en-US" dirty="0"/>
+            <a:t> </a:t>
+          </a:r>
+          <a:r>
+            <a:rPr lang="en-US" dirty="0" err="1"/>
+            <a:t>Publikation</a:t>
+          </a:r>
+          <a:endParaRPr lang="en-US" dirty="0"/>
+        </a:p>
+      </dgm:t>
+    </dgm:pt>
+    <dgm:pt modelId="{D07A28B9-6405-43F9-A2DC-967F7A79E40F}" type="parTrans" cxnId="{C022F241-2477-44FB-ACAF-DA30BF5E8542}">
+      <dgm:prSet/>
+      <dgm:spPr/>
+      <dgm:t>
+        <a:bodyPr/>
+        <a:lstStyle/>
+        <a:p>
+          <a:endParaRPr lang="en-US"/>
+        </a:p>
+      </dgm:t>
+    </dgm:pt>
+    <dgm:pt modelId="{88C824A5-A503-45BE-ABE3-621D73FC9CD5}" type="sibTrans" cxnId="{C022F241-2477-44FB-ACAF-DA30BF5E8542}">
+      <dgm:prSet/>
+      <dgm:spPr/>
+      <dgm:t>
+        <a:bodyPr/>
+        <a:lstStyle/>
+        <a:p>
+          <a:endParaRPr lang="en-US"/>
+        </a:p>
+      </dgm:t>
+    </dgm:pt>
+    <dgm:pt modelId="{96DD661F-7807-4A80-94FB-47D8E3034D23}">
+      <dgm:prSet phldrT="[Text]" phldr="1"/>
+      <dgm:spPr/>
+      <dgm:t>
+        <a:bodyPr/>
+        <a:lstStyle/>
+        <a:p>
+          <a:endParaRPr lang="en-US" dirty="0"/>
+        </a:p>
+      </dgm:t>
+    </dgm:pt>
+    <dgm:pt modelId="{A1AD71CA-73C3-466F-8B1D-21CB81B3AF4E}" type="parTrans" cxnId="{88B6FD10-5AF5-44B9-B06A-524DEC7D9E59}">
+      <dgm:prSet/>
+      <dgm:spPr/>
+      <dgm:t>
+        <a:bodyPr/>
+        <a:lstStyle/>
+        <a:p>
+          <a:endParaRPr lang="en-US"/>
+        </a:p>
+      </dgm:t>
+    </dgm:pt>
+    <dgm:pt modelId="{E8F30C43-36B4-40EB-B9D2-DE5F22EED6FB}" type="sibTrans" cxnId="{88B6FD10-5AF5-44B9-B06A-524DEC7D9E59}">
+      <dgm:prSet/>
+      <dgm:spPr/>
+      <dgm:t>
+        <a:bodyPr/>
+        <a:lstStyle/>
+        <a:p>
+          <a:endParaRPr lang="en-US"/>
+        </a:p>
+      </dgm:t>
+    </dgm:pt>
+    <dgm:pt modelId="{051B6413-E0F9-400A-A65F-0FEECA276D15}">
+      <dgm:prSet phldrT="[Text]"/>
+      <dgm:spPr/>
+      <dgm:t>
+        <a:bodyPr/>
+        <a:lstStyle/>
+        <a:p>
+          <a:endParaRPr lang="en-US" dirty="0"/>
+        </a:p>
+      </dgm:t>
+    </dgm:pt>
+    <dgm:pt modelId="{BA7FE7A8-9E47-4255-B6A8-F1DB9B2609DD}" type="parTrans" cxnId="{7A0DDB24-E44C-4E84-8697-1889D70413B7}">
+      <dgm:prSet/>
+      <dgm:spPr/>
+      <dgm:t>
+        <a:bodyPr/>
+        <a:lstStyle/>
+        <a:p>
+          <a:endParaRPr lang="en-US"/>
+        </a:p>
+      </dgm:t>
+    </dgm:pt>
+    <dgm:pt modelId="{3539C542-A316-47DC-B480-D7AA652D4DF9}" type="sibTrans" cxnId="{7A0DDB24-E44C-4E84-8697-1889D70413B7}">
+      <dgm:prSet/>
+      <dgm:spPr/>
+      <dgm:t>
+        <a:bodyPr/>
+        <a:lstStyle/>
+        <a:p>
+          <a:endParaRPr lang="en-US"/>
+        </a:p>
+      </dgm:t>
+    </dgm:pt>
+    <dgm:pt modelId="{0C87148A-8D8A-420A-93D5-74B8A7E55A24}">
+      <dgm:prSet phldrT="[Text]"/>
+      <dgm:spPr/>
+      <dgm:t>
+        <a:bodyPr/>
+        <a:lstStyle/>
+        <a:p>
+          <a:r>
+            <a:rPr lang="en-US" dirty="0" err="1"/>
+            <a:t>Veröffentlichung</a:t>
+          </a:r>
+          <a:r>
+            <a:rPr lang="en-US" dirty="0"/>
+            <a:t> </a:t>
+          </a:r>
+          <a:r>
+            <a:rPr lang="en-US" dirty="0" err="1"/>
+            <a:t>bei</a:t>
+          </a:r>
+          <a:r>
+            <a:rPr lang="en-US" dirty="0"/>
+            <a:t> </a:t>
+          </a:r>
+          <a:r>
+            <a:rPr lang="en-US" dirty="0" err="1"/>
+            <a:t>Publikation</a:t>
+          </a:r>
+          <a:r>
+            <a:rPr lang="en-US" dirty="0"/>
+            <a:t> und </a:t>
+          </a:r>
+          <a:r>
+            <a:rPr lang="en-US" dirty="0" err="1"/>
+            <a:t>bei</a:t>
+          </a:r>
+          <a:r>
+            <a:rPr lang="en-US" dirty="0"/>
+            <a:t> </a:t>
+          </a:r>
+          <a:r>
+            <a:rPr lang="en-US" dirty="0" err="1"/>
+            <a:t>Ablehnung</a:t>
+          </a:r>
+          <a:endParaRPr lang="en-US" dirty="0"/>
+        </a:p>
+      </dgm:t>
+    </dgm:pt>
+    <dgm:pt modelId="{C53BCF41-6F6E-477F-8FDB-A9DF9DF0704B}" type="parTrans" cxnId="{28C574BA-3D47-4C71-9615-BB7C4EE377CD}">
+      <dgm:prSet/>
+      <dgm:spPr/>
+      <dgm:t>
+        <a:bodyPr/>
+        <a:lstStyle/>
+        <a:p>
+          <a:endParaRPr lang="en-US"/>
+        </a:p>
+      </dgm:t>
+    </dgm:pt>
+    <dgm:pt modelId="{834CDBA2-941F-4CE9-B897-2BC0CB605698}" type="sibTrans" cxnId="{28C574BA-3D47-4C71-9615-BB7C4EE377CD}">
+      <dgm:prSet/>
+      <dgm:spPr/>
+      <dgm:t>
+        <a:bodyPr/>
+        <a:lstStyle/>
+        <a:p>
+          <a:endParaRPr lang="en-US"/>
+        </a:p>
+      </dgm:t>
+    </dgm:pt>
+    <dgm:pt modelId="{94053532-8442-4B76-9DA9-7B1EC6D3499F}">
+      <dgm:prSet phldrT="[Text]"/>
+      <dgm:spPr/>
+      <dgm:t>
+        <a:bodyPr/>
+        <a:lstStyle/>
+        <a:p>
+          <a:endParaRPr lang="en-US" dirty="0"/>
+        </a:p>
+      </dgm:t>
+    </dgm:pt>
+    <dgm:pt modelId="{EED088A6-318D-43E7-BD8A-6B6BB1A5E0FB}" type="parTrans" cxnId="{F77823BC-ECC5-4713-8E2F-2D6EDF57278D}">
+      <dgm:prSet/>
+      <dgm:spPr/>
+      <dgm:t>
+        <a:bodyPr/>
+        <a:lstStyle/>
+        <a:p>
+          <a:endParaRPr lang="en-US"/>
+        </a:p>
+      </dgm:t>
+    </dgm:pt>
+    <dgm:pt modelId="{6C177107-4C91-4BDF-95DD-CD79C20F2685}" type="sibTrans" cxnId="{F77823BC-ECC5-4713-8E2F-2D6EDF57278D}">
+      <dgm:prSet/>
+      <dgm:spPr/>
+      <dgm:t>
+        <a:bodyPr/>
+        <a:lstStyle/>
+        <a:p>
+          <a:endParaRPr lang="en-US"/>
+        </a:p>
+      </dgm:t>
+    </dgm:pt>
+    <dgm:pt modelId="{7C34FFCC-F83B-4606-BDB5-F3A80900B3F1}" type="pres">
+      <dgm:prSet presAssocID="{53B6A6E1-16E6-4487-97F6-EBCFCD52F415}" presName="list" presStyleCnt="0">
+        <dgm:presLayoutVars>
+          <dgm:dir/>
+          <dgm:animLvl val="lvl"/>
+        </dgm:presLayoutVars>
+      </dgm:prSet>
+      <dgm:spPr/>
+    </dgm:pt>
+    <dgm:pt modelId="{2A6F18F6-B5B4-42C6-A3ED-621703956408}" type="pres">
+      <dgm:prSet presAssocID="{B680E488-93DF-472B-97D5-300109DDC2B4}" presName="posSpace" presStyleCnt="0"/>
+      <dgm:spPr/>
+    </dgm:pt>
+    <dgm:pt modelId="{5273E918-B5DA-4EB7-8D52-B7E184E3F8E3}" type="pres">
+      <dgm:prSet presAssocID="{B680E488-93DF-472B-97D5-300109DDC2B4}" presName="vertFlow" presStyleCnt="0"/>
+      <dgm:spPr/>
+    </dgm:pt>
+    <dgm:pt modelId="{90FC265F-44C4-4318-9F03-36F26A35F13B}" type="pres">
+      <dgm:prSet presAssocID="{B680E488-93DF-472B-97D5-300109DDC2B4}" presName="topSpace" presStyleCnt="0"/>
+      <dgm:spPr/>
+    </dgm:pt>
+    <dgm:pt modelId="{E4A0ED84-9F53-44CA-B8BE-26D47594F62E}" type="pres">
+      <dgm:prSet presAssocID="{B680E488-93DF-472B-97D5-300109DDC2B4}" presName="firstComp" presStyleCnt="0"/>
+      <dgm:spPr/>
+    </dgm:pt>
+    <dgm:pt modelId="{113640D2-0991-4CBE-A83E-6056A8321F21}" type="pres">
+      <dgm:prSet presAssocID="{B680E488-93DF-472B-97D5-300109DDC2B4}" presName="firstChild" presStyleLbl="bgAccFollowNode1" presStyleIdx="0" presStyleCnt="4"/>
+      <dgm:spPr/>
+    </dgm:pt>
+    <dgm:pt modelId="{2B9D2A20-B369-4DC2-8A95-6CAD8A4ED776}" type="pres">
+      <dgm:prSet presAssocID="{B680E488-93DF-472B-97D5-300109DDC2B4}" presName="firstChildTx" presStyleLbl="bgAccFollowNode1" presStyleIdx="0" presStyleCnt="4">
+        <dgm:presLayoutVars>
+          <dgm:bulletEnabled val="1"/>
+        </dgm:presLayoutVars>
+      </dgm:prSet>
+      <dgm:spPr/>
+    </dgm:pt>
+    <dgm:pt modelId="{14175790-C7DC-4598-B1C7-98F2390A7EAF}" type="pres">
+      <dgm:prSet presAssocID="{B680E488-93DF-472B-97D5-300109DDC2B4}" presName="negSpace" presStyleCnt="0"/>
+      <dgm:spPr/>
+    </dgm:pt>
+    <dgm:pt modelId="{037F5E81-4E75-4FF7-911D-AF75C11EF68B}" type="pres">
+      <dgm:prSet presAssocID="{B680E488-93DF-472B-97D5-300109DDC2B4}" presName="circle" presStyleLbl="node1" presStyleIdx="0" presStyleCnt="3"/>
+      <dgm:spPr/>
+    </dgm:pt>
+    <dgm:pt modelId="{E8C122DC-0767-48BB-8D0C-8756B9E3814B}" type="pres">
+      <dgm:prSet presAssocID="{F20481B1-868F-4BE0-9EE9-2F8FAAD82645}" presName="transSpace" presStyleCnt="0"/>
+      <dgm:spPr/>
+    </dgm:pt>
+    <dgm:pt modelId="{CA8D422E-7E3B-4B06-A0A6-EC08F059064D}" type="pres">
+      <dgm:prSet presAssocID="{00967758-FEC5-4BE8-B206-A208CDC7F9B1}" presName="posSpace" presStyleCnt="0"/>
+      <dgm:spPr/>
+    </dgm:pt>
+    <dgm:pt modelId="{AFFC8DA2-957E-4F04-91D2-D8409F7A3856}" type="pres">
+      <dgm:prSet presAssocID="{00967758-FEC5-4BE8-B206-A208CDC7F9B1}" presName="vertFlow" presStyleCnt="0"/>
+      <dgm:spPr/>
+    </dgm:pt>
+    <dgm:pt modelId="{1E8711C5-8C09-49AB-8C5A-F257F003624D}" type="pres">
+      <dgm:prSet presAssocID="{00967758-FEC5-4BE8-B206-A208CDC7F9B1}" presName="topSpace" presStyleCnt="0"/>
+      <dgm:spPr/>
+    </dgm:pt>
+    <dgm:pt modelId="{ED207500-A4AC-4768-8148-8D09513D9050}" type="pres">
+      <dgm:prSet presAssocID="{00967758-FEC5-4BE8-B206-A208CDC7F9B1}" presName="firstComp" presStyleCnt="0"/>
+      <dgm:spPr/>
+    </dgm:pt>
+    <dgm:pt modelId="{A643575F-BE55-4CFD-8535-BD241DC290B1}" type="pres">
+      <dgm:prSet presAssocID="{00967758-FEC5-4BE8-B206-A208CDC7F9B1}" presName="firstChild" presStyleLbl="bgAccFollowNode1" presStyleIdx="1" presStyleCnt="4"/>
+      <dgm:spPr/>
+    </dgm:pt>
+    <dgm:pt modelId="{B97DFEE0-53C8-40F9-87E1-26C68CEE2B25}" type="pres">
+      <dgm:prSet presAssocID="{00967758-FEC5-4BE8-B206-A208CDC7F9B1}" presName="firstChildTx" presStyleLbl="bgAccFollowNode1" presStyleIdx="1" presStyleCnt="4">
+        <dgm:presLayoutVars>
+          <dgm:bulletEnabled val="1"/>
+        </dgm:presLayoutVars>
+      </dgm:prSet>
+      <dgm:spPr/>
+    </dgm:pt>
+    <dgm:pt modelId="{C9429BB0-A218-41A8-9AEF-DA838F548909}" type="pres">
+      <dgm:prSet presAssocID="{051B6413-E0F9-400A-A65F-0FEECA276D15}" presName="comp" presStyleCnt="0"/>
+      <dgm:spPr/>
+    </dgm:pt>
+    <dgm:pt modelId="{65686420-CF93-4968-BD82-F810C7E3AD83}" type="pres">
+      <dgm:prSet presAssocID="{051B6413-E0F9-400A-A65F-0FEECA276D15}" presName="child" presStyleLbl="bgAccFollowNode1" presStyleIdx="2" presStyleCnt="4"/>
+      <dgm:spPr/>
+    </dgm:pt>
+    <dgm:pt modelId="{E918DE23-7265-4E16-B9B7-852BC73E0462}" type="pres">
+      <dgm:prSet presAssocID="{051B6413-E0F9-400A-A65F-0FEECA276D15}" presName="childTx" presStyleLbl="bgAccFollowNode1" presStyleIdx="2" presStyleCnt="4">
+        <dgm:presLayoutVars>
+          <dgm:bulletEnabled val="1"/>
+        </dgm:presLayoutVars>
+      </dgm:prSet>
+      <dgm:spPr/>
+    </dgm:pt>
+    <dgm:pt modelId="{654226D5-D39D-472F-BD27-EA54BD67C95D}" type="pres">
+      <dgm:prSet presAssocID="{00967758-FEC5-4BE8-B206-A208CDC7F9B1}" presName="negSpace" presStyleCnt="0"/>
+      <dgm:spPr/>
+    </dgm:pt>
+    <dgm:pt modelId="{0368D5C6-3F7D-4E27-A6D7-1843270322A2}" type="pres">
+      <dgm:prSet presAssocID="{00967758-FEC5-4BE8-B206-A208CDC7F9B1}" presName="circle" presStyleLbl="node1" presStyleIdx="1" presStyleCnt="3"/>
+      <dgm:spPr/>
+    </dgm:pt>
+    <dgm:pt modelId="{B0994474-8F3E-4003-81D0-24CEB28B3BEC}" type="pres">
+      <dgm:prSet presAssocID="{88C824A5-A503-45BE-ABE3-621D73FC9CD5}" presName="transSpace" presStyleCnt="0"/>
+      <dgm:spPr/>
+    </dgm:pt>
+    <dgm:pt modelId="{B4021252-072A-4A10-B21E-6357CE8F97F0}" type="pres">
+      <dgm:prSet presAssocID="{0C87148A-8D8A-420A-93D5-74B8A7E55A24}" presName="posSpace" presStyleCnt="0"/>
+      <dgm:spPr/>
+    </dgm:pt>
+    <dgm:pt modelId="{4568B9B3-45DF-4303-B09C-BD6E99E49E99}" type="pres">
+      <dgm:prSet presAssocID="{0C87148A-8D8A-420A-93D5-74B8A7E55A24}" presName="vertFlow" presStyleCnt="0"/>
+      <dgm:spPr/>
+    </dgm:pt>
+    <dgm:pt modelId="{1677C67F-F9B2-418B-B196-A9BDCC2A4812}" type="pres">
+      <dgm:prSet presAssocID="{0C87148A-8D8A-420A-93D5-74B8A7E55A24}" presName="topSpace" presStyleCnt="0"/>
+      <dgm:spPr/>
+    </dgm:pt>
+    <dgm:pt modelId="{1B7DE38A-FE45-41B7-9F4E-ADEE8CD16510}" type="pres">
+      <dgm:prSet presAssocID="{0C87148A-8D8A-420A-93D5-74B8A7E55A24}" presName="firstComp" presStyleCnt="0"/>
+      <dgm:spPr/>
+    </dgm:pt>
+    <dgm:pt modelId="{3CB8469C-C134-4143-AFBA-6851E6D03EF2}" type="pres">
+      <dgm:prSet presAssocID="{0C87148A-8D8A-420A-93D5-74B8A7E55A24}" presName="firstChild" presStyleLbl="bgAccFollowNode1" presStyleIdx="3" presStyleCnt="4"/>
+      <dgm:spPr/>
+    </dgm:pt>
+    <dgm:pt modelId="{2152AB16-91F5-4CA0-9C75-EF0A79CF2368}" type="pres">
+      <dgm:prSet presAssocID="{0C87148A-8D8A-420A-93D5-74B8A7E55A24}" presName="firstChildTx" presStyleLbl="bgAccFollowNode1" presStyleIdx="3" presStyleCnt="4">
+        <dgm:presLayoutVars>
+          <dgm:bulletEnabled val="1"/>
+        </dgm:presLayoutVars>
+      </dgm:prSet>
+      <dgm:spPr/>
+    </dgm:pt>
+    <dgm:pt modelId="{9C80C068-814D-4947-9FB0-1F1E8181446D}" type="pres">
+      <dgm:prSet presAssocID="{0C87148A-8D8A-420A-93D5-74B8A7E55A24}" presName="negSpace" presStyleCnt="0"/>
+      <dgm:spPr/>
+    </dgm:pt>
+    <dgm:pt modelId="{4812D3A0-F1F2-4BFE-BC93-00E8B29141C3}" type="pres">
+      <dgm:prSet presAssocID="{0C87148A-8D8A-420A-93D5-74B8A7E55A24}" presName="circle" presStyleLbl="node1" presStyleIdx="2" presStyleCnt="3"/>
+      <dgm:spPr/>
+    </dgm:pt>
+  </dgm:ptLst>
+  <dgm:cxnLst>
+    <dgm:cxn modelId="{88B6FD10-5AF5-44B9-B06A-524DEC7D9E59}" srcId="{00967758-FEC5-4BE8-B206-A208CDC7F9B1}" destId="{96DD661F-7807-4A80-94FB-47D8E3034D23}" srcOrd="0" destOrd="0" parTransId="{A1AD71CA-73C3-466F-8B1D-21CB81B3AF4E}" sibTransId="{E8F30C43-36B4-40EB-B9D2-DE5F22EED6FB}"/>
+    <dgm:cxn modelId="{CEFA3311-6C30-418E-AB56-8913FD9E78B1}" type="presOf" srcId="{94053532-8442-4B76-9DA9-7B1EC6D3499F}" destId="{3CB8469C-C134-4143-AFBA-6851E6D03EF2}" srcOrd="0" destOrd="0" presId="urn:microsoft.com/office/officeart/2005/8/layout/hList9"/>
+    <dgm:cxn modelId="{D371C315-C2A5-4E24-8A8F-3DFD9F199E6E}" srcId="{B680E488-93DF-472B-97D5-300109DDC2B4}" destId="{7D0921F4-2B4D-43B3-8C78-C79DA6205BE7}" srcOrd="0" destOrd="0" parTransId="{07CFEE70-B396-4E3C-B1CE-E3013F464430}" sibTransId="{E50CC2D8-D87C-478C-9246-559E89B39953}"/>
+    <dgm:cxn modelId="{0C9BC919-8BD7-4290-9C54-FE814860D793}" type="presOf" srcId="{00967758-FEC5-4BE8-B206-A208CDC7F9B1}" destId="{0368D5C6-3F7D-4E27-A6D7-1843270322A2}" srcOrd="0" destOrd="0" presId="urn:microsoft.com/office/officeart/2005/8/layout/hList9"/>
+    <dgm:cxn modelId="{7A0DDB24-E44C-4E84-8697-1889D70413B7}" srcId="{00967758-FEC5-4BE8-B206-A208CDC7F9B1}" destId="{051B6413-E0F9-400A-A65F-0FEECA276D15}" srcOrd="1" destOrd="0" parTransId="{BA7FE7A8-9E47-4255-B6A8-F1DB9B2609DD}" sibTransId="{3539C542-A316-47DC-B480-D7AA652D4DF9}"/>
+    <dgm:cxn modelId="{4B8FD02D-DC3B-490E-824E-6DE17DE53E9B}" type="presOf" srcId="{96DD661F-7807-4A80-94FB-47D8E3034D23}" destId="{B97DFEE0-53C8-40F9-87E1-26C68CEE2B25}" srcOrd="1" destOrd="0" presId="urn:microsoft.com/office/officeart/2005/8/layout/hList9"/>
+    <dgm:cxn modelId="{B8F45C2F-42E2-4F34-8D7B-4678D197A58F}" type="presOf" srcId="{7D0921F4-2B4D-43B3-8C78-C79DA6205BE7}" destId="{2B9D2A20-B369-4DC2-8A95-6CAD8A4ED776}" srcOrd="1" destOrd="0" presId="urn:microsoft.com/office/officeart/2005/8/layout/hList9"/>
+    <dgm:cxn modelId="{C022F241-2477-44FB-ACAF-DA30BF5E8542}" srcId="{53B6A6E1-16E6-4487-97F6-EBCFCD52F415}" destId="{00967758-FEC5-4BE8-B206-A208CDC7F9B1}" srcOrd="1" destOrd="0" parTransId="{D07A28B9-6405-43F9-A2DC-967F7A79E40F}" sibTransId="{88C824A5-A503-45BE-ABE3-621D73FC9CD5}"/>
+    <dgm:cxn modelId="{64E9EB62-8BB7-4B13-A0D7-7357CCBA2BD7}" type="presOf" srcId="{7D0921F4-2B4D-43B3-8C78-C79DA6205BE7}" destId="{113640D2-0991-4CBE-A83E-6056A8321F21}" srcOrd="0" destOrd="0" presId="urn:microsoft.com/office/officeart/2005/8/layout/hList9"/>
+    <dgm:cxn modelId="{61D2EC46-E54B-4368-86CB-185C86EB1A95}" type="presOf" srcId="{0C87148A-8D8A-420A-93D5-74B8A7E55A24}" destId="{4812D3A0-F1F2-4BFE-BC93-00E8B29141C3}" srcOrd="0" destOrd="0" presId="urn:microsoft.com/office/officeart/2005/8/layout/hList9"/>
+    <dgm:cxn modelId="{8C199B54-FEB1-4D08-8BD3-94041B548184}" type="presOf" srcId="{94053532-8442-4B76-9DA9-7B1EC6D3499F}" destId="{2152AB16-91F5-4CA0-9C75-EF0A79CF2368}" srcOrd="1" destOrd="0" presId="urn:microsoft.com/office/officeart/2005/8/layout/hList9"/>
+    <dgm:cxn modelId="{958C2391-F745-4B1E-9F00-3CFC812200FF}" type="presOf" srcId="{96DD661F-7807-4A80-94FB-47D8E3034D23}" destId="{A643575F-BE55-4CFD-8535-BD241DC290B1}" srcOrd="0" destOrd="0" presId="urn:microsoft.com/office/officeart/2005/8/layout/hList9"/>
+    <dgm:cxn modelId="{BE0631A5-C177-4E83-BD80-6AD2CAE3DF35}" srcId="{53B6A6E1-16E6-4487-97F6-EBCFCD52F415}" destId="{B680E488-93DF-472B-97D5-300109DDC2B4}" srcOrd="0" destOrd="0" parTransId="{B0B73C00-B268-42A4-9863-F6574EAF4AC0}" sibTransId="{F20481B1-868F-4BE0-9EE9-2F8FAAD82645}"/>
+    <dgm:cxn modelId="{0DCEAAB3-E93A-4A9B-84B3-DDEE694946E2}" type="presOf" srcId="{051B6413-E0F9-400A-A65F-0FEECA276D15}" destId="{65686420-CF93-4968-BD82-F810C7E3AD83}" srcOrd="0" destOrd="0" presId="urn:microsoft.com/office/officeart/2005/8/layout/hList9"/>
+    <dgm:cxn modelId="{47CEE6B5-F82A-4148-A2F5-450E0266645B}" type="presOf" srcId="{53B6A6E1-16E6-4487-97F6-EBCFCD52F415}" destId="{7C34FFCC-F83B-4606-BDB5-F3A80900B3F1}" srcOrd="0" destOrd="0" presId="urn:microsoft.com/office/officeart/2005/8/layout/hList9"/>
+    <dgm:cxn modelId="{28C574BA-3D47-4C71-9615-BB7C4EE377CD}" srcId="{53B6A6E1-16E6-4487-97F6-EBCFCD52F415}" destId="{0C87148A-8D8A-420A-93D5-74B8A7E55A24}" srcOrd="2" destOrd="0" parTransId="{C53BCF41-6F6E-477F-8FDB-A9DF9DF0704B}" sibTransId="{834CDBA2-941F-4CE9-B897-2BC0CB605698}"/>
+    <dgm:cxn modelId="{723875BA-1514-4E5C-AEF7-01BFEC551792}" type="presOf" srcId="{B680E488-93DF-472B-97D5-300109DDC2B4}" destId="{037F5E81-4E75-4FF7-911D-AF75C11EF68B}" srcOrd="0" destOrd="0" presId="urn:microsoft.com/office/officeart/2005/8/layout/hList9"/>
+    <dgm:cxn modelId="{F77823BC-ECC5-4713-8E2F-2D6EDF57278D}" srcId="{0C87148A-8D8A-420A-93D5-74B8A7E55A24}" destId="{94053532-8442-4B76-9DA9-7B1EC6D3499F}" srcOrd="0" destOrd="0" parTransId="{EED088A6-318D-43E7-BD8A-6B6BB1A5E0FB}" sibTransId="{6C177107-4C91-4BDF-95DD-CD79C20F2685}"/>
+    <dgm:cxn modelId="{F2C769D0-C1FE-4B86-B98D-662412B4C8BF}" type="presOf" srcId="{051B6413-E0F9-400A-A65F-0FEECA276D15}" destId="{E918DE23-7265-4E16-B9B7-852BC73E0462}" srcOrd="1" destOrd="0" presId="urn:microsoft.com/office/officeart/2005/8/layout/hList9"/>
+    <dgm:cxn modelId="{0025D477-3CAB-461F-8387-900B02D77085}" type="presParOf" srcId="{7C34FFCC-F83B-4606-BDB5-F3A80900B3F1}" destId="{2A6F18F6-B5B4-42C6-A3ED-621703956408}" srcOrd="0" destOrd="0" presId="urn:microsoft.com/office/officeart/2005/8/layout/hList9"/>
+    <dgm:cxn modelId="{0F14E9C7-D159-482A-B838-635CDE44764A}" type="presParOf" srcId="{7C34FFCC-F83B-4606-BDB5-F3A80900B3F1}" destId="{5273E918-B5DA-4EB7-8D52-B7E184E3F8E3}" srcOrd="1" destOrd="0" presId="urn:microsoft.com/office/officeart/2005/8/layout/hList9"/>
+    <dgm:cxn modelId="{E0536D80-8C2B-486E-AFC3-1442AC091C47}" type="presParOf" srcId="{5273E918-B5DA-4EB7-8D52-B7E184E3F8E3}" destId="{90FC265F-44C4-4318-9F03-36F26A35F13B}" srcOrd="0" destOrd="0" presId="urn:microsoft.com/office/officeart/2005/8/layout/hList9"/>
+    <dgm:cxn modelId="{255D01E0-35A6-42DE-9930-8C20607C2229}" type="presParOf" srcId="{5273E918-B5DA-4EB7-8D52-B7E184E3F8E3}" destId="{E4A0ED84-9F53-44CA-B8BE-26D47594F62E}" srcOrd="1" destOrd="0" presId="urn:microsoft.com/office/officeart/2005/8/layout/hList9"/>
+    <dgm:cxn modelId="{E389B97D-CA86-4250-8200-09D7653EBA00}" type="presParOf" srcId="{E4A0ED84-9F53-44CA-B8BE-26D47594F62E}" destId="{113640D2-0991-4CBE-A83E-6056A8321F21}" srcOrd="0" destOrd="0" presId="urn:microsoft.com/office/officeart/2005/8/layout/hList9"/>
+    <dgm:cxn modelId="{B800761B-2528-49A9-89C0-8F4499CA8D06}" type="presParOf" srcId="{E4A0ED84-9F53-44CA-B8BE-26D47594F62E}" destId="{2B9D2A20-B369-4DC2-8A95-6CAD8A4ED776}" srcOrd="1" destOrd="0" presId="urn:microsoft.com/office/officeart/2005/8/layout/hList9"/>
+    <dgm:cxn modelId="{9060C626-64A1-460C-8DB1-B8B5318EF772}" type="presParOf" srcId="{7C34FFCC-F83B-4606-BDB5-F3A80900B3F1}" destId="{14175790-C7DC-4598-B1C7-98F2390A7EAF}" srcOrd="2" destOrd="0" presId="urn:microsoft.com/office/officeart/2005/8/layout/hList9"/>
+    <dgm:cxn modelId="{A7816BAA-3A8F-45B7-8FA3-C342D4B8EFF6}" type="presParOf" srcId="{7C34FFCC-F83B-4606-BDB5-F3A80900B3F1}" destId="{037F5E81-4E75-4FF7-911D-AF75C11EF68B}" srcOrd="3" destOrd="0" presId="urn:microsoft.com/office/officeart/2005/8/layout/hList9"/>
+    <dgm:cxn modelId="{CA81FD75-6D66-458F-AAC4-B3C973F38DE4}" type="presParOf" srcId="{7C34FFCC-F83B-4606-BDB5-F3A80900B3F1}" destId="{E8C122DC-0767-48BB-8D0C-8756B9E3814B}" srcOrd="4" destOrd="0" presId="urn:microsoft.com/office/officeart/2005/8/layout/hList9"/>
+    <dgm:cxn modelId="{D474DA55-795B-4BCA-8D8F-2CDEFBE236AE}" type="presParOf" srcId="{7C34FFCC-F83B-4606-BDB5-F3A80900B3F1}" destId="{CA8D422E-7E3B-4B06-A0A6-EC08F059064D}" srcOrd="5" destOrd="0" presId="urn:microsoft.com/office/officeart/2005/8/layout/hList9"/>
+    <dgm:cxn modelId="{3E50306A-4EA9-4869-B221-5132D6B6F182}" type="presParOf" srcId="{7C34FFCC-F83B-4606-BDB5-F3A80900B3F1}" destId="{AFFC8DA2-957E-4F04-91D2-D8409F7A3856}" srcOrd="6" destOrd="0" presId="urn:microsoft.com/office/officeart/2005/8/layout/hList9"/>
+    <dgm:cxn modelId="{60FAD90C-2978-4DFE-A8CF-D0EEF0826235}" type="presParOf" srcId="{AFFC8DA2-957E-4F04-91D2-D8409F7A3856}" destId="{1E8711C5-8C09-49AB-8C5A-F257F003624D}" srcOrd="0" destOrd="0" presId="urn:microsoft.com/office/officeart/2005/8/layout/hList9"/>
+    <dgm:cxn modelId="{759C9FFE-18C9-4F93-9DC1-8B3ACD7CAA85}" type="presParOf" srcId="{AFFC8DA2-957E-4F04-91D2-D8409F7A3856}" destId="{ED207500-A4AC-4768-8148-8D09513D9050}" srcOrd="1" destOrd="0" presId="urn:microsoft.com/office/officeart/2005/8/layout/hList9"/>
+    <dgm:cxn modelId="{1079D27E-7F3A-4E93-A8F4-978C9F13C260}" type="presParOf" srcId="{ED207500-A4AC-4768-8148-8D09513D9050}" destId="{A643575F-BE55-4CFD-8535-BD241DC290B1}" srcOrd="0" destOrd="0" presId="urn:microsoft.com/office/officeart/2005/8/layout/hList9"/>
+    <dgm:cxn modelId="{666E94A0-3F72-4529-9376-B34677A12F33}" type="presParOf" srcId="{ED207500-A4AC-4768-8148-8D09513D9050}" destId="{B97DFEE0-53C8-40F9-87E1-26C68CEE2B25}" srcOrd="1" destOrd="0" presId="urn:microsoft.com/office/officeart/2005/8/layout/hList9"/>
+    <dgm:cxn modelId="{5A98E213-7F0A-4810-BBFD-BC94A4A3F12E}" type="presParOf" srcId="{AFFC8DA2-957E-4F04-91D2-D8409F7A3856}" destId="{C9429BB0-A218-41A8-9AEF-DA838F548909}" srcOrd="2" destOrd="0" presId="urn:microsoft.com/office/officeart/2005/8/layout/hList9"/>
+    <dgm:cxn modelId="{7DA17D02-825F-48A7-AF77-B28B0DC8D8F6}" type="presParOf" srcId="{C9429BB0-A218-41A8-9AEF-DA838F548909}" destId="{65686420-CF93-4968-BD82-F810C7E3AD83}" srcOrd="0" destOrd="0" presId="urn:microsoft.com/office/officeart/2005/8/layout/hList9"/>
+    <dgm:cxn modelId="{FEDA26C7-3F41-46FA-9758-207A24612D46}" type="presParOf" srcId="{C9429BB0-A218-41A8-9AEF-DA838F548909}" destId="{E918DE23-7265-4E16-B9B7-852BC73E0462}" srcOrd="1" destOrd="0" presId="urn:microsoft.com/office/officeart/2005/8/layout/hList9"/>
+    <dgm:cxn modelId="{4950DBE8-B70C-481E-989D-8C46DAF312E9}" type="presParOf" srcId="{7C34FFCC-F83B-4606-BDB5-F3A80900B3F1}" destId="{654226D5-D39D-472F-BD27-EA54BD67C95D}" srcOrd="7" destOrd="0" presId="urn:microsoft.com/office/officeart/2005/8/layout/hList9"/>
+    <dgm:cxn modelId="{3A345F2B-67E9-4308-A007-4A76832C21B5}" type="presParOf" srcId="{7C34FFCC-F83B-4606-BDB5-F3A80900B3F1}" destId="{0368D5C6-3F7D-4E27-A6D7-1843270322A2}" srcOrd="8" destOrd="0" presId="urn:microsoft.com/office/officeart/2005/8/layout/hList9"/>
+    <dgm:cxn modelId="{09743A14-A46C-4BBD-832A-5ECD798131B3}" type="presParOf" srcId="{7C34FFCC-F83B-4606-BDB5-F3A80900B3F1}" destId="{B0994474-8F3E-4003-81D0-24CEB28B3BEC}" srcOrd="9" destOrd="0" presId="urn:microsoft.com/office/officeart/2005/8/layout/hList9"/>
+    <dgm:cxn modelId="{E41B3B78-4B08-46EB-8DDE-FA580A5E296A}" type="presParOf" srcId="{7C34FFCC-F83B-4606-BDB5-F3A80900B3F1}" destId="{B4021252-072A-4A10-B21E-6357CE8F97F0}" srcOrd="10" destOrd="0" presId="urn:microsoft.com/office/officeart/2005/8/layout/hList9"/>
+    <dgm:cxn modelId="{4C1C60DE-B594-49D4-9C02-7C9B4EDC3A6A}" type="presParOf" srcId="{7C34FFCC-F83B-4606-BDB5-F3A80900B3F1}" destId="{4568B9B3-45DF-4303-B09C-BD6E99E49E99}" srcOrd="11" destOrd="0" presId="urn:microsoft.com/office/officeart/2005/8/layout/hList9"/>
+    <dgm:cxn modelId="{3C03073F-2B98-4341-A56A-E37CFD8ADC8A}" type="presParOf" srcId="{4568B9B3-45DF-4303-B09C-BD6E99E49E99}" destId="{1677C67F-F9B2-418B-B196-A9BDCC2A4812}" srcOrd="0" destOrd="0" presId="urn:microsoft.com/office/officeart/2005/8/layout/hList9"/>
+    <dgm:cxn modelId="{1544B260-1EB5-4411-BA92-063A2A14CDFE}" type="presParOf" srcId="{4568B9B3-45DF-4303-B09C-BD6E99E49E99}" destId="{1B7DE38A-FE45-41B7-9F4E-ADEE8CD16510}" srcOrd="1" destOrd="0" presId="urn:microsoft.com/office/officeart/2005/8/layout/hList9"/>
+    <dgm:cxn modelId="{717CB69C-7B7A-4CC9-8083-0E25F4488C60}" type="presParOf" srcId="{1B7DE38A-FE45-41B7-9F4E-ADEE8CD16510}" destId="{3CB8469C-C134-4143-AFBA-6851E6D03EF2}" srcOrd="0" destOrd="0" presId="urn:microsoft.com/office/officeart/2005/8/layout/hList9"/>
+    <dgm:cxn modelId="{DAD51469-4DC3-4A44-AC47-F8050E3D9E4F}" type="presParOf" srcId="{1B7DE38A-FE45-41B7-9F4E-ADEE8CD16510}" destId="{2152AB16-91F5-4CA0-9C75-EF0A79CF2368}" srcOrd="1" destOrd="0" presId="urn:microsoft.com/office/officeart/2005/8/layout/hList9"/>
+    <dgm:cxn modelId="{88F71ED8-C3A8-4357-8883-538EFDACCA3A}" type="presParOf" srcId="{7C34FFCC-F83B-4606-BDB5-F3A80900B3F1}" destId="{9C80C068-814D-4947-9FB0-1F1E8181446D}" srcOrd="12" destOrd="0" presId="urn:microsoft.com/office/officeart/2005/8/layout/hList9"/>
+    <dgm:cxn modelId="{9D184E5F-8C66-4443-9148-559461DEB384}" type="presParOf" srcId="{7C34FFCC-F83B-4606-BDB5-F3A80900B3F1}" destId="{4812D3A0-F1F2-4BFE-BC93-00E8B29141C3}" srcOrd="13" destOrd="0" presId="urn:microsoft.com/office/officeart/2005/8/layout/hList9"/>
+  </dgm:cxnLst>
+  <dgm:bg/>
+  <dgm:whole/>
+  <dgm:extLst>
+    <a:ext uri="http://schemas.microsoft.com/office/drawing/2008/diagram">
+      <dsp:dataModelExt xmlns:dsp="http://schemas.microsoft.com/office/drawing/2008/diagram" relId="rId6" minVer="http://schemas.openxmlformats.org/drawingml/2006/diagram"/>
+    </a:ext>
+  </dgm:extLst>
+</dgm:dataModel>
+</file>
+
+<file path=ppt/diagrams/data3.xml><?xml version="1.0" encoding="utf-8"?>
+<dgm:dataModel xmlns:dgm="http://schemas.openxmlformats.org/drawingml/2006/diagram" xmlns:a="http://schemas.openxmlformats.org/drawingml/2006/main">
+  <dgm:ptLst>
     <dgm:pt modelId="{2453CC0A-1441-4F72-AE68-082965212212}" type="doc">
       <dgm:prSet loTypeId="urn:microsoft.com/office/officeart/2008/layout/PictureStrips" loCatId="list" qsTypeId="urn:microsoft.com/office/officeart/2005/8/quickstyle/simple1" qsCatId="simple" csTypeId="urn:microsoft.com/office/officeart/2005/8/colors/colorful1" csCatId="colorful" phldr="1"/>
       <dgm:spPr/>
@@ -5366,7 +6665,7 @@
 </dgm:dataModel>
 </file>
 
-<file path=ppt/diagrams/data3.xml><?xml version="1.0" encoding="utf-8"?>
+<file path=ppt/diagrams/data4.xml><?xml version="1.0" encoding="utf-8"?>
 <dgm:dataModel xmlns:dgm="http://schemas.openxmlformats.org/drawingml/2006/diagram" xmlns:a="http://schemas.openxmlformats.org/drawingml/2006/main">
   <dgm:ptLst>
     <dgm:pt modelId="{FB4DB346-92CD-4569-A0B9-1926D68B0C49}" type="doc">
@@ -5647,7 +6946,7 @@
 </dgm:dataModel>
 </file>
 
-<file path=ppt/diagrams/data4.xml><?xml version="1.0" encoding="utf-8"?>
+<file path=ppt/diagrams/data5.xml><?xml version="1.0" encoding="utf-8"?>
 <dgm:dataModel xmlns:dgm="http://schemas.openxmlformats.org/drawingml/2006/diagram" xmlns:a="http://schemas.openxmlformats.org/drawingml/2006/main">
   <dgm:ptLst>
     <dgm:pt modelId="{98819CB5-F1B1-42AF-BF0F-804C4CBE53D1}" type="doc">
@@ -7210,6 +8509,655 @@
       <dsp:cNvGrpSpPr/>
     </dsp:nvGrpSpPr>
     <dsp:grpSpPr/>
+    <dsp:sp modelId="{113640D2-0991-4CBE-A83E-6056A8321F21}">
+      <dsp:nvSpPr>
+        <dsp:cNvPr id="0" name=""/>
+        <dsp:cNvSpPr/>
+      </dsp:nvSpPr>
+      <dsp:spPr>
+        <a:xfrm>
+          <a:off x="509702" y="1109626"/>
+          <a:ext cx="954946" cy="636949"/>
+        </a:xfrm>
+        <a:prstGeom prst="rect">
+          <a:avLst/>
+        </a:prstGeom>
+        <a:solidFill>
+          <a:schemeClr val="accent1">
+            <a:alpha val="90000"/>
+            <a:tint val="40000"/>
+            <a:hueOff val="0"/>
+            <a:satOff val="0"/>
+            <a:lumOff val="0"/>
+            <a:alphaOff val="0"/>
+          </a:schemeClr>
+        </a:solidFill>
+        <a:ln w="12700" cap="flat" cmpd="sng" algn="ctr">
+          <a:solidFill>
+            <a:schemeClr val="accent1">
+              <a:alpha val="90000"/>
+              <a:tint val="40000"/>
+              <a:hueOff val="0"/>
+              <a:satOff val="0"/>
+              <a:lumOff val="0"/>
+              <a:alphaOff val="0"/>
+            </a:schemeClr>
+          </a:solidFill>
+          <a:prstDash val="solid"/>
+          <a:miter lim="800000"/>
+        </a:ln>
+        <a:effectLst/>
+      </dsp:spPr>
+      <dsp:style>
+        <a:lnRef idx="2">
+          <a:scrgbClr r="0" g="0" b="0"/>
+        </a:lnRef>
+        <a:fillRef idx="1">
+          <a:scrgbClr r="0" g="0" b="0"/>
+        </a:fillRef>
+        <a:effectRef idx="0">
+          <a:scrgbClr r="0" g="0" b="0"/>
+        </a:effectRef>
+        <a:fontRef idx="minor"/>
+      </dsp:style>
+      <dsp:txBody>
+        <a:bodyPr spcFirstLastPara="0" vert="horz" wrap="square" lIns="0" tIns="49784" rIns="49784" bIns="49784" numCol="1" spcCol="1270" anchor="ctr" anchorCtr="0">
+          <a:noAutofit/>
+        </a:bodyPr>
+        <a:lstStyle/>
+        <a:p>
+          <a:pPr marL="0" lvl="0" indent="0" algn="l" defTabSz="311150">
+            <a:lnSpc>
+              <a:spcPct val="90000"/>
+            </a:lnSpc>
+            <a:spcBef>
+              <a:spcPct val="0"/>
+            </a:spcBef>
+            <a:spcAft>
+              <a:spcPct val="35000"/>
+            </a:spcAft>
+            <a:buNone/>
+          </a:pPr>
+          <a:r>
+            <a:rPr lang="en-US" sz="700" kern="1200" dirty="0" err="1"/>
+            <a:t>Kein</a:t>
+          </a:r>
+          <a:r>
+            <a:rPr lang="en-US" sz="700" kern="1200" dirty="0"/>
+            <a:t> </a:t>
+          </a:r>
+          <a:r>
+            <a:rPr lang="en-US" sz="700" kern="1200" dirty="0" err="1"/>
+            <a:t>Nachweis</a:t>
+          </a:r>
+          <a:r>
+            <a:rPr lang="en-US" sz="700" kern="1200" dirty="0"/>
+            <a:t> </a:t>
+          </a:r>
+          <a:r>
+            <a:rPr lang="en-US" sz="700" kern="1200" dirty="0" err="1"/>
+            <a:t>tatsächlicher</a:t>
+          </a:r>
+          <a:r>
+            <a:rPr lang="en-US" sz="700" kern="1200" dirty="0"/>
+            <a:t> </a:t>
+          </a:r>
+          <a:r>
+            <a:rPr lang="en-US" sz="700" kern="1200" dirty="0" err="1"/>
+            <a:t>Qualitätskontrolle</a:t>
+          </a:r>
+          <a:endParaRPr lang="en-US" sz="700" kern="1200" dirty="0"/>
+        </a:p>
+      </dsp:txBody>
+      <dsp:txXfrm>
+        <a:off x="662493" y="1109626"/>
+        <a:ext cx="802155" cy="636949"/>
+      </dsp:txXfrm>
+    </dsp:sp>
+    <dsp:sp modelId="{037F5E81-4E75-4FF7-911D-AF75C11EF68B}">
+      <dsp:nvSpPr>
+        <dsp:cNvPr id="0" name=""/>
+        <dsp:cNvSpPr/>
+      </dsp:nvSpPr>
+      <dsp:spPr>
+        <a:xfrm>
+          <a:off x="397" y="854974"/>
+          <a:ext cx="636631" cy="636631"/>
+        </a:xfrm>
+        <a:prstGeom prst="ellipse">
+          <a:avLst/>
+        </a:prstGeom>
+        <a:solidFill>
+          <a:schemeClr val="accent1">
+            <a:hueOff val="0"/>
+            <a:satOff val="0"/>
+            <a:lumOff val="0"/>
+            <a:alphaOff val="0"/>
+          </a:schemeClr>
+        </a:solidFill>
+        <a:ln w="12700" cap="flat" cmpd="sng" algn="ctr">
+          <a:solidFill>
+            <a:schemeClr val="lt1">
+              <a:hueOff val="0"/>
+              <a:satOff val="0"/>
+              <a:lumOff val="0"/>
+              <a:alphaOff val="0"/>
+            </a:schemeClr>
+          </a:solidFill>
+          <a:prstDash val="solid"/>
+          <a:miter lim="800000"/>
+        </a:ln>
+        <a:effectLst/>
+      </dsp:spPr>
+      <dsp:style>
+        <a:lnRef idx="2">
+          <a:scrgbClr r="0" g="0" b="0"/>
+        </a:lnRef>
+        <a:fillRef idx="1">
+          <a:scrgbClr r="0" g="0" b="0"/>
+        </a:fillRef>
+        <a:effectRef idx="0">
+          <a:scrgbClr r="0" g="0" b="0"/>
+        </a:effectRef>
+        <a:fontRef idx="minor">
+          <a:schemeClr val="lt1"/>
+        </a:fontRef>
+      </dsp:style>
+      <dsp:txBody>
+        <a:bodyPr spcFirstLastPara="0" vert="horz" wrap="square" lIns="0" tIns="0" rIns="0" bIns="0" numCol="1" spcCol="1270" anchor="ctr" anchorCtr="0">
+          <a:noAutofit/>
+        </a:bodyPr>
+        <a:lstStyle/>
+        <a:p>
+          <a:pPr marL="0" lvl="0" indent="0" algn="ctr" defTabSz="222250">
+            <a:lnSpc>
+              <a:spcPct val="90000"/>
+            </a:lnSpc>
+            <a:spcBef>
+              <a:spcPct val="0"/>
+            </a:spcBef>
+            <a:spcAft>
+              <a:spcPct val="35000"/>
+            </a:spcAft>
+            <a:buNone/>
+          </a:pPr>
+          <a:r>
+            <a:rPr lang="en-US" sz="500" kern="1200" dirty="0" err="1"/>
+            <a:t>Keine</a:t>
+          </a:r>
+          <a:r>
+            <a:rPr lang="en-US" sz="500" kern="1200" dirty="0"/>
+            <a:t> </a:t>
+          </a:r>
+          <a:r>
+            <a:rPr lang="en-US" sz="500" kern="1200" dirty="0" err="1"/>
+            <a:t>Veröffentlichung</a:t>
+          </a:r>
+          <a:r>
+            <a:rPr lang="en-US" sz="500" kern="1200" dirty="0"/>
+            <a:t> von </a:t>
+          </a:r>
+          <a:r>
+            <a:rPr lang="en-US" sz="500" kern="1200" dirty="0" err="1"/>
+            <a:t>Gutachten</a:t>
+          </a:r>
+          <a:endParaRPr lang="en-US" sz="500" kern="1200" dirty="0"/>
+        </a:p>
+      </dsp:txBody>
+      <dsp:txXfrm>
+        <a:off x="93629" y="948206"/>
+        <a:ext cx="450167" cy="450167"/>
+      </dsp:txXfrm>
+    </dsp:sp>
+    <dsp:sp modelId="{A643575F-BE55-4CFD-8535-BD241DC290B1}">
+      <dsp:nvSpPr>
+        <dsp:cNvPr id="0" name=""/>
+        <dsp:cNvSpPr/>
+      </dsp:nvSpPr>
+      <dsp:spPr>
+        <a:xfrm>
+          <a:off x="2101280" y="1109626"/>
+          <a:ext cx="954946" cy="636949"/>
+        </a:xfrm>
+        <a:prstGeom prst="rect">
+          <a:avLst/>
+        </a:prstGeom>
+        <a:solidFill>
+          <a:schemeClr val="accent1">
+            <a:alpha val="90000"/>
+            <a:tint val="40000"/>
+            <a:hueOff val="0"/>
+            <a:satOff val="0"/>
+            <a:lumOff val="0"/>
+            <a:alphaOff val="0"/>
+          </a:schemeClr>
+        </a:solidFill>
+        <a:ln w="12700" cap="flat" cmpd="sng" algn="ctr">
+          <a:solidFill>
+            <a:schemeClr val="accent1">
+              <a:alpha val="90000"/>
+              <a:tint val="40000"/>
+              <a:hueOff val="0"/>
+              <a:satOff val="0"/>
+              <a:lumOff val="0"/>
+              <a:alphaOff val="0"/>
+            </a:schemeClr>
+          </a:solidFill>
+          <a:prstDash val="solid"/>
+          <a:miter lim="800000"/>
+        </a:ln>
+        <a:effectLst/>
+      </dsp:spPr>
+      <dsp:style>
+        <a:lnRef idx="2">
+          <a:scrgbClr r="0" g="0" b="0"/>
+        </a:lnRef>
+        <a:fillRef idx="1">
+          <a:scrgbClr r="0" g="0" b="0"/>
+        </a:fillRef>
+        <a:effectRef idx="0">
+          <a:scrgbClr r="0" g="0" b="0"/>
+        </a:effectRef>
+        <a:fontRef idx="minor"/>
+      </dsp:style>
+      <dsp:txBody>
+        <a:bodyPr spcFirstLastPara="0" vert="horz" wrap="square" lIns="0" tIns="49784" rIns="49784" bIns="49784" numCol="1" spcCol="1270" anchor="ctr" anchorCtr="0">
+          <a:noAutofit/>
+        </a:bodyPr>
+        <a:lstStyle/>
+        <a:p>
+          <a:pPr marL="0" lvl="0" indent="0" algn="l" defTabSz="311150">
+            <a:lnSpc>
+              <a:spcPct val="90000"/>
+            </a:lnSpc>
+            <a:spcBef>
+              <a:spcPct val="0"/>
+            </a:spcBef>
+            <a:spcAft>
+              <a:spcPct val="35000"/>
+            </a:spcAft>
+            <a:buNone/>
+          </a:pPr>
+          <a:endParaRPr lang="en-US" sz="700" kern="1200" dirty="0"/>
+        </a:p>
+      </dsp:txBody>
+      <dsp:txXfrm>
+        <a:off x="2254071" y="1109626"/>
+        <a:ext cx="802155" cy="636949"/>
+      </dsp:txXfrm>
+    </dsp:sp>
+    <dsp:sp modelId="{65686420-CF93-4968-BD82-F810C7E3AD83}">
+      <dsp:nvSpPr>
+        <dsp:cNvPr id="0" name=""/>
+        <dsp:cNvSpPr/>
+      </dsp:nvSpPr>
+      <dsp:spPr>
+        <a:xfrm>
+          <a:off x="2101280" y="1746576"/>
+          <a:ext cx="954946" cy="636949"/>
+        </a:xfrm>
+        <a:prstGeom prst="rect">
+          <a:avLst/>
+        </a:prstGeom>
+        <a:solidFill>
+          <a:schemeClr val="accent1">
+            <a:alpha val="90000"/>
+            <a:tint val="40000"/>
+            <a:hueOff val="0"/>
+            <a:satOff val="0"/>
+            <a:lumOff val="0"/>
+            <a:alphaOff val="0"/>
+          </a:schemeClr>
+        </a:solidFill>
+        <a:ln w="12700" cap="flat" cmpd="sng" algn="ctr">
+          <a:solidFill>
+            <a:schemeClr val="accent1">
+              <a:alpha val="90000"/>
+              <a:tint val="40000"/>
+              <a:hueOff val="0"/>
+              <a:satOff val="0"/>
+              <a:lumOff val="0"/>
+              <a:alphaOff val="0"/>
+            </a:schemeClr>
+          </a:solidFill>
+          <a:prstDash val="solid"/>
+          <a:miter lim="800000"/>
+        </a:ln>
+        <a:effectLst/>
+      </dsp:spPr>
+      <dsp:style>
+        <a:lnRef idx="2">
+          <a:scrgbClr r="0" g="0" b="0"/>
+        </a:lnRef>
+        <a:fillRef idx="1">
+          <a:scrgbClr r="0" g="0" b="0"/>
+        </a:fillRef>
+        <a:effectRef idx="0">
+          <a:scrgbClr r="0" g="0" b="0"/>
+        </a:effectRef>
+        <a:fontRef idx="minor"/>
+      </dsp:style>
+      <dsp:txBody>
+        <a:bodyPr spcFirstLastPara="0" vert="horz" wrap="square" lIns="0" tIns="49784" rIns="49784" bIns="49784" numCol="1" spcCol="1270" anchor="ctr" anchorCtr="0">
+          <a:noAutofit/>
+        </a:bodyPr>
+        <a:lstStyle/>
+        <a:p>
+          <a:pPr marL="0" lvl="0" indent="0" algn="l" defTabSz="311150">
+            <a:lnSpc>
+              <a:spcPct val="90000"/>
+            </a:lnSpc>
+            <a:spcBef>
+              <a:spcPct val="0"/>
+            </a:spcBef>
+            <a:spcAft>
+              <a:spcPct val="35000"/>
+            </a:spcAft>
+            <a:buNone/>
+          </a:pPr>
+          <a:endParaRPr lang="en-US" sz="700" kern="1200" dirty="0"/>
+        </a:p>
+      </dsp:txBody>
+      <dsp:txXfrm>
+        <a:off x="2254071" y="1746576"/>
+        <a:ext cx="802155" cy="636949"/>
+      </dsp:txXfrm>
+    </dsp:sp>
+    <dsp:sp modelId="{0368D5C6-3F7D-4E27-A6D7-1843270322A2}">
+      <dsp:nvSpPr>
+        <dsp:cNvPr id="0" name=""/>
+        <dsp:cNvSpPr/>
+      </dsp:nvSpPr>
+      <dsp:spPr>
+        <a:xfrm>
+          <a:off x="1591975" y="854974"/>
+          <a:ext cx="636631" cy="636631"/>
+        </a:xfrm>
+        <a:prstGeom prst="ellipse">
+          <a:avLst/>
+        </a:prstGeom>
+        <a:solidFill>
+          <a:schemeClr val="accent1">
+            <a:hueOff val="0"/>
+            <a:satOff val="0"/>
+            <a:lumOff val="0"/>
+            <a:alphaOff val="0"/>
+          </a:schemeClr>
+        </a:solidFill>
+        <a:ln w="12700" cap="flat" cmpd="sng" algn="ctr">
+          <a:solidFill>
+            <a:schemeClr val="lt1">
+              <a:hueOff val="0"/>
+              <a:satOff val="0"/>
+              <a:lumOff val="0"/>
+              <a:alphaOff val="0"/>
+            </a:schemeClr>
+          </a:solidFill>
+          <a:prstDash val="solid"/>
+          <a:miter lim="800000"/>
+        </a:ln>
+        <a:effectLst/>
+      </dsp:spPr>
+      <dsp:style>
+        <a:lnRef idx="2">
+          <a:scrgbClr r="0" g="0" b="0"/>
+        </a:lnRef>
+        <a:fillRef idx="1">
+          <a:scrgbClr r="0" g="0" b="0"/>
+        </a:fillRef>
+        <a:effectRef idx="0">
+          <a:scrgbClr r="0" g="0" b="0"/>
+        </a:effectRef>
+        <a:fontRef idx="minor">
+          <a:schemeClr val="lt1"/>
+        </a:fontRef>
+      </dsp:style>
+      <dsp:txBody>
+        <a:bodyPr spcFirstLastPara="0" vert="horz" wrap="square" lIns="0" tIns="0" rIns="0" bIns="0" numCol="1" spcCol="1270" anchor="ctr" anchorCtr="0">
+          <a:noAutofit/>
+        </a:bodyPr>
+        <a:lstStyle/>
+        <a:p>
+          <a:pPr marL="0" lvl="0" indent="0" algn="ctr" defTabSz="222250">
+            <a:lnSpc>
+              <a:spcPct val="90000"/>
+            </a:lnSpc>
+            <a:spcBef>
+              <a:spcPct val="0"/>
+            </a:spcBef>
+            <a:spcAft>
+              <a:spcPct val="35000"/>
+            </a:spcAft>
+            <a:buNone/>
+          </a:pPr>
+          <a:r>
+            <a:rPr lang="en-US" sz="500" kern="1200" dirty="0" err="1"/>
+            <a:t>Veröffentlichung</a:t>
+          </a:r>
+          <a:r>
+            <a:rPr lang="en-US" sz="500" kern="1200" dirty="0"/>
+            <a:t> </a:t>
+          </a:r>
+          <a:r>
+            <a:rPr lang="en-US" sz="500" kern="1200" dirty="0" err="1"/>
+            <a:t>bei</a:t>
+          </a:r>
+          <a:r>
+            <a:rPr lang="en-US" sz="500" kern="1200" dirty="0"/>
+            <a:t> </a:t>
+          </a:r>
+          <a:r>
+            <a:rPr lang="en-US" sz="500" kern="1200" dirty="0" err="1"/>
+            <a:t>Publikation</a:t>
+          </a:r>
+          <a:endParaRPr lang="en-US" sz="500" kern="1200" dirty="0"/>
+        </a:p>
+      </dsp:txBody>
+      <dsp:txXfrm>
+        <a:off x="1685207" y="948206"/>
+        <a:ext cx="450167" cy="450167"/>
+      </dsp:txXfrm>
+    </dsp:sp>
+    <dsp:sp modelId="{3CB8469C-C134-4143-AFBA-6851E6D03EF2}">
+      <dsp:nvSpPr>
+        <dsp:cNvPr id="0" name=""/>
+        <dsp:cNvSpPr/>
+      </dsp:nvSpPr>
+      <dsp:spPr>
+        <a:xfrm>
+          <a:off x="3692858" y="1109626"/>
+          <a:ext cx="954946" cy="636949"/>
+        </a:xfrm>
+        <a:prstGeom prst="rect">
+          <a:avLst/>
+        </a:prstGeom>
+        <a:solidFill>
+          <a:schemeClr val="accent1">
+            <a:alpha val="90000"/>
+            <a:tint val="40000"/>
+            <a:hueOff val="0"/>
+            <a:satOff val="0"/>
+            <a:lumOff val="0"/>
+            <a:alphaOff val="0"/>
+          </a:schemeClr>
+        </a:solidFill>
+        <a:ln w="12700" cap="flat" cmpd="sng" algn="ctr">
+          <a:solidFill>
+            <a:schemeClr val="accent1">
+              <a:alpha val="90000"/>
+              <a:tint val="40000"/>
+              <a:hueOff val="0"/>
+              <a:satOff val="0"/>
+              <a:lumOff val="0"/>
+              <a:alphaOff val="0"/>
+            </a:schemeClr>
+          </a:solidFill>
+          <a:prstDash val="solid"/>
+          <a:miter lim="800000"/>
+        </a:ln>
+        <a:effectLst/>
+      </dsp:spPr>
+      <dsp:style>
+        <a:lnRef idx="2">
+          <a:scrgbClr r="0" g="0" b="0"/>
+        </a:lnRef>
+        <a:fillRef idx="1">
+          <a:scrgbClr r="0" g="0" b="0"/>
+        </a:fillRef>
+        <a:effectRef idx="0">
+          <a:scrgbClr r="0" g="0" b="0"/>
+        </a:effectRef>
+        <a:fontRef idx="minor"/>
+      </dsp:style>
+      <dsp:txBody>
+        <a:bodyPr spcFirstLastPara="0" vert="horz" wrap="square" lIns="0" tIns="49784" rIns="49784" bIns="49784" numCol="1" spcCol="1270" anchor="ctr" anchorCtr="0">
+          <a:noAutofit/>
+        </a:bodyPr>
+        <a:lstStyle/>
+        <a:p>
+          <a:pPr marL="0" lvl="0" indent="0" algn="l" defTabSz="311150">
+            <a:lnSpc>
+              <a:spcPct val="90000"/>
+            </a:lnSpc>
+            <a:spcBef>
+              <a:spcPct val="0"/>
+            </a:spcBef>
+            <a:spcAft>
+              <a:spcPct val="35000"/>
+            </a:spcAft>
+            <a:buNone/>
+          </a:pPr>
+          <a:endParaRPr lang="en-US" sz="700" kern="1200" dirty="0"/>
+        </a:p>
+      </dsp:txBody>
+      <dsp:txXfrm>
+        <a:off x="3845649" y="1109626"/>
+        <a:ext cx="802155" cy="636949"/>
+      </dsp:txXfrm>
+    </dsp:sp>
+    <dsp:sp modelId="{4812D3A0-F1F2-4BFE-BC93-00E8B29141C3}">
+      <dsp:nvSpPr>
+        <dsp:cNvPr id="0" name=""/>
+        <dsp:cNvSpPr/>
+      </dsp:nvSpPr>
+      <dsp:spPr>
+        <a:xfrm>
+          <a:off x="3183553" y="854974"/>
+          <a:ext cx="636631" cy="636631"/>
+        </a:xfrm>
+        <a:prstGeom prst="ellipse">
+          <a:avLst/>
+        </a:prstGeom>
+        <a:solidFill>
+          <a:schemeClr val="accent1">
+            <a:hueOff val="0"/>
+            <a:satOff val="0"/>
+            <a:lumOff val="0"/>
+            <a:alphaOff val="0"/>
+          </a:schemeClr>
+        </a:solidFill>
+        <a:ln w="12700" cap="flat" cmpd="sng" algn="ctr">
+          <a:solidFill>
+            <a:schemeClr val="lt1">
+              <a:hueOff val="0"/>
+              <a:satOff val="0"/>
+              <a:lumOff val="0"/>
+              <a:alphaOff val="0"/>
+            </a:schemeClr>
+          </a:solidFill>
+          <a:prstDash val="solid"/>
+          <a:miter lim="800000"/>
+        </a:ln>
+        <a:effectLst/>
+      </dsp:spPr>
+      <dsp:style>
+        <a:lnRef idx="2">
+          <a:scrgbClr r="0" g="0" b="0"/>
+        </a:lnRef>
+        <a:fillRef idx="1">
+          <a:scrgbClr r="0" g="0" b="0"/>
+        </a:fillRef>
+        <a:effectRef idx="0">
+          <a:scrgbClr r="0" g="0" b="0"/>
+        </a:effectRef>
+        <a:fontRef idx="minor">
+          <a:schemeClr val="lt1"/>
+        </a:fontRef>
+      </dsp:style>
+      <dsp:txBody>
+        <a:bodyPr spcFirstLastPara="0" vert="horz" wrap="square" lIns="0" tIns="0" rIns="0" bIns="0" numCol="1" spcCol="1270" anchor="ctr" anchorCtr="0">
+          <a:noAutofit/>
+        </a:bodyPr>
+        <a:lstStyle/>
+        <a:p>
+          <a:pPr marL="0" lvl="0" indent="0" algn="ctr" defTabSz="222250">
+            <a:lnSpc>
+              <a:spcPct val="90000"/>
+            </a:lnSpc>
+            <a:spcBef>
+              <a:spcPct val="0"/>
+            </a:spcBef>
+            <a:spcAft>
+              <a:spcPct val="35000"/>
+            </a:spcAft>
+            <a:buNone/>
+          </a:pPr>
+          <a:r>
+            <a:rPr lang="en-US" sz="500" kern="1200" dirty="0" err="1"/>
+            <a:t>Veröffentlichung</a:t>
+          </a:r>
+          <a:r>
+            <a:rPr lang="en-US" sz="500" kern="1200" dirty="0"/>
+            <a:t> </a:t>
+          </a:r>
+          <a:r>
+            <a:rPr lang="en-US" sz="500" kern="1200" dirty="0" err="1"/>
+            <a:t>bei</a:t>
+          </a:r>
+          <a:r>
+            <a:rPr lang="en-US" sz="500" kern="1200" dirty="0"/>
+            <a:t> </a:t>
+          </a:r>
+          <a:r>
+            <a:rPr lang="en-US" sz="500" kern="1200" dirty="0" err="1"/>
+            <a:t>Publikation</a:t>
+          </a:r>
+          <a:r>
+            <a:rPr lang="en-US" sz="500" kern="1200" dirty="0"/>
+            <a:t> und </a:t>
+          </a:r>
+          <a:r>
+            <a:rPr lang="en-US" sz="500" kern="1200" dirty="0" err="1"/>
+            <a:t>bei</a:t>
+          </a:r>
+          <a:r>
+            <a:rPr lang="en-US" sz="500" kern="1200" dirty="0"/>
+            <a:t> </a:t>
+          </a:r>
+          <a:r>
+            <a:rPr lang="en-US" sz="500" kern="1200" dirty="0" err="1"/>
+            <a:t>Ablehnung</a:t>
+          </a:r>
+          <a:endParaRPr lang="en-US" sz="500" kern="1200" dirty="0"/>
+        </a:p>
+      </dsp:txBody>
+      <dsp:txXfrm>
+        <a:off x="3276785" y="948206"/>
+        <a:ext cx="450167" cy="450167"/>
+      </dsp:txXfrm>
+    </dsp:sp>
+  </dsp:spTree>
+</dsp:drawing>
+</file>
+
+<file path=ppt/diagrams/drawing3.xml><?xml version="1.0" encoding="utf-8"?>
+<dsp:drawing xmlns:dgm="http://schemas.openxmlformats.org/drawingml/2006/diagram" xmlns:dsp="http://schemas.microsoft.com/office/drawing/2008/diagram" xmlns:a="http://schemas.openxmlformats.org/drawingml/2006/main">
+  <dsp:spTree>
+    <dsp:nvGrpSpPr>
+      <dsp:cNvPr id="0" name=""/>
+      <dsp:cNvGrpSpPr/>
+    </dsp:nvGrpSpPr>
+    <dsp:grpSpPr/>
     <dsp:sp modelId="{DF72D210-16A7-4F95-84C6-DDE31A9A78EB}">
       <dsp:nvSpPr>
         <dsp:cNvPr id="0" name=""/>
@@ -8583,7 +10531,7 @@
 </dsp:drawing>
 </file>
 
-<file path=ppt/diagrams/drawing3.xml><?xml version="1.0" encoding="utf-8"?>
+<file path=ppt/diagrams/drawing4.xml><?xml version="1.0" encoding="utf-8"?>
 <dsp:drawing xmlns:dgm="http://schemas.openxmlformats.org/drawingml/2006/diagram" xmlns:dsp="http://schemas.microsoft.com/office/drawing/2008/diagram" xmlns:a="http://schemas.openxmlformats.org/drawingml/2006/main">
   <dsp:spTree>
     <dsp:nvGrpSpPr>
@@ -9243,7 +11191,7 @@
 </dsp:drawing>
 </file>
 
-<file path=ppt/diagrams/drawing4.xml><?xml version="1.0" encoding="utf-8"?>
+<file path=ppt/diagrams/drawing5.xml><?xml version="1.0" encoding="utf-8"?>
 <dsp:drawing xmlns:dgm="http://schemas.openxmlformats.org/drawingml/2006/diagram" xmlns:dsp="http://schemas.microsoft.com/office/drawing/2008/diagram" xmlns:a="http://schemas.openxmlformats.org/drawingml/2006/main">
   <dsp:spTree>
     <dsp:nvGrpSpPr>
@@ -10007,6 +11955,360 @@
 </file>
 
 <file path=ppt/diagrams/layout2.xml><?xml version="1.0" encoding="utf-8"?>
+<dgm:layoutDef xmlns:dgm="http://schemas.openxmlformats.org/drawingml/2006/diagram" xmlns:a="http://schemas.openxmlformats.org/drawingml/2006/main" uniqueId="urn:microsoft.com/office/officeart/2005/8/layout/hList9">
+  <dgm:title val=""/>
+  <dgm:desc val=""/>
+  <dgm:catLst>
+    <dgm:cat type="list" pri="8000"/>
+  </dgm:catLst>
+  <dgm:sampData>
+    <dgm:dataModel>
+      <dgm:ptLst>
+        <dgm:pt modelId="0" type="doc"/>
+        <dgm:pt modelId="1">
+          <dgm:prSet phldr="1"/>
+        </dgm:pt>
+        <dgm:pt modelId="11">
+          <dgm:prSet phldr="1"/>
+        </dgm:pt>
+        <dgm:pt modelId="12">
+          <dgm:prSet phldr="1"/>
+        </dgm:pt>
+        <dgm:pt modelId="2">
+          <dgm:prSet phldr="1"/>
+        </dgm:pt>
+        <dgm:pt modelId="21">
+          <dgm:prSet phldr="1"/>
+        </dgm:pt>
+        <dgm:pt modelId="22">
+          <dgm:prSet phldr="1"/>
+        </dgm:pt>
+      </dgm:ptLst>
+      <dgm:cxnLst>
+        <dgm:cxn modelId="3" srcId="0" destId="1" srcOrd="0" destOrd="0"/>
+        <dgm:cxn modelId="4" srcId="0" destId="2" srcOrd="1" destOrd="0"/>
+        <dgm:cxn modelId="13" srcId="1" destId="11" srcOrd="0" destOrd="0"/>
+        <dgm:cxn modelId="14" srcId="1" destId="12" srcOrd="0" destOrd="0"/>
+        <dgm:cxn modelId="23" srcId="2" destId="21" srcOrd="0" destOrd="0"/>
+        <dgm:cxn modelId="24" srcId="2" destId="22" srcOrd="0" destOrd="0"/>
+      </dgm:cxnLst>
+      <dgm:bg/>
+      <dgm:whole/>
+    </dgm:dataModel>
+  </dgm:sampData>
+  <dgm:styleData>
+    <dgm:dataModel>
+      <dgm:ptLst>
+        <dgm:pt modelId="0" type="doc"/>
+        <dgm:pt modelId="1"/>
+        <dgm:pt modelId="2"/>
+      </dgm:ptLst>
+      <dgm:cxnLst>
+        <dgm:cxn modelId="3" srcId="0" destId="1" srcOrd="0" destOrd="0"/>
+        <dgm:cxn modelId="4" srcId="1" destId="2" srcOrd="0" destOrd="0"/>
+      </dgm:cxnLst>
+      <dgm:bg/>
+      <dgm:whole/>
+    </dgm:dataModel>
+  </dgm:styleData>
+  <dgm:clrData>
+    <dgm:dataModel>
+      <dgm:ptLst>
+        <dgm:pt modelId="0" type="doc"/>
+        <dgm:pt modelId="1"/>
+        <dgm:pt modelId="11"/>
+        <dgm:pt modelId="12"/>
+        <dgm:pt modelId="13"/>
+        <dgm:pt modelId="14"/>
+        <dgm:pt modelId="2"/>
+        <dgm:pt modelId="21"/>
+        <dgm:pt modelId="22"/>
+        <dgm:pt modelId="23"/>
+        <dgm:pt modelId="24"/>
+        <dgm:pt modelId="3"/>
+        <dgm:pt modelId="31"/>
+        <dgm:pt modelId="32"/>
+        <dgm:pt modelId="33"/>
+        <dgm:pt modelId="34"/>
+      </dgm:ptLst>
+      <dgm:cxnLst>
+        <dgm:cxn modelId="4" srcId="0" destId="1" srcOrd="0" destOrd="0"/>
+        <dgm:cxn modelId="5" srcId="0" destId="2" srcOrd="1" destOrd="0"/>
+        <dgm:cxn modelId="6" srcId="0" destId="3" srcOrd="1" destOrd="0"/>
+        <dgm:cxn modelId="15" srcId="1" destId="11" srcOrd="0" destOrd="0"/>
+        <dgm:cxn modelId="16" srcId="1" destId="12" srcOrd="0" destOrd="0"/>
+        <dgm:cxn modelId="17" srcId="1" destId="13" srcOrd="0" destOrd="0"/>
+        <dgm:cxn modelId="18" srcId="1" destId="14" srcOrd="0" destOrd="0"/>
+        <dgm:cxn modelId="25" srcId="2" destId="21" srcOrd="0" destOrd="0"/>
+        <dgm:cxn modelId="26" srcId="2" destId="22" srcOrd="0" destOrd="0"/>
+        <dgm:cxn modelId="27" srcId="2" destId="23" srcOrd="0" destOrd="0"/>
+        <dgm:cxn modelId="28" srcId="2" destId="24" srcOrd="0" destOrd="0"/>
+        <dgm:cxn modelId="35" srcId="3" destId="31" srcOrd="0" destOrd="0"/>
+        <dgm:cxn modelId="36" srcId="3" destId="32" srcOrd="0" destOrd="0"/>
+        <dgm:cxn modelId="37" srcId="3" destId="33" srcOrd="0" destOrd="0"/>
+        <dgm:cxn modelId="38" srcId="3" destId="34" srcOrd="0" destOrd="0"/>
+      </dgm:cxnLst>
+      <dgm:bg/>
+      <dgm:whole/>
+    </dgm:dataModel>
+  </dgm:clrData>
+  <dgm:layoutNode name="list">
+    <dgm:varLst>
+      <dgm:dir/>
+      <dgm:animLvl val="lvl"/>
+    </dgm:varLst>
+    <dgm:choose name="Name0">
+      <dgm:if name="Name1" func="var" arg="dir" op="equ" val="norm">
+        <dgm:alg type="lin">
+          <dgm:param type="linDir" val="fromL"/>
+          <dgm:param type="fallback" val="2D"/>
+          <dgm:param type="nodeVertAlign" val="t"/>
+        </dgm:alg>
+      </dgm:if>
+      <dgm:else name="Name2">
+        <dgm:alg type="lin">
+          <dgm:param type="linDir" val="fromR"/>
+          <dgm:param type="fallback" val="2D"/>
+          <dgm:param type="nodeVertAlign" val="t"/>
+        </dgm:alg>
+      </dgm:else>
+    </dgm:choose>
+    <dgm:shape xmlns:r="http://schemas.openxmlformats.org/officeDocument/2006/relationships" r:blip="">
+      <dgm:adjLst/>
+    </dgm:shape>
+    <dgm:presOf/>
+    <dgm:constrLst>
+      <dgm:constr type="w" for="ch" forName="circle" refType="w" fact="0.5"/>
+      <dgm:constr type="w" for="ch" forName="vertFlow" refType="w" fact="0.75"/>
+      <dgm:constr type="h" for="des" forName="firstComp" refType="w" refFor="ch" refForName="vertFlow" fact="0.667"/>
+      <dgm:constr type="h" for="des" forName="comp" refType="h" refFor="des" refForName="firstComp" op="equ"/>
+      <dgm:constr type="h" for="des" forName="topSpace" refType="w" refFor="ch" refForName="circle" op="equ" fact="0.4"/>
+      <dgm:constr type="w" for="ch" forName="posSpace" refType="w" fact="0.4"/>
+      <dgm:constr type="w" for="ch" forName="negSpace" refType="w" fact="-1.15"/>
+      <dgm:constr type="w" for="ch" forName="transSpace" refType="w" fact="0.75"/>
+      <dgm:constr type="primFontSz" for="ch" forName="circle" op="equ" val="65"/>
+      <dgm:constr type="primFontSz" for="des" forName="firstChildTx" val="65"/>
+      <dgm:constr type="primFontSz" for="des" forName="childTx" refType="primFontSz" refFor="des" refForName="firstChildTx" op="equ"/>
+    </dgm:constrLst>
+    <dgm:ruleLst/>
+    <dgm:forEach name="Name3" axis="ch" ptType="node">
+      <dgm:layoutNode name="posSpace">
+        <dgm:alg type="sp"/>
+        <dgm:shape xmlns:r="http://schemas.openxmlformats.org/officeDocument/2006/relationships" r:blip="">
+          <dgm:adjLst/>
+        </dgm:shape>
+        <dgm:presOf/>
+        <dgm:constrLst/>
+        <dgm:ruleLst/>
+      </dgm:layoutNode>
+      <dgm:layoutNode name="vertFlow">
+        <dgm:alg type="lin">
+          <dgm:param type="linDir" val="fromT"/>
+        </dgm:alg>
+        <dgm:shape xmlns:r="http://schemas.openxmlformats.org/officeDocument/2006/relationships" r:blip="">
+          <dgm:adjLst/>
+        </dgm:shape>
+        <dgm:presOf/>
+        <dgm:constrLst>
+          <dgm:constr type="w" for="ch" forName="firstComp" refType="w"/>
+          <dgm:constr type="w" for="ch" forName="comp" refType="w"/>
+        </dgm:constrLst>
+        <dgm:ruleLst/>
+        <dgm:layoutNode name="topSpace">
+          <dgm:alg type="sp"/>
+          <dgm:shape xmlns:r="http://schemas.openxmlformats.org/officeDocument/2006/relationships" r:blip="">
+            <dgm:adjLst/>
+          </dgm:shape>
+          <dgm:presOf/>
+          <dgm:constrLst/>
+          <dgm:ruleLst/>
+        </dgm:layoutNode>
+        <dgm:layoutNode name="firstComp">
+          <dgm:alg type="composite"/>
+          <dgm:shape xmlns:r="http://schemas.openxmlformats.org/officeDocument/2006/relationships" r:blip="">
+            <dgm:adjLst/>
+          </dgm:shape>
+          <dgm:presOf/>
+          <dgm:choose name="Name4">
+            <dgm:if name="Name5" func="var" arg="dir" op="equ" val="norm">
+              <dgm:constrLst>
+                <dgm:constr type="l" for="ch" forName="firstChild"/>
+                <dgm:constr type="t" for="ch" forName="firstChild"/>
+                <dgm:constr type="w" for="ch" forName="firstChild" refType="w"/>
+                <dgm:constr type="h" for="ch" forName="firstChild" refType="h"/>
+                <dgm:constr type="l" for="ch" forName="firstChildTx" refType="w" fact="0.16"/>
+                <dgm:constr type="r" for="ch" forName="firstChildTx" refType="w"/>
+                <dgm:constr type="h" for="ch" forName="firstChildTx" refFor="ch" refForName="firstChild" op="equ"/>
+              </dgm:constrLst>
+            </dgm:if>
+            <dgm:else name="Name6">
+              <dgm:constrLst>
+                <dgm:constr type="l" for="ch" forName="firstChild"/>
+                <dgm:constr type="t" for="ch" forName="firstChild"/>
+                <dgm:constr type="w" for="ch" forName="firstChild" refType="w"/>
+                <dgm:constr type="h" for="ch" forName="firstChild" refType="h"/>
+                <dgm:constr type="l" for="ch" forName="firstChildTx"/>
+                <dgm:constr type="r" for="ch" forName="firstChildTx" refType="w" fact="0.825"/>
+                <dgm:constr type="h" for="ch" forName="firstChildTx" refFor="ch" refForName="firstChild" op="equ"/>
+              </dgm:constrLst>
+            </dgm:else>
+          </dgm:choose>
+          <dgm:ruleLst/>
+          <dgm:layoutNode name="firstChild" styleLbl="bgAccFollowNode1">
+            <dgm:alg type="sp"/>
+            <dgm:shape xmlns:r="http://schemas.openxmlformats.org/officeDocument/2006/relationships" type="rect" r:blip="">
+              <dgm:adjLst/>
+            </dgm:shape>
+            <dgm:presOf axis="ch desOrSelf" ptType="node node" cnt="1 0"/>
+            <dgm:constrLst/>
+            <dgm:ruleLst/>
+          </dgm:layoutNode>
+          <dgm:layoutNode name="firstChildTx" styleLbl="bgAccFollowNode1">
+            <dgm:varLst>
+              <dgm:bulletEnabled val="1"/>
+            </dgm:varLst>
+            <dgm:alg type="tx">
+              <dgm:param type="parTxLTRAlign" val="l"/>
+            </dgm:alg>
+            <dgm:shape xmlns:r="http://schemas.openxmlformats.org/officeDocument/2006/relationships" type="rect" r:blip="" hideGeom="1">
+              <dgm:adjLst/>
+            </dgm:shape>
+            <dgm:presOf axis="ch desOrSelf" ptType="node node" cnt="1 0"/>
+            <dgm:choose name="Name7">
+              <dgm:if name="Name8" func="var" arg="dir" op="equ" val="norm">
+                <dgm:constrLst>
+                  <dgm:constr type="primFontSz" val="65"/>
+                  <dgm:constr type="lMarg"/>
+                </dgm:constrLst>
+              </dgm:if>
+              <dgm:else name="Name9">
+                <dgm:constrLst>
+                  <dgm:constr type="primFontSz" val="65"/>
+                  <dgm:constr type="rMarg"/>
+                </dgm:constrLst>
+              </dgm:else>
+            </dgm:choose>
+            <dgm:ruleLst>
+              <dgm:rule type="primFontSz" val="5" fact="NaN" max="NaN"/>
+            </dgm:ruleLst>
+          </dgm:layoutNode>
+        </dgm:layoutNode>
+        <dgm:forEach name="Name10" axis="ch" ptType="node" st="2">
+          <dgm:layoutNode name="comp">
+            <dgm:alg type="composite"/>
+            <dgm:shape xmlns:r="http://schemas.openxmlformats.org/officeDocument/2006/relationships" r:blip="">
+              <dgm:adjLst/>
+            </dgm:shape>
+            <dgm:presOf/>
+            <dgm:choose name="Name11">
+              <dgm:if name="Name12" func="var" arg="dir" op="equ" val="norm">
+                <dgm:constrLst>
+                  <dgm:constr type="l" for="ch" forName="child"/>
+                  <dgm:constr type="t" for="ch" forName="child"/>
+                  <dgm:constr type="w" for="ch" forName="child" refType="w"/>
+                  <dgm:constr type="h" for="ch" forName="child" refType="h"/>
+                  <dgm:constr type="l" for="ch" forName="childTx" refType="w" fact="0.16"/>
+                  <dgm:constr type="r" for="ch" forName="childTx" refType="w"/>
+                  <dgm:constr type="h" for="ch" forName="childTx" refFor="ch" refForName="child" op="equ"/>
+                </dgm:constrLst>
+              </dgm:if>
+              <dgm:else name="Name13">
+                <dgm:constrLst>
+                  <dgm:constr type="l" for="ch" forName="child"/>
+                  <dgm:constr type="t" for="ch" forName="child"/>
+                  <dgm:constr type="w" for="ch" forName="child" refType="w"/>
+                  <dgm:constr type="h" for="ch" forName="child" refType="h"/>
+                  <dgm:constr type="l" for="ch" forName="childTx"/>
+                  <dgm:constr type="r" for="ch" forName="childTx" refType="w" fact="0.825"/>
+                  <dgm:constr type="h" for="ch" forName="childTx" refFor="ch" refForName="child" op="equ"/>
+                </dgm:constrLst>
+              </dgm:else>
+            </dgm:choose>
+            <dgm:ruleLst/>
+            <dgm:layoutNode name="child" styleLbl="bgAccFollowNode1">
+              <dgm:alg type="sp"/>
+              <dgm:shape xmlns:r="http://schemas.openxmlformats.org/officeDocument/2006/relationships" type="rect" r:blip="">
+                <dgm:adjLst/>
+              </dgm:shape>
+              <dgm:presOf axis="desOrSelf" ptType="node"/>
+              <dgm:constrLst/>
+              <dgm:ruleLst/>
+            </dgm:layoutNode>
+            <dgm:layoutNode name="childTx" styleLbl="bgAccFollowNode1">
+              <dgm:varLst>
+                <dgm:bulletEnabled val="1"/>
+              </dgm:varLst>
+              <dgm:alg type="tx">
+                <dgm:param type="parTxLTRAlign" val="l"/>
+              </dgm:alg>
+              <dgm:shape xmlns:r="http://schemas.openxmlformats.org/officeDocument/2006/relationships" type="rect" r:blip="" hideGeom="1">
+                <dgm:adjLst/>
+              </dgm:shape>
+              <dgm:presOf axis="desOrSelf" ptType="node"/>
+              <dgm:choose name="Name14">
+                <dgm:if name="Name15" func="var" arg="dir" op="equ" val="norm">
+                  <dgm:constrLst>
+                    <dgm:constr type="primFontSz" val="65"/>
+                    <dgm:constr type="lMarg"/>
+                  </dgm:constrLst>
+                </dgm:if>
+                <dgm:else name="Name16">
+                  <dgm:constrLst>
+                    <dgm:constr type="primFontSz" val="65"/>
+                    <dgm:constr type="rMarg"/>
+                  </dgm:constrLst>
+                </dgm:else>
+              </dgm:choose>
+              <dgm:ruleLst>
+                <dgm:rule type="primFontSz" val="5" fact="NaN" max="NaN"/>
+              </dgm:ruleLst>
+            </dgm:layoutNode>
+          </dgm:layoutNode>
+        </dgm:forEach>
+      </dgm:layoutNode>
+      <dgm:layoutNode name="negSpace">
+        <dgm:alg type="sp"/>
+        <dgm:shape xmlns:r="http://schemas.openxmlformats.org/officeDocument/2006/relationships" r:blip="">
+          <dgm:adjLst/>
+        </dgm:shape>
+        <dgm:presOf/>
+        <dgm:constrLst/>
+        <dgm:ruleLst/>
+      </dgm:layoutNode>
+      <dgm:layoutNode name="circle" styleLbl="node1">
+        <dgm:alg type="tx"/>
+        <dgm:shape xmlns:r="http://schemas.openxmlformats.org/officeDocument/2006/relationships" type="ellipse" r:blip="">
+          <dgm:adjLst/>
+        </dgm:shape>
+        <dgm:presOf axis="self"/>
+        <dgm:constrLst>
+          <dgm:constr type="lMarg"/>
+          <dgm:constr type="rMarg"/>
+          <dgm:constr type="tMarg"/>
+          <dgm:constr type="bMarg"/>
+          <dgm:constr type="h" refType="w"/>
+        </dgm:constrLst>
+        <dgm:ruleLst>
+          <dgm:rule type="primFontSz" val="5" fact="NaN" max="NaN"/>
+        </dgm:ruleLst>
+      </dgm:layoutNode>
+      <dgm:forEach name="Name17" axis="followSib" ptType="sibTrans" cnt="1">
+        <dgm:layoutNode name="transSpace">
+          <dgm:alg type="sp"/>
+          <dgm:shape xmlns:r="http://schemas.openxmlformats.org/officeDocument/2006/relationships" r:blip="">
+            <dgm:adjLst/>
+          </dgm:shape>
+          <dgm:presOf/>
+          <dgm:constrLst/>
+          <dgm:ruleLst/>
+        </dgm:layoutNode>
+      </dgm:forEach>
+    </dgm:forEach>
+  </dgm:layoutNode>
+</dgm:layoutDef>
+</file>
+
+<file path=ppt/diagrams/layout3.xml><?xml version="1.0" encoding="utf-8"?>
 <dgm:layoutDef xmlns:dgm="http://schemas.openxmlformats.org/drawingml/2006/diagram" xmlns:a="http://schemas.openxmlformats.org/drawingml/2006/main" uniqueId="urn:microsoft.com/office/officeart/2008/layout/PictureStrips">
   <dgm:title val=""/>
   <dgm:desc val=""/>
@@ -10201,7 +12503,7 @@
 </dgm:layoutDef>
 </file>
 
-<file path=ppt/diagrams/layout3.xml><?xml version="1.0" encoding="utf-8"?>
+<file path=ppt/diagrams/layout4.xml><?xml version="1.0" encoding="utf-8"?>
 <dgm:layoutDef xmlns:dgm="http://schemas.openxmlformats.org/drawingml/2006/diagram" xmlns:a="http://schemas.openxmlformats.org/drawingml/2006/main" uniqueId="urn:microsoft.com/office/officeart/2005/8/layout/cycle5">
   <dgm:title val=""/>
   <dgm:desc val=""/>
@@ -10409,7 +12711,7 @@
 </dgm:layoutDef>
 </file>
 
-<file path=ppt/diagrams/layout4.xml><?xml version="1.0" encoding="utf-8"?>
+<file path=ppt/diagrams/layout5.xml><?xml version="1.0" encoding="utf-8"?>
 <dgm:layoutDef xmlns:dgm="http://schemas.openxmlformats.org/drawingml/2006/diagram" xmlns:a="http://schemas.openxmlformats.org/drawingml/2006/main" uniqueId="urn:microsoft.com/office/officeart/2005/8/layout/pyramid2">
   <dgm:title val=""/>
   <dgm:desc val=""/>
@@ -12607,6 +14909,1040 @@
 </file>
 
 <file path=ppt/diagrams/quickStyle3.xml><?xml version="1.0" encoding="utf-8"?>
+<dgm:styleDef xmlns:dgm="http://schemas.openxmlformats.org/drawingml/2006/diagram" xmlns:a="http://schemas.openxmlformats.org/drawingml/2006/main" uniqueId="urn:microsoft.com/office/officeart/2005/8/quickstyle/simple1">
+  <dgm:title val=""/>
+  <dgm:desc val=""/>
+  <dgm:catLst>
+    <dgm:cat type="simple" pri="10100"/>
+  </dgm:catLst>
+  <dgm:scene3d>
+    <a:camera prst="orthographicFront"/>
+    <a:lightRig rig="threePt" dir="t"/>
+  </dgm:scene3d>
+  <dgm:styleLbl name="node0">
+    <dgm:scene3d>
+      <a:camera prst="orthographicFront"/>
+      <a:lightRig rig="threePt" dir="t"/>
+    </dgm:scene3d>
+    <dgm:sp3d/>
+    <dgm:txPr/>
+    <dgm:style>
+      <a:lnRef idx="2">
+        <a:scrgbClr r="0" g="0" b="0"/>
+      </a:lnRef>
+      <a:fillRef idx="1">
+        <a:scrgbClr r="0" g="0" b="0"/>
+      </a:fillRef>
+      <a:effectRef idx="0">
+        <a:scrgbClr r="0" g="0" b="0"/>
+      </a:effectRef>
+      <a:fontRef idx="minor">
+        <a:schemeClr val="lt1"/>
+      </a:fontRef>
+    </dgm:style>
+  </dgm:styleLbl>
+  <dgm:styleLbl name="lnNode1">
+    <dgm:scene3d>
+      <a:camera prst="orthographicFront"/>
+      <a:lightRig rig="threePt" dir="t"/>
+    </dgm:scene3d>
+    <dgm:sp3d/>
+    <dgm:txPr/>
+    <dgm:style>
+      <a:lnRef idx="2">
+        <a:scrgbClr r="0" g="0" b="0"/>
+      </a:lnRef>
+      <a:fillRef idx="1">
+        <a:scrgbClr r="0" g="0" b="0"/>
+      </a:fillRef>
+      <a:effectRef idx="0">
+        <a:scrgbClr r="0" g="0" b="0"/>
+      </a:effectRef>
+      <a:fontRef idx="minor">
+        <a:schemeClr val="lt1"/>
+      </a:fontRef>
+    </dgm:style>
+  </dgm:styleLbl>
+  <dgm:styleLbl name="vennNode1">
+    <dgm:scene3d>
+      <a:camera prst="orthographicFront"/>
+      <a:lightRig rig="threePt" dir="t"/>
+    </dgm:scene3d>
+    <dgm:sp3d/>
+    <dgm:txPr/>
+    <dgm:style>
+      <a:lnRef idx="2">
+        <a:scrgbClr r="0" g="0" b="0"/>
+      </a:lnRef>
+      <a:fillRef idx="1">
+        <a:scrgbClr r="0" g="0" b="0"/>
+      </a:fillRef>
+      <a:effectRef idx="0">
+        <a:scrgbClr r="0" g="0" b="0"/>
+      </a:effectRef>
+      <a:fontRef idx="minor">
+        <a:schemeClr val="tx1"/>
+      </a:fontRef>
+    </dgm:style>
+  </dgm:styleLbl>
+  <dgm:styleLbl name="alignNode1">
+    <dgm:scene3d>
+      <a:camera prst="orthographicFront"/>
+      <a:lightRig rig="threePt" dir="t"/>
+    </dgm:scene3d>
+    <dgm:sp3d/>
+    <dgm:txPr/>
+    <dgm:style>
+      <a:lnRef idx="2">
+        <a:scrgbClr r="0" g="0" b="0"/>
+      </a:lnRef>
+      <a:fillRef idx="1">
+        <a:scrgbClr r="0" g="0" b="0"/>
+      </a:fillRef>
+      <a:effectRef idx="0">
+        <a:scrgbClr r="0" g="0" b="0"/>
+      </a:effectRef>
+      <a:fontRef idx="minor">
+        <a:schemeClr val="lt1"/>
+      </a:fontRef>
+    </dgm:style>
+  </dgm:styleLbl>
+  <dgm:styleLbl name="node1">
+    <dgm:scene3d>
+      <a:camera prst="orthographicFront"/>
+      <a:lightRig rig="threePt" dir="t"/>
+    </dgm:scene3d>
+    <dgm:sp3d/>
+    <dgm:txPr/>
+    <dgm:style>
+      <a:lnRef idx="2">
+        <a:scrgbClr r="0" g="0" b="0"/>
+      </a:lnRef>
+      <a:fillRef idx="1">
+        <a:scrgbClr r="0" g="0" b="0"/>
+      </a:fillRef>
+      <a:effectRef idx="0">
+        <a:scrgbClr r="0" g="0" b="0"/>
+      </a:effectRef>
+      <a:fontRef idx="minor">
+        <a:schemeClr val="lt1"/>
+      </a:fontRef>
+    </dgm:style>
+  </dgm:styleLbl>
+  <dgm:styleLbl name="node2">
+    <dgm:scene3d>
+      <a:camera prst="orthographicFront"/>
+      <a:lightRig rig="threePt" dir="t"/>
+    </dgm:scene3d>
+    <dgm:sp3d/>
+    <dgm:txPr/>
+    <dgm:style>
+      <a:lnRef idx="2">
+        <a:scrgbClr r="0" g="0" b="0"/>
+      </a:lnRef>
+      <a:fillRef idx="1">
+        <a:scrgbClr r="0" g="0" b="0"/>
+      </a:fillRef>
+      <a:effectRef idx="0">
+        <a:scrgbClr r="0" g="0" b="0"/>
+      </a:effectRef>
+      <a:fontRef idx="minor">
+        <a:schemeClr val="lt1"/>
+      </a:fontRef>
+    </dgm:style>
+  </dgm:styleLbl>
+  <dgm:styleLbl name="node3">
+    <dgm:scene3d>
+      <a:camera prst="orthographicFront"/>
+      <a:lightRig rig="threePt" dir="t"/>
+    </dgm:scene3d>
+    <dgm:sp3d/>
+    <dgm:txPr/>
+    <dgm:style>
+      <a:lnRef idx="2">
+        <a:scrgbClr r="0" g="0" b="0"/>
+      </a:lnRef>
+      <a:fillRef idx="1">
+        <a:scrgbClr r="0" g="0" b="0"/>
+      </a:fillRef>
+      <a:effectRef idx="0">
+        <a:scrgbClr r="0" g="0" b="0"/>
+      </a:effectRef>
+      <a:fontRef idx="minor">
+        <a:schemeClr val="lt1"/>
+      </a:fontRef>
+    </dgm:style>
+  </dgm:styleLbl>
+  <dgm:styleLbl name="node4">
+    <dgm:scene3d>
+      <a:camera prst="orthographicFront"/>
+      <a:lightRig rig="threePt" dir="t"/>
+    </dgm:scene3d>
+    <dgm:sp3d/>
+    <dgm:txPr/>
+    <dgm:style>
+      <a:lnRef idx="2">
+        <a:scrgbClr r="0" g="0" b="0"/>
+      </a:lnRef>
+      <a:fillRef idx="1">
+        <a:scrgbClr r="0" g="0" b="0"/>
+      </a:fillRef>
+      <a:effectRef idx="0">
+        <a:scrgbClr r="0" g="0" b="0"/>
+      </a:effectRef>
+      <a:fontRef idx="minor">
+        <a:schemeClr val="lt1"/>
+      </a:fontRef>
+    </dgm:style>
+  </dgm:styleLbl>
+  <dgm:styleLbl name="fgImgPlace1">
+    <dgm:scene3d>
+      <a:camera prst="orthographicFront"/>
+      <a:lightRig rig="threePt" dir="t"/>
+    </dgm:scene3d>
+    <dgm:sp3d/>
+    <dgm:txPr/>
+    <dgm:style>
+      <a:lnRef idx="2">
+        <a:scrgbClr r="0" g="0" b="0"/>
+      </a:lnRef>
+      <a:fillRef idx="1">
+        <a:scrgbClr r="0" g="0" b="0"/>
+      </a:fillRef>
+      <a:effectRef idx="0">
+        <a:scrgbClr r="0" g="0" b="0"/>
+      </a:effectRef>
+      <a:fontRef idx="minor"/>
+    </dgm:style>
+  </dgm:styleLbl>
+  <dgm:styleLbl name="alignImgPlace1">
+    <dgm:scene3d>
+      <a:camera prst="orthographicFront"/>
+      <a:lightRig rig="threePt" dir="t"/>
+    </dgm:scene3d>
+    <dgm:sp3d/>
+    <dgm:txPr/>
+    <dgm:style>
+      <a:lnRef idx="2">
+        <a:scrgbClr r="0" g="0" b="0"/>
+      </a:lnRef>
+      <a:fillRef idx="1">
+        <a:scrgbClr r="0" g="0" b="0"/>
+      </a:fillRef>
+      <a:effectRef idx="0">
+        <a:scrgbClr r="0" g="0" b="0"/>
+      </a:effectRef>
+      <a:fontRef idx="minor"/>
+    </dgm:style>
+  </dgm:styleLbl>
+  <dgm:styleLbl name="bgImgPlace1">
+    <dgm:scene3d>
+      <a:camera prst="orthographicFront"/>
+      <a:lightRig rig="threePt" dir="t"/>
+    </dgm:scene3d>
+    <dgm:sp3d/>
+    <dgm:txPr/>
+    <dgm:style>
+      <a:lnRef idx="2">
+        <a:scrgbClr r="0" g="0" b="0"/>
+      </a:lnRef>
+      <a:fillRef idx="1">
+        <a:scrgbClr r="0" g="0" b="0"/>
+      </a:fillRef>
+      <a:effectRef idx="0">
+        <a:scrgbClr r="0" g="0" b="0"/>
+      </a:effectRef>
+      <a:fontRef idx="minor"/>
+    </dgm:style>
+  </dgm:styleLbl>
+  <dgm:styleLbl name="sibTrans2D1">
+    <dgm:scene3d>
+      <a:camera prst="orthographicFront"/>
+      <a:lightRig rig="threePt" dir="t"/>
+    </dgm:scene3d>
+    <dgm:sp3d/>
+    <dgm:txPr/>
+    <dgm:style>
+      <a:lnRef idx="0">
+        <a:scrgbClr r="0" g="0" b="0"/>
+      </a:lnRef>
+      <a:fillRef idx="1">
+        <a:scrgbClr r="0" g="0" b="0"/>
+      </a:fillRef>
+      <a:effectRef idx="0">
+        <a:scrgbClr r="0" g="0" b="0"/>
+      </a:effectRef>
+      <a:fontRef idx="minor">
+        <a:schemeClr val="lt1"/>
+      </a:fontRef>
+    </dgm:style>
+  </dgm:styleLbl>
+  <dgm:styleLbl name="fgSibTrans2D1">
+    <dgm:scene3d>
+      <a:camera prst="orthographicFront"/>
+      <a:lightRig rig="threePt" dir="t"/>
+    </dgm:scene3d>
+    <dgm:sp3d/>
+    <dgm:txPr/>
+    <dgm:style>
+      <a:lnRef idx="0">
+        <a:scrgbClr r="0" g="0" b="0"/>
+      </a:lnRef>
+      <a:fillRef idx="1">
+        <a:scrgbClr r="0" g="0" b="0"/>
+      </a:fillRef>
+      <a:effectRef idx="0">
+        <a:scrgbClr r="0" g="0" b="0"/>
+      </a:effectRef>
+      <a:fontRef idx="minor">
+        <a:schemeClr val="lt1"/>
+      </a:fontRef>
+    </dgm:style>
+  </dgm:styleLbl>
+  <dgm:styleLbl name="bgSibTrans2D1">
+    <dgm:scene3d>
+      <a:camera prst="orthographicFront"/>
+      <a:lightRig rig="threePt" dir="t"/>
+    </dgm:scene3d>
+    <dgm:sp3d/>
+    <dgm:txPr/>
+    <dgm:style>
+      <a:lnRef idx="0">
+        <a:scrgbClr r="0" g="0" b="0"/>
+      </a:lnRef>
+      <a:fillRef idx="1">
+        <a:scrgbClr r="0" g="0" b="0"/>
+      </a:fillRef>
+      <a:effectRef idx="0">
+        <a:scrgbClr r="0" g="0" b="0"/>
+      </a:effectRef>
+      <a:fontRef idx="minor">
+        <a:schemeClr val="lt1"/>
+      </a:fontRef>
+    </dgm:style>
+  </dgm:styleLbl>
+  <dgm:styleLbl name="sibTrans1D1">
+    <dgm:scene3d>
+      <a:camera prst="orthographicFront"/>
+      <a:lightRig rig="threePt" dir="t"/>
+    </dgm:scene3d>
+    <dgm:sp3d/>
+    <dgm:txPr/>
+    <dgm:style>
+      <a:lnRef idx="1">
+        <a:scrgbClr r="0" g="0" b="0"/>
+      </a:lnRef>
+      <a:fillRef idx="0">
+        <a:scrgbClr r="0" g="0" b="0"/>
+      </a:fillRef>
+      <a:effectRef idx="0">
+        <a:scrgbClr r="0" g="0" b="0"/>
+      </a:effectRef>
+      <a:fontRef idx="minor"/>
+    </dgm:style>
+  </dgm:styleLbl>
+  <dgm:styleLbl name="callout">
+    <dgm:scene3d>
+      <a:camera prst="orthographicFront"/>
+      <a:lightRig rig="threePt" dir="t"/>
+    </dgm:scene3d>
+    <dgm:sp3d/>
+    <dgm:txPr/>
+    <dgm:style>
+      <a:lnRef idx="2">
+        <a:scrgbClr r="0" g="0" b="0"/>
+      </a:lnRef>
+      <a:fillRef idx="1">
+        <a:scrgbClr r="0" g="0" b="0"/>
+      </a:fillRef>
+      <a:effectRef idx="0">
+        <a:scrgbClr r="0" g="0" b="0"/>
+      </a:effectRef>
+      <a:fontRef idx="minor"/>
+    </dgm:style>
+  </dgm:styleLbl>
+  <dgm:styleLbl name="asst0">
+    <dgm:scene3d>
+      <a:camera prst="orthographicFront"/>
+      <a:lightRig rig="threePt" dir="t"/>
+    </dgm:scene3d>
+    <dgm:sp3d/>
+    <dgm:txPr/>
+    <dgm:style>
+      <a:lnRef idx="2">
+        <a:scrgbClr r="0" g="0" b="0"/>
+      </a:lnRef>
+      <a:fillRef idx="1">
+        <a:scrgbClr r="0" g="0" b="0"/>
+      </a:fillRef>
+      <a:effectRef idx="0">
+        <a:scrgbClr r="0" g="0" b="0"/>
+      </a:effectRef>
+      <a:fontRef idx="minor">
+        <a:schemeClr val="lt1"/>
+      </a:fontRef>
+    </dgm:style>
+  </dgm:styleLbl>
+  <dgm:styleLbl name="asst1">
+    <dgm:scene3d>
+      <a:camera prst="orthographicFront"/>
+      <a:lightRig rig="threePt" dir="t"/>
+    </dgm:scene3d>
+    <dgm:sp3d/>
+    <dgm:txPr/>
+    <dgm:style>
+      <a:lnRef idx="2">
+        <a:scrgbClr r="0" g="0" b="0"/>
+      </a:lnRef>
+      <a:fillRef idx="1">
+        <a:scrgbClr r="0" g="0" b="0"/>
+      </a:fillRef>
+      <a:effectRef idx="0">
+        <a:scrgbClr r="0" g="0" b="0"/>
+      </a:effectRef>
+      <a:fontRef idx="minor">
+        <a:schemeClr val="lt1"/>
+      </a:fontRef>
+    </dgm:style>
+  </dgm:styleLbl>
+  <dgm:styleLbl name="asst2">
+    <dgm:scene3d>
+      <a:camera prst="orthographicFront"/>
+      <a:lightRig rig="threePt" dir="t"/>
+    </dgm:scene3d>
+    <dgm:sp3d/>
+    <dgm:txPr/>
+    <dgm:style>
+      <a:lnRef idx="2">
+        <a:scrgbClr r="0" g="0" b="0"/>
+      </a:lnRef>
+      <a:fillRef idx="1">
+        <a:scrgbClr r="0" g="0" b="0"/>
+      </a:fillRef>
+      <a:effectRef idx="0">
+        <a:scrgbClr r="0" g="0" b="0"/>
+      </a:effectRef>
+      <a:fontRef idx="minor">
+        <a:schemeClr val="lt1"/>
+      </a:fontRef>
+    </dgm:style>
+  </dgm:styleLbl>
+  <dgm:styleLbl name="asst3">
+    <dgm:scene3d>
+      <a:camera prst="orthographicFront"/>
+      <a:lightRig rig="threePt" dir="t"/>
+    </dgm:scene3d>
+    <dgm:sp3d/>
+    <dgm:txPr/>
+    <dgm:style>
+      <a:lnRef idx="2">
+        <a:scrgbClr r="0" g="0" b="0"/>
+      </a:lnRef>
+      <a:fillRef idx="1">
+        <a:scrgbClr r="0" g="0" b="0"/>
+      </a:fillRef>
+      <a:effectRef idx="0">
+        <a:scrgbClr r="0" g="0" b="0"/>
+      </a:effectRef>
+      <a:fontRef idx="minor">
+        <a:schemeClr val="lt1"/>
+      </a:fontRef>
+    </dgm:style>
+  </dgm:styleLbl>
+  <dgm:styleLbl name="asst4">
+    <dgm:scene3d>
+      <a:camera prst="orthographicFront"/>
+      <a:lightRig rig="threePt" dir="t"/>
+    </dgm:scene3d>
+    <dgm:sp3d/>
+    <dgm:txPr/>
+    <dgm:style>
+      <a:lnRef idx="2">
+        <a:scrgbClr r="0" g="0" b="0"/>
+      </a:lnRef>
+      <a:fillRef idx="1">
+        <a:scrgbClr r="0" g="0" b="0"/>
+      </a:fillRef>
+      <a:effectRef idx="0">
+        <a:scrgbClr r="0" g="0" b="0"/>
+      </a:effectRef>
+      <a:fontRef idx="minor">
+        <a:schemeClr val="lt1"/>
+      </a:fontRef>
+    </dgm:style>
+  </dgm:styleLbl>
+  <dgm:styleLbl name="parChTrans2D1">
+    <dgm:scene3d>
+      <a:camera prst="orthographicFront"/>
+      <a:lightRig rig="threePt" dir="t"/>
+    </dgm:scene3d>
+    <dgm:sp3d/>
+    <dgm:txPr/>
+    <dgm:style>
+      <a:lnRef idx="2">
+        <a:scrgbClr r="0" g="0" b="0"/>
+      </a:lnRef>
+      <a:fillRef idx="1">
+        <a:scrgbClr r="0" g="0" b="0"/>
+      </a:fillRef>
+      <a:effectRef idx="0">
+        <a:scrgbClr r="0" g="0" b="0"/>
+      </a:effectRef>
+      <a:fontRef idx="minor">
+        <a:schemeClr val="lt1"/>
+      </a:fontRef>
+    </dgm:style>
+  </dgm:styleLbl>
+  <dgm:styleLbl name="parChTrans2D2">
+    <dgm:scene3d>
+      <a:camera prst="orthographicFront"/>
+      <a:lightRig rig="threePt" dir="t"/>
+    </dgm:scene3d>
+    <dgm:sp3d/>
+    <dgm:txPr/>
+    <dgm:style>
+      <a:lnRef idx="2">
+        <a:scrgbClr r="0" g="0" b="0"/>
+      </a:lnRef>
+      <a:fillRef idx="1">
+        <a:scrgbClr r="0" g="0" b="0"/>
+      </a:fillRef>
+      <a:effectRef idx="0">
+        <a:scrgbClr r="0" g="0" b="0"/>
+      </a:effectRef>
+      <a:fontRef idx="minor">
+        <a:schemeClr val="lt1"/>
+      </a:fontRef>
+    </dgm:style>
+  </dgm:styleLbl>
+  <dgm:styleLbl name="parChTrans2D3">
+    <dgm:scene3d>
+      <a:camera prst="orthographicFront"/>
+      <a:lightRig rig="threePt" dir="t"/>
+    </dgm:scene3d>
+    <dgm:sp3d/>
+    <dgm:txPr/>
+    <dgm:style>
+      <a:lnRef idx="2">
+        <a:scrgbClr r="0" g="0" b="0"/>
+      </a:lnRef>
+      <a:fillRef idx="1">
+        <a:scrgbClr r="0" g="0" b="0"/>
+      </a:fillRef>
+      <a:effectRef idx="0">
+        <a:scrgbClr r="0" g="0" b="0"/>
+      </a:effectRef>
+      <a:fontRef idx="minor">
+        <a:schemeClr val="lt1"/>
+      </a:fontRef>
+    </dgm:style>
+  </dgm:styleLbl>
+  <dgm:styleLbl name="parChTrans2D4">
+    <dgm:scene3d>
+      <a:camera prst="orthographicFront"/>
+      <a:lightRig rig="threePt" dir="t"/>
+    </dgm:scene3d>
+    <dgm:sp3d/>
+    <dgm:txPr/>
+    <dgm:style>
+      <a:lnRef idx="2">
+        <a:scrgbClr r="0" g="0" b="0"/>
+      </a:lnRef>
+      <a:fillRef idx="1">
+        <a:scrgbClr r="0" g="0" b="0"/>
+      </a:fillRef>
+      <a:effectRef idx="0">
+        <a:scrgbClr r="0" g="0" b="0"/>
+      </a:effectRef>
+      <a:fontRef idx="minor">
+        <a:schemeClr val="lt1"/>
+      </a:fontRef>
+    </dgm:style>
+  </dgm:styleLbl>
+  <dgm:styleLbl name="parChTrans1D1">
+    <dgm:scene3d>
+      <a:camera prst="orthographicFront"/>
+      <a:lightRig rig="threePt" dir="t"/>
+    </dgm:scene3d>
+    <dgm:sp3d/>
+    <dgm:txPr/>
+    <dgm:style>
+      <a:lnRef idx="2">
+        <a:scrgbClr r="0" g="0" b="0"/>
+      </a:lnRef>
+      <a:fillRef idx="0">
+        <a:scrgbClr r="0" g="0" b="0"/>
+      </a:fillRef>
+      <a:effectRef idx="0">
+        <a:scrgbClr r="0" g="0" b="0"/>
+      </a:effectRef>
+      <a:fontRef idx="minor"/>
+    </dgm:style>
+  </dgm:styleLbl>
+  <dgm:styleLbl name="parChTrans1D2">
+    <dgm:scene3d>
+      <a:camera prst="orthographicFront"/>
+      <a:lightRig rig="threePt" dir="t"/>
+    </dgm:scene3d>
+    <dgm:sp3d/>
+    <dgm:txPr/>
+    <dgm:style>
+      <a:lnRef idx="2">
+        <a:scrgbClr r="0" g="0" b="0"/>
+      </a:lnRef>
+      <a:fillRef idx="0">
+        <a:scrgbClr r="0" g="0" b="0"/>
+      </a:fillRef>
+      <a:effectRef idx="0">
+        <a:scrgbClr r="0" g="0" b="0"/>
+      </a:effectRef>
+      <a:fontRef idx="minor"/>
+    </dgm:style>
+  </dgm:styleLbl>
+  <dgm:styleLbl name="parChTrans1D3">
+    <dgm:scene3d>
+      <a:camera prst="orthographicFront"/>
+      <a:lightRig rig="threePt" dir="t"/>
+    </dgm:scene3d>
+    <dgm:sp3d/>
+    <dgm:txPr/>
+    <dgm:style>
+      <a:lnRef idx="2">
+        <a:scrgbClr r="0" g="0" b="0"/>
+      </a:lnRef>
+      <a:fillRef idx="0">
+        <a:scrgbClr r="0" g="0" b="0"/>
+      </a:fillRef>
+      <a:effectRef idx="0">
+        <a:scrgbClr r="0" g="0" b="0"/>
+      </a:effectRef>
+      <a:fontRef idx="minor"/>
+    </dgm:style>
+  </dgm:styleLbl>
+  <dgm:styleLbl name="parChTrans1D4">
+    <dgm:scene3d>
+      <a:camera prst="orthographicFront"/>
+      <a:lightRig rig="threePt" dir="t"/>
+    </dgm:scene3d>
+    <dgm:sp3d/>
+    <dgm:txPr/>
+    <dgm:style>
+      <a:lnRef idx="2">
+        <a:scrgbClr r="0" g="0" b="0"/>
+      </a:lnRef>
+      <a:fillRef idx="0">
+        <a:scrgbClr r="0" g="0" b="0"/>
+      </a:fillRef>
+      <a:effectRef idx="0">
+        <a:scrgbClr r="0" g="0" b="0"/>
+      </a:effectRef>
+      <a:fontRef idx="minor"/>
+    </dgm:style>
+  </dgm:styleLbl>
+  <dgm:styleLbl name="fgAcc1">
+    <dgm:scene3d>
+      <a:camera prst="orthographicFront"/>
+      <a:lightRig rig="threePt" dir="t"/>
+    </dgm:scene3d>
+    <dgm:sp3d/>
+    <dgm:txPr/>
+    <dgm:style>
+      <a:lnRef idx="2">
+        <a:scrgbClr r="0" g="0" b="0"/>
+      </a:lnRef>
+      <a:fillRef idx="1">
+        <a:scrgbClr r="0" g="0" b="0"/>
+      </a:fillRef>
+      <a:effectRef idx="0">
+        <a:scrgbClr r="0" g="0" b="0"/>
+      </a:effectRef>
+      <a:fontRef idx="minor"/>
+    </dgm:style>
+  </dgm:styleLbl>
+  <dgm:styleLbl name="conFgAcc1">
+    <dgm:scene3d>
+      <a:camera prst="orthographicFront"/>
+      <a:lightRig rig="threePt" dir="t"/>
+    </dgm:scene3d>
+    <dgm:sp3d/>
+    <dgm:txPr/>
+    <dgm:style>
+      <a:lnRef idx="2">
+        <a:scrgbClr r="0" g="0" b="0"/>
+      </a:lnRef>
+      <a:fillRef idx="1">
+        <a:scrgbClr r="0" g="0" b="0"/>
+      </a:fillRef>
+      <a:effectRef idx="0">
+        <a:scrgbClr r="0" g="0" b="0"/>
+      </a:effectRef>
+      <a:fontRef idx="minor"/>
+    </dgm:style>
+  </dgm:styleLbl>
+  <dgm:styleLbl name="alignAcc1">
+    <dgm:scene3d>
+      <a:camera prst="orthographicFront"/>
+      <a:lightRig rig="threePt" dir="t"/>
+    </dgm:scene3d>
+    <dgm:sp3d/>
+    <dgm:txPr/>
+    <dgm:style>
+      <a:lnRef idx="2">
+        <a:scrgbClr r="0" g="0" b="0"/>
+      </a:lnRef>
+      <a:fillRef idx="1">
+        <a:scrgbClr r="0" g="0" b="0"/>
+      </a:fillRef>
+      <a:effectRef idx="0">
+        <a:scrgbClr r="0" g="0" b="0"/>
+      </a:effectRef>
+      <a:fontRef idx="minor"/>
+    </dgm:style>
+  </dgm:styleLbl>
+  <dgm:styleLbl name="trAlignAcc1">
+    <dgm:scene3d>
+      <a:camera prst="orthographicFront"/>
+      <a:lightRig rig="threePt" dir="t"/>
+    </dgm:scene3d>
+    <dgm:sp3d/>
+    <dgm:txPr/>
+    <dgm:style>
+      <a:lnRef idx="1">
+        <a:scrgbClr r="0" g="0" b="0"/>
+      </a:lnRef>
+      <a:fillRef idx="1">
+        <a:scrgbClr r="0" g="0" b="0"/>
+      </a:fillRef>
+      <a:effectRef idx="0">
+        <a:scrgbClr r="0" g="0" b="0"/>
+      </a:effectRef>
+      <a:fontRef idx="minor"/>
+    </dgm:style>
+  </dgm:styleLbl>
+  <dgm:styleLbl name="bgAcc1">
+    <dgm:scene3d>
+      <a:camera prst="orthographicFront"/>
+      <a:lightRig rig="threePt" dir="t"/>
+    </dgm:scene3d>
+    <dgm:sp3d/>
+    <dgm:txPr/>
+    <dgm:style>
+      <a:lnRef idx="2">
+        <a:scrgbClr r="0" g="0" b="0"/>
+      </a:lnRef>
+      <a:fillRef idx="1">
+        <a:scrgbClr r="0" g="0" b="0"/>
+      </a:fillRef>
+      <a:effectRef idx="0">
+        <a:scrgbClr r="0" g="0" b="0"/>
+      </a:effectRef>
+      <a:fontRef idx="minor"/>
+    </dgm:style>
+  </dgm:styleLbl>
+  <dgm:styleLbl name="solidFgAcc1">
+    <dgm:scene3d>
+      <a:camera prst="orthographicFront"/>
+      <a:lightRig rig="threePt" dir="t"/>
+    </dgm:scene3d>
+    <dgm:sp3d/>
+    <dgm:txPr/>
+    <dgm:style>
+      <a:lnRef idx="2">
+        <a:scrgbClr r="0" g="0" b="0"/>
+      </a:lnRef>
+      <a:fillRef idx="1">
+        <a:scrgbClr r="0" g="0" b="0"/>
+      </a:fillRef>
+      <a:effectRef idx="0">
+        <a:scrgbClr r="0" g="0" b="0"/>
+      </a:effectRef>
+      <a:fontRef idx="minor"/>
+    </dgm:style>
+  </dgm:styleLbl>
+  <dgm:styleLbl name="solidAlignAcc1">
+    <dgm:scene3d>
+      <a:camera prst="orthographicFront"/>
+      <a:lightRig rig="threePt" dir="t"/>
+    </dgm:scene3d>
+    <dgm:sp3d/>
+    <dgm:txPr/>
+    <dgm:style>
+      <a:lnRef idx="2">
+        <a:scrgbClr r="0" g="0" b="0"/>
+      </a:lnRef>
+      <a:fillRef idx="1">
+        <a:scrgbClr r="0" g="0" b="0"/>
+      </a:fillRef>
+      <a:effectRef idx="0">
+        <a:scrgbClr r="0" g="0" b="0"/>
+      </a:effectRef>
+      <a:fontRef idx="minor"/>
+    </dgm:style>
+  </dgm:styleLbl>
+  <dgm:styleLbl name="solidBgAcc1">
+    <dgm:scene3d>
+      <a:camera prst="orthographicFront"/>
+      <a:lightRig rig="threePt" dir="t"/>
+    </dgm:scene3d>
+    <dgm:sp3d/>
+    <dgm:txPr/>
+    <dgm:style>
+      <a:lnRef idx="2">
+        <a:scrgbClr r="0" g="0" b="0"/>
+      </a:lnRef>
+      <a:fillRef idx="1">
+        <a:scrgbClr r="0" g="0" b="0"/>
+      </a:fillRef>
+      <a:effectRef idx="0">
+        <a:scrgbClr r="0" g="0" b="0"/>
+      </a:effectRef>
+      <a:fontRef idx="minor"/>
+    </dgm:style>
+  </dgm:styleLbl>
+  <dgm:styleLbl name="fgAccFollowNode1">
+    <dgm:scene3d>
+      <a:camera prst="orthographicFront"/>
+      <a:lightRig rig="threePt" dir="t"/>
+    </dgm:scene3d>
+    <dgm:sp3d/>
+    <dgm:txPr/>
+    <dgm:style>
+      <a:lnRef idx="2">
+        <a:scrgbClr r="0" g="0" b="0"/>
+      </a:lnRef>
+      <a:fillRef idx="1">
+        <a:scrgbClr r="0" g="0" b="0"/>
+      </a:fillRef>
+      <a:effectRef idx="0">
+        <a:scrgbClr r="0" g="0" b="0"/>
+      </a:effectRef>
+      <a:fontRef idx="minor"/>
+    </dgm:style>
+  </dgm:styleLbl>
+  <dgm:styleLbl name="alignAccFollowNode1">
+    <dgm:scene3d>
+      <a:camera prst="orthographicFront"/>
+      <a:lightRig rig="threePt" dir="t"/>
+    </dgm:scene3d>
+    <dgm:sp3d/>
+    <dgm:txPr/>
+    <dgm:style>
+      <a:lnRef idx="2">
+        <a:scrgbClr r="0" g="0" b="0"/>
+      </a:lnRef>
+      <a:fillRef idx="1">
+        <a:scrgbClr r="0" g="0" b="0"/>
+      </a:fillRef>
+      <a:effectRef idx="0">
+        <a:scrgbClr r="0" g="0" b="0"/>
+      </a:effectRef>
+      <a:fontRef idx="minor"/>
+    </dgm:style>
+  </dgm:styleLbl>
+  <dgm:styleLbl name="bgAccFollowNode1">
+    <dgm:scene3d>
+      <a:camera prst="orthographicFront"/>
+      <a:lightRig rig="threePt" dir="t"/>
+    </dgm:scene3d>
+    <dgm:sp3d/>
+    <dgm:txPr/>
+    <dgm:style>
+      <a:lnRef idx="2">
+        <a:scrgbClr r="0" g="0" b="0"/>
+      </a:lnRef>
+      <a:fillRef idx="1">
+        <a:scrgbClr r="0" g="0" b="0"/>
+      </a:fillRef>
+      <a:effectRef idx="0">
+        <a:scrgbClr r="0" g="0" b="0"/>
+      </a:effectRef>
+      <a:fontRef idx="minor"/>
+    </dgm:style>
+  </dgm:styleLbl>
+  <dgm:styleLbl name="fgAcc0">
+    <dgm:scene3d>
+      <a:camera prst="orthographicFront"/>
+      <a:lightRig rig="threePt" dir="t"/>
+    </dgm:scene3d>
+    <dgm:sp3d/>
+    <dgm:txPr/>
+    <dgm:style>
+      <a:lnRef idx="2">
+        <a:scrgbClr r="0" g="0" b="0"/>
+      </a:lnRef>
+      <a:fillRef idx="1">
+        <a:scrgbClr r="0" g="0" b="0"/>
+      </a:fillRef>
+      <a:effectRef idx="0">
+        <a:scrgbClr r="0" g="0" b="0"/>
+      </a:effectRef>
+      <a:fontRef idx="minor"/>
+    </dgm:style>
+  </dgm:styleLbl>
+  <dgm:styleLbl name="fgAcc2">
+    <dgm:scene3d>
+      <a:camera prst="orthographicFront"/>
+      <a:lightRig rig="threePt" dir="t"/>
+    </dgm:scene3d>
+    <dgm:sp3d/>
+    <dgm:txPr/>
+    <dgm:style>
+      <a:lnRef idx="2">
+        <a:scrgbClr r="0" g="0" b="0"/>
+      </a:lnRef>
+      <a:fillRef idx="1">
+        <a:scrgbClr r="0" g="0" b="0"/>
+      </a:fillRef>
+      <a:effectRef idx="0">
+        <a:scrgbClr r="0" g="0" b="0"/>
+      </a:effectRef>
+      <a:fontRef idx="minor"/>
+    </dgm:style>
+  </dgm:styleLbl>
+  <dgm:styleLbl name="fgAcc3">
+    <dgm:scene3d>
+      <a:camera prst="orthographicFront"/>
+      <a:lightRig rig="threePt" dir="t"/>
+    </dgm:scene3d>
+    <dgm:sp3d/>
+    <dgm:txPr/>
+    <dgm:style>
+      <a:lnRef idx="2">
+        <a:scrgbClr r="0" g="0" b="0"/>
+      </a:lnRef>
+      <a:fillRef idx="1">
+        <a:scrgbClr r="0" g="0" b="0"/>
+      </a:fillRef>
+      <a:effectRef idx="0">
+        <a:scrgbClr r="0" g="0" b="0"/>
+      </a:effectRef>
+      <a:fontRef idx="minor"/>
+    </dgm:style>
+  </dgm:styleLbl>
+  <dgm:styleLbl name="fgAcc4">
+    <dgm:scene3d>
+      <a:camera prst="orthographicFront"/>
+      <a:lightRig rig="threePt" dir="t"/>
+    </dgm:scene3d>
+    <dgm:sp3d/>
+    <dgm:txPr/>
+    <dgm:style>
+      <a:lnRef idx="2">
+        <a:scrgbClr r="0" g="0" b="0"/>
+      </a:lnRef>
+      <a:fillRef idx="1">
+        <a:scrgbClr r="0" g="0" b="0"/>
+      </a:fillRef>
+      <a:effectRef idx="0">
+        <a:scrgbClr r="0" g="0" b="0"/>
+      </a:effectRef>
+      <a:fontRef idx="minor"/>
+    </dgm:style>
+  </dgm:styleLbl>
+  <dgm:styleLbl name="bgShp">
+    <dgm:scene3d>
+      <a:camera prst="orthographicFront"/>
+      <a:lightRig rig="threePt" dir="t"/>
+    </dgm:scene3d>
+    <dgm:sp3d/>
+    <dgm:txPr/>
+    <dgm:style>
+      <a:lnRef idx="0">
+        <a:scrgbClr r="0" g="0" b="0"/>
+      </a:lnRef>
+      <a:fillRef idx="1">
+        <a:scrgbClr r="0" g="0" b="0"/>
+      </a:fillRef>
+      <a:effectRef idx="0">
+        <a:scrgbClr r="0" g="0" b="0"/>
+      </a:effectRef>
+      <a:fontRef idx="minor"/>
+    </dgm:style>
+  </dgm:styleLbl>
+  <dgm:styleLbl name="dkBgShp">
+    <dgm:scene3d>
+      <a:camera prst="orthographicFront"/>
+      <a:lightRig rig="threePt" dir="t"/>
+    </dgm:scene3d>
+    <dgm:sp3d/>
+    <dgm:txPr/>
+    <dgm:style>
+      <a:lnRef idx="0">
+        <a:scrgbClr r="0" g="0" b="0"/>
+      </a:lnRef>
+      <a:fillRef idx="1">
+        <a:scrgbClr r="0" g="0" b="0"/>
+      </a:fillRef>
+      <a:effectRef idx="0">
+        <a:scrgbClr r="0" g="0" b="0"/>
+      </a:effectRef>
+      <a:fontRef idx="minor"/>
+    </dgm:style>
+  </dgm:styleLbl>
+  <dgm:styleLbl name="trBgShp">
+    <dgm:scene3d>
+      <a:camera prst="orthographicFront"/>
+      <a:lightRig rig="threePt" dir="t"/>
+    </dgm:scene3d>
+    <dgm:sp3d/>
+    <dgm:txPr/>
+    <dgm:style>
+      <a:lnRef idx="0">
+        <a:scrgbClr r="0" g="0" b="0"/>
+      </a:lnRef>
+      <a:fillRef idx="1">
+        <a:scrgbClr r="0" g="0" b="0"/>
+      </a:fillRef>
+      <a:effectRef idx="0">
+        <a:scrgbClr r="0" g="0" b="0"/>
+      </a:effectRef>
+      <a:fontRef idx="minor"/>
+    </dgm:style>
+  </dgm:styleLbl>
+  <dgm:styleLbl name="fgShp">
+    <dgm:scene3d>
+      <a:camera prst="orthographicFront"/>
+      <a:lightRig rig="threePt" dir="t"/>
+    </dgm:scene3d>
+    <dgm:sp3d/>
+    <dgm:txPr/>
+    <dgm:style>
+      <a:lnRef idx="2">
+        <a:scrgbClr r="0" g="0" b="0"/>
+      </a:lnRef>
+      <a:fillRef idx="1">
+        <a:scrgbClr r="0" g="0" b="0"/>
+      </a:fillRef>
+      <a:effectRef idx="0">
+        <a:scrgbClr r="0" g="0" b="0"/>
+      </a:effectRef>
+      <a:fontRef idx="minor"/>
+    </dgm:style>
+  </dgm:styleLbl>
+  <dgm:styleLbl name="revTx">
+    <dgm:scene3d>
+      <a:camera prst="orthographicFront"/>
+      <a:lightRig rig="threePt" dir="t"/>
+    </dgm:scene3d>
+    <dgm:sp3d/>
+    <dgm:txPr/>
+    <dgm:style>
+      <a:lnRef idx="0">
+        <a:scrgbClr r="0" g="0" b="0"/>
+      </a:lnRef>
+      <a:fillRef idx="0">
+        <a:scrgbClr r="0" g="0" b="0"/>
+      </a:fillRef>
+      <a:effectRef idx="0">
+        <a:scrgbClr r="0" g="0" b="0"/>
+      </a:effectRef>
+      <a:fontRef idx="minor"/>
+    </dgm:style>
+  </dgm:styleLbl>
+</dgm:styleDef>
+</file>
+
+<file path=ppt/diagrams/quickStyle4.xml><?xml version="1.0" encoding="utf-8"?>
 <dgm:styleDef xmlns:dgm="http://schemas.openxmlformats.org/drawingml/2006/diagram" xmlns:a="http://schemas.openxmlformats.org/drawingml/2006/main" uniqueId="urn:microsoft.com/office/officeart/2005/8/quickstyle/simple3">
   <dgm:title val=""/>
   <dgm:desc val=""/>
@@ -13666,7 +17002,7 @@
 </dgm:styleDef>
 </file>
 
-<file path=ppt/diagrams/quickStyle4.xml><?xml version="1.0" encoding="utf-8"?>
+<file path=ppt/diagrams/quickStyle5.xml><?xml version="1.0" encoding="utf-8"?>
 <dgm:styleDef xmlns:dgm="http://schemas.openxmlformats.org/drawingml/2006/diagram" xmlns:a="http://schemas.openxmlformats.org/drawingml/2006/main" uniqueId="urn:microsoft.com/office/officeart/2005/8/quickstyle/simple1">
   <dgm:title val=""/>
   <dgm:desc val=""/>
@@ -14782,7 +18118,7 @@
           <a:p>
             <a:fld id="{6C221AE3-2EA3-414F-B0D4-EF9EF6F6D40F}" type="datetimeFigureOut">
               <a:rPr lang="en-US" smtClean="0"/>
-              <a:t>7/17/2024</a:t>
+              <a:t>7/19/2024</a:t>
             </a:fld>
             <a:endParaRPr lang="en-US"/>
           </a:p>
@@ -15283,7 +18619,7 @@
           <a:p>
             <a:fld id="{54B74EF1-788F-47AB-9414-B0E30AA5E1A3}" type="datetimeFigureOut">
               <a:rPr lang="en-US" smtClean="0"/>
-              <a:t>7/17/2024</a:t>
+              <a:t>7/19/2024</a:t>
             </a:fld>
             <a:endParaRPr lang="en-US"/>
           </a:p>
@@ -15483,7 +18819,7 @@
           <a:p>
             <a:fld id="{54B74EF1-788F-47AB-9414-B0E30AA5E1A3}" type="datetimeFigureOut">
               <a:rPr lang="en-US" smtClean="0"/>
-              <a:t>7/17/2024</a:t>
+              <a:t>7/19/2024</a:t>
             </a:fld>
             <a:endParaRPr lang="en-US"/>
           </a:p>
@@ -15693,7 +19029,7 @@
           <a:p>
             <a:fld id="{54B74EF1-788F-47AB-9414-B0E30AA5E1A3}" type="datetimeFigureOut">
               <a:rPr lang="en-US" smtClean="0"/>
-              <a:t>7/17/2024</a:t>
+              <a:t>7/19/2024</a:t>
             </a:fld>
             <a:endParaRPr lang="en-US"/>
           </a:p>
@@ -15893,7 +19229,7 @@
           <a:p>
             <a:fld id="{54B74EF1-788F-47AB-9414-B0E30AA5E1A3}" type="datetimeFigureOut">
               <a:rPr lang="en-US" smtClean="0"/>
-              <a:t>7/17/2024</a:t>
+              <a:t>7/19/2024</a:t>
             </a:fld>
             <a:endParaRPr lang="en-US"/>
           </a:p>
@@ -16169,7 +19505,7 @@
           <a:p>
             <a:fld id="{54B74EF1-788F-47AB-9414-B0E30AA5E1A3}" type="datetimeFigureOut">
               <a:rPr lang="en-US" smtClean="0"/>
-              <a:t>7/17/2024</a:t>
+              <a:t>7/19/2024</a:t>
             </a:fld>
             <a:endParaRPr lang="en-US"/>
           </a:p>
@@ -16437,7 +19773,7 @@
           <a:p>
             <a:fld id="{54B74EF1-788F-47AB-9414-B0E30AA5E1A3}" type="datetimeFigureOut">
               <a:rPr lang="en-US" smtClean="0"/>
-              <a:t>7/17/2024</a:t>
+              <a:t>7/19/2024</a:t>
             </a:fld>
             <a:endParaRPr lang="en-US"/>
           </a:p>
@@ -16852,7 +20188,7 @@
           <a:p>
             <a:fld id="{54B74EF1-788F-47AB-9414-B0E30AA5E1A3}" type="datetimeFigureOut">
               <a:rPr lang="en-US" smtClean="0"/>
-              <a:t>7/17/2024</a:t>
+              <a:t>7/19/2024</a:t>
             </a:fld>
             <a:endParaRPr lang="en-US"/>
           </a:p>
@@ -16994,7 +20330,7 @@
           <a:p>
             <a:fld id="{54B74EF1-788F-47AB-9414-B0E30AA5E1A3}" type="datetimeFigureOut">
               <a:rPr lang="en-US" smtClean="0"/>
-              <a:t>7/17/2024</a:t>
+              <a:t>7/19/2024</a:t>
             </a:fld>
             <a:endParaRPr lang="en-US"/>
           </a:p>
@@ -17107,7 +20443,7 @@
           <a:p>
             <a:fld id="{54B74EF1-788F-47AB-9414-B0E30AA5E1A3}" type="datetimeFigureOut">
               <a:rPr lang="en-US" smtClean="0"/>
-              <a:t>7/17/2024</a:t>
+              <a:t>7/19/2024</a:t>
             </a:fld>
             <a:endParaRPr lang="en-US"/>
           </a:p>
@@ -17420,7 +20756,7 @@
           <a:p>
             <a:fld id="{54B74EF1-788F-47AB-9414-B0E30AA5E1A3}" type="datetimeFigureOut">
               <a:rPr lang="en-US" smtClean="0"/>
-              <a:t>7/17/2024</a:t>
+              <a:t>7/19/2024</a:t>
             </a:fld>
             <a:endParaRPr lang="en-US"/>
           </a:p>
@@ -17709,7 +21045,7 @@
           <a:p>
             <a:fld id="{54B74EF1-788F-47AB-9414-B0E30AA5E1A3}" type="datetimeFigureOut">
               <a:rPr lang="en-US" smtClean="0"/>
-              <a:t>7/17/2024</a:t>
+              <a:t>7/19/2024</a:t>
             </a:fld>
             <a:endParaRPr lang="en-US"/>
           </a:p>
@@ -17952,7 +21288,7 @@
           <a:p>
             <a:fld id="{54B74EF1-788F-47AB-9414-B0E30AA5E1A3}" type="datetimeFigureOut">
               <a:rPr lang="en-US" smtClean="0"/>
-              <a:t>7/17/2024</a:t>
+              <a:t>7/19/2024</a:t>
             </a:fld>
             <a:endParaRPr lang="en-US"/>
           </a:p>
@@ -19633,6 +22969,60 @@
       </p:grpSpPr>
       <p:sp>
         <p:nvSpPr>
+          <p:cNvPr id="3" name="Rechteck 2">
+            <a:extLst>
+              <a:ext uri="{FF2B5EF4-FFF2-40B4-BE49-F238E27FC236}">
+                <a16:creationId xmlns:a16="http://schemas.microsoft.com/office/drawing/2014/main" id="{B1E361FA-3F69-4FD0-B906-3A093E4F88D8}"/>
+              </a:ext>
+            </a:extLst>
+          </p:cNvPr>
+          <p:cNvSpPr/>
+          <p:nvPr/>
+        </p:nvSpPr>
+        <p:spPr>
+          <a:xfrm>
+            <a:off x="0" y="1871133"/>
+            <a:ext cx="11929533" cy="2370667"/>
+          </a:xfrm>
+          <a:prstGeom prst="rect">
+            <a:avLst/>
+          </a:prstGeom>
+          <a:solidFill>
+            <a:schemeClr val="bg1"/>
+          </a:solidFill>
+          <a:ln>
+            <a:solidFill>
+              <a:schemeClr val="bg1"/>
+            </a:solidFill>
+          </a:ln>
+        </p:spPr>
+        <p:style>
+          <a:lnRef idx="2">
+            <a:schemeClr val="accent1">
+              <a:shade val="50000"/>
+            </a:schemeClr>
+          </a:lnRef>
+          <a:fillRef idx="1">
+            <a:schemeClr val="accent1"/>
+          </a:fillRef>
+          <a:effectRef idx="0">
+            <a:schemeClr val="accent1"/>
+          </a:effectRef>
+          <a:fontRef idx="minor">
+            <a:schemeClr val="lt1"/>
+          </a:fontRef>
+        </p:style>
+        <p:txBody>
+          <a:bodyPr rtlCol="0" anchor="ctr"/>
+          <a:lstStyle/>
+          <a:p>
+            <a:pPr algn="ctr"/>
+            <a:endParaRPr lang="en-US"/>
+          </a:p>
+        </p:txBody>
+      </p:sp>
+      <p:sp>
+        <p:nvSpPr>
           <p:cNvPr id="2" name="Titel 1">
             <a:extLst>
               <a:ext uri="{FF2B5EF4-FFF2-40B4-BE49-F238E27FC236}">
@@ -20466,6 +23856,36 @@
           </a:p>
         </p:txBody>
       </p:sp>
+      <p:pic>
+        <p:nvPicPr>
+          <p:cNvPr id="9" name="Grafik 8">
+            <a:extLst>
+              <a:ext uri="{FF2B5EF4-FFF2-40B4-BE49-F238E27FC236}">
+                <a16:creationId xmlns:a16="http://schemas.microsoft.com/office/drawing/2014/main" id="{FC56F576-3927-4517-928F-BA8BF78B7FB8}"/>
+              </a:ext>
+            </a:extLst>
+          </p:cNvPr>
+          <p:cNvPicPr>
+            <a:picLocks noChangeAspect="1"/>
+          </p:cNvPicPr>
+          <p:nvPr/>
+        </p:nvPicPr>
+        <p:blipFill>
+          <a:blip r:embed="rId2"/>
+          <a:stretch>
+            <a:fillRect/>
+          </a:stretch>
+        </p:blipFill>
+        <p:spPr>
+          <a:xfrm>
+            <a:off x="124450" y="2237128"/>
+            <a:ext cx="11943099" cy="2383743"/>
+          </a:xfrm>
+          <a:prstGeom prst="rect">
+            <a:avLst/>
+          </a:prstGeom>
+        </p:spPr>
+      </p:pic>
     </p:spTree>
     <p:extLst>
       <p:ext uri="{BB962C8B-B14F-4D97-AF65-F5344CB8AC3E}">
@@ -20480,6 +23900,92 @@
 </file>
 
 <file path=ppt/slides/slide11.xml><?xml version="1.0" encoding="utf-8"?>
+<p:sld xmlns:a="http://schemas.openxmlformats.org/drawingml/2006/main" xmlns:r="http://schemas.openxmlformats.org/officeDocument/2006/relationships" xmlns:p="http://schemas.openxmlformats.org/presentationml/2006/main">
+  <p:cSld>
+    <p:spTree>
+      <p:nvGrpSpPr>
+        <p:cNvPr id="1" name=""/>
+        <p:cNvGrpSpPr/>
+        <p:nvPr/>
+      </p:nvGrpSpPr>
+      <p:grpSpPr>
+        <a:xfrm>
+          <a:off x="0" y="0"/>
+          <a:ext cx="0" cy="0"/>
+          <a:chOff x="0" y="0"/>
+          <a:chExt cx="0" cy="0"/>
+        </a:xfrm>
+      </p:grpSpPr>
+      <p:sp>
+        <p:nvSpPr>
+          <p:cNvPr id="2" name="Titel 1">
+            <a:extLst>
+              <a:ext uri="{FF2B5EF4-FFF2-40B4-BE49-F238E27FC236}">
+                <a16:creationId xmlns:a16="http://schemas.microsoft.com/office/drawing/2014/main" id="{615A0090-E3EB-4AA0-AAF6-029586E19EA1}"/>
+              </a:ext>
+            </a:extLst>
+          </p:cNvPr>
+          <p:cNvSpPr>
+            <a:spLocks noGrp="1"/>
+          </p:cNvSpPr>
+          <p:nvPr>
+            <p:ph type="title"/>
+          </p:nvPr>
+        </p:nvSpPr>
+        <p:spPr/>
+        <p:txBody>
+          <a:bodyPr/>
+          <a:lstStyle/>
+          <a:p>
+            <a:r>
+              <a:rPr lang="en-US" dirty="0"/>
+              <a:t>Open Peer Review</a:t>
+            </a:r>
+          </a:p>
+        </p:txBody>
+      </p:sp>
+      <p:graphicFrame>
+        <p:nvGraphicFramePr>
+          <p:cNvPr id="8" name="Diagramm 7">
+            <a:extLst>
+              <a:ext uri="{FF2B5EF4-FFF2-40B4-BE49-F238E27FC236}">
+                <a16:creationId xmlns:a16="http://schemas.microsoft.com/office/drawing/2014/main" id="{24313EFF-EF05-4357-9950-3D1E56E2AD34}"/>
+              </a:ext>
+            </a:extLst>
+          </p:cNvPr>
+          <p:cNvGraphicFramePr/>
+          <p:nvPr>
+            <p:extLst>
+              <p:ext uri="{D42A27DB-BD31-4B8C-83A1-F6EECF244321}">
+                <p14:modId xmlns:p14="http://schemas.microsoft.com/office/powerpoint/2010/main" val="4078838429"/>
+              </p:ext>
+            </p:extLst>
+          </p:nvPr>
+        </p:nvGraphicFramePr>
+        <p:xfrm>
+          <a:off x="5731933" y="3429000"/>
+          <a:ext cx="4648202" cy="3238500"/>
+        </p:xfrm>
+        <a:graphic>
+          <a:graphicData uri="http://schemas.openxmlformats.org/drawingml/2006/diagram">
+            <dgm:relIds xmlns:dgm="http://schemas.openxmlformats.org/drawingml/2006/diagram" xmlns:r="http://schemas.openxmlformats.org/officeDocument/2006/relationships" r:dm="rId2" r:lo="rId3" r:qs="rId4" r:cs="rId5"/>
+          </a:graphicData>
+        </a:graphic>
+      </p:graphicFrame>
+    </p:spTree>
+    <p:extLst>
+      <p:ext uri="{BB962C8B-B14F-4D97-AF65-F5344CB8AC3E}">
+        <p14:creationId xmlns:p14="http://schemas.microsoft.com/office/powerpoint/2010/main" val="170461141"/>
+      </p:ext>
+    </p:extLst>
+  </p:cSld>
+  <p:clrMapOvr>
+    <a:masterClrMapping/>
+  </p:clrMapOvr>
+</p:sld>
+</file>
+
+<file path=ppt/slides/slide12.xml><?xml version="1.0" encoding="utf-8"?>
 <p:sld xmlns:a="http://schemas.openxmlformats.org/drawingml/2006/main" xmlns:r="http://schemas.openxmlformats.org/officeDocument/2006/relationships" xmlns:p="http://schemas.openxmlformats.org/presentationml/2006/main">
   <p:cSld>
     <p:spTree>
@@ -20749,7 +24255,7 @@
 </p:sld>
 </file>
 
-<file path=ppt/slides/slide12.xml><?xml version="1.0" encoding="utf-8"?>
+<file path=ppt/slides/slide13.xml><?xml version="1.0" encoding="utf-8"?>
 <p:sld xmlns:a="http://schemas.openxmlformats.org/drawingml/2006/main" xmlns:r="http://schemas.openxmlformats.org/officeDocument/2006/relationships" xmlns:p="http://schemas.openxmlformats.org/presentationml/2006/main">
   <p:cSld>
     <p:spTree>
@@ -21168,7 +24674,7 @@
 </p:sld>
 </file>
 
-<file path=ppt/slides/slide13.xml><?xml version="1.0" encoding="utf-8"?>
+<file path=ppt/slides/slide14.xml><?xml version="1.0" encoding="utf-8"?>
 <p:sld xmlns:a="http://schemas.openxmlformats.org/drawingml/2006/main" xmlns:r="http://schemas.openxmlformats.org/officeDocument/2006/relationships" xmlns:p="http://schemas.openxmlformats.org/presentationml/2006/main">
   <p:cSld>
     <p:spTree>
@@ -22074,7 +25580,7 @@
 </p:sld>
 </file>
 
-<file path=ppt/slides/slide14.xml><?xml version="1.0" encoding="utf-8"?>
+<file path=ppt/slides/slide15.xml><?xml version="1.0" encoding="utf-8"?>
 <p:sld xmlns:a="http://schemas.openxmlformats.org/drawingml/2006/main" xmlns:r="http://schemas.openxmlformats.org/officeDocument/2006/relationships" xmlns:p="http://schemas.openxmlformats.org/presentationml/2006/main">
   <p:cSld>
     <p:spTree>
@@ -22557,7 +26063,7 @@
 </p:sld>
 </file>
 
-<file path=ppt/slides/slide15.xml><?xml version="1.0" encoding="utf-8"?>
+<file path=ppt/slides/slide16.xml><?xml version="1.0" encoding="utf-8"?>
 <p:sld xmlns:a="http://schemas.openxmlformats.org/drawingml/2006/main" xmlns:r="http://schemas.openxmlformats.org/officeDocument/2006/relationships" xmlns:p="http://schemas.openxmlformats.org/presentationml/2006/main">
   <p:cSld>
     <p:spTree>
@@ -22728,7 +26234,7 @@
 </p:sld>
 </file>
 
-<file path=ppt/slides/slide16.xml><?xml version="1.0" encoding="utf-8"?>
+<file path=ppt/slides/slide17.xml><?xml version="1.0" encoding="utf-8"?>
 <p:sld xmlns:a="http://schemas.openxmlformats.org/drawingml/2006/main" xmlns:r="http://schemas.openxmlformats.org/officeDocument/2006/relationships" xmlns:p="http://schemas.openxmlformats.org/presentationml/2006/main">
   <p:cSld>
     <p:spTree>
@@ -22910,7 +26416,7 @@
 </p:sld>
 </file>
 
-<file path=ppt/slides/slide17.xml><?xml version="1.0" encoding="utf-8"?>
+<file path=ppt/slides/slide18.xml><?xml version="1.0" encoding="utf-8"?>
 <p:sld xmlns:a="http://schemas.openxmlformats.org/drawingml/2006/main" xmlns:r="http://schemas.openxmlformats.org/officeDocument/2006/relationships" xmlns:p="http://schemas.openxmlformats.org/presentationml/2006/main">
   <p:cSld>
     <p:spTree>
@@ -23352,7 +26858,7 @@
 </p:sld>
 </file>
 
-<file path=ppt/slides/slide18.xml><?xml version="1.0" encoding="utf-8"?>
+<file path=ppt/slides/slide19.xml><?xml version="1.0" encoding="utf-8"?>
 <p:sld xmlns:a="http://schemas.openxmlformats.org/drawingml/2006/main" xmlns:r="http://schemas.openxmlformats.org/officeDocument/2006/relationships" xmlns:p="http://schemas.openxmlformats.org/presentationml/2006/main">
   <p:cSld>
     <p:spTree>
@@ -23480,7 +26986,123 @@
 </p:sld>
 </file>
 
-<file path=ppt/slides/slide19.xml><?xml version="1.0" encoding="utf-8"?>
+<file path=ppt/slides/slide2.xml><?xml version="1.0" encoding="utf-8"?>
+<p:sld xmlns:a="http://schemas.openxmlformats.org/drawingml/2006/main" xmlns:r="http://schemas.openxmlformats.org/officeDocument/2006/relationships" xmlns:p="http://schemas.openxmlformats.org/presentationml/2006/main">
+  <p:cSld>
+    <p:spTree>
+      <p:nvGrpSpPr>
+        <p:cNvPr id="1" name=""/>
+        <p:cNvGrpSpPr/>
+        <p:nvPr/>
+      </p:nvGrpSpPr>
+      <p:grpSpPr>
+        <a:xfrm>
+          <a:off x="0" y="0"/>
+          <a:ext cx="0" cy="0"/>
+          <a:chOff x="0" y="0"/>
+          <a:chExt cx="0" cy="0"/>
+        </a:xfrm>
+      </p:grpSpPr>
+      <p:sp>
+        <p:nvSpPr>
+          <p:cNvPr id="2" name="Titel 1">
+            <a:extLst>
+              <a:ext uri="{FF2B5EF4-FFF2-40B4-BE49-F238E27FC236}">
+                <a16:creationId xmlns:a16="http://schemas.microsoft.com/office/drawing/2014/main" id="{D07020CD-4B92-43E8-99A4-437D00FA5124}"/>
+              </a:ext>
+            </a:extLst>
+          </p:cNvPr>
+          <p:cNvSpPr>
+            <a:spLocks noGrp="1"/>
+          </p:cNvSpPr>
+          <p:nvPr>
+            <p:ph type="title"/>
+          </p:nvPr>
+        </p:nvSpPr>
+        <p:spPr/>
+        <p:txBody>
+          <a:bodyPr/>
+          <a:lstStyle/>
+          <a:p>
+            <a:endParaRPr lang="en-US"/>
+          </a:p>
+        </p:txBody>
+      </p:sp>
+      <p:graphicFrame>
+        <p:nvGraphicFramePr>
+          <p:cNvPr id="4" name="Inhaltsplatzhalter 3">
+            <a:extLst>
+              <a:ext uri="{FF2B5EF4-FFF2-40B4-BE49-F238E27FC236}">
+                <a16:creationId xmlns:a16="http://schemas.microsoft.com/office/drawing/2014/main" id="{E83C7A6C-960B-4520-9D9B-B1E20885044E}"/>
+              </a:ext>
+            </a:extLst>
+          </p:cNvPr>
+          <p:cNvGraphicFramePr>
+            <a:graphicFrameLocks noGrp="1"/>
+          </p:cNvGraphicFramePr>
+          <p:nvPr>
+            <p:ph idx="1"/>
+            <p:extLst>
+              <p:ext uri="{D42A27DB-BD31-4B8C-83A1-F6EECF244321}">
+                <p14:modId xmlns:p14="http://schemas.microsoft.com/office/powerpoint/2010/main" val="3509253916"/>
+              </p:ext>
+            </p:extLst>
+          </p:nvPr>
+        </p:nvGraphicFramePr>
+        <p:xfrm>
+          <a:off x="838200" y="1825625"/>
+          <a:ext cx="10515600" cy="3283404"/>
+        </p:xfrm>
+        <a:graphic>
+          <a:graphicData uri="http://schemas.openxmlformats.org/drawingml/2006/diagram">
+            <dgm:relIds xmlns:dgm="http://schemas.openxmlformats.org/drawingml/2006/diagram" xmlns:r="http://schemas.openxmlformats.org/officeDocument/2006/relationships" r:dm="rId2" r:lo="rId3" r:qs="rId4" r:cs="rId5"/>
+          </a:graphicData>
+        </a:graphic>
+      </p:graphicFrame>
+      <p:pic>
+        <p:nvPicPr>
+          <p:cNvPr id="19" name="Grafik 18">
+            <a:extLst>
+              <a:ext uri="{FF2B5EF4-FFF2-40B4-BE49-F238E27FC236}">
+                <a16:creationId xmlns:a16="http://schemas.microsoft.com/office/drawing/2014/main" id="{E4DD8C10-69E8-42B8-8D68-767BB232BF9B}"/>
+              </a:ext>
+            </a:extLst>
+          </p:cNvPr>
+          <p:cNvPicPr>
+            <a:picLocks noChangeAspect="1"/>
+          </p:cNvPicPr>
+          <p:nvPr/>
+        </p:nvPicPr>
+        <p:blipFill>
+          <a:blip r:embed="rId7"/>
+          <a:stretch>
+            <a:fillRect/>
+          </a:stretch>
+        </p:blipFill>
+        <p:spPr>
+          <a:xfrm>
+            <a:off x="834696" y="1785985"/>
+            <a:ext cx="10522608" cy="3286029"/>
+          </a:xfrm>
+          <a:prstGeom prst="rect">
+            <a:avLst/>
+          </a:prstGeom>
+        </p:spPr>
+      </p:pic>
+    </p:spTree>
+    <p:extLst>
+      <p:ext uri="{BB962C8B-B14F-4D97-AF65-F5344CB8AC3E}">
+        <p14:creationId xmlns:p14="http://schemas.microsoft.com/office/powerpoint/2010/main" val="2496250324"/>
+      </p:ext>
+    </p:extLst>
+  </p:cSld>
+  <p:clrMapOvr>
+    <a:masterClrMapping/>
+  </p:clrMapOvr>
+</p:sld>
+</file>
+
+<file path=ppt/slides/slide20.xml><?xml version="1.0" encoding="utf-8"?>
 <p:sld xmlns:a="http://schemas.openxmlformats.org/drawingml/2006/main" xmlns:r="http://schemas.openxmlformats.org/officeDocument/2006/relationships" xmlns:p="http://schemas.openxmlformats.org/presentationml/2006/main">
   <p:cSld>
     <p:spTree>
@@ -24126,123 +27748,7 @@
 </p:sld>
 </file>
 
-<file path=ppt/slides/slide2.xml><?xml version="1.0" encoding="utf-8"?>
-<p:sld xmlns:a="http://schemas.openxmlformats.org/drawingml/2006/main" xmlns:r="http://schemas.openxmlformats.org/officeDocument/2006/relationships" xmlns:p="http://schemas.openxmlformats.org/presentationml/2006/main">
-  <p:cSld>
-    <p:spTree>
-      <p:nvGrpSpPr>
-        <p:cNvPr id="1" name=""/>
-        <p:cNvGrpSpPr/>
-        <p:nvPr/>
-      </p:nvGrpSpPr>
-      <p:grpSpPr>
-        <a:xfrm>
-          <a:off x="0" y="0"/>
-          <a:ext cx="0" cy="0"/>
-          <a:chOff x="0" y="0"/>
-          <a:chExt cx="0" cy="0"/>
-        </a:xfrm>
-      </p:grpSpPr>
-      <p:sp>
-        <p:nvSpPr>
-          <p:cNvPr id="2" name="Titel 1">
-            <a:extLst>
-              <a:ext uri="{FF2B5EF4-FFF2-40B4-BE49-F238E27FC236}">
-                <a16:creationId xmlns:a16="http://schemas.microsoft.com/office/drawing/2014/main" id="{D07020CD-4B92-43E8-99A4-437D00FA5124}"/>
-              </a:ext>
-            </a:extLst>
-          </p:cNvPr>
-          <p:cNvSpPr>
-            <a:spLocks noGrp="1"/>
-          </p:cNvSpPr>
-          <p:nvPr>
-            <p:ph type="title"/>
-          </p:nvPr>
-        </p:nvSpPr>
-        <p:spPr/>
-        <p:txBody>
-          <a:bodyPr/>
-          <a:lstStyle/>
-          <a:p>
-            <a:endParaRPr lang="en-US"/>
-          </a:p>
-        </p:txBody>
-      </p:sp>
-      <p:graphicFrame>
-        <p:nvGraphicFramePr>
-          <p:cNvPr id="4" name="Inhaltsplatzhalter 3">
-            <a:extLst>
-              <a:ext uri="{FF2B5EF4-FFF2-40B4-BE49-F238E27FC236}">
-                <a16:creationId xmlns:a16="http://schemas.microsoft.com/office/drawing/2014/main" id="{E83C7A6C-960B-4520-9D9B-B1E20885044E}"/>
-              </a:ext>
-            </a:extLst>
-          </p:cNvPr>
-          <p:cNvGraphicFramePr>
-            <a:graphicFrameLocks noGrp="1"/>
-          </p:cNvGraphicFramePr>
-          <p:nvPr>
-            <p:ph idx="1"/>
-            <p:extLst>
-              <p:ext uri="{D42A27DB-BD31-4B8C-83A1-F6EECF244321}">
-                <p14:modId xmlns:p14="http://schemas.microsoft.com/office/powerpoint/2010/main" val="3509253916"/>
-              </p:ext>
-            </p:extLst>
-          </p:nvPr>
-        </p:nvGraphicFramePr>
-        <p:xfrm>
-          <a:off x="838200" y="1825625"/>
-          <a:ext cx="10515600" cy="3283404"/>
-        </p:xfrm>
-        <a:graphic>
-          <a:graphicData uri="http://schemas.openxmlformats.org/drawingml/2006/diagram">
-            <dgm:relIds xmlns:dgm="http://schemas.openxmlformats.org/drawingml/2006/diagram" xmlns:r="http://schemas.openxmlformats.org/officeDocument/2006/relationships" r:dm="rId2" r:lo="rId3" r:qs="rId4" r:cs="rId5"/>
-          </a:graphicData>
-        </a:graphic>
-      </p:graphicFrame>
-      <p:pic>
-        <p:nvPicPr>
-          <p:cNvPr id="19" name="Grafik 18">
-            <a:extLst>
-              <a:ext uri="{FF2B5EF4-FFF2-40B4-BE49-F238E27FC236}">
-                <a16:creationId xmlns:a16="http://schemas.microsoft.com/office/drawing/2014/main" id="{E4DD8C10-69E8-42B8-8D68-767BB232BF9B}"/>
-              </a:ext>
-            </a:extLst>
-          </p:cNvPr>
-          <p:cNvPicPr>
-            <a:picLocks noChangeAspect="1"/>
-          </p:cNvPicPr>
-          <p:nvPr/>
-        </p:nvPicPr>
-        <p:blipFill>
-          <a:blip r:embed="rId7"/>
-          <a:stretch>
-            <a:fillRect/>
-          </a:stretch>
-        </p:blipFill>
-        <p:spPr>
-          <a:xfrm>
-            <a:off x="834696" y="1785985"/>
-            <a:ext cx="10522608" cy="3286029"/>
-          </a:xfrm>
-          <a:prstGeom prst="rect">
-            <a:avLst/>
-          </a:prstGeom>
-        </p:spPr>
-      </p:pic>
-    </p:spTree>
-    <p:extLst>
-      <p:ext uri="{BB962C8B-B14F-4D97-AF65-F5344CB8AC3E}">
-        <p14:creationId xmlns:p14="http://schemas.microsoft.com/office/powerpoint/2010/main" val="2496250324"/>
-      </p:ext>
-    </p:extLst>
-  </p:cSld>
-  <p:clrMapOvr>
-    <a:masterClrMapping/>
-  </p:clrMapOvr>
-</p:sld>
-</file>
-
-<file path=ppt/slides/slide20.xml><?xml version="1.0" encoding="utf-8"?>
+<file path=ppt/slides/slide21.xml><?xml version="1.0" encoding="utf-8"?>
 <p:sld xmlns:a="http://schemas.openxmlformats.org/drawingml/2006/main" xmlns:r="http://schemas.openxmlformats.org/officeDocument/2006/relationships" xmlns:p="http://schemas.openxmlformats.org/presentationml/2006/main">
   <p:cSld>
     <p:spTree>
@@ -24327,7 +27833,7 @@
 </p:sld>
 </file>
 
-<file path=ppt/slides/slide21.xml><?xml version="1.0" encoding="utf-8"?>
+<file path=ppt/slides/slide22.xml><?xml version="1.0" encoding="utf-8"?>
 <p:sld xmlns:a="http://schemas.openxmlformats.org/drawingml/2006/main" xmlns:r="http://schemas.openxmlformats.org/officeDocument/2006/relationships" xmlns:p="http://schemas.openxmlformats.org/presentationml/2006/main">
   <p:cSld>
     <p:spTree>
@@ -31727,7 +35233,7 @@
 </p:sld>
 </file>
 
-<file path=ppt/slides/slide22.xml><?xml version="1.0" encoding="utf-8"?>
+<file path=ppt/slides/slide23.xml><?xml version="1.0" encoding="utf-8"?>
 <p:sld xmlns:a="http://schemas.openxmlformats.org/drawingml/2006/main" xmlns:r="http://schemas.openxmlformats.org/officeDocument/2006/relationships" xmlns:p="http://schemas.openxmlformats.org/presentationml/2006/main">
   <p:cSld>
     <p:spTree>
@@ -39369,7 +42875,7 @@
 </p:sld>
 </file>
 
-<file path=ppt/slides/slide23.xml><?xml version="1.0" encoding="utf-8"?>
+<file path=ppt/slides/slide24.xml><?xml version="1.0" encoding="utf-8"?>
 <p:sld xmlns:a="http://schemas.openxmlformats.org/drawingml/2006/main" xmlns:r="http://schemas.openxmlformats.org/officeDocument/2006/relationships" xmlns:p="http://schemas.openxmlformats.org/presentationml/2006/main">
   <p:cSld>
     <p:spTree>
